--- a/Specs.pptx
+++ b/Specs.pptx
@@ -9,10 +9,12 @@
     <p:sldId id="257" r:id="rId3"/>
     <p:sldId id="258" r:id="rId4"/>
     <p:sldId id="259" r:id="rId5"/>
-    <p:sldId id="260" r:id="rId6"/>
-    <p:sldId id="261" r:id="rId7"/>
-    <p:sldId id="262" r:id="rId8"/>
-    <p:sldId id="263" r:id="rId9"/>
+    <p:sldId id="264" r:id="rId6"/>
+    <p:sldId id="265" r:id="rId7"/>
+    <p:sldId id="260" r:id="rId8"/>
+    <p:sldId id="261" r:id="rId9"/>
+    <p:sldId id="262" r:id="rId10"/>
+    <p:sldId id="263" r:id="rId11"/>
   </p:sldIdLst>
   <p:sldSz cx="12192000" cy="6858000"/>
   <p:notesSz cx="6858000" cy="9144000"/>
@@ -250,7 +252,7 @@
           <a:p>
             <a:fld id="{A2EC0EAC-ECEF-44E1-B933-C13F370113F6}" type="datetimeFigureOut">
               <a:rPr lang="ru-RU" smtClean="0"/>
-              <a:t>02.04.2020</a:t>
+              <a:t>04.04.2020</a:t>
             </a:fld>
             <a:endParaRPr lang="ru-RU"/>
           </a:p>
@@ -420,7 +422,7 @@
           <a:p>
             <a:fld id="{A2EC0EAC-ECEF-44E1-B933-C13F370113F6}" type="datetimeFigureOut">
               <a:rPr lang="ru-RU" smtClean="0"/>
-              <a:t>02.04.2020</a:t>
+              <a:t>04.04.2020</a:t>
             </a:fld>
             <a:endParaRPr lang="ru-RU"/>
           </a:p>
@@ -600,7 +602,7 @@
           <a:p>
             <a:fld id="{A2EC0EAC-ECEF-44E1-B933-C13F370113F6}" type="datetimeFigureOut">
               <a:rPr lang="ru-RU" smtClean="0"/>
-              <a:t>02.04.2020</a:t>
+              <a:t>04.04.2020</a:t>
             </a:fld>
             <a:endParaRPr lang="ru-RU"/>
           </a:p>
@@ -770,7 +772,7 @@
           <a:p>
             <a:fld id="{A2EC0EAC-ECEF-44E1-B933-C13F370113F6}" type="datetimeFigureOut">
               <a:rPr lang="ru-RU" smtClean="0"/>
-              <a:t>02.04.2020</a:t>
+              <a:t>04.04.2020</a:t>
             </a:fld>
             <a:endParaRPr lang="ru-RU"/>
           </a:p>
@@ -1016,7 +1018,7 @@
           <a:p>
             <a:fld id="{A2EC0EAC-ECEF-44E1-B933-C13F370113F6}" type="datetimeFigureOut">
               <a:rPr lang="ru-RU" smtClean="0"/>
-              <a:t>02.04.2020</a:t>
+              <a:t>04.04.2020</a:t>
             </a:fld>
             <a:endParaRPr lang="ru-RU"/>
           </a:p>
@@ -1248,7 +1250,7 @@
           <a:p>
             <a:fld id="{A2EC0EAC-ECEF-44E1-B933-C13F370113F6}" type="datetimeFigureOut">
               <a:rPr lang="ru-RU" smtClean="0"/>
-              <a:t>02.04.2020</a:t>
+              <a:t>04.04.2020</a:t>
             </a:fld>
             <a:endParaRPr lang="ru-RU"/>
           </a:p>
@@ -1615,7 +1617,7 @@
           <a:p>
             <a:fld id="{A2EC0EAC-ECEF-44E1-B933-C13F370113F6}" type="datetimeFigureOut">
               <a:rPr lang="ru-RU" smtClean="0"/>
-              <a:t>02.04.2020</a:t>
+              <a:t>04.04.2020</a:t>
             </a:fld>
             <a:endParaRPr lang="ru-RU"/>
           </a:p>
@@ -1733,7 +1735,7 @@
           <a:p>
             <a:fld id="{A2EC0EAC-ECEF-44E1-B933-C13F370113F6}" type="datetimeFigureOut">
               <a:rPr lang="ru-RU" smtClean="0"/>
-              <a:t>02.04.2020</a:t>
+              <a:t>04.04.2020</a:t>
             </a:fld>
             <a:endParaRPr lang="ru-RU"/>
           </a:p>
@@ -1828,7 +1830,7 @@
           <a:p>
             <a:fld id="{A2EC0EAC-ECEF-44E1-B933-C13F370113F6}" type="datetimeFigureOut">
               <a:rPr lang="ru-RU" smtClean="0"/>
-              <a:t>02.04.2020</a:t>
+              <a:t>04.04.2020</a:t>
             </a:fld>
             <a:endParaRPr lang="ru-RU"/>
           </a:p>
@@ -2105,7 +2107,7 @@
           <a:p>
             <a:fld id="{A2EC0EAC-ECEF-44E1-B933-C13F370113F6}" type="datetimeFigureOut">
               <a:rPr lang="ru-RU" smtClean="0"/>
-              <a:t>02.04.2020</a:t>
+              <a:t>04.04.2020</a:t>
             </a:fld>
             <a:endParaRPr lang="ru-RU"/>
           </a:p>
@@ -2358,7 +2360,7 @@
           <a:p>
             <a:fld id="{A2EC0EAC-ECEF-44E1-B933-C13F370113F6}" type="datetimeFigureOut">
               <a:rPr lang="ru-RU" smtClean="0"/>
-              <a:t>02.04.2020</a:t>
+              <a:t>04.04.2020</a:t>
             </a:fld>
             <a:endParaRPr lang="ru-RU"/>
           </a:p>
@@ -2571,7 +2573,7 @@
           <a:p>
             <a:fld id="{A2EC0EAC-ECEF-44E1-B933-C13F370113F6}" type="datetimeFigureOut">
               <a:rPr lang="ru-RU" smtClean="0"/>
-              <a:t>02.04.2020</a:t>
+              <a:t>04.04.2020</a:t>
             </a:fld>
             <a:endParaRPr lang="ru-RU"/>
           </a:p>
@@ -4446,6 +4448,1124 @@
 </p:sld>
 </file>
 
+<file path=ppt/slides/slide10.xml><?xml version="1.0" encoding="utf-8"?>
+<p:sld xmlns:a="http://schemas.openxmlformats.org/drawingml/2006/main" xmlns:r="http://schemas.openxmlformats.org/officeDocument/2006/relationships" xmlns:p="http://schemas.openxmlformats.org/presentationml/2006/main">
+  <p:cSld>
+    <p:spTree>
+      <p:nvGrpSpPr>
+        <p:cNvPr id="1" name=""/>
+        <p:cNvGrpSpPr/>
+        <p:nvPr/>
+      </p:nvGrpSpPr>
+      <p:grpSpPr>
+        <a:xfrm>
+          <a:off x="0" y="0"/>
+          <a:ext cx="0" cy="0"/>
+          <a:chOff x="0" y="0"/>
+          <a:chExt cx="0" cy="0"/>
+        </a:xfrm>
+      </p:grpSpPr>
+      <p:sp>
+        <p:nvSpPr>
+          <p:cNvPr id="32" name="Прямоугольник 31"/>
+          <p:cNvSpPr/>
+          <p:nvPr/>
+        </p:nvSpPr>
+        <p:spPr>
+          <a:xfrm>
+            <a:off x="10277092" y="6117445"/>
+            <a:ext cx="1297642" cy="420226"/>
+          </a:xfrm>
+          <a:prstGeom prst="rect">
+            <a:avLst/>
+          </a:prstGeom>
+        </p:spPr>
+        <p:style>
+          <a:lnRef idx="2">
+            <a:schemeClr val="accent1">
+              <a:shade val="50000"/>
+            </a:schemeClr>
+          </a:lnRef>
+          <a:fillRef idx="1">
+            <a:schemeClr val="accent1"/>
+          </a:fillRef>
+          <a:effectRef idx="0">
+            <a:schemeClr val="accent1"/>
+          </a:effectRef>
+          <a:fontRef idx="minor">
+            <a:schemeClr val="lt1"/>
+          </a:fontRef>
+        </p:style>
+        <p:txBody>
+          <a:bodyPr rtlCol="0" anchor="ctr"/>
+          <a:lstStyle/>
+          <a:p>
+            <a:pPr algn="ctr"/>
+            <a:endParaRPr lang="ru-RU"/>
+          </a:p>
+        </p:txBody>
+      </p:sp>
+      <p:sp>
+        <p:nvSpPr>
+          <p:cNvPr id="4" name="TextBox 3"/>
+          <p:cNvSpPr txBox="1"/>
+          <p:nvPr/>
+        </p:nvSpPr>
+        <p:spPr>
+          <a:xfrm>
+            <a:off x="127747" y="134471"/>
+            <a:ext cx="6429464" cy="369332"/>
+          </a:xfrm>
+          <a:prstGeom prst="rect">
+            <a:avLst/>
+          </a:prstGeom>
+          <a:noFill/>
+        </p:spPr>
+        <p:txBody>
+          <a:bodyPr wrap="square" rtlCol="0">
+            <a:spAutoFit/>
+          </a:bodyPr>
+          <a:lstStyle/>
+          <a:p>
+            <a:r>
+              <a:rPr lang="en-US" dirty="0" smtClean="0"/>
+              <a:t>Create new/Update existing site</a:t>
+            </a:r>
+            <a:endParaRPr lang="ru-RU" dirty="0"/>
+          </a:p>
+        </p:txBody>
+      </p:sp>
+      <p:sp>
+        <p:nvSpPr>
+          <p:cNvPr id="5" name="Прямоугольник 4"/>
+          <p:cNvSpPr/>
+          <p:nvPr/>
+        </p:nvSpPr>
+        <p:spPr>
+          <a:xfrm>
+            <a:off x="174812" y="503803"/>
+            <a:ext cx="11867029" cy="6239897"/>
+          </a:xfrm>
+          <a:prstGeom prst="rect">
+            <a:avLst/>
+          </a:prstGeom>
+          <a:noFill/>
+        </p:spPr>
+        <p:style>
+          <a:lnRef idx="2">
+            <a:schemeClr val="accent1">
+              <a:shade val="50000"/>
+            </a:schemeClr>
+          </a:lnRef>
+          <a:fillRef idx="1">
+            <a:schemeClr val="accent1"/>
+          </a:fillRef>
+          <a:effectRef idx="0">
+            <a:schemeClr val="accent1"/>
+          </a:effectRef>
+          <a:fontRef idx="minor">
+            <a:schemeClr val="lt1"/>
+          </a:fontRef>
+        </p:style>
+        <p:txBody>
+          <a:bodyPr rtlCol="0" anchor="ctr"/>
+          <a:lstStyle/>
+          <a:p>
+            <a:pPr algn="ctr"/>
+            <a:endParaRPr lang="ru-RU"/>
+          </a:p>
+        </p:txBody>
+      </p:sp>
+      <p:sp>
+        <p:nvSpPr>
+          <p:cNvPr id="6" name="TextBox 5"/>
+          <p:cNvSpPr txBox="1"/>
+          <p:nvPr/>
+        </p:nvSpPr>
+        <p:spPr>
+          <a:xfrm>
+            <a:off x="356347" y="605118"/>
+            <a:ext cx="1378323" cy="369332"/>
+          </a:xfrm>
+          <a:prstGeom prst="rect">
+            <a:avLst/>
+          </a:prstGeom>
+          <a:noFill/>
+        </p:spPr>
+        <p:txBody>
+          <a:bodyPr wrap="square" rtlCol="0">
+            <a:spAutoFit/>
+          </a:bodyPr>
+          <a:lstStyle/>
+          <a:p>
+            <a:r>
+              <a:rPr lang="en-US" dirty="0" smtClean="0"/>
+              <a:t>Site name: </a:t>
+            </a:r>
+            <a:endParaRPr lang="ru-RU" dirty="0"/>
+          </a:p>
+        </p:txBody>
+      </p:sp>
+      <p:sp>
+        <p:nvSpPr>
+          <p:cNvPr id="8" name="Прямоугольник 7"/>
+          <p:cNvSpPr/>
+          <p:nvPr/>
+        </p:nvSpPr>
+        <p:spPr>
+          <a:xfrm>
+            <a:off x="2514600" y="638504"/>
+            <a:ext cx="4484594" cy="302559"/>
+          </a:xfrm>
+          <a:prstGeom prst="rect">
+            <a:avLst/>
+          </a:prstGeom>
+          <a:noFill/>
+        </p:spPr>
+        <p:style>
+          <a:lnRef idx="2">
+            <a:schemeClr val="accent1">
+              <a:shade val="50000"/>
+            </a:schemeClr>
+          </a:lnRef>
+          <a:fillRef idx="1">
+            <a:schemeClr val="accent1"/>
+          </a:fillRef>
+          <a:effectRef idx="0">
+            <a:schemeClr val="accent1"/>
+          </a:effectRef>
+          <a:fontRef idx="minor">
+            <a:schemeClr val="lt1"/>
+          </a:fontRef>
+        </p:style>
+        <p:txBody>
+          <a:bodyPr rtlCol="0" anchor="ctr"/>
+          <a:lstStyle/>
+          <a:p>
+            <a:pPr algn="ctr"/>
+            <a:endParaRPr lang="ru-RU"/>
+          </a:p>
+        </p:txBody>
+      </p:sp>
+      <p:sp>
+        <p:nvSpPr>
+          <p:cNvPr id="9" name="TextBox 8"/>
+          <p:cNvSpPr txBox="1"/>
+          <p:nvPr/>
+        </p:nvSpPr>
+        <p:spPr>
+          <a:xfrm>
+            <a:off x="2501154" y="591903"/>
+            <a:ext cx="2467535" cy="369332"/>
+          </a:xfrm>
+          <a:prstGeom prst="rect">
+            <a:avLst/>
+          </a:prstGeom>
+          <a:noFill/>
+        </p:spPr>
+        <p:txBody>
+          <a:bodyPr wrap="square" rtlCol="0">
+            <a:spAutoFit/>
+          </a:bodyPr>
+          <a:lstStyle/>
+          <a:p>
+            <a:r>
+              <a:rPr lang="en-US" dirty="0" err="1" smtClean="0"/>
+              <a:t>Alexs</a:t>
+            </a:r>
+            <a:r>
+              <a:rPr lang="en-US" dirty="0" smtClean="0"/>
+              <a:t>-test-site</a:t>
+            </a:r>
+            <a:endParaRPr lang="ru-RU" dirty="0"/>
+          </a:p>
+        </p:txBody>
+      </p:sp>
+      <p:sp>
+        <p:nvSpPr>
+          <p:cNvPr id="10" name="TextBox 9"/>
+          <p:cNvSpPr txBox="1"/>
+          <p:nvPr/>
+        </p:nvSpPr>
+        <p:spPr>
+          <a:xfrm>
+            <a:off x="356347" y="995077"/>
+            <a:ext cx="1311088" cy="369332"/>
+          </a:xfrm>
+          <a:prstGeom prst="rect">
+            <a:avLst/>
+          </a:prstGeom>
+          <a:noFill/>
+        </p:spPr>
+        <p:txBody>
+          <a:bodyPr wrap="square" rtlCol="0">
+            <a:spAutoFit/>
+          </a:bodyPr>
+          <a:lstStyle/>
+          <a:p>
+            <a:r>
+              <a:rPr lang="en-US" dirty="0" smtClean="0"/>
+              <a:t>Description:</a:t>
+            </a:r>
+            <a:endParaRPr lang="ru-RU" dirty="0"/>
+          </a:p>
+        </p:txBody>
+      </p:sp>
+      <p:sp>
+        <p:nvSpPr>
+          <p:cNvPr id="11" name="Прямоугольник 10"/>
+          <p:cNvSpPr/>
+          <p:nvPr/>
+        </p:nvSpPr>
+        <p:spPr>
+          <a:xfrm>
+            <a:off x="2501154" y="1122824"/>
+            <a:ext cx="4498040" cy="1653988"/>
+          </a:xfrm>
+          <a:prstGeom prst="rect">
+            <a:avLst/>
+          </a:prstGeom>
+          <a:noFill/>
+        </p:spPr>
+        <p:style>
+          <a:lnRef idx="2">
+            <a:schemeClr val="accent1">
+              <a:shade val="50000"/>
+            </a:schemeClr>
+          </a:lnRef>
+          <a:fillRef idx="1">
+            <a:schemeClr val="accent1"/>
+          </a:fillRef>
+          <a:effectRef idx="0">
+            <a:schemeClr val="accent1"/>
+          </a:effectRef>
+          <a:fontRef idx="minor">
+            <a:schemeClr val="lt1"/>
+          </a:fontRef>
+        </p:style>
+        <p:txBody>
+          <a:bodyPr rtlCol="0" anchor="ctr"/>
+          <a:lstStyle/>
+          <a:p>
+            <a:pPr algn="ctr"/>
+            <a:endParaRPr lang="ru-RU"/>
+          </a:p>
+        </p:txBody>
+      </p:sp>
+      <p:sp>
+        <p:nvSpPr>
+          <p:cNvPr id="12" name="TextBox 11"/>
+          <p:cNvSpPr txBox="1"/>
+          <p:nvPr/>
+        </p:nvSpPr>
+        <p:spPr>
+          <a:xfrm>
+            <a:off x="302558" y="3204671"/>
+            <a:ext cx="1660711" cy="369332"/>
+          </a:xfrm>
+          <a:prstGeom prst="rect">
+            <a:avLst/>
+          </a:prstGeom>
+          <a:noFill/>
+        </p:spPr>
+        <p:txBody>
+          <a:bodyPr wrap="square" rtlCol="0">
+            <a:spAutoFit/>
+          </a:bodyPr>
+          <a:lstStyle/>
+          <a:p>
+            <a:r>
+              <a:rPr lang="en-US" dirty="0" smtClean="0"/>
+              <a:t>Is active:</a:t>
+            </a:r>
+            <a:endParaRPr lang="ru-RU" dirty="0"/>
+          </a:p>
+        </p:txBody>
+      </p:sp>
+      <p:sp>
+        <p:nvSpPr>
+          <p:cNvPr id="13" name="Прямоугольник 12"/>
+          <p:cNvSpPr/>
+          <p:nvPr/>
+        </p:nvSpPr>
+        <p:spPr>
+          <a:xfrm>
+            <a:off x="2501154" y="3268265"/>
+            <a:ext cx="295835" cy="242145"/>
+          </a:xfrm>
+          <a:prstGeom prst="rect">
+            <a:avLst/>
+          </a:prstGeom>
+          <a:noFill/>
+        </p:spPr>
+        <p:style>
+          <a:lnRef idx="2">
+            <a:schemeClr val="accent1">
+              <a:shade val="50000"/>
+            </a:schemeClr>
+          </a:lnRef>
+          <a:fillRef idx="1">
+            <a:schemeClr val="accent1"/>
+          </a:fillRef>
+          <a:effectRef idx="0">
+            <a:schemeClr val="accent1"/>
+          </a:effectRef>
+          <a:fontRef idx="minor">
+            <a:schemeClr val="lt1"/>
+          </a:fontRef>
+        </p:style>
+        <p:txBody>
+          <a:bodyPr rtlCol="0" anchor="ctr"/>
+          <a:lstStyle/>
+          <a:p>
+            <a:pPr algn="ctr"/>
+            <a:endParaRPr lang="ru-RU"/>
+          </a:p>
+        </p:txBody>
+      </p:sp>
+      <p:sp>
+        <p:nvSpPr>
+          <p:cNvPr id="14" name="TextBox 13"/>
+          <p:cNvSpPr txBox="1"/>
+          <p:nvPr/>
+        </p:nvSpPr>
+        <p:spPr>
+          <a:xfrm>
+            <a:off x="2487706" y="3203456"/>
+            <a:ext cx="2333065" cy="369332"/>
+          </a:xfrm>
+          <a:prstGeom prst="rect">
+            <a:avLst/>
+          </a:prstGeom>
+          <a:noFill/>
+        </p:spPr>
+        <p:txBody>
+          <a:bodyPr wrap="square" rtlCol="0">
+            <a:spAutoFit/>
+          </a:bodyPr>
+          <a:lstStyle/>
+          <a:p>
+            <a:r>
+              <a:rPr lang="en-US" dirty="0"/>
+              <a:t>V</a:t>
+            </a:r>
+            <a:endParaRPr lang="ru-RU" dirty="0"/>
+          </a:p>
+        </p:txBody>
+      </p:sp>
+      <p:sp>
+        <p:nvSpPr>
+          <p:cNvPr id="2" name="TextBox 1"/>
+          <p:cNvSpPr txBox="1"/>
+          <p:nvPr/>
+        </p:nvSpPr>
+        <p:spPr>
+          <a:xfrm>
+            <a:off x="302558" y="3752455"/>
+            <a:ext cx="5516478" cy="369332"/>
+          </a:xfrm>
+          <a:prstGeom prst="rect">
+            <a:avLst/>
+          </a:prstGeom>
+          <a:noFill/>
+        </p:spPr>
+        <p:txBody>
+          <a:bodyPr wrap="square" rtlCol="0">
+            <a:spAutoFit/>
+          </a:bodyPr>
+          <a:lstStyle/>
+          <a:p>
+            <a:r>
+              <a:rPr lang="en-US" dirty="0" smtClean="0"/>
+              <a:t>Resource mappings</a:t>
+            </a:r>
+            <a:endParaRPr lang="ru-RU" dirty="0"/>
+          </a:p>
+        </p:txBody>
+      </p:sp>
+      <p:graphicFrame>
+        <p:nvGraphicFramePr>
+          <p:cNvPr id="3" name="Таблица 2"/>
+          <p:cNvGraphicFramePr>
+            <a:graphicFrameLocks noGrp="1"/>
+          </p:cNvGraphicFramePr>
+          <p:nvPr>
+            <p:extLst>
+              <p:ext uri="{D42A27DB-BD31-4B8C-83A1-F6EECF244321}">
+                <p14:modId xmlns:p14="http://schemas.microsoft.com/office/powerpoint/2010/main" val="83221203"/>
+              </p:ext>
+            </p:extLst>
+          </p:nvPr>
+        </p:nvGraphicFramePr>
+        <p:xfrm>
+          <a:off x="356347" y="4173231"/>
+          <a:ext cx="6642848" cy="1483360"/>
+        </p:xfrm>
+        <a:graphic>
+          <a:graphicData uri="http://schemas.openxmlformats.org/drawingml/2006/table">
+            <a:tbl>
+              <a:tblPr firstRow="1" bandRow="1">
+                <a:tableStyleId>{5C22544A-7EE6-4342-B048-85BDC9FD1C3A}</a:tableStyleId>
+              </a:tblPr>
+              <a:tblGrid>
+                <a:gridCol w="3321424">
+                  <a:extLst>
+                    <a:ext uri="{9D8B030D-6E8A-4147-A177-3AD203B41FA5}">
+                      <a16:colId xmlns:a16="http://schemas.microsoft.com/office/drawing/2014/main" val="3001791574"/>
+                    </a:ext>
+                  </a:extLst>
+                </a:gridCol>
+                <a:gridCol w="3321424">
+                  <a:extLst>
+                    <a:ext uri="{9D8B030D-6E8A-4147-A177-3AD203B41FA5}">
+                      <a16:colId xmlns:a16="http://schemas.microsoft.com/office/drawing/2014/main" val="1749289886"/>
+                    </a:ext>
+                  </a:extLst>
+                </a:gridCol>
+              </a:tblGrid>
+              <a:tr h="370840">
+                <a:tc>
+                  <a:txBody>
+                    <a:bodyPr/>
+                    <a:lstStyle/>
+                    <a:p>
+                      <a:r>
+                        <a:rPr lang="en-US" dirty="0" smtClean="0"/>
+                        <a:t>Name</a:t>
+                      </a:r>
+                      <a:endParaRPr lang="ru-RU" dirty="0"/>
+                    </a:p>
+                  </a:txBody>
+                  <a:tcPr/>
+                </a:tc>
+                <a:tc>
+                  <a:txBody>
+                    <a:bodyPr/>
+                    <a:lstStyle/>
+                    <a:p>
+                      <a:r>
+                        <a:rPr lang="en-US" dirty="0" smtClean="0"/>
+                        <a:t>Value</a:t>
+                      </a:r>
+                      <a:endParaRPr lang="ru-RU" dirty="0"/>
+                    </a:p>
+                  </a:txBody>
+                  <a:tcPr/>
+                </a:tc>
+                <a:extLst>
+                  <a:ext uri="{0D108BD9-81ED-4DB2-BD59-A6C34878D82A}">
+                    <a16:rowId xmlns:a16="http://schemas.microsoft.com/office/drawing/2014/main" val="2346861602"/>
+                  </a:ext>
+                </a:extLst>
+              </a:tr>
+              <a:tr h="370840">
+                <a:tc>
+                  <a:txBody>
+                    <a:bodyPr/>
+                    <a:lstStyle/>
+                    <a:p>
+                      <a:r>
+                        <a:rPr lang="en-US" dirty="0" smtClean="0"/>
+                        <a:t>dashboard</a:t>
+                      </a:r>
+                      <a:endParaRPr lang="ru-RU" dirty="0"/>
+                    </a:p>
+                  </a:txBody>
+                  <a:tcPr/>
+                </a:tc>
+                <a:tc>
+                  <a:txBody>
+                    <a:bodyPr/>
+                    <a:lstStyle/>
+                    <a:p>
+                      <a:r>
+                        <a:rPr lang="en-US" dirty="0" smtClean="0"/>
+                        <a:t>dashboard.html</a:t>
+                      </a:r>
+                      <a:endParaRPr lang="ru-RU" dirty="0"/>
+                    </a:p>
+                  </a:txBody>
+                  <a:tcPr/>
+                </a:tc>
+                <a:extLst>
+                  <a:ext uri="{0D108BD9-81ED-4DB2-BD59-A6C34878D82A}">
+                    <a16:rowId xmlns:a16="http://schemas.microsoft.com/office/drawing/2014/main" val="3947389587"/>
+                  </a:ext>
+                </a:extLst>
+              </a:tr>
+              <a:tr h="370840">
+                <a:tc>
+                  <a:txBody>
+                    <a:bodyPr/>
+                    <a:lstStyle/>
+                    <a:p>
+                      <a:r>
+                        <a:rPr lang="en-US" dirty="0" smtClean="0"/>
+                        <a:t>about-us</a:t>
+                      </a:r>
+                      <a:endParaRPr lang="ru-RU" dirty="0"/>
+                    </a:p>
+                  </a:txBody>
+                  <a:tcPr/>
+                </a:tc>
+                <a:tc>
+                  <a:txBody>
+                    <a:bodyPr/>
+                    <a:lstStyle/>
+                    <a:p>
+                      <a:r>
+                        <a:rPr lang="en-US" dirty="0" smtClean="0"/>
+                        <a:t>about.html</a:t>
+                      </a:r>
+                      <a:endParaRPr lang="ru-RU" dirty="0"/>
+                    </a:p>
+                  </a:txBody>
+                  <a:tcPr/>
+                </a:tc>
+                <a:extLst>
+                  <a:ext uri="{0D108BD9-81ED-4DB2-BD59-A6C34878D82A}">
+                    <a16:rowId xmlns:a16="http://schemas.microsoft.com/office/drawing/2014/main" val="2086198177"/>
+                  </a:ext>
+                </a:extLst>
+              </a:tr>
+              <a:tr h="370840">
+                <a:tc>
+                  <a:txBody>
+                    <a:bodyPr/>
+                    <a:lstStyle/>
+                    <a:p>
+                      <a:endParaRPr lang="ru-RU" dirty="0"/>
+                    </a:p>
+                  </a:txBody>
+                  <a:tcPr/>
+                </a:tc>
+                <a:tc>
+                  <a:txBody>
+                    <a:bodyPr/>
+                    <a:lstStyle/>
+                    <a:p>
+                      <a:r>
+                        <a:rPr lang="en-US" dirty="0" smtClean="0"/>
+                        <a:t>Index.html</a:t>
+                      </a:r>
+                      <a:endParaRPr lang="ru-RU" dirty="0"/>
+                    </a:p>
+                  </a:txBody>
+                  <a:tcPr/>
+                </a:tc>
+                <a:extLst>
+                  <a:ext uri="{0D108BD9-81ED-4DB2-BD59-A6C34878D82A}">
+                    <a16:rowId xmlns:a16="http://schemas.microsoft.com/office/drawing/2014/main" val="1014794711"/>
+                  </a:ext>
+                </a:extLst>
+              </a:tr>
+            </a:tbl>
+          </a:graphicData>
+        </a:graphic>
+      </p:graphicFrame>
+      <p:sp>
+        <p:nvSpPr>
+          <p:cNvPr id="15" name="Управляющая кнопка: документ 14">
+            <a:hlinkClick r:id="" action="ppaction://noaction" highlightClick="1"/>
+          </p:cNvPr>
+          <p:cNvSpPr/>
+          <p:nvPr/>
+        </p:nvSpPr>
+        <p:spPr>
+          <a:xfrm>
+            <a:off x="5946782" y="3789205"/>
+            <a:ext cx="349623" cy="308064"/>
+          </a:xfrm>
+          <a:prstGeom prst="actionButtonDocument">
+            <a:avLst/>
+          </a:prstGeom>
+          <a:noFill/>
+        </p:spPr>
+        <p:style>
+          <a:lnRef idx="2">
+            <a:schemeClr val="accent1">
+              <a:shade val="50000"/>
+            </a:schemeClr>
+          </a:lnRef>
+          <a:fillRef idx="1">
+            <a:schemeClr val="accent1"/>
+          </a:fillRef>
+          <a:effectRef idx="0">
+            <a:schemeClr val="accent1"/>
+          </a:effectRef>
+          <a:fontRef idx="minor">
+            <a:schemeClr val="lt1"/>
+          </a:fontRef>
+        </p:style>
+        <p:txBody>
+          <a:bodyPr rtlCol="0" anchor="ctr"/>
+          <a:lstStyle/>
+          <a:p>
+            <a:pPr algn="ctr"/>
+            <a:endParaRPr lang="ru-RU"/>
+          </a:p>
+        </p:txBody>
+      </p:sp>
+      <p:sp>
+        <p:nvSpPr>
+          <p:cNvPr id="16" name="TextBox 15"/>
+          <p:cNvSpPr txBox="1"/>
+          <p:nvPr/>
+        </p:nvSpPr>
+        <p:spPr>
+          <a:xfrm>
+            <a:off x="6296405" y="3752455"/>
+            <a:ext cx="813548" cy="369332"/>
+          </a:xfrm>
+          <a:prstGeom prst="rect">
+            <a:avLst/>
+          </a:prstGeom>
+          <a:noFill/>
+        </p:spPr>
+        <p:txBody>
+          <a:bodyPr wrap="square" rtlCol="0">
+            <a:spAutoFit/>
+          </a:bodyPr>
+          <a:lstStyle/>
+          <a:p>
+            <a:r>
+              <a:rPr lang="en-US" dirty="0" smtClean="0"/>
+              <a:t>New…</a:t>
+            </a:r>
+            <a:endParaRPr lang="ru-RU" dirty="0"/>
+          </a:p>
+        </p:txBody>
+      </p:sp>
+      <p:sp>
+        <p:nvSpPr>
+          <p:cNvPr id="7" name="TextBox 6"/>
+          <p:cNvSpPr txBox="1"/>
+          <p:nvPr/>
+        </p:nvSpPr>
+        <p:spPr>
+          <a:xfrm>
+            <a:off x="7295031" y="571731"/>
+            <a:ext cx="4313321" cy="369332"/>
+          </a:xfrm>
+          <a:prstGeom prst="rect">
+            <a:avLst/>
+          </a:prstGeom>
+          <a:noFill/>
+        </p:spPr>
+        <p:txBody>
+          <a:bodyPr wrap="square" rtlCol="0">
+            <a:spAutoFit/>
+          </a:bodyPr>
+          <a:lstStyle/>
+          <a:p>
+            <a:r>
+              <a:rPr lang="en-US" dirty="0" smtClean="0"/>
+              <a:t>Upload files</a:t>
+            </a:r>
+            <a:endParaRPr lang="ru-RU" dirty="0"/>
+          </a:p>
+        </p:txBody>
+      </p:sp>
+      <p:sp>
+        <p:nvSpPr>
+          <p:cNvPr id="17" name="Прямоугольник 16"/>
+          <p:cNvSpPr/>
+          <p:nvPr/>
+        </p:nvSpPr>
+        <p:spPr>
+          <a:xfrm>
+            <a:off x="7433040" y="941063"/>
+            <a:ext cx="3149796" cy="238680"/>
+          </a:xfrm>
+          <a:prstGeom prst="rect">
+            <a:avLst/>
+          </a:prstGeom>
+          <a:noFill/>
+        </p:spPr>
+        <p:style>
+          <a:lnRef idx="2">
+            <a:schemeClr val="accent1">
+              <a:shade val="50000"/>
+            </a:schemeClr>
+          </a:lnRef>
+          <a:fillRef idx="1">
+            <a:schemeClr val="accent1"/>
+          </a:fillRef>
+          <a:effectRef idx="0">
+            <a:schemeClr val="accent1"/>
+          </a:effectRef>
+          <a:fontRef idx="minor">
+            <a:schemeClr val="lt1"/>
+          </a:fontRef>
+        </p:style>
+        <p:txBody>
+          <a:bodyPr rtlCol="0" anchor="ctr"/>
+          <a:lstStyle/>
+          <a:p>
+            <a:pPr algn="ctr"/>
+            <a:endParaRPr lang="ru-RU"/>
+          </a:p>
+        </p:txBody>
+      </p:sp>
+      <p:sp>
+        <p:nvSpPr>
+          <p:cNvPr id="20" name="Прямоугольник 19"/>
+          <p:cNvSpPr/>
+          <p:nvPr/>
+        </p:nvSpPr>
+        <p:spPr>
+          <a:xfrm>
+            <a:off x="10582836" y="936018"/>
+            <a:ext cx="934570" cy="248770"/>
+          </a:xfrm>
+          <a:prstGeom prst="rect">
+            <a:avLst/>
+          </a:prstGeom>
+        </p:spPr>
+        <p:style>
+          <a:lnRef idx="2">
+            <a:schemeClr val="accent1">
+              <a:shade val="50000"/>
+            </a:schemeClr>
+          </a:lnRef>
+          <a:fillRef idx="1">
+            <a:schemeClr val="accent1"/>
+          </a:fillRef>
+          <a:effectRef idx="0">
+            <a:schemeClr val="accent1"/>
+          </a:effectRef>
+          <a:fontRef idx="minor">
+            <a:schemeClr val="lt1"/>
+          </a:fontRef>
+        </p:style>
+        <p:txBody>
+          <a:bodyPr rtlCol="0" anchor="ctr"/>
+          <a:lstStyle/>
+          <a:p>
+            <a:pPr algn="ctr"/>
+            <a:endParaRPr lang="ru-RU"/>
+          </a:p>
+        </p:txBody>
+      </p:sp>
+      <p:sp>
+        <p:nvSpPr>
+          <p:cNvPr id="23" name="TextBox 22"/>
+          <p:cNvSpPr txBox="1"/>
+          <p:nvPr/>
+        </p:nvSpPr>
+        <p:spPr>
+          <a:xfrm>
+            <a:off x="10596283" y="910189"/>
+            <a:ext cx="1156446" cy="276999"/>
+          </a:xfrm>
+          <a:prstGeom prst="rect">
+            <a:avLst/>
+          </a:prstGeom>
+          <a:noFill/>
+        </p:spPr>
+        <p:txBody>
+          <a:bodyPr wrap="square" rtlCol="0">
+            <a:spAutoFit/>
+          </a:bodyPr>
+          <a:lstStyle/>
+          <a:p>
+            <a:r>
+              <a:rPr lang="en-US" sz="1200" dirty="0" smtClean="0">
+                <a:solidFill>
+                  <a:schemeClr val="bg1"/>
+                </a:solidFill>
+              </a:rPr>
+              <a:t>Choose file…</a:t>
+            </a:r>
+            <a:endParaRPr lang="ru-RU" sz="1200" dirty="0">
+              <a:solidFill>
+                <a:schemeClr val="bg1"/>
+              </a:solidFill>
+            </a:endParaRPr>
+          </a:p>
+        </p:txBody>
+      </p:sp>
+      <p:cxnSp>
+        <p:nvCxnSpPr>
+          <p:cNvPr id="28" name="Прямая соединительная линия 27"/>
+          <p:cNvCxnSpPr/>
+          <p:nvPr/>
+        </p:nvCxnSpPr>
+        <p:spPr>
+          <a:xfrm>
+            <a:off x="356347" y="5876365"/>
+            <a:ext cx="11252005" cy="33617"/>
+          </a:xfrm>
+          <a:prstGeom prst="line">
+            <a:avLst/>
+          </a:prstGeom>
+        </p:spPr>
+        <p:style>
+          <a:lnRef idx="1">
+            <a:schemeClr val="accent1"/>
+          </a:lnRef>
+          <a:fillRef idx="0">
+            <a:schemeClr val="accent1"/>
+          </a:fillRef>
+          <a:effectRef idx="0">
+            <a:schemeClr val="accent1"/>
+          </a:effectRef>
+          <a:fontRef idx="minor">
+            <a:schemeClr val="tx1"/>
+          </a:fontRef>
+        </p:style>
+      </p:cxnSp>
+      <p:sp>
+        <p:nvSpPr>
+          <p:cNvPr id="30" name="TextBox 29"/>
+          <p:cNvSpPr txBox="1"/>
+          <p:nvPr/>
+        </p:nvSpPr>
+        <p:spPr>
+          <a:xfrm>
+            <a:off x="10364499" y="6122490"/>
+            <a:ext cx="1243853" cy="369332"/>
+          </a:xfrm>
+          <a:prstGeom prst="rect">
+            <a:avLst/>
+          </a:prstGeom>
+          <a:noFill/>
+        </p:spPr>
+        <p:txBody>
+          <a:bodyPr wrap="square" rtlCol="0">
+            <a:spAutoFit/>
+          </a:bodyPr>
+          <a:lstStyle/>
+          <a:p>
+            <a:r>
+              <a:rPr lang="en-US" dirty="0">
+                <a:solidFill>
+                  <a:schemeClr val="bg1"/>
+                </a:solidFill>
+              </a:rPr>
+              <a:t>Create Site</a:t>
+            </a:r>
+            <a:endParaRPr lang="ru-RU" dirty="0">
+              <a:solidFill>
+                <a:schemeClr val="bg1"/>
+              </a:solidFill>
+            </a:endParaRPr>
+          </a:p>
+        </p:txBody>
+      </p:sp>
+      <p:sp>
+        <p:nvSpPr>
+          <p:cNvPr id="31" name="TextBox 30"/>
+          <p:cNvSpPr txBox="1"/>
+          <p:nvPr/>
+        </p:nvSpPr>
+        <p:spPr>
+          <a:xfrm>
+            <a:off x="7345632" y="2246833"/>
+            <a:ext cx="3163244" cy="369332"/>
+          </a:xfrm>
+          <a:prstGeom prst="rect">
+            <a:avLst/>
+          </a:prstGeom>
+          <a:noFill/>
+        </p:spPr>
+        <p:txBody>
+          <a:bodyPr wrap="square" rtlCol="0">
+            <a:spAutoFit/>
+          </a:bodyPr>
+          <a:lstStyle/>
+          <a:p>
+            <a:r>
+              <a:rPr lang="en-US" dirty="0" smtClean="0"/>
+              <a:t>Uploaded:</a:t>
+            </a:r>
+            <a:endParaRPr lang="ru-RU" dirty="0"/>
+          </a:p>
+        </p:txBody>
+      </p:sp>
+      <p:sp>
+        <p:nvSpPr>
+          <p:cNvPr id="24" name="TextBox 23"/>
+          <p:cNvSpPr txBox="1"/>
+          <p:nvPr/>
+        </p:nvSpPr>
+        <p:spPr>
+          <a:xfrm>
+            <a:off x="7844589" y="2776812"/>
+            <a:ext cx="3380874" cy="1754326"/>
+          </a:xfrm>
+          <a:prstGeom prst="rect">
+            <a:avLst/>
+          </a:prstGeom>
+          <a:noFill/>
+        </p:spPr>
+        <p:txBody>
+          <a:bodyPr wrap="square" rtlCol="0">
+            <a:spAutoFit/>
+          </a:bodyPr>
+          <a:lstStyle/>
+          <a:p>
+            <a:pPr marL="285750" indent="-285750" algn="just">
+              <a:buFont typeface="Arial" panose="020B0604020202020204" pitchFamily="34" charset="0"/>
+              <a:buChar char="•"/>
+            </a:pPr>
+            <a:r>
+              <a:rPr lang="en-US" dirty="0" smtClean="0"/>
+              <a:t>styles/global.css                        X</a:t>
+            </a:r>
+          </a:p>
+          <a:p>
+            <a:pPr marL="285750" indent="-285750" algn="just">
+              <a:buFont typeface="Arial" panose="020B0604020202020204" pitchFamily="34" charset="0"/>
+              <a:buChar char="•"/>
+            </a:pPr>
+            <a:r>
+              <a:rPr lang="en-US" dirty="0" err="1" smtClean="0"/>
+              <a:t>js</a:t>
+            </a:r>
+            <a:r>
+              <a:rPr lang="en-US" dirty="0" smtClean="0"/>
+              <a:t>/main.min.js                           X  </a:t>
+            </a:r>
+          </a:p>
+          <a:p>
+            <a:pPr marL="285750" indent="-285750" algn="just">
+              <a:buFont typeface="Arial" panose="020B0604020202020204" pitchFamily="34" charset="0"/>
+              <a:buChar char="•"/>
+            </a:pPr>
+            <a:r>
+              <a:rPr lang="en-US" dirty="0" err="1" smtClean="0"/>
+              <a:t>js</a:t>
+            </a:r>
+            <a:r>
+              <a:rPr lang="en-US" dirty="0" smtClean="0"/>
+              <a:t>/jquery.3.4.1.min.js               X</a:t>
+            </a:r>
+          </a:p>
+          <a:p>
+            <a:pPr marL="285750" indent="-285750" algn="just">
+              <a:buFont typeface="Arial" panose="020B0604020202020204" pitchFamily="34" charset="0"/>
+              <a:buChar char="•"/>
+            </a:pPr>
+            <a:r>
+              <a:rPr lang="en-US" dirty="0" smtClean="0"/>
+              <a:t>Index.html                                 X</a:t>
+            </a:r>
+          </a:p>
+          <a:p>
+            <a:pPr marL="285750" indent="-285750" algn="just">
+              <a:buFont typeface="Arial" panose="020B0604020202020204" pitchFamily="34" charset="0"/>
+              <a:buChar char="•"/>
+            </a:pPr>
+            <a:r>
+              <a:rPr lang="en-US" dirty="0" smtClean="0"/>
+              <a:t>about.html                                X   </a:t>
+            </a:r>
+          </a:p>
+          <a:p>
+            <a:pPr marL="285750" indent="-285750" algn="just">
+              <a:buFont typeface="Arial" panose="020B0604020202020204" pitchFamily="34" charset="0"/>
+              <a:buChar char="•"/>
+            </a:pPr>
+            <a:r>
+              <a:rPr lang="en-US" dirty="0" smtClean="0"/>
+              <a:t>dashboard.html                        X</a:t>
+            </a:r>
+            <a:endParaRPr lang="ru-RU" dirty="0"/>
+          </a:p>
+        </p:txBody>
+      </p:sp>
+      <p:sp>
+        <p:nvSpPr>
+          <p:cNvPr id="33" name="Прямоугольник 32"/>
+          <p:cNvSpPr/>
+          <p:nvPr/>
+        </p:nvSpPr>
+        <p:spPr>
+          <a:xfrm>
+            <a:off x="10582836" y="1362031"/>
+            <a:ext cx="934569" cy="306379"/>
+          </a:xfrm>
+          <a:prstGeom prst="rect">
+            <a:avLst/>
+          </a:prstGeom>
+        </p:spPr>
+        <p:style>
+          <a:lnRef idx="2">
+            <a:schemeClr val="accent1">
+              <a:shade val="50000"/>
+            </a:schemeClr>
+          </a:lnRef>
+          <a:fillRef idx="1">
+            <a:schemeClr val="accent1"/>
+          </a:fillRef>
+          <a:effectRef idx="0">
+            <a:schemeClr val="accent1"/>
+          </a:effectRef>
+          <a:fontRef idx="minor">
+            <a:schemeClr val="lt1"/>
+          </a:fontRef>
+        </p:style>
+        <p:txBody>
+          <a:bodyPr rtlCol="0" anchor="ctr"/>
+          <a:lstStyle/>
+          <a:p>
+            <a:pPr algn="ctr"/>
+            <a:endParaRPr lang="ru-RU"/>
+          </a:p>
+        </p:txBody>
+      </p:sp>
+      <p:sp>
+        <p:nvSpPr>
+          <p:cNvPr id="27" name="TextBox 26"/>
+          <p:cNvSpPr txBox="1"/>
+          <p:nvPr/>
+        </p:nvSpPr>
+        <p:spPr>
+          <a:xfrm>
+            <a:off x="10690058" y="1359563"/>
+            <a:ext cx="833363" cy="307777"/>
+          </a:xfrm>
+          <a:prstGeom prst="rect">
+            <a:avLst/>
+          </a:prstGeom>
+          <a:noFill/>
+        </p:spPr>
+        <p:txBody>
+          <a:bodyPr wrap="square" rtlCol="0">
+            <a:spAutoFit/>
+          </a:bodyPr>
+          <a:lstStyle/>
+          <a:p>
+            <a:r>
+              <a:rPr lang="en-US" sz="1400" dirty="0" smtClean="0">
+                <a:solidFill>
+                  <a:schemeClr val="bg1"/>
+                </a:solidFill>
+              </a:rPr>
+              <a:t>Upload</a:t>
+            </a:r>
+            <a:endParaRPr lang="ru-RU" sz="1400" dirty="0">
+              <a:solidFill>
+                <a:schemeClr val="bg1"/>
+              </a:solidFill>
+            </a:endParaRPr>
+          </a:p>
+        </p:txBody>
+      </p:sp>
+    </p:spTree>
+    <p:extLst>
+      <p:ext uri="{BB962C8B-B14F-4D97-AF65-F5344CB8AC3E}">
+        <p14:creationId xmlns:p14="http://schemas.microsoft.com/office/powerpoint/2010/main" val="836990457"/>
+      </p:ext>
+    </p:extLst>
+  </p:cSld>
+  <p:clrMapOvr>
+    <a:masterClrMapping/>
+  </p:clrMapOvr>
+</p:sld>
+</file>
+
 <file path=ppt/slides/slide2.xml><?xml version="1.0" encoding="utf-8"?>
 <p:sld xmlns:a="http://schemas.openxmlformats.org/drawingml/2006/main" xmlns:r="http://schemas.openxmlformats.org/officeDocument/2006/relationships" xmlns:p="http://schemas.openxmlformats.org/presentationml/2006/main">
   <p:cSld>
@@ -5648,6 +6768,703 @@
 </file>
 
 <file path=ppt/slides/slide5.xml><?xml version="1.0" encoding="utf-8"?>
+<p:sld xmlns:a="http://schemas.openxmlformats.org/drawingml/2006/main" xmlns:r="http://schemas.openxmlformats.org/officeDocument/2006/relationships" xmlns:p="http://schemas.openxmlformats.org/presentationml/2006/main">
+  <p:cSld>
+    <p:spTree>
+      <p:nvGrpSpPr>
+        <p:cNvPr id="1" name=""/>
+        <p:cNvGrpSpPr/>
+        <p:nvPr/>
+      </p:nvGrpSpPr>
+      <p:grpSpPr>
+        <a:xfrm>
+          <a:off x="0" y="0"/>
+          <a:ext cx="0" cy="0"/>
+          <a:chOff x="0" y="0"/>
+          <a:chExt cx="0" cy="0"/>
+        </a:xfrm>
+      </p:grpSpPr>
+      <p:sp>
+        <p:nvSpPr>
+          <p:cNvPr id="4" name="TextBox 3"/>
+          <p:cNvSpPr txBox="1"/>
+          <p:nvPr/>
+        </p:nvSpPr>
+        <p:spPr>
+          <a:xfrm>
+            <a:off x="278027" y="185351"/>
+            <a:ext cx="8754762" cy="369332"/>
+          </a:xfrm>
+          <a:prstGeom prst="rect">
+            <a:avLst/>
+          </a:prstGeom>
+          <a:noFill/>
+        </p:spPr>
+        <p:txBody>
+          <a:bodyPr wrap="square" rtlCol="0">
+            <a:spAutoFit/>
+          </a:bodyPr>
+          <a:lstStyle/>
+          <a:p>
+            <a:r>
+              <a:rPr lang="en-US" b="1" dirty="0" smtClean="0"/>
+              <a:t>Content Entity</a:t>
+            </a:r>
+            <a:endParaRPr lang="ru-RU" b="1" dirty="0"/>
+          </a:p>
+        </p:txBody>
+      </p:sp>
+      <p:sp>
+        <p:nvSpPr>
+          <p:cNvPr id="5" name="TextBox 4"/>
+          <p:cNvSpPr txBox="1"/>
+          <p:nvPr/>
+        </p:nvSpPr>
+        <p:spPr>
+          <a:xfrm>
+            <a:off x="335745" y="2739738"/>
+            <a:ext cx="11355859" cy="2031325"/>
+          </a:xfrm>
+          <a:prstGeom prst="rect">
+            <a:avLst/>
+          </a:prstGeom>
+          <a:noFill/>
+        </p:spPr>
+        <p:txBody>
+          <a:bodyPr wrap="square" rtlCol="0">
+            <a:spAutoFit/>
+          </a:bodyPr>
+          <a:lstStyle/>
+          <a:p>
+            <a:r>
+              <a:rPr lang="en-US" dirty="0" smtClean="0"/>
+              <a:t>{</a:t>
+            </a:r>
+          </a:p>
+          <a:p>
+            <a:r>
+              <a:rPr lang="en-US" dirty="0" smtClean="0"/>
+              <a:t>      “ID”: “bg4fr331qax3fz12”,</a:t>
+            </a:r>
+          </a:p>
+          <a:p>
+            <a:r>
+              <a:rPr lang="en-US" dirty="0"/>
+              <a:t> </a:t>
+            </a:r>
+            <a:r>
+              <a:rPr lang="en-US" dirty="0" smtClean="0"/>
+              <a:t>     “</a:t>
+            </a:r>
+            <a:r>
+              <a:rPr lang="en-US" dirty="0" err="1" smtClean="0"/>
+              <a:t>FileName</a:t>
+            </a:r>
+            <a:r>
+              <a:rPr lang="en-US" dirty="0" smtClean="0"/>
+              <a:t>”: “index.html”,</a:t>
+            </a:r>
+          </a:p>
+          <a:p>
+            <a:r>
+              <a:rPr lang="en-US" dirty="0" smtClean="0"/>
+              <a:t>      “Site”: { “ID”: “</a:t>
+            </a:r>
+            <a:r>
+              <a:rPr lang="en-US" dirty="0"/>
+              <a:t>09f341df278dd1fa</a:t>
+            </a:r>
+            <a:r>
+              <a:rPr lang="en-US" dirty="0" smtClean="0"/>
+              <a:t>”},</a:t>
+            </a:r>
+          </a:p>
+          <a:p>
+            <a:r>
+              <a:rPr lang="en-US" dirty="0"/>
+              <a:t> </a:t>
+            </a:r>
+            <a:r>
+              <a:rPr lang="en-US" dirty="0" smtClean="0"/>
+              <a:t>      “</a:t>
+            </a:r>
+            <a:r>
+              <a:rPr lang="en-US" dirty="0" err="1" smtClean="0"/>
+              <a:t>ContentType</a:t>
+            </a:r>
+            <a:r>
+              <a:rPr lang="en-US" dirty="0" smtClean="0"/>
+              <a:t>” : “text/html”,</a:t>
+            </a:r>
+          </a:p>
+          <a:p>
+            <a:r>
+              <a:rPr lang="en-US" dirty="0"/>
+              <a:t> </a:t>
+            </a:r>
+            <a:r>
+              <a:rPr lang="en-US" dirty="0" smtClean="0"/>
+              <a:t>      “Uploaded”: “02/03/2020 12:09PM”</a:t>
+            </a:r>
+            <a:endParaRPr lang="en-US" dirty="0"/>
+          </a:p>
+          <a:p>
+            <a:r>
+              <a:rPr lang="en-US" dirty="0" smtClean="0"/>
+              <a:t>}</a:t>
+            </a:r>
+            <a:endParaRPr lang="ru-RU" dirty="0"/>
+          </a:p>
+        </p:txBody>
+      </p:sp>
+      <p:sp>
+        <p:nvSpPr>
+          <p:cNvPr id="7" name="TextBox 6"/>
+          <p:cNvSpPr txBox="1"/>
+          <p:nvPr/>
+        </p:nvSpPr>
+        <p:spPr>
+          <a:xfrm>
+            <a:off x="335745" y="1125115"/>
+            <a:ext cx="8618838" cy="1477328"/>
+          </a:xfrm>
+          <a:prstGeom prst="rect">
+            <a:avLst/>
+          </a:prstGeom>
+          <a:noFill/>
+        </p:spPr>
+        <p:txBody>
+          <a:bodyPr wrap="square" rtlCol="0">
+            <a:spAutoFit/>
+          </a:bodyPr>
+          <a:lstStyle/>
+          <a:p>
+            <a:pPr marL="285750" indent="-285750">
+              <a:buFont typeface="Arial" panose="020B0604020202020204" pitchFamily="34" charset="0"/>
+              <a:buChar char="•"/>
+            </a:pPr>
+            <a:r>
+              <a:rPr lang="en-US" dirty="0" smtClean="0"/>
+              <a:t>ID (</a:t>
+            </a:r>
+            <a:r>
+              <a:rPr lang="en-US" dirty="0" err="1" smtClean="0"/>
+              <a:t>ObjectID</a:t>
+            </a:r>
+            <a:r>
+              <a:rPr lang="en-US" dirty="0" smtClean="0"/>
+              <a:t>)</a:t>
+            </a:r>
+          </a:p>
+          <a:p>
+            <a:pPr marL="285750" indent="-285750">
+              <a:buFont typeface="Arial" panose="020B0604020202020204" pitchFamily="34" charset="0"/>
+              <a:buChar char="•"/>
+            </a:pPr>
+            <a:r>
+              <a:rPr lang="en-US" dirty="0" err="1" smtClean="0"/>
+              <a:t>FileName</a:t>
+            </a:r>
+            <a:r>
+              <a:rPr lang="en-US" dirty="0" smtClean="0"/>
+              <a:t> (original content file name)</a:t>
+            </a:r>
+          </a:p>
+          <a:p>
+            <a:pPr marL="285750" indent="-285750">
+              <a:buFont typeface="Arial" panose="020B0604020202020204" pitchFamily="34" charset="0"/>
+              <a:buChar char="•"/>
+            </a:pPr>
+            <a:r>
+              <a:rPr lang="en-US" dirty="0" smtClean="0"/>
+              <a:t>Site (reference to corresponding site, 1-N (one site can have multiple content files)</a:t>
+            </a:r>
+          </a:p>
+          <a:p>
+            <a:pPr marL="285750" indent="-285750">
+              <a:buFont typeface="Arial" panose="020B0604020202020204" pitchFamily="34" charset="0"/>
+              <a:buChar char="•"/>
+            </a:pPr>
+            <a:r>
+              <a:rPr lang="en-US" dirty="0" err="1" smtClean="0"/>
+              <a:t>ContentType</a:t>
+            </a:r>
+            <a:r>
+              <a:rPr lang="en-US" dirty="0" smtClean="0"/>
+              <a:t> – file content type (text/html, application/</a:t>
+            </a:r>
+            <a:r>
+              <a:rPr lang="en-US" dirty="0" err="1" smtClean="0"/>
+              <a:t>javascript</a:t>
+            </a:r>
+            <a:r>
+              <a:rPr lang="en-US" dirty="0" smtClean="0"/>
+              <a:t>, text/</a:t>
+            </a:r>
+            <a:r>
+              <a:rPr lang="en-US" dirty="0" err="1" smtClean="0"/>
+              <a:t>css</a:t>
+            </a:r>
+            <a:r>
+              <a:rPr lang="en-US" dirty="0" smtClean="0"/>
+              <a:t>, etc.)</a:t>
+            </a:r>
+          </a:p>
+          <a:p>
+            <a:pPr marL="285750" indent="-285750">
+              <a:buFont typeface="Arial" panose="020B0604020202020204" pitchFamily="34" charset="0"/>
+              <a:buChar char="•"/>
+            </a:pPr>
+            <a:r>
+              <a:rPr lang="en-US" dirty="0" smtClean="0"/>
+              <a:t>Uploaded – upload date</a:t>
+            </a:r>
+            <a:endParaRPr lang="ru-RU" dirty="0"/>
+          </a:p>
+        </p:txBody>
+      </p:sp>
+      <p:sp>
+        <p:nvSpPr>
+          <p:cNvPr id="8" name="TextBox 7"/>
+          <p:cNvSpPr txBox="1"/>
+          <p:nvPr/>
+        </p:nvSpPr>
+        <p:spPr>
+          <a:xfrm>
+            <a:off x="278027" y="554683"/>
+            <a:ext cx="8511041" cy="369332"/>
+          </a:xfrm>
+          <a:prstGeom prst="rect">
+            <a:avLst/>
+          </a:prstGeom>
+          <a:noFill/>
+        </p:spPr>
+        <p:txBody>
+          <a:bodyPr wrap="square" rtlCol="0">
+            <a:spAutoFit/>
+          </a:bodyPr>
+          <a:lstStyle/>
+          <a:p>
+            <a:r>
+              <a:rPr lang="en-US" dirty="0" smtClean="0"/>
+              <a:t>Represents any resource of the site (HTML page, stylesheet, </a:t>
+            </a:r>
+            <a:r>
+              <a:rPr lang="en-US" dirty="0" err="1" smtClean="0"/>
+              <a:t>Javascript</a:t>
+            </a:r>
+            <a:r>
+              <a:rPr lang="en-US" dirty="0" smtClean="0"/>
+              <a:t>, etc.)</a:t>
+            </a:r>
+            <a:endParaRPr lang="ru-RU" dirty="0"/>
+          </a:p>
+        </p:txBody>
+      </p:sp>
+    </p:spTree>
+    <p:extLst>
+      <p:ext uri="{BB962C8B-B14F-4D97-AF65-F5344CB8AC3E}">
+        <p14:creationId xmlns:p14="http://schemas.microsoft.com/office/powerpoint/2010/main" val="1586250498"/>
+      </p:ext>
+    </p:extLst>
+  </p:cSld>
+  <p:clrMapOvr>
+    <a:masterClrMapping/>
+  </p:clrMapOvr>
+</p:sld>
+</file>
+
+<file path=ppt/slides/slide6.xml><?xml version="1.0" encoding="utf-8"?>
+<p:sld xmlns:a="http://schemas.openxmlformats.org/drawingml/2006/main" xmlns:r="http://schemas.openxmlformats.org/officeDocument/2006/relationships" xmlns:p="http://schemas.openxmlformats.org/presentationml/2006/main">
+  <p:cSld>
+    <p:spTree>
+      <p:nvGrpSpPr>
+        <p:cNvPr id="1" name=""/>
+        <p:cNvGrpSpPr/>
+        <p:nvPr/>
+      </p:nvGrpSpPr>
+      <p:grpSpPr>
+        <a:xfrm>
+          <a:off x="0" y="0"/>
+          <a:ext cx="0" cy="0"/>
+          <a:chOff x="0" y="0"/>
+          <a:chExt cx="0" cy="0"/>
+        </a:xfrm>
+      </p:grpSpPr>
+      <p:sp>
+        <p:nvSpPr>
+          <p:cNvPr id="4" name="TextBox 3"/>
+          <p:cNvSpPr txBox="1"/>
+          <p:nvPr/>
+        </p:nvSpPr>
+        <p:spPr>
+          <a:xfrm>
+            <a:off x="162427" y="126331"/>
+            <a:ext cx="5233736" cy="369332"/>
+          </a:xfrm>
+          <a:prstGeom prst="rect">
+            <a:avLst/>
+          </a:prstGeom>
+          <a:noFill/>
+        </p:spPr>
+        <p:txBody>
+          <a:bodyPr wrap="square" rtlCol="0">
+            <a:spAutoFit/>
+          </a:bodyPr>
+          <a:lstStyle/>
+          <a:p>
+            <a:r>
+              <a:rPr lang="en-US" b="1" dirty="0" smtClean="0"/>
+              <a:t>Layout</a:t>
+            </a:r>
+            <a:endParaRPr lang="ru-RU" b="1" dirty="0"/>
+          </a:p>
+        </p:txBody>
+      </p:sp>
+      <p:sp>
+        <p:nvSpPr>
+          <p:cNvPr id="5" name="Прямоугольник 4"/>
+          <p:cNvSpPr/>
+          <p:nvPr/>
+        </p:nvSpPr>
+        <p:spPr>
+          <a:xfrm>
+            <a:off x="162427" y="563419"/>
+            <a:ext cx="11947357" cy="6148137"/>
+          </a:xfrm>
+          <a:prstGeom prst="rect">
+            <a:avLst/>
+          </a:prstGeom>
+          <a:noFill/>
+        </p:spPr>
+        <p:style>
+          <a:lnRef idx="2">
+            <a:schemeClr val="accent1">
+              <a:shade val="50000"/>
+            </a:schemeClr>
+          </a:lnRef>
+          <a:fillRef idx="1">
+            <a:schemeClr val="accent1"/>
+          </a:fillRef>
+          <a:effectRef idx="0">
+            <a:schemeClr val="accent1"/>
+          </a:effectRef>
+          <a:fontRef idx="minor">
+            <a:schemeClr val="lt1"/>
+          </a:fontRef>
+        </p:style>
+        <p:txBody>
+          <a:bodyPr rtlCol="0" anchor="ctr"/>
+          <a:lstStyle/>
+          <a:p>
+            <a:pPr algn="ctr"/>
+            <a:endParaRPr lang="ru-RU"/>
+          </a:p>
+        </p:txBody>
+      </p:sp>
+      <p:sp>
+        <p:nvSpPr>
+          <p:cNvPr id="6" name="Прямоугольник 5"/>
+          <p:cNvSpPr/>
+          <p:nvPr/>
+        </p:nvSpPr>
+        <p:spPr>
+          <a:xfrm>
+            <a:off x="1577621" y="563419"/>
+            <a:ext cx="9157647" cy="6148137"/>
+          </a:xfrm>
+          <a:prstGeom prst="rect">
+            <a:avLst/>
+          </a:prstGeom>
+          <a:solidFill>
+            <a:schemeClr val="bg1">
+              <a:lumMod val="95000"/>
+            </a:schemeClr>
+          </a:solidFill>
+        </p:spPr>
+        <p:style>
+          <a:lnRef idx="2">
+            <a:schemeClr val="accent1">
+              <a:shade val="50000"/>
+            </a:schemeClr>
+          </a:lnRef>
+          <a:fillRef idx="1">
+            <a:schemeClr val="accent1"/>
+          </a:fillRef>
+          <a:effectRef idx="0">
+            <a:schemeClr val="accent1"/>
+          </a:effectRef>
+          <a:fontRef idx="minor">
+            <a:schemeClr val="lt1"/>
+          </a:fontRef>
+        </p:style>
+        <p:txBody>
+          <a:bodyPr rtlCol="0" anchor="ctr"/>
+          <a:lstStyle/>
+          <a:p>
+            <a:pPr algn="ctr"/>
+            <a:endParaRPr lang="ru-RU"/>
+          </a:p>
+        </p:txBody>
+      </p:sp>
+      <p:sp>
+        <p:nvSpPr>
+          <p:cNvPr id="7" name="Прямоугольник 6"/>
+          <p:cNvSpPr/>
+          <p:nvPr/>
+        </p:nvSpPr>
+        <p:spPr>
+          <a:xfrm>
+            <a:off x="1562668" y="563419"/>
+            <a:ext cx="9157647" cy="1067488"/>
+          </a:xfrm>
+          <a:prstGeom prst="rect">
+            <a:avLst/>
+          </a:prstGeom>
+          <a:solidFill>
+            <a:schemeClr val="bg2"/>
+          </a:solidFill>
+        </p:spPr>
+        <p:style>
+          <a:lnRef idx="2">
+            <a:schemeClr val="accent1">
+              <a:shade val="50000"/>
+            </a:schemeClr>
+          </a:lnRef>
+          <a:fillRef idx="1">
+            <a:schemeClr val="accent1"/>
+          </a:fillRef>
+          <a:effectRef idx="0">
+            <a:schemeClr val="accent1"/>
+          </a:effectRef>
+          <a:fontRef idx="minor">
+            <a:schemeClr val="lt1"/>
+          </a:fontRef>
+        </p:style>
+        <p:txBody>
+          <a:bodyPr rtlCol="0" anchor="ctr"/>
+          <a:lstStyle/>
+          <a:p>
+            <a:pPr algn="ctr"/>
+            <a:endParaRPr lang="ru-RU"/>
+          </a:p>
+        </p:txBody>
+      </p:sp>
+      <p:sp>
+        <p:nvSpPr>
+          <p:cNvPr id="8" name="TextBox 7"/>
+          <p:cNvSpPr txBox="1"/>
+          <p:nvPr/>
+        </p:nvSpPr>
+        <p:spPr>
+          <a:xfrm>
+            <a:off x="1562666" y="563419"/>
+            <a:ext cx="2790969" cy="523220"/>
+          </a:xfrm>
+          <a:prstGeom prst="rect">
+            <a:avLst/>
+          </a:prstGeom>
+          <a:noFill/>
+        </p:spPr>
+        <p:txBody>
+          <a:bodyPr wrap="square" rtlCol="0">
+            <a:spAutoFit/>
+          </a:bodyPr>
+          <a:lstStyle/>
+          <a:p>
+            <a:r>
+              <a:rPr lang="en-US" sz="2800" dirty="0" smtClean="0"/>
+              <a:t>LOGO (</a:t>
+            </a:r>
+            <a:r>
+              <a:rPr lang="en-US" sz="2800" dirty="0" err="1" smtClean="0"/>
+              <a:t>Img</a:t>
+            </a:r>
+            <a:r>
+              <a:rPr lang="en-US" sz="2800" dirty="0" smtClean="0"/>
+              <a:t>)</a:t>
+            </a:r>
+            <a:endParaRPr lang="ru-RU" sz="2800" dirty="0"/>
+          </a:p>
+        </p:txBody>
+      </p:sp>
+      <p:sp>
+        <p:nvSpPr>
+          <p:cNvPr id="9" name="Прямоугольник 8"/>
+          <p:cNvSpPr/>
+          <p:nvPr/>
+        </p:nvSpPr>
+        <p:spPr>
+          <a:xfrm>
+            <a:off x="1576314" y="1317009"/>
+            <a:ext cx="9157649" cy="313898"/>
+          </a:xfrm>
+          <a:prstGeom prst="rect">
+            <a:avLst/>
+          </a:prstGeom>
+        </p:spPr>
+        <p:style>
+          <a:lnRef idx="2">
+            <a:schemeClr val="accent1">
+              <a:shade val="50000"/>
+            </a:schemeClr>
+          </a:lnRef>
+          <a:fillRef idx="1">
+            <a:schemeClr val="accent1"/>
+          </a:fillRef>
+          <a:effectRef idx="0">
+            <a:schemeClr val="accent1"/>
+          </a:effectRef>
+          <a:fontRef idx="minor">
+            <a:schemeClr val="lt1"/>
+          </a:fontRef>
+        </p:style>
+        <p:txBody>
+          <a:bodyPr rtlCol="0" anchor="ctr"/>
+          <a:lstStyle/>
+          <a:p>
+            <a:pPr algn="ctr"/>
+            <a:endParaRPr lang="ru-RU"/>
+          </a:p>
+        </p:txBody>
+      </p:sp>
+      <p:sp>
+        <p:nvSpPr>
+          <p:cNvPr id="10" name="TextBox 9"/>
+          <p:cNvSpPr txBox="1"/>
+          <p:nvPr/>
+        </p:nvSpPr>
+        <p:spPr>
+          <a:xfrm>
+            <a:off x="1547713" y="1276549"/>
+            <a:ext cx="6578224" cy="369332"/>
+          </a:xfrm>
+          <a:prstGeom prst="rect">
+            <a:avLst/>
+          </a:prstGeom>
+          <a:noFill/>
+        </p:spPr>
+        <p:txBody>
+          <a:bodyPr wrap="square" rtlCol="0">
+            <a:spAutoFit/>
+          </a:bodyPr>
+          <a:lstStyle/>
+          <a:p>
+            <a:r>
+              <a:rPr lang="en-US" dirty="0" smtClean="0">
+                <a:solidFill>
+                  <a:schemeClr val="bg1"/>
+                </a:solidFill>
+              </a:rPr>
+              <a:t>Dashboard | My Profile | Help</a:t>
+            </a:r>
+            <a:endParaRPr lang="ru-RU" dirty="0">
+              <a:solidFill>
+                <a:schemeClr val="bg1"/>
+              </a:solidFill>
+            </a:endParaRPr>
+          </a:p>
+        </p:txBody>
+      </p:sp>
+      <p:sp>
+        <p:nvSpPr>
+          <p:cNvPr id="11" name="TextBox 10"/>
+          <p:cNvSpPr txBox="1"/>
+          <p:nvPr/>
+        </p:nvSpPr>
+        <p:spPr>
+          <a:xfrm>
+            <a:off x="8155845" y="975354"/>
+            <a:ext cx="3719014" cy="307777"/>
+          </a:xfrm>
+          <a:prstGeom prst="rect">
+            <a:avLst/>
+          </a:prstGeom>
+          <a:noFill/>
+        </p:spPr>
+        <p:txBody>
+          <a:bodyPr wrap="square" rtlCol="0">
+            <a:spAutoFit/>
+          </a:bodyPr>
+          <a:lstStyle/>
+          <a:p>
+            <a:r>
+              <a:rPr lang="en-US" sz="1400" dirty="0" smtClean="0">
+                <a:solidFill>
+                  <a:schemeClr val="accent5"/>
+                </a:solidFill>
+              </a:rPr>
+              <a:t>Welcome, </a:t>
+            </a:r>
+            <a:r>
+              <a:rPr lang="en-US" sz="1400" dirty="0" err="1" smtClean="0">
+                <a:solidFill>
+                  <a:schemeClr val="accent5"/>
+                </a:solidFill>
+              </a:rPr>
+              <a:t>alex.svs.fl</a:t>
+            </a:r>
+            <a:r>
+              <a:rPr lang="en-US" sz="1400" dirty="0" smtClean="0">
+                <a:solidFill>
+                  <a:schemeClr val="accent5"/>
+                </a:solidFill>
+              </a:rPr>
+              <a:t>! | Sign out…</a:t>
+            </a:r>
+            <a:endParaRPr lang="ru-RU" sz="1400" dirty="0">
+              <a:solidFill>
+                <a:schemeClr val="accent5"/>
+              </a:solidFill>
+            </a:endParaRPr>
+          </a:p>
+        </p:txBody>
+      </p:sp>
+      <p:sp>
+        <p:nvSpPr>
+          <p:cNvPr id="12" name="TextBox 11"/>
+          <p:cNvSpPr txBox="1"/>
+          <p:nvPr/>
+        </p:nvSpPr>
+        <p:spPr>
+          <a:xfrm>
+            <a:off x="1547713" y="3609746"/>
+            <a:ext cx="9157649" cy="369332"/>
+          </a:xfrm>
+          <a:prstGeom prst="rect">
+            <a:avLst/>
+          </a:prstGeom>
+          <a:noFill/>
+        </p:spPr>
+        <p:txBody>
+          <a:bodyPr wrap="square" rtlCol="0">
+            <a:spAutoFit/>
+          </a:bodyPr>
+          <a:lstStyle/>
+          <a:p>
+            <a:pPr algn="ctr"/>
+            <a:r>
+              <a:rPr lang="en-US" dirty="0" smtClean="0"/>
+              <a:t>CONTENT HERE</a:t>
+            </a:r>
+            <a:endParaRPr lang="ru-RU" dirty="0"/>
+          </a:p>
+        </p:txBody>
+      </p:sp>
+    </p:spTree>
+    <p:extLst>
+      <p:ext uri="{BB962C8B-B14F-4D97-AF65-F5344CB8AC3E}">
+        <p14:creationId xmlns:p14="http://schemas.microsoft.com/office/powerpoint/2010/main" val="1156290293"/>
+      </p:ext>
+    </p:extLst>
+  </p:cSld>
+  <p:clrMapOvr>
+    <a:masterClrMapping/>
+  </p:clrMapOvr>
+</p:sld>
+</file>
+
+<file path=ppt/slides/slide7.xml><?xml version="1.0" encoding="utf-8"?>
 <p:sld xmlns:a="http://schemas.openxmlformats.org/drawingml/2006/main" xmlns:r="http://schemas.openxmlformats.org/officeDocument/2006/relationships" xmlns:p="http://schemas.openxmlformats.org/presentationml/2006/main">
   <p:cSld>
     <p:spTree>
@@ -6563,7 +8380,7 @@
 </p:sld>
 </file>
 
-<file path=ppt/slides/slide6.xml><?xml version="1.0" encoding="utf-8"?>
+<file path=ppt/slides/slide8.xml><?xml version="1.0" encoding="utf-8"?>
 <p:sld xmlns:a="http://schemas.openxmlformats.org/drawingml/2006/main" xmlns:r="http://schemas.openxmlformats.org/officeDocument/2006/relationships" xmlns:p="http://schemas.openxmlformats.org/presentationml/2006/main">
   <p:cSld>
     <p:spTree>
@@ -7011,7 +8828,7 @@
 </p:sld>
 </file>
 
-<file path=ppt/slides/slide7.xml><?xml version="1.0" encoding="utf-8"?>
+<file path=ppt/slides/slide9.xml><?xml version="1.0" encoding="utf-8"?>
 <p:sld xmlns:a="http://schemas.openxmlformats.org/drawingml/2006/main" xmlns:r="http://schemas.openxmlformats.org/officeDocument/2006/relationships" xmlns:p="http://schemas.openxmlformats.org/presentationml/2006/main">
   <p:cSld>
     <p:spTree>
@@ -7543,1366 +9360,6 @@
     <p:extLst>
       <p:ext uri="{BB962C8B-B14F-4D97-AF65-F5344CB8AC3E}">
         <p14:creationId xmlns:p14="http://schemas.microsoft.com/office/powerpoint/2010/main" val="2699378368"/>
-      </p:ext>
-    </p:extLst>
-  </p:cSld>
-  <p:clrMapOvr>
-    <a:masterClrMapping/>
-  </p:clrMapOvr>
-</p:sld>
-</file>
-
-<file path=ppt/slides/slide8.xml><?xml version="1.0" encoding="utf-8"?>
-<p:sld xmlns:a="http://schemas.openxmlformats.org/drawingml/2006/main" xmlns:r="http://schemas.openxmlformats.org/officeDocument/2006/relationships" xmlns:p="http://schemas.openxmlformats.org/presentationml/2006/main">
-  <p:cSld>
-    <p:spTree>
-      <p:nvGrpSpPr>
-        <p:cNvPr id="1" name=""/>
-        <p:cNvGrpSpPr/>
-        <p:nvPr/>
-      </p:nvGrpSpPr>
-      <p:grpSpPr>
-        <a:xfrm>
-          <a:off x="0" y="0"/>
-          <a:ext cx="0" cy="0"/>
-          <a:chOff x="0" y="0"/>
-          <a:chExt cx="0" cy="0"/>
-        </a:xfrm>
-      </p:grpSpPr>
-      <p:sp>
-        <p:nvSpPr>
-          <p:cNvPr id="32" name="Прямоугольник 31"/>
-          <p:cNvSpPr/>
-          <p:nvPr/>
-        </p:nvSpPr>
-        <p:spPr>
-          <a:xfrm>
-            <a:off x="10277092" y="6117445"/>
-            <a:ext cx="1297642" cy="420226"/>
-          </a:xfrm>
-          <a:prstGeom prst="rect">
-            <a:avLst/>
-          </a:prstGeom>
-        </p:spPr>
-        <p:style>
-          <a:lnRef idx="2">
-            <a:schemeClr val="accent1">
-              <a:shade val="50000"/>
-            </a:schemeClr>
-          </a:lnRef>
-          <a:fillRef idx="1">
-            <a:schemeClr val="accent1"/>
-          </a:fillRef>
-          <a:effectRef idx="0">
-            <a:schemeClr val="accent1"/>
-          </a:effectRef>
-          <a:fontRef idx="minor">
-            <a:schemeClr val="lt1"/>
-          </a:fontRef>
-        </p:style>
-        <p:txBody>
-          <a:bodyPr rtlCol="0" anchor="ctr"/>
-          <a:lstStyle/>
-          <a:p>
-            <a:pPr algn="ctr"/>
-            <a:endParaRPr lang="ru-RU"/>
-          </a:p>
-        </p:txBody>
-      </p:sp>
-      <p:sp>
-        <p:nvSpPr>
-          <p:cNvPr id="4" name="TextBox 3"/>
-          <p:cNvSpPr txBox="1"/>
-          <p:nvPr/>
-        </p:nvSpPr>
-        <p:spPr>
-          <a:xfrm>
-            <a:off x="127747" y="134471"/>
-            <a:ext cx="6429464" cy="369332"/>
-          </a:xfrm>
-          <a:prstGeom prst="rect">
-            <a:avLst/>
-          </a:prstGeom>
-          <a:noFill/>
-        </p:spPr>
-        <p:txBody>
-          <a:bodyPr wrap="square" rtlCol="0">
-            <a:spAutoFit/>
-          </a:bodyPr>
-          <a:lstStyle/>
-          <a:p>
-            <a:r>
-              <a:rPr lang="en-US" dirty="0" smtClean="0"/>
-              <a:t>Create new/Update existing site</a:t>
-            </a:r>
-            <a:endParaRPr lang="ru-RU" dirty="0"/>
-          </a:p>
-        </p:txBody>
-      </p:sp>
-      <p:sp>
-        <p:nvSpPr>
-          <p:cNvPr id="5" name="Прямоугольник 4"/>
-          <p:cNvSpPr/>
-          <p:nvPr/>
-        </p:nvSpPr>
-        <p:spPr>
-          <a:xfrm>
-            <a:off x="174812" y="503803"/>
-            <a:ext cx="11867029" cy="6239897"/>
-          </a:xfrm>
-          <a:prstGeom prst="rect">
-            <a:avLst/>
-          </a:prstGeom>
-          <a:noFill/>
-        </p:spPr>
-        <p:style>
-          <a:lnRef idx="2">
-            <a:schemeClr val="accent1">
-              <a:shade val="50000"/>
-            </a:schemeClr>
-          </a:lnRef>
-          <a:fillRef idx="1">
-            <a:schemeClr val="accent1"/>
-          </a:fillRef>
-          <a:effectRef idx="0">
-            <a:schemeClr val="accent1"/>
-          </a:effectRef>
-          <a:fontRef idx="minor">
-            <a:schemeClr val="lt1"/>
-          </a:fontRef>
-        </p:style>
-        <p:txBody>
-          <a:bodyPr rtlCol="0" anchor="ctr"/>
-          <a:lstStyle/>
-          <a:p>
-            <a:pPr algn="ctr"/>
-            <a:endParaRPr lang="ru-RU"/>
-          </a:p>
-        </p:txBody>
-      </p:sp>
-      <p:sp>
-        <p:nvSpPr>
-          <p:cNvPr id="6" name="TextBox 5"/>
-          <p:cNvSpPr txBox="1"/>
-          <p:nvPr/>
-        </p:nvSpPr>
-        <p:spPr>
-          <a:xfrm>
-            <a:off x="356347" y="605118"/>
-            <a:ext cx="1378323" cy="369332"/>
-          </a:xfrm>
-          <a:prstGeom prst="rect">
-            <a:avLst/>
-          </a:prstGeom>
-          <a:noFill/>
-        </p:spPr>
-        <p:txBody>
-          <a:bodyPr wrap="square" rtlCol="0">
-            <a:spAutoFit/>
-          </a:bodyPr>
-          <a:lstStyle/>
-          <a:p>
-            <a:r>
-              <a:rPr lang="en-US" dirty="0" smtClean="0"/>
-              <a:t>Site name: </a:t>
-            </a:r>
-            <a:endParaRPr lang="ru-RU" dirty="0"/>
-          </a:p>
-        </p:txBody>
-      </p:sp>
-      <p:sp>
-        <p:nvSpPr>
-          <p:cNvPr id="8" name="Прямоугольник 7"/>
-          <p:cNvSpPr/>
-          <p:nvPr/>
-        </p:nvSpPr>
-        <p:spPr>
-          <a:xfrm>
-            <a:off x="2514600" y="638504"/>
-            <a:ext cx="4484594" cy="302559"/>
-          </a:xfrm>
-          <a:prstGeom prst="rect">
-            <a:avLst/>
-          </a:prstGeom>
-          <a:noFill/>
-        </p:spPr>
-        <p:style>
-          <a:lnRef idx="2">
-            <a:schemeClr val="accent1">
-              <a:shade val="50000"/>
-            </a:schemeClr>
-          </a:lnRef>
-          <a:fillRef idx="1">
-            <a:schemeClr val="accent1"/>
-          </a:fillRef>
-          <a:effectRef idx="0">
-            <a:schemeClr val="accent1"/>
-          </a:effectRef>
-          <a:fontRef idx="minor">
-            <a:schemeClr val="lt1"/>
-          </a:fontRef>
-        </p:style>
-        <p:txBody>
-          <a:bodyPr rtlCol="0" anchor="ctr"/>
-          <a:lstStyle/>
-          <a:p>
-            <a:pPr algn="ctr"/>
-            <a:endParaRPr lang="ru-RU"/>
-          </a:p>
-        </p:txBody>
-      </p:sp>
-      <p:sp>
-        <p:nvSpPr>
-          <p:cNvPr id="9" name="TextBox 8"/>
-          <p:cNvSpPr txBox="1"/>
-          <p:nvPr/>
-        </p:nvSpPr>
-        <p:spPr>
-          <a:xfrm>
-            <a:off x="2501154" y="591903"/>
-            <a:ext cx="2467535" cy="369332"/>
-          </a:xfrm>
-          <a:prstGeom prst="rect">
-            <a:avLst/>
-          </a:prstGeom>
-          <a:noFill/>
-        </p:spPr>
-        <p:txBody>
-          <a:bodyPr wrap="square" rtlCol="0">
-            <a:spAutoFit/>
-          </a:bodyPr>
-          <a:lstStyle/>
-          <a:p>
-            <a:r>
-              <a:rPr lang="en-US" dirty="0" err="1" smtClean="0"/>
-              <a:t>Alexs</a:t>
-            </a:r>
-            <a:r>
-              <a:rPr lang="en-US" dirty="0" smtClean="0"/>
-              <a:t>-test-site</a:t>
-            </a:r>
-            <a:endParaRPr lang="ru-RU" dirty="0"/>
-          </a:p>
-        </p:txBody>
-      </p:sp>
-      <p:sp>
-        <p:nvSpPr>
-          <p:cNvPr id="10" name="TextBox 9"/>
-          <p:cNvSpPr txBox="1"/>
-          <p:nvPr/>
-        </p:nvSpPr>
-        <p:spPr>
-          <a:xfrm>
-            <a:off x="356347" y="995077"/>
-            <a:ext cx="1311088" cy="369332"/>
-          </a:xfrm>
-          <a:prstGeom prst="rect">
-            <a:avLst/>
-          </a:prstGeom>
-          <a:noFill/>
-        </p:spPr>
-        <p:txBody>
-          <a:bodyPr wrap="square" rtlCol="0">
-            <a:spAutoFit/>
-          </a:bodyPr>
-          <a:lstStyle/>
-          <a:p>
-            <a:r>
-              <a:rPr lang="en-US" dirty="0" smtClean="0"/>
-              <a:t>Description:</a:t>
-            </a:r>
-            <a:endParaRPr lang="ru-RU" dirty="0"/>
-          </a:p>
-        </p:txBody>
-      </p:sp>
-      <p:sp>
-        <p:nvSpPr>
-          <p:cNvPr id="11" name="Прямоугольник 10"/>
-          <p:cNvSpPr/>
-          <p:nvPr/>
-        </p:nvSpPr>
-        <p:spPr>
-          <a:xfrm>
-            <a:off x="2501154" y="1122824"/>
-            <a:ext cx="4498040" cy="1653988"/>
-          </a:xfrm>
-          <a:prstGeom prst="rect">
-            <a:avLst/>
-          </a:prstGeom>
-          <a:noFill/>
-        </p:spPr>
-        <p:style>
-          <a:lnRef idx="2">
-            <a:schemeClr val="accent1">
-              <a:shade val="50000"/>
-            </a:schemeClr>
-          </a:lnRef>
-          <a:fillRef idx="1">
-            <a:schemeClr val="accent1"/>
-          </a:fillRef>
-          <a:effectRef idx="0">
-            <a:schemeClr val="accent1"/>
-          </a:effectRef>
-          <a:fontRef idx="minor">
-            <a:schemeClr val="lt1"/>
-          </a:fontRef>
-        </p:style>
-        <p:txBody>
-          <a:bodyPr rtlCol="0" anchor="ctr"/>
-          <a:lstStyle/>
-          <a:p>
-            <a:pPr algn="ctr"/>
-            <a:endParaRPr lang="ru-RU"/>
-          </a:p>
-        </p:txBody>
-      </p:sp>
-      <p:sp>
-        <p:nvSpPr>
-          <p:cNvPr id="12" name="TextBox 11"/>
-          <p:cNvSpPr txBox="1"/>
-          <p:nvPr/>
-        </p:nvSpPr>
-        <p:spPr>
-          <a:xfrm>
-            <a:off x="302558" y="3204671"/>
-            <a:ext cx="1660711" cy="369332"/>
-          </a:xfrm>
-          <a:prstGeom prst="rect">
-            <a:avLst/>
-          </a:prstGeom>
-          <a:noFill/>
-        </p:spPr>
-        <p:txBody>
-          <a:bodyPr wrap="square" rtlCol="0">
-            <a:spAutoFit/>
-          </a:bodyPr>
-          <a:lstStyle/>
-          <a:p>
-            <a:r>
-              <a:rPr lang="en-US" dirty="0" smtClean="0"/>
-              <a:t>Is active:</a:t>
-            </a:r>
-            <a:endParaRPr lang="ru-RU" dirty="0"/>
-          </a:p>
-        </p:txBody>
-      </p:sp>
-      <p:sp>
-        <p:nvSpPr>
-          <p:cNvPr id="13" name="Прямоугольник 12"/>
-          <p:cNvSpPr/>
-          <p:nvPr/>
-        </p:nvSpPr>
-        <p:spPr>
-          <a:xfrm>
-            <a:off x="2501154" y="3268265"/>
-            <a:ext cx="295835" cy="242145"/>
-          </a:xfrm>
-          <a:prstGeom prst="rect">
-            <a:avLst/>
-          </a:prstGeom>
-          <a:noFill/>
-        </p:spPr>
-        <p:style>
-          <a:lnRef idx="2">
-            <a:schemeClr val="accent1">
-              <a:shade val="50000"/>
-            </a:schemeClr>
-          </a:lnRef>
-          <a:fillRef idx="1">
-            <a:schemeClr val="accent1"/>
-          </a:fillRef>
-          <a:effectRef idx="0">
-            <a:schemeClr val="accent1"/>
-          </a:effectRef>
-          <a:fontRef idx="minor">
-            <a:schemeClr val="lt1"/>
-          </a:fontRef>
-        </p:style>
-        <p:txBody>
-          <a:bodyPr rtlCol="0" anchor="ctr"/>
-          <a:lstStyle/>
-          <a:p>
-            <a:pPr algn="ctr"/>
-            <a:endParaRPr lang="ru-RU"/>
-          </a:p>
-        </p:txBody>
-      </p:sp>
-      <p:sp>
-        <p:nvSpPr>
-          <p:cNvPr id="14" name="TextBox 13"/>
-          <p:cNvSpPr txBox="1"/>
-          <p:nvPr/>
-        </p:nvSpPr>
-        <p:spPr>
-          <a:xfrm>
-            <a:off x="2487706" y="3203456"/>
-            <a:ext cx="2333065" cy="369332"/>
-          </a:xfrm>
-          <a:prstGeom prst="rect">
-            <a:avLst/>
-          </a:prstGeom>
-          <a:noFill/>
-        </p:spPr>
-        <p:txBody>
-          <a:bodyPr wrap="square" rtlCol="0">
-            <a:spAutoFit/>
-          </a:bodyPr>
-          <a:lstStyle/>
-          <a:p>
-            <a:r>
-              <a:rPr lang="en-US" dirty="0"/>
-              <a:t>V</a:t>
-            </a:r>
-            <a:endParaRPr lang="ru-RU" dirty="0"/>
-          </a:p>
-        </p:txBody>
-      </p:sp>
-      <p:sp>
-        <p:nvSpPr>
-          <p:cNvPr id="2" name="TextBox 1"/>
-          <p:cNvSpPr txBox="1"/>
-          <p:nvPr/>
-        </p:nvSpPr>
-        <p:spPr>
-          <a:xfrm>
-            <a:off x="302558" y="3752455"/>
-            <a:ext cx="5516478" cy="369332"/>
-          </a:xfrm>
-          <a:prstGeom prst="rect">
-            <a:avLst/>
-          </a:prstGeom>
-          <a:noFill/>
-        </p:spPr>
-        <p:txBody>
-          <a:bodyPr wrap="square" rtlCol="0">
-            <a:spAutoFit/>
-          </a:bodyPr>
-          <a:lstStyle/>
-          <a:p>
-            <a:r>
-              <a:rPr lang="en-US" dirty="0" smtClean="0"/>
-              <a:t>Resource mappings</a:t>
-            </a:r>
-            <a:endParaRPr lang="ru-RU" dirty="0"/>
-          </a:p>
-        </p:txBody>
-      </p:sp>
-      <p:graphicFrame>
-        <p:nvGraphicFramePr>
-          <p:cNvPr id="3" name="Таблица 2"/>
-          <p:cNvGraphicFramePr>
-            <a:graphicFrameLocks noGrp="1"/>
-          </p:cNvGraphicFramePr>
-          <p:nvPr>
-            <p:extLst>
-              <p:ext uri="{D42A27DB-BD31-4B8C-83A1-F6EECF244321}">
-                <p14:modId xmlns:p14="http://schemas.microsoft.com/office/powerpoint/2010/main" val="2509394998"/>
-              </p:ext>
-            </p:extLst>
-          </p:nvPr>
-        </p:nvGraphicFramePr>
-        <p:xfrm>
-          <a:off x="356347" y="4173231"/>
-          <a:ext cx="6642848" cy="1483360"/>
-        </p:xfrm>
-        <a:graphic>
-          <a:graphicData uri="http://schemas.openxmlformats.org/drawingml/2006/table">
-            <a:tbl>
-              <a:tblPr firstRow="1" bandRow="1">
-                <a:tableStyleId>{5C22544A-7EE6-4342-B048-85BDC9FD1C3A}</a:tableStyleId>
-              </a:tblPr>
-              <a:tblGrid>
-                <a:gridCol w="3321424">
-                  <a:extLst>
-                    <a:ext uri="{9D8B030D-6E8A-4147-A177-3AD203B41FA5}">
-                      <a16:colId xmlns:a16="http://schemas.microsoft.com/office/drawing/2014/main" val="3001791574"/>
-                    </a:ext>
-                  </a:extLst>
-                </a:gridCol>
-                <a:gridCol w="3321424">
-                  <a:extLst>
-                    <a:ext uri="{9D8B030D-6E8A-4147-A177-3AD203B41FA5}">
-                      <a16:colId xmlns:a16="http://schemas.microsoft.com/office/drawing/2014/main" val="1749289886"/>
-                    </a:ext>
-                  </a:extLst>
-                </a:gridCol>
-              </a:tblGrid>
-              <a:tr h="370840">
-                <a:tc>
-                  <a:txBody>
-                    <a:bodyPr/>
-                    <a:lstStyle/>
-                    <a:p>
-                      <a:r>
-                        <a:rPr lang="en-US" dirty="0" smtClean="0"/>
-                        <a:t>Name</a:t>
-                      </a:r>
-                      <a:endParaRPr lang="ru-RU" dirty="0"/>
-                    </a:p>
-                  </a:txBody>
-                  <a:tcPr/>
-                </a:tc>
-                <a:tc>
-                  <a:txBody>
-                    <a:bodyPr/>
-                    <a:lstStyle/>
-                    <a:p>
-                      <a:r>
-                        <a:rPr lang="en-US" dirty="0" smtClean="0"/>
-                        <a:t>Value</a:t>
-                      </a:r>
-                      <a:endParaRPr lang="ru-RU" dirty="0"/>
-                    </a:p>
-                  </a:txBody>
-                  <a:tcPr/>
-                </a:tc>
-                <a:extLst>
-                  <a:ext uri="{0D108BD9-81ED-4DB2-BD59-A6C34878D82A}">
-                    <a16:rowId xmlns:a16="http://schemas.microsoft.com/office/drawing/2014/main" val="2346861602"/>
-                  </a:ext>
-                </a:extLst>
-              </a:tr>
-              <a:tr h="370840">
-                <a:tc>
-                  <a:txBody>
-                    <a:bodyPr/>
-                    <a:lstStyle/>
-                    <a:p>
-                      <a:r>
-                        <a:rPr lang="en-US" dirty="0" smtClean="0"/>
-                        <a:t>dashboard</a:t>
-                      </a:r>
-                      <a:endParaRPr lang="ru-RU" dirty="0"/>
-                    </a:p>
-                  </a:txBody>
-                  <a:tcPr/>
-                </a:tc>
-                <a:tc>
-                  <a:txBody>
-                    <a:bodyPr/>
-                    <a:lstStyle/>
-                    <a:p>
-                      <a:r>
-                        <a:rPr lang="en-US" dirty="0" smtClean="0"/>
-                        <a:t>dashboard.html</a:t>
-                      </a:r>
-                      <a:endParaRPr lang="ru-RU" dirty="0"/>
-                    </a:p>
-                  </a:txBody>
-                  <a:tcPr/>
-                </a:tc>
-                <a:extLst>
-                  <a:ext uri="{0D108BD9-81ED-4DB2-BD59-A6C34878D82A}">
-                    <a16:rowId xmlns:a16="http://schemas.microsoft.com/office/drawing/2014/main" val="3947389587"/>
-                  </a:ext>
-                </a:extLst>
-              </a:tr>
-              <a:tr h="370840">
-                <a:tc>
-                  <a:txBody>
-                    <a:bodyPr/>
-                    <a:lstStyle/>
-                    <a:p>
-                      <a:r>
-                        <a:rPr lang="en-US" dirty="0" smtClean="0"/>
-                        <a:t>about-us</a:t>
-                      </a:r>
-                      <a:endParaRPr lang="ru-RU" dirty="0"/>
-                    </a:p>
-                  </a:txBody>
-                  <a:tcPr/>
-                </a:tc>
-                <a:tc>
-                  <a:txBody>
-                    <a:bodyPr/>
-                    <a:lstStyle/>
-                    <a:p>
-                      <a:r>
-                        <a:rPr lang="en-US" dirty="0" smtClean="0"/>
-                        <a:t>about.html</a:t>
-                      </a:r>
-                      <a:endParaRPr lang="ru-RU" dirty="0"/>
-                    </a:p>
-                  </a:txBody>
-                  <a:tcPr/>
-                </a:tc>
-                <a:extLst>
-                  <a:ext uri="{0D108BD9-81ED-4DB2-BD59-A6C34878D82A}">
-                    <a16:rowId xmlns:a16="http://schemas.microsoft.com/office/drawing/2014/main" val="2086198177"/>
-                  </a:ext>
-                </a:extLst>
-              </a:tr>
-              <a:tr h="370840">
-                <a:tc>
-                  <a:txBody>
-                    <a:bodyPr/>
-                    <a:lstStyle/>
-                    <a:p>
-                      <a:r>
-                        <a:rPr lang="en-US" dirty="0" smtClean="0"/>
-                        <a:t>/</a:t>
-                      </a:r>
-                      <a:endParaRPr lang="ru-RU" dirty="0"/>
-                    </a:p>
-                  </a:txBody>
-                  <a:tcPr/>
-                </a:tc>
-                <a:tc>
-                  <a:txBody>
-                    <a:bodyPr/>
-                    <a:lstStyle/>
-                    <a:p>
-                      <a:r>
-                        <a:rPr lang="en-US" dirty="0" smtClean="0"/>
-                        <a:t>Index.html</a:t>
-                      </a:r>
-                      <a:endParaRPr lang="ru-RU" dirty="0"/>
-                    </a:p>
-                  </a:txBody>
-                  <a:tcPr/>
-                </a:tc>
-                <a:extLst>
-                  <a:ext uri="{0D108BD9-81ED-4DB2-BD59-A6C34878D82A}">
-                    <a16:rowId xmlns:a16="http://schemas.microsoft.com/office/drawing/2014/main" val="1014794711"/>
-                  </a:ext>
-                </a:extLst>
-              </a:tr>
-            </a:tbl>
-          </a:graphicData>
-        </a:graphic>
-      </p:graphicFrame>
-      <p:sp>
-        <p:nvSpPr>
-          <p:cNvPr id="15" name="Управляющая кнопка: документ 14">
-            <a:hlinkClick r:id="" action="ppaction://noaction" highlightClick="1"/>
-          </p:cNvPr>
-          <p:cNvSpPr/>
-          <p:nvPr/>
-        </p:nvSpPr>
-        <p:spPr>
-          <a:xfrm>
-            <a:off x="5946782" y="3789205"/>
-            <a:ext cx="349623" cy="308064"/>
-          </a:xfrm>
-          <a:prstGeom prst="actionButtonDocument">
-            <a:avLst/>
-          </a:prstGeom>
-          <a:noFill/>
-        </p:spPr>
-        <p:style>
-          <a:lnRef idx="2">
-            <a:schemeClr val="accent1">
-              <a:shade val="50000"/>
-            </a:schemeClr>
-          </a:lnRef>
-          <a:fillRef idx="1">
-            <a:schemeClr val="accent1"/>
-          </a:fillRef>
-          <a:effectRef idx="0">
-            <a:schemeClr val="accent1"/>
-          </a:effectRef>
-          <a:fontRef idx="minor">
-            <a:schemeClr val="lt1"/>
-          </a:fontRef>
-        </p:style>
-        <p:txBody>
-          <a:bodyPr rtlCol="0" anchor="ctr"/>
-          <a:lstStyle/>
-          <a:p>
-            <a:pPr algn="ctr"/>
-            <a:endParaRPr lang="ru-RU"/>
-          </a:p>
-        </p:txBody>
-      </p:sp>
-      <p:sp>
-        <p:nvSpPr>
-          <p:cNvPr id="16" name="TextBox 15"/>
-          <p:cNvSpPr txBox="1"/>
-          <p:nvPr/>
-        </p:nvSpPr>
-        <p:spPr>
-          <a:xfrm>
-            <a:off x="6296405" y="3752455"/>
-            <a:ext cx="813548" cy="369332"/>
-          </a:xfrm>
-          <a:prstGeom prst="rect">
-            <a:avLst/>
-          </a:prstGeom>
-          <a:noFill/>
-        </p:spPr>
-        <p:txBody>
-          <a:bodyPr wrap="square" rtlCol="0">
-            <a:spAutoFit/>
-          </a:bodyPr>
-          <a:lstStyle/>
-          <a:p>
-            <a:r>
-              <a:rPr lang="en-US" dirty="0" smtClean="0"/>
-              <a:t>New…</a:t>
-            </a:r>
-            <a:endParaRPr lang="ru-RU" dirty="0"/>
-          </a:p>
-        </p:txBody>
-      </p:sp>
-      <p:sp>
-        <p:nvSpPr>
-          <p:cNvPr id="7" name="TextBox 6"/>
-          <p:cNvSpPr txBox="1"/>
-          <p:nvPr/>
-        </p:nvSpPr>
-        <p:spPr>
-          <a:xfrm>
-            <a:off x="7295031" y="571731"/>
-            <a:ext cx="4313321" cy="369332"/>
-          </a:xfrm>
-          <a:prstGeom prst="rect">
-            <a:avLst/>
-          </a:prstGeom>
-          <a:noFill/>
-        </p:spPr>
-        <p:txBody>
-          <a:bodyPr wrap="square" rtlCol="0">
-            <a:spAutoFit/>
-          </a:bodyPr>
-          <a:lstStyle/>
-          <a:p>
-            <a:r>
-              <a:rPr lang="en-US" dirty="0" smtClean="0"/>
-              <a:t>Upload files</a:t>
-            </a:r>
-            <a:endParaRPr lang="ru-RU" dirty="0"/>
-          </a:p>
-        </p:txBody>
-      </p:sp>
-      <p:sp>
-        <p:nvSpPr>
-          <p:cNvPr id="17" name="Прямоугольник 16"/>
-          <p:cNvSpPr/>
-          <p:nvPr/>
-        </p:nvSpPr>
-        <p:spPr>
-          <a:xfrm>
-            <a:off x="7433040" y="941063"/>
-            <a:ext cx="3149796" cy="238680"/>
-          </a:xfrm>
-          <a:prstGeom prst="rect">
-            <a:avLst/>
-          </a:prstGeom>
-          <a:noFill/>
-        </p:spPr>
-        <p:style>
-          <a:lnRef idx="2">
-            <a:schemeClr val="accent1">
-              <a:shade val="50000"/>
-            </a:schemeClr>
-          </a:lnRef>
-          <a:fillRef idx="1">
-            <a:schemeClr val="accent1"/>
-          </a:fillRef>
-          <a:effectRef idx="0">
-            <a:schemeClr val="accent1"/>
-          </a:effectRef>
-          <a:fontRef idx="minor">
-            <a:schemeClr val="lt1"/>
-          </a:fontRef>
-        </p:style>
-        <p:txBody>
-          <a:bodyPr rtlCol="0" anchor="ctr"/>
-          <a:lstStyle/>
-          <a:p>
-            <a:pPr algn="ctr"/>
-            <a:endParaRPr lang="ru-RU"/>
-          </a:p>
-        </p:txBody>
-      </p:sp>
-      <p:sp>
-        <p:nvSpPr>
-          <p:cNvPr id="18" name="Прямоугольник 17"/>
-          <p:cNvSpPr/>
-          <p:nvPr/>
-        </p:nvSpPr>
-        <p:spPr>
-          <a:xfrm>
-            <a:off x="7433039" y="1364409"/>
-            <a:ext cx="3149797" cy="238680"/>
-          </a:xfrm>
-          <a:prstGeom prst="rect">
-            <a:avLst/>
-          </a:prstGeom>
-          <a:noFill/>
-        </p:spPr>
-        <p:style>
-          <a:lnRef idx="2">
-            <a:schemeClr val="accent1">
-              <a:shade val="50000"/>
-            </a:schemeClr>
-          </a:lnRef>
-          <a:fillRef idx="1">
-            <a:schemeClr val="accent1"/>
-          </a:fillRef>
-          <a:effectRef idx="0">
-            <a:schemeClr val="accent1"/>
-          </a:effectRef>
-          <a:fontRef idx="minor">
-            <a:schemeClr val="lt1"/>
-          </a:fontRef>
-        </p:style>
-        <p:txBody>
-          <a:bodyPr rtlCol="0" anchor="ctr"/>
-          <a:lstStyle/>
-          <a:p>
-            <a:pPr algn="ctr"/>
-            <a:endParaRPr lang="ru-RU"/>
-          </a:p>
-        </p:txBody>
-      </p:sp>
-      <p:sp>
-        <p:nvSpPr>
-          <p:cNvPr id="19" name="Прямоугольник 18"/>
-          <p:cNvSpPr/>
-          <p:nvPr/>
-        </p:nvSpPr>
-        <p:spPr>
-          <a:xfrm>
-            <a:off x="7433039" y="1830478"/>
-            <a:ext cx="3149797" cy="238680"/>
-          </a:xfrm>
-          <a:prstGeom prst="rect">
-            <a:avLst/>
-          </a:prstGeom>
-          <a:noFill/>
-        </p:spPr>
-        <p:style>
-          <a:lnRef idx="2">
-            <a:schemeClr val="accent1">
-              <a:shade val="50000"/>
-            </a:schemeClr>
-          </a:lnRef>
-          <a:fillRef idx="1">
-            <a:schemeClr val="accent1"/>
-          </a:fillRef>
-          <a:effectRef idx="0">
-            <a:schemeClr val="accent1"/>
-          </a:effectRef>
-          <a:fontRef idx="minor">
-            <a:schemeClr val="lt1"/>
-          </a:fontRef>
-        </p:style>
-        <p:txBody>
-          <a:bodyPr rtlCol="0" anchor="ctr"/>
-          <a:lstStyle/>
-          <a:p>
-            <a:pPr algn="ctr"/>
-            <a:endParaRPr lang="ru-RU"/>
-          </a:p>
-        </p:txBody>
-      </p:sp>
-      <p:sp>
-        <p:nvSpPr>
-          <p:cNvPr id="20" name="Прямоугольник 19"/>
-          <p:cNvSpPr/>
-          <p:nvPr/>
-        </p:nvSpPr>
-        <p:spPr>
-          <a:xfrm>
-            <a:off x="10582836" y="936018"/>
-            <a:ext cx="934570" cy="248770"/>
-          </a:xfrm>
-          <a:prstGeom prst="rect">
-            <a:avLst/>
-          </a:prstGeom>
-        </p:spPr>
-        <p:style>
-          <a:lnRef idx="2">
-            <a:schemeClr val="accent1">
-              <a:shade val="50000"/>
-            </a:schemeClr>
-          </a:lnRef>
-          <a:fillRef idx="1">
-            <a:schemeClr val="accent1"/>
-          </a:fillRef>
-          <a:effectRef idx="0">
-            <a:schemeClr val="accent1"/>
-          </a:effectRef>
-          <a:fontRef idx="minor">
-            <a:schemeClr val="lt1"/>
-          </a:fontRef>
-        </p:style>
-        <p:txBody>
-          <a:bodyPr rtlCol="0" anchor="ctr"/>
-          <a:lstStyle/>
-          <a:p>
-            <a:pPr algn="ctr"/>
-            <a:endParaRPr lang="ru-RU"/>
-          </a:p>
-        </p:txBody>
-      </p:sp>
-      <p:sp>
-        <p:nvSpPr>
-          <p:cNvPr id="21" name="Прямоугольник 20"/>
-          <p:cNvSpPr/>
-          <p:nvPr/>
-        </p:nvSpPr>
-        <p:spPr>
-          <a:xfrm>
-            <a:off x="10582836" y="1359359"/>
-            <a:ext cx="934570" cy="248770"/>
-          </a:xfrm>
-          <a:prstGeom prst="rect">
-            <a:avLst/>
-          </a:prstGeom>
-        </p:spPr>
-        <p:style>
-          <a:lnRef idx="2">
-            <a:schemeClr val="accent1">
-              <a:shade val="50000"/>
-            </a:schemeClr>
-          </a:lnRef>
-          <a:fillRef idx="1">
-            <a:schemeClr val="accent1"/>
-          </a:fillRef>
-          <a:effectRef idx="0">
-            <a:schemeClr val="accent1"/>
-          </a:effectRef>
-          <a:fontRef idx="minor">
-            <a:schemeClr val="lt1"/>
-          </a:fontRef>
-        </p:style>
-        <p:txBody>
-          <a:bodyPr rtlCol="0" anchor="ctr"/>
-          <a:lstStyle/>
-          <a:p>
-            <a:pPr algn="ctr"/>
-            <a:endParaRPr lang="ru-RU"/>
-          </a:p>
-        </p:txBody>
-      </p:sp>
-      <p:sp>
-        <p:nvSpPr>
-          <p:cNvPr id="22" name="Прямоугольник 21"/>
-          <p:cNvSpPr/>
-          <p:nvPr/>
-        </p:nvSpPr>
-        <p:spPr>
-          <a:xfrm>
-            <a:off x="10582836" y="1820388"/>
-            <a:ext cx="934570" cy="248770"/>
-          </a:xfrm>
-          <a:prstGeom prst="rect">
-            <a:avLst/>
-          </a:prstGeom>
-        </p:spPr>
-        <p:style>
-          <a:lnRef idx="2">
-            <a:schemeClr val="accent1">
-              <a:shade val="50000"/>
-            </a:schemeClr>
-          </a:lnRef>
-          <a:fillRef idx="1">
-            <a:schemeClr val="accent1"/>
-          </a:fillRef>
-          <a:effectRef idx="0">
-            <a:schemeClr val="accent1"/>
-          </a:effectRef>
-          <a:fontRef idx="minor">
-            <a:schemeClr val="lt1"/>
-          </a:fontRef>
-        </p:style>
-        <p:txBody>
-          <a:bodyPr rtlCol="0" anchor="ctr"/>
-          <a:lstStyle/>
-          <a:p>
-            <a:pPr algn="ctr"/>
-            <a:endParaRPr lang="ru-RU"/>
-          </a:p>
-        </p:txBody>
-      </p:sp>
-      <p:sp>
-        <p:nvSpPr>
-          <p:cNvPr id="23" name="TextBox 22"/>
-          <p:cNvSpPr txBox="1"/>
-          <p:nvPr/>
-        </p:nvSpPr>
-        <p:spPr>
-          <a:xfrm>
-            <a:off x="10596283" y="910189"/>
-            <a:ext cx="1156446" cy="276999"/>
-          </a:xfrm>
-          <a:prstGeom prst="rect">
-            <a:avLst/>
-          </a:prstGeom>
-          <a:noFill/>
-        </p:spPr>
-        <p:txBody>
-          <a:bodyPr wrap="square" rtlCol="0">
-            <a:spAutoFit/>
-          </a:bodyPr>
-          <a:lstStyle/>
-          <a:p>
-            <a:r>
-              <a:rPr lang="en-US" sz="1200" dirty="0" smtClean="0">
-                <a:solidFill>
-                  <a:schemeClr val="bg1"/>
-                </a:solidFill>
-              </a:rPr>
-              <a:t>Choose file…</a:t>
-            </a:r>
-            <a:endParaRPr lang="ru-RU" sz="1200" dirty="0">
-              <a:solidFill>
-                <a:schemeClr val="bg1"/>
-              </a:solidFill>
-            </a:endParaRPr>
-          </a:p>
-        </p:txBody>
-      </p:sp>
-      <p:sp>
-        <p:nvSpPr>
-          <p:cNvPr id="25" name="TextBox 24"/>
-          <p:cNvSpPr txBox="1"/>
-          <p:nvPr/>
-        </p:nvSpPr>
-        <p:spPr>
-          <a:xfrm>
-            <a:off x="10582836" y="1328833"/>
-            <a:ext cx="1169893" cy="276999"/>
-          </a:xfrm>
-          <a:prstGeom prst="rect">
-            <a:avLst/>
-          </a:prstGeom>
-          <a:noFill/>
-        </p:spPr>
-        <p:txBody>
-          <a:bodyPr wrap="square" rtlCol="0">
-            <a:spAutoFit/>
-          </a:bodyPr>
-          <a:lstStyle/>
-          <a:p>
-            <a:r>
-              <a:rPr lang="en-US" sz="1200" dirty="0" smtClean="0">
-                <a:solidFill>
-                  <a:schemeClr val="bg1"/>
-                </a:solidFill>
-              </a:rPr>
-              <a:t>Choose file…</a:t>
-            </a:r>
-            <a:endParaRPr lang="ru-RU" sz="1200" dirty="0">
-              <a:solidFill>
-                <a:schemeClr val="bg1"/>
-              </a:solidFill>
-            </a:endParaRPr>
-          </a:p>
-        </p:txBody>
-      </p:sp>
-      <p:sp>
-        <p:nvSpPr>
-          <p:cNvPr id="26" name="TextBox 25"/>
-          <p:cNvSpPr txBox="1"/>
-          <p:nvPr/>
-        </p:nvSpPr>
-        <p:spPr>
-          <a:xfrm>
-            <a:off x="10582836" y="1802249"/>
-            <a:ext cx="1169893" cy="276999"/>
-          </a:xfrm>
-          <a:prstGeom prst="rect">
-            <a:avLst/>
-          </a:prstGeom>
-          <a:noFill/>
-        </p:spPr>
-        <p:txBody>
-          <a:bodyPr wrap="square" rtlCol="0">
-            <a:spAutoFit/>
-          </a:bodyPr>
-          <a:lstStyle/>
-          <a:p>
-            <a:r>
-              <a:rPr lang="en-US" sz="1200" dirty="0" smtClean="0">
-                <a:solidFill>
-                  <a:schemeClr val="bg1"/>
-                </a:solidFill>
-              </a:rPr>
-              <a:t>Choose file…</a:t>
-            </a:r>
-            <a:endParaRPr lang="ru-RU" sz="1200" dirty="0">
-              <a:solidFill>
-                <a:schemeClr val="bg1"/>
-              </a:solidFill>
-            </a:endParaRPr>
-          </a:p>
-        </p:txBody>
-      </p:sp>
-      <p:cxnSp>
-        <p:nvCxnSpPr>
-          <p:cNvPr id="28" name="Прямая соединительная линия 27"/>
-          <p:cNvCxnSpPr/>
-          <p:nvPr/>
-        </p:nvCxnSpPr>
-        <p:spPr>
-          <a:xfrm>
-            <a:off x="356347" y="5876365"/>
-            <a:ext cx="11252005" cy="33617"/>
-          </a:xfrm>
-          <a:prstGeom prst="line">
-            <a:avLst/>
-          </a:prstGeom>
-        </p:spPr>
-        <p:style>
-          <a:lnRef idx="1">
-            <a:schemeClr val="accent1"/>
-          </a:lnRef>
-          <a:fillRef idx="0">
-            <a:schemeClr val="accent1"/>
-          </a:fillRef>
-          <a:effectRef idx="0">
-            <a:schemeClr val="accent1"/>
-          </a:effectRef>
-          <a:fontRef idx="minor">
-            <a:schemeClr val="tx1"/>
-          </a:fontRef>
-        </p:style>
-      </p:cxnSp>
-      <p:sp>
-        <p:nvSpPr>
-          <p:cNvPr id="30" name="TextBox 29"/>
-          <p:cNvSpPr txBox="1"/>
-          <p:nvPr/>
-        </p:nvSpPr>
-        <p:spPr>
-          <a:xfrm>
-            <a:off x="10364499" y="6122490"/>
-            <a:ext cx="1243853" cy="369332"/>
-          </a:xfrm>
-          <a:prstGeom prst="rect">
-            <a:avLst/>
-          </a:prstGeom>
-          <a:noFill/>
-        </p:spPr>
-        <p:txBody>
-          <a:bodyPr wrap="square" rtlCol="0">
-            <a:spAutoFit/>
-          </a:bodyPr>
-          <a:lstStyle/>
-          <a:p>
-            <a:r>
-              <a:rPr lang="en-US" dirty="0">
-                <a:solidFill>
-                  <a:schemeClr val="bg1"/>
-                </a:solidFill>
-              </a:rPr>
-              <a:t>Create Site</a:t>
-            </a:r>
-            <a:endParaRPr lang="ru-RU" dirty="0">
-              <a:solidFill>
-                <a:schemeClr val="bg1"/>
-              </a:solidFill>
-            </a:endParaRPr>
-          </a:p>
-        </p:txBody>
-      </p:sp>
-      <p:sp>
-        <p:nvSpPr>
-          <p:cNvPr id="31" name="TextBox 30"/>
-          <p:cNvSpPr txBox="1"/>
-          <p:nvPr/>
-        </p:nvSpPr>
-        <p:spPr>
-          <a:xfrm>
-            <a:off x="7345632" y="2246833"/>
-            <a:ext cx="3163244" cy="369332"/>
-          </a:xfrm>
-          <a:prstGeom prst="rect">
-            <a:avLst/>
-          </a:prstGeom>
-          <a:noFill/>
-        </p:spPr>
-        <p:txBody>
-          <a:bodyPr wrap="square" rtlCol="0">
-            <a:spAutoFit/>
-          </a:bodyPr>
-          <a:lstStyle/>
-          <a:p>
-            <a:r>
-              <a:rPr lang="en-US" dirty="0" smtClean="0"/>
-              <a:t>Uploaded:</a:t>
-            </a:r>
-            <a:endParaRPr lang="ru-RU" dirty="0"/>
-          </a:p>
-        </p:txBody>
-      </p:sp>
-      <p:sp>
-        <p:nvSpPr>
-          <p:cNvPr id="24" name="TextBox 23"/>
-          <p:cNvSpPr txBox="1"/>
-          <p:nvPr/>
-        </p:nvSpPr>
-        <p:spPr>
-          <a:xfrm>
-            <a:off x="7844589" y="2776812"/>
-            <a:ext cx="3380874" cy="1754326"/>
-          </a:xfrm>
-          <a:prstGeom prst="rect">
-            <a:avLst/>
-          </a:prstGeom>
-          <a:noFill/>
-        </p:spPr>
-        <p:txBody>
-          <a:bodyPr wrap="square" rtlCol="0">
-            <a:spAutoFit/>
-          </a:bodyPr>
-          <a:lstStyle/>
-          <a:p>
-            <a:pPr marL="285750" indent="-285750" algn="just">
-              <a:buFont typeface="Arial" panose="020B0604020202020204" pitchFamily="34" charset="0"/>
-              <a:buChar char="•"/>
-            </a:pPr>
-            <a:r>
-              <a:rPr lang="en-US" dirty="0" smtClean="0"/>
-              <a:t>styles/global.css                        X</a:t>
-            </a:r>
-          </a:p>
-          <a:p>
-            <a:pPr marL="285750" indent="-285750" algn="just">
-              <a:buFont typeface="Arial" panose="020B0604020202020204" pitchFamily="34" charset="0"/>
-              <a:buChar char="•"/>
-            </a:pPr>
-            <a:r>
-              <a:rPr lang="en-US" dirty="0" err="1" smtClean="0"/>
-              <a:t>js</a:t>
-            </a:r>
-            <a:r>
-              <a:rPr lang="en-US" dirty="0" smtClean="0"/>
-              <a:t>/main.min.js                           X  </a:t>
-            </a:r>
-          </a:p>
-          <a:p>
-            <a:pPr marL="285750" indent="-285750" algn="just">
-              <a:buFont typeface="Arial" panose="020B0604020202020204" pitchFamily="34" charset="0"/>
-              <a:buChar char="•"/>
-            </a:pPr>
-            <a:r>
-              <a:rPr lang="en-US" dirty="0" err="1" smtClean="0"/>
-              <a:t>js</a:t>
-            </a:r>
-            <a:r>
-              <a:rPr lang="en-US" dirty="0" smtClean="0"/>
-              <a:t>/jquery.3.4.1.min.js               X</a:t>
-            </a:r>
-          </a:p>
-          <a:p>
-            <a:pPr marL="285750" indent="-285750" algn="just">
-              <a:buFont typeface="Arial" panose="020B0604020202020204" pitchFamily="34" charset="0"/>
-              <a:buChar char="•"/>
-            </a:pPr>
-            <a:r>
-              <a:rPr lang="en-US" dirty="0" smtClean="0"/>
-              <a:t>Index.html                                 X</a:t>
-            </a:r>
-          </a:p>
-          <a:p>
-            <a:pPr marL="285750" indent="-285750" algn="just">
-              <a:buFont typeface="Arial" panose="020B0604020202020204" pitchFamily="34" charset="0"/>
-              <a:buChar char="•"/>
-            </a:pPr>
-            <a:r>
-              <a:rPr lang="en-US" dirty="0" smtClean="0"/>
-              <a:t>about.html                                X   </a:t>
-            </a:r>
-          </a:p>
-          <a:p>
-            <a:pPr marL="285750" indent="-285750" algn="just">
-              <a:buFont typeface="Arial" panose="020B0604020202020204" pitchFamily="34" charset="0"/>
-              <a:buChar char="•"/>
-            </a:pPr>
-            <a:r>
-              <a:rPr lang="en-US" dirty="0" smtClean="0"/>
-              <a:t>dashboard.html                        X</a:t>
-            </a:r>
-            <a:endParaRPr lang="ru-RU" dirty="0"/>
-          </a:p>
-        </p:txBody>
-      </p:sp>
-      <p:sp>
-        <p:nvSpPr>
-          <p:cNvPr id="33" name="Прямоугольник 32"/>
-          <p:cNvSpPr/>
-          <p:nvPr/>
-        </p:nvSpPr>
-        <p:spPr>
-          <a:xfrm>
-            <a:off x="10582836" y="2264404"/>
-            <a:ext cx="934569" cy="306379"/>
-          </a:xfrm>
-          <a:prstGeom prst="rect">
-            <a:avLst/>
-          </a:prstGeom>
-        </p:spPr>
-        <p:style>
-          <a:lnRef idx="2">
-            <a:schemeClr val="accent1">
-              <a:shade val="50000"/>
-            </a:schemeClr>
-          </a:lnRef>
-          <a:fillRef idx="1">
-            <a:schemeClr val="accent1"/>
-          </a:fillRef>
-          <a:effectRef idx="0">
-            <a:schemeClr val="accent1"/>
-          </a:effectRef>
-          <a:fontRef idx="minor">
-            <a:schemeClr val="lt1"/>
-          </a:fontRef>
-        </p:style>
-        <p:txBody>
-          <a:bodyPr rtlCol="0" anchor="ctr"/>
-          <a:lstStyle/>
-          <a:p>
-            <a:pPr algn="ctr"/>
-            <a:endParaRPr lang="ru-RU"/>
-          </a:p>
-        </p:txBody>
-      </p:sp>
-      <p:sp>
-        <p:nvSpPr>
-          <p:cNvPr id="27" name="TextBox 26"/>
-          <p:cNvSpPr txBox="1"/>
-          <p:nvPr/>
-        </p:nvSpPr>
-        <p:spPr>
-          <a:xfrm>
-            <a:off x="10690058" y="2261936"/>
-            <a:ext cx="833363" cy="307777"/>
-          </a:xfrm>
-          <a:prstGeom prst="rect">
-            <a:avLst/>
-          </a:prstGeom>
-          <a:noFill/>
-        </p:spPr>
-        <p:txBody>
-          <a:bodyPr wrap="square" rtlCol="0">
-            <a:spAutoFit/>
-          </a:bodyPr>
-          <a:lstStyle/>
-          <a:p>
-            <a:r>
-              <a:rPr lang="en-US" sz="1400" dirty="0" smtClean="0">
-                <a:solidFill>
-                  <a:schemeClr val="bg1"/>
-                </a:solidFill>
-              </a:rPr>
-              <a:t>Upload</a:t>
-            </a:r>
-            <a:endParaRPr lang="ru-RU" sz="1400" dirty="0">
-              <a:solidFill>
-                <a:schemeClr val="bg1"/>
-              </a:solidFill>
-            </a:endParaRPr>
-          </a:p>
-        </p:txBody>
-      </p:sp>
-    </p:spTree>
-    <p:extLst>
-      <p:ext uri="{BB962C8B-B14F-4D97-AF65-F5344CB8AC3E}">
-        <p14:creationId xmlns:p14="http://schemas.microsoft.com/office/powerpoint/2010/main" val="836990457"/>
       </p:ext>
     </p:extLst>
   </p:cSld>

--- a/Specs.pptx
+++ b/Specs.pptx
@@ -252,7 +252,7 @@
           <a:p>
             <a:fld id="{A2EC0EAC-ECEF-44E1-B933-C13F370113F6}" type="datetimeFigureOut">
               <a:rPr lang="ru-RU" smtClean="0"/>
-              <a:t>04.04.2020</a:t>
+              <a:t>27.08.2020</a:t>
             </a:fld>
             <a:endParaRPr lang="ru-RU"/>
           </a:p>
@@ -422,7 +422,7 @@
           <a:p>
             <a:fld id="{A2EC0EAC-ECEF-44E1-B933-C13F370113F6}" type="datetimeFigureOut">
               <a:rPr lang="ru-RU" smtClean="0"/>
-              <a:t>04.04.2020</a:t>
+              <a:t>27.08.2020</a:t>
             </a:fld>
             <a:endParaRPr lang="ru-RU"/>
           </a:p>
@@ -602,7 +602,7 @@
           <a:p>
             <a:fld id="{A2EC0EAC-ECEF-44E1-B933-C13F370113F6}" type="datetimeFigureOut">
               <a:rPr lang="ru-RU" smtClean="0"/>
-              <a:t>04.04.2020</a:t>
+              <a:t>27.08.2020</a:t>
             </a:fld>
             <a:endParaRPr lang="ru-RU"/>
           </a:p>
@@ -772,7 +772,7 @@
           <a:p>
             <a:fld id="{A2EC0EAC-ECEF-44E1-B933-C13F370113F6}" type="datetimeFigureOut">
               <a:rPr lang="ru-RU" smtClean="0"/>
-              <a:t>04.04.2020</a:t>
+              <a:t>27.08.2020</a:t>
             </a:fld>
             <a:endParaRPr lang="ru-RU"/>
           </a:p>
@@ -1018,7 +1018,7 @@
           <a:p>
             <a:fld id="{A2EC0EAC-ECEF-44E1-B933-C13F370113F6}" type="datetimeFigureOut">
               <a:rPr lang="ru-RU" smtClean="0"/>
-              <a:t>04.04.2020</a:t>
+              <a:t>27.08.2020</a:t>
             </a:fld>
             <a:endParaRPr lang="ru-RU"/>
           </a:p>
@@ -1250,7 +1250,7 @@
           <a:p>
             <a:fld id="{A2EC0EAC-ECEF-44E1-B933-C13F370113F6}" type="datetimeFigureOut">
               <a:rPr lang="ru-RU" smtClean="0"/>
-              <a:t>04.04.2020</a:t>
+              <a:t>27.08.2020</a:t>
             </a:fld>
             <a:endParaRPr lang="ru-RU"/>
           </a:p>
@@ -1617,7 +1617,7 @@
           <a:p>
             <a:fld id="{A2EC0EAC-ECEF-44E1-B933-C13F370113F6}" type="datetimeFigureOut">
               <a:rPr lang="ru-RU" smtClean="0"/>
-              <a:t>04.04.2020</a:t>
+              <a:t>27.08.2020</a:t>
             </a:fld>
             <a:endParaRPr lang="ru-RU"/>
           </a:p>
@@ -1735,7 +1735,7 @@
           <a:p>
             <a:fld id="{A2EC0EAC-ECEF-44E1-B933-C13F370113F6}" type="datetimeFigureOut">
               <a:rPr lang="ru-RU" smtClean="0"/>
-              <a:t>04.04.2020</a:t>
+              <a:t>27.08.2020</a:t>
             </a:fld>
             <a:endParaRPr lang="ru-RU"/>
           </a:p>
@@ -1830,7 +1830,7 @@
           <a:p>
             <a:fld id="{A2EC0EAC-ECEF-44E1-B933-C13F370113F6}" type="datetimeFigureOut">
               <a:rPr lang="ru-RU" smtClean="0"/>
-              <a:t>04.04.2020</a:t>
+              <a:t>27.08.2020</a:t>
             </a:fld>
             <a:endParaRPr lang="ru-RU"/>
           </a:p>
@@ -2107,7 +2107,7 @@
           <a:p>
             <a:fld id="{A2EC0EAC-ECEF-44E1-B933-C13F370113F6}" type="datetimeFigureOut">
               <a:rPr lang="ru-RU" smtClean="0"/>
-              <a:t>04.04.2020</a:t>
+              <a:t>27.08.2020</a:t>
             </a:fld>
             <a:endParaRPr lang="ru-RU"/>
           </a:p>
@@ -2360,7 +2360,7 @@
           <a:p>
             <a:fld id="{A2EC0EAC-ECEF-44E1-B933-C13F370113F6}" type="datetimeFigureOut">
               <a:rPr lang="ru-RU" smtClean="0"/>
-              <a:t>04.04.2020</a:t>
+              <a:t>27.08.2020</a:t>
             </a:fld>
             <a:endParaRPr lang="ru-RU"/>
           </a:p>
@@ -2573,7 +2573,7 @@
           <a:p>
             <a:fld id="{A2EC0EAC-ECEF-44E1-B933-C13F370113F6}" type="datetimeFigureOut">
               <a:rPr lang="ru-RU" smtClean="0"/>
-              <a:t>04.04.2020</a:t>
+              <a:t>27.08.2020</a:t>
             </a:fld>
             <a:endParaRPr lang="ru-RU"/>
           </a:p>
@@ -5361,7 +5361,7 @@
         </p:nvSpPr>
         <p:spPr>
           <a:xfrm>
-            <a:off x="7345632" y="2246833"/>
+            <a:off x="7345632" y="2604973"/>
             <a:ext cx="3163244" cy="369332"/>
           </a:xfrm>
           <a:prstGeom prst="rect">
@@ -5391,7 +5391,7 @@
         </p:nvSpPr>
         <p:spPr>
           <a:xfrm>
-            <a:off x="7844589" y="2776812"/>
+            <a:off x="7844589" y="3134952"/>
             <a:ext cx="3380874" cy="1754326"/>
           </a:xfrm>
           <a:prstGeom prst="rect">
@@ -5483,7 +5483,7 @@
         </p:nvSpPr>
         <p:spPr>
           <a:xfrm>
-            <a:off x="10582836" y="1362031"/>
+            <a:off x="10588045" y="2013238"/>
             <a:ext cx="934569" cy="306379"/>
           </a:xfrm>
           <a:prstGeom prst="rect">
@@ -5523,7 +5523,7 @@
         </p:nvSpPr>
         <p:spPr>
           <a:xfrm>
-            <a:off x="10690058" y="1359563"/>
+            <a:off x="10695267" y="2010770"/>
             <a:ext cx="833363" cy="307777"/>
           </a:xfrm>
           <a:prstGeom prst="rect">
@@ -5550,6 +5550,148 @@
                 <a:schemeClr val="bg1"/>
               </a:solidFill>
             </a:endParaRPr>
+          </a:p>
+        </p:txBody>
+      </p:sp>
+      <p:sp>
+        <p:nvSpPr>
+          <p:cNvPr id="29" name="Прямоугольник 16"/>
+          <p:cNvSpPr/>
+          <p:nvPr/>
+        </p:nvSpPr>
+        <p:spPr>
+          <a:xfrm>
+            <a:off x="7422954" y="1679099"/>
+            <a:ext cx="4094451" cy="262961"/>
+          </a:xfrm>
+          <a:prstGeom prst="rect">
+            <a:avLst/>
+          </a:prstGeom>
+          <a:noFill/>
+        </p:spPr>
+        <p:style>
+          <a:lnRef idx="2">
+            <a:schemeClr val="accent1">
+              <a:shade val="50000"/>
+            </a:schemeClr>
+          </a:lnRef>
+          <a:fillRef idx="1">
+            <a:schemeClr val="accent1"/>
+          </a:fillRef>
+          <a:effectRef idx="0">
+            <a:schemeClr val="accent1"/>
+          </a:effectRef>
+          <a:fontRef idx="minor">
+            <a:schemeClr val="lt1"/>
+          </a:fontRef>
+        </p:style>
+        <p:txBody>
+          <a:bodyPr rtlCol="0" anchor="ctr"/>
+          <a:lstStyle/>
+          <a:p>
+            <a:pPr algn="ctr"/>
+            <a:endParaRPr lang="ru-RU"/>
+          </a:p>
+        </p:txBody>
+      </p:sp>
+      <p:sp>
+        <p:nvSpPr>
+          <p:cNvPr id="34" name="TextBox 33"/>
+          <p:cNvSpPr txBox="1"/>
+          <p:nvPr/>
+        </p:nvSpPr>
+        <p:spPr>
+          <a:xfrm>
+            <a:off x="7345632" y="1304522"/>
+            <a:ext cx="4313321" cy="369332"/>
+          </a:xfrm>
+          <a:prstGeom prst="rect">
+            <a:avLst/>
+          </a:prstGeom>
+          <a:noFill/>
+        </p:spPr>
+        <p:txBody>
+          <a:bodyPr wrap="square" rtlCol="0">
+            <a:spAutoFit/>
+          </a:bodyPr>
+          <a:lstStyle/>
+          <a:p>
+            <a:r>
+              <a:rPr lang="en-US" dirty="0" smtClean="0"/>
+              <a:t>Use destination path:</a:t>
+            </a:r>
+            <a:endParaRPr lang="ru-RU" dirty="0"/>
+          </a:p>
+        </p:txBody>
+      </p:sp>
+      <p:sp>
+        <p:nvSpPr>
+          <p:cNvPr id="35" name="TextBox 34"/>
+          <p:cNvSpPr txBox="1"/>
+          <p:nvPr/>
+        </p:nvSpPr>
+        <p:spPr>
+          <a:xfrm>
+            <a:off x="9403211" y="1285838"/>
+            <a:ext cx="2333065" cy="369332"/>
+          </a:xfrm>
+          <a:prstGeom prst="rect">
+            <a:avLst/>
+          </a:prstGeom>
+          <a:noFill/>
+        </p:spPr>
+        <p:txBody>
+          <a:bodyPr wrap="square" rtlCol="0">
+            <a:spAutoFit/>
+          </a:bodyPr>
+          <a:lstStyle/>
+          <a:p>
+            <a:r>
+              <a:rPr lang="en-US" dirty="0"/>
+              <a:t>V</a:t>
+            </a:r>
+            <a:endParaRPr lang="ru-RU" dirty="0"/>
+          </a:p>
+        </p:txBody>
+      </p:sp>
+      <p:sp>
+        <p:nvSpPr>
+          <p:cNvPr id="18" name="Rectangle 17"/>
+          <p:cNvSpPr/>
+          <p:nvPr/>
+        </p:nvSpPr>
+        <p:spPr>
+          <a:xfrm>
+            <a:off x="9451691" y="1304522"/>
+            <a:ext cx="286669" cy="295678"/>
+          </a:xfrm>
+          <a:prstGeom prst="rect">
+            <a:avLst/>
+          </a:prstGeom>
+          <a:noFill/>
+        </p:spPr>
+        <p:style>
+          <a:lnRef idx="2">
+            <a:schemeClr val="accent1">
+              <a:shade val="50000"/>
+            </a:schemeClr>
+          </a:lnRef>
+          <a:fillRef idx="1">
+            <a:schemeClr val="accent1"/>
+          </a:fillRef>
+          <a:effectRef idx="0">
+            <a:schemeClr val="accent1"/>
+          </a:effectRef>
+          <a:fontRef idx="minor">
+            <a:schemeClr val="lt1"/>
+          </a:fontRef>
+        </p:style>
+        <p:txBody>
+          <a:bodyPr rtlCol="0" anchor="ctr"/>
+          <a:lstStyle/>
+          <a:p>
+            <a:pPr algn="ctr"/>
+            <a:endParaRPr lang="ru-RU"/>
           </a:p>
         </p:txBody>
       </p:sp>

--- a/Specs.pptx
+++ b/Specs.pptx
@@ -4,6 +4,9 @@
   <p:sldMasterIdLst>
     <p:sldMasterId id="2147483648" r:id="rId1"/>
   </p:sldMasterIdLst>
+  <p:notesMasterIdLst>
+    <p:notesMasterId r:id="rId17"/>
+  </p:notesMasterIdLst>
   <p:sldIdLst>
     <p:sldId id="256" r:id="rId2"/>
     <p:sldId id="257" r:id="rId3"/>
@@ -15,6 +18,11 @@
     <p:sldId id="261" r:id="rId9"/>
     <p:sldId id="262" r:id="rId10"/>
     <p:sldId id="263" r:id="rId11"/>
+    <p:sldId id="270" r:id="rId12"/>
+    <p:sldId id="266" r:id="rId13"/>
+    <p:sldId id="267" r:id="rId14"/>
+    <p:sldId id="268" r:id="rId15"/>
+    <p:sldId id="269" r:id="rId16"/>
   </p:sldIdLst>
   <p:sldSz cx="12192000" cy="6858000"/>
   <p:notesSz cx="6858000" cy="9144000"/>
@@ -121,6 +129,356 @@
 </p:presentation>
 </file>
 
+<file path=ppt/notesMasters/notesMaster1.xml><?xml version="1.0" encoding="utf-8"?>
+<p:notesMaster xmlns:a="http://schemas.openxmlformats.org/drawingml/2006/main" xmlns:r="http://schemas.openxmlformats.org/officeDocument/2006/relationships" xmlns:p="http://schemas.openxmlformats.org/presentationml/2006/main">
+  <p:cSld>
+    <p:bg>
+      <p:bgRef idx="1001">
+        <a:schemeClr val="bg1"/>
+      </p:bgRef>
+    </p:bg>
+    <p:spTree>
+      <p:nvGrpSpPr>
+        <p:cNvPr id="1" name=""/>
+        <p:cNvGrpSpPr/>
+        <p:nvPr/>
+      </p:nvGrpSpPr>
+      <p:grpSpPr>
+        <a:xfrm>
+          <a:off x="0" y="0"/>
+          <a:ext cx="0" cy="0"/>
+          <a:chOff x="0" y="0"/>
+          <a:chExt cx="0" cy="0"/>
+        </a:xfrm>
+      </p:grpSpPr>
+      <p:sp>
+        <p:nvSpPr>
+          <p:cNvPr id="2" name="Header Placeholder 1"/>
+          <p:cNvSpPr>
+            <a:spLocks noGrp="1"/>
+          </p:cNvSpPr>
+          <p:nvPr>
+            <p:ph type="hdr" sz="quarter"/>
+          </p:nvPr>
+        </p:nvSpPr>
+        <p:spPr>
+          <a:xfrm>
+            <a:off x="0" y="0"/>
+            <a:ext cx="2971800" cy="458788"/>
+          </a:xfrm>
+          <a:prstGeom prst="rect">
+            <a:avLst/>
+          </a:prstGeom>
+        </p:spPr>
+        <p:txBody>
+          <a:bodyPr vert="horz" lIns="91440" tIns="45720" rIns="91440" bIns="45720" rtlCol="0"/>
+          <a:lstStyle>
+            <a:lvl1pPr algn="l">
+              <a:defRPr sz="1200"/>
+            </a:lvl1pPr>
+          </a:lstStyle>
+          <a:p>
+            <a:endParaRPr lang="ru-RU"/>
+          </a:p>
+        </p:txBody>
+      </p:sp>
+      <p:sp>
+        <p:nvSpPr>
+          <p:cNvPr id="3" name="Date Placeholder 2"/>
+          <p:cNvSpPr>
+            <a:spLocks noGrp="1"/>
+          </p:cNvSpPr>
+          <p:nvPr>
+            <p:ph type="dt" idx="1"/>
+          </p:nvPr>
+        </p:nvSpPr>
+        <p:spPr>
+          <a:xfrm>
+            <a:off x="3884613" y="0"/>
+            <a:ext cx="2971800" cy="458788"/>
+          </a:xfrm>
+          <a:prstGeom prst="rect">
+            <a:avLst/>
+          </a:prstGeom>
+        </p:spPr>
+        <p:txBody>
+          <a:bodyPr vert="horz" lIns="91440" tIns="45720" rIns="91440" bIns="45720" rtlCol="0"/>
+          <a:lstStyle>
+            <a:lvl1pPr algn="r">
+              <a:defRPr sz="1200"/>
+            </a:lvl1pPr>
+          </a:lstStyle>
+          <a:p>
+            <a:fld id="{5A49B920-2512-410B-B58F-4F9F15F8D3A5}" type="datetimeFigureOut">
+              <a:rPr lang="ru-RU" smtClean="0"/>
+              <a:t>29.09.2020</a:t>
+            </a:fld>
+            <a:endParaRPr lang="ru-RU"/>
+          </a:p>
+        </p:txBody>
+      </p:sp>
+      <p:sp>
+        <p:nvSpPr>
+          <p:cNvPr id="4" name="Slide Image Placeholder 3"/>
+          <p:cNvSpPr>
+            <a:spLocks noGrp="1" noRot="1" noChangeAspect="1"/>
+          </p:cNvSpPr>
+          <p:nvPr>
+            <p:ph type="sldImg" idx="2"/>
+          </p:nvPr>
+        </p:nvSpPr>
+        <p:spPr>
+          <a:xfrm>
+            <a:off x="685800" y="1143000"/>
+            <a:ext cx="5486400" cy="3086100"/>
+          </a:xfrm>
+          <a:prstGeom prst="rect">
+            <a:avLst/>
+          </a:prstGeom>
+          <a:noFill/>
+          <a:ln w="12700">
+            <a:solidFill>
+              <a:prstClr val="black"/>
+            </a:solidFill>
+          </a:ln>
+        </p:spPr>
+        <p:txBody>
+          <a:bodyPr vert="horz" lIns="91440" tIns="45720" rIns="91440" bIns="45720" rtlCol="0" anchor="ctr"/>
+          <a:lstStyle/>
+          <a:p>
+            <a:endParaRPr lang="ru-RU"/>
+          </a:p>
+        </p:txBody>
+      </p:sp>
+      <p:sp>
+        <p:nvSpPr>
+          <p:cNvPr id="5" name="Notes Placeholder 4"/>
+          <p:cNvSpPr>
+            <a:spLocks noGrp="1"/>
+          </p:cNvSpPr>
+          <p:nvPr>
+            <p:ph type="body" sz="quarter" idx="3"/>
+          </p:nvPr>
+        </p:nvSpPr>
+        <p:spPr>
+          <a:xfrm>
+            <a:off x="685800" y="4400550"/>
+            <a:ext cx="5486400" cy="3600450"/>
+          </a:xfrm>
+          <a:prstGeom prst="rect">
+            <a:avLst/>
+          </a:prstGeom>
+        </p:spPr>
+        <p:txBody>
+          <a:bodyPr vert="horz" lIns="91440" tIns="45720" rIns="91440" bIns="45720" rtlCol="0"/>
+          <a:lstStyle/>
+          <a:p>
+            <a:pPr lvl="0"/>
+            <a:r>
+              <a:rPr lang="en-US" smtClean="0"/>
+              <a:t>Edit Master text styles</a:t>
+            </a:r>
+          </a:p>
+          <a:p>
+            <a:pPr lvl="1"/>
+            <a:r>
+              <a:rPr lang="en-US" smtClean="0"/>
+              <a:t>Second level</a:t>
+            </a:r>
+          </a:p>
+          <a:p>
+            <a:pPr lvl="2"/>
+            <a:r>
+              <a:rPr lang="en-US" smtClean="0"/>
+              <a:t>Third level</a:t>
+            </a:r>
+          </a:p>
+          <a:p>
+            <a:pPr lvl="3"/>
+            <a:r>
+              <a:rPr lang="en-US" smtClean="0"/>
+              <a:t>Fourth level</a:t>
+            </a:r>
+          </a:p>
+          <a:p>
+            <a:pPr lvl="4"/>
+            <a:r>
+              <a:rPr lang="en-US" smtClean="0"/>
+              <a:t>Fifth level</a:t>
+            </a:r>
+            <a:endParaRPr lang="ru-RU"/>
+          </a:p>
+        </p:txBody>
+      </p:sp>
+      <p:sp>
+        <p:nvSpPr>
+          <p:cNvPr id="6" name="Footer Placeholder 5"/>
+          <p:cNvSpPr>
+            <a:spLocks noGrp="1"/>
+          </p:cNvSpPr>
+          <p:nvPr>
+            <p:ph type="ftr" sz="quarter" idx="4"/>
+          </p:nvPr>
+        </p:nvSpPr>
+        <p:spPr>
+          <a:xfrm>
+            <a:off x="0" y="8685213"/>
+            <a:ext cx="2971800" cy="458787"/>
+          </a:xfrm>
+          <a:prstGeom prst="rect">
+            <a:avLst/>
+          </a:prstGeom>
+        </p:spPr>
+        <p:txBody>
+          <a:bodyPr vert="horz" lIns="91440" tIns="45720" rIns="91440" bIns="45720" rtlCol="0" anchor="b"/>
+          <a:lstStyle>
+            <a:lvl1pPr algn="l">
+              <a:defRPr sz="1200"/>
+            </a:lvl1pPr>
+          </a:lstStyle>
+          <a:p>
+            <a:endParaRPr lang="ru-RU"/>
+          </a:p>
+        </p:txBody>
+      </p:sp>
+      <p:sp>
+        <p:nvSpPr>
+          <p:cNvPr id="7" name="Slide Number Placeholder 6"/>
+          <p:cNvSpPr>
+            <a:spLocks noGrp="1"/>
+          </p:cNvSpPr>
+          <p:nvPr>
+            <p:ph type="sldNum" sz="quarter" idx="5"/>
+          </p:nvPr>
+        </p:nvSpPr>
+        <p:spPr>
+          <a:xfrm>
+            <a:off x="3884613" y="8685213"/>
+            <a:ext cx="2971800" cy="458787"/>
+          </a:xfrm>
+          <a:prstGeom prst="rect">
+            <a:avLst/>
+          </a:prstGeom>
+        </p:spPr>
+        <p:txBody>
+          <a:bodyPr vert="horz" lIns="91440" tIns="45720" rIns="91440" bIns="45720" rtlCol="0" anchor="b"/>
+          <a:lstStyle>
+            <a:lvl1pPr algn="r">
+              <a:defRPr sz="1200"/>
+            </a:lvl1pPr>
+          </a:lstStyle>
+          <a:p>
+            <a:fld id="{E52DB3BC-32AD-4666-8762-D7A2AF9C59D3}" type="slidenum">
+              <a:rPr lang="ru-RU" smtClean="0"/>
+              <a:t>‹#›</a:t>
+            </a:fld>
+            <a:endParaRPr lang="ru-RU"/>
+          </a:p>
+        </p:txBody>
+      </p:sp>
+    </p:spTree>
+    <p:extLst>
+      <p:ext uri="{BB962C8B-B14F-4D97-AF65-F5344CB8AC3E}">
+        <p14:creationId xmlns:p14="http://schemas.microsoft.com/office/powerpoint/2010/main" val="1999100082"/>
+      </p:ext>
+    </p:extLst>
+  </p:cSld>
+  <p:clrMap bg1="lt1" tx1="dk1" bg2="lt2" tx2="dk2" accent1="accent1" accent2="accent2" accent3="accent3" accent4="accent4" accent5="accent5" accent6="accent6" hlink="hlink" folHlink="folHlink"/>
+  <p:notesStyle>
+    <a:lvl1pPr marL="0" algn="l" defTabSz="914400" rtl="0" eaLnBrk="1" latinLnBrk="0" hangingPunct="1">
+      <a:defRPr sz="1200" kern="1200">
+        <a:solidFill>
+          <a:schemeClr val="tx1"/>
+        </a:solidFill>
+        <a:latin typeface="+mn-lt"/>
+        <a:ea typeface="+mn-ea"/>
+        <a:cs typeface="+mn-cs"/>
+      </a:defRPr>
+    </a:lvl1pPr>
+    <a:lvl2pPr marL="457200" algn="l" defTabSz="914400" rtl="0" eaLnBrk="1" latinLnBrk="0" hangingPunct="1">
+      <a:defRPr sz="1200" kern="1200">
+        <a:solidFill>
+          <a:schemeClr val="tx1"/>
+        </a:solidFill>
+        <a:latin typeface="+mn-lt"/>
+        <a:ea typeface="+mn-ea"/>
+        <a:cs typeface="+mn-cs"/>
+      </a:defRPr>
+    </a:lvl2pPr>
+    <a:lvl3pPr marL="914400" algn="l" defTabSz="914400" rtl="0" eaLnBrk="1" latinLnBrk="0" hangingPunct="1">
+      <a:defRPr sz="1200" kern="1200">
+        <a:solidFill>
+          <a:schemeClr val="tx1"/>
+        </a:solidFill>
+        <a:latin typeface="+mn-lt"/>
+        <a:ea typeface="+mn-ea"/>
+        <a:cs typeface="+mn-cs"/>
+      </a:defRPr>
+    </a:lvl3pPr>
+    <a:lvl4pPr marL="1371600" algn="l" defTabSz="914400" rtl="0" eaLnBrk="1" latinLnBrk="0" hangingPunct="1">
+      <a:defRPr sz="1200" kern="1200">
+        <a:solidFill>
+          <a:schemeClr val="tx1"/>
+        </a:solidFill>
+        <a:latin typeface="+mn-lt"/>
+        <a:ea typeface="+mn-ea"/>
+        <a:cs typeface="+mn-cs"/>
+      </a:defRPr>
+    </a:lvl4pPr>
+    <a:lvl5pPr marL="1828800" algn="l" defTabSz="914400" rtl="0" eaLnBrk="1" latinLnBrk="0" hangingPunct="1">
+      <a:defRPr sz="1200" kern="1200">
+        <a:solidFill>
+          <a:schemeClr val="tx1"/>
+        </a:solidFill>
+        <a:latin typeface="+mn-lt"/>
+        <a:ea typeface="+mn-ea"/>
+        <a:cs typeface="+mn-cs"/>
+      </a:defRPr>
+    </a:lvl5pPr>
+    <a:lvl6pPr marL="2286000" algn="l" defTabSz="914400" rtl="0" eaLnBrk="1" latinLnBrk="0" hangingPunct="1">
+      <a:defRPr sz="1200" kern="1200">
+        <a:solidFill>
+          <a:schemeClr val="tx1"/>
+        </a:solidFill>
+        <a:latin typeface="+mn-lt"/>
+        <a:ea typeface="+mn-ea"/>
+        <a:cs typeface="+mn-cs"/>
+      </a:defRPr>
+    </a:lvl6pPr>
+    <a:lvl7pPr marL="2743200" algn="l" defTabSz="914400" rtl="0" eaLnBrk="1" latinLnBrk="0" hangingPunct="1">
+      <a:defRPr sz="1200" kern="1200">
+        <a:solidFill>
+          <a:schemeClr val="tx1"/>
+        </a:solidFill>
+        <a:latin typeface="+mn-lt"/>
+        <a:ea typeface="+mn-ea"/>
+        <a:cs typeface="+mn-cs"/>
+      </a:defRPr>
+    </a:lvl7pPr>
+    <a:lvl8pPr marL="3200400" algn="l" defTabSz="914400" rtl="0" eaLnBrk="1" latinLnBrk="0" hangingPunct="1">
+      <a:defRPr sz="1200" kern="1200">
+        <a:solidFill>
+          <a:schemeClr val="tx1"/>
+        </a:solidFill>
+        <a:latin typeface="+mn-lt"/>
+        <a:ea typeface="+mn-ea"/>
+        <a:cs typeface="+mn-cs"/>
+      </a:defRPr>
+    </a:lvl8pPr>
+    <a:lvl9pPr marL="3657600" algn="l" defTabSz="914400" rtl="0" eaLnBrk="1" latinLnBrk="0" hangingPunct="1">
+      <a:defRPr sz="1200" kern="1200">
+        <a:solidFill>
+          <a:schemeClr val="tx1"/>
+        </a:solidFill>
+        <a:latin typeface="+mn-lt"/>
+        <a:ea typeface="+mn-ea"/>
+        <a:cs typeface="+mn-cs"/>
+      </a:defRPr>
+    </a:lvl9pPr>
+  </p:notesStyle>
+</p:notesMaster>
+</file>
+
 <file path=ppt/slideLayouts/slideLayout1.xml><?xml version="1.0" encoding="utf-8"?>
 <p:sldLayout xmlns:a="http://schemas.openxmlformats.org/drawingml/2006/main" xmlns:r="http://schemas.openxmlformats.org/officeDocument/2006/relationships" xmlns:p="http://schemas.openxmlformats.org/presentationml/2006/main" type="title" preserve="1">
   <p:cSld name="Титульный слайд">
@@ -252,7 +610,7 @@
           <a:p>
             <a:fld id="{A2EC0EAC-ECEF-44E1-B933-C13F370113F6}" type="datetimeFigureOut">
               <a:rPr lang="ru-RU" smtClean="0"/>
-              <a:t>27.08.2020</a:t>
+              <a:t>29.09.2020</a:t>
             </a:fld>
             <a:endParaRPr lang="ru-RU"/>
           </a:p>
@@ -422,7 +780,7 @@
           <a:p>
             <a:fld id="{A2EC0EAC-ECEF-44E1-B933-C13F370113F6}" type="datetimeFigureOut">
               <a:rPr lang="ru-RU" smtClean="0"/>
-              <a:t>27.08.2020</a:t>
+              <a:t>29.09.2020</a:t>
             </a:fld>
             <a:endParaRPr lang="ru-RU"/>
           </a:p>
@@ -602,7 +960,7 @@
           <a:p>
             <a:fld id="{A2EC0EAC-ECEF-44E1-B933-C13F370113F6}" type="datetimeFigureOut">
               <a:rPr lang="ru-RU" smtClean="0"/>
-              <a:t>27.08.2020</a:t>
+              <a:t>29.09.2020</a:t>
             </a:fld>
             <a:endParaRPr lang="ru-RU"/>
           </a:p>
@@ -772,7 +1130,7 @@
           <a:p>
             <a:fld id="{A2EC0EAC-ECEF-44E1-B933-C13F370113F6}" type="datetimeFigureOut">
               <a:rPr lang="ru-RU" smtClean="0"/>
-              <a:t>27.08.2020</a:t>
+              <a:t>29.09.2020</a:t>
             </a:fld>
             <a:endParaRPr lang="ru-RU"/>
           </a:p>
@@ -1018,7 +1376,7 @@
           <a:p>
             <a:fld id="{A2EC0EAC-ECEF-44E1-B933-C13F370113F6}" type="datetimeFigureOut">
               <a:rPr lang="ru-RU" smtClean="0"/>
-              <a:t>27.08.2020</a:t>
+              <a:t>29.09.2020</a:t>
             </a:fld>
             <a:endParaRPr lang="ru-RU"/>
           </a:p>
@@ -1250,7 +1608,7 @@
           <a:p>
             <a:fld id="{A2EC0EAC-ECEF-44E1-B933-C13F370113F6}" type="datetimeFigureOut">
               <a:rPr lang="ru-RU" smtClean="0"/>
-              <a:t>27.08.2020</a:t>
+              <a:t>29.09.2020</a:t>
             </a:fld>
             <a:endParaRPr lang="ru-RU"/>
           </a:p>
@@ -1617,7 +1975,7 @@
           <a:p>
             <a:fld id="{A2EC0EAC-ECEF-44E1-B933-C13F370113F6}" type="datetimeFigureOut">
               <a:rPr lang="ru-RU" smtClean="0"/>
-              <a:t>27.08.2020</a:t>
+              <a:t>29.09.2020</a:t>
             </a:fld>
             <a:endParaRPr lang="ru-RU"/>
           </a:p>
@@ -1735,7 +2093,7 @@
           <a:p>
             <a:fld id="{A2EC0EAC-ECEF-44E1-B933-C13F370113F6}" type="datetimeFigureOut">
               <a:rPr lang="ru-RU" smtClean="0"/>
-              <a:t>27.08.2020</a:t>
+              <a:t>29.09.2020</a:t>
             </a:fld>
             <a:endParaRPr lang="ru-RU"/>
           </a:p>
@@ -1830,7 +2188,7 @@
           <a:p>
             <a:fld id="{A2EC0EAC-ECEF-44E1-B933-C13F370113F6}" type="datetimeFigureOut">
               <a:rPr lang="ru-RU" smtClean="0"/>
-              <a:t>27.08.2020</a:t>
+              <a:t>29.09.2020</a:t>
             </a:fld>
             <a:endParaRPr lang="ru-RU"/>
           </a:p>
@@ -2107,7 +2465,7 @@
           <a:p>
             <a:fld id="{A2EC0EAC-ECEF-44E1-B933-C13F370113F6}" type="datetimeFigureOut">
               <a:rPr lang="ru-RU" smtClean="0"/>
-              <a:t>27.08.2020</a:t>
+              <a:t>29.09.2020</a:t>
             </a:fld>
             <a:endParaRPr lang="ru-RU"/>
           </a:p>
@@ -2360,7 +2718,7 @@
           <a:p>
             <a:fld id="{A2EC0EAC-ECEF-44E1-B933-C13F370113F6}" type="datetimeFigureOut">
               <a:rPr lang="ru-RU" smtClean="0"/>
-              <a:t>27.08.2020</a:t>
+              <a:t>29.09.2020</a:t>
             </a:fld>
             <a:endParaRPr lang="ru-RU"/>
           </a:p>
@@ -2573,7 +2931,7 @@
           <a:p>
             <a:fld id="{A2EC0EAC-ECEF-44E1-B933-C13F370113F6}" type="datetimeFigureOut">
               <a:rPr lang="ru-RU" smtClean="0"/>
-              <a:t>27.08.2020</a:t>
+              <a:t>29.09.2020</a:t>
             </a:fld>
             <a:endParaRPr lang="ru-RU"/>
           </a:p>
@@ -5708,6 +6066,2071 @@
 </p:sld>
 </file>
 
+<file path=ppt/slides/slide11.xml><?xml version="1.0" encoding="utf-8"?>
+<p:sld xmlns:a="http://schemas.openxmlformats.org/drawingml/2006/main" xmlns:r="http://schemas.openxmlformats.org/officeDocument/2006/relationships" xmlns:p="http://schemas.openxmlformats.org/presentationml/2006/main">
+  <p:cSld>
+    <p:spTree>
+      <p:nvGrpSpPr>
+        <p:cNvPr id="1" name=""/>
+        <p:cNvGrpSpPr/>
+        <p:nvPr/>
+      </p:nvGrpSpPr>
+      <p:grpSpPr>
+        <a:xfrm>
+          <a:off x="0" y="0"/>
+          <a:ext cx="0" cy="0"/>
+          <a:chOff x="0" y="0"/>
+          <a:chExt cx="0" cy="0"/>
+        </a:xfrm>
+      </p:grpSpPr>
+      <p:sp>
+        <p:nvSpPr>
+          <p:cNvPr id="4" name="TextBox 3"/>
+          <p:cNvSpPr txBox="1"/>
+          <p:nvPr/>
+        </p:nvSpPr>
+        <p:spPr>
+          <a:xfrm>
+            <a:off x="222584" y="174458"/>
+            <a:ext cx="6647447" cy="523220"/>
+          </a:xfrm>
+          <a:prstGeom prst="rect">
+            <a:avLst/>
+          </a:prstGeom>
+          <a:noFill/>
+        </p:spPr>
+        <p:txBody>
+          <a:bodyPr wrap="square" rtlCol="0">
+            <a:spAutoFit/>
+          </a:bodyPr>
+          <a:lstStyle/>
+          <a:p>
+            <a:r>
+              <a:rPr lang="en-US" sz="2800" dirty="0" smtClean="0"/>
+              <a:t>Help Subsystem</a:t>
+            </a:r>
+            <a:endParaRPr lang="ru-RU" sz="2800" dirty="0"/>
+          </a:p>
+        </p:txBody>
+      </p:sp>
+      <p:sp>
+        <p:nvSpPr>
+          <p:cNvPr id="5" name="Rectangle 4"/>
+          <p:cNvSpPr/>
+          <p:nvPr/>
+        </p:nvSpPr>
+        <p:spPr>
+          <a:xfrm>
+            <a:off x="385010" y="866274"/>
+            <a:ext cx="2160297" cy="1501613"/>
+          </a:xfrm>
+          <a:prstGeom prst="rect">
+            <a:avLst/>
+          </a:prstGeom>
+          <a:noFill/>
+        </p:spPr>
+        <p:style>
+          <a:lnRef idx="2">
+            <a:schemeClr val="accent1">
+              <a:shade val="50000"/>
+            </a:schemeClr>
+          </a:lnRef>
+          <a:fillRef idx="1">
+            <a:schemeClr val="accent1"/>
+          </a:fillRef>
+          <a:effectRef idx="0">
+            <a:schemeClr val="accent1"/>
+          </a:effectRef>
+          <a:fontRef idx="minor">
+            <a:schemeClr val="lt1"/>
+          </a:fontRef>
+        </p:style>
+        <p:txBody>
+          <a:bodyPr rtlCol="0" anchor="ctr"/>
+          <a:lstStyle/>
+          <a:p>
+            <a:pPr algn="ctr"/>
+            <a:endParaRPr lang="ru-RU"/>
+          </a:p>
+        </p:txBody>
+      </p:sp>
+      <p:sp>
+        <p:nvSpPr>
+          <p:cNvPr id="6" name="TextBox 5"/>
+          <p:cNvSpPr txBox="1"/>
+          <p:nvPr/>
+        </p:nvSpPr>
+        <p:spPr>
+          <a:xfrm>
+            <a:off x="385010" y="866274"/>
+            <a:ext cx="1944806" cy="369332"/>
+          </a:xfrm>
+          <a:prstGeom prst="rect">
+            <a:avLst/>
+          </a:prstGeom>
+          <a:noFill/>
+        </p:spPr>
+        <p:txBody>
+          <a:bodyPr wrap="square" rtlCol="0">
+            <a:spAutoFit/>
+          </a:bodyPr>
+          <a:lstStyle/>
+          <a:p>
+            <a:r>
+              <a:rPr lang="en-US" dirty="0" smtClean="0"/>
+              <a:t>Help Section</a:t>
+            </a:r>
+            <a:endParaRPr lang="ru-RU" dirty="0"/>
+          </a:p>
+        </p:txBody>
+      </p:sp>
+      <p:sp>
+        <p:nvSpPr>
+          <p:cNvPr id="7" name="TextBox 6"/>
+          <p:cNvSpPr txBox="1"/>
+          <p:nvPr/>
+        </p:nvSpPr>
+        <p:spPr>
+          <a:xfrm>
+            <a:off x="566382" y="1344304"/>
+            <a:ext cx="2129051" cy="923330"/>
+          </a:xfrm>
+          <a:prstGeom prst="rect">
+            <a:avLst/>
+          </a:prstGeom>
+          <a:noFill/>
+        </p:spPr>
+        <p:txBody>
+          <a:bodyPr wrap="square" rtlCol="0">
+            <a:spAutoFit/>
+          </a:bodyPr>
+          <a:lstStyle/>
+          <a:p>
+            <a:pPr marL="285750" indent="-285750">
+              <a:buFont typeface="Arial" panose="020B0604020202020204" pitchFamily="34" charset="0"/>
+              <a:buChar char="•"/>
+            </a:pPr>
+            <a:r>
+              <a:rPr lang="en-US" dirty="0" smtClean="0"/>
+              <a:t>Id</a:t>
+            </a:r>
+          </a:p>
+          <a:p>
+            <a:pPr marL="285750" indent="-285750">
+              <a:buFont typeface="Arial" panose="020B0604020202020204" pitchFamily="34" charset="0"/>
+              <a:buChar char="•"/>
+            </a:pPr>
+            <a:r>
+              <a:rPr lang="en-US" dirty="0" smtClean="0"/>
+              <a:t>Name</a:t>
+            </a:r>
+          </a:p>
+          <a:p>
+            <a:pPr marL="285750" indent="-285750">
+              <a:buFont typeface="Arial" panose="020B0604020202020204" pitchFamily="34" charset="0"/>
+              <a:buChar char="•"/>
+            </a:pPr>
+            <a:r>
+              <a:rPr lang="en-US" dirty="0" smtClean="0"/>
+              <a:t>Parent Section</a:t>
+            </a:r>
+            <a:endParaRPr lang="ru-RU" dirty="0"/>
+          </a:p>
+        </p:txBody>
+      </p:sp>
+      <p:sp>
+        <p:nvSpPr>
+          <p:cNvPr id="8" name="Rectangle 7"/>
+          <p:cNvSpPr/>
+          <p:nvPr/>
+        </p:nvSpPr>
+        <p:spPr>
+          <a:xfrm>
+            <a:off x="3227696" y="866274"/>
+            <a:ext cx="1705970" cy="1788216"/>
+          </a:xfrm>
+          <a:prstGeom prst="rect">
+            <a:avLst/>
+          </a:prstGeom>
+          <a:noFill/>
+        </p:spPr>
+        <p:style>
+          <a:lnRef idx="2">
+            <a:schemeClr val="accent1">
+              <a:shade val="50000"/>
+            </a:schemeClr>
+          </a:lnRef>
+          <a:fillRef idx="1">
+            <a:schemeClr val="accent1"/>
+          </a:fillRef>
+          <a:effectRef idx="0">
+            <a:schemeClr val="accent1"/>
+          </a:effectRef>
+          <a:fontRef idx="minor">
+            <a:schemeClr val="lt1"/>
+          </a:fontRef>
+        </p:style>
+        <p:txBody>
+          <a:bodyPr rtlCol="0" anchor="ctr"/>
+          <a:lstStyle/>
+          <a:p>
+            <a:pPr algn="ctr"/>
+            <a:endParaRPr lang="ru-RU"/>
+          </a:p>
+        </p:txBody>
+      </p:sp>
+      <p:sp>
+        <p:nvSpPr>
+          <p:cNvPr id="9" name="TextBox 8"/>
+          <p:cNvSpPr txBox="1"/>
+          <p:nvPr/>
+        </p:nvSpPr>
+        <p:spPr>
+          <a:xfrm>
+            <a:off x="3295935" y="866274"/>
+            <a:ext cx="2470244" cy="369332"/>
+          </a:xfrm>
+          <a:prstGeom prst="rect">
+            <a:avLst/>
+          </a:prstGeom>
+          <a:noFill/>
+        </p:spPr>
+        <p:txBody>
+          <a:bodyPr wrap="square" rtlCol="0">
+            <a:spAutoFit/>
+          </a:bodyPr>
+          <a:lstStyle/>
+          <a:p>
+            <a:r>
+              <a:rPr lang="en-US" dirty="0" smtClean="0"/>
+              <a:t>Help Topic</a:t>
+            </a:r>
+            <a:endParaRPr lang="ru-RU" dirty="0"/>
+          </a:p>
+        </p:txBody>
+      </p:sp>
+      <p:sp>
+        <p:nvSpPr>
+          <p:cNvPr id="10" name="TextBox 9"/>
+          <p:cNvSpPr txBox="1"/>
+          <p:nvPr/>
+        </p:nvSpPr>
+        <p:spPr>
+          <a:xfrm>
+            <a:off x="3377822" y="1344304"/>
+            <a:ext cx="1453485" cy="1200329"/>
+          </a:xfrm>
+          <a:prstGeom prst="rect">
+            <a:avLst/>
+          </a:prstGeom>
+          <a:noFill/>
+        </p:spPr>
+        <p:txBody>
+          <a:bodyPr wrap="square" rtlCol="0">
+            <a:spAutoFit/>
+          </a:bodyPr>
+          <a:lstStyle/>
+          <a:p>
+            <a:pPr marL="285750" indent="-285750">
+              <a:buFont typeface="Arial" panose="020B0604020202020204" pitchFamily="34" charset="0"/>
+              <a:buChar char="•"/>
+            </a:pPr>
+            <a:r>
+              <a:rPr lang="en-US" dirty="0" smtClean="0"/>
+              <a:t>Id</a:t>
+            </a:r>
+          </a:p>
+          <a:p>
+            <a:pPr marL="285750" indent="-285750">
+              <a:buFont typeface="Arial" panose="020B0604020202020204" pitchFamily="34" charset="0"/>
+              <a:buChar char="•"/>
+            </a:pPr>
+            <a:r>
+              <a:rPr lang="en-US" dirty="0" smtClean="0"/>
+              <a:t>Name</a:t>
+            </a:r>
+          </a:p>
+          <a:p>
+            <a:pPr marL="285750" indent="-285750">
+              <a:buFont typeface="Arial" panose="020B0604020202020204" pitchFamily="34" charset="0"/>
+              <a:buChar char="•"/>
+            </a:pPr>
+            <a:r>
+              <a:rPr lang="en-US" dirty="0" smtClean="0"/>
+              <a:t>Section</a:t>
+            </a:r>
+          </a:p>
+          <a:p>
+            <a:pPr marL="285750" indent="-285750">
+              <a:buFont typeface="Arial" panose="020B0604020202020204" pitchFamily="34" charset="0"/>
+              <a:buChar char="•"/>
+            </a:pPr>
+            <a:r>
+              <a:rPr lang="en-US" dirty="0" err="1" smtClean="0"/>
+              <a:t>OrdinalNo</a:t>
+            </a:r>
+            <a:endParaRPr lang="en-US" dirty="0" smtClean="0"/>
+          </a:p>
+        </p:txBody>
+      </p:sp>
+      <p:cxnSp>
+        <p:nvCxnSpPr>
+          <p:cNvPr id="14" name="Elbow Connector 13"/>
+          <p:cNvCxnSpPr/>
+          <p:nvPr/>
+        </p:nvCxnSpPr>
+        <p:spPr>
+          <a:xfrm rot="10800000">
+            <a:off x="2545308" y="1542197"/>
+            <a:ext cx="682389" cy="516256"/>
+          </a:xfrm>
+          <a:prstGeom prst="bentConnector3">
+            <a:avLst>
+              <a:gd name="adj1" fmla="val 50000"/>
+            </a:avLst>
+          </a:prstGeom>
+          <a:ln>
+            <a:tailEnd type="triangle"/>
+          </a:ln>
+        </p:spPr>
+        <p:style>
+          <a:lnRef idx="1">
+            <a:schemeClr val="accent1"/>
+          </a:lnRef>
+          <a:fillRef idx="0">
+            <a:schemeClr val="accent1"/>
+          </a:fillRef>
+          <a:effectRef idx="0">
+            <a:schemeClr val="accent1"/>
+          </a:effectRef>
+          <a:fontRef idx="minor">
+            <a:schemeClr val="tx1"/>
+          </a:fontRef>
+        </p:style>
+      </p:cxnSp>
+      <p:sp>
+        <p:nvSpPr>
+          <p:cNvPr id="2" name="Rectangle 1"/>
+          <p:cNvSpPr/>
+          <p:nvPr/>
+        </p:nvSpPr>
+        <p:spPr>
+          <a:xfrm>
+            <a:off x="5616055" y="866274"/>
+            <a:ext cx="2117558" cy="1788216"/>
+          </a:xfrm>
+          <a:prstGeom prst="rect">
+            <a:avLst/>
+          </a:prstGeom>
+          <a:noFill/>
+        </p:spPr>
+        <p:style>
+          <a:lnRef idx="2">
+            <a:schemeClr val="accent1">
+              <a:shade val="50000"/>
+            </a:schemeClr>
+          </a:lnRef>
+          <a:fillRef idx="1">
+            <a:schemeClr val="accent1"/>
+          </a:fillRef>
+          <a:effectRef idx="0">
+            <a:schemeClr val="accent1"/>
+          </a:effectRef>
+          <a:fontRef idx="minor">
+            <a:schemeClr val="lt1"/>
+          </a:fontRef>
+        </p:style>
+        <p:txBody>
+          <a:bodyPr rtlCol="0" anchor="ctr"/>
+          <a:lstStyle/>
+          <a:p>
+            <a:pPr algn="ctr"/>
+            <a:endParaRPr lang="ru-RU"/>
+          </a:p>
+        </p:txBody>
+      </p:sp>
+      <p:sp>
+        <p:nvSpPr>
+          <p:cNvPr id="3" name="TextBox 2"/>
+          <p:cNvSpPr txBox="1"/>
+          <p:nvPr/>
+        </p:nvSpPr>
+        <p:spPr>
+          <a:xfrm>
+            <a:off x="5780905" y="939335"/>
+            <a:ext cx="1787857" cy="369332"/>
+          </a:xfrm>
+          <a:prstGeom prst="rect">
+            <a:avLst/>
+          </a:prstGeom>
+          <a:noFill/>
+        </p:spPr>
+        <p:txBody>
+          <a:bodyPr wrap="square" rtlCol="0">
+            <a:spAutoFit/>
+          </a:bodyPr>
+          <a:lstStyle/>
+          <a:p>
+            <a:r>
+              <a:rPr lang="en-US" dirty="0" smtClean="0"/>
+              <a:t>Topic Paragraph</a:t>
+            </a:r>
+            <a:endParaRPr lang="ru-RU" dirty="0"/>
+          </a:p>
+        </p:txBody>
+      </p:sp>
+      <p:sp>
+        <p:nvSpPr>
+          <p:cNvPr id="12" name="TextBox 11"/>
+          <p:cNvSpPr txBox="1"/>
+          <p:nvPr/>
+        </p:nvSpPr>
+        <p:spPr>
+          <a:xfrm>
+            <a:off x="5875362" y="1323752"/>
+            <a:ext cx="1248769" cy="1200329"/>
+          </a:xfrm>
+          <a:prstGeom prst="rect">
+            <a:avLst/>
+          </a:prstGeom>
+          <a:noFill/>
+        </p:spPr>
+        <p:txBody>
+          <a:bodyPr wrap="square" rtlCol="0">
+            <a:spAutoFit/>
+          </a:bodyPr>
+          <a:lstStyle/>
+          <a:p>
+            <a:pPr marL="285750" indent="-285750">
+              <a:buFont typeface="Arial" panose="020B0604020202020204" pitchFamily="34" charset="0"/>
+              <a:buChar char="•"/>
+            </a:pPr>
+            <a:r>
+              <a:rPr lang="en-US" dirty="0" smtClean="0"/>
+              <a:t>Id</a:t>
+            </a:r>
+          </a:p>
+          <a:p>
+            <a:pPr marL="285750" indent="-285750">
+              <a:buFont typeface="Arial" panose="020B0604020202020204" pitchFamily="34" charset="0"/>
+              <a:buChar char="•"/>
+            </a:pPr>
+            <a:r>
+              <a:rPr lang="en-US" dirty="0" smtClean="0"/>
+              <a:t>Name</a:t>
+            </a:r>
+          </a:p>
+          <a:p>
+            <a:pPr marL="285750" indent="-285750">
+              <a:buFont typeface="Arial" panose="020B0604020202020204" pitchFamily="34" charset="0"/>
+              <a:buChar char="•"/>
+            </a:pPr>
+            <a:r>
+              <a:rPr lang="en-US" dirty="0" smtClean="0"/>
+              <a:t>Topic</a:t>
+            </a:r>
+          </a:p>
+          <a:p>
+            <a:pPr marL="285750" indent="-285750">
+              <a:buFont typeface="Arial" panose="020B0604020202020204" pitchFamily="34" charset="0"/>
+              <a:buChar char="•"/>
+            </a:pPr>
+            <a:r>
+              <a:rPr lang="en-US" dirty="0" smtClean="0"/>
+              <a:t>Content</a:t>
+            </a:r>
+          </a:p>
+        </p:txBody>
+      </p:sp>
+      <p:cxnSp>
+        <p:nvCxnSpPr>
+          <p:cNvPr id="13" name="Elbow Connector 12"/>
+          <p:cNvCxnSpPr/>
+          <p:nvPr/>
+        </p:nvCxnSpPr>
+        <p:spPr>
+          <a:xfrm rot="10800000">
+            <a:off x="4935945" y="1530821"/>
+            <a:ext cx="682389" cy="516256"/>
+          </a:xfrm>
+          <a:prstGeom prst="bentConnector3">
+            <a:avLst>
+              <a:gd name="adj1" fmla="val 50000"/>
+            </a:avLst>
+          </a:prstGeom>
+          <a:ln>
+            <a:tailEnd type="triangle"/>
+          </a:ln>
+        </p:spPr>
+        <p:style>
+          <a:lnRef idx="1">
+            <a:schemeClr val="accent1"/>
+          </a:lnRef>
+          <a:fillRef idx="0">
+            <a:schemeClr val="accent1"/>
+          </a:fillRef>
+          <a:effectRef idx="0">
+            <a:schemeClr val="accent1"/>
+          </a:effectRef>
+          <a:fontRef idx="minor">
+            <a:schemeClr val="tx1"/>
+          </a:fontRef>
+        </p:style>
+      </p:cxnSp>
+    </p:spTree>
+    <p:extLst>
+      <p:ext uri="{BB962C8B-B14F-4D97-AF65-F5344CB8AC3E}">
+        <p14:creationId xmlns:p14="http://schemas.microsoft.com/office/powerpoint/2010/main" val="1228147777"/>
+      </p:ext>
+    </p:extLst>
+  </p:cSld>
+  <p:clrMapOvr>
+    <a:masterClrMapping/>
+  </p:clrMapOvr>
+</p:sld>
+</file>
+
+<file path=ppt/slides/slide12.xml><?xml version="1.0" encoding="utf-8"?>
+<p:sld xmlns:a="http://schemas.openxmlformats.org/drawingml/2006/main" xmlns:r="http://schemas.openxmlformats.org/officeDocument/2006/relationships" xmlns:p="http://schemas.openxmlformats.org/presentationml/2006/main">
+  <p:cSld>
+    <p:spTree>
+      <p:nvGrpSpPr>
+        <p:cNvPr id="1" name=""/>
+        <p:cNvGrpSpPr/>
+        <p:nvPr/>
+      </p:nvGrpSpPr>
+      <p:grpSpPr>
+        <a:xfrm>
+          <a:off x="0" y="0"/>
+          <a:ext cx="0" cy="0"/>
+          <a:chOff x="0" y="0"/>
+          <a:chExt cx="0" cy="0"/>
+        </a:xfrm>
+      </p:grpSpPr>
+      <p:sp>
+        <p:nvSpPr>
+          <p:cNvPr id="2" name="Title 1"/>
+          <p:cNvSpPr>
+            <a:spLocks noGrp="1"/>
+          </p:cNvSpPr>
+          <p:nvPr>
+            <p:ph type="title"/>
+          </p:nvPr>
+        </p:nvSpPr>
+        <p:spPr>
+          <a:xfrm>
+            <a:off x="374984" y="0"/>
+            <a:ext cx="10515600" cy="1325563"/>
+          </a:xfrm>
+        </p:spPr>
+        <p:txBody>
+          <a:bodyPr/>
+          <a:lstStyle/>
+          <a:p>
+            <a:r>
+              <a:rPr lang="en-US" dirty="0" smtClean="0"/>
+              <a:t>Help – Getting Started</a:t>
+            </a:r>
+            <a:endParaRPr lang="ru-RU" dirty="0"/>
+          </a:p>
+        </p:txBody>
+      </p:sp>
+      <p:sp>
+        <p:nvSpPr>
+          <p:cNvPr id="4" name="Rectangle 3"/>
+          <p:cNvSpPr/>
+          <p:nvPr/>
+        </p:nvSpPr>
+        <p:spPr>
+          <a:xfrm>
+            <a:off x="306805" y="1052763"/>
+            <a:ext cx="2497810" cy="5654842"/>
+          </a:xfrm>
+          <a:prstGeom prst="rect">
+            <a:avLst/>
+          </a:prstGeom>
+          <a:noFill/>
+        </p:spPr>
+        <p:style>
+          <a:lnRef idx="2">
+            <a:schemeClr val="accent1">
+              <a:shade val="50000"/>
+            </a:schemeClr>
+          </a:lnRef>
+          <a:fillRef idx="1">
+            <a:schemeClr val="accent1"/>
+          </a:fillRef>
+          <a:effectRef idx="0">
+            <a:schemeClr val="accent1"/>
+          </a:effectRef>
+          <a:fontRef idx="minor">
+            <a:schemeClr val="lt1"/>
+          </a:fontRef>
+        </p:style>
+        <p:txBody>
+          <a:bodyPr rtlCol="0" anchor="ctr"/>
+          <a:lstStyle/>
+          <a:p>
+            <a:pPr algn="ctr"/>
+            <a:endParaRPr lang="ru-RU"/>
+          </a:p>
+        </p:txBody>
+      </p:sp>
+      <p:sp>
+        <p:nvSpPr>
+          <p:cNvPr id="5" name="TextBox 4"/>
+          <p:cNvSpPr txBox="1"/>
+          <p:nvPr/>
+        </p:nvSpPr>
+        <p:spPr>
+          <a:xfrm>
+            <a:off x="374984" y="1189085"/>
+            <a:ext cx="2313296" cy="369332"/>
+          </a:xfrm>
+          <a:prstGeom prst="rect">
+            <a:avLst/>
+          </a:prstGeom>
+          <a:noFill/>
+        </p:spPr>
+        <p:txBody>
+          <a:bodyPr wrap="square" rtlCol="0">
+            <a:spAutoFit/>
+          </a:bodyPr>
+          <a:lstStyle/>
+          <a:p>
+            <a:r>
+              <a:rPr lang="en-US" dirty="0" smtClean="0"/>
+              <a:t>General</a:t>
+            </a:r>
+            <a:endParaRPr lang="ru-RU" dirty="0"/>
+          </a:p>
+        </p:txBody>
+      </p:sp>
+      <p:sp>
+        <p:nvSpPr>
+          <p:cNvPr id="6" name="TextBox 5"/>
+          <p:cNvSpPr txBox="1"/>
+          <p:nvPr/>
+        </p:nvSpPr>
+        <p:spPr>
+          <a:xfrm>
+            <a:off x="729766" y="1554010"/>
+            <a:ext cx="2026693" cy="1200329"/>
+          </a:xfrm>
+          <a:prstGeom prst="rect">
+            <a:avLst/>
+          </a:prstGeom>
+          <a:noFill/>
+        </p:spPr>
+        <p:txBody>
+          <a:bodyPr wrap="square" rtlCol="0">
+            <a:spAutoFit/>
+          </a:bodyPr>
+          <a:lstStyle/>
+          <a:p>
+            <a:r>
+              <a:rPr lang="en-US" b="1" dirty="0" smtClean="0"/>
+              <a:t>Getting started</a:t>
+            </a:r>
+          </a:p>
+          <a:p>
+            <a:r>
+              <a:rPr lang="en-US" dirty="0" smtClean="0"/>
+              <a:t>Dashboard</a:t>
+            </a:r>
+          </a:p>
+          <a:p>
+            <a:r>
+              <a:rPr lang="en-US" dirty="0" smtClean="0"/>
+              <a:t>Create site</a:t>
+            </a:r>
+          </a:p>
+          <a:p>
+            <a:r>
+              <a:rPr lang="en-US" dirty="0" smtClean="0"/>
+              <a:t>Site management</a:t>
+            </a:r>
+            <a:endParaRPr lang="ru-RU" dirty="0"/>
+          </a:p>
+        </p:txBody>
+      </p:sp>
+      <p:sp>
+        <p:nvSpPr>
+          <p:cNvPr id="7" name="Rectangle 6"/>
+          <p:cNvSpPr/>
+          <p:nvPr/>
+        </p:nvSpPr>
+        <p:spPr>
+          <a:xfrm>
+            <a:off x="2954740" y="1052763"/>
+            <a:ext cx="9096233" cy="5654842"/>
+          </a:xfrm>
+          <a:prstGeom prst="rect">
+            <a:avLst/>
+          </a:prstGeom>
+          <a:noFill/>
+        </p:spPr>
+        <p:style>
+          <a:lnRef idx="2">
+            <a:schemeClr val="accent1">
+              <a:shade val="50000"/>
+            </a:schemeClr>
+          </a:lnRef>
+          <a:fillRef idx="1">
+            <a:schemeClr val="accent1"/>
+          </a:fillRef>
+          <a:effectRef idx="0">
+            <a:schemeClr val="accent1"/>
+          </a:effectRef>
+          <a:fontRef idx="minor">
+            <a:schemeClr val="lt1"/>
+          </a:fontRef>
+        </p:style>
+        <p:txBody>
+          <a:bodyPr rtlCol="0" anchor="ctr"/>
+          <a:lstStyle/>
+          <a:p>
+            <a:pPr algn="ctr"/>
+            <a:endParaRPr lang="ru-RU"/>
+          </a:p>
+        </p:txBody>
+      </p:sp>
+      <p:sp>
+        <p:nvSpPr>
+          <p:cNvPr id="8" name="TextBox 7"/>
+          <p:cNvSpPr txBox="1"/>
+          <p:nvPr/>
+        </p:nvSpPr>
+        <p:spPr>
+          <a:xfrm>
+            <a:off x="3043062" y="1189085"/>
+            <a:ext cx="8598090" cy="3693319"/>
+          </a:xfrm>
+          <a:prstGeom prst="rect">
+            <a:avLst/>
+          </a:prstGeom>
+          <a:noFill/>
+        </p:spPr>
+        <p:txBody>
+          <a:bodyPr wrap="square" rtlCol="0">
+            <a:spAutoFit/>
+          </a:bodyPr>
+          <a:lstStyle/>
+          <a:p>
+            <a:r>
+              <a:rPr lang="en-US" b="1" dirty="0" smtClean="0"/>
+              <a:t>AVS </a:t>
+            </a:r>
+            <a:r>
+              <a:rPr lang="en-US" b="1" dirty="0" err="1" smtClean="0"/>
+              <a:t>StaticSite</a:t>
+            </a:r>
+            <a:r>
+              <a:rPr lang="en-US" b="1" dirty="0" smtClean="0"/>
+              <a:t> Hosting</a:t>
+            </a:r>
+            <a:r>
+              <a:rPr lang="en-US" dirty="0" smtClean="0"/>
+              <a:t> allows a user to host simple static site and manage it. The user can turn site on or off, upload different types of content, remove some content, or delete site at all. </a:t>
+            </a:r>
+            <a:endParaRPr lang="ru-RU" dirty="0" smtClean="0"/>
+          </a:p>
+          <a:p>
+            <a:endParaRPr lang="en-US" dirty="0" smtClean="0"/>
+          </a:p>
+          <a:p>
+            <a:r>
+              <a:rPr lang="en-US" dirty="0" smtClean="0"/>
+              <a:t>Currently the project consists of 2 different modules – specific static site middleware and dashboard UI with REST API.</a:t>
+            </a:r>
+          </a:p>
+          <a:p>
+            <a:endParaRPr lang="en-US" dirty="0" smtClean="0"/>
+          </a:p>
+          <a:p>
+            <a:r>
+              <a:rPr lang="en-US" dirty="0" smtClean="0"/>
+              <a:t>All you need is to choose your site name &amp; upload site content (*.html, *.</a:t>
+            </a:r>
+            <a:r>
+              <a:rPr lang="en-US" dirty="0" err="1" smtClean="0"/>
+              <a:t>js</a:t>
+            </a:r>
+            <a:r>
+              <a:rPr lang="en-US" dirty="0" smtClean="0"/>
+              <a:t>. *.</a:t>
+            </a:r>
+            <a:r>
+              <a:rPr lang="en-US" dirty="0" err="1" smtClean="0"/>
+              <a:t>css</a:t>
+            </a:r>
+            <a:r>
+              <a:rPr lang="en-US" dirty="0" smtClean="0"/>
+              <a:t>).  You also may choose the landing page for your site. After it your site will be able on the route</a:t>
+            </a:r>
+          </a:p>
+          <a:p>
+            <a:r>
+              <a:rPr lang="en-US" b="1" dirty="0" smtClean="0"/>
+              <a:t>http://{Your site name}/{landing page}</a:t>
+            </a:r>
+            <a:r>
+              <a:rPr lang="en-US" dirty="0" smtClean="0"/>
+              <a:t>.</a:t>
+            </a:r>
+          </a:p>
+          <a:p>
+            <a:endParaRPr lang="en-US" dirty="0" smtClean="0"/>
+          </a:p>
+          <a:p>
+            <a:r>
+              <a:rPr lang="en-US" dirty="0" smtClean="0"/>
+              <a:t>To host your sites, the account registration is required. After registration you have a possibility to view your sites and manage them using our </a:t>
+            </a:r>
+            <a:r>
+              <a:rPr lang="en-US" b="1" dirty="0" smtClean="0"/>
+              <a:t>Dashboard</a:t>
+            </a:r>
+            <a:r>
+              <a:rPr lang="en-US" dirty="0" smtClean="0"/>
+              <a:t>. </a:t>
+            </a:r>
+            <a:endParaRPr lang="ru-RU" dirty="0"/>
+          </a:p>
+        </p:txBody>
+      </p:sp>
+    </p:spTree>
+    <p:extLst>
+      <p:ext uri="{BB962C8B-B14F-4D97-AF65-F5344CB8AC3E}">
+        <p14:creationId xmlns:p14="http://schemas.microsoft.com/office/powerpoint/2010/main" val="1927936537"/>
+      </p:ext>
+    </p:extLst>
+  </p:cSld>
+  <p:clrMapOvr>
+    <a:masterClrMapping/>
+  </p:clrMapOvr>
+</p:sld>
+</file>
+
+<file path=ppt/slides/slide13.xml><?xml version="1.0" encoding="utf-8"?>
+<p:sld xmlns:a="http://schemas.openxmlformats.org/drawingml/2006/main" xmlns:r="http://schemas.openxmlformats.org/officeDocument/2006/relationships" xmlns:p="http://schemas.openxmlformats.org/presentationml/2006/main">
+  <p:cSld>
+    <p:spTree>
+      <p:nvGrpSpPr>
+        <p:cNvPr id="1" name=""/>
+        <p:cNvGrpSpPr/>
+        <p:nvPr/>
+      </p:nvGrpSpPr>
+      <p:grpSpPr>
+        <a:xfrm>
+          <a:off x="0" y="0"/>
+          <a:ext cx="0" cy="0"/>
+          <a:chOff x="0" y="0"/>
+          <a:chExt cx="0" cy="0"/>
+        </a:xfrm>
+      </p:grpSpPr>
+      <p:sp>
+        <p:nvSpPr>
+          <p:cNvPr id="2" name="Title 1"/>
+          <p:cNvSpPr>
+            <a:spLocks noGrp="1"/>
+          </p:cNvSpPr>
+          <p:nvPr>
+            <p:ph type="title"/>
+          </p:nvPr>
+        </p:nvSpPr>
+        <p:spPr>
+          <a:xfrm>
+            <a:off x="374984" y="0"/>
+            <a:ext cx="10515600" cy="1325563"/>
+          </a:xfrm>
+        </p:spPr>
+        <p:txBody>
+          <a:bodyPr/>
+          <a:lstStyle/>
+          <a:p>
+            <a:r>
+              <a:rPr lang="en-US" dirty="0" smtClean="0"/>
+              <a:t>Help – Dashboard</a:t>
+            </a:r>
+            <a:endParaRPr lang="ru-RU" dirty="0"/>
+          </a:p>
+        </p:txBody>
+      </p:sp>
+      <p:sp>
+        <p:nvSpPr>
+          <p:cNvPr id="4" name="Rectangle 3"/>
+          <p:cNvSpPr/>
+          <p:nvPr/>
+        </p:nvSpPr>
+        <p:spPr>
+          <a:xfrm>
+            <a:off x="306805" y="1052763"/>
+            <a:ext cx="2497810" cy="5654842"/>
+          </a:xfrm>
+          <a:prstGeom prst="rect">
+            <a:avLst/>
+          </a:prstGeom>
+          <a:noFill/>
+        </p:spPr>
+        <p:style>
+          <a:lnRef idx="2">
+            <a:schemeClr val="accent1">
+              <a:shade val="50000"/>
+            </a:schemeClr>
+          </a:lnRef>
+          <a:fillRef idx="1">
+            <a:schemeClr val="accent1"/>
+          </a:fillRef>
+          <a:effectRef idx="0">
+            <a:schemeClr val="accent1"/>
+          </a:effectRef>
+          <a:fontRef idx="minor">
+            <a:schemeClr val="lt1"/>
+          </a:fontRef>
+        </p:style>
+        <p:txBody>
+          <a:bodyPr rtlCol="0" anchor="ctr"/>
+          <a:lstStyle/>
+          <a:p>
+            <a:pPr algn="ctr"/>
+            <a:endParaRPr lang="ru-RU"/>
+          </a:p>
+        </p:txBody>
+      </p:sp>
+      <p:sp>
+        <p:nvSpPr>
+          <p:cNvPr id="5" name="TextBox 4"/>
+          <p:cNvSpPr txBox="1"/>
+          <p:nvPr/>
+        </p:nvSpPr>
+        <p:spPr>
+          <a:xfrm>
+            <a:off x="374984" y="1189085"/>
+            <a:ext cx="2313296" cy="369332"/>
+          </a:xfrm>
+          <a:prstGeom prst="rect">
+            <a:avLst/>
+          </a:prstGeom>
+          <a:noFill/>
+        </p:spPr>
+        <p:txBody>
+          <a:bodyPr wrap="square" rtlCol="0">
+            <a:spAutoFit/>
+          </a:bodyPr>
+          <a:lstStyle/>
+          <a:p>
+            <a:r>
+              <a:rPr lang="en-US" dirty="0" smtClean="0"/>
+              <a:t>General</a:t>
+            </a:r>
+            <a:endParaRPr lang="ru-RU" dirty="0"/>
+          </a:p>
+        </p:txBody>
+      </p:sp>
+      <p:sp>
+        <p:nvSpPr>
+          <p:cNvPr id="6" name="TextBox 5"/>
+          <p:cNvSpPr txBox="1"/>
+          <p:nvPr/>
+        </p:nvSpPr>
+        <p:spPr>
+          <a:xfrm>
+            <a:off x="729766" y="1554010"/>
+            <a:ext cx="2026693" cy="1200329"/>
+          </a:xfrm>
+          <a:prstGeom prst="rect">
+            <a:avLst/>
+          </a:prstGeom>
+          <a:noFill/>
+        </p:spPr>
+        <p:txBody>
+          <a:bodyPr wrap="square" rtlCol="0">
+            <a:spAutoFit/>
+          </a:bodyPr>
+          <a:lstStyle/>
+          <a:p>
+            <a:r>
+              <a:rPr lang="en-US" dirty="0" smtClean="0"/>
+              <a:t>Getting started</a:t>
+            </a:r>
+          </a:p>
+          <a:p>
+            <a:r>
+              <a:rPr lang="en-US" b="1" dirty="0" smtClean="0"/>
+              <a:t>Dashboard</a:t>
+            </a:r>
+          </a:p>
+          <a:p>
+            <a:r>
+              <a:rPr lang="en-US" dirty="0" smtClean="0"/>
+              <a:t>Create site</a:t>
+            </a:r>
+          </a:p>
+          <a:p>
+            <a:r>
+              <a:rPr lang="en-US" dirty="0" smtClean="0"/>
+              <a:t>Site management</a:t>
+            </a:r>
+            <a:endParaRPr lang="ru-RU" dirty="0"/>
+          </a:p>
+        </p:txBody>
+      </p:sp>
+      <p:sp>
+        <p:nvSpPr>
+          <p:cNvPr id="7" name="Rectangle 6"/>
+          <p:cNvSpPr/>
+          <p:nvPr/>
+        </p:nvSpPr>
+        <p:spPr>
+          <a:xfrm>
+            <a:off x="2954740" y="1052763"/>
+            <a:ext cx="9096233" cy="5654842"/>
+          </a:xfrm>
+          <a:prstGeom prst="rect">
+            <a:avLst/>
+          </a:prstGeom>
+          <a:noFill/>
+        </p:spPr>
+        <p:style>
+          <a:lnRef idx="2">
+            <a:schemeClr val="accent1">
+              <a:shade val="50000"/>
+            </a:schemeClr>
+          </a:lnRef>
+          <a:fillRef idx="1">
+            <a:schemeClr val="accent1"/>
+          </a:fillRef>
+          <a:effectRef idx="0">
+            <a:schemeClr val="accent1"/>
+          </a:effectRef>
+          <a:fontRef idx="minor">
+            <a:schemeClr val="lt1"/>
+          </a:fontRef>
+        </p:style>
+        <p:txBody>
+          <a:bodyPr rtlCol="0" anchor="ctr"/>
+          <a:lstStyle/>
+          <a:p>
+            <a:pPr algn="ctr"/>
+            <a:endParaRPr lang="ru-RU"/>
+          </a:p>
+        </p:txBody>
+      </p:sp>
+      <p:sp>
+        <p:nvSpPr>
+          <p:cNvPr id="8" name="TextBox 7"/>
+          <p:cNvSpPr txBox="1"/>
+          <p:nvPr/>
+        </p:nvSpPr>
+        <p:spPr>
+          <a:xfrm>
+            <a:off x="3043062" y="1189085"/>
+            <a:ext cx="8598090" cy="3970318"/>
+          </a:xfrm>
+          <a:prstGeom prst="rect">
+            <a:avLst/>
+          </a:prstGeom>
+          <a:noFill/>
+        </p:spPr>
+        <p:txBody>
+          <a:bodyPr wrap="square" rtlCol="0">
+            <a:spAutoFit/>
+          </a:bodyPr>
+          <a:lstStyle/>
+          <a:p>
+            <a:r>
+              <a:rPr lang="en-US" b="1" dirty="0" smtClean="0"/>
+              <a:t>Dashboard</a:t>
+            </a:r>
+            <a:r>
+              <a:rPr lang="en-US" dirty="0" smtClean="0"/>
+              <a:t> page shows all your sites and allows to manage them. Each site must have a name required for site routing, but you can also provide a site description which can be displayed in the dashboard grid. The dashboard also provide additional information about sites including site creation date.  </a:t>
+            </a:r>
+          </a:p>
+          <a:p>
+            <a:endParaRPr lang="en-US" dirty="0"/>
+          </a:p>
+          <a:p>
+            <a:endParaRPr lang="en-US" dirty="0" smtClean="0"/>
+          </a:p>
+          <a:p>
+            <a:endParaRPr lang="en-US" dirty="0" smtClean="0"/>
+          </a:p>
+          <a:p>
+            <a:r>
+              <a:rPr lang="en-US" dirty="0" smtClean="0"/>
+              <a:t>Use </a:t>
+            </a:r>
+            <a:r>
+              <a:rPr lang="en-US" b="1" dirty="0" smtClean="0"/>
+              <a:t>action column</a:t>
+            </a:r>
+            <a:r>
+              <a:rPr lang="en-US" dirty="0" smtClean="0"/>
+              <a:t> buttons to manage the site selected. You can </a:t>
+            </a:r>
+            <a:r>
+              <a:rPr lang="en-US" b="1" dirty="0" smtClean="0"/>
+              <a:t>turn</a:t>
+            </a:r>
+            <a:r>
+              <a:rPr lang="en-US" dirty="0" smtClean="0"/>
+              <a:t> it </a:t>
+            </a:r>
+            <a:r>
+              <a:rPr lang="en-US" b="1" dirty="0" smtClean="0"/>
+              <a:t>on/off</a:t>
+            </a:r>
+            <a:r>
+              <a:rPr lang="en-US" dirty="0" smtClean="0"/>
+              <a:t>, edit (</a:t>
+            </a:r>
+            <a:r>
+              <a:rPr lang="en-US" b="1" dirty="0" smtClean="0"/>
+              <a:t>update</a:t>
+            </a:r>
+            <a:r>
+              <a:rPr lang="en-US" dirty="0" smtClean="0"/>
+              <a:t>), </a:t>
+            </a:r>
+            <a:r>
+              <a:rPr lang="en-US" b="1" dirty="0" smtClean="0"/>
+              <a:t>delete</a:t>
+            </a:r>
+            <a:r>
+              <a:rPr lang="en-US" dirty="0" smtClean="0"/>
+              <a:t> site, or </a:t>
+            </a:r>
+            <a:r>
+              <a:rPr lang="en-US" b="1" dirty="0" smtClean="0"/>
+              <a:t>browse</a:t>
+            </a:r>
+            <a:r>
+              <a:rPr lang="en-US" dirty="0" smtClean="0"/>
+              <a:t> it. If you select </a:t>
+            </a:r>
+            <a:r>
+              <a:rPr lang="en-US" b="1" dirty="0" smtClean="0"/>
+              <a:t>Update</a:t>
+            </a:r>
+            <a:r>
+              <a:rPr lang="en-US" dirty="0" smtClean="0"/>
+              <a:t>, the </a:t>
+            </a:r>
+            <a:r>
+              <a:rPr lang="en-US" b="1" dirty="0" smtClean="0"/>
+              <a:t>Edit Site </a:t>
+            </a:r>
+            <a:r>
+              <a:rPr lang="en-US" dirty="0" smtClean="0"/>
+              <a:t>page will open.</a:t>
+            </a:r>
+          </a:p>
+          <a:p>
+            <a:r>
+              <a:rPr lang="en-US" dirty="0" smtClean="0"/>
+              <a:t>Please note that selecting </a:t>
+            </a:r>
+            <a:r>
+              <a:rPr lang="en-US" b="1" dirty="0" smtClean="0"/>
+              <a:t>Delete</a:t>
+            </a:r>
+            <a:r>
+              <a:rPr lang="en-US" dirty="0" smtClean="0"/>
+              <a:t> and confirming your operation will remove all site data with the site content. Use this option very carefully.</a:t>
+            </a:r>
+          </a:p>
+          <a:p>
+            <a:endParaRPr lang="en-US" dirty="0"/>
+          </a:p>
+          <a:p>
+            <a:r>
+              <a:rPr lang="en-US" dirty="0" smtClean="0"/>
+              <a:t>The link </a:t>
+            </a:r>
+            <a:r>
+              <a:rPr lang="en-US" b="1" dirty="0" smtClean="0"/>
+              <a:t>Browse</a:t>
+            </a:r>
+            <a:r>
+              <a:rPr lang="en-US" dirty="0" smtClean="0"/>
+              <a:t> appears </a:t>
+            </a:r>
+            <a:r>
+              <a:rPr lang="en-US" b="1" dirty="0" smtClean="0"/>
+              <a:t>only</a:t>
+            </a:r>
+            <a:r>
+              <a:rPr lang="en-US" dirty="0" smtClean="0"/>
+              <a:t> if you have provided the landing page for site. You can do it using the </a:t>
+            </a:r>
+            <a:r>
+              <a:rPr lang="en-US" b="1" dirty="0" smtClean="0"/>
+              <a:t>Edit Site</a:t>
+            </a:r>
+            <a:r>
+              <a:rPr lang="en-US" dirty="0" smtClean="0"/>
+              <a:t> page.</a:t>
+            </a:r>
+            <a:endParaRPr lang="ru-RU" dirty="0"/>
+          </a:p>
+        </p:txBody>
+      </p:sp>
+      <p:pic>
+        <p:nvPicPr>
+          <p:cNvPr id="3" name="Picture 2"/>
+          <p:cNvPicPr>
+            <a:picLocks noChangeAspect="1"/>
+          </p:cNvPicPr>
+          <p:nvPr/>
+        </p:nvPicPr>
+        <p:blipFill>
+          <a:blip r:embed="rId2"/>
+          <a:stretch>
+            <a:fillRect/>
+          </a:stretch>
+        </p:blipFill>
+        <p:spPr>
+          <a:xfrm>
+            <a:off x="3144835" y="2407104"/>
+            <a:ext cx="8701227" cy="665264"/>
+          </a:xfrm>
+          <a:prstGeom prst="rect">
+            <a:avLst/>
+          </a:prstGeom>
+        </p:spPr>
+      </p:pic>
+    </p:spTree>
+    <p:extLst>
+      <p:ext uri="{BB962C8B-B14F-4D97-AF65-F5344CB8AC3E}">
+        <p14:creationId xmlns:p14="http://schemas.microsoft.com/office/powerpoint/2010/main" val="214815498"/>
+      </p:ext>
+    </p:extLst>
+  </p:cSld>
+  <p:clrMapOvr>
+    <a:masterClrMapping/>
+  </p:clrMapOvr>
+</p:sld>
+</file>
+
+<file path=ppt/slides/slide14.xml><?xml version="1.0" encoding="utf-8"?>
+<p:sld xmlns:a="http://schemas.openxmlformats.org/drawingml/2006/main" xmlns:r="http://schemas.openxmlformats.org/officeDocument/2006/relationships" xmlns:p="http://schemas.openxmlformats.org/presentationml/2006/main">
+  <p:cSld>
+    <p:spTree>
+      <p:nvGrpSpPr>
+        <p:cNvPr id="1" name=""/>
+        <p:cNvGrpSpPr/>
+        <p:nvPr/>
+      </p:nvGrpSpPr>
+      <p:grpSpPr>
+        <a:xfrm>
+          <a:off x="0" y="0"/>
+          <a:ext cx="0" cy="0"/>
+          <a:chOff x="0" y="0"/>
+          <a:chExt cx="0" cy="0"/>
+        </a:xfrm>
+      </p:grpSpPr>
+      <p:sp>
+        <p:nvSpPr>
+          <p:cNvPr id="2" name="Title 1"/>
+          <p:cNvSpPr>
+            <a:spLocks noGrp="1"/>
+          </p:cNvSpPr>
+          <p:nvPr>
+            <p:ph type="title"/>
+          </p:nvPr>
+        </p:nvSpPr>
+        <p:spPr>
+          <a:xfrm>
+            <a:off x="374984" y="0"/>
+            <a:ext cx="10515600" cy="1325563"/>
+          </a:xfrm>
+        </p:spPr>
+        <p:txBody>
+          <a:bodyPr/>
+          <a:lstStyle/>
+          <a:p>
+            <a:r>
+              <a:rPr lang="en-US" dirty="0" smtClean="0"/>
+              <a:t>Help – Create Site</a:t>
+            </a:r>
+            <a:endParaRPr lang="ru-RU" dirty="0"/>
+          </a:p>
+        </p:txBody>
+      </p:sp>
+      <p:sp>
+        <p:nvSpPr>
+          <p:cNvPr id="4" name="Rectangle 3"/>
+          <p:cNvSpPr/>
+          <p:nvPr/>
+        </p:nvSpPr>
+        <p:spPr>
+          <a:xfrm>
+            <a:off x="306805" y="1052763"/>
+            <a:ext cx="2497810" cy="5654842"/>
+          </a:xfrm>
+          <a:prstGeom prst="rect">
+            <a:avLst/>
+          </a:prstGeom>
+          <a:noFill/>
+        </p:spPr>
+        <p:style>
+          <a:lnRef idx="2">
+            <a:schemeClr val="accent1">
+              <a:shade val="50000"/>
+            </a:schemeClr>
+          </a:lnRef>
+          <a:fillRef idx="1">
+            <a:schemeClr val="accent1"/>
+          </a:fillRef>
+          <a:effectRef idx="0">
+            <a:schemeClr val="accent1"/>
+          </a:effectRef>
+          <a:fontRef idx="minor">
+            <a:schemeClr val="lt1"/>
+          </a:fontRef>
+        </p:style>
+        <p:txBody>
+          <a:bodyPr rtlCol="0" anchor="ctr"/>
+          <a:lstStyle/>
+          <a:p>
+            <a:pPr algn="ctr"/>
+            <a:endParaRPr lang="ru-RU"/>
+          </a:p>
+        </p:txBody>
+      </p:sp>
+      <p:sp>
+        <p:nvSpPr>
+          <p:cNvPr id="5" name="TextBox 4"/>
+          <p:cNvSpPr txBox="1"/>
+          <p:nvPr/>
+        </p:nvSpPr>
+        <p:spPr>
+          <a:xfrm>
+            <a:off x="374984" y="1189085"/>
+            <a:ext cx="2313296" cy="369332"/>
+          </a:xfrm>
+          <a:prstGeom prst="rect">
+            <a:avLst/>
+          </a:prstGeom>
+          <a:noFill/>
+        </p:spPr>
+        <p:txBody>
+          <a:bodyPr wrap="square" rtlCol="0">
+            <a:spAutoFit/>
+          </a:bodyPr>
+          <a:lstStyle/>
+          <a:p>
+            <a:r>
+              <a:rPr lang="en-US" dirty="0" smtClean="0"/>
+              <a:t>General</a:t>
+            </a:r>
+            <a:endParaRPr lang="ru-RU" dirty="0"/>
+          </a:p>
+        </p:txBody>
+      </p:sp>
+      <p:sp>
+        <p:nvSpPr>
+          <p:cNvPr id="6" name="TextBox 5"/>
+          <p:cNvSpPr txBox="1"/>
+          <p:nvPr/>
+        </p:nvSpPr>
+        <p:spPr>
+          <a:xfrm>
+            <a:off x="729766" y="1554010"/>
+            <a:ext cx="2026693" cy="1200329"/>
+          </a:xfrm>
+          <a:prstGeom prst="rect">
+            <a:avLst/>
+          </a:prstGeom>
+          <a:noFill/>
+        </p:spPr>
+        <p:txBody>
+          <a:bodyPr wrap="square" rtlCol="0">
+            <a:spAutoFit/>
+          </a:bodyPr>
+          <a:lstStyle/>
+          <a:p>
+            <a:r>
+              <a:rPr lang="en-US" dirty="0" smtClean="0"/>
+              <a:t>Getting started</a:t>
+            </a:r>
+          </a:p>
+          <a:p>
+            <a:r>
+              <a:rPr lang="en-US" dirty="0" smtClean="0"/>
+              <a:t>Dashboard</a:t>
+            </a:r>
+          </a:p>
+          <a:p>
+            <a:r>
+              <a:rPr lang="en-US" b="1" dirty="0" smtClean="0"/>
+              <a:t>Create site</a:t>
+            </a:r>
+          </a:p>
+          <a:p>
+            <a:r>
+              <a:rPr lang="en-US" dirty="0" smtClean="0"/>
+              <a:t>Site management</a:t>
+            </a:r>
+            <a:endParaRPr lang="ru-RU" dirty="0"/>
+          </a:p>
+        </p:txBody>
+      </p:sp>
+      <p:sp>
+        <p:nvSpPr>
+          <p:cNvPr id="7" name="Rectangle 6"/>
+          <p:cNvSpPr/>
+          <p:nvPr/>
+        </p:nvSpPr>
+        <p:spPr>
+          <a:xfrm>
+            <a:off x="2954740" y="1052763"/>
+            <a:ext cx="9096233" cy="5654842"/>
+          </a:xfrm>
+          <a:prstGeom prst="rect">
+            <a:avLst/>
+          </a:prstGeom>
+          <a:noFill/>
+        </p:spPr>
+        <p:style>
+          <a:lnRef idx="2">
+            <a:schemeClr val="accent1">
+              <a:shade val="50000"/>
+            </a:schemeClr>
+          </a:lnRef>
+          <a:fillRef idx="1">
+            <a:schemeClr val="accent1"/>
+          </a:fillRef>
+          <a:effectRef idx="0">
+            <a:schemeClr val="accent1"/>
+          </a:effectRef>
+          <a:fontRef idx="minor">
+            <a:schemeClr val="lt1"/>
+          </a:fontRef>
+        </p:style>
+        <p:txBody>
+          <a:bodyPr rtlCol="0" anchor="ctr"/>
+          <a:lstStyle/>
+          <a:p>
+            <a:pPr algn="ctr"/>
+            <a:endParaRPr lang="ru-RU"/>
+          </a:p>
+        </p:txBody>
+      </p:sp>
+      <p:sp>
+        <p:nvSpPr>
+          <p:cNvPr id="9" name="TextBox 8"/>
+          <p:cNvSpPr txBox="1"/>
+          <p:nvPr/>
+        </p:nvSpPr>
+        <p:spPr>
+          <a:xfrm>
+            <a:off x="3104147" y="1245268"/>
+            <a:ext cx="8692816" cy="646331"/>
+          </a:xfrm>
+          <a:prstGeom prst="rect">
+            <a:avLst/>
+          </a:prstGeom>
+          <a:noFill/>
+        </p:spPr>
+        <p:txBody>
+          <a:bodyPr wrap="square" rtlCol="0">
+            <a:spAutoFit/>
+          </a:bodyPr>
+          <a:lstStyle/>
+          <a:p>
+            <a:r>
+              <a:rPr lang="en-US" dirty="0" smtClean="0"/>
+              <a:t>To create new site installation, click the link </a:t>
+            </a:r>
+            <a:r>
+              <a:rPr lang="en-US" b="1" dirty="0" smtClean="0"/>
+              <a:t>“Add new site…” </a:t>
+            </a:r>
+            <a:r>
+              <a:rPr lang="en-US" dirty="0" smtClean="0"/>
+              <a:t>in the Dashboard page. The Create Site page will open:</a:t>
+            </a:r>
+            <a:endParaRPr lang="ru-RU" dirty="0"/>
+          </a:p>
+        </p:txBody>
+      </p:sp>
+      <p:pic>
+        <p:nvPicPr>
+          <p:cNvPr id="10" name="Picture 9"/>
+          <p:cNvPicPr>
+            <a:picLocks noChangeAspect="1"/>
+          </p:cNvPicPr>
+          <p:nvPr/>
+        </p:nvPicPr>
+        <p:blipFill>
+          <a:blip r:embed="rId2"/>
+          <a:stretch>
+            <a:fillRect/>
+          </a:stretch>
+        </p:blipFill>
+        <p:spPr>
+          <a:xfrm>
+            <a:off x="3227576" y="1891599"/>
+            <a:ext cx="5501335" cy="2457488"/>
+          </a:xfrm>
+          <a:prstGeom prst="rect">
+            <a:avLst/>
+          </a:prstGeom>
+        </p:spPr>
+      </p:pic>
+      <p:sp>
+        <p:nvSpPr>
+          <p:cNvPr id="11" name="TextBox 10"/>
+          <p:cNvSpPr txBox="1"/>
+          <p:nvPr/>
+        </p:nvSpPr>
+        <p:spPr>
+          <a:xfrm>
+            <a:off x="8728911" y="1800592"/>
+            <a:ext cx="2989847" cy="2031325"/>
+          </a:xfrm>
+          <a:prstGeom prst="rect">
+            <a:avLst/>
+          </a:prstGeom>
+          <a:noFill/>
+        </p:spPr>
+        <p:txBody>
+          <a:bodyPr wrap="square" rtlCol="0">
+            <a:spAutoFit/>
+          </a:bodyPr>
+          <a:lstStyle/>
+          <a:p>
+            <a:r>
+              <a:rPr lang="en-US" dirty="0" smtClean="0"/>
+              <a:t>Enter a site name (required), description (optional), and landing page (e.g. index.html).</a:t>
+            </a:r>
+          </a:p>
+          <a:p>
+            <a:r>
+              <a:rPr lang="en-US" dirty="0" smtClean="0"/>
+              <a:t>Check </a:t>
+            </a:r>
+            <a:r>
+              <a:rPr lang="en-US" b="1" dirty="0" smtClean="0"/>
+              <a:t>“Is Active”</a:t>
+            </a:r>
+            <a:r>
+              <a:rPr lang="en-US" dirty="0" smtClean="0"/>
+              <a:t> if you want the new site to be accessible for routing.</a:t>
+            </a:r>
+            <a:endParaRPr lang="ru-RU" dirty="0"/>
+          </a:p>
+        </p:txBody>
+      </p:sp>
+      <p:sp>
+        <p:nvSpPr>
+          <p:cNvPr id="12" name="TextBox 11"/>
+          <p:cNvSpPr txBox="1"/>
+          <p:nvPr/>
+        </p:nvSpPr>
+        <p:spPr>
+          <a:xfrm>
+            <a:off x="8750072" y="3792853"/>
+            <a:ext cx="2737184" cy="646331"/>
+          </a:xfrm>
+          <a:prstGeom prst="rect">
+            <a:avLst/>
+          </a:prstGeom>
+          <a:noFill/>
+        </p:spPr>
+        <p:txBody>
+          <a:bodyPr wrap="square" rtlCol="0">
+            <a:spAutoFit/>
+          </a:bodyPr>
+          <a:lstStyle/>
+          <a:p>
+            <a:r>
+              <a:rPr lang="en-US" dirty="0" smtClean="0"/>
+              <a:t>Upload site content using </a:t>
+            </a:r>
+            <a:r>
+              <a:rPr lang="en-US" b="1" dirty="0" smtClean="0"/>
+              <a:t>Upload Files</a:t>
+            </a:r>
+            <a:r>
+              <a:rPr lang="en-US" dirty="0" smtClean="0"/>
+              <a:t> section</a:t>
+            </a:r>
+            <a:endParaRPr lang="ru-RU" dirty="0"/>
+          </a:p>
+        </p:txBody>
+      </p:sp>
+      <p:sp>
+        <p:nvSpPr>
+          <p:cNvPr id="14" name="TextBox 13"/>
+          <p:cNvSpPr txBox="1"/>
+          <p:nvPr/>
+        </p:nvSpPr>
+        <p:spPr>
+          <a:xfrm>
+            <a:off x="3123751" y="4426704"/>
+            <a:ext cx="8653608" cy="923330"/>
+          </a:xfrm>
+          <a:prstGeom prst="rect">
+            <a:avLst/>
+          </a:prstGeom>
+          <a:noFill/>
+        </p:spPr>
+        <p:txBody>
+          <a:bodyPr wrap="square" rtlCol="0">
+            <a:spAutoFit/>
+          </a:bodyPr>
+          <a:lstStyle/>
+          <a:p>
+            <a:r>
+              <a:rPr lang="en-US" dirty="0" smtClean="0"/>
+              <a:t>For upload you can specify </a:t>
+            </a:r>
+            <a:r>
+              <a:rPr lang="en-US" b="1" dirty="0" smtClean="0"/>
+              <a:t>destination path</a:t>
+            </a:r>
+            <a:r>
+              <a:rPr lang="en-US" dirty="0" smtClean="0"/>
+              <a:t>. For example, if you have a reference like </a:t>
+            </a:r>
+            <a:r>
+              <a:rPr lang="en-US" dirty="0" err="1" smtClean="0"/>
+              <a:t>js</a:t>
+            </a:r>
+            <a:r>
+              <a:rPr lang="en-US" dirty="0" smtClean="0"/>
+              <a:t>/my-site.js in your index.html, you should upload my-site.js and specify destination path as </a:t>
+            </a:r>
+            <a:r>
+              <a:rPr lang="en-US" dirty="0" err="1" smtClean="0"/>
+              <a:t>js</a:t>
+            </a:r>
+            <a:r>
+              <a:rPr lang="en-US" dirty="0" smtClean="0"/>
+              <a:t>. Files without destination path are placed in the site root directory.</a:t>
+            </a:r>
+            <a:endParaRPr lang="ru-RU" dirty="0"/>
+          </a:p>
+        </p:txBody>
+      </p:sp>
+      <p:sp>
+        <p:nvSpPr>
+          <p:cNvPr id="15" name="TextBox 14"/>
+          <p:cNvSpPr txBox="1"/>
+          <p:nvPr/>
+        </p:nvSpPr>
+        <p:spPr>
+          <a:xfrm>
+            <a:off x="3123751" y="5327011"/>
+            <a:ext cx="8404058" cy="923330"/>
+          </a:xfrm>
+          <a:prstGeom prst="rect">
+            <a:avLst/>
+          </a:prstGeom>
+          <a:noFill/>
+        </p:spPr>
+        <p:txBody>
+          <a:bodyPr wrap="square" rtlCol="0">
+            <a:spAutoFit/>
+          </a:bodyPr>
+          <a:lstStyle/>
+          <a:p>
+            <a:r>
+              <a:rPr lang="en-US" dirty="0" smtClean="0"/>
+              <a:t>You can provide resource mappings for the content files uploaded. For example, if there is a file like about.html and you have provided the resource mapping for it as “about”, the file will be available through the route http://{your site}/about.</a:t>
+            </a:r>
+            <a:endParaRPr lang="ru-RU" dirty="0"/>
+          </a:p>
+        </p:txBody>
+      </p:sp>
+      <p:sp>
+        <p:nvSpPr>
+          <p:cNvPr id="16" name="TextBox 15"/>
+          <p:cNvSpPr txBox="1"/>
+          <p:nvPr/>
+        </p:nvSpPr>
+        <p:spPr>
+          <a:xfrm>
+            <a:off x="3123751" y="6294307"/>
+            <a:ext cx="8208440" cy="369332"/>
+          </a:xfrm>
+          <a:prstGeom prst="rect">
+            <a:avLst/>
+          </a:prstGeom>
+          <a:noFill/>
+        </p:spPr>
+        <p:txBody>
+          <a:bodyPr wrap="square" rtlCol="0">
+            <a:spAutoFit/>
+          </a:bodyPr>
+          <a:lstStyle/>
+          <a:p>
+            <a:r>
+              <a:rPr lang="en-US" dirty="0" smtClean="0"/>
+              <a:t>To create a site, you have to upload some content and set the site name.</a:t>
+            </a:r>
+            <a:endParaRPr lang="ru-RU" dirty="0"/>
+          </a:p>
+        </p:txBody>
+      </p:sp>
+    </p:spTree>
+    <p:extLst>
+      <p:ext uri="{BB962C8B-B14F-4D97-AF65-F5344CB8AC3E}">
+        <p14:creationId xmlns:p14="http://schemas.microsoft.com/office/powerpoint/2010/main" val="757399734"/>
+      </p:ext>
+    </p:extLst>
+  </p:cSld>
+  <p:clrMapOvr>
+    <a:masterClrMapping/>
+  </p:clrMapOvr>
+</p:sld>
+</file>
+
+<file path=ppt/slides/slide15.xml><?xml version="1.0" encoding="utf-8"?>
+<p:sld xmlns:a="http://schemas.openxmlformats.org/drawingml/2006/main" xmlns:r="http://schemas.openxmlformats.org/officeDocument/2006/relationships" xmlns:p="http://schemas.openxmlformats.org/presentationml/2006/main">
+  <p:cSld>
+    <p:spTree>
+      <p:nvGrpSpPr>
+        <p:cNvPr id="1" name=""/>
+        <p:cNvGrpSpPr/>
+        <p:nvPr/>
+      </p:nvGrpSpPr>
+      <p:grpSpPr>
+        <a:xfrm>
+          <a:off x="0" y="0"/>
+          <a:ext cx="0" cy="0"/>
+          <a:chOff x="0" y="0"/>
+          <a:chExt cx="0" cy="0"/>
+        </a:xfrm>
+      </p:grpSpPr>
+      <p:sp>
+        <p:nvSpPr>
+          <p:cNvPr id="2" name="Title 1"/>
+          <p:cNvSpPr>
+            <a:spLocks noGrp="1"/>
+          </p:cNvSpPr>
+          <p:nvPr>
+            <p:ph type="title"/>
+          </p:nvPr>
+        </p:nvSpPr>
+        <p:spPr>
+          <a:xfrm>
+            <a:off x="374984" y="0"/>
+            <a:ext cx="10515600" cy="1325563"/>
+          </a:xfrm>
+        </p:spPr>
+        <p:txBody>
+          <a:bodyPr/>
+          <a:lstStyle/>
+          <a:p>
+            <a:r>
+              <a:rPr lang="en-US" dirty="0" smtClean="0"/>
+              <a:t>Help – Site Management</a:t>
+            </a:r>
+            <a:endParaRPr lang="ru-RU" dirty="0"/>
+          </a:p>
+        </p:txBody>
+      </p:sp>
+      <p:sp>
+        <p:nvSpPr>
+          <p:cNvPr id="4" name="Rectangle 3"/>
+          <p:cNvSpPr/>
+          <p:nvPr/>
+        </p:nvSpPr>
+        <p:spPr>
+          <a:xfrm>
+            <a:off x="306805" y="1052763"/>
+            <a:ext cx="2497810" cy="5654842"/>
+          </a:xfrm>
+          <a:prstGeom prst="rect">
+            <a:avLst/>
+          </a:prstGeom>
+          <a:noFill/>
+        </p:spPr>
+        <p:style>
+          <a:lnRef idx="2">
+            <a:schemeClr val="accent1">
+              <a:shade val="50000"/>
+            </a:schemeClr>
+          </a:lnRef>
+          <a:fillRef idx="1">
+            <a:schemeClr val="accent1"/>
+          </a:fillRef>
+          <a:effectRef idx="0">
+            <a:schemeClr val="accent1"/>
+          </a:effectRef>
+          <a:fontRef idx="minor">
+            <a:schemeClr val="lt1"/>
+          </a:fontRef>
+        </p:style>
+        <p:txBody>
+          <a:bodyPr rtlCol="0" anchor="ctr"/>
+          <a:lstStyle/>
+          <a:p>
+            <a:pPr algn="ctr"/>
+            <a:endParaRPr lang="ru-RU"/>
+          </a:p>
+        </p:txBody>
+      </p:sp>
+      <p:sp>
+        <p:nvSpPr>
+          <p:cNvPr id="5" name="TextBox 4"/>
+          <p:cNvSpPr txBox="1"/>
+          <p:nvPr/>
+        </p:nvSpPr>
+        <p:spPr>
+          <a:xfrm>
+            <a:off x="374984" y="1189085"/>
+            <a:ext cx="2313296" cy="369332"/>
+          </a:xfrm>
+          <a:prstGeom prst="rect">
+            <a:avLst/>
+          </a:prstGeom>
+          <a:noFill/>
+        </p:spPr>
+        <p:txBody>
+          <a:bodyPr wrap="square" rtlCol="0">
+            <a:spAutoFit/>
+          </a:bodyPr>
+          <a:lstStyle/>
+          <a:p>
+            <a:r>
+              <a:rPr lang="en-US" dirty="0" smtClean="0"/>
+              <a:t>General</a:t>
+            </a:r>
+            <a:endParaRPr lang="ru-RU" dirty="0"/>
+          </a:p>
+        </p:txBody>
+      </p:sp>
+      <p:sp>
+        <p:nvSpPr>
+          <p:cNvPr id="6" name="TextBox 5"/>
+          <p:cNvSpPr txBox="1"/>
+          <p:nvPr/>
+        </p:nvSpPr>
+        <p:spPr>
+          <a:xfrm>
+            <a:off x="729766" y="1554010"/>
+            <a:ext cx="2026693" cy="1200329"/>
+          </a:xfrm>
+          <a:prstGeom prst="rect">
+            <a:avLst/>
+          </a:prstGeom>
+          <a:noFill/>
+        </p:spPr>
+        <p:txBody>
+          <a:bodyPr wrap="square" rtlCol="0">
+            <a:spAutoFit/>
+          </a:bodyPr>
+          <a:lstStyle/>
+          <a:p>
+            <a:r>
+              <a:rPr lang="en-US" dirty="0" smtClean="0"/>
+              <a:t>Getting started</a:t>
+            </a:r>
+          </a:p>
+          <a:p>
+            <a:r>
+              <a:rPr lang="en-US" dirty="0" smtClean="0"/>
+              <a:t>Dashboard</a:t>
+            </a:r>
+          </a:p>
+          <a:p>
+            <a:r>
+              <a:rPr lang="en-US" dirty="0" smtClean="0"/>
+              <a:t>Create site</a:t>
+            </a:r>
+          </a:p>
+          <a:p>
+            <a:r>
+              <a:rPr lang="en-US" b="1" dirty="0" smtClean="0"/>
+              <a:t>Site management</a:t>
+            </a:r>
+            <a:endParaRPr lang="ru-RU" b="1" dirty="0"/>
+          </a:p>
+        </p:txBody>
+      </p:sp>
+      <p:sp>
+        <p:nvSpPr>
+          <p:cNvPr id="7" name="Rectangle 6"/>
+          <p:cNvSpPr/>
+          <p:nvPr/>
+        </p:nvSpPr>
+        <p:spPr>
+          <a:xfrm>
+            <a:off x="2954740" y="1052763"/>
+            <a:ext cx="9096233" cy="5654842"/>
+          </a:xfrm>
+          <a:prstGeom prst="rect">
+            <a:avLst/>
+          </a:prstGeom>
+          <a:noFill/>
+        </p:spPr>
+        <p:style>
+          <a:lnRef idx="2">
+            <a:schemeClr val="accent1">
+              <a:shade val="50000"/>
+            </a:schemeClr>
+          </a:lnRef>
+          <a:fillRef idx="1">
+            <a:schemeClr val="accent1"/>
+          </a:fillRef>
+          <a:effectRef idx="0">
+            <a:schemeClr val="accent1"/>
+          </a:effectRef>
+          <a:fontRef idx="minor">
+            <a:schemeClr val="lt1"/>
+          </a:fontRef>
+        </p:style>
+        <p:txBody>
+          <a:bodyPr rtlCol="0" anchor="ctr"/>
+          <a:lstStyle/>
+          <a:p>
+            <a:pPr algn="ctr"/>
+            <a:endParaRPr lang="ru-RU"/>
+          </a:p>
+        </p:txBody>
+      </p:sp>
+      <p:sp>
+        <p:nvSpPr>
+          <p:cNvPr id="3" name="TextBox 2"/>
+          <p:cNvSpPr txBox="1"/>
+          <p:nvPr/>
+        </p:nvSpPr>
+        <p:spPr>
+          <a:xfrm>
+            <a:off x="3043062" y="1119962"/>
+            <a:ext cx="8692816" cy="646331"/>
+          </a:xfrm>
+          <a:prstGeom prst="rect">
+            <a:avLst/>
+          </a:prstGeom>
+          <a:noFill/>
+        </p:spPr>
+        <p:txBody>
+          <a:bodyPr wrap="square" rtlCol="0">
+            <a:spAutoFit/>
+          </a:bodyPr>
+          <a:lstStyle/>
+          <a:p>
+            <a:r>
+              <a:rPr lang="en-US" dirty="0" smtClean="0"/>
+              <a:t>Use </a:t>
+            </a:r>
+            <a:r>
+              <a:rPr lang="en-US" b="1" dirty="0" smtClean="0"/>
+              <a:t>Update </a:t>
+            </a:r>
+            <a:r>
+              <a:rPr lang="en-US" dirty="0" smtClean="0"/>
+              <a:t>link in the dashboard page to start editing the site selected. The user interface used for site editing is the same that you saw when creating a new site.</a:t>
+            </a:r>
+            <a:endParaRPr lang="ru-RU" dirty="0"/>
+          </a:p>
+        </p:txBody>
+      </p:sp>
+      <p:sp>
+        <p:nvSpPr>
+          <p:cNvPr id="8" name="TextBox 7"/>
+          <p:cNvSpPr txBox="1"/>
+          <p:nvPr/>
+        </p:nvSpPr>
+        <p:spPr>
+          <a:xfrm>
+            <a:off x="3043062" y="1864371"/>
+            <a:ext cx="8091237" cy="923330"/>
+          </a:xfrm>
+          <a:prstGeom prst="rect">
+            <a:avLst/>
+          </a:prstGeom>
+          <a:noFill/>
+        </p:spPr>
+        <p:txBody>
+          <a:bodyPr wrap="square" rtlCol="0">
+            <a:spAutoFit/>
+          </a:bodyPr>
+          <a:lstStyle/>
+          <a:p>
+            <a:r>
+              <a:rPr lang="en-US" dirty="0" smtClean="0"/>
+              <a:t>During editing, you can change site name, description, landing page and resource mappings. You can also make your site active or inactive. Also there is possibility to upload new files for the site content using </a:t>
+            </a:r>
+            <a:r>
+              <a:rPr lang="en-US" b="1" dirty="0" smtClean="0"/>
+              <a:t>Upload Files</a:t>
+            </a:r>
+            <a:r>
+              <a:rPr lang="en-US" dirty="0" smtClean="0"/>
+              <a:t> section.</a:t>
+            </a:r>
+            <a:endParaRPr lang="ru-RU" dirty="0"/>
+          </a:p>
+        </p:txBody>
+      </p:sp>
+      <p:sp>
+        <p:nvSpPr>
+          <p:cNvPr id="9" name="TextBox 8"/>
+          <p:cNvSpPr txBox="1"/>
+          <p:nvPr/>
+        </p:nvSpPr>
+        <p:spPr>
+          <a:xfrm>
+            <a:off x="3043062" y="2947159"/>
+            <a:ext cx="8625565" cy="2031325"/>
+          </a:xfrm>
+          <a:prstGeom prst="rect">
+            <a:avLst/>
+          </a:prstGeom>
+          <a:noFill/>
+        </p:spPr>
+        <p:txBody>
+          <a:bodyPr wrap="square" rtlCol="0">
+            <a:spAutoFit/>
+          </a:bodyPr>
+          <a:lstStyle/>
+          <a:p>
+            <a:r>
+              <a:rPr lang="en-US" dirty="0" smtClean="0"/>
+              <a:t>Please note that the new site name you have entered is validated against the names of all existing sites. So, if you enter a name that is already in use by other user or site, you will be warned and you will have to change the site name. It </a:t>
+            </a:r>
+            <a:r>
+              <a:rPr lang="en-US" b="1" dirty="0" smtClean="0"/>
+              <a:t>must be unique</a:t>
+            </a:r>
+            <a:r>
+              <a:rPr lang="en-US" dirty="0" smtClean="0"/>
+              <a:t> among all users/sites to provide correct site routing.</a:t>
+            </a:r>
+          </a:p>
+          <a:p>
+            <a:endParaRPr lang="en-US" dirty="0"/>
+          </a:p>
+          <a:p>
+            <a:r>
+              <a:rPr lang="en-US" dirty="0" smtClean="0"/>
+              <a:t>Also if you try to upload a file that has already been uploaded with the site content, it just will be replaced.</a:t>
+            </a:r>
+            <a:endParaRPr lang="ru-RU" dirty="0"/>
+          </a:p>
+        </p:txBody>
+      </p:sp>
+    </p:spTree>
+    <p:extLst>
+      <p:ext uri="{BB962C8B-B14F-4D97-AF65-F5344CB8AC3E}">
+        <p14:creationId xmlns:p14="http://schemas.microsoft.com/office/powerpoint/2010/main" val="3932845466"/>
+      </p:ext>
+    </p:extLst>
+  </p:cSld>
+  <p:clrMapOvr>
+    <a:masterClrMapping/>
+  </p:clrMapOvr>
+</p:sld>
+</file>
+
 <file path=ppt/slides/slide2.xml><?xml version="1.0" encoding="utf-8"?>
 <p:sld xmlns:a="http://schemas.openxmlformats.org/drawingml/2006/main" xmlns:r="http://schemas.openxmlformats.org/officeDocument/2006/relationships" xmlns:p="http://schemas.openxmlformats.org/presentationml/2006/main">
   <p:cSld>
@@ -9770,4 +12193,265 @@
     </a:ext>
   </a:extLst>
 </a:theme>
+</file>
+
+<file path=ppt/theme/theme2.xml><?xml version="1.0" encoding="utf-8"?>
+<a:theme xmlns:a="http://schemas.openxmlformats.org/drawingml/2006/main" name="Office Theme">
+  <a:themeElements>
+    <a:clrScheme name="Office">
+      <a:dk1>
+        <a:sysClr val="windowText" lastClr="000000"/>
+      </a:dk1>
+      <a:lt1>
+        <a:sysClr val="window" lastClr="FFFFFF"/>
+      </a:lt1>
+      <a:dk2>
+        <a:srgbClr val="44546A"/>
+      </a:dk2>
+      <a:lt2>
+        <a:srgbClr val="E7E6E6"/>
+      </a:lt2>
+      <a:accent1>
+        <a:srgbClr val="5B9BD5"/>
+      </a:accent1>
+      <a:accent2>
+        <a:srgbClr val="ED7D31"/>
+      </a:accent2>
+      <a:accent3>
+        <a:srgbClr val="A5A5A5"/>
+      </a:accent3>
+      <a:accent4>
+        <a:srgbClr val="FFC000"/>
+      </a:accent4>
+      <a:accent5>
+        <a:srgbClr val="4472C4"/>
+      </a:accent5>
+      <a:accent6>
+        <a:srgbClr val="70AD47"/>
+      </a:accent6>
+      <a:hlink>
+        <a:srgbClr val="0563C1"/>
+      </a:hlink>
+      <a:folHlink>
+        <a:srgbClr val="954F72"/>
+      </a:folHlink>
+    </a:clrScheme>
+    <a:fontScheme name="Office">
+      <a:majorFont>
+        <a:latin typeface="Calibri Light" panose="020F0302020204030204"/>
+        <a:ea typeface=""/>
+        <a:cs typeface=""/>
+        <a:font script="Jpan" typeface="游ゴシック Light"/>
+        <a:font script="Hang" typeface="맑은 고딕"/>
+        <a:font script="Hans" typeface="等线 Light"/>
+        <a:font script="Hant" typeface="新細明體"/>
+        <a:font script="Arab" typeface="Times New Roman"/>
+        <a:font script="Hebr" typeface="Times New Roman"/>
+        <a:font script="Thai" typeface="Angsana New"/>
+        <a:font script="Ethi" typeface="Nyala"/>
+        <a:font script="Beng" typeface="Vrinda"/>
+        <a:font script="Gujr" typeface="Shruti"/>
+        <a:font script="Khmr" typeface="MoolBoran"/>
+        <a:font script="Knda" typeface="Tunga"/>
+        <a:font script="Guru" typeface="Raavi"/>
+        <a:font script="Cans" typeface="Euphemia"/>
+        <a:font script="Cher" typeface="Plantagenet Cherokee"/>
+        <a:font script="Yiii" typeface="Microsoft Yi Baiti"/>
+        <a:font script="Tibt" typeface="Microsoft Himalaya"/>
+        <a:font script="Thaa" typeface="MV Boli"/>
+        <a:font script="Deva" typeface="Mangal"/>
+        <a:font script="Telu" typeface="Gautami"/>
+        <a:font script="Taml" typeface="Latha"/>
+        <a:font script="Syrc" typeface="Estrangelo Edessa"/>
+        <a:font script="Orya" typeface="Kalinga"/>
+        <a:font script="Mlym" typeface="Kartika"/>
+        <a:font script="Laoo" typeface="DokChampa"/>
+        <a:font script="Sinh" typeface="Iskoola Pota"/>
+        <a:font script="Mong" typeface="Mongolian Baiti"/>
+        <a:font script="Viet" typeface="Times New Roman"/>
+        <a:font script="Uigh" typeface="Microsoft Uighur"/>
+        <a:font script="Geor" typeface="Sylfaen"/>
+      </a:majorFont>
+      <a:minorFont>
+        <a:latin typeface="Calibri" panose="020F0502020204030204"/>
+        <a:ea typeface=""/>
+        <a:cs typeface=""/>
+        <a:font script="Jpan" typeface="游ゴシック"/>
+        <a:font script="Hang" typeface="맑은 고딕"/>
+        <a:font script="Hans" typeface="等线"/>
+        <a:font script="Hant" typeface="新細明體"/>
+        <a:font script="Arab" typeface="Arial"/>
+        <a:font script="Hebr" typeface="Arial"/>
+        <a:font script="Thai" typeface="Cordia New"/>
+        <a:font script="Ethi" typeface="Nyala"/>
+        <a:font script="Beng" typeface="Vrinda"/>
+        <a:font script="Gujr" typeface="Shruti"/>
+        <a:font script="Khmr" typeface="DaunPenh"/>
+        <a:font script="Knda" typeface="Tunga"/>
+        <a:font script="Guru" typeface="Raavi"/>
+        <a:font script="Cans" typeface="Euphemia"/>
+        <a:font script="Cher" typeface="Plantagenet Cherokee"/>
+        <a:font script="Yiii" typeface="Microsoft Yi Baiti"/>
+        <a:font script="Tibt" typeface="Microsoft Himalaya"/>
+        <a:font script="Thaa" typeface="MV Boli"/>
+        <a:font script="Deva" typeface="Mangal"/>
+        <a:font script="Telu" typeface="Gautami"/>
+        <a:font script="Taml" typeface="Latha"/>
+        <a:font script="Syrc" typeface="Estrangelo Edessa"/>
+        <a:font script="Orya" typeface="Kalinga"/>
+        <a:font script="Mlym" typeface="Kartika"/>
+        <a:font script="Laoo" typeface="DokChampa"/>
+        <a:font script="Sinh" typeface="Iskoola Pota"/>
+        <a:font script="Mong" typeface="Mongolian Baiti"/>
+        <a:font script="Viet" typeface="Arial"/>
+        <a:font script="Uigh" typeface="Microsoft Uighur"/>
+        <a:font script="Geor" typeface="Sylfaen"/>
+      </a:minorFont>
+    </a:fontScheme>
+    <a:fmtScheme name="Office">
+      <a:fillStyleLst>
+        <a:solidFill>
+          <a:schemeClr val="phClr"/>
+        </a:solidFill>
+        <a:gradFill rotWithShape="1">
+          <a:gsLst>
+            <a:gs pos="0">
+              <a:schemeClr val="phClr">
+                <a:lumMod val="110000"/>
+                <a:satMod val="105000"/>
+                <a:tint val="67000"/>
+              </a:schemeClr>
+            </a:gs>
+            <a:gs pos="50000">
+              <a:schemeClr val="phClr">
+                <a:lumMod val="105000"/>
+                <a:satMod val="103000"/>
+                <a:tint val="73000"/>
+              </a:schemeClr>
+            </a:gs>
+            <a:gs pos="100000">
+              <a:schemeClr val="phClr">
+                <a:lumMod val="105000"/>
+                <a:satMod val="109000"/>
+                <a:tint val="81000"/>
+              </a:schemeClr>
+            </a:gs>
+          </a:gsLst>
+          <a:lin ang="5400000" scaled="0"/>
+        </a:gradFill>
+        <a:gradFill rotWithShape="1">
+          <a:gsLst>
+            <a:gs pos="0">
+              <a:schemeClr val="phClr">
+                <a:satMod val="103000"/>
+                <a:lumMod val="102000"/>
+                <a:tint val="94000"/>
+              </a:schemeClr>
+            </a:gs>
+            <a:gs pos="50000">
+              <a:schemeClr val="phClr">
+                <a:satMod val="110000"/>
+                <a:lumMod val="100000"/>
+                <a:shade val="100000"/>
+              </a:schemeClr>
+            </a:gs>
+            <a:gs pos="100000">
+              <a:schemeClr val="phClr">
+                <a:lumMod val="99000"/>
+                <a:satMod val="120000"/>
+                <a:shade val="78000"/>
+              </a:schemeClr>
+            </a:gs>
+          </a:gsLst>
+          <a:lin ang="5400000" scaled="0"/>
+        </a:gradFill>
+      </a:fillStyleLst>
+      <a:lnStyleLst>
+        <a:ln w="6350" cap="flat" cmpd="sng" algn="ctr">
+          <a:solidFill>
+            <a:schemeClr val="phClr"/>
+          </a:solidFill>
+          <a:prstDash val="solid"/>
+          <a:miter lim="800000"/>
+        </a:ln>
+        <a:ln w="12700" cap="flat" cmpd="sng" algn="ctr">
+          <a:solidFill>
+            <a:schemeClr val="phClr"/>
+          </a:solidFill>
+          <a:prstDash val="solid"/>
+          <a:miter lim="800000"/>
+        </a:ln>
+        <a:ln w="19050" cap="flat" cmpd="sng" algn="ctr">
+          <a:solidFill>
+            <a:schemeClr val="phClr"/>
+          </a:solidFill>
+          <a:prstDash val="solid"/>
+          <a:miter lim="800000"/>
+        </a:ln>
+      </a:lnStyleLst>
+      <a:effectStyleLst>
+        <a:effectStyle>
+          <a:effectLst/>
+        </a:effectStyle>
+        <a:effectStyle>
+          <a:effectLst/>
+        </a:effectStyle>
+        <a:effectStyle>
+          <a:effectLst>
+            <a:outerShdw blurRad="57150" dist="19050" dir="5400000" algn="ctr" rotWithShape="0">
+              <a:srgbClr val="000000">
+                <a:alpha val="63000"/>
+              </a:srgbClr>
+            </a:outerShdw>
+          </a:effectLst>
+        </a:effectStyle>
+      </a:effectStyleLst>
+      <a:bgFillStyleLst>
+        <a:solidFill>
+          <a:schemeClr val="phClr"/>
+        </a:solidFill>
+        <a:solidFill>
+          <a:schemeClr val="phClr">
+            <a:tint val="95000"/>
+            <a:satMod val="170000"/>
+          </a:schemeClr>
+        </a:solidFill>
+        <a:gradFill rotWithShape="1">
+          <a:gsLst>
+            <a:gs pos="0">
+              <a:schemeClr val="phClr">
+                <a:tint val="93000"/>
+                <a:satMod val="150000"/>
+                <a:shade val="98000"/>
+                <a:lumMod val="102000"/>
+              </a:schemeClr>
+            </a:gs>
+            <a:gs pos="50000">
+              <a:schemeClr val="phClr">
+                <a:tint val="98000"/>
+                <a:satMod val="130000"/>
+                <a:shade val="90000"/>
+                <a:lumMod val="103000"/>
+              </a:schemeClr>
+            </a:gs>
+            <a:gs pos="100000">
+              <a:schemeClr val="phClr">
+                <a:shade val="63000"/>
+                <a:satMod val="120000"/>
+              </a:schemeClr>
+            </a:gs>
+          </a:gsLst>
+          <a:lin ang="5400000" scaled="0"/>
+        </a:gradFill>
+      </a:bgFillStyleLst>
+    </a:fmtScheme>
+  </a:themeElements>
+  <a:objectDefaults/>
+  <a:extraClrSchemeLst/>
+  <a:extLst>
+    <a:ext uri="{05A4C25C-085E-4340-85A3-A5531E510DB2}">
+      <thm15:themeFamily xmlns:thm15="http://schemas.microsoft.com/office/thememl/2012/main" name="Office Theme" id="{62F939B6-93AF-4DB8-9C6B-D6C7DFDC589F}" vid="{4A3C46E8-61CC-4603-A589-7422A47A8E4A}"/>
+    </a:ext>
+  </a:extLst>
+</a:theme>
 </file>
--- a/Specs.pptx
+++ b/Specs.pptx
@@ -211,7 +211,7 @@
           <a:p>
             <a:fld id="{5A49B920-2512-410B-B58F-4F9F15F8D3A5}" type="datetimeFigureOut">
               <a:rPr lang="ru-RU" smtClean="0"/>
-              <a:t>29.09.2020</a:t>
+              <a:t>17.10.2020</a:t>
             </a:fld>
             <a:endParaRPr lang="ru-RU"/>
           </a:p>
@@ -610,7 +610,7 @@
           <a:p>
             <a:fld id="{A2EC0EAC-ECEF-44E1-B933-C13F370113F6}" type="datetimeFigureOut">
               <a:rPr lang="ru-RU" smtClean="0"/>
-              <a:t>29.09.2020</a:t>
+              <a:t>17.10.2020</a:t>
             </a:fld>
             <a:endParaRPr lang="ru-RU"/>
           </a:p>
@@ -780,7 +780,7 @@
           <a:p>
             <a:fld id="{A2EC0EAC-ECEF-44E1-B933-C13F370113F6}" type="datetimeFigureOut">
               <a:rPr lang="ru-RU" smtClean="0"/>
-              <a:t>29.09.2020</a:t>
+              <a:t>17.10.2020</a:t>
             </a:fld>
             <a:endParaRPr lang="ru-RU"/>
           </a:p>
@@ -960,7 +960,7 @@
           <a:p>
             <a:fld id="{A2EC0EAC-ECEF-44E1-B933-C13F370113F6}" type="datetimeFigureOut">
               <a:rPr lang="ru-RU" smtClean="0"/>
-              <a:t>29.09.2020</a:t>
+              <a:t>17.10.2020</a:t>
             </a:fld>
             <a:endParaRPr lang="ru-RU"/>
           </a:p>
@@ -1130,7 +1130,7 @@
           <a:p>
             <a:fld id="{A2EC0EAC-ECEF-44E1-B933-C13F370113F6}" type="datetimeFigureOut">
               <a:rPr lang="ru-RU" smtClean="0"/>
-              <a:t>29.09.2020</a:t>
+              <a:t>17.10.2020</a:t>
             </a:fld>
             <a:endParaRPr lang="ru-RU"/>
           </a:p>
@@ -1376,7 +1376,7 @@
           <a:p>
             <a:fld id="{A2EC0EAC-ECEF-44E1-B933-C13F370113F6}" type="datetimeFigureOut">
               <a:rPr lang="ru-RU" smtClean="0"/>
-              <a:t>29.09.2020</a:t>
+              <a:t>17.10.2020</a:t>
             </a:fld>
             <a:endParaRPr lang="ru-RU"/>
           </a:p>
@@ -1608,7 +1608,7 @@
           <a:p>
             <a:fld id="{A2EC0EAC-ECEF-44E1-B933-C13F370113F6}" type="datetimeFigureOut">
               <a:rPr lang="ru-RU" smtClean="0"/>
-              <a:t>29.09.2020</a:t>
+              <a:t>17.10.2020</a:t>
             </a:fld>
             <a:endParaRPr lang="ru-RU"/>
           </a:p>
@@ -1975,7 +1975,7 @@
           <a:p>
             <a:fld id="{A2EC0EAC-ECEF-44E1-B933-C13F370113F6}" type="datetimeFigureOut">
               <a:rPr lang="ru-RU" smtClean="0"/>
-              <a:t>29.09.2020</a:t>
+              <a:t>17.10.2020</a:t>
             </a:fld>
             <a:endParaRPr lang="ru-RU"/>
           </a:p>
@@ -2093,7 +2093,7 @@
           <a:p>
             <a:fld id="{A2EC0EAC-ECEF-44E1-B933-C13F370113F6}" type="datetimeFigureOut">
               <a:rPr lang="ru-RU" smtClean="0"/>
-              <a:t>29.09.2020</a:t>
+              <a:t>17.10.2020</a:t>
             </a:fld>
             <a:endParaRPr lang="ru-RU"/>
           </a:p>
@@ -2188,7 +2188,7 @@
           <a:p>
             <a:fld id="{A2EC0EAC-ECEF-44E1-B933-C13F370113F6}" type="datetimeFigureOut">
               <a:rPr lang="ru-RU" smtClean="0"/>
-              <a:t>29.09.2020</a:t>
+              <a:t>17.10.2020</a:t>
             </a:fld>
             <a:endParaRPr lang="ru-RU"/>
           </a:p>
@@ -2465,7 +2465,7 @@
           <a:p>
             <a:fld id="{A2EC0EAC-ECEF-44E1-B933-C13F370113F6}" type="datetimeFigureOut">
               <a:rPr lang="ru-RU" smtClean="0"/>
-              <a:t>29.09.2020</a:t>
+              <a:t>17.10.2020</a:t>
             </a:fld>
             <a:endParaRPr lang="ru-RU"/>
           </a:p>
@@ -2718,7 +2718,7 @@
           <a:p>
             <a:fld id="{A2EC0EAC-ECEF-44E1-B933-C13F370113F6}" type="datetimeFigureOut">
               <a:rPr lang="ru-RU" smtClean="0"/>
-              <a:t>29.09.2020</a:t>
+              <a:t>17.10.2020</a:t>
             </a:fld>
             <a:endParaRPr lang="ru-RU"/>
           </a:p>
@@ -2931,7 +2931,7 @@
           <a:p>
             <a:fld id="{A2EC0EAC-ECEF-44E1-B933-C13F370113F6}" type="datetimeFigureOut">
               <a:rPr lang="ru-RU" smtClean="0"/>
-              <a:t>29.09.2020</a:t>
+              <a:t>17.10.2020</a:t>
             </a:fld>
             <a:endParaRPr lang="ru-RU"/>
           </a:p>
@@ -5743,98 +5743,6 @@
       </p:sp>
       <p:sp>
         <p:nvSpPr>
-          <p:cNvPr id="24" name="TextBox 23"/>
-          <p:cNvSpPr txBox="1"/>
-          <p:nvPr/>
-        </p:nvSpPr>
-        <p:spPr>
-          <a:xfrm>
-            <a:off x="7844589" y="3134952"/>
-            <a:ext cx="3380874" cy="1754326"/>
-          </a:xfrm>
-          <a:prstGeom prst="rect">
-            <a:avLst/>
-          </a:prstGeom>
-          <a:noFill/>
-        </p:spPr>
-        <p:txBody>
-          <a:bodyPr wrap="square" rtlCol="0">
-            <a:spAutoFit/>
-          </a:bodyPr>
-          <a:lstStyle/>
-          <a:p>
-            <a:pPr marL="285750" indent="-285750" algn="just">
-              <a:buFont typeface="Arial" panose="020B0604020202020204" pitchFamily="34" charset="0"/>
-              <a:buChar char="•"/>
-            </a:pPr>
-            <a:r>
-              <a:rPr lang="en-US" dirty="0" smtClean="0"/>
-              <a:t>styles/global.css                        X</a:t>
-            </a:r>
-          </a:p>
-          <a:p>
-            <a:pPr marL="285750" indent="-285750" algn="just">
-              <a:buFont typeface="Arial" panose="020B0604020202020204" pitchFamily="34" charset="0"/>
-              <a:buChar char="•"/>
-            </a:pPr>
-            <a:r>
-              <a:rPr lang="en-US" dirty="0" err="1" smtClean="0"/>
-              <a:t>js</a:t>
-            </a:r>
-            <a:r>
-              <a:rPr lang="en-US" dirty="0" smtClean="0"/>
-              <a:t>/main.min.js                           X  </a:t>
-            </a:r>
-          </a:p>
-          <a:p>
-            <a:pPr marL="285750" indent="-285750" algn="just">
-              <a:buFont typeface="Arial" panose="020B0604020202020204" pitchFamily="34" charset="0"/>
-              <a:buChar char="•"/>
-            </a:pPr>
-            <a:r>
-              <a:rPr lang="en-US" dirty="0" err="1" smtClean="0"/>
-              <a:t>js</a:t>
-            </a:r>
-            <a:r>
-              <a:rPr lang="en-US" dirty="0" smtClean="0"/>
-              <a:t>/jquery.3.4.1.min.js               X</a:t>
-            </a:r>
-          </a:p>
-          <a:p>
-            <a:pPr marL="285750" indent="-285750" algn="just">
-              <a:buFont typeface="Arial" panose="020B0604020202020204" pitchFamily="34" charset="0"/>
-              <a:buChar char="•"/>
-            </a:pPr>
-            <a:r>
-              <a:rPr lang="en-US" dirty="0" smtClean="0"/>
-              <a:t>Index.html                                 X</a:t>
-            </a:r>
-          </a:p>
-          <a:p>
-            <a:pPr marL="285750" indent="-285750" algn="just">
-              <a:buFont typeface="Arial" panose="020B0604020202020204" pitchFamily="34" charset="0"/>
-              <a:buChar char="•"/>
-            </a:pPr>
-            <a:r>
-              <a:rPr lang="en-US" dirty="0" smtClean="0"/>
-              <a:t>about.html                                X   </a:t>
-            </a:r>
-          </a:p>
-          <a:p>
-            <a:pPr marL="285750" indent="-285750" algn="just">
-              <a:buFont typeface="Arial" panose="020B0604020202020204" pitchFamily="34" charset="0"/>
-              <a:buChar char="•"/>
-            </a:pPr>
-            <a:r>
-              <a:rPr lang="en-US" dirty="0" smtClean="0"/>
-              <a:t>dashboard.html                        X</a:t>
-            </a:r>
-            <a:endParaRPr lang="ru-RU" dirty="0"/>
-          </a:p>
-        </p:txBody>
-      </p:sp>
-      <p:sp>
-        <p:nvSpPr>
           <p:cNvPr id="33" name="Прямоугольник 32"/>
           <p:cNvSpPr/>
           <p:nvPr/>
@@ -6053,6 +5961,312 @@
           </a:p>
         </p:txBody>
       </p:sp>
+      <p:graphicFrame>
+        <p:nvGraphicFramePr>
+          <p:cNvPr id="36" name="Table 35"/>
+          <p:cNvGraphicFramePr>
+            <a:graphicFrameLocks noGrp="1"/>
+          </p:cNvGraphicFramePr>
+          <p:nvPr>
+            <p:extLst>
+              <p:ext uri="{D42A27DB-BD31-4B8C-83A1-F6EECF244321}">
+                <p14:modId xmlns:p14="http://schemas.microsoft.com/office/powerpoint/2010/main" val="4216403534"/>
+              </p:ext>
+            </p:extLst>
+          </p:nvPr>
+        </p:nvGraphicFramePr>
+        <p:xfrm>
+          <a:off x="7459575" y="2994095"/>
+          <a:ext cx="4366209" cy="1445724"/>
+        </p:xfrm>
+        <a:graphic>
+          <a:graphicData uri="http://schemas.openxmlformats.org/drawingml/2006/table">
+            <a:tbl>
+              <a:tblPr firstRow="1" bandRow="1">
+                <a:tableStyleId>{5C22544A-7EE6-4342-B048-85BDC9FD1C3A}</a:tableStyleId>
+              </a:tblPr>
+              <a:tblGrid>
+                <a:gridCol w="1084414">
+                  <a:extLst>
+                    <a:ext uri="{9D8B030D-6E8A-4147-A177-3AD203B41FA5}">
+                      <a16:colId xmlns:a16="http://schemas.microsoft.com/office/drawing/2014/main" val="252522295"/>
+                    </a:ext>
+                  </a:extLst>
+                </a:gridCol>
+                <a:gridCol w="546313">
+                  <a:extLst>
+                    <a:ext uri="{9D8B030D-6E8A-4147-A177-3AD203B41FA5}">
+                      <a16:colId xmlns:a16="http://schemas.microsoft.com/office/drawing/2014/main" val="4229825248"/>
+                    </a:ext>
+                  </a:extLst>
+                </a:gridCol>
+                <a:gridCol w="936537">
+                  <a:extLst>
+                    <a:ext uri="{9D8B030D-6E8A-4147-A177-3AD203B41FA5}">
+                      <a16:colId xmlns:a16="http://schemas.microsoft.com/office/drawing/2014/main" val="158349433"/>
+                    </a:ext>
+                  </a:extLst>
+                </a:gridCol>
+                <a:gridCol w="1798945">
+                  <a:extLst>
+                    <a:ext uri="{9D8B030D-6E8A-4147-A177-3AD203B41FA5}">
+                      <a16:colId xmlns:a16="http://schemas.microsoft.com/office/drawing/2014/main" val="3294192685"/>
+                    </a:ext>
+                  </a:extLst>
+                </a:gridCol>
+              </a:tblGrid>
+              <a:tr h="329508">
+                <a:tc>
+                  <a:txBody>
+                    <a:bodyPr/>
+                    <a:lstStyle/>
+                    <a:p>
+                      <a:r>
+                        <a:rPr lang="en-US" sz="1200" dirty="0" smtClean="0"/>
+                        <a:t>Name</a:t>
+                      </a:r>
+                      <a:endParaRPr lang="ru-RU" sz="1200" dirty="0"/>
+                    </a:p>
+                  </a:txBody>
+                  <a:tcPr/>
+                </a:tc>
+                <a:tc>
+                  <a:txBody>
+                    <a:bodyPr/>
+                    <a:lstStyle/>
+                    <a:p>
+                      <a:r>
+                        <a:rPr lang="en-US" sz="1200" dirty="0" smtClean="0"/>
+                        <a:t>Size, kB</a:t>
+                      </a:r>
+                      <a:endParaRPr lang="ru-RU" sz="1200" dirty="0"/>
+                    </a:p>
+                  </a:txBody>
+                  <a:tcPr/>
+                </a:tc>
+                <a:tc>
+                  <a:txBody>
+                    <a:bodyPr/>
+                    <a:lstStyle/>
+                    <a:p>
+                      <a:r>
+                        <a:rPr lang="en-US" sz="1200" dirty="0" smtClean="0"/>
+                        <a:t>Uploaded Date</a:t>
+                      </a:r>
+                      <a:endParaRPr lang="ru-RU" sz="1200" dirty="0"/>
+                    </a:p>
+                  </a:txBody>
+                  <a:tcPr/>
+                </a:tc>
+                <a:tc>
+                  <a:txBody>
+                    <a:bodyPr/>
+                    <a:lstStyle/>
+                    <a:p>
+                      <a:endParaRPr lang="ru-RU" sz="1200" dirty="0"/>
+                    </a:p>
+                  </a:txBody>
+                  <a:tcPr/>
+                </a:tc>
+                <a:extLst>
+                  <a:ext uri="{0D108BD9-81ED-4DB2-BD59-A6C34878D82A}">
+                    <a16:rowId xmlns:a16="http://schemas.microsoft.com/office/drawing/2014/main" val="882773260"/>
+                  </a:ext>
+                </a:extLst>
+              </a:tr>
+              <a:tr h="329508">
+                <a:tc>
+                  <a:txBody>
+                    <a:bodyPr/>
+                    <a:lstStyle/>
+                    <a:p>
+                      <a:r>
+                        <a:rPr lang="en-US" sz="1200" dirty="0" smtClean="0"/>
+                        <a:t>Index.html</a:t>
+                      </a:r>
+                      <a:endParaRPr lang="ru-RU" sz="1200" dirty="0"/>
+                    </a:p>
+                  </a:txBody>
+                  <a:tcPr/>
+                </a:tc>
+                <a:tc>
+                  <a:txBody>
+                    <a:bodyPr/>
+                    <a:lstStyle/>
+                    <a:p>
+                      <a:r>
+                        <a:rPr lang="en-US" sz="1200" dirty="0" smtClean="0"/>
+                        <a:t>23.2</a:t>
+                      </a:r>
+                      <a:endParaRPr lang="ru-RU" sz="1200" dirty="0"/>
+                    </a:p>
+                  </a:txBody>
+                  <a:tcPr/>
+                </a:tc>
+                <a:tc>
+                  <a:txBody>
+                    <a:bodyPr/>
+                    <a:lstStyle/>
+                    <a:p>
+                      <a:r>
+                        <a:rPr lang="en-US" sz="1200" dirty="0" smtClean="0"/>
+                        <a:t>10/17/2020</a:t>
+                      </a:r>
+                      <a:endParaRPr lang="ru-RU" sz="1200" dirty="0"/>
+                    </a:p>
+                  </a:txBody>
+                  <a:tcPr/>
+                </a:tc>
+                <a:tc>
+                  <a:txBody>
+                    <a:bodyPr/>
+                    <a:lstStyle/>
+                    <a:p>
+                      <a:r>
+                        <a:rPr lang="en-US" sz="1200" dirty="0" err="1" smtClean="0"/>
+                        <a:t>Download|Edit|Remove</a:t>
+                      </a:r>
+                      <a:endParaRPr lang="ru-RU" sz="1200" dirty="0"/>
+                    </a:p>
+                  </a:txBody>
+                  <a:tcPr/>
+                </a:tc>
+                <a:extLst>
+                  <a:ext uri="{0D108BD9-81ED-4DB2-BD59-A6C34878D82A}">
+                    <a16:rowId xmlns:a16="http://schemas.microsoft.com/office/drawing/2014/main" val="3520922758"/>
+                  </a:ext>
+                </a:extLst>
+              </a:tr>
+              <a:tr h="329508">
+                <a:tc>
+                  <a:txBody>
+                    <a:bodyPr/>
+                    <a:lstStyle/>
+                    <a:p>
+                      <a:r>
+                        <a:rPr lang="en-US" sz="1200" dirty="0" smtClean="0"/>
+                        <a:t>Myimage.png</a:t>
+                      </a:r>
+                      <a:endParaRPr lang="ru-RU" sz="1200" dirty="0"/>
+                    </a:p>
+                  </a:txBody>
+                  <a:tcPr/>
+                </a:tc>
+                <a:tc>
+                  <a:txBody>
+                    <a:bodyPr/>
+                    <a:lstStyle/>
+                    <a:p>
+                      <a:r>
+                        <a:rPr lang="en-US" sz="1200" dirty="0" smtClean="0"/>
+                        <a:t>14</a:t>
+                      </a:r>
+                      <a:endParaRPr lang="ru-RU" sz="1200" dirty="0"/>
+                    </a:p>
+                  </a:txBody>
+                  <a:tcPr/>
+                </a:tc>
+                <a:tc>
+                  <a:txBody>
+                    <a:bodyPr/>
+                    <a:lstStyle/>
+                    <a:p>
+                      <a:r>
+                        <a:rPr lang="en-US" sz="1200" dirty="0" smtClean="0"/>
+                        <a:t>10/17/2020</a:t>
+                      </a:r>
+                      <a:endParaRPr lang="ru-RU" sz="1200" dirty="0"/>
+                    </a:p>
+                  </a:txBody>
+                  <a:tcPr/>
+                </a:tc>
+                <a:tc>
+                  <a:txBody>
+                    <a:bodyPr/>
+                    <a:lstStyle/>
+                    <a:p>
+                      <a:r>
+                        <a:rPr lang="en-US" sz="1200" dirty="0" err="1" smtClean="0"/>
+                        <a:t>Download|View|Remove</a:t>
+                      </a:r>
+                      <a:endParaRPr lang="ru-RU" sz="1200" dirty="0"/>
+                    </a:p>
+                  </a:txBody>
+                  <a:tcPr/>
+                </a:tc>
+                <a:extLst>
+                  <a:ext uri="{0D108BD9-81ED-4DB2-BD59-A6C34878D82A}">
+                    <a16:rowId xmlns:a16="http://schemas.microsoft.com/office/drawing/2014/main" val="3707490074"/>
+                  </a:ext>
+                </a:extLst>
+              </a:tr>
+              <a:tr h="329508">
+                <a:tc>
+                  <a:txBody>
+                    <a:bodyPr/>
+                    <a:lstStyle/>
+                    <a:p>
+                      <a:r>
+                        <a:rPr lang="en-US" sz="1200" dirty="0" smtClean="0"/>
+                        <a:t>Site.css</a:t>
+                      </a:r>
+                      <a:endParaRPr lang="ru-RU" sz="1200" dirty="0"/>
+                    </a:p>
+                  </a:txBody>
+                  <a:tcPr/>
+                </a:tc>
+                <a:tc>
+                  <a:txBody>
+                    <a:bodyPr/>
+                    <a:lstStyle/>
+                    <a:p>
+                      <a:r>
+                        <a:rPr lang="en-US" sz="1200" dirty="0" smtClean="0"/>
+                        <a:t>5.2</a:t>
+                      </a:r>
+                      <a:endParaRPr lang="ru-RU" sz="1200" dirty="0"/>
+                    </a:p>
+                  </a:txBody>
+                  <a:tcPr/>
+                </a:tc>
+                <a:tc>
+                  <a:txBody>
+                    <a:bodyPr/>
+                    <a:lstStyle/>
+                    <a:p>
+                      <a:r>
+                        <a:rPr lang="en-US" sz="1200" dirty="0" smtClean="0"/>
+                        <a:t>10/16/2020</a:t>
+                      </a:r>
+                      <a:endParaRPr lang="ru-RU" sz="1200" dirty="0"/>
+                    </a:p>
+                  </a:txBody>
+                  <a:tcPr/>
+                </a:tc>
+                <a:tc>
+                  <a:txBody>
+                    <a:bodyPr/>
+                    <a:lstStyle/>
+                    <a:p>
+                      <a:r>
+                        <a:rPr lang="en-US" sz="1200" dirty="0" err="1" smtClean="0"/>
+                        <a:t>Download|Edit|Remove</a:t>
+                      </a:r>
+                      <a:endParaRPr lang="ru-RU" sz="1200" dirty="0"/>
+                    </a:p>
+                  </a:txBody>
+                  <a:tcPr/>
+                </a:tc>
+                <a:extLst>
+                  <a:ext uri="{0D108BD9-81ED-4DB2-BD59-A6C34878D82A}">
+                    <a16:rowId xmlns:a16="http://schemas.microsoft.com/office/drawing/2014/main" val="1655202766"/>
+                  </a:ext>
+                </a:extLst>
+              </a:tr>
+            </a:tbl>
+          </a:graphicData>
+        </a:graphic>
+      </p:graphicFrame>
     </p:spTree>
     <p:extLst>
       <p:ext uri="{BB962C8B-B14F-4D97-AF65-F5344CB8AC3E}">

--- a/Specs.pptx
+++ b/Specs.pptx
@@ -5,7 +5,7 @@
     <p:sldMasterId id="2147483648" r:id="rId1"/>
   </p:sldMasterIdLst>
   <p:notesMasterIdLst>
-    <p:notesMasterId r:id="rId17"/>
+    <p:notesMasterId r:id="rId19"/>
   </p:notesMasterIdLst>
   <p:sldIdLst>
     <p:sldId id="256" r:id="rId2"/>
@@ -23,6 +23,8 @@
     <p:sldId id="267" r:id="rId14"/>
     <p:sldId id="268" r:id="rId15"/>
     <p:sldId id="269" r:id="rId16"/>
+    <p:sldId id="271" r:id="rId17"/>
+    <p:sldId id="272" r:id="rId18"/>
   </p:sldIdLst>
   <p:sldSz cx="12192000" cy="6858000"/>
   <p:notesSz cx="6858000" cy="9144000"/>
@@ -211,7 +213,7 @@
           <a:p>
             <a:fld id="{5A49B920-2512-410B-B58F-4F9F15F8D3A5}" type="datetimeFigureOut">
               <a:rPr lang="ru-RU" smtClean="0"/>
-              <a:t>17.10.2020</a:t>
+              <a:t>27.10.2020</a:t>
             </a:fld>
             <a:endParaRPr lang="ru-RU"/>
           </a:p>
@@ -610,7 +612,7 @@
           <a:p>
             <a:fld id="{A2EC0EAC-ECEF-44E1-B933-C13F370113F6}" type="datetimeFigureOut">
               <a:rPr lang="ru-RU" smtClean="0"/>
-              <a:t>17.10.2020</a:t>
+              <a:t>27.10.2020</a:t>
             </a:fld>
             <a:endParaRPr lang="ru-RU"/>
           </a:p>
@@ -780,7 +782,7 @@
           <a:p>
             <a:fld id="{A2EC0EAC-ECEF-44E1-B933-C13F370113F6}" type="datetimeFigureOut">
               <a:rPr lang="ru-RU" smtClean="0"/>
-              <a:t>17.10.2020</a:t>
+              <a:t>27.10.2020</a:t>
             </a:fld>
             <a:endParaRPr lang="ru-RU"/>
           </a:p>
@@ -960,7 +962,7 @@
           <a:p>
             <a:fld id="{A2EC0EAC-ECEF-44E1-B933-C13F370113F6}" type="datetimeFigureOut">
               <a:rPr lang="ru-RU" smtClean="0"/>
-              <a:t>17.10.2020</a:t>
+              <a:t>27.10.2020</a:t>
             </a:fld>
             <a:endParaRPr lang="ru-RU"/>
           </a:p>
@@ -1130,7 +1132,7 @@
           <a:p>
             <a:fld id="{A2EC0EAC-ECEF-44E1-B933-C13F370113F6}" type="datetimeFigureOut">
               <a:rPr lang="ru-RU" smtClean="0"/>
-              <a:t>17.10.2020</a:t>
+              <a:t>27.10.2020</a:t>
             </a:fld>
             <a:endParaRPr lang="ru-RU"/>
           </a:p>
@@ -1376,7 +1378,7 @@
           <a:p>
             <a:fld id="{A2EC0EAC-ECEF-44E1-B933-C13F370113F6}" type="datetimeFigureOut">
               <a:rPr lang="ru-RU" smtClean="0"/>
-              <a:t>17.10.2020</a:t>
+              <a:t>27.10.2020</a:t>
             </a:fld>
             <a:endParaRPr lang="ru-RU"/>
           </a:p>
@@ -1608,7 +1610,7 @@
           <a:p>
             <a:fld id="{A2EC0EAC-ECEF-44E1-B933-C13F370113F6}" type="datetimeFigureOut">
               <a:rPr lang="ru-RU" smtClean="0"/>
-              <a:t>17.10.2020</a:t>
+              <a:t>27.10.2020</a:t>
             </a:fld>
             <a:endParaRPr lang="ru-RU"/>
           </a:p>
@@ -1975,7 +1977,7 @@
           <a:p>
             <a:fld id="{A2EC0EAC-ECEF-44E1-B933-C13F370113F6}" type="datetimeFigureOut">
               <a:rPr lang="ru-RU" smtClean="0"/>
-              <a:t>17.10.2020</a:t>
+              <a:t>27.10.2020</a:t>
             </a:fld>
             <a:endParaRPr lang="ru-RU"/>
           </a:p>
@@ -2093,7 +2095,7 @@
           <a:p>
             <a:fld id="{A2EC0EAC-ECEF-44E1-B933-C13F370113F6}" type="datetimeFigureOut">
               <a:rPr lang="ru-RU" smtClean="0"/>
-              <a:t>17.10.2020</a:t>
+              <a:t>27.10.2020</a:t>
             </a:fld>
             <a:endParaRPr lang="ru-RU"/>
           </a:p>
@@ -2188,7 +2190,7 @@
           <a:p>
             <a:fld id="{A2EC0EAC-ECEF-44E1-B933-C13F370113F6}" type="datetimeFigureOut">
               <a:rPr lang="ru-RU" smtClean="0"/>
-              <a:t>17.10.2020</a:t>
+              <a:t>27.10.2020</a:t>
             </a:fld>
             <a:endParaRPr lang="ru-RU"/>
           </a:p>
@@ -2465,7 +2467,7 @@
           <a:p>
             <a:fld id="{A2EC0EAC-ECEF-44E1-B933-C13F370113F6}" type="datetimeFigureOut">
               <a:rPr lang="ru-RU" smtClean="0"/>
-              <a:t>17.10.2020</a:t>
+              <a:t>27.10.2020</a:t>
             </a:fld>
             <a:endParaRPr lang="ru-RU"/>
           </a:p>
@@ -2718,7 +2720,7 @@
           <a:p>
             <a:fld id="{A2EC0EAC-ECEF-44E1-B933-C13F370113F6}" type="datetimeFigureOut">
               <a:rPr lang="ru-RU" smtClean="0"/>
-              <a:t>17.10.2020</a:t>
+              <a:t>27.10.2020</a:t>
             </a:fld>
             <a:endParaRPr lang="ru-RU"/>
           </a:p>
@@ -2931,7 +2933,7 @@
           <a:p>
             <a:fld id="{A2EC0EAC-ECEF-44E1-B933-C13F370113F6}" type="datetimeFigureOut">
               <a:rPr lang="ru-RU" smtClean="0"/>
-              <a:t>17.10.2020</a:t>
+              <a:t>27.10.2020</a:t>
             </a:fld>
             <a:endParaRPr lang="ru-RU"/>
           </a:p>
@@ -8336,6 +8338,678 @@
     <p:extLst>
       <p:ext uri="{BB962C8B-B14F-4D97-AF65-F5344CB8AC3E}">
         <p14:creationId xmlns:p14="http://schemas.microsoft.com/office/powerpoint/2010/main" val="3932845466"/>
+      </p:ext>
+    </p:extLst>
+  </p:cSld>
+  <p:clrMapOvr>
+    <a:masterClrMapping/>
+  </p:clrMapOvr>
+</p:sld>
+</file>
+
+<file path=ppt/slides/slide16.xml><?xml version="1.0" encoding="utf-8"?>
+<p:sld xmlns:a="http://schemas.openxmlformats.org/drawingml/2006/main" xmlns:r="http://schemas.openxmlformats.org/officeDocument/2006/relationships" xmlns:p="http://schemas.openxmlformats.org/presentationml/2006/main">
+  <p:cSld>
+    <p:spTree>
+      <p:nvGrpSpPr>
+        <p:cNvPr id="1" name=""/>
+        <p:cNvGrpSpPr/>
+        <p:nvPr/>
+      </p:nvGrpSpPr>
+      <p:grpSpPr>
+        <a:xfrm>
+          <a:off x="0" y="0"/>
+          <a:ext cx="0" cy="0"/>
+          <a:chOff x="0" y="0"/>
+          <a:chExt cx="0" cy="0"/>
+        </a:xfrm>
+      </p:grpSpPr>
+      <p:sp>
+        <p:nvSpPr>
+          <p:cNvPr id="2" name="Title 1"/>
+          <p:cNvSpPr>
+            <a:spLocks noGrp="1"/>
+          </p:cNvSpPr>
+          <p:nvPr>
+            <p:ph type="title"/>
+          </p:nvPr>
+        </p:nvSpPr>
+        <p:spPr/>
+        <p:txBody>
+          <a:bodyPr/>
+          <a:lstStyle/>
+          <a:p>
+            <a:r>
+              <a:rPr lang="en-US" dirty="0" smtClean="0"/>
+              <a:t>Admin Dashboard</a:t>
+            </a:r>
+            <a:endParaRPr lang="ru-RU" dirty="0"/>
+          </a:p>
+        </p:txBody>
+      </p:sp>
+    </p:spTree>
+    <p:extLst>
+      <p:ext uri="{BB962C8B-B14F-4D97-AF65-F5344CB8AC3E}">
+        <p14:creationId xmlns:p14="http://schemas.microsoft.com/office/powerpoint/2010/main" val="1654730702"/>
+      </p:ext>
+    </p:extLst>
+  </p:cSld>
+  <p:clrMapOvr>
+    <a:masterClrMapping/>
+  </p:clrMapOvr>
+</p:sld>
+</file>
+
+<file path=ppt/slides/slide17.xml><?xml version="1.0" encoding="utf-8"?>
+<p:sld xmlns:a="http://schemas.openxmlformats.org/drawingml/2006/main" xmlns:r="http://schemas.openxmlformats.org/officeDocument/2006/relationships" xmlns:p="http://schemas.openxmlformats.org/presentationml/2006/main">
+  <p:cSld>
+    <p:spTree>
+      <p:nvGrpSpPr>
+        <p:cNvPr id="1" name=""/>
+        <p:cNvGrpSpPr/>
+        <p:nvPr/>
+      </p:nvGrpSpPr>
+      <p:grpSpPr>
+        <a:xfrm>
+          <a:off x="0" y="0"/>
+          <a:ext cx="0" cy="0"/>
+          <a:chOff x="0" y="0"/>
+          <a:chExt cx="0" cy="0"/>
+        </a:xfrm>
+      </p:grpSpPr>
+      <p:sp>
+        <p:nvSpPr>
+          <p:cNvPr id="4" name="TextBox 3"/>
+          <p:cNvSpPr txBox="1"/>
+          <p:nvPr/>
+        </p:nvSpPr>
+        <p:spPr>
+          <a:xfrm>
+            <a:off x="264695" y="222584"/>
+            <a:ext cx="7321216" cy="369332"/>
+          </a:xfrm>
+          <a:prstGeom prst="rect">
+            <a:avLst/>
+          </a:prstGeom>
+          <a:noFill/>
+        </p:spPr>
+        <p:txBody>
+          <a:bodyPr wrap="square" rtlCol="0">
+            <a:spAutoFit/>
+          </a:bodyPr>
+          <a:lstStyle/>
+          <a:p>
+            <a:r>
+              <a:rPr lang="en-US" dirty="0" smtClean="0"/>
+              <a:t>User Profile</a:t>
+            </a:r>
+            <a:endParaRPr lang="ru-RU" dirty="0"/>
+          </a:p>
+        </p:txBody>
+      </p:sp>
+      <p:sp>
+        <p:nvSpPr>
+          <p:cNvPr id="5" name="TextBox 4"/>
+          <p:cNvSpPr txBox="1"/>
+          <p:nvPr/>
+        </p:nvSpPr>
+        <p:spPr>
+          <a:xfrm>
+            <a:off x="9581587" y="591916"/>
+            <a:ext cx="2449992" cy="307777"/>
+          </a:xfrm>
+          <a:prstGeom prst="rect">
+            <a:avLst/>
+          </a:prstGeom>
+          <a:noFill/>
+        </p:spPr>
+        <p:txBody>
+          <a:bodyPr wrap="square" rtlCol="0">
+            <a:spAutoFit/>
+          </a:bodyPr>
+          <a:lstStyle/>
+          <a:p>
+            <a:r>
+              <a:rPr lang="en-US" sz="1400" dirty="0" smtClean="0">
+                <a:solidFill>
+                  <a:schemeClr val="accent5"/>
+                </a:solidFill>
+              </a:rPr>
+              <a:t>Welcome, </a:t>
+            </a:r>
+            <a:r>
+              <a:rPr lang="en-US" sz="1400" dirty="0" smtClean="0">
+                <a:solidFill>
+                  <a:schemeClr val="accent5"/>
+                </a:solidFill>
+              </a:rPr>
+              <a:t>Admin! </a:t>
+            </a:r>
+            <a:r>
+              <a:rPr lang="en-US" sz="1400" dirty="0" smtClean="0">
+                <a:solidFill>
+                  <a:schemeClr val="accent5"/>
+                </a:solidFill>
+              </a:rPr>
+              <a:t>| Sign out…</a:t>
+            </a:r>
+            <a:endParaRPr lang="ru-RU" sz="1400" dirty="0">
+              <a:solidFill>
+                <a:schemeClr val="accent5"/>
+              </a:solidFill>
+            </a:endParaRPr>
+          </a:p>
+        </p:txBody>
+      </p:sp>
+      <p:sp>
+        <p:nvSpPr>
+          <p:cNvPr id="6" name="Rectangle 5"/>
+          <p:cNvSpPr/>
+          <p:nvPr/>
+        </p:nvSpPr>
+        <p:spPr>
+          <a:xfrm>
+            <a:off x="264696" y="899692"/>
+            <a:ext cx="11833058" cy="5892133"/>
+          </a:xfrm>
+          <a:prstGeom prst="rect">
+            <a:avLst/>
+          </a:prstGeom>
+          <a:noFill/>
+        </p:spPr>
+        <p:style>
+          <a:lnRef idx="2">
+            <a:schemeClr val="accent1">
+              <a:shade val="50000"/>
+            </a:schemeClr>
+          </a:lnRef>
+          <a:fillRef idx="1">
+            <a:schemeClr val="accent1"/>
+          </a:fillRef>
+          <a:effectRef idx="0">
+            <a:schemeClr val="accent1"/>
+          </a:effectRef>
+          <a:fontRef idx="minor">
+            <a:schemeClr val="lt1"/>
+          </a:fontRef>
+        </p:style>
+        <p:txBody>
+          <a:bodyPr rtlCol="0" anchor="ctr"/>
+          <a:lstStyle/>
+          <a:p>
+            <a:pPr algn="ctr"/>
+            <a:endParaRPr lang="ru-RU"/>
+          </a:p>
+        </p:txBody>
+      </p:sp>
+      <p:sp>
+        <p:nvSpPr>
+          <p:cNvPr id="7" name="TextBox 6"/>
+          <p:cNvSpPr txBox="1"/>
+          <p:nvPr/>
+        </p:nvSpPr>
+        <p:spPr>
+          <a:xfrm>
+            <a:off x="525439" y="1153236"/>
+            <a:ext cx="3671248" cy="369332"/>
+          </a:xfrm>
+          <a:prstGeom prst="rect">
+            <a:avLst/>
+          </a:prstGeom>
+          <a:noFill/>
+        </p:spPr>
+        <p:txBody>
+          <a:bodyPr wrap="square" rtlCol="0">
+            <a:spAutoFit/>
+          </a:bodyPr>
+          <a:lstStyle/>
+          <a:p>
+            <a:r>
+              <a:rPr lang="en-US" dirty="0" smtClean="0"/>
+              <a:t>Name:</a:t>
+            </a:r>
+            <a:endParaRPr lang="ru-RU" dirty="0"/>
+          </a:p>
+        </p:txBody>
+      </p:sp>
+      <p:sp>
+        <p:nvSpPr>
+          <p:cNvPr id="9" name="TextBox 8"/>
+          <p:cNvSpPr txBox="1"/>
+          <p:nvPr/>
+        </p:nvSpPr>
+        <p:spPr>
+          <a:xfrm>
+            <a:off x="525439" y="1621340"/>
+            <a:ext cx="7206018" cy="369332"/>
+          </a:xfrm>
+          <a:prstGeom prst="rect">
+            <a:avLst/>
+          </a:prstGeom>
+          <a:noFill/>
+        </p:spPr>
+        <p:txBody>
+          <a:bodyPr wrap="square" rtlCol="0">
+            <a:spAutoFit/>
+          </a:bodyPr>
+          <a:lstStyle/>
+          <a:p>
+            <a:r>
+              <a:rPr lang="en-US" dirty="0" smtClean="0"/>
+              <a:t>Email:    alex.svs.fl@gmail.com</a:t>
+            </a:r>
+            <a:endParaRPr lang="ru-RU" dirty="0"/>
+          </a:p>
+        </p:txBody>
+      </p:sp>
+      <p:sp>
+        <p:nvSpPr>
+          <p:cNvPr id="12" name="TextBox 11"/>
+          <p:cNvSpPr txBox="1"/>
+          <p:nvPr/>
+        </p:nvSpPr>
+        <p:spPr>
+          <a:xfrm>
+            <a:off x="525439" y="2090852"/>
+            <a:ext cx="2019869" cy="369332"/>
+          </a:xfrm>
+          <a:prstGeom prst="rect">
+            <a:avLst/>
+          </a:prstGeom>
+          <a:noFill/>
+        </p:spPr>
+        <p:txBody>
+          <a:bodyPr wrap="square" rtlCol="0">
+            <a:spAutoFit/>
+          </a:bodyPr>
+          <a:lstStyle/>
+          <a:p>
+            <a:r>
+              <a:rPr lang="en-US" dirty="0" smtClean="0"/>
+              <a:t>Status:</a:t>
+            </a:r>
+            <a:endParaRPr lang="ru-RU" dirty="0"/>
+          </a:p>
+        </p:txBody>
+      </p:sp>
+      <p:sp>
+        <p:nvSpPr>
+          <p:cNvPr id="13" name="TextBox 12"/>
+          <p:cNvSpPr txBox="1"/>
+          <p:nvPr/>
+        </p:nvSpPr>
+        <p:spPr>
+          <a:xfrm>
+            <a:off x="1308345" y="2090852"/>
+            <a:ext cx="2616958" cy="369332"/>
+          </a:xfrm>
+          <a:prstGeom prst="rect">
+            <a:avLst/>
+          </a:prstGeom>
+          <a:noFill/>
+        </p:spPr>
+        <p:txBody>
+          <a:bodyPr wrap="square" rtlCol="0">
+            <a:spAutoFit/>
+          </a:bodyPr>
+          <a:lstStyle/>
+          <a:p>
+            <a:r>
+              <a:rPr lang="en-US" dirty="0" smtClean="0"/>
+              <a:t>Active</a:t>
+            </a:r>
+            <a:endParaRPr lang="ru-RU" dirty="0"/>
+          </a:p>
+        </p:txBody>
+      </p:sp>
+      <p:sp>
+        <p:nvSpPr>
+          <p:cNvPr id="14" name="Rectangle 13"/>
+          <p:cNvSpPr/>
+          <p:nvPr/>
+        </p:nvSpPr>
+        <p:spPr>
+          <a:xfrm>
+            <a:off x="1361364" y="2090852"/>
+            <a:ext cx="945108" cy="369332"/>
+          </a:xfrm>
+          <a:prstGeom prst="rect">
+            <a:avLst/>
+          </a:prstGeom>
+          <a:noFill/>
+        </p:spPr>
+        <p:style>
+          <a:lnRef idx="2">
+            <a:schemeClr val="accent1">
+              <a:shade val="50000"/>
+            </a:schemeClr>
+          </a:lnRef>
+          <a:fillRef idx="1">
+            <a:schemeClr val="accent1"/>
+          </a:fillRef>
+          <a:effectRef idx="0">
+            <a:schemeClr val="accent1"/>
+          </a:effectRef>
+          <a:fontRef idx="minor">
+            <a:schemeClr val="lt1"/>
+          </a:fontRef>
+        </p:style>
+        <p:txBody>
+          <a:bodyPr rtlCol="0" anchor="ctr"/>
+          <a:lstStyle/>
+          <a:p>
+            <a:pPr algn="ctr"/>
+            <a:endParaRPr lang="ru-RU"/>
+          </a:p>
+        </p:txBody>
+      </p:sp>
+      <p:sp>
+        <p:nvSpPr>
+          <p:cNvPr id="15" name="Прямоугольник 26"/>
+          <p:cNvSpPr/>
+          <p:nvPr/>
+        </p:nvSpPr>
+        <p:spPr>
+          <a:xfrm>
+            <a:off x="2042651" y="2088107"/>
+            <a:ext cx="255493" cy="365527"/>
+          </a:xfrm>
+          <a:prstGeom prst="rect">
+            <a:avLst/>
+          </a:prstGeom>
+          <a:noFill/>
+        </p:spPr>
+        <p:style>
+          <a:lnRef idx="2">
+            <a:schemeClr val="accent1">
+              <a:shade val="50000"/>
+            </a:schemeClr>
+          </a:lnRef>
+          <a:fillRef idx="1">
+            <a:schemeClr val="accent1"/>
+          </a:fillRef>
+          <a:effectRef idx="0">
+            <a:schemeClr val="accent1"/>
+          </a:effectRef>
+          <a:fontRef idx="minor">
+            <a:schemeClr val="lt1"/>
+          </a:fontRef>
+        </p:style>
+        <p:txBody>
+          <a:bodyPr rtlCol="0" anchor="ctr"/>
+          <a:lstStyle/>
+          <a:p>
+            <a:pPr algn="ctr"/>
+            <a:endParaRPr lang="ru-RU"/>
+          </a:p>
+        </p:txBody>
+      </p:sp>
+      <p:sp>
+        <p:nvSpPr>
+          <p:cNvPr id="16" name="Блок-схема: объединение 27"/>
+          <p:cNvSpPr/>
+          <p:nvPr/>
+        </p:nvSpPr>
+        <p:spPr>
+          <a:xfrm>
+            <a:off x="2096436" y="2189624"/>
+            <a:ext cx="156913" cy="209875"/>
+          </a:xfrm>
+          <a:prstGeom prst="flowChartMerge">
+            <a:avLst/>
+          </a:prstGeom>
+        </p:spPr>
+        <p:style>
+          <a:lnRef idx="2">
+            <a:schemeClr val="accent1">
+              <a:shade val="50000"/>
+            </a:schemeClr>
+          </a:lnRef>
+          <a:fillRef idx="1">
+            <a:schemeClr val="accent1"/>
+          </a:fillRef>
+          <a:effectRef idx="0">
+            <a:schemeClr val="accent1"/>
+          </a:effectRef>
+          <a:fontRef idx="minor">
+            <a:schemeClr val="lt1"/>
+          </a:fontRef>
+        </p:style>
+        <p:txBody>
+          <a:bodyPr rtlCol="0" anchor="ctr"/>
+          <a:lstStyle/>
+          <a:p>
+            <a:pPr algn="ctr"/>
+            <a:endParaRPr lang="ru-RU"/>
+          </a:p>
+        </p:txBody>
+      </p:sp>
+      <p:sp>
+        <p:nvSpPr>
+          <p:cNvPr id="17" name="Rectangle 16"/>
+          <p:cNvSpPr/>
+          <p:nvPr/>
+        </p:nvSpPr>
+        <p:spPr>
+          <a:xfrm>
+            <a:off x="627797" y="3074187"/>
+            <a:ext cx="9287302" cy="2050548"/>
+          </a:xfrm>
+          <a:prstGeom prst="rect">
+            <a:avLst/>
+          </a:prstGeom>
+          <a:noFill/>
+        </p:spPr>
+        <p:style>
+          <a:lnRef idx="2">
+            <a:schemeClr val="accent1">
+              <a:shade val="50000"/>
+            </a:schemeClr>
+          </a:lnRef>
+          <a:fillRef idx="1">
+            <a:schemeClr val="accent1"/>
+          </a:fillRef>
+          <a:effectRef idx="0">
+            <a:schemeClr val="accent1"/>
+          </a:effectRef>
+          <a:fontRef idx="minor">
+            <a:schemeClr val="lt1"/>
+          </a:fontRef>
+        </p:style>
+        <p:txBody>
+          <a:bodyPr rtlCol="0" anchor="ctr"/>
+          <a:lstStyle/>
+          <a:p>
+            <a:pPr algn="ctr"/>
+            <a:endParaRPr lang="ru-RU"/>
+          </a:p>
+        </p:txBody>
+      </p:sp>
+      <p:sp>
+        <p:nvSpPr>
+          <p:cNvPr id="18" name="TextBox 17"/>
+          <p:cNvSpPr txBox="1"/>
+          <p:nvPr/>
+        </p:nvSpPr>
+        <p:spPr>
+          <a:xfrm>
+            <a:off x="525439" y="2644169"/>
+            <a:ext cx="2579427" cy="369332"/>
+          </a:xfrm>
+          <a:prstGeom prst="rect">
+            <a:avLst/>
+          </a:prstGeom>
+          <a:noFill/>
+        </p:spPr>
+        <p:txBody>
+          <a:bodyPr wrap="square" rtlCol="0">
+            <a:spAutoFit/>
+          </a:bodyPr>
+          <a:lstStyle/>
+          <a:p>
+            <a:r>
+              <a:rPr lang="en-US" dirty="0" smtClean="0"/>
+              <a:t>Comment:</a:t>
+            </a:r>
+            <a:endParaRPr lang="ru-RU" dirty="0"/>
+          </a:p>
+        </p:txBody>
+      </p:sp>
+      <p:sp>
+        <p:nvSpPr>
+          <p:cNvPr id="19" name="TextBox 18"/>
+          <p:cNvSpPr txBox="1"/>
+          <p:nvPr/>
+        </p:nvSpPr>
+        <p:spPr>
+          <a:xfrm>
+            <a:off x="1308345" y="1153236"/>
+            <a:ext cx="4455994" cy="369332"/>
+          </a:xfrm>
+          <a:prstGeom prst="rect">
+            <a:avLst/>
+          </a:prstGeom>
+          <a:noFill/>
+        </p:spPr>
+        <p:txBody>
+          <a:bodyPr wrap="square" rtlCol="0">
+            <a:spAutoFit/>
+          </a:bodyPr>
+          <a:lstStyle/>
+          <a:p>
+            <a:r>
+              <a:rPr lang="en-US" dirty="0" smtClean="0"/>
+              <a:t>Alex</a:t>
+            </a:r>
+            <a:endParaRPr lang="ru-RU" dirty="0"/>
+          </a:p>
+        </p:txBody>
+      </p:sp>
+      <p:sp>
+        <p:nvSpPr>
+          <p:cNvPr id="20" name="Прямоугольник 31"/>
+          <p:cNvSpPr/>
+          <p:nvPr/>
+        </p:nvSpPr>
+        <p:spPr>
+          <a:xfrm>
+            <a:off x="9117022" y="5298577"/>
+            <a:ext cx="832194" cy="420226"/>
+          </a:xfrm>
+          <a:prstGeom prst="rect">
+            <a:avLst/>
+          </a:prstGeom>
+        </p:spPr>
+        <p:style>
+          <a:lnRef idx="2">
+            <a:schemeClr val="accent1">
+              <a:shade val="50000"/>
+            </a:schemeClr>
+          </a:lnRef>
+          <a:fillRef idx="1">
+            <a:schemeClr val="accent1"/>
+          </a:fillRef>
+          <a:effectRef idx="0">
+            <a:schemeClr val="accent1"/>
+          </a:effectRef>
+          <a:fontRef idx="minor">
+            <a:schemeClr val="lt1"/>
+          </a:fontRef>
+        </p:style>
+        <p:txBody>
+          <a:bodyPr rtlCol="0" anchor="ctr"/>
+          <a:lstStyle/>
+          <a:p>
+            <a:pPr algn="ctr"/>
+            <a:endParaRPr lang="ru-RU"/>
+          </a:p>
+        </p:txBody>
+      </p:sp>
+      <p:sp>
+        <p:nvSpPr>
+          <p:cNvPr id="21" name="TextBox 20"/>
+          <p:cNvSpPr txBox="1"/>
+          <p:nvPr/>
+        </p:nvSpPr>
+        <p:spPr>
+          <a:xfrm>
+            <a:off x="9204430" y="5303622"/>
+            <a:ext cx="676548" cy="369332"/>
+          </a:xfrm>
+          <a:prstGeom prst="rect">
+            <a:avLst/>
+          </a:prstGeom>
+          <a:noFill/>
+        </p:spPr>
+        <p:txBody>
+          <a:bodyPr wrap="square" rtlCol="0">
+            <a:spAutoFit/>
+          </a:bodyPr>
+          <a:lstStyle/>
+          <a:p>
+            <a:r>
+              <a:rPr lang="en-US" dirty="0" smtClean="0">
+                <a:solidFill>
+                  <a:schemeClr val="bg1"/>
+                </a:solidFill>
+              </a:rPr>
+              <a:t>Save</a:t>
+            </a:r>
+            <a:endParaRPr lang="ru-RU" dirty="0">
+              <a:solidFill>
+                <a:schemeClr val="bg1"/>
+              </a:solidFill>
+            </a:endParaRPr>
+          </a:p>
+        </p:txBody>
+      </p:sp>
+      <p:sp>
+        <p:nvSpPr>
+          <p:cNvPr id="22" name="TextBox 21"/>
+          <p:cNvSpPr txBox="1"/>
+          <p:nvPr/>
+        </p:nvSpPr>
+        <p:spPr>
+          <a:xfrm>
+            <a:off x="4844954" y="1105469"/>
+            <a:ext cx="4981433" cy="923330"/>
+          </a:xfrm>
+          <a:prstGeom prst="rect">
+            <a:avLst/>
+          </a:prstGeom>
+          <a:noFill/>
+        </p:spPr>
+        <p:txBody>
+          <a:bodyPr wrap="square" rtlCol="0">
+            <a:spAutoFit/>
+          </a:bodyPr>
+          <a:lstStyle/>
+          <a:p>
+            <a:r>
+              <a:rPr lang="en-US" dirty="0" smtClean="0"/>
+              <a:t>Date joined:  05/21/2020</a:t>
+            </a:r>
+          </a:p>
+          <a:p>
+            <a:endParaRPr lang="en-US" dirty="0"/>
+          </a:p>
+          <a:p>
+            <a:r>
+              <a:rPr lang="en-US" dirty="0" smtClean="0"/>
+              <a:t>Last locked</a:t>
+            </a:r>
+            <a:r>
+              <a:rPr lang="en-US" smtClean="0"/>
+              <a:t>:   -</a:t>
+            </a:r>
+            <a:endParaRPr lang="en-US" dirty="0"/>
+          </a:p>
+        </p:txBody>
+      </p:sp>
+    </p:spTree>
+    <p:extLst>
+      <p:ext uri="{BB962C8B-B14F-4D97-AF65-F5344CB8AC3E}">
+        <p14:creationId xmlns:p14="http://schemas.microsoft.com/office/powerpoint/2010/main" val="58588882"/>
       </p:ext>
     </p:extLst>
   </p:cSld>

--- a/Specs.pptx
+++ b/Specs.pptx
@@ -5,7 +5,7 @@
     <p:sldMasterId id="2147483648" r:id="rId1"/>
   </p:sldMasterIdLst>
   <p:notesMasterIdLst>
-    <p:notesMasterId r:id="rId19"/>
+    <p:notesMasterId r:id="rId22"/>
   </p:notesMasterIdLst>
   <p:sldIdLst>
     <p:sldId id="256" r:id="rId2"/>
@@ -23,8 +23,11 @@
     <p:sldId id="267" r:id="rId14"/>
     <p:sldId id="268" r:id="rId15"/>
     <p:sldId id="269" r:id="rId16"/>
-    <p:sldId id="271" r:id="rId17"/>
-    <p:sldId id="272" r:id="rId18"/>
+    <p:sldId id="273" r:id="rId17"/>
+    <p:sldId id="271" r:id="rId18"/>
+    <p:sldId id="275" r:id="rId19"/>
+    <p:sldId id="274" r:id="rId20"/>
+    <p:sldId id="272" r:id="rId21"/>
   </p:sldIdLst>
   <p:sldSz cx="12192000" cy="6858000"/>
   <p:notesSz cx="6858000" cy="9144000"/>
@@ -213,7 +216,7 @@
           <a:p>
             <a:fld id="{5A49B920-2512-410B-B58F-4F9F15F8D3A5}" type="datetimeFigureOut">
               <a:rPr lang="ru-RU" smtClean="0"/>
-              <a:t>27.10.2020</a:t>
+              <a:t>23.01.2021</a:t>
             </a:fld>
             <a:endParaRPr lang="ru-RU"/>
           </a:p>
@@ -612,7 +615,7 @@
           <a:p>
             <a:fld id="{A2EC0EAC-ECEF-44E1-B933-C13F370113F6}" type="datetimeFigureOut">
               <a:rPr lang="ru-RU" smtClean="0"/>
-              <a:t>27.10.2020</a:t>
+              <a:t>23.01.2021</a:t>
             </a:fld>
             <a:endParaRPr lang="ru-RU"/>
           </a:p>
@@ -782,7 +785,7 @@
           <a:p>
             <a:fld id="{A2EC0EAC-ECEF-44E1-B933-C13F370113F6}" type="datetimeFigureOut">
               <a:rPr lang="ru-RU" smtClean="0"/>
-              <a:t>27.10.2020</a:t>
+              <a:t>23.01.2021</a:t>
             </a:fld>
             <a:endParaRPr lang="ru-RU"/>
           </a:p>
@@ -962,7 +965,7 @@
           <a:p>
             <a:fld id="{A2EC0EAC-ECEF-44E1-B933-C13F370113F6}" type="datetimeFigureOut">
               <a:rPr lang="ru-RU" smtClean="0"/>
-              <a:t>27.10.2020</a:t>
+              <a:t>23.01.2021</a:t>
             </a:fld>
             <a:endParaRPr lang="ru-RU"/>
           </a:p>
@@ -1132,7 +1135,7 @@
           <a:p>
             <a:fld id="{A2EC0EAC-ECEF-44E1-B933-C13F370113F6}" type="datetimeFigureOut">
               <a:rPr lang="ru-RU" smtClean="0"/>
-              <a:t>27.10.2020</a:t>
+              <a:t>23.01.2021</a:t>
             </a:fld>
             <a:endParaRPr lang="ru-RU"/>
           </a:p>
@@ -1378,7 +1381,7 @@
           <a:p>
             <a:fld id="{A2EC0EAC-ECEF-44E1-B933-C13F370113F6}" type="datetimeFigureOut">
               <a:rPr lang="ru-RU" smtClean="0"/>
-              <a:t>27.10.2020</a:t>
+              <a:t>23.01.2021</a:t>
             </a:fld>
             <a:endParaRPr lang="ru-RU"/>
           </a:p>
@@ -1610,7 +1613,7 @@
           <a:p>
             <a:fld id="{A2EC0EAC-ECEF-44E1-B933-C13F370113F6}" type="datetimeFigureOut">
               <a:rPr lang="ru-RU" smtClean="0"/>
-              <a:t>27.10.2020</a:t>
+              <a:t>23.01.2021</a:t>
             </a:fld>
             <a:endParaRPr lang="ru-RU"/>
           </a:p>
@@ -1977,7 +1980,7 @@
           <a:p>
             <a:fld id="{A2EC0EAC-ECEF-44E1-B933-C13F370113F6}" type="datetimeFigureOut">
               <a:rPr lang="ru-RU" smtClean="0"/>
-              <a:t>27.10.2020</a:t>
+              <a:t>23.01.2021</a:t>
             </a:fld>
             <a:endParaRPr lang="ru-RU"/>
           </a:p>
@@ -2095,7 +2098,7 @@
           <a:p>
             <a:fld id="{A2EC0EAC-ECEF-44E1-B933-C13F370113F6}" type="datetimeFigureOut">
               <a:rPr lang="ru-RU" smtClean="0"/>
-              <a:t>27.10.2020</a:t>
+              <a:t>23.01.2021</a:t>
             </a:fld>
             <a:endParaRPr lang="ru-RU"/>
           </a:p>
@@ -2190,7 +2193,7 @@
           <a:p>
             <a:fld id="{A2EC0EAC-ECEF-44E1-B933-C13F370113F6}" type="datetimeFigureOut">
               <a:rPr lang="ru-RU" smtClean="0"/>
-              <a:t>27.10.2020</a:t>
+              <a:t>23.01.2021</a:t>
             </a:fld>
             <a:endParaRPr lang="ru-RU"/>
           </a:p>
@@ -2467,7 +2470,7 @@
           <a:p>
             <a:fld id="{A2EC0EAC-ECEF-44E1-B933-C13F370113F6}" type="datetimeFigureOut">
               <a:rPr lang="ru-RU" smtClean="0"/>
-              <a:t>27.10.2020</a:t>
+              <a:t>23.01.2021</a:t>
             </a:fld>
             <a:endParaRPr lang="ru-RU"/>
           </a:p>
@@ -2720,7 +2723,7 @@
           <a:p>
             <a:fld id="{A2EC0EAC-ECEF-44E1-B933-C13F370113F6}" type="datetimeFigureOut">
               <a:rPr lang="ru-RU" smtClean="0"/>
-              <a:t>27.10.2020</a:t>
+              <a:t>23.01.2021</a:t>
             </a:fld>
             <a:endParaRPr lang="ru-RU"/>
           </a:p>
@@ -2933,7 +2936,7 @@
           <a:p>
             <a:fld id="{A2EC0EAC-ECEF-44E1-B933-C13F370113F6}" type="datetimeFigureOut">
               <a:rPr lang="ru-RU" smtClean="0"/>
-              <a:t>27.10.2020</a:t>
+              <a:t>23.01.2021</a:t>
             </a:fld>
             <a:endParaRPr lang="ru-RU"/>
           </a:p>
@@ -8366,31 +8369,140 @@
       </p:grpSpPr>
       <p:sp>
         <p:nvSpPr>
-          <p:cNvPr id="2" name="Title 1"/>
-          <p:cNvSpPr>
-            <a:spLocks noGrp="1"/>
-          </p:cNvSpPr>
-          <p:nvPr>
-            <p:ph type="title"/>
-          </p:nvPr>
-        </p:nvSpPr>
-        <p:spPr/>
-        <p:txBody>
-          <a:bodyPr/>
-          <a:lstStyle/>
-          <a:p>
-            <a:r>
-              <a:rPr lang="en-US" dirty="0" smtClean="0"/>
-              <a:t>Admin Dashboard</a:t>
+          <p:cNvPr id="4" name="TextBox 3"/>
+          <p:cNvSpPr txBox="1"/>
+          <p:nvPr/>
+        </p:nvSpPr>
+        <p:spPr>
+          <a:xfrm>
+            <a:off x="427121" y="84221"/>
+            <a:ext cx="10750216" cy="369332"/>
+          </a:xfrm>
+          <a:prstGeom prst="rect">
+            <a:avLst/>
+          </a:prstGeom>
+          <a:noFill/>
+        </p:spPr>
+        <p:txBody>
+          <a:bodyPr wrap="square" rtlCol="0">
+            <a:spAutoFit/>
+          </a:bodyPr>
+          <a:lstStyle/>
+          <a:p>
+            <a:r>
+              <a:rPr lang="en-US" dirty="0" smtClean="0"/>
+              <a:t>My Profile page</a:t>
             </a:r>
             <a:endParaRPr lang="ru-RU" dirty="0"/>
+          </a:p>
+        </p:txBody>
+      </p:sp>
+      <p:pic>
+        <p:nvPicPr>
+          <p:cNvPr id="5" name="Picture 4"/>
+          <p:cNvPicPr>
+            <a:picLocks noChangeAspect="1"/>
+          </p:cNvPicPr>
+          <p:nvPr/>
+        </p:nvPicPr>
+        <p:blipFill>
+          <a:blip r:embed="rId2"/>
+          <a:stretch>
+            <a:fillRect/>
+          </a:stretch>
+        </p:blipFill>
+        <p:spPr>
+          <a:xfrm>
+            <a:off x="174458" y="375347"/>
+            <a:ext cx="10961638" cy="6344290"/>
+          </a:xfrm>
+          <a:prstGeom prst="rect">
+            <a:avLst/>
+          </a:prstGeom>
+        </p:spPr>
+      </p:pic>
+      <p:sp>
+        <p:nvSpPr>
+          <p:cNvPr id="2" name="Rectangle 1"/>
+          <p:cNvSpPr/>
+          <p:nvPr/>
+        </p:nvSpPr>
+        <p:spPr>
+          <a:xfrm>
+            <a:off x="7271951" y="3398108"/>
+            <a:ext cx="753763" cy="216243"/>
+          </a:xfrm>
+          <a:prstGeom prst="rect">
+            <a:avLst/>
+          </a:prstGeom>
+        </p:spPr>
+        <p:style>
+          <a:lnRef idx="2">
+            <a:schemeClr val="accent1">
+              <a:shade val="50000"/>
+            </a:schemeClr>
+          </a:lnRef>
+          <a:fillRef idx="1">
+            <a:schemeClr val="accent1"/>
+          </a:fillRef>
+          <a:effectRef idx="0">
+            <a:schemeClr val="accent1"/>
+          </a:effectRef>
+          <a:fontRef idx="minor">
+            <a:schemeClr val="lt1"/>
+          </a:fontRef>
+        </p:style>
+        <p:txBody>
+          <a:bodyPr rtlCol="0" anchor="ctr"/>
+          <a:lstStyle/>
+          <a:p>
+            <a:pPr algn="ctr"/>
+            <a:endParaRPr lang="ru-RU"/>
+          </a:p>
+        </p:txBody>
+      </p:sp>
+      <p:sp>
+        <p:nvSpPr>
+          <p:cNvPr id="3" name="TextBox 2"/>
+          <p:cNvSpPr txBox="1"/>
+          <p:nvPr/>
+        </p:nvSpPr>
+        <p:spPr>
+          <a:xfrm>
+            <a:off x="7386251" y="3355887"/>
+            <a:ext cx="525162" cy="276999"/>
+          </a:xfrm>
+          <a:prstGeom prst="rect">
+            <a:avLst/>
+          </a:prstGeom>
+          <a:noFill/>
+        </p:spPr>
+        <p:txBody>
+          <a:bodyPr wrap="square" rtlCol="0">
+            <a:spAutoFit/>
+          </a:bodyPr>
+          <a:lstStyle/>
+          <a:p>
+            <a:r>
+              <a:rPr lang="en-US" sz="1200" dirty="0" smtClean="0">
+                <a:solidFill>
+                  <a:schemeClr val="bg1"/>
+                </a:solidFill>
+              </a:rPr>
+              <a:t>Send</a:t>
+            </a:r>
+            <a:endParaRPr lang="ru-RU" sz="1200" dirty="0">
+              <a:solidFill>
+                <a:schemeClr val="bg1"/>
+              </a:solidFill>
+            </a:endParaRPr>
           </a:p>
         </p:txBody>
       </p:sp>
     </p:spTree>
     <p:extLst>
       <p:ext uri="{BB962C8B-B14F-4D97-AF65-F5344CB8AC3E}">
-        <p14:creationId xmlns:p14="http://schemas.microsoft.com/office/powerpoint/2010/main" val="1654730702"/>
+        <p14:creationId xmlns:p14="http://schemas.microsoft.com/office/powerpoint/2010/main" val="196864395"/>
       </p:ext>
     </p:extLst>
   </p:cSld>
@@ -8419,14 +8531,67 @@
       </p:grpSpPr>
       <p:sp>
         <p:nvSpPr>
+          <p:cNvPr id="2" name="Title 1"/>
+          <p:cNvSpPr>
+            <a:spLocks noGrp="1"/>
+          </p:cNvSpPr>
+          <p:nvPr>
+            <p:ph type="title"/>
+          </p:nvPr>
+        </p:nvSpPr>
+        <p:spPr/>
+        <p:txBody>
+          <a:bodyPr/>
+          <a:lstStyle/>
+          <a:p>
+            <a:r>
+              <a:rPr lang="en-US" dirty="0" smtClean="0"/>
+              <a:t>Admin Dashboard</a:t>
+            </a:r>
+            <a:endParaRPr lang="ru-RU" dirty="0"/>
+          </a:p>
+        </p:txBody>
+      </p:sp>
+    </p:spTree>
+    <p:extLst>
+      <p:ext uri="{BB962C8B-B14F-4D97-AF65-F5344CB8AC3E}">
+        <p14:creationId xmlns:p14="http://schemas.microsoft.com/office/powerpoint/2010/main" val="1654730702"/>
+      </p:ext>
+    </p:extLst>
+  </p:cSld>
+  <p:clrMapOvr>
+    <a:masterClrMapping/>
+  </p:clrMapOvr>
+</p:sld>
+</file>
+
+<file path=ppt/slides/slide18.xml><?xml version="1.0" encoding="utf-8"?>
+<p:sld xmlns:a="http://schemas.openxmlformats.org/drawingml/2006/main" xmlns:r="http://schemas.openxmlformats.org/officeDocument/2006/relationships" xmlns:p="http://schemas.openxmlformats.org/presentationml/2006/main">
+  <p:cSld>
+    <p:spTree>
+      <p:nvGrpSpPr>
+        <p:cNvPr id="1" name=""/>
+        <p:cNvGrpSpPr/>
+        <p:nvPr/>
+      </p:nvGrpSpPr>
+      <p:grpSpPr>
+        <a:xfrm>
+          <a:off x="0" y="0"/>
+          <a:ext cx="0" cy="0"/>
+          <a:chOff x="0" y="0"/>
+          <a:chExt cx="0" cy="0"/>
+        </a:xfrm>
+      </p:grpSpPr>
+      <p:sp>
+        <p:nvSpPr>
           <p:cNvPr id="4" name="TextBox 3"/>
           <p:cNvSpPr txBox="1"/>
           <p:nvPr/>
         </p:nvSpPr>
         <p:spPr>
           <a:xfrm>
-            <a:off x="264695" y="222584"/>
-            <a:ext cx="7321216" cy="369332"/>
+            <a:off x="427121" y="279380"/>
+            <a:ext cx="4614111" cy="369332"/>
           </a:xfrm>
           <a:prstGeom prst="rect">
             <a:avLst/>
@@ -8441,7 +8606,7 @@
           <a:p>
             <a:r>
               <a:rPr lang="en-US" dirty="0" smtClean="0"/>
-              <a:t>User Profile</a:t>
+              <a:t>Conversation Message entity</a:t>
             </a:r>
             <a:endParaRPr lang="ru-RU" dirty="0"/>
           </a:p>
@@ -8449,70 +8614,16 @@
       </p:sp>
       <p:sp>
         <p:nvSpPr>
-          <p:cNvPr id="5" name="TextBox 4"/>
-          <p:cNvSpPr txBox="1"/>
-          <p:nvPr/>
-        </p:nvSpPr>
-        <p:spPr>
-          <a:xfrm>
-            <a:off x="9581587" y="591916"/>
-            <a:ext cx="2449992" cy="307777"/>
-          </a:xfrm>
-          <a:prstGeom prst="rect">
-            <a:avLst/>
-          </a:prstGeom>
-          <a:noFill/>
-        </p:spPr>
-        <p:txBody>
-          <a:bodyPr wrap="square" rtlCol="0">
-            <a:spAutoFit/>
-          </a:bodyPr>
-          <a:lstStyle/>
-          <a:p>
-            <a:r>
-              <a:rPr lang="en-US" sz="1400" dirty="0" smtClean="0">
-                <a:solidFill>
-                  <a:schemeClr val="accent5"/>
-                </a:solidFill>
-              </a:rPr>
-              <a:t>Welcome, </a:t>
-            </a:r>
-            <a:r>
-              <a:rPr lang="en-US" sz="1400" dirty="0" smtClean="0">
-                <a:solidFill>
-                  <a:schemeClr val="accent5"/>
-                </a:solidFill>
-              </a:rPr>
-              <a:t>Admin! </a:t>
-            </a:r>
-            <a:r>
-              <a:rPr lang="en-US" sz="1400" dirty="0" smtClean="0">
-                <a:solidFill>
-                  <a:schemeClr val="accent5"/>
-                </a:solidFill>
-              </a:rPr>
-              <a:t>| Sign out…</a:t>
-            </a:r>
-            <a:endParaRPr lang="ru-RU" sz="1400" dirty="0">
-              <a:solidFill>
-                <a:schemeClr val="accent5"/>
-              </a:solidFill>
-            </a:endParaRPr>
-          </a:p>
-        </p:txBody>
-      </p:sp>
-      <p:sp>
-        <p:nvSpPr>
-          <p:cNvPr id="6" name="Rectangle 5"/>
+          <p:cNvPr id="5" name="Rounded Rectangle 4"/>
           <p:cNvSpPr/>
           <p:nvPr/>
         </p:nvSpPr>
         <p:spPr>
           <a:xfrm>
-            <a:off x="264696" y="899692"/>
-            <a:ext cx="11833058" cy="5892133"/>
-          </a:xfrm>
-          <a:prstGeom prst="rect">
+            <a:off x="427121" y="794085"/>
+            <a:ext cx="3653560" cy="2051474"/>
+          </a:xfrm>
+          <a:prstGeom prst="roundRect">
             <a:avLst/>
           </a:prstGeom>
           <a:noFill/>
@@ -8544,14 +8655,14 @@
       </p:sp>
       <p:sp>
         <p:nvSpPr>
-          <p:cNvPr id="7" name="TextBox 6"/>
+          <p:cNvPr id="6" name="TextBox 5"/>
           <p:cNvSpPr txBox="1"/>
           <p:nvPr/>
         </p:nvSpPr>
         <p:spPr>
           <a:xfrm>
-            <a:off x="525439" y="1153236"/>
-            <a:ext cx="3671248" cy="369332"/>
+            <a:off x="716507" y="942659"/>
+            <a:ext cx="2777319" cy="1754326"/>
           </a:xfrm>
           <a:prstGeom prst="rect">
             <a:avLst/>
@@ -8566,7 +8677,54 @@
           <a:p>
             <a:r>
               <a:rPr lang="en-US" dirty="0" smtClean="0"/>
-              <a:t>Name:</a:t>
+              <a:t>Id (String)</a:t>
+            </a:r>
+          </a:p>
+          <a:p>
+            <a:r>
+              <a:rPr lang="en-US" dirty="0" err="1" smtClean="0"/>
+              <a:t>ConversationID</a:t>
+            </a:r>
+            <a:endParaRPr lang="en-US" dirty="0"/>
+          </a:p>
+          <a:p>
+            <a:r>
+              <a:rPr lang="en-US" dirty="0" err="1" smtClean="0"/>
+              <a:t>UserID</a:t>
+            </a:r>
+            <a:r>
+              <a:rPr lang="en-US" dirty="0" smtClean="0"/>
+              <a:t> (String)</a:t>
+            </a:r>
+          </a:p>
+          <a:p>
+            <a:r>
+              <a:rPr lang="en-US" dirty="0" err="1" smtClean="0"/>
+              <a:t>DateAdded</a:t>
+            </a:r>
+            <a:r>
+              <a:rPr lang="en-US" dirty="0" smtClean="0"/>
+              <a:t> (</a:t>
+            </a:r>
+            <a:r>
+              <a:rPr lang="en-US" dirty="0" err="1" smtClean="0"/>
+              <a:t>DateTime</a:t>
+            </a:r>
+            <a:r>
+              <a:rPr lang="en-US" dirty="0" smtClean="0"/>
+              <a:t>)</a:t>
+            </a:r>
+          </a:p>
+          <a:p>
+            <a:r>
+              <a:rPr lang="en-US" dirty="0" smtClean="0"/>
+              <a:t>Viewed (Boolean)</a:t>
+            </a:r>
+          </a:p>
+          <a:p>
+            <a:r>
+              <a:rPr lang="en-US" dirty="0" smtClean="0"/>
+              <a:t>Content (String)</a:t>
             </a:r>
             <a:endParaRPr lang="ru-RU" dirty="0"/>
           </a:p>
@@ -8574,106 +8732,16 @@
       </p:sp>
       <p:sp>
         <p:nvSpPr>
-          <p:cNvPr id="9" name="TextBox 8"/>
-          <p:cNvSpPr txBox="1"/>
-          <p:nvPr/>
-        </p:nvSpPr>
-        <p:spPr>
-          <a:xfrm>
-            <a:off x="525439" y="1621340"/>
-            <a:ext cx="7206018" cy="369332"/>
-          </a:xfrm>
-          <a:prstGeom prst="rect">
-            <a:avLst/>
-          </a:prstGeom>
-          <a:noFill/>
-        </p:spPr>
-        <p:txBody>
-          <a:bodyPr wrap="square" rtlCol="0">
-            <a:spAutoFit/>
-          </a:bodyPr>
-          <a:lstStyle/>
-          <a:p>
-            <a:r>
-              <a:rPr lang="en-US" dirty="0" smtClean="0"/>
-              <a:t>Email:    alex.svs.fl@gmail.com</a:t>
-            </a:r>
-            <a:endParaRPr lang="ru-RU" dirty="0"/>
-          </a:p>
-        </p:txBody>
-      </p:sp>
-      <p:sp>
-        <p:nvSpPr>
-          <p:cNvPr id="12" name="TextBox 11"/>
-          <p:cNvSpPr txBox="1"/>
-          <p:nvPr/>
-        </p:nvSpPr>
-        <p:spPr>
-          <a:xfrm>
-            <a:off x="525439" y="2090852"/>
-            <a:ext cx="2019869" cy="369332"/>
-          </a:xfrm>
-          <a:prstGeom prst="rect">
-            <a:avLst/>
-          </a:prstGeom>
-          <a:noFill/>
-        </p:spPr>
-        <p:txBody>
-          <a:bodyPr wrap="square" rtlCol="0">
-            <a:spAutoFit/>
-          </a:bodyPr>
-          <a:lstStyle/>
-          <a:p>
-            <a:r>
-              <a:rPr lang="en-US" dirty="0" smtClean="0"/>
-              <a:t>Status:</a:t>
-            </a:r>
-            <a:endParaRPr lang="ru-RU" dirty="0"/>
-          </a:p>
-        </p:txBody>
-      </p:sp>
-      <p:sp>
-        <p:nvSpPr>
-          <p:cNvPr id="13" name="TextBox 12"/>
-          <p:cNvSpPr txBox="1"/>
-          <p:nvPr/>
-        </p:nvSpPr>
-        <p:spPr>
-          <a:xfrm>
-            <a:off x="1308345" y="2090852"/>
-            <a:ext cx="2616958" cy="369332"/>
-          </a:xfrm>
-          <a:prstGeom prst="rect">
-            <a:avLst/>
-          </a:prstGeom>
-          <a:noFill/>
-        </p:spPr>
-        <p:txBody>
-          <a:bodyPr wrap="square" rtlCol="0">
-            <a:spAutoFit/>
-          </a:bodyPr>
-          <a:lstStyle/>
-          <a:p>
-            <a:r>
-              <a:rPr lang="en-US" dirty="0" smtClean="0"/>
-              <a:t>Active</a:t>
-            </a:r>
-            <a:endParaRPr lang="ru-RU" dirty="0"/>
-          </a:p>
-        </p:txBody>
-      </p:sp>
-      <p:sp>
-        <p:nvSpPr>
-          <p:cNvPr id="14" name="Rectangle 13"/>
+          <p:cNvPr id="7" name="Rounded Rectangle 6"/>
           <p:cNvSpPr/>
           <p:nvPr/>
         </p:nvSpPr>
         <p:spPr>
           <a:xfrm>
-            <a:off x="1361364" y="2090852"/>
-            <a:ext cx="945108" cy="369332"/>
-          </a:xfrm>
-          <a:prstGeom prst="rect">
+            <a:off x="4981433" y="700200"/>
+            <a:ext cx="2437979" cy="1169543"/>
+          </a:xfrm>
+          <a:prstGeom prst="roundRect">
             <a:avLst/>
           </a:prstGeom>
           <a:noFill/>
@@ -8705,19 +8773,136 @@
       </p:sp>
       <p:sp>
         <p:nvSpPr>
-          <p:cNvPr id="15" name="Прямоугольник 26"/>
+          <p:cNvPr id="8" name="TextBox 7"/>
+          <p:cNvSpPr txBox="1"/>
+          <p:nvPr/>
+        </p:nvSpPr>
+        <p:spPr>
+          <a:xfrm>
+            <a:off x="4902374" y="260039"/>
+            <a:ext cx="4614111" cy="369332"/>
+          </a:xfrm>
+          <a:prstGeom prst="rect">
+            <a:avLst/>
+          </a:prstGeom>
+          <a:noFill/>
+        </p:spPr>
+        <p:txBody>
+          <a:bodyPr wrap="square" rtlCol="0">
+            <a:spAutoFit/>
+          </a:bodyPr>
+          <a:lstStyle/>
+          <a:p>
+            <a:r>
+              <a:rPr lang="en-US" dirty="0" smtClean="0"/>
+              <a:t>Conversation entity</a:t>
+            </a:r>
+            <a:endParaRPr lang="ru-RU" dirty="0"/>
+          </a:p>
+        </p:txBody>
+      </p:sp>
+      <p:sp>
+        <p:nvSpPr>
+          <p:cNvPr id="9" name="Rectangle 8"/>
           <p:cNvSpPr/>
           <p:nvPr/>
         </p:nvSpPr>
         <p:spPr>
           <a:xfrm>
-            <a:off x="2042651" y="2088107"/>
-            <a:ext cx="255493" cy="365527"/>
-          </a:xfrm>
-          <a:prstGeom prst="rect">
-            <a:avLst/>
-          </a:prstGeom>
-          <a:noFill/>
+            <a:off x="5181940" y="794085"/>
+            <a:ext cx="2237472" cy="923330"/>
+          </a:xfrm>
+          <a:prstGeom prst="rect">
+            <a:avLst/>
+          </a:prstGeom>
+        </p:spPr>
+        <p:txBody>
+          <a:bodyPr wrap="none">
+            <a:spAutoFit/>
+          </a:bodyPr>
+          <a:lstStyle/>
+          <a:p>
+            <a:r>
+              <a:rPr lang="en-US" dirty="0"/>
+              <a:t>Id (String</a:t>
+            </a:r>
+            <a:r>
+              <a:rPr lang="en-US" dirty="0" smtClean="0"/>
+              <a:t>)	 </a:t>
+            </a:r>
+          </a:p>
+          <a:p>
+            <a:r>
+              <a:rPr lang="en-US" dirty="0" smtClean="0"/>
+              <a:t>Name (String)</a:t>
+            </a:r>
+            <a:endParaRPr lang="en-US" dirty="0"/>
+          </a:p>
+          <a:p>
+            <a:r>
+              <a:rPr lang="en-US" dirty="0" err="1" smtClean="0"/>
+              <a:t>UnreadMessages</a:t>
+            </a:r>
+            <a:r>
+              <a:rPr lang="en-US" dirty="0" smtClean="0"/>
+              <a:t> (</a:t>
+            </a:r>
+            <a:r>
+              <a:rPr lang="en-US" dirty="0" err="1" smtClean="0"/>
+              <a:t>int</a:t>
+            </a:r>
+            <a:r>
+              <a:rPr lang="en-US" dirty="0" smtClean="0"/>
+              <a:t>)</a:t>
+            </a:r>
+            <a:endParaRPr lang="en-US" dirty="0"/>
+          </a:p>
+        </p:txBody>
+      </p:sp>
+    </p:spTree>
+    <p:extLst>
+      <p:ext uri="{BB962C8B-B14F-4D97-AF65-F5344CB8AC3E}">
+        <p14:creationId xmlns:p14="http://schemas.microsoft.com/office/powerpoint/2010/main" val="2347573165"/>
+      </p:ext>
+    </p:extLst>
+  </p:cSld>
+  <p:clrMapOvr>
+    <a:masterClrMapping/>
+  </p:clrMapOvr>
+</p:sld>
+</file>
+
+<file path=ppt/slides/slide19.xml><?xml version="1.0" encoding="utf-8"?>
+<p:sld xmlns:a="http://schemas.openxmlformats.org/drawingml/2006/main" xmlns:r="http://schemas.openxmlformats.org/officeDocument/2006/relationships" xmlns:p="http://schemas.openxmlformats.org/presentationml/2006/main">
+  <p:cSld>
+    <p:spTree>
+      <p:nvGrpSpPr>
+        <p:cNvPr id="1" name=""/>
+        <p:cNvGrpSpPr/>
+        <p:nvPr/>
+      </p:nvGrpSpPr>
+      <p:grpSpPr>
+        <a:xfrm>
+          <a:off x="0" y="0"/>
+          <a:ext cx="0" cy="0"/>
+          <a:chOff x="0" y="0"/>
+          <a:chExt cx="0" cy="0"/>
+        </a:xfrm>
+      </p:grpSpPr>
+      <p:sp>
+        <p:nvSpPr>
+          <p:cNvPr id="16" name="Rectangle 15"/>
+          <p:cNvSpPr/>
+          <p:nvPr/>
+        </p:nvSpPr>
+        <p:spPr>
+          <a:xfrm>
+            <a:off x="11197988" y="6220623"/>
+            <a:ext cx="709684" cy="369332"/>
+          </a:xfrm>
+          <a:prstGeom prst="rect">
+            <a:avLst/>
+          </a:prstGeom>
         </p:spPr>
         <p:style>
           <a:lnRef idx="2">
@@ -8746,16 +8931,16 @@
       </p:sp>
       <p:sp>
         <p:nvSpPr>
-          <p:cNvPr id="16" name="Блок-схема: объединение 27"/>
+          <p:cNvPr id="15" name="Rectangle 14"/>
           <p:cNvSpPr/>
           <p:nvPr/>
         </p:nvSpPr>
         <p:spPr>
           <a:xfrm>
-            <a:off x="2096436" y="2189624"/>
-            <a:ext cx="156913" cy="209875"/>
-          </a:xfrm>
-          <a:prstGeom prst="flowChartMerge">
+            <a:off x="10324531" y="6220623"/>
+            <a:ext cx="750628" cy="369332"/>
+          </a:xfrm>
+          <a:prstGeom prst="rect">
             <a:avLst/>
           </a:prstGeom>
         </p:spPr>
@@ -8786,19 +8971,48 @@
       </p:sp>
       <p:sp>
         <p:nvSpPr>
-          <p:cNvPr id="17" name="Rectangle 16"/>
+          <p:cNvPr id="4" name="TextBox 3"/>
+          <p:cNvSpPr txBox="1"/>
+          <p:nvPr/>
+        </p:nvSpPr>
+        <p:spPr>
+          <a:xfrm>
+            <a:off x="108284" y="132347"/>
+            <a:ext cx="1502976" cy="369332"/>
+          </a:xfrm>
+          <a:prstGeom prst="rect">
+            <a:avLst/>
+          </a:prstGeom>
+          <a:noFill/>
+        </p:spPr>
+        <p:txBody>
+          <a:bodyPr wrap="none" rtlCol="0">
+            <a:spAutoFit/>
+          </a:bodyPr>
+          <a:lstStyle/>
+          <a:p>
+            <a:r>
+              <a:rPr lang="en-US" dirty="0" smtClean="0"/>
+              <a:t>Conversations</a:t>
+            </a:r>
+            <a:endParaRPr lang="ru-RU" dirty="0"/>
+          </a:p>
+        </p:txBody>
+      </p:sp>
+      <p:sp>
+        <p:nvSpPr>
+          <p:cNvPr id="5" name="Rectangle 4"/>
           <p:cNvSpPr/>
           <p:nvPr/>
         </p:nvSpPr>
         <p:spPr>
           <a:xfrm>
-            <a:off x="627797" y="3074187"/>
-            <a:ext cx="9287302" cy="2050548"/>
-          </a:xfrm>
-          <a:prstGeom prst="rect">
-            <a:avLst/>
-          </a:prstGeom>
-          <a:noFill/>
+            <a:off x="121529" y="501679"/>
+            <a:ext cx="2737185" cy="6187879"/>
+          </a:xfrm>
+          <a:prstGeom prst="rect">
+            <a:avLst/>
+          </a:prstGeom>
         </p:spPr>
         <p:style>
           <a:lnRef idx="2">
@@ -8827,14 +9041,14 @@
       </p:sp>
       <p:sp>
         <p:nvSpPr>
-          <p:cNvPr id="18" name="TextBox 17"/>
+          <p:cNvPr id="6" name="TextBox 5"/>
           <p:cNvSpPr txBox="1"/>
           <p:nvPr/>
         </p:nvSpPr>
         <p:spPr>
           <a:xfrm>
-            <a:off x="525439" y="2644169"/>
-            <a:ext cx="2579427" cy="369332"/>
+            <a:off x="258679" y="613611"/>
+            <a:ext cx="2273968" cy="1200329"/>
           </a:xfrm>
           <a:prstGeom prst="rect">
             <a:avLst/>
@@ -8848,57 +9062,74 @@
           <a:lstStyle/>
           <a:p>
             <a:r>
-              <a:rPr lang="en-US" dirty="0" smtClean="0"/>
-              <a:t>Comment:</a:t>
-            </a:r>
-            <a:endParaRPr lang="ru-RU" dirty="0"/>
-          </a:p>
-        </p:txBody>
-      </p:sp>
-      <p:sp>
-        <p:nvSpPr>
-          <p:cNvPr id="19" name="TextBox 18"/>
-          <p:cNvSpPr txBox="1"/>
-          <p:nvPr/>
-        </p:nvSpPr>
-        <p:spPr>
-          <a:xfrm>
-            <a:off x="1308345" y="1153236"/>
-            <a:ext cx="4455994" cy="369332"/>
-          </a:xfrm>
-          <a:prstGeom prst="rect">
-            <a:avLst/>
-          </a:prstGeom>
-          <a:noFill/>
-        </p:spPr>
-        <p:txBody>
-          <a:bodyPr wrap="square" rtlCol="0">
-            <a:spAutoFit/>
-          </a:bodyPr>
-          <a:lstStyle/>
-          <a:p>
-            <a:r>
-              <a:rPr lang="en-US" dirty="0" smtClean="0"/>
+              <a:rPr lang="en-US" dirty="0" smtClean="0">
+                <a:solidFill>
+                  <a:srgbClr val="FF0000"/>
+                </a:solidFill>
+              </a:rPr>
               <a:t>Alex</a:t>
             </a:r>
-            <a:endParaRPr lang="ru-RU" dirty="0"/>
-          </a:p>
-        </p:txBody>
-      </p:sp>
-      <p:sp>
-        <p:nvSpPr>
-          <p:cNvPr id="20" name="Прямоугольник 31"/>
+            <a:r>
+              <a:rPr lang="en-US" baseline="30000" dirty="0" smtClean="0">
+                <a:solidFill>
+                  <a:srgbClr val="FF0000"/>
+                </a:solidFill>
+              </a:rPr>
+              <a:t>(1)</a:t>
+            </a:r>
+          </a:p>
+          <a:p>
+            <a:r>
+              <a:rPr lang="en-US" dirty="0" smtClean="0">
+                <a:solidFill>
+                  <a:schemeClr val="bg1"/>
+                </a:solidFill>
+              </a:rPr>
+              <a:t>User1</a:t>
+            </a:r>
+          </a:p>
+          <a:p>
+            <a:r>
+              <a:rPr lang="en-US" dirty="0" smtClean="0">
+                <a:solidFill>
+                  <a:schemeClr val="bg1"/>
+                </a:solidFill>
+              </a:rPr>
+              <a:t>User2</a:t>
+            </a:r>
+          </a:p>
+          <a:p>
+            <a:r>
+              <a:rPr lang="en-US" dirty="0" smtClean="0">
+                <a:solidFill>
+                  <a:schemeClr val="bg1"/>
+                </a:solidFill>
+              </a:rPr>
+              <a:t>User3</a:t>
+            </a:r>
+            <a:endParaRPr lang="ru-RU" dirty="0">
+              <a:solidFill>
+                <a:schemeClr val="bg1"/>
+              </a:solidFill>
+            </a:endParaRPr>
+          </a:p>
+        </p:txBody>
+      </p:sp>
+      <p:sp>
+        <p:nvSpPr>
+          <p:cNvPr id="7" name="Rectangle 6"/>
           <p:cNvSpPr/>
           <p:nvPr/>
         </p:nvSpPr>
         <p:spPr>
           <a:xfrm>
-            <a:off x="9117022" y="5298577"/>
-            <a:ext cx="832194" cy="420226"/>
-          </a:xfrm>
-          <a:prstGeom prst="rect">
-            <a:avLst/>
-          </a:prstGeom>
+            <a:off x="2983832" y="501679"/>
+            <a:ext cx="9005636" cy="6187879"/>
+          </a:xfrm>
+          <a:prstGeom prst="rect">
+            <a:avLst/>
+          </a:prstGeom>
+          <a:noFill/>
         </p:spPr>
         <p:style>
           <a:lnRef idx="2">
@@ -8927,14 +9158,193 @@
       </p:sp>
       <p:sp>
         <p:nvSpPr>
-          <p:cNvPr id="21" name="TextBox 20"/>
+          <p:cNvPr id="8" name="TextBox 7"/>
           <p:cNvSpPr txBox="1"/>
           <p:nvPr/>
         </p:nvSpPr>
         <p:spPr>
           <a:xfrm>
-            <a:off x="9204430" y="5303622"/>
-            <a:ext cx="676548" cy="369332"/>
+            <a:off x="3159457" y="613611"/>
+            <a:ext cx="8652680" cy="646331"/>
+          </a:xfrm>
+          <a:prstGeom prst="rect">
+            <a:avLst/>
+          </a:prstGeom>
+          <a:noFill/>
+        </p:spPr>
+        <p:txBody>
+          <a:bodyPr wrap="square" rtlCol="0">
+            <a:spAutoFit/>
+          </a:bodyPr>
+          <a:lstStyle/>
+          <a:p>
+            <a:r>
+              <a:rPr lang="en-US" dirty="0" smtClean="0"/>
+              <a:t>1/16/2021</a:t>
+            </a:r>
+          </a:p>
+          <a:p>
+            <a:r>
+              <a:rPr lang="en-US" dirty="0" smtClean="0"/>
+              <a:t>Message content</a:t>
+            </a:r>
+            <a:endParaRPr lang="ru-RU" dirty="0"/>
+          </a:p>
+        </p:txBody>
+      </p:sp>
+      <p:sp>
+        <p:nvSpPr>
+          <p:cNvPr id="9" name="TextBox 8"/>
+          <p:cNvSpPr txBox="1"/>
+          <p:nvPr/>
+        </p:nvSpPr>
+        <p:spPr>
+          <a:xfrm>
+            <a:off x="3159457" y="1490774"/>
+            <a:ext cx="8652680" cy="646331"/>
+          </a:xfrm>
+          <a:prstGeom prst="rect">
+            <a:avLst/>
+          </a:prstGeom>
+          <a:noFill/>
+        </p:spPr>
+        <p:txBody>
+          <a:bodyPr wrap="square" rtlCol="0">
+            <a:spAutoFit/>
+          </a:bodyPr>
+          <a:lstStyle/>
+          <a:p>
+            <a:r>
+              <a:rPr lang="en-US" dirty="0" smtClean="0"/>
+              <a:t>1/15/2021</a:t>
+            </a:r>
+          </a:p>
+          <a:p>
+            <a:r>
+              <a:rPr lang="en-US" dirty="0" smtClean="0"/>
+              <a:t>Message content</a:t>
+            </a:r>
+            <a:endParaRPr lang="ru-RU" dirty="0"/>
+          </a:p>
+        </p:txBody>
+      </p:sp>
+      <p:sp>
+        <p:nvSpPr>
+          <p:cNvPr id="10" name="TextBox 9"/>
+          <p:cNvSpPr txBox="1"/>
+          <p:nvPr/>
+        </p:nvSpPr>
+        <p:spPr>
+          <a:xfrm>
+            <a:off x="3159457" y="2327268"/>
+            <a:ext cx="8652680" cy="646331"/>
+          </a:xfrm>
+          <a:prstGeom prst="rect">
+            <a:avLst/>
+          </a:prstGeom>
+          <a:noFill/>
+        </p:spPr>
+        <p:txBody>
+          <a:bodyPr wrap="square" rtlCol="0">
+            <a:spAutoFit/>
+          </a:bodyPr>
+          <a:lstStyle/>
+          <a:p>
+            <a:r>
+              <a:rPr lang="en-US" dirty="0" smtClean="0"/>
+              <a:t>1/14/2021</a:t>
+            </a:r>
+          </a:p>
+          <a:p>
+            <a:r>
+              <a:rPr lang="en-US" dirty="0" smtClean="0"/>
+              <a:t>Message content</a:t>
+            </a:r>
+            <a:endParaRPr lang="ru-RU" dirty="0"/>
+          </a:p>
+        </p:txBody>
+      </p:sp>
+      <p:sp>
+        <p:nvSpPr>
+          <p:cNvPr id="11" name="Rectangle 10"/>
+          <p:cNvSpPr/>
+          <p:nvPr/>
+        </p:nvSpPr>
+        <p:spPr>
+          <a:xfrm>
+            <a:off x="3057099" y="4892722"/>
+            <a:ext cx="8850573" cy="1228299"/>
+          </a:xfrm>
+          <a:prstGeom prst="rect">
+            <a:avLst/>
+          </a:prstGeom>
+          <a:noFill/>
+        </p:spPr>
+        <p:style>
+          <a:lnRef idx="2">
+            <a:schemeClr val="accent1">
+              <a:shade val="50000"/>
+            </a:schemeClr>
+          </a:lnRef>
+          <a:fillRef idx="1">
+            <a:schemeClr val="accent1"/>
+          </a:fillRef>
+          <a:effectRef idx="0">
+            <a:schemeClr val="accent1"/>
+          </a:effectRef>
+          <a:fontRef idx="minor">
+            <a:schemeClr val="lt1"/>
+          </a:fontRef>
+        </p:style>
+        <p:txBody>
+          <a:bodyPr rtlCol="0" anchor="ctr"/>
+          <a:lstStyle/>
+          <a:p>
+            <a:pPr algn="ctr"/>
+            <a:endParaRPr lang="ru-RU"/>
+          </a:p>
+        </p:txBody>
+      </p:sp>
+      <p:sp>
+        <p:nvSpPr>
+          <p:cNvPr id="12" name="TextBox 11"/>
+          <p:cNvSpPr txBox="1"/>
+          <p:nvPr/>
+        </p:nvSpPr>
+        <p:spPr>
+          <a:xfrm>
+            <a:off x="3159457" y="4956651"/>
+            <a:ext cx="7096835" cy="369332"/>
+          </a:xfrm>
+          <a:prstGeom prst="rect">
+            <a:avLst/>
+          </a:prstGeom>
+          <a:noFill/>
+        </p:spPr>
+        <p:txBody>
+          <a:bodyPr wrap="square" rtlCol="0">
+            <a:spAutoFit/>
+          </a:bodyPr>
+          <a:lstStyle/>
+          <a:p>
+            <a:r>
+              <a:rPr lang="en-US" dirty="0" smtClean="0"/>
+              <a:t>This is a response from administrator</a:t>
+            </a:r>
+            <a:endParaRPr lang="ru-RU" dirty="0"/>
+          </a:p>
+        </p:txBody>
+      </p:sp>
+      <p:sp>
+        <p:nvSpPr>
+          <p:cNvPr id="13" name="TextBox 12"/>
+          <p:cNvSpPr txBox="1"/>
+          <p:nvPr/>
+        </p:nvSpPr>
+        <p:spPr>
+          <a:xfrm>
+            <a:off x="10406419" y="6220623"/>
+            <a:ext cx="668740" cy="369332"/>
           </a:xfrm>
           <a:prstGeom prst="rect">
             <a:avLst/>
@@ -8953,7 +9363,7 @@
                   <a:schemeClr val="bg1"/>
                 </a:solidFill>
               </a:rPr>
-              <a:t>Save</a:t>
+              <a:t>Send</a:t>
             </a:r>
             <a:endParaRPr lang="ru-RU" dirty="0">
               <a:solidFill>
@@ -8965,14 +9375,14 @@
       </p:sp>
       <p:sp>
         <p:nvSpPr>
-          <p:cNvPr id="22" name="TextBox 21"/>
+          <p:cNvPr id="14" name="TextBox 13"/>
           <p:cNvSpPr txBox="1"/>
           <p:nvPr/>
         </p:nvSpPr>
         <p:spPr>
           <a:xfrm>
-            <a:off x="4844954" y="1105469"/>
-            <a:ext cx="4981433" cy="923330"/>
+            <a:off x="11279740" y="6220623"/>
+            <a:ext cx="787933" cy="369332"/>
           </a:xfrm>
           <a:prstGeom prst="rect">
             <a:avLst/>
@@ -8986,36 +9396,38 @@
           <a:lstStyle/>
           <a:p>
             <a:r>
-              <a:rPr lang="en-US" dirty="0" smtClean="0"/>
-              <a:t>Date joined:  05/21/2020</a:t>
-            </a:r>
-          </a:p>
-          <a:p>
-            <a:endParaRPr lang="en-US" dirty="0"/>
-          </a:p>
-          <a:p>
-            <a:r>
-              <a:rPr lang="en-US" dirty="0" smtClean="0"/>
-              <a:t>Last locked</a:t>
-            </a:r>
-            <a:r>
-              <a:rPr lang="en-US" smtClean="0"/>
-              <a:t>:   -</a:t>
-            </a:r>
-            <a:endParaRPr lang="en-US" dirty="0"/>
+              <a:rPr lang="en-US" dirty="0" smtClean="0">
+                <a:solidFill>
+                  <a:schemeClr val="bg1"/>
+                </a:solidFill>
+              </a:rPr>
+              <a:t>Clear</a:t>
+            </a:r>
+            <a:endParaRPr lang="ru-RU" dirty="0">
+              <a:solidFill>
+                <a:schemeClr val="bg1"/>
+              </a:solidFill>
+            </a:endParaRPr>
           </a:p>
         </p:txBody>
       </p:sp>
     </p:spTree>
     <p:extLst>
       <p:ext uri="{BB962C8B-B14F-4D97-AF65-F5344CB8AC3E}">
-        <p14:creationId xmlns:p14="http://schemas.microsoft.com/office/powerpoint/2010/main" val="58588882"/>
+        <p14:creationId xmlns:p14="http://schemas.microsoft.com/office/powerpoint/2010/main" val="107874797"/>
       </p:ext>
     </p:extLst>
   </p:cSld>
   <p:clrMapOvr>
     <a:masterClrMapping/>
   </p:clrMapOvr>
+  <p:timing>
+    <p:tnLst>
+      <p:par>
+        <p:cTn id="1" dur="indefinite" restart="never" nodeType="tmRoot"/>
+      </p:par>
+    </p:tnLst>
+  </p:timing>
 </p:sld>
 </file>
 
@@ -9310,6 +9722,609 @@
       </p:par>
     </p:tnLst>
   </p:timing>
+</p:sld>
+</file>
+
+<file path=ppt/slides/slide20.xml><?xml version="1.0" encoding="utf-8"?>
+<p:sld xmlns:a="http://schemas.openxmlformats.org/drawingml/2006/main" xmlns:r="http://schemas.openxmlformats.org/officeDocument/2006/relationships" xmlns:p="http://schemas.openxmlformats.org/presentationml/2006/main">
+  <p:cSld>
+    <p:spTree>
+      <p:nvGrpSpPr>
+        <p:cNvPr id="1" name=""/>
+        <p:cNvGrpSpPr/>
+        <p:nvPr/>
+      </p:nvGrpSpPr>
+      <p:grpSpPr>
+        <a:xfrm>
+          <a:off x="0" y="0"/>
+          <a:ext cx="0" cy="0"/>
+          <a:chOff x="0" y="0"/>
+          <a:chExt cx="0" cy="0"/>
+        </a:xfrm>
+      </p:grpSpPr>
+      <p:sp>
+        <p:nvSpPr>
+          <p:cNvPr id="4" name="TextBox 3"/>
+          <p:cNvSpPr txBox="1"/>
+          <p:nvPr/>
+        </p:nvSpPr>
+        <p:spPr>
+          <a:xfrm>
+            <a:off x="264695" y="222584"/>
+            <a:ext cx="7321216" cy="369332"/>
+          </a:xfrm>
+          <a:prstGeom prst="rect">
+            <a:avLst/>
+          </a:prstGeom>
+          <a:noFill/>
+        </p:spPr>
+        <p:txBody>
+          <a:bodyPr wrap="square" rtlCol="0">
+            <a:spAutoFit/>
+          </a:bodyPr>
+          <a:lstStyle/>
+          <a:p>
+            <a:r>
+              <a:rPr lang="en-US" dirty="0" smtClean="0"/>
+              <a:t>User Profile</a:t>
+            </a:r>
+            <a:endParaRPr lang="ru-RU" dirty="0"/>
+          </a:p>
+        </p:txBody>
+      </p:sp>
+      <p:sp>
+        <p:nvSpPr>
+          <p:cNvPr id="5" name="TextBox 4"/>
+          <p:cNvSpPr txBox="1"/>
+          <p:nvPr/>
+        </p:nvSpPr>
+        <p:spPr>
+          <a:xfrm>
+            <a:off x="9581587" y="591916"/>
+            <a:ext cx="2449992" cy="307777"/>
+          </a:xfrm>
+          <a:prstGeom prst="rect">
+            <a:avLst/>
+          </a:prstGeom>
+          <a:noFill/>
+        </p:spPr>
+        <p:txBody>
+          <a:bodyPr wrap="square" rtlCol="0">
+            <a:spAutoFit/>
+          </a:bodyPr>
+          <a:lstStyle/>
+          <a:p>
+            <a:r>
+              <a:rPr lang="en-US" sz="1400" dirty="0" smtClean="0">
+                <a:solidFill>
+                  <a:schemeClr val="accent5"/>
+                </a:solidFill>
+              </a:rPr>
+              <a:t>Welcome, Admin! | Sign out…</a:t>
+            </a:r>
+            <a:endParaRPr lang="ru-RU" sz="1400" dirty="0">
+              <a:solidFill>
+                <a:schemeClr val="accent5"/>
+              </a:solidFill>
+            </a:endParaRPr>
+          </a:p>
+        </p:txBody>
+      </p:sp>
+      <p:sp>
+        <p:nvSpPr>
+          <p:cNvPr id="6" name="Rectangle 5"/>
+          <p:cNvSpPr/>
+          <p:nvPr/>
+        </p:nvSpPr>
+        <p:spPr>
+          <a:xfrm>
+            <a:off x="264696" y="899692"/>
+            <a:ext cx="11833058" cy="5892133"/>
+          </a:xfrm>
+          <a:prstGeom prst="rect">
+            <a:avLst/>
+          </a:prstGeom>
+          <a:noFill/>
+        </p:spPr>
+        <p:style>
+          <a:lnRef idx="2">
+            <a:schemeClr val="accent1">
+              <a:shade val="50000"/>
+            </a:schemeClr>
+          </a:lnRef>
+          <a:fillRef idx="1">
+            <a:schemeClr val="accent1"/>
+          </a:fillRef>
+          <a:effectRef idx="0">
+            <a:schemeClr val="accent1"/>
+          </a:effectRef>
+          <a:fontRef idx="minor">
+            <a:schemeClr val="lt1"/>
+          </a:fontRef>
+        </p:style>
+        <p:txBody>
+          <a:bodyPr rtlCol="0" anchor="ctr"/>
+          <a:lstStyle/>
+          <a:p>
+            <a:pPr algn="ctr"/>
+            <a:endParaRPr lang="ru-RU"/>
+          </a:p>
+        </p:txBody>
+      </p:sp>
+      <p:sp>
+        <p:nvSpPr>
+          <p:cNvPr id="7" name="TextBox 6"/>
+          <p:cNvSpPr txBox="1"/>
+          <p:nvPr/>
+        </p:nvSpPr>
+        <p:spPr>
+          <a:xfrm>
+            <a:off x="525439" y="1153236"/>
+            <a:ext cx="3671248" cy="369332"/>
+          </a:xfrm>
+          <a:prstGeom prst="rect">
+            <a:avLst/>
+          </a:prstGeom>
+          <a:noFill/>
+        </p:spPr>
+        <p:txBody>
+          <a:bodyPr wrap="square" rtlCol="0">
+            <a:spAutoFit/>
+          </a:bodyPr>
+          <a:lstStyle/>
+          <a:p>
+            <a:r>
+              <a:rPr lang="en-US" dirty="0" smtClean="0"/>
+              <a:t>Name:</a:t>
+            </a:r>
+            <a:endParaRPr lang="ru-RU" dirty="0"/>
+          </a:p>
+        </p:txBody>
+      </p:sp>
+      <p:sp>
+        <p:nvSpPr>
+          <p:cNvPr id="9" name="TextBox 8"/>
+          <p:cNvSpPr txBox="1"/>
+          <p:nvPr/>
+        </p:nvSpPr>
+        <p:spPr>
+          <a:xfrm>
+            <a:off x="525439" y="1621340"/>
+            <a:ext cx="7206018" cy="369332"/>
+          </a:xfrm>
+          <a:prstGeom prst="rect">
+            <a:avLst/>
+          </a:prstGeom>
+          <a:noFill/>
+        </p:spPr>
+        <p:txBody>
+          <a:bodyPr wrap="square" rtlCol="0">
+            <a:spAutoFit/>
+          </a:bodyPr>
+          <a:lstStyle/>
+          <a:p>
+            <a:r>
+              <a:rPr lang="en-US" dirty="0" smtClean="0"/>
+              <a:t>Email:    alex.svs.fl@gmail.com</a:t>
+            </a:r>
+            <a:endParaRPr lang="ru-RU" dirty="0"/>
+          </a:p>
+        </p:txBody>
+      </p:sp>
+      <p:sp>
+        <p:nvSpPr>
+          <p:cNvPr id="12" name="TextBox 11"/>
+          <p:cNvSpPr txBox="1"/>
+          <p:nvPr/>
+        </p:nvSpPr>
+        <p:spPr>
+          <a:xfrm>
+            <a:off x="525439" y="2090852"/>
+            <a:ext cx="2019869" cy="369332"/>
+          </a:xfrm>
+          <a:prstGeom prst="rect">
+            <a:avLst/>
+          </a:prstGeom>
+          <a:noFill/>
+        </p:spPr>
+        <p:txBody>
+          <a:bodyPr wrap="square" rtlCol="0">
+            <a:spAutoFit/>
+          </a:bodyPr>
+          <a:lstStyle/>
+          <a:p>
+            <a:r>
+              <a:rPr lang="en-US" dirty="0" smtClean="0"/>
+              <a:t>Status:</a:t>
+            </a:r>
+            <a:endParaRPr lang="ru-RU" dirty="0"/>
+          </a:p>
+        </p:txBody>
+      </p:sp>
+      <p:sp>
+        <p:nvSpPr>
+          <p:cNvPr id="13" name="TextBox 12"/>
+          <p:cNvSpPr txBox="1"/>
+          <p:nvPr/>
+        </p:nvSpPr>
+        <p:spPr>
+          <a:xfrm>
+            <a:off x="1308345" y="2090852"/>
+            <a:ext cx="2616958" cy="369332"/>
+          </a:xfrm>
+          <a:prstGeom prst="rect">
+            <a:avLst/>
+          </a:prstGeom>
+          <a:noFill/>
+        </p:spPr>
+        <p:txBody>
+          <a:bodyPr wrap="square" rtlCol="0">
+            <a:spAutoFit/>
+          </a:bodyPr>
+          <a:lstStyle/>
+          <a:p>
+            <a:r>
+              <a:rPr lang="en-US" dirty="0" smtClean="0"/>
+              <a:t>Active</a:t>
+            </a:r>
+            <a:endParaRPr lang="ru-RU" dirty="0"/>
+          </a:p>
+        </p:txBody>
+      </p:sp>
+      <p:sp>
+        <p:nvSpPr>
+          <p:cNvPr id="14" name="Rectangle 13"/>
+          <p:cNvSpPr/>
+          <p:nvPr/>
+        </p:nvSpPr>
+        <p:spPr>
+          <a:xfrm>
+            <a:off x="1361364" y="2090852"/>
+            <a:ext cx="945108" cy="369332"/>
+          </a:xfrm>
+          <a:prstGeom prst="rect">
+            <a:avLst/>
+          </a:prstGeom>
+          <a:noFill/>
+        </p:spPr>
+        <p:style>
+          <a:lnRef idx="2">
+            <a:schemeClr val="accent1">
+              <a:shade val="50000"/>
+            </a:schemeClr>
+          </a:lnRef>
+          <a:fillRef idx="1">
+            <a:schemeClr val="accent1"/>
+          </a:fillRef>
+          <a:effectRef idx="0">
+            <a:schemeClr val="accent1"/>
+          </a:effectRef>
+          <a:fontRef idx="minor">
+            <a:schemeClr val="lt1"/>
+          </a:fontRef>
+        </p:style>
+        <p:txBody>
+          <a:bodyPr rtlCol="0" anchor="ctr"/>
+          <a:lstStyle/>
+          <a:p>
+            <a:pPr algn="ctr"/>
+            <a:endParaRPr lang="ru-RU"/>
+          </a:p>
+        </p:txBody>
+      </p:sp>
+      <p:sp>
+        <p:nvSpPr>
+          <p:cNvPr id="15" name="Прямоугольник 26"/>
+          <p:cNvSpPr/>
+          <p:nvPr/>
+        </p:nvSpPr>
+        <p:spPr>
+          <a:xfrm>
+            <a:off x="2042651" y="2088107"/>
+            <a:ext cx="255493" cy="365527"/>
+          </a:xfrm>
+          <a:prstGeom prst="rect">
+            <a:avLst/>
+          </a:prstGeom>
+          <a:noFill/>
+        </p:spPr>
+        <p:style>
+          <a:lnRef idx="2">
+            <a:schemeClr val="accent1">
+              <a:shade val="50000"/>
+            </a:schemeClr>
+          </a:lnRef>
+          <a:fillRef idx="1">
+            <a:schemeClr val="accent1"/>
+          </a:fillRef>
+          <a:effectRef idx="0">
+            <a:schemeClr val="accent1"/>
+          </a:effectRef>
+          <a:fontRef idx="minor">
+            <a:schemeClr val="lt1"/>
+          </a:fontRef>
+        </p:style>
+        <p:txBody>
+          <a:bodyPr rtlCol="0" anchor="ctr"/>
+          <a:lstStyle/>
+          <a:p>
+            <a:pPr algn="ctr"/>
+            <a:endParaRPr lang="ru-RU"/>
+          </a:p>
+        </p:txBody>
+      </p:sp>
+      <p:sp>
+        <p:nvSpPr>
+          <p:cNvPr id="16" name="Блок-схема: объединение 27"/>
+          <p:cNvSpPr/>
+          <p:nvPr/>
+        </p:nvSpPr>
+        <p:spPr>
+          <a:xfrm>
+            <a:off x="2096436" y="2189624"/>
+            <a:ext cx="156913" cy="209875"/>
+          </a:xfrm>
+          <a:prstGeom prst="flowChartMerge">
+            <a:avLst/>
+          </a:prstGeom>
+        </p:spPr>
+        <p:style>
+          <a:lnRef idx="2">
+            <a:schemeClr val="accent1">
+              <a:shade val="50000"/>
+            </a:schemeClr>
+          </a:lnRef>
+          <a:fillRef idx="1">
+            <a:schemeClr val="accent1"/>
+          </a:fillRef>
+          <a:effectRef idx="0">
+            <a:schemeClr val="accent1"/>
+          </a:effectRef>
+          <a:fontRef idx="minor">
+            <a:schemeClr val="lt1"/>
+          </a:fontRef>
+        </p:style>
+        <p:txBody>
+          <a:bodyPr rtlCol="0" anchor="ctr"/>
+          <a:lstStyle/>
+          <a:p>
+            <a:pPr algn="ctr"/>
+            <a:endParaRPr lang="ru-RU"/>
+          </a:p>
+        </p:txBody>
+      </p:sp>
+      <p:sp>
+        <p:nvSpPr>
+          <p:cNvPr id="17" name="Rectangle 16"/>
+          <p:cNvSpPr/>
+          <p:nvPr/>
+        </p:nvSpPr>
+        <p:spPr>
+          <a:xfrm>
+            <a:off x="627797" y="3074187"/>
+            <a:ext cx="9287302" cy="2050548"/>
+          </a:xfrm>
+          <a:prstGeom prst="rect">
+            <a:avLst/>
+          </a:prstGeom>
+          <a:noFill/>
+        </p:spPr>
+        <p:style>
+          <a:lnRef idx="2">
+            <a:schemeClr val="accent1">
+              <a:shade val="50000"/>
+            </a:schemeClr>
+          </a:lnRef>
+          <a:fillRef idx="1">
+            <a:schemeClr val="accent1"/>
+          </a:fillRef>
+          <a:effectRef idx="0">
+            <a:schemeClr val="accent1"/>
+          </a:effectRef>
+          <a:fontRef idx="minor">
+            <a:schemeClr val="lt1"/>
+          </a:fontRef>
+        </p:style>
+        <p:txBody>
+          <a:bodyPr rtlCol="0" anchor="ctr"/>
+          <a:lstStyle/>
+          <a:p>
+            <a:pPr algn="ctr"/>
+            <a:endParaRPr lang="ru-RU"/>
+          </a:p>
+        </p:txBody>
+      </p:sp>
+      <p:sp>
+        <p:nvSpPr>
+          <p:cNvPr id="18" name="TextBox 17"/>
+          <p:cNvSpPr txBox="1"/>
+          <p:nvPr/>
+        </p:nvSpPr>
+        <p:spPr>
+          <a:xfrm>
+            <a:off x="525439" y="2644169"/>
+            <a:ext cx="2579427" cy="369332"/>
+          </a:xfrm>
+          <a:prstGeom prst="rect">
+            <a:avLst/>
+          </a:prstGeom>
+          <a:noFill/>
+        </p:spPr>
+        <p:txBody>
+          <a:bodyPr wrap="square" rtlCol="0">
+            <a:spAutoFit/>
+          </a:bodyPr>
+          <a:lstStyle/>
+          <a:p>
+            <a:r>
+              <a:rPr lang="en-US" dirty="0" smtClean="0"/>
+              <a:t>Comment:</a:t>
+            </a:r>
+            <a:endParaRPr lang="ru-RU" dirty="0"/>
+          </a:p>
+        </p:txBody>
+      </p:sp>
+      <p:sp>
+        <p:nvSpPr>
+          <p:cNvPr id="19" name="TextBox 18"/>
+          <p:cNvSpPr txBox="1"/>
+          <p:nvPr/>
+        </p:nvSpPr>
+        <p:spPr>
+          <a:xfrm>
+            <a:off x="1308345" y="1153236"/>
+            <a:ext cx="4455994" cy="369332"/>
+          </a:xfrm>
+          <a:prstGeom prst="rect">
+            <a:avLst/>
+          </a:prstGeom>
+          <a:noFill/>
+        </p:spPr>
+        <p:txBody>
+          <a:bodyPr wrap="square" rtlCol="0">
+            <a:spAutoFit/>
+          </a:bodyPr>
+          <a:lstStyle/>
+          <a:p>
+            <a:r>
+              <a:rPr lang="en-US" dirty="0" smtClean="0"/>
+              <a:t>Alex</a:t>
+            </a:r>
+            <a:endParaRPr lang="ru-RU" dirty="0"/>
+          </a:p>
+        </p:txBody>
+      </p:sp>
+      <p:sp>
+        <p:nvSpPr>
+          <p:cNvPr id="20" name="Прямоугольник 31"/>
+          <p:cNvSpPr/>
+          <p:nvPr/>
+        </p:nvSpPr>
+        <p:spPr>
+          <a:xfrm>
+            <a:off x="9117022" y="5298577"/>
+            <a:ext cx="832194" cy="420226"/>
+          </a:xfrm>
+          <a:prstGeom prst="rect">
+            <a:avLst/>
+          </a:prstGeom>
+        </p:spPr>
+        <p:style>
+          <a:lnRef idx="2">
+            <a:schemeClr val="accent1">
+              <a:shade val="50000"/>
+            </a:schemeClr>
+          </a:lnRef>
+          <a:fillRef idx="1">
+            <a:schemeClr val="accent1"/>
+          </a:fillRef>
+          <a:effectRef idx="0">
+            <a:schemeClr val="accent1"/>
+          </a:effectRef>
+          <a:fontRef idx="minor">
+            <a:schemeClr val="lt1"/>
+          </a:fontRef>
+        </p:style>
+        <p:txBody>
+          <a:bodyPr rtlCol="0" anchor="ctr"/>
+          <a:lstStyle/>
+          <a:p>
+            <a:pPr algn="ctr"/>
+            <a:endParaRPr lang="ru-RU"/>
+          </a:p>
+        </p:txBody>
+      </p:sp>
+      <p:sp>
+        <p:nvSpPr>
+          <p:cNvPr id="21" name="TextBox 20"/>
+          <p:cNvSpPr txBox="1"/>
+          <p:nvPr/>
+        </p:nvSpPr>
+        <p:spPr>
+          <a:xfrm>
+            <a:off x="9204430" y="5303622"/>
+            <a:ext cx="676548" cy="369332"/>
+          </a:xfrm>
+          <a:prstGeom prst="rect">
+            <a:avLst/>
+          </a:prstGeom>
+          <a:noFill/>
+        </p:spPr>
+        <p:txBody>
+          <a:bodyPr wrap="square" rtlCol="0">
+            <a:spAutoFit/>
+          </a:bodyPr>
+          <a:lstStyle/>
+          <a:p>
+            <a:r>
+              <a:rPr lang="en-US" dirty="0" smtClean="0">
+                <a:solidFill>
+                  <a:schemeClr val="bg1"/>
+                </a:solidFill>
+              </a:rPr>
+              <a:t>Save</a:t>
+            </a:r>
+            <a:endParaRPr lang="ru-RU" dirty="0">
+              <a:solidFill>
+                <a:schemeClr val="bg1"/>
+              </a:solidFill>
+            </a:endParaRPr>
+          </a:p>
+        </p:txBody>
+      </p:sp>
+      <p:sp>
+        <p:nvSpPr>
+          <p:cNvPr id="22" name="TextBox 21"/>
+          <p:cNvSpPr txBox="1"/>
+          <p:nvPr/>
+        </p:nvSpPr>
+        <p:spPr>
+          <a:xfrm>
+            <a:off x="4844954" y="1105469"/>
+            <a:ext cx="4981433" cy="923330"/>
+          </a:xfrm>
+          <a:prstGeom prst="rect">
+            <a:avLst/>
+          </a:prstGeom>
+          <a:noFill/>
+        </p:spPr>
+        <p:txBody>
+          <a:bodyPr wrap="square" rtlCol="0">
+            <a:spAutoFit/>
+          </a:bodyPr>
+          <a:lstStyle/>
+          <a:p>
+            <a:r>
+              <a:rPr lang="en-US" dirty="0" smtClean="0"/>
+              <a:t>Date joined:  05/21/2020</a:t>
+            </a:r>
+          </a:p>
+          <a:p>
+            <a:endParaRPr lang="en-US" dirty="0"/>
+          </a:p>
+          <a:p>
+            <a:r>
+              <a:rPr lang="en-US" dirty="0" smtClean="0"/>
+              <a:t>Last locked</a:t>
+            </a:r>
+            <a:r>
+              <a:rPr lang="en-US" smtClean="0"/>
+              <a:t>:   -</a:t>
+            </a:r>
+            <a:endParaRPr lang="en-US" dirty="0"/>
+          </a:p>
+        </p:txBody>
+      </p:sp>
+    </p:spTree>
+    <p:extLst>
+      <p:ext uri="{BB962C8B-B14F-4D97-AF65-F5344CB8AC3E}">
+        <p14:creationId xmlns:p14="http://schemas.microsoft.com/office/powerpoint/2010/main" val="58588882"/>
+      </p:ext>
+    </p:extLst>
+  </p:cSld>
+  <p:clrMapOvr>
+    <a:masterClrMapping/>
+  </p:clrMapOvr>
 </p:sld>
 </file>
 

--- a/Specs.pptx
+++ b/Specs.pptx
@@ -5,7 +5,7 @@
     <p:sldMasterId id="2147483648" r:id="rId1"/>
   </p:sldMasterIdLst>
   <p:notesMasterIdLst>
-    <p:notesMasterId r:id="rId22"/>
+    <p:notesMasterId r:id="rId24"/>
   </p:notesMasterIdLst>
   <p:sldIdLst>
     <p:sldId id="256" r:id="rId2"/>
@@ -14,20 +14,22 @@
     <p:sldId id="259" r:id="rId5"/>
     <p:sldId id="264" r:id="rId6"/>
     <p:sldId id="265" r:id="rId7"/>
-    <p:sldId id="260" r:id="rId8"/>
-    <p:sldId id="261" r:id="rId9"/>
-    <p:sldId id="262" r:id="rId10"/>
-    <p:sldId id="263" r:id="rId11"/>
-    <p:sldId id="270" r:id="rId12"/>
-    <p:sldId id="266" r:id="rId13"/>
-    <p:sldId id="267" r:id="rId14"/>
-    <p:sldId id="268" r:id="rId15"/>
-    <p:sldId id="269" r:id="rId16"/>
-    <p:sldId id="273" r:id="rId17"/>
-    <p:sldId id="271" r:id="rId18"/>
-    <p:sldId id="275" r:id="rId19"/>
-    <p:sldId id="274" r:id="rId20"/>
-    <p:sldId id="272" r:id="rId21"/>
+    <p:sldId id="277" r:id="rId8"/>
+    <p:sldId id="260" r:id="rId9"/>
+    <p:sldId id="261" r:id="rId10"/>
+    <p:sldId id="262" r:id="rId11"/>
+    <p:sldId id="263" r:id="rId12"/>
+    <p:sldId id="270" r:id="rId13"/>
+    <p:sldId id="266" r:id="rId14"/>
+    <p:sldId id="267" r:id="rId15"/>
+    <p:sldId id="268" r:id="rId16"/>
+    <p:sldId id="269" r:id="rId17"/>
+    <p:sldId id="273" r:id="rId18"/>
+    <p:sldId id="271" r:id="rId19"/>
+    <p:sldId id="275" r:id="rId20"/>
+    <p:sldId id="276" r:id="rId21"/>
+    <p:sldId id="274" r:id="rId22"/>
+    <p:sldId id="272" r:id="rId23"/>
   </p:sldIdLst>
   <p:sldSz cx="12192000" cy="6858000"/>
   <p:notesSz cx="6858000" cy="9144000"/>
@@ -134,6 +136,18 @@
 </p:presentation>
 </file>
 
+<file path=ppt/commentAuthors.xml><?xml version="1.0" encoding="utf-8"?>
+<p:cmAuthorLst xmlns:a="http://schemas.openxmlformats.org/drawingml/2006/main" xmlns:r="http://schemas.openxmlformats.org/officeDocument/2006/relationships" xmlns:p="http://schemas.openxmlformats.org/presentationml/2006/main">
+  <p:cmAuthor id="1" name="Oleksandr Flanchyk" initials="OF" lastIdx="2" clrIdx="0">
+    <p:extLst>
+      <p:ext uri="{19B8F6BF-5375-455C-9EA6-DF929625EA0E}">
+        <p15:presenceInfo xmlns:p15="http://schemas.microsoft.com/office/powerpoint/2012/main" userId="55540a49de11f7d4" providerId="Windows Live"/>
+      </p:ext>
+    </p:extLst>
+  </p:cmAuthor>
+</p:cmAuthorLst>
+</file>
+
 <file path=ppt/notesMasters/notesMaster1.xml><?xml version="1.0" encoding="utf-8"?>
 <p:notesMaster xmlns:a="http://schemas.openxmlformats.org/drawingml/2006/main" xmlns:r="http://schemas.openxmlformats.org/officeDocument/2006/relationships" xmlns:p="http://schemas.openxmlformats.org/presentationml/2006/main">
   <p:cSld>
@@ -216,7 +230,7 @@
           <a:p>
             <a:fld id="{5A49B920-2512-410B-B58F-4F9F15F8D3A5}" type="datetimeFigureOut">
               <a:rPr lang="ru-RU" smtClean="0"/>
-              <a:t>23.01.2021</a:t>
+              <a:t>25.03.2021</a:t>
             </a:fld>
             <a:endParaRPr lang="ru-RU"/>
           </a:p>
@@ -615,7 +629,7 @@
           <a:p>
             <a:fld id="{A2EC0EAC-ECEF-44E1-B933-C13F370113F6}" type="datetimeFigureOut">
               <a:rPr lang="ru-RU" smtClean="0"/>
-              <a:t>23.01.2021</a:t>
+              <a:t>25.03.2021</a:t>
             </a:fld>
             <a:endParaRPr lang="ru-RU"/>
           </a:p>
@@ -785,7 +799,7 @@
           <a:p>
             <a:fld id="{A2EC0EAC-ECEF-44E1-B933-C13F370113F6}" type="datetimeFigureOut">
               <a:rPr lang="ru-RU" smtClean="0"/>
-              <a:t>23.01.2021</a:t>
+              <a:t>25.03.2021</a:t>
             </a:fld>
             <a:endParaRPr lang="ru-RU"/>
           </a:p>
@@ -965,7 +979,7 @@
           <a:p>
             <a:fld id="{A2EC0EAC-ECEF-44E1-B933-C13F370113F6}" type="datetimeFigureOut">
               <a:rPr lang="ru-RU" smtClean="0"/>
-              <a:t>23.01.2021</a:t>
+              <a:t>25.03.2021</a:t>
             </a:fld>
             <a:endParaRPr lang="ru-RU"/>
           </a:p>
@@ -1135,7 +1149,7 @@
           <a:p>
             <a:fld id="{A2EC0EAC-ECEF-44E1-B933-C13F370113F6}" type="datetimeFigureOut">
               <a:rPr lang="ru-RU" smtClean="0"/>
-              <a:t>23.01.2021</a:t>
+              <a:t>25.03.2021</a:t>
             </a:fld>
             <a:endParaRPr lang="ru-RU"/>
           </a:p>
@@ -1381,7 +1395,7 @@
           <a:p>
             <a:fld id="{A2EC0EAC-ECEF-44E1-B933-C13F370113F6}" type="datetimeFigureOut">
               <a:rPr lang="ru-RU" smtClean="0"/>
-              <a:t>23.01.2021</a:t>
+              <a:t>25.03.2021</a:t>
             </a:fld>
             <a:endParaRPr lang="ru-RU"/>
           </a:p>
@@ -1613,7 +1627,7 @@
           <a:p>
             <a:fld id="{A2EC0EAC-ECEF-44E1-B933-C13F370113F6}" type="datetimeFigureOut">
               <a:rPr lang="ru-RU" smtClean="0"/>
-              <a:t>23.01.2021</a:t>
+              <a:t>25.03.2021</a:t>
             </a:fld>
             <a:endParaRPr lang="ru-RU"/>
           </a:p>
@@ -1980,7 +1994,7 @@
           <a:p>
             <a:fld id="{A2EC0EAC-ECEF-44E1-B933-C13F370113F6}" type="datetimeFigureOut">
               <a:rPr lang="ru-RU" smtClean="0"/>
-              <a:t>23.01.2021</a:t>
+              <a:t>25.03.2021</a:t>
             </a:fld>
             <a:endParaRPr lang="ru-RU"/>
           </a:p>
@@ -2098,7 +2112,7 @@
           <a:p>
             <a:fld id="{A2EC0EAC-ECEF-44E1-B933-C13F370113F6}" type="datetimeFigureOut">
               <a:rPr lang="ru-RU" smtClean="0"/>
-              <a:t>23.01.2021</a:t>
+              <a:t>25.03.2021</a:t>
             </a:fld>
             <a:endParaRPr lang="ru-RU"/>
           </a:p>
@@ -2193,7 +2207,7 @@
           <a:p>
             <a:fld id="{A2EC0EAC-ECEF-44E1-B933-C13F370113F6}" type="datetimeFigureOut">
               <a:rPr lang="ru-RU" smtClean="0"/>
-              <a:t>23.01.2021</a:t>
+              <a:t>25.03.2021</a:t>
             </a:fld>
             <a:endParaRPr lang="ru-RU"/>
           </a:p>
@@ -2470,7 +2484,7 @@
           <a:p>
             <a:fld id="{A2EC0EAC-ECEF-44E1-B933-C13F370113F6}" type="datetimeFigureOut">
               <a:rPr lang="ru-RU" smtClean="0"/>
-              <a:t>23.01.2021</a:t>
+              <a:t>25.03.2021</a:t>
             </a:fld>
             <a:endParaRPr lang="ru-RU"/>
           </a:p>
@@ -2723,7 +2737,7 @@
           <a:p>
             <a:fld id="{A2EC0EAC-ECEF-44E1-B933-C13F370113F6}" type="datetimeFigureOut">
               <a:rPr lang="ru-RU" smtClean="0"/>
-              <a:t>23.01.2021</a:t>
+              <a:t>25.03.2021</a:t>
             </a:fld>
             <a:endParaRPr lang="ru-RU"/>
           </a:p>
@@ -2936,7 +2950,7 @@
           <a:p>
             <a:fld id="{A2EC0EAC-ECEF-44E1-B933-C13F370113F6}" type="datetimeFigureOut">
               <a:rPr lang="ru-RU" smtClean="0"/>
-              <a:t>23.01.2021</a:t>
+              <a:t>25.03.2021</a:t>
             </a:fld>
             <a:endParaRPr lang="ru-RU"/>
           </a:p>
@@ -4830,6 +4844,547 @@
       </p:grpSpPr>
       <p:sp>
         <p:nvSpPr>
+          <p:cNvPr id="4" name="TextBox 3"/>
+          <p:cNvSpPr txBox="1"/>
+          <p:nvPr/>
+        </p:nvSpPr>
+        <p:spPr>
+          <a:xfrm>
+            <a:off x="100853" y="80683"/>
+            <a:ext cx="2407024" cy="369332"/>
+          </a:xfrm>
+          <a:prstGeom prst="rect">
+            <a:avLst/>
+          </a:prstGeom>
+          <a:noFill/>
+        </p:spPr>
+        <p:txBody>
+          <a:bodyPr wrap="square" rtlCol="0">
+            <a:spAutoFit/>
+          </a:bodyPr>
+          <a:lstStyle/>
+          <a:p>
+            <a:r>
+              <a:rPr lang="en-US" dirty="0" smtClean="0"/>
+              <a:t>Register screen</a:t>
+            </a:r>
+            <a:endParaRPr lang="ru-RU" dirty="0"/>
+          </a:p>
+        </p:txBody>
+      </p:sp>
+      <p:sp>
+        <p:nvSpPr>
+          <p:cNvPr id="5" name="Прямоугольник 4"/>
+          <p:cNvSpPr/>
+          <p:nvPr/>
+        </p:nvSpPr>
+        <p:spPr>
+          <a:xfrm>
+            <a:off x="221876" y="450015"/>
+            <a:ext cx="11867030" cy="6320579"/>
+          </a:xfrm>
+          <a:prstGeom prst="rect">
+            <a:avLst/>
+          </a:prstGeom>
+          <a:noFill/>
+        </p:spPr>
+        <p:style>
+          <a:lnRef idx="2">
+            <a:schemeClr val="accent1">
+              <a:shade val="50000"/>
+            </a:schemeClr>
+          </a:lnRef>
+          <a:fillRef idx="1">
+            <a:schemeClr val="accent1"/>
+          </a:fillRef>
+          <a:effectRef idx="0">
+            <a:schemeClr val="accent1"/>
+          </a:effectRef>
+          <a:fontRef idx="minor">
+            <a:schemeClr val="lt1"/>
+          </a:fontRef>
+        </p:style>
+        <p:txBody>
+          <a:bodyPr rtlCol="0" anchor="ctr"/>
+          <a:lstStyle/>
+          <a:p>
+            <a:pPr algn="ctr"/>
+            <a:endParaRPr lang="ru-RU"/>
+          </a:p>
+        </p:txBody>
+      </p:sp>
+      <p:sp>
+        <p:nvSpPr>
+          <p:cNvPr id="6" name="TextBox 5"/>
+          <p:cNvSpPr txBox="1"/>
+          <p:nvPr/>
+        </p:nvSpPr>
+        <p:spPr>
+          <a:xfrm>
+            <a:off x="3562760" y="1876220"/>
+            <a:ext cx="4411343" cy="400110"/>
+          </a:xfrm>
+          <a:prstGeom prst="rect">
+            <a:avLst/>
+          </a:prstGeom>
+          <a:noFill/>
+        </p:spPr>
+        <p:txBody>
+          <a:bodyPr wrap="square" rtlCol="0">
+            <a:spAutoFit/>
+          </a:bodyPr>
+          <a:lstStyle/>
+          <a:p>
+            <a:r>
+              <a:rPr lang="en-US" sz="2000" b="1" i="1" dirty="0" smtClean="0"/>
+              <a:t>Register new account</a:t>
+            </a:r>
+            <a:endParaRPr lang="ru-RU" sz="2000" b="1" i="1" dirty="0"/>
+          </a:p>
+        </p:txBody>
+      </p:sp>
+      <p:sp>
+        <p:nvSpPr>
+          <p:cNvPr id="7" name="TextBox 6"/>
+          <p:cNvSpPr txBox="1"/>
+          <p:nvPr/>
+        </p:nvSpPr>
+        <p:spPr>
+          <a:xfrm>
+            <a:off x="3562760" y="2364198"/>
+            <a:ext cx="793376" cy="376625"/>
+          </a:xfrm>
+          <a:prstGeom prst="rect">
+            <a:avLst/>
+          </a:prstGeom>
+          <a:noFill/>
+        </p:spPr>
+        <p:txBody>
+          <a:bodyPr wrap="square" rtlCol="0">
+            <a:spAutoFit/>
+          </a:bodyPr>
+          <a:lstStyle/>
+          <a:p>
+            <a:r>
+              <a:rPr lang="en-US" dirty="0" smtClean="0"/>
+              <a:t>Login:</a:t>
+            </a:r>
+            <a:endParaRPr lang="ru-RU" dirty="0"/>
+          </a:p>
+        </p:txBody>
+      </p:sp>
+      <p:sp>
+        <p:nvSpPr>
+          <p:cNvPr id="8" name="TextBox 7"/>
+          <p:cNvSpPr txBox="1"/>
+          <p:nvPr/>
+        </p:nvSpPr>
+        <p:spPr>
+          <a:xfrm>
+            <a:off x="5526737" y="2350750"/>
+            <a:ext cx="2756647" cy="369332"/>
+          </a:xfrm>
+          <a:prstGeom prst="rect">
+            <a:avLst/>
+          </a:prstGeom>
+          <a:noFill/>
+        </p:spPr>
+        <p:txBody>
+          <a:bodyPr wrap="square" rtlCol="0">
+            <a:spAutoFit/>
+          </a:bodyPr>
+          <a:lstStyle/>
+          <a:p>
+            <a:r>
+              <a:rPr lang="en-US" dirty="0" err="1" smtClean="0"/>
+              <a:t>alex.test.acc</a:t>
+            </a:r>
+            <a:endParaRPr lang="ru-RU" dirty="0"/>
+          </a:p>
+        </p:txBody>
+      </p:sp>
+      <p:sp>
+        <p:nvSpPr>
+          <p:cNvPr id="9" name="Прямоугольник 8"/>
+          <p:cNvSpPr/>
+          <p:nvPr/>
+        </p:nvSpPr>
+        <p:spPr>
+          <a:xfrm>
+            <a:off x="5511874" y="2397064"/>
+            <a:ext cx="3281084" cy="292888"/>
+          </a:xfrm>
+          <a:prstGeom prst="rect">
+            <a:avLst/>
+          </a:prstGeom>
+          <a:noFill/>
+        </p:spPr>
+        <p:style>
+          <a:lnRef idx="2">
+            <a:schemeClr val="accent1">
+              <a:shade val="50000"/>
+            </a:schemeClr>
+          </a:lnRef>
+          <a:fillRef idx="1">
+            <a:schemeClr val="accent1"/>
+          </a:fillRef>
+          <a:effectRef idx="0">
+            <a:schemeClr val="accent1"/>
+          </a:effectRef>
+          <a:fontRef idx="minor">
+            <a:schemeClr val="lt1"/>
+          </a:fontRef>
+        </p:style>
+        <p:txBody>
+          <a:bodyPr rtlCol="0" anchor="ctr"/>
+          <a:lstStyle/>
+          <a:p>
+            <a:pPr algn="ctr"/>
+            <a:endParaRPr lang="ru-RU"/>
+          </a:p>
+        </p:txBody>
+      </p:sp>
+      <p:sp>
+        <p:nvSpPr>
+          <p:cNvPr id="10" name="TextBox 9"/>
+          <p:cNvSpPr txBox="1"/>
+          <p:nvPr/>
+        </p:nvSpPr>
+        <p:spPr>
+          <a:xfrm>
+            <a:off x="3562760" y="2877672"/>
+            <a:ext cx="1190772" cy="369332"/>
+          </a:xfrm>
+          <a:prstGeom prst="rect">
+            <a:avLst/>
+          </a:prstGeom>
+          <a:noFill/>
+        </p:spPr>
+        <p:txBody>
+          <a:bodyPr wrap="square" rtlCol="0">
+            <a:spAutoFit/>
+          </a:bodyPr>
+          <a:lstStyle/>
+          <a:p>
+            <a:r>
+              <a:rPr lang="en-US" dirty="0" smtClean="0"/>
+              <a:t>Password:</a:t>
+            </a:r>
+            <a:endParaRPr lang="ru-RU" dirty="0"/>
+          </a:p>
+        </p:txBody>
+      </p:sp>
+      <p:sp>
+        <p:nvSpPr>
+          <p:cNvPr id="11" name="Прямоугольник 10"/>
+          <p:cNvSpPr/>
+          <p:nvPr/>
+        </p:nvSpPr>
+        <p:spPr>
+          <a:xfrm>
+            <a:off x="5540188" y="2903945"/>
+            <a:ext cx="3281084" cy="292888"/>
+          </a:xfrm>
+          <a:prstGeom prst="rect">
+            <a:avLst/>
+          </a:prstGeom>
+          <a:noFill/>
+        </p:spPr>
+        <p:style>
+          <a:lnRef idx="2">
+            <a:schemeClr val="accent1">
+              <a:shade val="50000"/>
+            </a:schemeClr>
+          </a:lnRef>
+          <a:fillRef idx="1">
+            <a:schemeClr val="accent1"/>
+          </a:fillRef>
+          <a:effectRef idx="0">
+            <a:schemeClr val="accent1"/>
+          </a:effectRef>
+          <a:fontRef idx="minor">
+            <a:schemeClr val="lt1"/>
+          </a:fontRef>
+        </p:style>
+        <p:txBody>
+          <a:bodyPr rtlCol="0" anchor="ctr"/>
+          <a:lstStyle/>
+          <a:p>
+            <a:pPr algn="ctr"/>
+            <a:endParaRPr lang="ru-RU"/>
+          </a:p>
+        </p:txBody>
+      </p:sp>
+      <p:sp>
+        <p:nvSpPr>
+          <p:cNvPr id="13" name="TextBox 12"/>
+          <p:cNvSpPr txBox="1"/>
+          <p:nvPr/>
+        </p:nvSpPr>
+        <p:spPr>
+          <a:xfrm>
+            <a:off x="7530357" y="4059772"/>
+            <a:ext cx="1290915" cy="369332"/>
+          </a:xfrm>
+          <a:prstGeom prst="rect">
+            <a:avLst/>
+          </a:prstGeom>
+          <a:solidFill>
+            <a:schemeClr val="accent1"/>
+          </a:solidFill>
+        </p:spPr>
+        <p:txBody>
+          <a:bodyPr wrap="square" rtlCol="0">
+            <a:spAutoFit/>
+          </a:bodyPr>
+          <a:lstStyle/>
+          <a:p>
+            <a:endParaRPr lang="ru-RU" dirty="0"/>
+          </a:p>
+        </p:txBody>
+      </p:sp>
+      <p:sp>
+        <p:nvSpPr>
+          <p:cNvPr id="14" name="TextBox 13"/>
+          <p:cNvSpPr txBox="1"/>
+          <p:nvPr/>
+        </p:nvSpPr>
+        <p:spPr>
+          <a:xfrm>
+            <a:off x="7651378" y="4059772"/>
+            <a:ext cx="1324536" cy="369332"/>
+          </a:xfrm>
+          <a:prstGeom prst="rect">
+            <a:avLst/>
+          </a:prstGeom>
+          <a:noFill/>
+        </p:spPr>
+        <p:txBody>
+          <a:bodyPr wrap="square" rtlCol="0">
+            <a:spAutoFit/>
+          </a:bodyPr>
+          <a:lstStyle/>
+          <a:p>
+            <a:r>
+              <a:rPr lang="en-US" dirty="0" smtClean="0">
+                <a:solidFill>
+                  <a:schemeClr val="bg1"/>
+                </a:solidFill>
+              </a:rPr>
+              <a:t>Register..</a:t>
+            </a:r>
+            <a:endParaRPr lang="ru-RU" dirty="0">
+              <a:solidFill>
+                <a:schemeClr val="bg1"/>
+              </a:solidFill>
+            </a:endParaRPr>
+          </a:p>
+        </p:txBody>
+      </p:sp>
+      <p:sp>
+        <p:nvSpPr>
+          <p:cNvPr id="16" name="TextBox 15"/>
+          <p:cNvSpPr txBox="1"/>
+          <p:nvPr/>
+        </p:nvSpPr>
+        <p:spPr>
+          <a:xfrm>
+            <a:off x="3569480" y="3346056"/>
+            <a:ext cx="1970708" cy="369332"/>
+          </a:xfrm>
+          <a:prstGeom prst="rect">
+            <a:avLst/>
+          </a:prstGeom>
+          <a:noFill/>
+        </p:spPr>
+        <p:txBody>
+          <a:bodyPr wrap="square" rtlCol="0">
+            <a:spAutoFit/>
+          </a:bodyPr>
+          <a:lstStyle/>
+          <a:p>
+            <a:r>
+              <a:rPr lang="en-US" dirty="0" smtClean="0"/>
+              <a:t>Confirm password:</a:t>
+            </a:r>
+            <a:endParaRPr lang="ru-RU" dirty="0"/>
+          </a:p>
+        </p:txBody>
+      </p:sp>
+      <p:sp>
+        <p:nvSpPr>
+          <p:cNvPr id="17" name="Прямоугольник 16"/>
+          <p:cNvSpPr/>
+          <p:nvPr/>
+        </p:nvSpPr>
+        <p:spPr>
+          <a:xfrm>
+            <a:off x="5540188" y="3397552"/>
+            <a:ext cx="3281084" cy="292888"/>
+          </a:xfrm>
+          <a:prstGeom prst="rect">
+            <a:avLst/>
+          </a:prstGeom>
+          <a:noFill/>
+        </p:spPr>
+        <p:style>
+          <a:lnRef idx="2">
+            <a:schemeClr val="accent1">
+              <a:shade val="50000"/>
+            </a:schemeClr>
+          </a:lnRef>
+          <a:fillRef idx="1">
+            <a:schemeClr val="accent1"/>
+          </a:fillRef>
+          <a:effectRef idx="0">
+            <a:schemeClr val="accent1"/>
+          </a:effectRef>
+          <a:fontRef idx="minor">
+            <a:schemeClr val="lt1"/>
+          </a:fontRef>
+        </p:style>
+        <p:txBody>
+          <a:bodyPr rtlCol="0" anchor="ctr"/>
+          <a:lstStyle/>
+          <a:p>
+            <a:pPr algn="ctr"/>
+            <a:endParaRPr lang="ru-RU"/>
+          </a:p>
+        </p:txBody>
+      </p:sp>
+      <p:cxnSp>
+        <p:nvCxnSpPr>
+          <p:cNvPr id="20" name="Прямая соединительная линия 19"/>
+          <p:cNvCxnSpPr/>
+          <p:nvPr/>
+        </p:nvCxnSpPr>
+        <p:spPr>
+          <a:xfrm flipV="1">
+            <a:off x="3569480" y="3879476"/>
+            <a:ext cx="5223478" cy="5477"/>
+          </a:xfrm>
+          <a:prstGeom prst="line">
+            <a:avLst/>
+          </a:prstGeom>
+        </p:spPr>
+        <p:style>
+          <a:lnRef idx="1">
+            <a:schemeClr val="accent1"/>
+          </a:lnRef>
+          <a:fillRef idx="0">
+            <a:schemeClr val="accent1"/>
+          </a:fillRef>
+          <a:effectRef idx="0">
+            <a:schemeClr val="accent1"/>
+          </a:effectRef>
+          <a:fontRef idx="minor">
+            <a:schemeClr val="tx1"/>
+          </a:fontRef>
+        </p:style>
+      </p:cxnSp>
+      <p:sp>
+        <p:nvSpPr>
+          <p:cNvPr id="22" name="TextBox 21"/>
+          <p:cNvSpPr txBox="1"/>
+          <p:nvPr/>
+        </p:nvSpPr>
+        <p:spPr>
+          <a:xfrm>
+            <a:off x="4026682" y="4028084"/>
+            <a:ext cx="2622891" cy="369332"/>
+          </a:xfrm>
+          <a:prstGeom prst="rect">
+            <a:avLst/>
+          </a:prstGeom>
+          <a:noFill/>
+        </p:spPr>
+        <p:txBody>
+          <a:bodyPr wrap="square" rtlCol="0">
+            <a:spAutoFit/>
+          </a:bodyPr>
+          <a:lstStyle/>
+          <a:p>
+            <a:r>
+              <a:rPr lang="en-US" dirty="0" smtClean="0"/>
+              <a:t>Sign in automatically</a:t>
+            </a:r>
+            <a:endParaRPr lang="ru-RU" dirty="0"/>
+          </a:p>
+        </p:txBody>
+      </p:sp>
+      <p:sp>
+        <p:nvSpPr>
+          <p:cNvPr id="23" name="Прямоугольник 22"/>
+          <p:cNvSpPr/>
+          <p:nvPr/>
+        </p:nvSpPr>
+        <p:spPr>
+          <a:xfrm>
+            <a:off x="3623276" y="4099947"/>
+            <a:ext cx="295835" cy="242145"/>
+          </a:xfrm>
+          <a:prstGeom prst="rect">
+            <a:avLst/>
+          </a:prstGeom>
+          <a:noFill/>
+        </p:spPr>
+        <p:style>
+          <a:lnRef idx="2">
+            <a:schemeClr val="accent1">
+              <a:shade val="50000"/>
+            </a:schemeClr>
+          </a:lnRef>
+          <a:fillRef idx="1">
+            <a:schemeClr val="accent1"/>
+          </a:fillRef>
+          <a:effectRef idx="0">
+            <a:schemeClr val="accent1"/>
+          </a:effectRef>
+          <a:fontRef idx="minor">
+            <a:schemeClr val="lt1"/>
+          </a:fontRef>
+        </p:style>
+        <p:txBody>
+          <a:bodyPr rtlCol="0" anchor="ctr"/>
+          <a:lstStyle/>
+          <a:p>
+            <a:pPr algn="ctr"/>
+            <a:endParaRPr lang="ru-RU"/>
+          </a:p>
+        </p:txBody>
+      </p:sp>
+    </p:spTree>
+    <p:extLst>
+      <p:ext uri="{BB962C8B-B14F-4D97-AF65-F5344CB8AC3E}">
+        <p14:creationId xmlns:p14="http://schemas.microsoft.com/office/powerpoint/2010/main" val="2699378368"/>
+      </p:ext>
+    </p:extLst>
+  </p:cSld>
+  <p:clrMapOvr>
+    <a:masterClrMapping/>
+  </p:clrMapOvr>
+</p:sld>
+</file>
+
+<file path=ppt/slides/slide11.xml><?xml version="1.0" encoding="utf-8"?>
+<p:sld xmlns:a="http://schemas.openxmlformats.org/drawingml/2006/main" xmlns:r="http://schemas.openxmlformats.org/officeDocument/2006/relationships" xmlns:p="http://schemas.openxmlformats.org/presentationml/2006/main">
+  <p:cSld>
+    <p:spTree>
+      <p:nvGrpSpPr>
+        <p:cNvPr id="1" name=""/>
+        <p:cNvGrpSpPr/>
+        <p:nvPr/>
+      </p:nvGrpSpPr>
+      <p:grpSpPr>
+        <a:xfrm>
+          <a:off x="0" y="0"/>
+          <a:ext cx="0" cy="0"/>
+          <a:chOff x="0" y="0"/>
+          <a:chExt cx="0" cy="0"/>
+        </a:xfrm>
+      </p:grpSpPr>
+      <p:sp>
+        <p:nvSpPr>
           <p:cNvPr id="32" name="Прямоугольник 31"/>
           <p:cNvSpPr/>
           <p:nvPr/>
@@ -6285,530 +6840,6 @@
 </p:sld>
 </file>
 
-<file path=ppt/slides/slide11.xml><?xml version="1.0" encoding="utf-8"?>
-<p:sld xmlns:a="http://schemas.openxmlformats.org/drawingml/2006/main" xmlns:r="http://schemas.openxmlformats.org/officeDocument/2006/relationships" xmlns:p="http://schemas.openxmlformats.org/presentationml/2006/main">
-  <p:cSld>
-    <p:spTree>
-      <p:nvGrpSpPr>
-        <p:cNvPr id="1" name=""/>
-        <p:cNvGrpSpPr/>
-        <p:nvPr/>
-      </p:nvGrpSpPr>
-      <p:grpSpPr>
-        <a:xfrm>
-          <a:off x="0" y="0"/>
-          <a:ext cx="0" cy="0"/>
-          <a:chOff x="0" y="0"/>
-          <a:chExt cx="0" cy="0"/>
-        </a:xfrm>
-      </p:grpSpPr>
-      <p:sp>
-        <p:nvSpPr>
-          <p:cNvPr id="4" name="TextBox 3"/>
-          <p:cNvSpPr txBox="1"/>
-          <p:nvPr/>
-        </p:nvSpPr>
-        <p:spPr>
-          <a:xfrm>
-            <a:off x="222584" y="174458"/>
-            <a:ext cx="6647447" cy="523220"/>
-          </a:xfrm>
-          <a:prstGeom prst="rect">
-            <a:avLst/>
-          </a:prstGeom>
-          <a:noFill/>
-        </p:spPr>
-        <p:txBody>
-          <a:bodyPr wrap="square" rtlCol="0">
-            <a:spAutoFit/>
-          </a:bodyPr>
-          <a:lstStyle/>
-          <a:p>
-            <a:r>
-              <a:rPr lang="en-US" sz="2800" dirty="0" smtClean="0"/>
-              <a:t>Help Subsystem</a:t>
-            </a:r>
-            <a:endParaRPr lang="ru-RU" sz="2800" dirty="0"/>
-          </a:p>
-        </p:txBody>
-      </p:sp>
-      <p:sp>
-        <p:nvSpPr>
-          <p:cNvPr id="5" name="Rectangle 4"/>
-          <p:cNvSpPr/>
-          <p:nvPr/>
-        </p:nvSpPr>
-        <p:spPr>
-          <a:xfrm>
-            <a:off x="385010" y="866274"/>
-            <a:ext cx="2160297" cy="1501613"/>
-          </a:xfrm>
-          <a:prstGeom prst="rect">
-            <a:avLst/>
-          </a:prstGeom>
-          <a:noFill/>
-        </p:spPr>
-        <p:style>
-          <a:lnRef idx="2">
-            <a:schemeClr val="accent1">
-              <a:shade val="50000"/>
-            </a:schemeClr>
-          </a:lnRef>
-          <a:fillRef idx="1">
-            <a:schemeClr val="accent1"/>
-          </a:fillRef>
-          <a:effectRef idx="0">
-            <a:schemeClr val="accent1"/>
-          </a:effectRef>
-          <a:fontRef idx="minor">
-            <a:schemeClr val="lt1"/>
-          </a:fontRef>
-        </p:style>
-        <p:txBody>
-          <a:bodyPr rtlCol="0" anchor="ctr"/>
-          <a:lstStyle/>
-          <a:p>
-            <a:pPr algn="ctr"/>
-            <a:endParaRPr lang="ru-RU"/>
-          </a:p>
-        </p:txBody>
-      </p:sp>
-      <p:sp>
-        <p:nvSpPr>
-          <p:cNvPr id="6" name="TextBox 5"/>
-          <p:cNvSpPr txBox="1"/>
-          <p:nvPr/>
-        </p:nvSpPr>
-        <p:spPr>
-          <a:xfrm>
-            <a:off x="385010" y="866274"/>
-            <a:ext cx="1944806" cy="369332"/>
-          </a:xfrm>
-          <a:prstGeom prst="rect">
-            <a:avLst/>
-          </a:prstGeom>
-          <a:noFill/>
-        </p:spPr>
-        <p:txBody>
-          <a:bodyPr wrap="square" rtlCol="0">
-            <a:spAutoFit/>
-          </a:bodyPr>
-          <a:lstStyle/>
-          <a:p>
-            <a:r>
-              <a:rPr lang="en-US" dirty="0" smtClean="0"/>
-              <a:t>Help Section</a:t>
-            </a:r>
-            <a:endParaRPr lang="ru-RU" dirty="0"/>
-          </a:p>
-        </p:txBody>
-      </p:sp>
-      <p:sp>
-        <p:nvSpPr>
-          <p:cNvPr id="7" name="TextBox 6"/>
-          <p:cNvSpPr txBox="1"/>
-          <p:nvPr/>
-        </p:nvSpPr>
-        <p:spPr>
-          <a:xfrm>
-            <a:off x="566382" y="1344304"/>
-            <a:ext cx="2129051" cy="923330"/>
-          </a:xfrm>
-          <a:prstGeom prst="rect">
-            <a:avLst/>
-          </a:prstGeom>
-          <a:noFill/>
-        </p:spPr>
-        <p:txBody>
-          <a:bodyPr wrap="square" rtlCol="0">
-            <a:spAutoFit/>
-          </a:bodyPr>
-          <a:lstStyle/>
-          <a:p>
-            <a:pPr marL="285750" indent="-285750">
-              <a:buFont typeface="Arial" panose="020B0604020202020204" pitchFamily="34" charset="0"/>
-              <a:buChar char="•"/>
-            </a:pPr>
-            <a:r>
-              <a:rPr lang="en-US" dirty="0" smtClean="0"/>
-              <a:t>Id</a:t>
-            </a:r>
-          </a:p>
-          <a:p>
-            <a:pPr marL="285750" indent="-285750">
-              <a:buFont typeface="Arial" panose="020B0604020202020204" pitchFamily="34" charset="0"/>
-              <a:buChar char="•"/>
-            </a:pPr>
-            <a:r>
-              <a:rPr lang="en-US" dirty="0" smtClean="0"/>
-              <a:t>Name</a:t>
-            </a:r>
-          </a:p>
-          <a:p>
-            <a:pPr marL="285750" indent="-285750">
-              <a:buFont typeface="Arial" panose="020B0604020202020204" pitchFamily="34" charset="0"/>
-              <a:buChar char="•"/>
-            </a:pPr>
-            <a:r>
-              <a:rPr lang="en-US" dirty="0" smtClean="0"/>
-              <a:t>Parent Section</a:t>
-            </a:r>
-            <a:endParaRPr lang="ru-RU" dirty="0"/>
-          </a:p>
-        </p:txBody>
-      </p:sp>
-      <p:sp>
-        <p:nvSpPr>
-          <p:cNvPr id="8" name="Rectangle 7"/>
-          <p:cNvSpPr/>
-          <p:nvPr/>
-        </p:nvSpPr>
-        <p:spPr>
-          <a:xfrm>
-            <a:off x="3227696" y="866274"/>
-            <a:ext cx="1705970" cy="1788216"/>
-          </a:xfrm>
-          <a:prstGeom prst="rect">
-            <a:avLst/>
-          </a:prstGeom>
-          <a:noFill/>
-        </p:spPr>
-        <p:style>
-          <a:lnRef idx="2">
-            <a:schemeClr val="accent1">
-              <a:shade val="50000"/>
-            </a:schemeClr>
-          </a:lnRef>
-          <a:fillRef idx="1">
-            <a:schemeClr val="accent1"/>
-          </a:fillRef>
-          <a:effectRef idx="0">
-            <a:schemeClr val="accent1"/>
-          </a:effectRef>
-          <a:fontRef idx="minor">
-            <a:schemeClr val="lt1"/>
-          </a:fontRef>
-        </p:style>
-        <p:txBody>
-          <a:bodyPr rtlCol="0" anchor="ctr"/>
-          <a:lstStyle/>
-          <a:p>
-            <a:pPr algn="ctr"/>
-            <a:endParaRPr lang="ru-RU"/>
-          </a:p>
-        </p:txBody>
-      </p:sp>
-      <p:sp>
-        <p:nvSpPr>
-          <p:cNvPr id="9" name="TextBox 8"/>
-          <p:cNvSpPr txBox="1"/>
-          <p:nvPr/>
-        </p:nvSpPr>
-        <p:spPr>
-          <a:xfrm>
-            <a:off x="3295935" y="866274"/>
-            <a:ext cx="2470244" cy="369332"/>
-          </a:xfrm>
-          <a:prstGeom prst="rect">
-            <a:avLst/>
-          </a:prstGeom>
-          <a:noFill/>
-        </p:spPr>
-        <p:txBody>
-          <a:bodyPr wrap="square" rtlCol="0">
-            <a:spAutoFit/>
-          </a:bodyPr>
-          <a:lstStyle/>
-          <a:p>
-            <a:r>
-              <a:rPr lang="en-US" dirty="0" smtClean="0"/>
-              <a:t>Help Topic</a:t>
-            </a:r>
-            <a:endParaRPr lang="ru-RU" dirty="0"/>
-          </a:p>
-        </p:txBody>
-      </p:sp>
-      <p:sp>
-        <p:nvSpPr>
-          <p:cNvPr id="10" name="TextBox 9"/>
-          <p:cNvSpPr txBox="1"/>
-          <p:nvPr/>
-        </p:nvSpPr>
-        <p:spPr>
-          <a:xfrm>
-            <a:off x="3377822" y="1344304"/>
-            <a:ext cx="1453485" cy="1200329"/>
-          </a:xfrm>
-          <a:prstGeom prst="rect">
-            <a:avLst/>
-          </a:prstGeom>
-          <a:noFill/>
-        </p:spPr>
-        <p:txBody>
-          <a:bodyPr wrap="square" rtlCol="0">
-            <a:spAutoFit/>
-          </a:bodyPr>
-          <a:lstStyle/>
-          <a:p>
-            <a:pPr marL="285750" indent="-285750">
-              <a:buFont typeface="Arial" panose="020B0604020202020204" pitchFamily="34" charset="0"/>
-              <a:buChar char="•"/>
-            </a:pPr>
-            <a:r>
-              <a:rPr lang="en-US" dirty="0" smtClean="0"/>
-              <a:t>Id</a:t>
-            </a:r>
-          </a:p>
-          <a:p>
-            <a:pPr marL="285750" indent="-285750">
-              <a:buFont typeface="Arial" panose="020B0604020202020204" pitchFamily="34" charset="0"/>
-              <a:buChar char="•"/>
-            </a:pPr>
-            <a:r>
-              <a:rPr lang="en-US" dirty="0" smtClean="0"/>
-              <a:t>Name</a:t>
-            </a:r>
-          </a:p>
-          <a:p>
-            <a:pPr marL="285750" indent="-285750">
-              <a:buFont typeface="Arial" panose="020B0604020202020204" pitchFamily="34" charset="0"/>
-              <a:buChar char="•"/>
-            </a:pPr>
-            <a:r>
-              <a:rPr lang="en-US" dirty="0" smtClean="0"/>
-              <a:t>Section</a:t>
-            </a:r>
-          </a:p>
-          <a:p>
-            <a:pPr marL="285750" indent="-285750">
-              <a:buFont typeface="Arial" panose="020B0604020202020204" pitchFamily="34" charset="0"/>
-              <a:buChar char="•"/>
-            </a:pPr>
-            <a:r>
-              <a:rPr lang="en-US" dirty="0" err="1" smtClean="0"/>
-              <a:t>OrdinalNo</a:t>
-            </a:r>
-            <a:endParaRPr lang="en-US" dirty="0" smtClean="0"/>
-          </a:p>
-        </p:txBody>
-      </p:sp>
-      <p:cxnSp>
-        <p:nvCxnSpPr>
-          <p:cNvPr id="14" name="Elbow Connector 13"/>
-          <p:cNvCxnSpPr/>
-          <p:nvPr/>
-        </p:nvCxnSpPr>
-        <p:spPr>
-          <a:xfrm rot="10800000">
-            <a:off x="2545308" y="1542197"/>
-            <a:ext cx="682389" cy="516256"/>
-          </a:xfrm>
-          <a:prstGeom prst="bentConnector3">
-            <a:avLst>
-              <a:gd name="adj1" fmla="val 50000"/>
-            </a:avLst>
-          </a:prstGeom>
-          <a:ln>
-            <a:tailEnd type="triangle"/>
-          </a:ln>
-        </p:spPr>
-        <p:style>
-          <a:lnRef idx="1">
-            <a:schemeClr val="accent1"/>
-          </a:lnRef>
-          <a:fillRef idx="0">
-            <a:schemeClr val="accent1"/>
-          </a:fillRef>
-          <a:effectRef idx="0">
-            <a:schemeClr val="accent1"/>
-          </a:effectRef>
-          <a:fontRef idx="minor">
-            <a:schemeClr val="tx1"/>
-          </a:fontRef>
-        </p:style>
-      </p:cxnSp>
-      <p:sp>
-        <p:nvSpPr>
-          <p:cNvPr id="2" name="Rectangle 1"/>
-          <p:cNvSpPr/>
-          <p:nvPr/>
-        </p:nvSpPr>
-        <p:spPr>
-          <a:xfrm>
-            <a:off x="5616055" y="866274"/>
-            <a:ext cx="2117558" cy="1788216"/>
-          </a:xfrm>
-          <a:prstGeom prst="rect">
-            <a:avLst/>
-          </a:prstGeom>
-          <a:noFill/>
-        </p:spPr>
-        <p:style>
-          <a:lnRef idx="2">
-            <a:schemeClr val="accent1">
-              <a:shade val="50000"/>
-            </a:schemeClr>
-          </a:lnRef>
-          <a:fillRef idx="1">
-            <a:schemeClr val="accent1"/>
-          </a:fillRef>
-          <a:effectRef idx="0">
-            <a:schemeClr val="accent1"/>
-          </a:effectRef>
-          <a:fontRef idx="minor">
-            <a:schemeClr val="lt1"/>
-          </a:fontRef>
-        </p:style>
-        <p:txBody>
-          <a:bodyPr rtlCol="0" anchor="ctr"/>
-          <a:lstStyle/>
-          <a:p>
-            <a:pPr algn="ctr"/>
-            <a:endParaRPr lang="ru-RU"/>
-          </a:p>
-        </p:txBody>
-      </p:sp>
-      <p:sp>
-        <p:nvSpPr>
-          <p:cNvPr id="3" name="TextBox 2"/>
-          <p:cNvSpPr txBox="1"/>
-          <p:nvPr/>
-        </p:nvSpPr>
-        <p:spPr>
-          <a:xfrm>
-            <a:off x="5780905" y="939335"/>
-            <a:ext cx="1787857" cy="369332"/>
-          </a:xfrm>
-          <a:prstGeom prst="rect">
-            <a:avLst/>
-          </a:prstGeom>
-          <a:noFill/>
-        </p:spPr>
-        <p:txBody>
-          <a:bodyPr wrap="square" rtlCol="0">
-            <a:spAutoFit/>
-          </a:bodyPr>
-          <a:lstStyle/>
-          <a:p>
-            <a:r>
-              <a:rPr lang="en-US" dirty="0" smtClean="0"/>
-              <a:t>Topic Paragraph</a:t>
-            </a:r>
-            <a:endParaRPr lang="ru-RU" dirty="0"/>
-          </a:p>
-        </p:txBody>
-      </p:sp>
-      <p:sp>
-        <p:nvSpPr>
-          <p:cNvPr id="12" name="TextBox 11"/>
-          <p:cNvSpPr txBox="1"/>
-          <p:nvPr/>
-        </p:nvSpPr>
-        <p:spPr>
-          <a:xfrm>
-            <a:off x="5875362" y="1323752"/>
-            <a:ext cx="1248769" cy="1200329"/>
-          </a:xfrm>
-          <a:prstGeom prst="rect">
-            <a:avLst/>
-          </a:prstGeom>
-          <a:noFill/>
-        </p:spPr>
-        <p:txBody>
-          <a:bodyPr wrap="square" rtlCol="0">
-            <a:spAutoFit/>
-          </a:bodyPr>
-          <a:lstStyle/>
-          <a:p>
-            <a:pPr marL="285750" indent="-285750">
-              <a:buFont typeface="Arial" panose="020B0604020202020204" pitchFamily="34" charset="0"/>
-              <a:buChar char="•"/>
-            </a:pPr>
-            <a:r>
-              <a:rPr lang="en-US" dirty="0" smtClean="0"/>
-              <a:t>Id</a:t>
-            </a:r>
-          </a:p>
-          <a:p>
-            <a:pPr marL="285750" indent="-285750">
-              <a:buFont typeface="Arial" panose="020B0604020202020204" pitchFamily="34" charset="0"/>
-              <a:buChar char="•"/>
-            </a:pPr>
-            <a:r>
-              <a:rPr lang="en-US" dirty="0" smtClean="0"/>
-              <a:t>Name</a:t>
-            </a:r>
-          </a:p>
-          <a:p>
-            <a:pPr marL="285750" indent="-285750">
-              <a:buFont typeface="Arial" panose="020B0604020202020204" pitchFamily="34" charset="0"/>
-              <a:buChar char="•"/>
-            </a:pPr>
-            <a:r>
-              <a:rPr lang="en-US" dirty="0" smtClean="0"/>
-              <a:t>Topic</a:t>
-            </a:r>
-          </a:p>
-          <a:p>
-            <a:pPr marL="285750" indent="-285750">
-              <a:buFont typeface="Arial" panose="020B0604020202020204" pitchFamily="34" charset="0"/>
-              <a:buChar char="•"/>
-            </a:pPr>
-            <a:r>
-              <a:rPr lang="en-US" dirty="0" smtClean="0"/>
-              <a:t>Content</a:t>
-            </a:r>
-          </a:p>
-        </p:txBody>
-      </p:sp>
-      <p:cxnSp>
-        <p:nvCxnSpPr>
-          <p:cNvPr id="13" name="Elbow Connector 12"/>
-          <p:cNvCxnSpPr/>
-          <p:nvPr/>
-        </p:nvCxnSpPr>
-        <p:spPr>
-          <a:xfrm rot="10800000">
-            <a:off x="4935945" y="1530821"/>
-            <a:ext cx="682389" cy="516256"/>
-          </a:xfrm>
-          <a:prstGeom prst="bentConnector3">
-            <a:avLst>
-              <a:gd name="adj1" fmla="val 50000"/>
-            </a:avLst>
-          </a:prstGeom>
-          <a:ln>
-            <a:tailEnd type="triangle"/>
-          </a:ln>
-        </p:spPr>
-        <p:style>
-          <a:lnRef idx="1">
-            <a:schemeClr val="accent1"/>
-          </a:lnRef>
-          <a:fillRef idx="0">
-            <a:schemeClr val="accent1"/>
-          </a:fillRef>
-          <a:effectRef idx="0">
-            <a:schemeClr val="accent1"/>
-          </a:effectRef>
-          <a:fontRef idx="minor">
-            <a:schemeClr val="tx1"/>
-          </a:fontRef>
-        </p:style>
-      </p:cxnSp>
-    </p:spTree>
-    <p:extLst>
-      <p:ext uri="{BB962C8B-B14F-4D97-AF65-F5344CB8AC3E}">
-        <p14:creationId xmlns:p14="http://schemas.microsoft.com/office/powerpoint/2010/main" val="1228147777"/>
-      </p:ext>
-    </p:extLst>
-  </p:cSld>
-  <p:clrMapOvr>
-    <a:masterClrMapping/>
-  </p:clrMapOvr>
-</p:sld>
-</file>
-
 <file path=ppt/slides/slide12.xml><?xml version="1.0" encoding="utf-8"?>
 <p:sld xmlns:a="http://schemas.openxmlformats.org/drawingml/2006/main" xmlns:r="http://schemas.openxmlformats.org/officeDocument/2006/relationships" xmlns:p="http://schemas.openxmlformats.org/presentationml/2006/main">
   <p:cSld>
@@ -6828,42 +6859,44 @@
       </p:grpSpPr>
       <p:sp>
         <p:nvSpPr>
-          <p:cNvPr id="2" name="Title 1"/>
-          <p:cNvSpPr>
-            <a:spLocks noGrp="1"/>
-          </p:cNvSpPr>
-          <p:nvPr>
-            <p:ph type="title"/>
-          </p:nvPr>
-        </p:nvSpPr>
-        <p:spPr>
-          <a:xfrm>
-            <a:off x="374984" y="0"/>
-            <a:ext cx="10515600" cy="1325563"/>
-          </a:xfrm>
-        </p:spPr>
-        <p:txBody>
-          <a:bodyPr/>
-          <a:lstStyle/>
-          <a:p>
-            <a:r>
-              <a:rPr lang="en-US" dirty="0" smtClean="0"/>
-              <a:t>Help – Getting Started</a:t>
-            </a:r>
-            <a:endParaRPr lang="ru-RU" dirty="0"/>
-          </a:p>
-        </p:txBody>
-      </p:sp>
-      <p:sp>
-        <p:nvSpPr>
-          <p:cNvPr id="4" name="Rectangle 3"/>
+          <p:cNvPr id="4" name="TextBox 3"/>
+          <p:cNvSpPr txBox="1"/>
+          <p:nvPr/>
+        </p:nvSpPr>
+        <p:spPr>
+          <a:xfrm>
+            <a:off x="222584" y="174458"/>
+            <a:ext cx="6647447" cy="523220"/>
+          </a:xfrm>
+          <a:prstGeom prst="rect">
+            <a:avLst/>
+          </a:prstGeom>
+          <a:noFill/>
+        </p:spPr>
+        <p:txBody>
+          <a:bodyPr wrap="square" rtlCol="0">
+            <a:spAutoFit/>
+          </a:bodyPr>
+          <a:lstStyle/>
+          <a:p>
+            <a:r>
+              <a:rPr lang="en-US" sz="2800" dirty="0" smtClean="0"/>
+              <a:t>Help Subsystem</a:t>
+            </a:r>
+            <a:endParaRPr lang="ru-RU" sz="2800" dirty="0"/>
+          </a:p>
+        </p:txBody>
+      </p:sp>
+      <p:sp>
+        <p:nvSpPr>
+          <p:cNvPr id="5" name="Rectangle 4"/>
           <p:cNvSpPr/>
           <p:nvPr/>
         </p:nvSpPr>
         <p:spPr>
           <a:xfrm>
-            <a:off x="306805" y="1052763"/>
-            <a:ext cx="2497810" cy="5654842"/>
+            <a:off x="385010" y="866274"/>
+            <a:ext cx="2160297" cy="1501613"/>
           </a:xfrm>
           <a:prstGeom prst="rect">
             <a:avLst/>
@@ -6897,14 +6930,14 @@
       </p:sp>
       <p:sp>
         <p:nvSpPr>
-          <p:cNvPr id="5" name="TextBox 4"/>
+          <p:cNvPr id="6" name="TextBox 5"/>
           <p:cNvSpPr txBox="1"/>
           <p:nvPr/>
         </p:nvSpPr>
         <p:spPr>
           <a:xfrm>
-            <a:off x="374984" y="1189085"/>
-            <a:ext cx="2313296" cy="369332"/>
+            <a:off x="385010" y="866274"/>
+            <a:ext cx="1944806" cy="369332"/>
           </a:xfrm>
           <a:prstGeom prst="rect">
             <a:avLst/>
@@ -6919,7 +6952,7 @@
           <a:p>
             <a:r>
               <a:rPr lang="en-US" dirty="0" smtClean="0"/>
-              <a:t>General</a:t>
+              <a:t>Help Section</a:t>
             </a:r>
             <a:endParaRPr lang="ru-RU" dirty="0"/>
           </a:p>
@@ -6927,14 +6960,14 @@
       </p:sp>
       <p:sp>
         <p:nvSpPr>
-          <p:cNvPr id="6" name="TextBox 5"/>
+          <p:cNvPr id="7" name="TextBox 6"/>
           <p:cNvSpPr txBox="1"/>
           <p:nvPr/>
         </p:nvSpPr>
         <p:spPr>
           <a:xfrm>
-            <a:off x="729766" y="1554010"/>
-            <a:ext cx="2026693" cy="1200329"/>
+            <a:off x="566382" y="1344304"/>
+            <a:ext cx="2129051" cy="923330"/>
           </a:xfrm>
           <a:prstGeom prst="rect">
             <a:avLst/>
@@ -6947,27 +6980,33 @@
           </a:bodyPr>
           <a:lstStyle/>
           <a:p>
-            <a:r>
-              <a:rPr lang="en-US" b="1" dirty="0" smtClean="0"/>
-              <a:t>Getting started</a:t>
-            </a:r>
-          </a:p>
-          <a:p>
-            <a:r>
-              <a:rPr lang="en-US" dirty="0" smtClean="0"/>
-              <a:t>Dashboard</a:t>
-            </a:r>
-          </a:p>
-          <a:p>
-            <a:r>
-              <a:rPr lang="en-US" dirty="0" smtClean="0"/>
-              <a:t>Create site</a:t>
-            </a:r>
-          </a:p>
-          <a:p>
-            <a:r>
-              <a:rPr lang="en-US" dirty="0" smtClean="0"/>
-              <a:t>Site management</a:t>
+            <a:pPr marL="285750" indent="-285750">
+              <a:buFont typeface="Arial" panose="020B0604020202020204" pitchFamily="34" charset="0"/>
+              <a:buChar char="•"/>
+            </a:pPr>
+            <a:r>
+              <a:rPr lang="en-US" dirty="0" smtClean="0"/>
+              <a:t>Id</a:t>
+            </a:r>
+          </a:p>
+          <a:p>
+            <a:pPr marL="285750" indent="-285750">
+              <a:buFont typeface="Arial" panose="020B0604020202020204" pitchFamily="34" charset="0"/>
+              <a:buChar char="•"/>
+            </a:pPr>
+            <a:r>
+              <a:rPr lang="en-US" dirty="0" smtClean="0"/>
+              <a:t>Name</a:t>
+            </a:r>
+          </a:p>
+          <a:p>
+            <a:pPr marL="285750" indent="-285750">
+              <a:buFont typeface="Arial" panose="020B0604020202020204" pitchFamily="34" charset="0"/>
+              <a:buChar char="•"/>
+            </a:pPr>
+            <a:r>
+              <a:rPr lang="en-US" dirty="0" smtClean="0"/>
+              <a:t>Parent Section</a:t>
             </a:r>
             <a:endParaRPr lang="ru-RU" dirty="0"/>
           </a:p>
@@ -6975,14 +7014,14 @@
       </p:sp>
       <p:sp>
         <p:nvSpPr>
-          <p:cNvPr id="7" name="Rectangle 6"/>
+          <p:cNvPr id="8" name="Rectangle 7"/>
           <p:cNvSpPr/>
           <p:nvPr/>
         </p:nvSpPr>
         <p:spPr>
           <a:xfrm>
-            <a:off x="2954740" y="1052763"/>
-            <a:ext cx="9096233" cy="5654842"/>
+            <a:off x="3227696" y="866274"/>
+            <a:ext cx="1705970" cy="1788216"/>
           </a:xfrm>
           <a:prstGeom prst="rect">
             <a:avLst/>
@@ -7016,14 +7055,14 @@
       </p:sp>
       <p:sp>
         <p:nvSpPr>
-          <p:cNvPr id="8" name="TextBox 7"/>
+          <p:cNvPr id="9" name="TextBox 8"/>
           <p:cNvSpPr txBox="1"/>
           <p:nvPr/>
         </p:nvSpPr>
         <p:spPr>
           <a:xfrm>
-            <a:off x="3043062" y="1189085"/>
-            <a:ext cx="8598090" cy="3693319"/>
+            <a:off x="3295935" y="866274"/>
+            <a:ext cx="2470244" cy="369332"/>
           </a:xfrm>
           <a:prstGeom prst="rect">
             <a:avLst/>
@@ -7037,91 +7076,285 @@
           <a:lstStyle/>
           <a:p>
             <a:r>
-              <a:rPr lang="en-US" b="1" dirty="0" smtClean="0"/>
-              <a:t>AVS </a:t>
-            </a:r>
-            <a:r>
-              <a:rPr lang="en-US" b="1" dirty="0" err="1" smtClean="0"/>
-              <a:t>StaticSite</a:t>
-            </a:r>
-            <a:r>
-              <a:rPr lang="en-US" b="1" dirty="0" smtClean="0"/>
-              <a:t> Hosting</a:t>
-            </a:r>
-            <a:r>
-              <a:rPr lang="en-US" dirty="0" smtClean="0"/>
-              <a:t> allows a user to host simple static site and manage it. The user can turn site on or off, upload different types of content, remove some content, or delete site at all. </a:t>
-            </a:r>
-            <a:endParaRPr lang="ru-RU" dirty="0" smtClean="0"/>
-          </a:p>
-          <a:p>
+              <a:rPr lang="en-US" dirty="0" smtClean="0"/>
+              <a:t>Help Topic</a:t>
+            </a:r>
+            <a:endParaRPr lang="ru-RU" dirty="0"/>
+          </a:p>
+        </p:txBody>
+      </p:sp>
+      <p:sp>
+        <p:nvSpPr>
+          <p:cNvPr id="10" name="TextBox 9"/>
+          <p:cNvSpPr txBox="1"/>
+          <p:nvPr/>
+        </p:nvSpPr>
+        <p:spPr>
+          <a:xfrm>
+            <a:off x="3377822" y="1344304"/>
+            <a:ext cx="1453485" cy="1200329"/>
+          </a:xfrm>
+          <a:prstGeom prst="rect">
+            <a:avLst/>
+          </a:prstGeom>
+          <a:noFill/>
+        </p:spPr>
+        <p:txBody>
+          <a:bodyPr wrap="square" rtlCol="0">
+            <a:spAutoFit/>
+          </a:bodyPr>
+          <a:lstStyle/>
+          <a:p>
+            <a:pPr marL="285750" indent="-285750">
+              <a:buFont typeface="Arial" panose="020B0604020202020204" pitchFamily="34" charset="0"/>
+              <a:buChar char="•"/>
+            </a:pPr>
+            <a:r>
+              <a:rPr lang="en-US" dirty="0" smtClean="0"/>
+              <a:t>Id</a:t>
+            </a:r>
+          </a:p>
+          <a:p>
+            <a:pPr marL="285750" indent="-285750">
+              <a:buFont typeface="Arial" panose="020B0604020202020204" pitchFamily="34" charset="0"/>
+              <a:buChar char="•"/>
+            </a:pPr>
+            <a:r>
+              <a:rPr lang="en-US" dirty="0" smtClean="0"/>
+              <a:t>Name</a:t>
+            </a:r>
+          </a:p>
+          <a:p>
+            <a:pPr marL="285750" indent="-285750">
+              <a:buFont typeface="Arial" panose="020B0604020202020204" pitchFamily="34" charset="0"/>
+              <a:buChar char="•"/>
+            </a:pPr>
+            <a:r>
+              <a:rPr lang="en-US" dirty="0" smtClean="0"/>
+              <a:t>Section</a:t>
+            </a:r>
+          </a:p>
+          <a:p>
+            <a:pPr marL="285750" indent="-285750">
+              <a:buFont typeface="Arial" panose="020B0604020202020204" pitchFamily="34" charset="0"/>
+              <a:buChar char="•"/>
+            </a:pPr>
+            <a:r>
+              <a:rPr lang="en-US" dirty="0" err="1" smtClean="0"/>
+              <a:t>OrdinalNo</a:t>
+            </a:r>
             <a:endParaRPr lang="en-US" dirty="0" smtClean="0"/>
           </a:p>
-          <a:p>
-            <a:r>
-              <a:rPr lang="en-US" dirty="0" smtClean="0"/>
-              <a:t>Currently the project consists of 2 different modules – specific static site middleware and dashboard UI with REST API.</a:t>
-            </a:r>
-          </a:p>
-          <a:p>
-            <a:endParaRPr lang="en-US" dirty="0" smtClean="0"/>
-          </a:p>
-          <a:p>
-            <a:r>
-              <a:rPr lang="en-US" dirty="0" smtClean="0"/>
-              <a:t>All you need is to choose your site name &amp; upload site content (*.html, *.</a:t>
-            </a:r>
-            <a:r>
-              <a:rPr lang="en-US" dirty="0" err="1" smtClean="0"/>
-              <a:t>js</a:t>
-            </a:r>
-            <a:r>
-              <a:rPr lang="en-US" dirty="0" smtClean="0"/>
-              <a:t>. *.</a:t>
-            </a:r>
-            <a:r>
-              <a:rPr lang="en-US" dirty="0" err="1" smtClean="0"/>
-              <a:t>css</a:t>
-            </a:r>
-            <a:r>
-              <a:rPr lang="en-US" dirty="0" smtClean="0"/>
-              <a:t>).  You also may choose the landing page for your site. After it your site will be able on the route</a:t>
-            </a:r>
-          </a:p>
-          <a:p>
-            <a:r>
-              <a:rPr lang="en-US" b="1" dirty="0" smtClean="0"/>
-              <a:t>http://{Your site name}/{landing page}</a:t>
-            </a:r>
-            <a:r>
-              <a:rPr lang="en-US" dirty="0" smtClean="0"/>
-              <a:t>.</a:t>
-            </a:r>
-          </a:p>
-          <a:p>
-            <a:endParaRPr lang="en-US" dirty="0" smtClean="0"/>
-          </a:p>
-          <a:p>
-            <a:r>
-              <a:rPr lang="en-US" dirty="0" smtClean="0"/>
-              <a:t>To host your sites, the account registration is required. After registration you have a possibility to view your sites and manage them using our </a:t>
-            </a:r>
-            <a:r>
-              <a:rPr lang="en-US" b="1" dirty="0" smtClean="0"/>
-              <a:t>Dashboard</a:t>
-            </a:r>
-            <a:r>
-              <a:rPr lang="en-US" dirty="0" smtClean="0"/>
-              <a:t>. </a:t>
+        </p:txBody>
+      </p:sp>
+      <p:cxnSp>
+        <p:nvCxnSpPr>
+          <p:cNvPr id="14" name="Elbow Connector 13"/>
+          <p:cNvCxnSpPr/>
+          <p:nvPr/>
+        </p:nvCxnSpPr>
+        <p:spPr>
+          <a:xfrm rot="10800000">
+            <a:off x="2545308" y="1542197"/>
+            <a:ext cx="682389" cy="516256"/>
+          </a:xfrm>
+          <a:prstGeom prst="bentConnector3">
+            <a:avLst>
+              <a:gd name="adj1" fmla="val 50000"/>
+            </a:avLst>
+          </a:prstGeom>
+          <a:ln>
+            <a:tailEnd type="triangle"/>
+          </a:ln>
+        </p:spPr>
+        <p:style>
+          <a:lnRef idx="1">
+            <a:schemeClr val="accent1"/>
+          </a:lnRef>
+          <a:fillRef idx="0">
+            <a:schemeClr val="accent1"/>
+          </a:fillRef>
+          <a:effectRef idx="0">
+            <a:schemeClr val="accent1"/>
+          </a:effectRef>
+          <a:fontRef idx="minor">
+            <a:schemeClr val="tx1"/>
+          </a:fontRef>
+        </p:style>
+      </p:cxnSp>
+      <p:sp>
+        <p:nvSpPr>
+          <p:cNvPr id="2" name="Rectangle 1"/>
+          <p:cNvSpPr/>
+          <p:nvPr/>
+        </p:nvSpPr>
+        <p:spPr>
+          <a:xfrm>
+            <a:off x="5616055" y="866274"/>
+            <a:ext cx="2117558" cy="1788216"/>
+          </a:xfrm>
+          <a:prstGeom prst="rect">
+            <a:avLst/>
+          </a:prstGeom>
+          <a:noFill/>
+        </p:spPr>
+        <p:style>
+          <a:lnRef idx="2">
+            <a:schemeClr val="accent1">
+              <a:shade val="50000"/>
+            </a:schemeClr>
+          </a:lnRef>
+          <a:fillRef idx="1">
+            <a:schemeClr val="accent1"/>
+          </a:fillRef>
+          <a:effectRef idx="0">
+            <a:schemeClr val="accent1"/>
+          </a:effectRef>
+          <a:fontRef idx="minor">
+            <a:schemeClr val="lt1"/>
+          </a:fontRef>
+        </p:style>
+        <p:txBody>
+          <a:bodyPr rtlCol="0" anchor="ctr"/>
+          <a:lstStyle/>
+          <a:p>
+            <a:pPr algn="ctr"/>
+            <a:endParaRPr lang="ru-RU"/>
+          </a:p>
+        </p:txBody>
+      </p:sp>
+      <p:sp>
+        <p:nvSpPr>
+          <p:cNvPr id="3" name="TextBox 2"/>
+          <p:cNvSpPr txBox="1"/>
+          <p:nvPr/>
+        </p:nvSpPr>
+        <p:spPr>
+          <a:xfrm>
+            <a:off x="5780905" y="939335"/>
+            <a:ext cx="1787857" cy="369332"/>
+          </a:xfrm>
+          <a:prstGeom prst="rect">
+            <a:avLst/>
+          </a:prstGeom>
+          <a:noFill/>
+        </p:spPr>
+        <p:txBody>
+          <a:bodyPr wrap="square" rtlCol="0">
+            <a:spAutoFit/>
+          </a:bodyPr>
+          <a:lstStyle/>
+          <a:p>
+            <a:r>
+              <a:rPr lang="en-US" dirty="0" smtClean="0"/>
+              <a:t>Topic Paragraph</a:t>
             </a:r>
             <a:endParaRPr lang="ru-RU" dirty="0"/>
           </a:p>
         </p:txBody>
       </p:sp>
+      <p:sp>
+        <p:nvSpPr>
+          <p:cNvPr id="12" name="TextBox 11"/>
+          <p:cNvSpPr txBox="1"/>
+          <p:nvPr/>
+        </p:nvSpPr>
+        <p:spPr>
+          <a:xfrm>
+            <a:off x="5875362" y="1323752"/>
+            <a:ext cx="1248769" cy="1200329"/>
+          </a:xfrm>
+          <a:prstGeom prst="rect">
+            <a:avLst/>
+          </a:prstGeom>
+          <a:noFill/>
+        </p:spPr>
+        <p:txBody>
+          <a:bodyPr wrap="square" rtlCol="0">
+            <a:spAutoFit/>
+          </a:bodyPr>
+          <a:lstStyle/>
+          <a:p>
+            <a:pPr marL="285750" indent="-285750">
+              <a:buFont typeface="Arial" panose="020B0604020202020204" pitchFamily="34" charset="0"/>
+              <a:buChar char="•"/>
+            </a:pPr>
+            <a:r>
+              <a:rPr lang="en-US" dirty="0" smtClean="0"/>
+              <a:t>Id</a:t>
+            </a:r>
+          </a:p>
+          <a:p>
+            <a:pPr marL="285750" indent="-285750">
+              <a:buFont typeface="Arial" panose="020B0604020202020204" pitchFamily="34" charset="0"/>
+              <a:buChar char="•"/>
+            </a:pPr>
+            <a:r>
+              <a:rPr lang="en-US" dirty="0" smtClean="0"/>
+              <a:t>Name</a:t>
+            </a:r>
+          </a:p>
+          <a:p>
+            <a:pPr marL="285750" indent="-285750">
+              <a:buFont typeface="Arial" panose="020B0604020202020204" pitchFamily="34" charset="0"/>
+              <a:buChar char="•"/>
+            </a:pPr>
+            <a:r>
+              <a:rPr lang="en-US" dirty="0" smtClean="0"/>
+              <a:t>Topic</a:t>
+            </a:r>
+          </a:p>
+          <a:p>
+            <a:pPr marL="285750" indent="-285750">
+              <a:buFont typeface="Arial" panose="020B0604020202020204" pitchFamily="34" charset="0"/>
+              <a:buChar char="•"/>
+            </a:pPr>
+            <a:r>
+              <a:rPr lang="en-US" dirty="0" smtClean="0"/>
+              <a:t>Content</a:t>
+            </a:r>
+          </a:p>
+        </p:txBody>
+      </p:sp>
+      <p:cxnSp>
+        <p:nvCxnSpPr>
+          <p:cNvPr id="13" name="Elbow Connector 12"/>
+          <p:cNvCxnSpPr/>
+          <p:nvPr/>
+        </p:nvCxnSpPr>
+        <p:spPr>
+          <a:xfrm rot="10800000">
+            <a:off x="4935945" y="1530821"/>
+            <a:ext cx="682389" cy="516256"/>
+          </a:xfrm>
+          <a:prstGeom prst="bentConnector3">
+            <a:avLst>
+              <a:gd name="adj1" fmla="val 50000"/>
+            </a:avLst>
+          </a:prstGeom>
+          <a:ln>
+            <a:tailEnd type="triangle"/>
+          </a:ln>
+        </p:spPr>
+        <p:style>
+          <a:lnRef idx="1">
+            <a:schemeClr val="accent1"/>
+          </a:lnRef>
+          <a:fillRef idx="0">
+            <a:schemeClr val="accent1"/>
+          </a:fillRef>
+          <a:effectRef idx="0">
+            <a:schemeClr val="accent1"/>
+          </a:effectRef>
+          <a:fontRef idx="minor">
+            <a:schemeClr val="tx1"/>
+          </a:fontRef>
+        </p:style>
+      </p:cxnSp>
     </p:spTree>
     <p:extLst>
       <p:ext uri="{BB962C8B-B14F-4D97-AF65-F5344CB8AC3E}">
-        <p14:creationId xmlns:p14="http://schemas.microsoft.com/office/powerpoint/2010/main" val="1927936537"/>
+        <p14:creationId xmlns:p14="http://schemas.microsoft.com/office/powerpoint/2010/main" val="1228147777"/>
       </p:ext>
     </p:extLst>
   </p:cSld>
@@ -7170,7 +7403,7 @@
           <a:p>
             <a:r>
               <a:rPr lang="en-US" dirty="0" smtClean="0"/>
-              <a:t>Help – Dashboard</a:t>
+              <a:t>Help – Getting Started</a:t>
             </a:r>
             <a:endParaRPr lang="ru-RU" dirty="0"/>
           </a:p>
@@ -7270,13 +7503,13 @@
           <a:lstStyle/>
           <a:p>
             <a:r>
-              <a:rPr lang="en-US" dirty="0" smtClean="0"/>
+              <a:rPr lang="en-US" b="1" dirty="0" smtClean="0"/>
               <a:t>Getting started</a:t>
             </a:r>
           </a:p>
           <a:p>
             <a:r>
-              <a:rPr lang="en-US" b="1" dirty="0" smtClean="0"/>
+              <a:rPr lang="en-US" dirty="0" smtClean="0"/>
               <a:t>Dashboard</a:t>
             </a:r>
           </a:p>
@@ -7345,7 +7578,7 @@
         <p:spPr>
           <a:xfrm>
             <a:off x="3043062" y="1189085"/>
-            <a:ext cx="8598090" cy="3970318"/>
+            <a:ext cx="8598090" cy="3693319"/>
           </a:xfrm>
           <a:prstGeom prst="rect">
             <a:avLst/>
@@ -7360,170 +7593,90 @@
           <a:p>
             <a:r>
               <a:rPr lang="en-US" b="1" dirty="0" smtClean="0"/>
+              <a:t>AVS </a:t>
+            </a:r>
+            <a:r>
+              <a:rPr lang="en-US" b="1" dirty="0" err="1" smtClean="0"/>
+              <a:t>StaticSite</a:t>
+            </a:r>
+            <a:r>
+              <a:rPr lang="en-US" b="1" dirty="0" smtClean="0"/>
+              <a:t> Hosting</a:t>
+            </a:r>
+            <a:r>
+              <a:rPr lang="en-US" dirty="0" smtClean="0"/>
+              <a:t> allows a user to host simple static site and manage it. The user can turn site on or off, upload different types of content, remove some content, or delete site at all. </a:t>
+            </a:r>
+            <a:endParaRPr lang="ru-RU" dirty="0" smtClean="0"/>
+          </a:p>
+          <a:p>
+            <a:endParaRPr lang="en-US" dirty="0" smtClean="0"/>
+          </a:p>
+          <a:p>
+            <a:r>
+              <a:rPr lang="en-US" dirty="0" smtClean="0"/>
+              <a:t>Currently the project consists of 2 different modules – specific static site middleware and dashboard UI with REST API.</a:t>
+            </a:r>
+          </a:p>
+          <a:p>
+            <a:endParaRPr lang="en-US" dirty="0" smtClean="0"/>
+          </a:p>
+          <a:p>
+            <a:r>
+              <a:rPr lang="en-US" dirty="0" smtClean="0"/>
+              <a:t>All you need is to choose your site name &amp; upload site content (*.html, *.</a:t>
+            </a:r>
+            <a:r>
+              <a:rPr lang="en-US" dirty="0" err="1" smtClean="0"/>
+              <a:t>js</a:t>
+            </a:r>
+            <a:r>
+              <a:rPr lang="en-US" dirty="0" smtClean="0"/>
+              <a:t>. *.</a:t>
+            </a:r>
+            <a:r>
+              <a:rPr lang="en-US" dirty="0" err="1" smtClean="0"/>
+              <a:t>css</a:t>
+            </a:r>
+            <a:r>
+              <a:rPr lang="en-US" dirty="0" smtClean="0"/>
+              <a:t>).  You also may choose the landing page for your site. After it your site will be able on the route</a:t>
+            </a:r>
+          </a:p>
+          <a:p>
+            <a:r>
+              <a:rPr lang="en-US" b="1" dirty="0" smtClean="0"/>
+              <a:t>http://{Your site name}/{landing page}</a:t>
+            </a:r>
+            <a:r>
+              <a:rPr lang="en-US" dirty="0" smtClean="0"/>
+              <a:t>.</a:t>
+            </a:r>
+          </a:p>
+          <a:p>
+            <a:endParaRPr lang="en-US" dirty="0" smtClean="0"/>
+          </a:p>
+          <a:p>
+            <a:r>
+              <a:rPr lang="en-US" dirty="0" smtClean="0"/>
+              <a:t>To host your sites, the account registration is required. After registration you have a possibility to view your sites and manage them using our </a:t>
+            </a:r>
+            <a:r>
+              <a:rPr lang="en-US" b="1" dirty="0" smtClean="0"/>
               <a:t>Dashboard</a:t>
             </a:r>
             <a:r>
               <a:rPr lang="en-US" dirty="0" smtClean="0"/>
-              <a:t> page shows all your sites and allows to manage them. Each site must have a name required for site routing, but you can also provide a site description which can be displayed in the dashboard grid. The dashboard also provide additional information about sites including site creation date.  </a:t>
-            </a:r>
-          </a:p>
-          <a:p>
-            <a:endParaRPr lang="en-US" dirty="0"/>
-          </a:p>
-          <a:p>
-            <a:endParaRPr lang="en-US" dirty="0" smtClean="0"/>
-          </a:p>
-          <a:p>
-            <a:endParaRPr lang="en-US" dirty="0" smtClean="0"/>
-          </a:p>
-          <a:p>
-            <a:r>
-              <a:rPr lang="en-US" dirty="0" smtClean="0"/>
-              <a:t>Use </a:t>
-            </a:r>
-            <a:r>
-              <a:rPr lang="en-US" b="1" dirty="0" smtClean="0"/>
-              <a:t>action column</a:t>
-            </a:r>
-            <a:r>
-              <a:rPr lang="en-US" dirty="0" smtClean="0"/>
-              <a:t> buttons to manage the site selected. You can </a:t>
-            </a:r>
-            <a:r>
-              <a:rPr lang="en-US" b="1" dirty="0" smtClean="0"/>
-              <a:t>turn</a:t>
-            </a:r>
-            <a:r>
-              <a:rPr lang="en-US" dirty="0" smtClean="0"/>
-              <a:t> it </a:t>
-            </a:r>
-            <a:r>
-              <a:rPr lang="en-US" b="1" dirty="0" smtClean="0"/>
-              <a:t>on/off</a:t>
-            </a:r>
-            <a:r>
-              <a:rPr lang="en-US" dirty="0" smtClean="0"/>
-              <a:t>, edit (</a:t>
-            </a:r>
-            <a:r>
-              <a:rPr lang="en-US" b="1" dirty="0" smtClean="0"/>
-              <a:t>update</a:t>
-            </a:r>
-            <a:r>
-              <a:rPr lang="en-US" dirty="0" smtClean="0"/>
-              <a:t>), </a:t>
-            </a:r>
-            <a:r>
-              <a:rPr lang="en-US" b="1" dirty="0" smtClean="0"/>
-              <a:t>delete</a:t>
-            </a:r>
-            <a:r>
-              <a:rPr lang="en-US" dirty="0" smtClean="0"/>
-              <a:t> site, or </a:t>
-            </a:r>
-            <a:r>
-              <a:rPr lang="en-US" b="1" dirty="0" smtClean="0"/>
-              <a:t>browse</a:t>
-            </a:r>
-            <a:r>
-              <a:rPr lang="en-US" dirty="0" smtClean="0"/>
-              <a:t> it. If you select </a:t>
-            </a:r>
-            <a:r>
-              <a:rPr lang="en-US" b="1" dirty="0" smtClean="0"/>
-              <a:t>Update</a:t>
-            </a:r>
-            <a:r>
-              <a:rPr lang="en-US" dirty="0" smtClean="0"/>
-              <a:t>, the </a:t>
-            </a:r>
-            <a:r>
-              <a:rPr lang="en-US" b="1" dirty="0" smtClean="0"/>
-              <a:t>Edit Site </a:t>
-            </a:r>
-            <a:r>
-              <a:rPr lang="en-US" dirty="0" smtClean="0"/>
-              <a:t>page will open.</a:t>
-            </a:r>
-          </a:p>
-          <a:p>
-            <a:r>
-              <a:rPr lang="en-US" dirty="0" smtClean="0"/>
-              <a:t>Please note that selecting </a:t>
-            </a:r>
-            <a:r>
-              <a:rPr lang="en-US" b="1" dirty="0" smtClean="0"/>
-              <a:t>Delete</a:t>
-            </a:r>
-            <a:r>
-              <a:rPr lang="en-US" dirty="0" smtClean="0"/>
-              <a:t> and confirming your operation will remove all site data with the site content. Use this option very carefully.</a:t>
-            </a:r>
-          </a:p>
-          <a:p>
-            <a:endParaRPr lang="en-US" dirty="0"/>
-          </a:p>
-          <a:p>
-            <a:r>
-              <a:rPr lang="en-US" dirty="0" smtClean="0"/>
-              <a:t>The link </a:t>
-            </a:r>
-            <a:r>
-              <a:rPr lang="en-US" b="1" dirty="0" smtClean="0"/>
-              <a:t>Browse</a:t>
-            </a:r>
-            <a:r>
-              <a:rPr lang="en-US" dirty="0" smtClean="0"/>
-              <a:t> appears </a:t>
-            </a:r>
-            <a:r>
-              <a:rPr lang="en-US" b="1" dirty="0" smtClean="0"/>
-              <a:t>only</a:t>
-            </a:r>
-            <a:r>
-              <a:rPr lang="en-US" dirty="0" smtClean="0"/>
-              <a:t> if you have provided the landing page for site. You can do it using the </a:t>
-            </a:r>
-            <a:r>
-              <a:rPr lang="en-US" b="1" dirty="0" smtClean="0"/>
-              <a:t>Edit Site</a:t>
-            </a:r>
-            <a:r>
-              <a:rPr lang="en-US" dirty="0" smtClean="0"/>
-              <a:t> page.</a:t>
+              <a:t>. </a:t>
             </a:r>
             <a:endParaRPr lang="ru-RU" dirty="0"/>
           </a:p>
         </p:txBody>
       </p:sp>
-      <p:pic>
-        <p:nvPicPr>
-          <p:cNvPr id="3" name="Picture 2"/>
-          <p:cNvPicPr>
-            <a:picLocks noChangeAspect="1"/>
-          </p:cNvPicPr>
-          <p:nvPr/>
-        </p:nvPicPr>
-        <p:blipFill>
-          <a:blip r:embed="rId2"/>
-          <a:stretch>
-            <a:fillRect/>
-          </a:stretch>
-        </p:blipFill>
-        <p:spPr>
-          <a:xfrm>
-            <a:off x="3144835" y="2407104"/>
-            <a:ext cx="8701227" cy="665264"/>
-          </a:xfrm>
-          <a:prstGeom prst="rect">
-            <a:avLst/>
-          </a:prstGeom>
-        </p:spPr>
-      </p:pic>
     </p:spTree>
     <p:extLst>
       <p:ext uri="{BB962C8B-B14F-4D97-AF65-F5344CB8AC3E}">
-        <p14:creationId xmlns:p14="http://schemas.microsoft.com/office/powerpoint/2010/main" val="214815498"/>
+        <p14:creationId xmlns:p14="http://schemas.microsoft.com/office/powerpoint/2010/main" val="1927936537"/>
       </p:ext>
     </p:extLst>
   </p:cSld>
@@ -7572,7 +7725,7 @@
           <a:p>
             <a:r>
               <a:rPr lang="en-US" dirty="0" smtClean="0"/>
-              <a:t>Help – Create Site</a:t>
+              <a:t>Help – Dashboard</a:t>
             </a:r>
             <a:endParaRPr lang="ru-RU" dirty="0"/>
           </a:p>
@@ -7678,13 +7831,13 @@
           </a:p>
           <a:p>
             <a:r>
-              <a:rPr lang="en-US" dirty="0" smtClean="0"/>
+              <a:rPr lang="en-US" b="1" dirty="0" smtClean="0"/>
               <a:t>Dashboard</a:t>
             </a:r>
           </a:p>
           <a:p>
             <a:r>
-              <a:rPr lang="en-US" b="1" dirty="0" smtClean="0"/>
+              <a:rPr lang="en-US" dirty="0" smtClean="0"/>
               <a:t>Create site</a:t>
             </a:r>
           </a:p>
@@ -7740,14 +7893,14 @@
       </p:sp>
       <p:sp>
         <p:nvSpPr>
-          <p:cNvPr id="9" name="TextBox 8"/>
+          <p:cNvPr id="8" name="TextBox 7"/>
           <p:cNvSpPr txBox="1"/>
           <p:nvPr/>
         </p:nvSpPr>
         <p:spPr>
           <a:xfrm>
-            <a:off x="3104147" y="1245268"/>
-            <a:ext cx="8692816" cy="646331"/>
+            <a:off x="3043062" y="1189085"/>
+            <a:ext cx="8598090" cy="3970318"/>
           </a:xfrm>
           <a:prstGeom prst="rect">
             <a:avLst/>
@@ -7761,16 +7914,138 @@
           <a:lstStyle/>
           <a:p>
             <a:r>
-              <a:rPr lang="en-US" dirty="0" smtClean="0"/>
-              <a:t>To create new site installation, click the link </a:t>
-            </a:r>
-            <a:r>
               <a:rPr lang="en-US" b="1" dirty="0" smtClean="0"/>
-              <a:t>“Add new site…” </a:t>
-            </a:r>
-            <a:r>
-              <a:rPr lang="en-US" dirty="0" smtClean="0"/>
-              <a:t>in the Dashboard page. The Create Site page will open:</a:t>
+              <a:t>Dashboard</a:t>
+            </a:r>
+            <a:r>
+              <a:rPr lang="en-US" dirty="0" smtClean="0"/>
+              <a:t> page shows all your sites and allows to manage them. Each site must have a name required for site routing, but you can also provide a site description which can be displayed in the dashboard grid. The dashboard also provide additional information about sites including site creation date.  </a:t>
+            </a:r>
+          </a:p>
+          <a:p>
+            <a:endParaRPr lang="en-US" dirty="0"/>
+          </a:p>
+          <a:p>
+            <a:endParaRPr lang="en-US" dirty="0" smtClean="0"/>
+          </a:p>
+          <a:p>
+            <a:endParaRPr lang="en-US" dirty="0" smtClean="0"/>
+          </a:p>
+          <a:p>
+            <a:r>
+              <a:rPr lang="en-US" dirty="0" smtClean="0"/>
+              <a:t>Use </a:t>
+            </a:r>
+            <a:r>
+              <a:rPr lang="en-US" b="1" dirty="0" smtClean="0"/>
+              <a:t>action column</a:t>
+            </a:r>
+            <a:r>
+              <a:rPr lang="en-US" dirty="0" smtClean="0"/>
+              <a:t> buttons to manage the site selected. You can </a:t>
+            </a:r>
+            <a:r>
+              <a:rPr lang="en-US" b="1" dirty="0" smtClean="0"/>
+              <a:t>turn</a:t>
+            </a:r>
+            <a:r>
+              <a:rPr lang="en-US" dirty="0" smtClean="0"/>
+              <a:t> it </a:t>
+            </a:r>
+            <a:r>
+              <a:rPr lang="en-US" b="1" dirty="0" smtClean="0"/>
+              <a:t>on/off</a:t>
+            </a:r>
+            <a:r>
+              <a:rPr lang="en-US" dirty="0" smtClean="0"/>
+              <a:t>, edit (</a:t>
+            </a:r>
+            <a:r>
+              <a:rPr lang="en-US" b="1" dirty="0" smtClean="0"/>
+              <a:t>update</a:t>
+            </a:r>
+            <a:r>
+              <a:rPr lang="en-US" dirty="0" smtClean="0"/>
+              <a:t>), </a:t>
+            </a:r>
+            <a:r>
+              <a:rPr lang="en-US" b="1" dirty="0" smtClean="0"/>
+              <a:t>delete</a:t>
+            </a:r>
+            <a:r>
+              <a:rPr lang="en-US" dirty="0" smtClean="0"/>
+              <a:t> site, or </a:t>
+            </a:r>
+            <a:r>
+              <a:rPr lang="en-US" b="1" dirty="0" smtClean="0"/>
+              <a:t>browse</a:t>
+            </a:r>
+            <a:r>
+              <a:rPr lang="en-US" dirty="0" smtClean="0"/>
+              <a:t> it. If you select </a:t>
+            </a:r>
+            <a:r>
+              <a:rPr lang="en-US" b="1" dirty="0" smtClean="0"/>
+              <a:t>Update</a:t>
+            </a:r>
+            <a:r>
+              <a:rPr lang="en-US" dirty="0" smtClean="0"/>
+              <a:t>, the </a:t>
+            </a:r>
+            <a:r>
+              <a:rPr lang="en-US" b="1" dirty="0" smtClean="0"/>
+              <a:t>Edit Site </a:t>
+            </a:r>
+            <a:r>
+              <a:rPr lang="en-US" dirty="0" smtClean="0"/>
+              <a:t>page will open.</a:t>
+            </a:r>
+          </a:p>
+          <a:p>
+            <a:r>
+              <a:rPr lang="en-US" dirty="0" smtClean="0"/>
+              <a:t>Please note that selecting </a:t>
+            </a:r>
+            <a:r>
+              <a:rPr lang="en-US" b="1" dirty="0" smtClean="0"/>
+              <a:t>Delete</a:t>
+            </a:r>
+            <a:r>
+              <a:rPr lang="en-US" dirty="0" smtClean="0"/>
+              <a:t> and confirming your operation will remove all site data with the site content. Use this option very carefully.</a:t>
+            </a:r>
+          </a:p>
+          <a:p>
+            <a:endParaRPr lang="en-US" dirty="0"/>
+          </a:p>
+          <a:p>
+            <a:r>
+              <a:rPr lang="en-US" dirty="0" smtClean="0"/>
+              <a:t>The link </a:t>
+            </a:r>
+            <a:r>
+              <a:rPr lang="en-US" b="1" dirty="0" smtClean="0"/>
+              <a:t>Browse</a:t>
+            </a:r>
+            <a:r>
+              <a:rPr lang="en-US" dirty="0" smtClean="0"/>
+              <a:t> appears </a:t>
+            </a:r>
+            <a:r>
+              <a:rPr lang="en-US" b="1" dirty="0" smtClean="0"/>
+              <a:t>only</a:t>
+            </a:r>
+            <a:r>
+              <a:rPr lang="en-US" dirty="0" smtClean="0"/>
+              <a:t> if you have provided the landing page for site. You can do it using the </a:t>
+            </a:r>
+            <a:r>
+              <a:rPr lang="en-US" b="1" dirty="0" smtClean="0"/>
+              <a:t>Edit Site</a:t>
+            </a:r>
+            <a:r>
+              <a:rPr lang="en-US" dirty="0" smtClean="0"/>
+              <a:t> page.</a:t>
             </a:r>
             <a:endParaRPr lang="ru-RU" dirty="0"/>
           </a:p>
@@ -7778,7 +8053,7 @@
       </p:sp>
       <p:pic>
         <p:nvPicPr>
-          <p:cNvPr id="10" name="Picture 9"/>
+          <p:cNvPr id="3" name="Picture 2"/>
           <p:cNvPicPr>
             <a:picLocks noChangeAspect="1"/>
           </p:cNvPicPr>
@@ -7792,214 +8067,18 @@
         </p:blipFill>
         <p:spPr>
           <a:xfrm>
-            <a:off x="3227576" y="1891599"/>
-            <a:ext cx="5501335" cy="2457488"/>
+            <a:off x="3144835" y="2407104"/>
+            <a:ext cx="8701227" cy="665264"/>
           </a:xfrm>
           <a:prstGeom prst="rect">
             <a:avLst/>
           </a:prstGeom>
         </p:spPr>
       </p:pic>
-      <p:sp>
-        <p:nvSpPr>
-          <p:cNvPr id="11" name="TextBox 10"/>
-          <p:cNvSpPr txBox="1"/>
-          <p:nvPr/>
-        </p:nvSpPr>
-        <p:spPr>
-          <a:xfrm>
-            <a:off x="8728911" y="1800592"/>
-            <a:ext cx="2989847" cy="2031325"/>
-          </a:xfrm>
-          <a:prstGeom prst="rect">
-            <a:avLst/>
-          </a:prstGeom>
-          <a:noFill/>
-        </p:spPr>
-        <p:txBody>
-          <a:bodyPr wrap="square" rtlCol="0">
-            <a:spAutoFit/>
-          </a:bodyPr>
-          <a:lstStyle/>
-          <a:p>
-            <a:r>
-              <a:rPr lang="en-US" dirty="0" smtClean="0"/>
-              <a:t>Enter a site name (required), description (optional), and landing page (e.g. index.html).</a:t>
-            </a:r>
-          </a:p>
-          <a:p>
-            <a:r>
-              <a:rPr lang="en-US" dirty="0" smtClean="0"/>
-              <a:t>Check </a:t>
-            </a:r>
-            <a:r>
-              <a:rPr lang="en-US" b="1" dirty="0" smtClean="0"/>
-              <a:t>“Is Active”</a:t>
-            </a:r>
-            <a:r>
-              <a:rPr lang="en-US" dirty="0" smtClean="0"/>
-              <a:t> if you want the new site to be accessible for routing.</a:t>
-            </a:r>
-            <a:endParaRPr lang="ru-RU" dirty="0"/>
-          </a:p>
-        </p:txBody>
-      </p:sp>
-      <p:sp>
-        <p:nvSpPr>
-          <p:cNvPr id="12" name="TextBox 11"/>
-          <p:cNvSpPr txBox="1"/>
-          <p:nvPr/>
-        </p:nvSpPr>
-        <p:spPr>
-          <a:xfrm>
-            <a:off x="8750072" y="3792853"/>
-            <a:ext cx="2737184" cy="646331"/>
-          </a:xfrm>
-          <a:prstGeom prst="rect">
-            <a:avLst/>
-          </a:prstGeom>
-          <a:noFill/>
-        </p:spPr>
-        <p:txBody>
-          <a:bodyPr wrap="square" rtlCol="0">
-            <a:spAutoFit/>
-          </a:bodyPr>
-          <a:lstStyle/>
-          <a:p>
-            <a:r>
-              <a:rPr lang="en-US" dirty="0" smtClean="0"/>
-              <a:t>Upload site content using </a:t>
-            </a:r>
-            <a:r>
-              <a:rPr lang="en-US" b="1" dirty="0" smtClean="0"/>
-              <a:t>Upload Files</a:t>
-            </a:r>
-            <a:r>
-              <a:rPr lang="en-US" dirty="0" smtClean="0"/>
-              <a:t> section</a:t>
-            </a:r>
-            <a:endParaRPr lang="ru-RU" dirty="0"/>
-          </a:p>
-        </p:txBody>
-      </p:sp>
-      <p:sp>
-        <p:nvSpPr>
-          <p:cNvPr id="14" name="TextBox 13"/>
-          <p:cNvSpPr txBox="1"/>
-          <p:nvPr/>
-        </p:nvSpPr>
-        <p:spPr>
-          <a:xfrm>
-            <a:off x="3123751" y="4426704"/>
-            <a:ext cx="8653608" cy="923330"/>
-          </a:xfrm>
-          <a:prstGeom prst="rect">
-            <a:avLst/>
-          </a:prstGeom>
-          <a:noFill/>
-        </p:spPr>
-        <p:txBody>
-          <a:bodyPr wrap="square" rtlCol="0">
-            <a:spAutoFit/>
-          </a:bodyPr>
-          <a:lstStyle/>
-          <a:p>
-            <a:r>
-              <a:rPr lang="en-US" dirty="0" smtClean="0"/>
-              <a:t>For upload you can specify </a:t>
-            </a:r>
-            <a:r>
-              <a:rPr lang="en-US" b="1" dirty="0" smtClean="0"/>
-              <a:t>destination path</a:t>
-            </a:r>
-            <a:r>
-              <a:rPr lang="en-US" dirty="0" smtClean="0"/>
-              <a:t>. For example, if you have a reference like </a:t>
-            </a:r>
-            <a:r>
-              <a:rPr lang="en-US" dirty="0" err="1" smtClean="0"/>
-              <a:t>js</a:t>
-            </a:r>
-            <a:r>
-              <a:rPr lang="en-US" dirty="0" smtClean="0"/>
-              <a:t>/my-site.js in your index.html, you should upload my-site.js and specify destination path as </a:t>
-            </a:r>
-            <a:r>
-              <a:rPr lang="en-US" dirty="0" err="1" smtClean="0"/>
-              <a:t>js</a:t>
-            </a:r>
-            <a:r>
-              <a:rPr lang="en-US" dirty="0" smtClean="0"/>
-              <a:t>. Files without destination path are placed in the site root directory.</a:t>
-            </a:r>
-            <a:endParaRPr lang="ru-RU" dirty="0"/>
-          </a:p>
-        </p:txBody>
-      </p:sp>
-      <p:sp>
-        <p:nvSpPr>
-          <p:cNvPr id="15" name="TextBox 14"/>
-          <p:cNvSpPr txBox="1"/>
-          <p:nvPr/>
-        </p:nvSpPr>
-        <p:spPr>
-          <a:xfrm>
-            <a:off x="3123751" y="5327011"/>
-            <a:ext cx="8404058" cy="923330"/>
-          </a:xfrm>
-          <a:prstGeom prst="rect">
-            <a:avLst/>
-          </a:prstGeom>
-          <a:noFill/>
-        </p:spPr>
-        <p:txBody>
-          <a:bodyPr wrap="square" rtlCol="0">
-            <a:spAutoFit/>
-          </a:bodyPr>
-          <a:lstStyle/>
-          <a:p>
-            <a:r>
-              <a:rPr lang="en-US" dirty="0" smtClean="0"/>
-              <a:t>You can provide resource mappings for the content files uploaded. For example, if there is a file like about.html and you have provided the resource mapping for it as “about”, the file will be available through the route http://{your site}/about.</a:t>
-            </a:r>
-            <a:endParaRPr lang="ru-RU" dirty="0"/>
-          </a:p>
-        </p:txBody>
-      </p:sp>
-      <p:sp>
-        <p:nvSpPr>
-          <p:cNvPr id="16" name="TextBox 15"/>
-          <p:cNvSpPr txBox="1"/>
-          <p:nvPr/>
-        </p:nvSpPr>
-        <p:spPr>
-          <a:xfrm>
-            <a:off x="3123751" y="6294307"/>
-            <a:ext cx="8208440" cy="369332"/>
-          </a:xfrm>
-          <a:prstGeom prst="rect">
-            <a:avLst/>
-          </a:prstGeom>
-          <a:noFill/>
-        </p:spPr>
-        <p:txBody>
-          <a:bodyPr wrap="square" rtlCol="0">
-            <a:spAutoFit/>
-          </a:bodyPr>
-          <a:lstStyle/>
-          <a:p>
-            <a:r>
-              <a:rPr lang="en-US" dirty="0" smtClean="0"/>
-              <a:t>To create a site, you have to upload some content and set the site name.</a:t>
-            </a:r>
-            <a:endParaRPr lang="ru-RU" dirty="0"/>
-          </a:p>
-        </p:txBody>
-      </p:sp>
     </p:spTree>
     <p:extLst>
       <p:ext uri="{BB962C8B-B14F-4D97-AF65-F5344CB8AC3E}">
-        <p14:creationId xmlns:p14="http://schemas.microsoft.com/office/powerpoint/2010/main" val="757399734"/>
+        <p14:creationId xmlns:p14="http://schemas.microsoft.com/office/powerpoint/2010/main" val="214815498"/>
       </p:ext>
     </p:extLst>
   </p:cSld>
@@ -8048,7 +8127,7 @@
           <a:p>
             <a:r>
               <a:rPr lang="en-US" dirty="0" smtClean="0"/>
-              <a:t>Help – Site Management</a:t>
+              <a:t>Help – Create Site</a:t>
             </a:r>
             <a:endParaRPr lang="ru-RU" dirty="0"/>
           </a:p>
@@ -8160,16 +8239,16 @@
           </a:p>
           <a:p>
             <a:r>
-              <a:rPr lang="en-US" dirty="0" smtClean="0"/>
+              <a:rPr lang="en-US" b="1" dirty="0" smtClean="0"/>
               <a:t>Create site</a:t>
             </a:r>
           </a:p>
           <a:p>
             <a:r>
-              <a:rPr lang="en-US" b="1" dirty="0" smtClean="0"/>
+              <a:rPr lang="en-US" dirty="0" smtClean="0"/>
               <a:t>Site management</a:t>
             </a:r>
-            <a:endParaRPr lang="ru-RU" b="1" dirty="0"/>
+            <a:endParaRPr lang="ru-RU" dirty="0"/>
           </a:p>
         </p:txBody>
       </p:sp>
@@ -8216,13 +8295,13 @@
       </p:sp>
       <p:sp>
         <p:nvSpPr>
-          <p:cNvPr id="3" name="TextBox 2"/>
+          <p:cNvPr id="9" name="TextBox 8"/>
           <p:cNvSpPr txBox="1"/>
           <p:nvPr/>
         </p:nvSpPr>
         <p:spPr>
           <a:xfrm>
-            <a:off x="3043062" y="1119962"/>
+            <a:off x="3104147" y="1245268"/>
             <a:ext cx="8692816" cy="646331"/>
           </a:xfrm>
           <a:prstGeom prst="rect">
@@ -8238,30 +8317,54 @@
           <a:p>
             <a:r>
               <a:rPr lang="en-US" dirty="0" smtClean="0"/>
-              <a:t>Use </a:t>
+              <a:t>To create new site installation, click the link </a:t>
             </a:r>
             <a:r>
               <a:rPr lang="en-US" b="1" dirty="0" smtClean="0"/>
-              <a:t>Update </a:t>
-            </a:r>
-            <a:r>
-              <a:rPr lang="en-US" dirty="0" smtClean="0"/>
-              <a:t>link in the dashboard page to start editing the site selected. The user interface used for site editing is the same that you saw when creating a new site.</a:t>
+              <a:t>“Add new site…” </a:t>
+            </a:r>
+            <a:r>
+              <a:rPr lang="en-US" dirty="0" smtClean="0"/>
+              <a:t>in the Dashboard page. The Create Site page will open:</a:t>
             </a:r>
             <a:endParaRPr lang="ru-RU" dirty="0"/>
           </a:p>
         </p:txBody>
       </p:sp>
-      <p:sp>
-        <p:nvSpPr>
-          <p:cNvPr id="8" name="TextBox 7"/>
+      <p:pic>
+        <p:nvPicPr>
+          <p:cNvPr id="10" name="Picture 9"/>
+          <p:cNvPicPr>
+            <a:picLocks noChangeAspect="1"/>
+          </p:cNvPicPr>
+          <p:nvPr/>
+        </p:nvPicPr>
+        <p:blipFill>
+          <a:blip r:embed="rId2"/>
+          <a:stretch>
+            <a:fillRect/>
+          </a:stretch>
+        </p:blipFill>
+        <p:spPr>
+          <a:xfrm>
+            <a:off x="3227576" y="1891599"/>
+            <a:ext cx="5501335" cy="2457488"/>
+          </a:xfrm>
+          <a:prstGeom prst="rect">
+            <a:avLst/>
+          </a:prstGeom>
+        </p:spPr>
+      </p:pic>
+      <p:sp>
+        <p:nvSpPr>
+          <p:cNvPr id="11" name="TextBox 10"/>
           <p:cNvSpPr txBox="1"/>
           <p:nvPr/>
         </p:nvSpPr>
         <p:spPr>
           <a:xfrm>
-            <a:off x="3043062" y="1864371"/>
-            <a:ext cx="8091237" cy="923330"/>
+            <a:off x="8728911" y="1800592"/>
+            <a:ext cx="2989847" cy="2031325"/>
           </a:xfrm>
           <a:prstGeom prst="rect">
             <a:avLst/>
@@ -8276,15 +8379,21 @@
           <a:p>
             <a:r>
               <a:rPr lang="en-US" dirty="0" smtClean="0"/>
-              <a:t>During editing, you can change site name, description, landing page and resource mappings. You can also make your site active or inactive. Also there is possibility to upload new files for the site content using </a:t>
+              <a:t>Enter a site name (required), description (optional), and landing page (e.g. index.html).</a:t>
+            </a:r>
+          </a:p>
+          <a:p>
+            <a:r>
+              <a:rPr lang="en-US" dirty="0" smtClean="0"/>
+              <a:t>Check </a:t>
             </a:r>
             <a:r>
               <a:rPr lang="en-US" b="1" dirty="0" smtClean="0"/>
-              <a:t>Upload Files</a:t>
-            </a:r>
-            <a:r>
-              <a:rPr lang="en-US" dirty="0" smtClean="0"/>
-              <a:t> section.</a:t>
+              <a:t>“Is Active”</a:t>
+            </a:r>
+            <a:r>
+              <a:rPr lang="en-US" dirty="0" smtClean="0"/>
+              <a:t> if you want the new site to be accessible for routing.</a:t>
             </a:r>
             <a:endParaRPr lang="ru-RU" dirty="0"/>
           </a:p>
@@ -8292,14 +8401,14 @@
       </p:sp>
       <p:sp>
         <p:nvSpPr>
-          <p:cNvPr id="9" name="TextBox 8"/>
+          <p:cNvPr id="12" name="TextBox 11"/>
           <p:cNvSpPr txBox="1"/>
           <p:nvPr/>
         </p:nvSpPr>
         <p:spPr>
           <a:xfrm>
-            <a:off x="3043062" y="2947159"/>
-            <a:ext cx="8625565" cy="2031325"/>
+            <a:off x="8750072" y="3792853"/>
+            <a:ext cx="2737184" cy="646331"/>
           </a:xfrm>
           <a:prstGeom prst="rect">
             <a:avLst/>
@@ -8314,24 +8423,129 @@
           <a:p>
             <a:r>
               <a:rPr lang="en-US" dirty="0" smtClean="0"/>
-              <a:t>Please note that the new site name you have entered is validated against the names of all existing sites. So, if you enter a name that is already in use by other user or site, you will be warned and you will have to change the site name. It </a:t>
+              <a:t>Upload site content using </a:t>
             </a:r>
             <a:r>
               <a:rPr lang="en-US" b="1" dirty="0" smtClean="0"/>
-              <a:t>must be unique</a:t>
-            </a:r>
-            <a:r>
-              <a:rPr lang="en-US" dirty="0" smtClean="0"/>
-              <a:t> among all users/sites to provide correct site routing.</a:t>
-            </a:r>
-          </a:p>
-          <a:p>
-            <a:endParaRPr lang="en-US" dirty="0"/>
-          </a:p>
-          <a:p>
-            <a:r>
-              <a:rPr lang="en-US" dirty="0" smtClean="0"/>
-              <a:t>Also if you try to upload a file that has already been uploaded with the site content, it just will be replaced.</a:t>
+              <a:t>Upload Files</a:t>
+            </a:r>
+            <a:r>
+              <a:rPr lang="en-US" dirty="0" smtClean="0"/>
+              <a:t> section</a:t>
+            </a:r>
+            <a:endParaRPr lang="ru-RU" dirty="0"/>
+          </a:p>
+        </p:txBody>
+      </p:sp>
+      <p:sp>
+        <p:nvSpPr>
+          <p:cNvPr id="14" name="TextBox 13"/>
+          <p:cNvSpPr txBox="1"/>
+          <p:nvPr/>
+        </p:nvSpPr>
+        <p:spPr>
+          <a:xfrm>
+            <a:off x="3123751" y="4426704"/>
+            <a:ext cx="8653608" cy="923330"/>
+          </a:xfrm>
+          <a:prstGeom prst="rect">
+            <a:avLst/>
+          </a:prstGeom>
+          <a:noFill/>
+        </p:spPr>
+        <p:txBody>
+          <a:bodyPr wrap="square" rtlCol="0">
+            <a:spAutoFit/>
+          </a:bodyPr>
+          <a:lstStyle/>
+          <a:p>
+            <a:r>
+              <a:rPr lang="en-US" dirty="0" smtClean="0"/>
+              <a:t>For upload you can specify </a:t>
+            </a:r>
+            <a:r>
+              <a:rPr lang="en-US" b="1" dirty="0" smtClean="0"/>
+              <a:t>destination path</a:t>
+            </a:r>
+            <a:r>
+              <a:rPr lang="en-US" dirty="0" smtClean="0"/>
+              <a:t>. For example, if you have a reference like </a:t>
+            </a:r>
+            <a:r>
+              <a:rPr lang="en-US" dirty="0" err="1" smtClean="0"/>
+              <a:t>js</a:t>
+            </a:r>
+            <a:r>
+              <a:rPr lang="en-US" dirty="0" smtClean="0"/>
+              <a:t>/my-site.js in your index.html, you should upload my-site.js and specify destination path as </a:t>
+            </a:r>
+            <a:r>
+              <a:rPr lang="en-US" dirty="0" err="1" smtClean="0"/>
+              <a:t>js</a:t>
+            </a:r>
+            <a:r>
+              <a:rPr lang="en-US" dirty="0" smtClean="0"/>
+              <a:t>. Files without destination path are placed in the site root directory.</a:t>
+            </a:r>
+            <a:endParaRPr lang="ru-RU" dirty="0"/>
+          </a:p>
+        </p:txBody>
+      </p:sp>
+      <p:sp>
+        <p:nvSpPr>
+          <p:cNvPr id="15" name="TextBox 14"/>
+          <p:cNvSpPr txBox="1"/>
+          <p:nvPr/>
+        </p:nvSpPr>
+        <p:spPr>
+          <a:xfrm>
+            <a:off x="3123751" y="5327011"/>
+            <a:ext cx="8404058" cy="923330"/>
+          </a:xfrm>
+          <a:prstGeom prst="rect">
+            <a:avLst/>
+          </a:prstGeom>
+          <a:noFill/>
+        </p:spPr>
+        <p:txBody>
+          <a:bodyPr wrap="square" rtlCol="0">
+            <a:spAutoFit/>
+          </a:bodyPr>
+          <a:lstStyle/>
+          <a:p>
+            <a:r>
+              <a:rPr lang="en-US" dirty="0" smtClean="0"/>
+              <a:t>You can provide resource mappings for the content files uploaded. For example, if there is a file like about.html and you have provided the resource mapping for it as “about”, the file will be available through the route http://{your site}/about.</a:t>
+            </a:r>
+            <a:endParaRPr lang="ru-RU" dirty="0"/>
+          </a:p>
+        </p:txBody>
+      </p:sp>
+      <p:sp>
+        <p:nvSpPr>
+          <p:cNvPr id="16" name="TextBox 15"/>
+          <p:cNvSpPr txBox="1"/>
+          <p:nvPr/>
+        </p:nvSpPr>
+        <p:spPr>
+          <a:xfrm>
+            <a:off x="3123751" y="6294307"/>
+            <a:ext cx="8208440" cy="369332"/>
+          </a:xfrm>
+          <a:prstGeom prst="rect">
+            <a:avLst/>
+          </a:prstGeom>
+          <a:noFill/>
+        </p:spPr>
+        <p:txBody>
+          <a:bodyPr wrap="square" rtlCol="0">
+            <a:spAutoFit/>
+          </a:bodyPr>
+          <a:lstStyle/>
+          <a:p>
+            <a:r>
+              <a:rPr lang="en-US" dirty="0" smtClean="0"/>
+              <a:t>To create a site, you have to upload some content and set the site name.</a:t>
             </a:r>
             <a:endParaRPr lang="ru-RU" dirty="0"/>
           </a:p>
@@ -8340,7 +8554,7 @@
     </p:spTree>
     <p:extLst>
       <p:ext uri="{BB962C8B-B14F-4D97-AF65-F5344CB8AC3E}">
-        <p14:creationId xmlns:p14="http://schemas.microsoft.com/office/powerpoint/2010/main" val="3932845466"/>
+        <p14:creationId xmlns:p14="http://schemas.microsoft.com/office/powerpoint/2010/main" val="757399734"/>
       </p:ext>
     </p:extLst>
   </p:cSld>
@@ -8369,72 +8583,47 @@
       </p:grpSpPr>
       <p:sp>
         <p:nvSpPr>
-          <p:cNvPr id="4" name="TextBox 3"/>
-          <p:cNvSpPr txBox="1"/>
-          <p:nvPr/>
-        </p:nvSpPr>
-        <p:spPr>
-          <a:xfrm>
-            <a:off x="427121" y="84221"/>
-            <a:ext cx="10750216" cy="369332"/>
-          </a:xfrm>
-          <a:prstGeom prst="rect">
-            <a:avLst/>
-          </a:prstGeom>
-          <a:noFill/>
-        </p:spPr>
-        <p:txBody>
-          <a:bodyPr wrap="square" rtlCol="0">
-            <a:spAutoFit/>
-          </a:bodyPr>
-          <a:lstStyle/>
-          <a:p>
-            <a:r>
-              <a:rPr lang="en-US" dirty="0" smtClean="0"/>
-              <a:t>My Profile page</a:t>
+          <p:cNvPr id="2" name="Title 1"/>
+          <p:cNvSpPr>
+            <a:spLocks noGrp="1"/>
+          </p:cNvSpPr>
+          <p:nvPr>
+            <p:ph type="title"/>
+          </p:nvPr>
+        </p:nvSpPr>
+        <p:spPr>
+          <a:xfrm>
+            <a:off x="374984" y="0"/>
+            <a:ext cx="10515600" cy="1325563"/>
+          </a:xfrm>
+        </p:spPr>
+        <p:txBody>
+          <a:bodyPr/>
+          <a:lstStyle/>
+          <a:p>
+            <a:r>
+              <a:rPr lang="en-US" dirty="0" smtClean="0"/>
+              <a:t>Help – Site Management</a:t>
             </a:r>
             <a:endParaRPr lang="ru-RU" dirty="0"/>
           </a:p>
         </p:txBody>
       </p:sp>
-      <p:pic>
-        <p:nvPicPr>
-          <p:cNvPr id="5" name="Picture 4"/>
-          <p:cNvPicPr>
-            <a:picLocks noChangeAspect="1"/>
-          </p:cNvPicPr>
-          <p:nvPr/>
-        </p:nvPicPr>
-        <p:blipFill>
-          <a:blip r:embed="rId2"/>
-          <a:stretch>
-            <a:fillRect/>
-          </a:stretch>
-        </p:blipFill>
-        <p:spPr>
-          <a:xfrm>
-            <a:off x="174458" y="375347"/>
-            <a:ext cx="10961638" cy="6344290"/>
-          </a:xfrm>
-          <a:prstGeom prst="rect">
-            <a:avLst/>
-          </a:prstGeom>
-        </p:spPr>
-      </p:pic>
-      <p:sp>
-        <p:nvSpPr>
-          <p:cNvPr id="2" name="Rectangle 1"/>
+      <p:sp>
+        <p:nvSpPr>
+          <p:cNvPr id="4" name="Rectangle 3"/>
           <p:cNvSpPr/>
           <p:nvPr/>
         </p:nvSpPr>
         <p:spPr>
           <a:xfrm>
-            <a:off x="7271951" y="3398108"/>
-            <a:ext cx="753763" cy="216243"/>
-          </a:xfrm>
-          <a:prstGeom prst="rect">
-            <a:avLst/>
-          </a:prstGeom>
+            <a:off x="306805" y="1052763"/>
+            <a:ext cx="2497810" cy="5654842"/>
+          </a:xfrm>
+          <a:prstGeom prst="rect">
+            <a:avLst/>
+          </a:prstGeom>
+          <a:noFill/>
         </p:spPr>
         <p:style>
           <a:lnRef idx="2">
@@ -8463,14 +8652,14 @@
       </p:sp>
       <p:sp>
         <p:nvSpPr>
-          <p:cNvPr id="3" name="TextBox 2"/>
+          <p:cNvPr id="5" name="TextBox 4"/>
           <p:cNvSpPr txBox="1"/>
           <p:nvPr/>
         </p:nvSpPr>
         <p:spPr>
           <a:xfrm>
-            <a:off x="7386251" y="3355887"/>
-            <a:ext cx="525162" cy="276999"/>
+            <a:off x="374984" y="1189085"/>
+            <a:ext cx="2313296" cy="369332"/>
           </a:xfrm>
           <a:prstGeom prst="rect">
             <a:avLst/>
@@ -8484,25 +8673,229 @@
           <a:lstStyle/>
           <a:p>
             <a:r>
-              <a:rPr lang="en-US" sz="1200" dirty="0" smtClean="0">
-                <a:solidFill>
-                  <a:schemeClr val="bg1"/>
-                </a:solidFill>
-              </a:rPr>
-              <a:t>Send</a:t>
-            </a:r>
-            <a:endParaRPr lang="ru-RU" sz="1200" dirty="0">
-              <a:solidFill>
-                <a:schemeClr val="bg1"/>
-              </a:solidFill>
-            </a:endParaRPr>
+              <a:rPr lang="en-US" dirty="0" smtClean="0"/>
+              <a:t>General</a:t>
+            </a:r>
+            <a:endParaRPr lang="ru-RU" dirty="0"/>
+          </a:p>
+        </p:txBody>
+      </p:sp>
+      <p:sp>
+        <p:nvSpPr>
+          <p:cNvPr id="6" name="TextBox 5"/>
+          <p:cNvSpPr txBox="1"/>
+          <p:nvPr/>
+        </p:nvSpPr>
+        <p:spPr>
+          <a:xfrm>
+            <a:off x="729766" y="1554010"/>
+            <a:ext cx="2026693" cy="1200329"/>
+          </a:xfrm>
+          <a:prstGeom prst="rect">
+            <a:avLst/>
+          </a:prstGeom>
+          <a:noFill/>
+        </p:spPr>
+        <p:txBody>
+          <a:bodyPr wrap="square" rtlCol="0">
+            <a:spAutoFit/>
+          </a:bodyPr>
+          <a:lstStyle/>
+          <a:p>
+            <a:r>
+              <a:rPr lang="en-US" dirty="0" smtClean="0"/>
+              <a:t>Getting started</a:t>
+            </a:r>
+          </a:p>
+          <a:p>
+            <a:r>
+              <a:rPr lang="en-US" dirty="0" smtClean="0"/>
+              <a:t>Dashboard</a:t>
+            </a:r>
+          </a:p>
+          <a:p>
+            <a:r>
+              <a:rPr lang="en-US" dirty="0" smtClean="0"/>
+              <a:t>Create site</a:t>
+            </a:r>
+          </a:p>
+          <a:p>
+            <a:r>
+              <a:rPr lang="en-US" b="1" dirty="0" smtClean="0"/>
+              <a:t>Site management</a:t>
+            </a:r>
+            <a:endParaRPr lang="ru-RU" b="1" dirty="0"/>
+          </a:p>
+        </p:txBody>
+      </p:sp>
+      <p:sp>
+        <p:nvSpPr>
+          <p:cNvPr id="7" name="Rectangle 6"/>
+          <p:cNvSpPr/>
+          <p:nvPr/>
+        </p:nvSpPr>
+        <p:spPr>
+          <a:xfrm>
+            <a:off x="2954740" y="1052763"/>
+            <a:ext cx="9096233" cy="5654842"/>
+          </a:xfrm>
+          <a:prstGeom prst="rect">
+            <a:avLst/>
+          </a:prstGeom>
+          <a:noFill/>
+        </p:spPr>
+        <p:style>
+          <a:lnRef idx="2">
+            <a:schemeClr val="accent1">
+              <a:shade val="50000"/>
+            </a:schemeClr>
+          </a:lnRef>
+          <a:fillRef idx="1">
+            <a:schemeClr val="accent1"/>
+          </a:fillRef>
+          <a:effectRef idx="0">
+            <a:schemeClr val="accent1"/>
+          </a:effectRef>
+          <a:fontRef idx="minor">
+            <a:schemeClr val="lt1"/>
+          </a:fontRef>
+        </p:style>
+        <p:txBody>
+          <a:bodyPr rtlCol="0" anchor="ctr"/>
+          <a:lstStyle/>
+          <a:p>
+            <a:pPr algn="ctr"/>
+            <a:endParaRPr lang="ru-RU"/>
+          </a:p>
+        </p:txBody>
+      </p:sp>
+      <p:sp>
+        <p:nvSpPr>
+          <p:cNvPr id="3" name="TextBox 2"/>
+          <p:cNvSpPr txBox="1"/>
+          <p:nvPr/>
+        </p:nvSpPr>
+        <p:spPr>
+          <a:xfrm>
+            <a:off x="3043062" y="1119962"/>
+            <a:ext cx="8692816" cy="646331"/>
+          </a:xfrm>
+          <a:prstGeom prst="rect">
+            <a:avLst/>
+          </a:prstGeom>
+          <a:noFill/>
+        </p:spPr>
+        <p:txBody>
+          <a:bodyPr wrap="square" rtlCol="0">
+            <a:spAutoFit/>
+          </a:bodyPr>
+          <a:lstStyle/>
+          <a:p>
+            <a:r>
+              <a:rPr lang="en-US" dirty="0" smtClean="0"/>
+              <a:t>Use </a:t>
+            </a:r>
+            <a:r>
+              <a:rPr lang="en-US" b="1" dirty="0" smtClean="0"/>
+              <a:t>Update </a:t>
+            </a:r>
+            <a:r>
+              <a:rPr lang="en-US" dirty="0" smtClean="0"/>
+              <a:t>link in the dashboard page to start editing the site selected. The user interface used for site editing is the same that you saw when creating a new site.</a:t>
+            </a:r>
+            <a:endParaRPr lang="ru-RU" dirty="0"/>
+          </a:p>
+        </p:txBody>
+      </p:sp>
+      <p:sp>
+        <p:nvSpPr>
+          <p:cNvPr id="8" name="TextBox 7"/>
+          <p:cNvSpPr txBox="1"/>
+          <p:nvPr/>
+        </p:nvSpPr>
+        <p:spPr>
+          <a:xfrm>
+            <a:off x="3043062" y="1864371"/>
+            <a:ext cx="8091237" cy="923330"/>
+          </a:xfrm>
+          <a:prstGeom prst="rect">
+            <a:avLst/>
+          </a:prstGeom>
+          <a:noFill/>
+        </p:spPr>
+        <p:txBody>
+          <a:bodyPr wrap="square" rtlCol="0">
+            <a:spAutoFit/>
+          </a:bodyPr>
+          <a:lstStyle/>
+          <a:p>
+            <a:r>
+              <a:rPr lang="en-US" dirty="0" smtClean="0"/>
+              <a:t>During editing, you can change site name, description, landing page and resource mappings. You can also make your site active or inactive. Also there is possibility to upload new files for the site content using </a:t>
+            </a:r>
+            <a:r>
+              <a:rPr lang="en-US" b="1" dirty="0" smtClean="0"/>
+              <a:t>Upload Files</a:t>
+            </a:r>
+            <a:r>
+              <a:rPr lang="en-US" dirty="0" smtClean="0"/>
+              <a:t> section.</a:t>
+            </a:r>
+            <a:endParaRPr lang="ru-RU" dirty="0"/>
+          </a:p>
+        </p:txBody>
+      </p:sp>
+      <p:sp>
+        <p:nvSpPr>
+          <p:cNvPr id="9" name="TextBox 8"/>
+          <p:cNvSpPr txBox="1"/>
+          <p:nvPr/>
+        </p:nvSpPr>
+        <p:spPr>
+          <a:xfrm>
+            <a:off x="3043062" y="2947159"/>
+            <a:ext cx="8625565" cy="2031325"/>
+          </a:xfrm>
+          <a:prstGeom prst="rect">
+            <a:avLst/>
+          </a:prstGeom>
+          <a:noFill/>
+        </p:spPr>
+        <p:txBody>
+          <a:bodyPr wrap="square" rtlCol="0">
+            <a:spAutoFit/>
+          </a:bodyPr>
+          <a:lstStyle/>
+          <a:p>
+            <a:r>
+              <a:rPr lang="en-US" dirty="0" smtClean="0"/>
+              <a:t>Please note that the new site name you have entered is validated against the names of all existing sites. So, if you enter a name that is already in use by other user or site, you will be warned and you will have to change the site name. It </a:t>
+            </a:r>
+            <a:r>
+              <a:rPr lang="en-US" b="1" dirty="0" smtClean="0"/>
+              <a:t>must be unique</a:t>
+            </a:r>
+            <a:r>
+              <a:rPr lang="en-US" dirty="0" smtClean="0"/>
+              <a:t> among all users/sites to provide correct site routing.</a:t>
+            </a:r>
+          </a:p>
+          <a:p>
+            <a:endParaRPr lang="en-US" dirty="0"/>
+          </a:p>
+          <a:p>
+            <a:r>
+              <a:rPr lang="en-US" dirty="0" smtClean="0"/>
+              <a:t>Also if you try to upload a file that has already been uploaded with the site content, it just will be replaced.</a:t>
+            </a:r>
+            <a:endParaRPr lang="ru-RU" dirty="0"/>
           </a:p>
         </p:txBody>
       </p:sp>
     </p:spTree>
     <p:extLst>
       <p:ext uri="{BB962C8B-B14F-4D97-AF65-F5344CB8AC3E}">
-        <p14:creationId xmlns:p14="http://schemas.microsoft.com/office/powerpoint/2010/main" val="196864395"/>
+        <p14:creationId xmlns:p14="http://schemas.microsoft.com/office/powerpoint/2010/main" val="3932845466"/>
       </p:ext>
     </p:extLst>
   </p:cSld>
@@ -8531,31 +8924,140 @@
       </p:grpSpPr>
       <p:sp>
         <p:nvSpPr>
-          <p:cNvPr id="2" name="Title 1"/>
-          <p:cNvSpPr>
-            <a:spLocks noGrp="1"/>
-          </p:cNvSpPr>
-          <p:nvPr>
-            <p:ph type="title"/>
-          </p:nvPr>
-        </p:nvSpPr>
-        <p:spPr/>
-        <p:txBody>
-          <a:bodyPr/>
-          <a:lstStyle/>
-          <a:p>
-            <a:r>
-              <a:rPr lang="en-US" dirty="0" smtClean="0"/>
-              <a:t>Admin Dashboard</a:t>
+          <p:cNvPr id="4" name="TextBox 3"/>
+          <p:cNvSpPr txBox="1"/>
+          <p:nvPr/>
+        </p:nvSpPr>
+        <p:spPr>
+          <a:xfrm>
+            <a:off x="427121" y="84221"/>
+            <a:ext cx="10750216" cy="369332"/>
+          </a:xfrm>
+          <a:prstGeom prst="rect">
+            <a:avLst/>
+          </a:prstGeom>
+          <a:noFill/>
+        </p:spPr>
+        <p:txBody>
+          <a:bodyPr wrap="square" rtlCol="0">
+            <a:spAutoFit/>
+          </a:bodyPr>
+          <a:lstStyle/>
+          <a:p>
+            <a:r>
+              <a:rPr lang="en-US" dirty="0" smtClean="0"/>
+              <a:t>My Profile page</a:t>
             </a:r>
             <a:endParaRPr lang="ru-RU" dirty="0"/>
+          </a:p>
+        </p:txBody>
+      </p:sp>
+      <p:pic>
+        <p:nvPicPr>
+          <p:cNvPr id="5" name="Picture 4"/>
+          <p:cNvPicPr>
+            <a:picLocks noChangeAspect="1"/>
+          </p:cNvPicPr>
+          <p:nvPr/>
+        </p:nvPicPr>
+        <p:blipFill>
+          <a:blip r:embed="rId2"/>
+          <a:stretch>
+            <a:fillRect/>
+          </a:stretch>
+        </p:blipFill>
+        <p:spPr>
+          <a:xfrm>
+            <a:off x="174458" y="375347"/>
+            <a:ext cx="10961638" cy="6344290"/>
+          </a:xfrm>
+          <a:prstGeom prst="rect">
+            <a:avLst/>
+          </a:prstGeom>
+        </p:spPr>
+      </p:pic>
+      <p:sp>
+        <p:nvSpPr>
+          <p:cNvPr id="2" name="Rectangle 1"/>
+          <p:cNvSpPr/>
+          <p:nvPr/>
+        </p:nvSpPr>
+        <p:spPr>
+          <a:xfrm>
+            <a:off x="7271951" y="3398108"/>
+            <a:ext cx="753763" cy="216243"/>
+          </a:xfrm>
+          <a:prstGeom prst="rect">
+            <a:avLst/>
+          </a:prstGeom>
+        </p:spPr>
+        <p:style>
+          <a:lnRef idx="2">
+            <a:schemeClr val="accent1">
+              <a:shade val="50000"/>
+            </a:schemeClr>
+          </a:lnRef>
+          <a:fillRef idx="1">
+            <a:schemeClr val="accent1"/>
+          </a:fillRef>
+          <a:effectRef idx="0">
+            <a:schemeClr val="accent1"/>
+          </a:effectRef>
+          <a:fontRef idx="minor">
+            <a:schemeClr val="lt1"/>
+          </a:fontRef>
+        </p:style>
+        <p:txBody>
+          <a:bodyPr rtlCol="0" anchor="ctr"/>
+          <a:lstStyle/>
+          <a:p>
+            <a:pPr algn="ctr"/>
+            <a:endParaRPr lang="ru-RU"/>
+          </a:p>
+        </p:txBody>
+      </p:sp>
+      <p:sp>
+        <p:nvSpPr>
+          <p:cNvPr id="3" name="TextBox 2"/>
+          <p:cNvSpPr txBox="1"/>
+          <p:nvPr/>
+        </p:nvSpPr>
+        <p:spPr>
+          <a:xfrm>
+            <a:off x="7386251" y="3355887"/>
+            <a:ext cx="525162" cy="276999"/>
+          </a:xfrm>
+          <a:prstGeom prst="rect">
+            <a:avLst/>
+          </a:prstGeom>
+          <a:noFill/>
+        </p:spPr>
+        <p:txBody>
+          <a:bodyPr wrap="square" rtlCol="0">
+            <a:spAutoFit/>
+          </a:bodyPr>
+          <a:lstStyle/>
+          <a:p>
+            <a:r>
+              <a:rPr lang="en-US" sz="1200" dirty="0" smtClean="0">
+                <a:solidFill>
+                  <a:schemeClr val="bg1"/>
+                </a:solidFill>
+              </a:rPr>
+              <a:t>Send</a:t>
+            </a:r>
+            <a:endParaRPr lang="ru-RU" sz="1200" dirty="0">
+              <a:solidFill>
+                <a:schemeClr val="bg1"/>
+              </a:solidFill>
+            </a:endParaRPr>
           </a:p>
         </p:txBody>
       </p:sp>
     </p:spTree>
     <p:extLst>
       <p:ext uri="{BB962C8B-B14F-4D97-AF65-F5344CB8AC3E}">
-        <p14:creationId xmlns:p14="http://schemas.microsoft.com/office/powerpoint/2010/main" val="1654730702"/>
+        <p14:creationId xmlns:p14="http://schemas.microsoft.com/office/powerpoint/2010/main" val="196864395"/>
       </p:ext>
     </p:extLst>
   </p:cSld>
@@ -8584,285 +9086,31 @@
       </p:grpSpPr>
       <p:sp>
         <p:nvSpPr>
-          <p:cNvPr id="4" name="TextBox 3"/>
-          <p:cNvSpPr txBox="1"/>
-          <p:nvPr/>
-        </p:nvSpPr>
-        <p:spPr>
-          <a:xfrm>
-            <a:off x="427121" y="279380"/>
-            <a:ext cx="4614111" cy="369332"/>
-          </a:xfrm>
-          <a:prstGeom prst="rect">
-            <a:avLst/>
-          </a:prstGeom>
-          <a:noFill/>
-        </p:spPr>
-        <p:txBody>
-          <a:bodyPr wrap="square" rtlCol="0">
-            <a:spAutoFit/>
-          </a:bodyPr>
-          <a:lstStyle/>
-          <a:p>
-            <a:r>
-              <a:rPr lang="en-US" dirty="0" smtClean="0"/>
-              <a:t>Conversation Message entity</a:t>
+          <p:cNvPr id="2" name="Title 1"/>
+          <p:cNvSpPr>
+            <a:spLocks noGrp="1"/>
+          </p:cNvSpPr>
+          <p:nvPr>
+            <p:ph type="title"/>
+          </p:nvPr>
+        </p:nvSpPr>
+        <p:spPr/>
+        <p:txBody>
+          <a:bodyPr/>
+          <a:lstStyle/>
+          <a:p>
+            <a:r>
+              <a:rPr lang="en-US" dirty="0" smtClean="0"/>
+              <a:t>Admin Dashboard</a:t>
             </a:r>
             <a:endParaRPr lang="ru-RU" dirty="0"/>
-          </a:p>
-        </p:txBody>
-      </p:sp>
-      <p:sp>
-        <p:nvSpPr>
-          <p:cNvPr id="5" name="Rounded Rectangle 4"/>
-          <p:cNvSpPr/>
-          <p:nvPr/>
-        </p:nvSpPr>
-        <p:spPr>
-          <a:xfrm>
-            <a:off x="427121" y="794085"/>
-            <a:ext cx="3653560" cy="2051474"/>
-          </a:xfrm>
-          <a:prstGeom prst="roundRect">
-            <a:avLst/>
-          </a:prstGeom>
-          <a:noFill/>
-        </p:spPr>
-        <p:style>
-          <a:lnRef idx="2">
-            <a:schemeClr val="accent1">
-              <a:shade val="50000"/>
-            </a:schemeClr>
-          </a:lnRef>
-          <a:fillRef idx="1">
-            <a:schemeClr val="accent1"/>
-          </a:fillRef>
-          <a:effectRef idx="0">
-            <a:schemeClr val="accent1"/>
-          </a:effectRef>
-          <a:fontRef idx="minor">
-            <a:schemeClr val="lt1"/>
-          </a:fontRef>
-        </p:style>
-        <p:txBody>
-          <a:bodyPr rtlCol="0" anchor="ctr"/>
-          <a:lstStyle/>
-          <a:p>
-            <a:pPr algn="ctr"/>
-            <a:endParaRPr lang="ru-RU"/>
-          </a:p>
-        </p:txBody>
-      </p:sp>
-      <p:sp>
-        <p:nvSpPr>
-          <p:cNvPr id="6" name="TextBox 5"/>
-          <p:cNvSpPr txBox="1"/>
-          <p:nvPr/>
-        </p:nvSpPr>
-        <p:spPr>
-          <a:xfrm>
-            <a:off x="716507" y="942659"/>
-            <a:ext cx="2777319" cy="1754326"/>
-          </a:xfrm>
-          <a:prstGeom prst="rect">
-            <a:avLst/>
-          </a:prstGeom>
-          <a:noFill/>
-        </p:spPr>
-        <p:txBody>
-          <a:bodyPr wrap="square" rtlCol="0">
-            <a:spAutoFit/>
-          </a:bodyPr>
-          <a:lstStyle/>
-          <a:p>
-            <a:r>
-              <a:rPr lang="en-US" dirty="0" smtClean="0"/>
-              <a:t>Id (String)</a:t>
-            </a:r>
-          </a:p>
-          <a:p>
-            <a:r>
-              <a:rPr lang="en-US" dirty="0" err="1" smtClean="0"/>
-              <a:t>ConversationID</a:t>
-            </a:r>
-            <a:endParaRPr lang="en-US" dirty="0"/>
-          </a:p>
-          <a:p>
-            <a:r>
-              <a:rPr lang="en-US" dirty="0" err="1" smtClean="0"/>
-              <a:t>UserID</a:t>
-            </a:r>
-            <a:r>
-              <a:rPr lang="en-US" dirty="0" smtClean="0"/>
-              <a:t> (String)</a:t>
-            </a:r>
-          </a:p>
-          <a:p>
-            <a:r>
-              <a:rPr lang="en-US" dirty="0" err="1" smtClean="0"/>
-              <a:t>DateAdded</a:t>
-            </a:r>
-            <a:r>
-              <a:rPr lang="en-US" dirty="0" smtClean="0"/>
-              <a:t> (</a:t>
-            </a:r>
-            <a:r>
-              <a:rPr lang="en-US" dirty="0" err="1" smtClean="0"/>
-              <a:t>DateTime</a:t>
-            </a:r>
-            <a:r>
-              <a:rPr lang="en-US" dirty="0" smtClean="0"/>
-              <a:t>)</a:t>
-            </a:r>
-          </a:p>
-          <a:p>
-            <a:r>
-              <a:rPr lang="en-US" dirty="0" smtClean="0"/>
-              <a:t>Viewed (Boolean)</a:t>
-            </a:r>
-          </a:p>
-          <a:p>
-            <a:r>
-              <a:rPr lang="en-US" dirty="0" smtClean="0"/>
-              <a:t>Content (String)</a:t>
-            </a:r>
-            <a:endParaRPr lang="ru-RU" dirty="0"/>
-          </a:p>
-        </p:txBody>
-      </p:sp>
-      <p:sp>
-        <p:nvSpPr>
-          <p:cNvPr id="7" name="Rounded Rectangle 6"/>
-          <p:cNvSpPr/>
-          <p:nvPr/>
-        </p:nvSpPr>
-        <p:spPr>
-          <a:xfrm>
-            <a:off x="4981433" y="700200"/>
-            <a:ext cx="2437979" cy="1169543"/>
-          </a:xfrm>
-          <a:prstGeom prst="roundRect">
-            <a:avLst/>
-          </a:prstGeom>
-          <a:noFill/>
-        </p:spPr>
-        <p:style>
-          <a:lnRef idx="2">
-            <a:schemeClr val="accent1">
-              <a:shade val="50000"/>
-            </a:schemeClr>
-          </a:lnRef>
-          <a:fillRef idx="1">
-            <a:schemeClr val="accent1"/>
-          </a:fillRef>
-          <a:effectRef idx="0">
-            <a:schemeClr val="accent1"/>
-          </a:effectRef>
-          <a:fontRef idx="minor">
-            <a:schemeClr val="lt1"/>
-          </a:fontRef>
-        </p:style>
-        <p:txBody>
-          <a:bodyPr rtlCol="0" anchor="ctr"/>
-          <a:lstStyle/>
-          <a:p>
-            <a:pPr algn="ctr"/>
-            <a:endParaRPr lang="ru-RU"/>
-          </a:p>
-        </p:txBody>
-      </p:sp>
-      <p:sp>
-        <p:nvSpPr>
-          <p:cNvPr id="8" name="TextBox 7"/>
-          <p:cNvSpPr txBox="1"/>
-          <p:nvPr/>
-        </p:nvSpPr>
-        <p:spPr>
-          <a:xfrm>
-            <a:off x="4902374" y="260039"/>
-            <a:ext cx="4614111" cy="369332"/>
-          </a:xfrm>
-          <a:prstGeom prst="rect">
-            <a:avLst/>
-          </a:prstGeom>
-          <a:noFill/>
-        </p:spPr>
-        <p:txBody>
-          <a:bodyPr wrap="square" rtlCol="0">
-            <a:spAutoFit/>
-          </a:bodyPr>
-          <a:lstStyle/>
-          <a:p>
-            <a:r>
-              <a:rPr lang="en-US" dirty="0" smtClean="0"/>
-              <a:t>Conversation entity</a:t>
-            </a:r>
-            <a:endParaRPr lang="ru-RU" dirty="0"/>
-          </a:p>
-        </p:txBody>
-      </p:sp>
-      <p:sp>
-        <p:nvSpPr>
-          <p:cNvPr id="9" name="Rectangle 8"/>
-          <p:cNvSpPr/>
-          <p:nvPr/>
-        </p:nvSpPr>
-        <p:spPr>
-          <a:xfrm>
-            <a:off x="5181940" y="794085"/>
-            <a:ext cx="2237472" cy="923330"/>
-          </a:xfrm>
-          <a:prstGeom prst="rect">
-            <a:avLst/>
-          </a:prstGeom>
-        </p:spPr>
-        <p:txBody>
-          <a:bodyPr wrap="none">
-            <a:spAutoFit/>
-          </a:bodyPr>
-          <a:lstStyle/>
-          <a:p>
-            <a:r>
-              <a:rPr lang="en-US" dirty="0"/>
-              <a:t>Id (String</a:t>
-            </a:r>
-            <a:r>
-              <a:rPr lang="en-US" dirty="0" smtClean="0"/>
-              <a:t>)	 </a:t>
-            </a:r>
-          </a:p>
-          <a:p>
-            <a:r>
-              <a:rPr lang="en-US" dirty="0" smtClean="0"/>
-              <a:t>Name (String)</a:t>
-            </a:r>
-            <a:endParaRPr lang="en-US" dirty="0"/>
-          </a:p>
-          <a:p>
-            <a:r>
-              <a:rPr lang="en-US" dirty="0" err="1" smtClean="0"/>
-              <a:t>UnreadMessages</a:t>
-            </a:r>
-            <a:r>
-              <a:rPr lang="en-US" dirty="0" smtClean="0"/>
-              <a:t> (</a:t>
-            </a:r>
-            <a:r>
-              <a:rPr lang="en-US" dirty="0" err="1" smtClean="0"/>
-              <a:t>int</a:t>
-            </a:r>
-            <a:r>
-              <a:rPr lang="en-US" dirty="0" smtClean="0"/>
-              <a:t>)</a:t>
-            </a:r>
-            <a:endParaRPr lang="en-US" dirty="0"/>
           </a:p>
         </p:txBody>
       </p:sp>
     </p:spTree>
     <p:extLst>
       <p:ext uri="{BB962C8B-B14F-4D97-AF65-F5344CB8AC3E}">
-        <p14:creationId xmlns:p14="http://schemas.microsoft.com/office/powerpoint/2010/main" val="2347573165"/>
+        <p14:creationId xmlns:p14="http://schemas.microsoft.com/office/powerpoint/2010/main" val="1654730702"/>
       </p:ext>
     </p:extLst>
   </p:cSld>
@@ -8891,18 +9139,49 @@
       </p:grpSpPr>
       <p:sp>
         <p:nvSpPr>
-          <p:cNvPr id="16" name="Rectangle 15"/>
+          <p:cNvPr id="4" name="TextBox 3"/>
+          <p:cNvSpPr txBox="1"/>
+          <p:nvPr/>
+        </p:nvSpPr>
+        <p:spPr>
+          <a:xfrm>
+            <a:off x="427121" y="279380"/>
+            <a:ext cx="4614111" cy="369332"/>
+          </a:xfrm>
+          <a:prstGeom prst="rect">
+            <a:avLst/>
+          </a:prstGeom>
+          <a:noFill/>
+        </p:spPr>
+        <p:txBody>
+          <a:bodyPr wrap="square" rtlCol="0">
+            <a:spAutoFit/>
+          </a:bodyPr>
+          <a:lstStyle/>
+          <a:p>
+            <a:r>
+              <a:rPr lang="en-US" dirty="0" smtClean="0"/>
+              <a:t>Conversation Message entity</a:t>
+            </a:r>
+            <a:endParaRPr lang="ru-RU" dirty="0"/>
+          </a:p>
+        </p:txBody>
+      </p:sp>
+      <p:sp>
+        <p:nvSpPr>
+          <p:cNvPr id="5" name="Rounded Rectangle 4"/>
           <p:cNvSpPr/>
           <p:nvPr/>
         </p:nvSpPr>
         <p:spPr>
           <a:xfrm>
-            <a:off x="11197988" y="6220623"/>
-            <a:ext cx="709684" cy="369332"/>
-          </a:xfrm>
-          <a:prstGeom prst="rect">
-            <a:avLst/>
-          </a:prstGeom>
+            <a:off x="427121" y="794085"/>
+            <a:ext cx="3653560" cy="2051474"/>
+          </a:xfrm>
+          <a:prstGeom prst="roundRect">
+            <a:avLst/>
+          </a:prstGeom>
+          <a:noFill/>
         </p:spPr>
         <p:style>
           <a:lnRef idx="2">
@@ -8931,18 +9210,96 @@
       </p:sp>
       <p:sp>
         <p:nvSpPr>
-          <p:cNvPr id="15" name="Rectangle 14"/>
+          <p:cNvPr id="6" name="TextBox 5"/>
+          <p:cNvSpPr txBox="1"/>
+          <p:nvPr/>
+        </p:nvSpPr>
+        <p:spPr>
+          <a:xfrm>
+            <a:off x="716507" y="942659"/>
+            <a:ext cx="2777319" cy="1754326"/>
+          </a:xfrm>
+          <a:prstGeom prst="rect">
+            <a:avLst/>
+          </a:prstGeom>
+          <a:noFill/>
+        </p:spPr>
+        <p:txBody>
+          <a:bodyPr wrap="square" rtlCol="0">
+            <a:spAutoFit/>
+          </a:bodyPr>
+          <a:lstStyle/>
+          <a:p>
+            <a:r>
+              <a:rPr lang="en-US" dirty="0" smtClean="0"/>
+              <a:t>Id (String)</a:t>
+            </a:r>
+          </a:p>
+          <a:p>
+            <a:r>
+              <a:rPr lang="en-US" dirty="0" err="1" smtClean="0"/>
+              <a:t>ConversationID</a:t>
+            </a:r>
+            <a:endParaRPr lang="en-US" dirty="0"/>
+          </a:p>
+          <a:p>
+            <a:r>
+              <a:rPr lang="en-US" dirty="0" err="1" smtClean="0"/>
+              <a:t>UserID</a:t>
+            </a:r>
+            <a:r>
+              <a:rPr lang="en-US" dirty="0" smtClean="0"/>
+              <a:t> (String)</a:t>
+            </a:r>
+          </a:p>
+          <a:p>
+            <a:r>
+              <a:rPr lang="en-US" dirty="0" err="1" smtClean="0"/>
+              <a:t>DateAdded</a:t>
+            </a:r>
+            <a:r>
+              <a:rPr lang="en-US" dirty="0" smtClean="0"/>
+              <a:t> (</a:t>
+            </a:r>
+            <a:r>
+              <a:rPr lang="en-US" dirty="0" err="1" smtClean="0"/>
+              <a:t>DateTime</a:t>
+            </a:r>
+            <a:r>
+              <a:rPr lang="en-US" dirty="0" smtClean="0"/>
+              <a:t>)</a:t>
+            </a:r>
+          </a:p>
+          <a:p>
+            <a:r>
+              <a:rPr lang="en-US" dirty="0" smtClean="0"/>
+              <a:t>Viewed (Boolean)</a:t>
+            </a:r>
+          </a:p>
+          <a:p>
+            <a:r>
+              <a:rPr lang="en-US" dirty="0" smtClean="0"/>
+              <a:t>Content (String)</a:t>
+            </a:r>
+            <a:endParaRPr lang="ru-RU" dirty="0"/>
+          </a:p>
+        </p:txBody>
+      </p:sp>
+      <p:sp>
+        <p:nvSpPr>
+          <p:cNvPr id="7" name="Rounded Rectangle 6"/>
           <p:cNvSpPr/>
           <p:nvPr/>
         </p:nvSpPr>
         <p:spPr>
           <a:xfrm>
-            <a:off x="10324531" y="6220623"/>
-            <a:ext cx="750628" cy="369332"/>
-          </a:xfrm>
-          <a:prstGeom prst="rect">
-            <a:avLst/>
-          </a:prstGeom>
+            <a:off x="4981433" y="700200"/>
+            <a:ext cx="2437979" cy="1169543"/>
+          </a:xfrm>
+          <a:prstGeom prst="roundRect">
+            <a:avLst/>
+          </a:prstGeom>
+          <a:noFill/>
         </p:spPr>
         <p:style>
           <a:lnRef idx="2">
@@ -8971,84 +9328,14 @@
       </p:sp>
       <p:sp>
         <p:nvSpPr>
-          <p:cNvPr id="4" name="TextBox 3"/>
+          <p:cNvPr id="8" name="TextBox 7"/>
           <p:cNvSpPr txBox="1"/>
           <p:nvPr/>
         </p:nvSpPr>
         <p:spPr>
           <a:xfrm>
-            <a:off x="108284" y="132347"/>
-            <a:ext cx="1502976" cy="369332"/>
-          </a:xfrm>
-          <a:prstGeom prst="rect">
-            <a:avLst/>
-          </a:prstGeom>
-          <a:noFill/>
-        </p:spPr>
-        <p:txBody>
-          <a:bodyPr wrap="none" rtlCol="0">
-            <a:spAutoFit/>
-          </a:bodyPr>
-          <a:lstStyle/>
-          <a:p>
-            <a:r>
-              <a:rPr lang="en-US" dirty="0" smtClean="0"/>
-              <a:t>Conversations</a:t>
-            </a:r>
-            <a:endParaRPr lang="ru-RU" dirty="0"/>
-          </a:p>
-        </p:txBody>
-      </p:sp>
-      <p:sp>
-        <p:nvSpPr>
-          <p:cNvPr id="5" name="Rectangle 4"/>
-          <p:cNvSpPr/>
-          <p:nvPr/>
-        </p:nvSpPr>
-        <p:spPr>
-          <a:xfrm>
-            <a:off x="121529" y="501679"/>
-            <a:ext cx="2737185" cy="6187879"/>
-          </a:xfrm>
-          <a:prstGeom prst="rect">
-            <a:avLst/>
-          </a:prstGeom>
-        </p:spPr>
-        <p:style>
-          <a:lnRef idx="2">
-            <a:schemeClr val="accent1">
-              <a:shade val="50000"/>
-            </a:schemeClr>
-          </a:lnRef>
-          <a:fillRef idx="1">
-            <a:schemeClr val="accent1"/>
-          </a:fillRef>
-          <a:effectRef idx="0">
-            <a:schemeClr val="accent1"/>
-          </a:effectRef>
-          <a:fontRef idx="minor">
-            <a:schemeClr val="lt1"/>
-          </a:fontRef>
-        </p:style>
-        <p:txBody>
-          <a:bodyPr rtlCol="0" anchor="ctr"/>
-          <a:lstStyle/>
-          <a:p>
-            <a:pPr algn="ctr"/>
-            <a:endParaRPr lang="ru-RU"/>
-          </a:p>
-        </p:txBody>
-      </p:sp>
-      <p:sp>
-        <p:nvSpPr>
-          <p:cNvPr id="6" name="TextBox 5"/>
-          <p:cNvSpPr txBox="1"/>
-          <p:nvPr/>
-        </p:nvSpPr>
-        <p:spPr>
-          <a:xfrm>
-            <a:off x="258679" y="613611"/>
-            <a:ext cx="2273968" cy="1200329"/>
+            <a:off x="4902374" y="260039"/>
+            <a:ext cx="4614111" cy="369332"/>
           </a:xfrm>
           <a:prstGeom prst="rect">
             <a:avLst/>
@@ -9062,372 +9349,81 @@
           <a:lstStyle/>
           <a:p>
             <a:r>
-              <a:rPr lang="en-US" dirty="0" smtClean="0">
-                <a:solidFill>
-                  <a:srgbClr val="FF0000"/>
-                </a:solidFill>
-              </a:rPr>
-              <a:t>Alex</a:t>
-            </a:r>
-            <a:r>
-              <a:rPr lang="en-US" baseline="30000" dirty="0" smtClean="0">
-                <a:solidFill>
-                  <a:srgbClr val="FF0000"/>
-                </a:solidFill>
-              </a:rPr>
-              <a:t>(1)</a:t>
-            </a:r>
-          </a:p>
-          <a:p>
-            <a:r>
-              <a:rPr lang="en-US" dirty="0" smtClean="0">
-                <a:solidFill>
-                  <a:schemeClr val="bg1"/>
-                </a:solidFill>
-              </a:rPr>
-              <a:t>User1</a:t>
-            </a:r>
-          </a:p>
-          <a:p>
-            <a:r>
-              <a:rPr lang="en-US" dirty="0" smtClean="0">
-                <a:solidFill>
-                  <a:schemeClr val="bg1"/>
-                </a:solidFill>
-              </a:rPr>
-              <a:t>User2</a:t>
-            </a:r>
-          </a:p>
-          <a:p>
-            <a:r>
-              <a:rPr lang="en-US" dirty="0" smtClean="0">
-                <a:solidFill>
-                  <a:schemeClr val="bg1"/>
-                </a:solidFill>
-              </a:rPr>
-              <a:t>User3</a:t>
-            </a:r>
-            <a:endParaRPr lang="ru-RU" dirty="0">
-              <a:solidFill>
-                <a:schemeClr val="bg1"/>
-              </a:solidFill>
-            </a:endParaRPr>
-          </a:p>
-        </p:txBody>
-      </p:sp>
-      <p:sp>
-        <p:nvSpPr>
-          <p:cNvPr id="7" name="Rectangle 6"/>
+              <a:rPr lang="en-US" dirty="0" smtClean="0"/>
+              <a:t>Conversation entity</a:t>
+            </a:r>
+            <a:endParaRPr lang="ru-RU" dirty="0"/>
+          </a:p>
+        </p:txBody>
+      </p:sp>
+      <p:sp>
+        <p:nvSpPr>
+          <p:cNvPr id="9" name="Rectangle 8"/>
           <p:cNvSpPr/>
           <p:nvPr/>
         </p:nvSpPr>
         <p:spPr>
           <a:xfrm>
-            <a:off x="2983832" y="501679"/>
-            <a:ext cx="9005636" cy="6187879"/>
-          </a:xfrm>
-          <a:prstGeom prst="rect">
-            <a:avLst/>
-          </a:prstGeom>
-          <a:noFill/>
-        </p:spPr>
-        <p:style>
-          <a:lnRef idx="2">
-            <a:schemeClr val="accent1">
-              <a:shade val="50000"/>
-            </a:schemeClr>
-          </a:lnRef>
-          <a:fillRef idx="1">
-            <a:schemeClr val="accent1"/>
-          </a:fillRef>
-          <a:effectRef idx="0">
-            <a:schemeClr val="accent1"/>
-          </a:effectRef>
-          <a:fontRef idx="minor">
-            <a:schemeClr val="lt1"/>
-          </a:fontRef>
-        </p:style>
-        <p:txBody>
-          <a:bodyPr rtlCol="0" anchor="ctr"/>
-          <a:lstStyle/>
-          <a:p>
-            <a:pPr algn="ctr"/>
-            <a:endParaRPr lang="ru-RU"/>
-          </a:p>
-        </p:txBody>
-      </p:sp>
-      <p:sp>
-        <p:nvSpPr>
-          <p:cNvPr id="8" name="TextBox 7"/>
-          <p:cNvSpPr txBox="1"/>
-          <p:nvPr/>
-        </p:nvSpPr>
-        <p:spPr>
-          <a:xfrm>
-            <a:off x="3159457" y="613611"/>
-            <a:ext cx="8652680" cy="646331"/>
-          </a:xfrm>
-          <a:prstGeom prst="rect">
-            <a:avLst/>
-          </a:prstGeom>
-          <a:noFill/>
-        </p:spPr>
-        <p:txBody>
-          <a:bodyPr wrap="square" rtlCol="0">
+            <a:off x="5181940" y="794085"/>
+            <a:ext cx="2237472" cy="923330"/>
+          </a:xfrm>
+          <a:prstGeom prst="rect">
+            <a:avLst/>
+          </a:prstGeom>
+        </p:spPr>
+        <p:txBody>
+          <a:bodyPr wrap="none">
             <a:spAutoFit/>
           </a:bodyPr>
           <a:lstStyle/>
           <a:p>
             <a:r>
-              <a:rPr lang="en-US" dirty="0" smtClean="0"/>
-              <a:t>1/16/2021</a:t>
-            </a:r>
-          </a:p>
-          <a:p>
-            <a:r>
-              <a:rPr lang="en-US" dirty="0" smtClean="0"/>
-              <a:t>Message content</a:t>
-            </a:r>
-            <a:endParaRPr lang="ru-RU" dirty="0"/>
-          </a:p>
-        </p:txBody>
-      </p:sp>
-      <p:sp>
-        <p:nvSpPr>
-          <p:cNvPr id="9" name="TextBox 8"/>
-          <p:cNvSpPr txBox="1"/>
-          <p:nvPr/>
-        </p:nvSpPr>
-        <p:spPr>
-          <a:xfrm>
-            <a:off x="3159457" y="1490774"/>
-            <a:ext cx="8652680" cy="646331"/>
-          </a:xfrm>
-          <a:prstGeom prst="rect">
-            <a:avLst/>
-          </a:prstGeom>
-          <a:noFill/>
-        </p:spPr>
-        <p:txBody>
-          <a:bodyPr wrap="square" rtlCol="0">
-            <a:spAutoFit/>
-          </a:bodyPr>
-          <a:lstStyle/>
-          <a:p>
-            <a:r>
-              <a:rPr lang="en-US" dirty="0" smtClean="0"/>
-              <a:t>1/15/2021</a:t>
-            </a:r>
-          </a:p>
-          <a:p>
-            <a:r>
-              <a:rPr lang="en-US" dirty="0" smtClean="0"/>
-              <a:t>Message content</a:t>
-            </a:r>
-            <a:endParaRPr lang="ru-RU" dirty="0"/>
-          </a:p>
-        </p:txBody>
-      </p:sp>
-      <p:sp>
-        <p:nvSpPr>
-          <p:cNvPr id="10" name="TextBox 9"/>
-          <p:cNvSpPr txBox="1"/>
-          <p:nvPr/>
-        </p:nvSpPr>
-        <p:spPr>
-          <a:xfrm>
-            <a:off x="3159457" y="2327268"/>
-            <a:ext cx="8652680" cy="646331"/>
-          </a:xfrm>
-          <a:prstGeom prst="rect">
-            <a:avLst/>
-          </a:prstGeom>
-          <a:noFill/>
-        </p:spPr>
-        <p:txBody>
-          <a:bodyPr wrap="square" rtlCol="0">
-            <a:spAutoFit/>
-          </a:bodyPr>
-          <a:lstStyle/>
-          <a:p>
-            <a:r>
-              <a:rPr lang="en-US" dirty="0" smtClean="0"/>
-              <a:t>1/14/2021</a:t>
-            </a:r>
-          </a:p>
-          <a:p>
-            <a:r>
-              <a:rPr lang="en-US" dirty="0" smtClean="0"/>
-              <a:t>Message content</a:t>
-            </a:r>
-            <a:endParaRPr lang="ru-RU" dirty="0"/>
-          </a:p>
-        </p:txBody>
-      </p:sp>
-      <p:sp>
-        <p:nvSpPr>
-          <p:cNvPr id="11" name="Rectangle 10"/>
-          <p:cNvSpPr/>
-          <p:nvPr/>
-        </p:nvSpPr>
-        <p:spPr>
-          <a:xfrm>
-            <a:off x="3057099" y="4892722"/>
-            <a:ext cx="8850573" cy="1228299"/>
-          </a:xfrm>
-          <a:prstGeom prst="rect">
-            <a:avLst/>
-          </a:prstGeom>
-          <a:noFill/>
-        </p:spPr>
-        <p:style>
-          <a:lnRef idx="2">
-            <a:schemeClr val="accent1">
-              <a:shade val="50000"/>
-            </a:schemeClr>
-          </a:lnRef>
-          <a:fillRef idx="1">
-            <a:schemeClr val="accent1"/>
-          </a:fillRef>
-          <a:effectRef idx="0">
-            <a:schemeClr val="accent1"/>
-          </a:effectRef>
-          <a:fontRef idx="minor">
-            <a:schemeClr val="lt1"/>
-          </a:fontRef>
-        </p:style>
-        <p:txBody>
-          <a:bodyPr rtlCol="0" anchor="ctr"/>
-          <a:lstStyle/>
-          <a:p>
-            <a:pPr algn="ctr"/>
-            <a:endParaRPr lang="ru-RU"/>
-          </a:p>
-        </p:txBody>
-      </p:sp>
-      <p:sp>
-        <p:nvSpPr>
-          <p:cNvPr id="12" name="TextBox 11"/>
-          <p:cNvSpPr txBox="1"/>
-          <p:nvPr/>
-        </p:nvSpPr>
-        <p:spPr>
-          <a:xfrm>
-            <a:off x="3159457" y="4956651"/>
-            <a:ext cx="7096835" cy="369332"/>
-          </a:xfrm>
-          <a:prstGeom prst="rect">
-            <a:avLst/>
-          </a:prstGeom>
-          <a:noFill/>
-        </p:spPr>
-        <p:txBody>
-          <a:bodyPr wrap="square" rtlCol="0">
-            <a:spAutoFit/>
-          </a:bodyPr>
-          <a:lstStyle/>
-          <a:p>
-            <a:r>
-              <a:rPr lang="en-US" dirty="0" smtClean="0"/>
-              <a:t>This is a response from administrator</a:t>
-            </a:r>
-            <a:endParaRPr lang="ru-RU" dirty="0"/>
-          </a:p>
-        </p:txBody>
-      </p:sp>
-      <p:sp>
-        <p:nvSpPr>
-          <p:cNvPr id="13" name="TextBox 12"/>
-          <p:cNvSpPr txBox="1"/>
-          <p:nvPr/>
-        </p:nvSpPr>
-        <p:spPr>
-          <a:xfrm>
-            <a:off x="10406419" y="6220623"/>
-            <a:ext cx="668740" cy="369332"/>
-          </a:xfrm>
-          <a:prstGeom prst="rect">
-            <a:avLst/>
-          </a:prstGeom>
-          <a:noFill/>
-        </p:spPr>
-        <p:txBody>
-          <a:bodyPr wrap="square" rtlCol="0">
-            <a:spAutoFit/>
-          </a:bodyPr>
-          <a:lstStyle/>
-          <a:p>
-            <a:r>
-              <a:rPr lang="en-US" dirty="0" smtClean="0">
-                <a:solidFill>
-                  <a:schemeClr val="bg1"/>
-                </a:solidFill>
-              </a:rPr>
-              <a:t>Send</a:t>
-            </a:r>
-            <a:endParaRPr lang="ru-RU" dirty="0">
-              <a:solidFill>
-                <a:schemeClr val="bg1"/>
-              </a:solidFill>
-            </a:endParaRPr>
-          </a:p>
-        </p:txBody>
-      </p:sp>
-      <p:sp>
-        <p:nvSpPr>
-          <p:cNvPr id="14" name="TextBox 13"/>
-          <p:cNvSpPr txBox="1"/>
-          <p:nvPr/>
-        </p:nvSpPr>
-        <p:spPr>
-          <a:xfrm>
-            <a:off x="11279740" y="6220623"/>
-            <a:ext cx="787933" cy="369332"/>
-          </a:xfrm>
-          <a:prstGeom prst="rect">
-            <a:avLst/>
-          </a:prstGeom>
-          <a:noFill/>
-        </p:spPr>
-        <p:txBody>
-          <a:bodyPr wrap="square" rtlCol="0">
-            <a:spAutoFit/>
-          </a:bodyPr>
-          <a:lstStyle/>
-          <a:p>
-            <a:r>
-              <a:rPr lang="en-US" dirty="0" smtClean="0">
-                <a:solidFill>
-                  <a:schemeClr val="bg1"/>
-                </a:solidFill>
-              </a:rPr>
-              <a:t>Clear</a:t>
-            </a:r>
-            <a:endParaRPr lang="ru-RU" dirty="0">
-              <a:solidFill>
-                <a:schemeClr val="bg1"/>
-              </a:solidFill>
-            </a:endParaRPr>
+              <a:rPr lang="en-US" dirty="0"/>
+              <a:t>Id (String</a:t>
+            </a:r>
+            <a:r>
+              <a:rPr lang="en-US" dirty="0" smtClean="0"/>
+              <a:t>)	 </a:t>
+            </a:r>
+          </a:p>
+          <a:p>
+            <a:r>
+              <a:rPr lang="en-US" dirty="0" smtClean="0"/>
+              <a:t>Name (String)</a:t>
+            </a:r>
+            <a:endParaRPr lang="en-US" dirty="0"/>
+          </a:p>
+          <a:p>
+            <a:r>
+              <a:rPr lang="en-US" dirty="0" err="1" smtClean="0"/>
+              <a:t>UnreadMessages</a:t>
+            </a:r>
+            <a:r>
+              <a:rPr lang="en-US" dirty="0" smtClean="0"/>
+              <a:t> (</a:t>
+            </a:r>
+            <a:r>
+              <a:rPr lang="en-US" dirty="0" err="1" smtClean="0"/>
+              <a:t>int</a:t>
+            </a:r>
+            <a:r>
+              <a:rPr lang="en-US" dirty="0" smtClean="0"/>
+              <a:t>)</a:t>
+            </a:r>
+            <a:endParaRPr lang="en-US" dirty="0"/>
           </a:p>
         </p:txBody>
       </p:sp>
     </p:spTree>
     <p:extLst>
       <p:ext uri="{BB962C8B-B14F-4D97-AF65-F5344CB8AC3E}">
-        <p14:creationId xmlns:p14="http://schemas.microsoft.com/office/powerpoint/2010/main" val="107874797"/>
+        <p14:creationId xmlns:p14="http://schemas.microsoft.com/office/powerpoint/2010/main" val="2347573165"/>
       </p:ext>
     </p:extLst>
   </p:cSld>
   <p:clrMapOvr>
     <a:masterClrMapping/>
   </p:clrMapOvr>
-  <p:timing>
-    <p:tnLst>
-      <p:par>
-        <p:cTn id="1" dur="indefinite" restart="never" nodeType="tmRoot"/>
-      </p:par>
-    </p:tnLst>
-  </p:timing>
 </p:sld>
 </file>
 
@@ -9726,6 +9722,1101 @@
 </file>
 
 <file path=ppt/slides/slide20.xml><?xml version="1.0" encoding="utf-8"?>
+<p:sld xmlns:a="http://schemas.openxmlformats.org/drawingml/2006/main" xmlns:r="http://schemas.openxmlformats.org/officeDocument/2006/relationships" xmlns:p="http://schemas.openxmlformats.org/presentationml/2006/main">
+  <p:cSld>
+    <p:spTree>
+      <p:nvGrpSpPr>
+        <p:cNvPr id="1" name=""/>
+        <p:cNvGrpSpPr/>
+        <p:nvPr/>
+      </p:nvGrpSpPr>
+      <p:grpSpPr>
+        <a:xfrm>
+          <a:off x="0" y="0"/>
+          <a:ext cx="0" cy="0"/>
+          <a:chOff x="0" y="0"/>
+          <a:chExt cx="0" cy="0"/>
+        </a:xfrm>
+      </p:grpSpPr>
+      <p:sp>
+        <p:nvSpPr>
+          <p:cNvPr id="6" name="TextBox 5"/>
+          <p:cNvSpPr txBox="1"/>
+          <p:nvPr/>
+        </p:nvSpPr>
+        <p:spPr>
+          <a:xfrm>
+            <a:off x="123754" y="116879"/>
+            <a:ext cx="5972725" cy="369332"/>
+          </a:xfrm>
+          <a:prstGeom prst="rect">
+            <a:avLst/>
+          </a:prstGeom>
+          <a:noFill/>
+        </p:spPr>
+        <p:txBody>
+          <a:bodyPr wrap="none" rtlCol="0">
+            <a:spAutoFit/>
+          </a:bodyPr>
+          <a:lstStyle/>
+          <a:p>
+            <a:r>
+              <a:rPr lang="en-US" dirty="0" smtClean="0"/>
+              <a:t>Admin notifications about new message in user conversations</a:t>
+            </a:r>
+            <a:endParaRPr lang="ru-RU" dirty="0"/>
+          </a:p>
+        </p:txBody>
+      </p:sp>
+      <p:sp>
+        <p:nvSpPr>
+          <p:cNvPr id="7" name="Прямоугольник 4"/>
+          <p:cNvSpPr/>
+          <p:nvPr/>
+        </p:nvSpPr>
+        <p:spPr>
+          <a:xfrm>
+            <a:off x="162427" y="563419"/>
+            <a:ext cx="11947357" cy="6148137"/>
+          </a:xfrm>
+          <a:prstGeom prst="rect">
+            <a:avLst/>
+          </a:prstGeom>
+          <a:noFill/>
+        </p:spPr>
+        <p:style>
+          <a:lnRef idx="2">
+            <a:schemeClr val="accent1">
+              <a:shade val="50000"/>
+            </a:schemeClr>
+          </a:lnRef>
+          <a:fillRef idx="1">
+            <a:schemeClr val="accent1"/>
+          </a:fillRef>
+          <a:effectRef idx="0">
+            <a:schemeClr val="accent1"/>
+          </a:effectRef>
+          <a:fontRef idx="minor">
+            <a:schemeClr val="lt1"/>
+          </a:fontRef>
+        </p:style>
+        <p:txBody>
+          <a:bodyPr rtlCol="0" anchor="ctr"/>
+          <a:lstStyle/>
+          <a:p>
+            <a:pPr algn="ctr"/>
+            <a:endParaRPr lang="ru-RU"/>
+          </a:p>
+        </p:txBody>
+      </p:sp>
+      <p:sp>
+        <p:nvSpPr>
+          <p:cNvPr id="8" name="Прямоугольник 5"/>
+          <p:cNvSpPr/>
+          <p:nvPr/>
+        </p:nvSpPr>
+        <p:spPr>
+          <a:xfrm>
+            <a:off x="1602971" y="535677"/>
+            <a:ext cx="9157647" cy="6148137"/>
+          </a:xfrm>
+          <a:prstGeom prst="rect">
+            <a:avLst/>
+          </a:prstGeom>
+          <a:solidFill>
+            <a:schemeClr val="bg1">
+              <a:lumMod val="95000"/>
+            </a:schemeClr>
+          </a:solidFill>
+        </p:spPr>
+        <p:style>
+          <a:lnRef idx="2">
+            <a:schemeClr val="accent1">
+              <a:shade val="50000"/>
+            </a:schemeClr>
+          </a:lnRef>
+          <a:fillRef idx="1">
+            <a:schemeClr val="accent1"/>
+          </a:fillRef>
+          <a:effectRef idx="0">
+            <a:schemeClr val="accent1"/>
+          </a:effectRef>
+          <a:fontRef idx="minor">
+            <a:schemeClr val="lt1"/>
+          </a:fontRef>
+        </p:style>
+        <p:txBody>
+          <a:bodyPr rtlCol="0" anchor="ctr"/>
+          <a:lstStyle/>
+          <a:p>
+            <a:pPr algn="ctr"/>
+            <a:endParaRPr lang="ru-RU"/>
+          </a:p>
+        </p:txBody>
+      </p:sp>
+      <p:sp>
+        <p:nvSpPr>
+          <p:cNvPr id="9" name="Прямоугольник 6"/>
+          <p:cNvSpPr/>
+          <p:nvPr/>
+        </p:nvSpPr>
+        <p:spPr>
+          <a:xfrm>
+            <a:off x="1594752" y="563419"/>
+            <a:ext cx="9157647" cy="1067488"/>
+          </a:xfrm>
+          <a:prstGeom prst="rect">
+            <a:avLst/>
+          </a:prstGeom>
+          <a:solidFill>
+            <a:schemeClr val="bg2"/>
+          </a:solidFill>
+        </p:spPr>
+        <p:style>
+          <a:lnRef idx="2">
+            <a:schemeClr val="accent1">
+              <a:shade val="50000"/>
+            </a:schemeClr>
+          </a:lnRef>
+          <a:fillRef idx="1">
+            <a:schemeClr val="accent1"/>
+          </a:fillRef>
+          <a:effectRef idx="0">
+            <a:schemeClr val="accent1"/>
+          </a:effectRef>
+          <a:fontRef idx="minor">
+            <a:schemeClr val="lt1"/>
+          </a:fontRef>
+        </p:style>
+        <p:txBody>
+          <a:bodyPr rtlCol="0" anchor="ctr"/>
+          <a:lstStyle/>
+          <a:p>
+            <a:pPr algn="ctr"/>
+            <a:endParaRPr lang="ru-RU"/>
+          </a:p>
+        </p:txBody>
+      </p:sp>
+      <p:sp>
+        <p:nvSpPr>
+          <p:cNvPr id="10" name="TextBox 9"/>
+          <p:cNvSpPr txBox="1"/>
+          <p:nvPr/>
+        </p:nvSpPr>
+        <p:spPr>
+          <a:xfrm>
+            <a:off x="1562666" y="563419"/>
+            <a:ext cx="2790969" cy="523220"/>
+          </a:xfrm>
+          <a:prstGeom prst="rect">
+            <a:avLst/>
+          </a:prstGeom>
+          <a:noFill/>
+        </p:spPr>
+        <p:txBody>
+          <a:bodyPr wrap="square" rtlCol="0">
+            <a:spAutoFit/>
+          </a:bodyPr>
+          <a:lstStyle/>
+          <a:p>
+            <a:r>
+              <a:rPr lang="en-US" sz="2800" dirty="0" smtClean="0"/>
+              <a:t>LOGO (</a:t>
+            </a:r>
+            <a:r>
+              <a:rPr lang="en-US" sz="2800" dirty="0" err="1" smtClean="0"/>
+              <a:t>Img</a:t>
+            </a:r>
+            <a:r>
+              <a:rPr lang="en-US" sz="2800" dirty="0" smtClean="0"/>
+              <a:t>)</a:t>
+            </a:r>
+            <a:endParaRPr lang="ru-RU" sz="2800" dirty="0"/>
+          </a:p>
+        </p:txBody>
+      </p:sp>
+      <p:sp>
+        <p:nvSpPr>
+          <p:cNvPr id="11" name="Прямоугольник 8"/>
+          <p:cNvSpPr/>
+          <p:nvPr/>
+        </p:nvSpPr>
+        <p:spPr>
+          <a:xfrm>
+            <a:off x="1600377" y="1317009"/>
+            <a:ext cx="9157649" cy="313898"/>
+          </a:xfrm>
+          <a:prstGeom prst="rect">
+            <a:avLst/>
+          </a:prstGeom>
+        </p:spPr>
+        <p:style>
+          <a:lnRef idx="2">
+            <a:schemeClr val="accent1">
+              <a:shade val="50000"/>
+            </a:schemeClr>
+          </a:lnRef>
+          <a:fillRef idx="1">
+            <a:schemeClr val="accent1"/>
+          </a:fillRef>
+          <a:effectRef idx="0">
+            <a:schemeClr val="accent1"/>
+          </a:effectRef>
+          <a:fontRef idx="minor">
+            <a:schemeClr val="lt1"/>
+          </a:fontRef>
+        </p:style>
+        <p:txBody>
+          <a:bodyPr rtlCol="0" anchor="ctr"/>
+          <a:lstStyle/>
+          <a:p>
+            <a:pPr algn="ctr"/>
+            <a:endParaRPr lang="ru-RU"/>
+          </a:p>
+        </p:txBody>
+      </p:sp>
+      <p:sp>
+        <p:nvSpPr>
+          <p:cNvPr id="12" name="TextBox 11"/>
+          <p:cNvSpPr txBox="1"/>
+          <p:nvPr/>
+        </p:nvSpPr>
+        <p:spPr>
+          <a:xfrm>
+            <a:off x="1563755" y="1276549"/>
+            <a:ext cx="6578224" cy="369332"/>
+          </a:xfrm>
+          <a:prstGeom prst="rect">
+            <a:avLst/>
+          </a:prstGeom>
+          <a:noFill/>
+        </p:spPr>
+        <p:txBody>
+          <a:bodyPr wrap="square" rtlCol="0">
+            <a:spAutoFit/>
+          </a:bodyPr>
+          <a:lstStyle/>
+          <a:p>
+            <a:r>
+              <a:rPr lang="en-US" dirty="0" smtClean="0">
+                <a:solidFill>
+                  <a:schemeClr val="bg1"/>
+                </a:solidFill>
+              </a:rPr>
+              <a:t>Dashboard | My Profile | Conversations </a:t>
+            </a:r>
+            <a:r>
+              <a:rPr lang="en-US" baseline="30000" dirty="0" smtClean="0">
+                <a:solidFill>
+                  <a:srgbClr val="FF0000"/>
+                </a:solidFill>
+              </a:rPr>
+              <a:t>(New)</a:t>
+            </a:r>
+            <a:r>
+              <a:rPr lang="en-US" dirty="0" smtClean="0">
+                <a:solidFill>
+                  <a:schemeClr val="bg1"/>
+                </a:solidFill>
+              </a:rPr>
+              <a:t> | Help</a:t>
+            </a:r>
+            <a:endParaRPr lang="ru-RU" dirty="0">
+              <a:solidFill>
+                <a:schemeClr val="bg1"/>
+              </a:solidFill>
+            </a:endParaRPr>
+          </a:p>
+        </p:txBody>
+      </p:sp>
+      <p:sp>
+        <p:nvSpPr>
+          <p:cNvPr id="13" name="TextBox 12"/>
+          <p:cNvSpPr txBox="1"/>
+          <p:nvPr/>
+        </p:nvSpPr>
+        <p:spPr>
+          <a:xfrm>
+            <a:off x="8423978" y="975354"/>
+            <a:ext cx="2376943" cy="307777"/>
+          </a:xfrm>
+          <a:prstGeom prst="rect">
+            <a:avLst/>
+          </a:prstGeom>
+          <a:noFill/>
+        </p:spPr>
+        <p:txBody>
+          <a:bodyPr wrap="square" rtlCol="0">
+            <a:spAutoFit/>
+          </a:bodyPr>
+          <a:lstStyle/>
+          <a:p>
+            <a:r>
+              <a:rPr lang="en-US" sz="1400" dirty="0" smtClean="0">
+                <a:solidFill>
+                  <a:schemeClr val="accent5"/>
+                </a:solidFill>
+              </a:rPr>
+              <a:t>Welcome, Admin | Sign out…</a:t>
+            </a:r>
+            <a:endParaRPr lang="ru-RU" sz="1400" dirty="0">
+              <a:solidFill>
+                <a:schemeClr val="accent5"/>
+              </a:solidFill>
+            </a:endParaRPr>
+          </a:p>
+        </p:txBody>
+      </p:sp>
+      <p:sp>
+        <p:nvSpPr>
+          <p:cNvPr id="14" name="TextBox 13"/>
+          <p:cNvSpPr txBox="1"/>
+          <p:nvPr/>
+        </p:nvSpPr>
+        <p:spPr>
+          <a:xfrm>
+            <a:off x="1547713" y="3609746"/>
+            <a:ext cx="9157649" cy="369332"/>
+          </a:xfrm>
+          <a:prstGeom prst="rect">
+            <a:avLst/>
+          </a:prstGeom>
+          <a:noFill/>
+        </p:spPr>
+        <p:txBody>
+          <a:bodyPr wrap="square" rtlCol="0">
+            <a:spAutoFit/>
+          </a:bodyPr>
+          <a:lstStyle/>
+          <a:p>
+            <a:pPr algn="ctr"/>
+            <a:r>
+              <a:rPr lang="en-US" dirty="0" smtClean="0"/>
+              <a:t>CONTENT HERE</a:t>
+            </a:r>
+            <a:endParaRPr lang="ru-RU" dirty="0"/>
+          </a:p>
+        </p:txBody>
+      </p:sp>
+      <p:cxnSp>
+        <p:nvCxnSpPr>
+          <p:cNvPr id="16" name="Straight Arrow Connector 15"/>
+          <p:cNvCxnSpPr/>
+          <p:nvPr/>
+        </p:nvCxnSpPr>
+        <p:spPr>
+          <a:xfrm flipH="1" flipV="1">
+            <a:off x="5637654" y="1519417"/>
+            <a:ext cx="577516" cy="928150"/>
+          </a:xfrm>
+          <a:prstGeom prst="straightConnector1">
+            <a:avLst/>
+          </a:prstGeom>
+          <a:ln>
+            <a:solidFill>
+              <a:srgbClr val="FF0000"/>
+            </a:solidFill>
+            <a:tailEnd type="triangle"/>
+          </a:ln>
+        </p:spPr>
+        <p:style>
+          <a:lnRef idx="1">
+            <a:schemeClr val="accent1"/>
+          </a:lnRef>
+          <a:fillRef idx="0">
+            <a:schemeClr val="accent1"/>
+          </a:fillRef>
+          <a:effectRef idx="0">
+            <a:schemeClr val="accent1"/>
+          </a:effectRef>
+          <a:fontRef idx="minor">
+            <a:schemeClr val="tx1"/>
+          </a:fontRef>
+        </p:style>
+      </p:cxnSp>
+      <p:sp>
+        <p:nvSpPr>
+          <p:cNvPr id="17" name="TextBox 16"/>
+          <p:cNvSpPr txBox="1"/>
+          <p:nvPr/>
+        </p:nvSpPr>
+        <p:spPr>
+          <a:xfrm>
+            <a:off x="6023811" y="2447567"/>
+            <a:ext cx="3922294" cy="923330"/>
+          </a:xfrm>
+          <a:prstGeom prst="rect">
+            <a:avLst/>
+          </a:prstGeom>
+          <a:noFill/>
+        </p:spPr>
+        <p:txBody>
+          <a:bodyPr wrap="square" rtlCol="0">
+            <a:spAutoFit/>
+          </a:bodyPr>
+          <a:lstStyle/>
+          <a:p>
+            <a:r>
+              <a:rPr lang="en-US" dirty="0" smtClean="0"/>
+              <a:t>Shown for all client routes except </a:t>
+            </a:r>
+            <a:r>
+              <a:rPr lang="en-US" dirty="0" smtClean="0"/>
+              <a:t>Conversations</a:t>
+            </a:r>
+          </a:p>
+          <a:p>
+            <a:r>
+              <a:rPr lang="en-US" dirty="0" smtClean="0"/>
+              <a:t>This is </a:t>
+            </a:r>
+            <a:r>
+              <a:rPr lang="en-US" dirty="0" err="1" smtClean="0"/>
+              <a:t>realtime</a:t>
+            </a:r>
+            <a:endParaRPr lang="ru-RU" dirty="0"/>
+          </a:p>
+        </p:txBody>
+      </p:sp>
+    </p:spTree>
+    <p:extLst>
+      <p:ext uri="{BB962C8B-B14F-4D97-AF65-F5344CB8AC3E}">
+        <p14:creationId xmlns:p14="http://schemas.microsoft.com/office/powerpoint/2010/main" val="973098012"/>
+      </p:ext>
+    </p:extLst>
+  </p:cSld>
+  <p:clrMapOvr>
+    <a:masterClrMapping/>
+  </p:clrMapOvr>
+</p:sld>
+</file>
+
+<file path=ppt/slides/slide21.xml><?xml version="1.0" encoding="utf-8"?>
+<p:sld xmlns:a="http://schemas.openxmlformats.org/drawingml/2006/main" xmlns:r="http://schemas.openxmlformats.org/officeDocument/2006/relationships" xmlns:p="http://schemas.openxmlformats.org/presentationml/2006/main">
+  <p:cSld>
+    <p:spTree>
+      <p:nvGrpSpPr>
+        <p:cNvPr id="1" name=""/>
+        <p:cNvGrpSpPr/>
+        <p:nvPr/>
+      </p:nvGrpSpPr>
+      <p:grpSpPr>
+        <a:xfrm>
+          <a:off x="0" y="0"/>
+          <a:ext cx="0" cy="0"/>
+          <a:chOff x="0" y="0"/>
+          <a:chExt cx="0" cy="0"/>
+        </a:xfrm>
+      </p:grpSpPr>
+      <p:sp>
+        <p:nvSpPr>
+          <p:cNvPr id="16" name="Rectangle 15"/>
+          <p:cNvSpPr/>
+          <p:nvPr/>
+        </p:nvSpPr>
+        <p:spPr>
+          <a:xfrm>
+            <a:off x="11197988" y="6220623"/>
+            <a:ext cx="709684" cy="369332"/>
+          </a:xfrm>
+          <a:prstGeom prst="rect">
+            <a:avLst/>
+          </a:prstGeom>
+        </p:spPr>
+        <p:style>
+          <a:lnRef idx="2">
+            <a:schemeClr val="accent1">
+              <a:shade val="50000"/>
+            </a:schemeClr>
+          </a:lnRef>
+          <a:fillRef idx="1">
+            <a:schemeClr val="accent1"/>
+          </a:fillRef>
+          <a:effectRef idx="0">
+            <a:schemeClr val="accent1"/>
+          </a:effectRef>
+          <a:fontRef idx="minor">
+            <a:schemeClr val="lt1"/>
+          </a:fontRef>
+        </p:style>
+        <p:txBody>
+          <a:bodyPr rtlCol="0" anchor="ctr"/>
+          <a:lstStyle/>
+          <a:p>
+            <a:pPr algn="ctr"/>
+            <a:endParaRPr lang="ru-RU"/>
+          </a:p>
+        </p:txBody>
+      </p:sp>
+      <p:sp>
+        <p:nvSpPr>
+          <p:cNvPr id="15" name="Rectangle 14"/>
+          <p:cNvSpPr/>
+          <p:nvPr/>
+        </p:nvSpPr>
+        <p:spPr>
+          <a:xfrm>
+            <a:off x="10324531" y="6220623"/>
+            <a:ext cx="750628" cy="369332"/>
+          </a:xfrm>
+          <a:prstGeom prst="rect">
+            <a:avLst/>
+          </a:prstGeom>
+        </p:spPr>
+        <p:style>
+          <a:lnRef idx="2">
+            <a:schemeClr val="accent1">
+              <a:shade val="50000"/>
+            </a:schemeClr>
+          </a:lnRef>
+          <a:fillRef idx="1">
+            <a:schemeClr val="accent1"/>
+          </a:fillRef>
+          <a:effectRef idx="0">
+            <a:schemeClr val="accent1"/>
+          </a:effectRef>
+          <a:fontRef idx="minor">
+            <a:schemeClr val="lt1"/>
+          </a:fontRef>
+        </p:style>
+        <p:txBody>
+          <a:bodyPr rtlCol="0" anchor="ctr"/>
+          <a:lstStyle/>
+          <a:p>
+            <a:pPr algn="ctr"/>
+            <a:endParaRPr lang="ru-RU"/>
+          </a:p>
+        </p:txBody>
+      </p:sp>
+      <p:sp>
+        <p:nvSpPr>
+          <p:cNvPr id="4" name="TextBox 3"/>
+          <p:cNvSpPr txBox="1"/>
+          <p:nvPr/>
+        </p:nvSpPr>
+        <p:spPr>
+          <a:xfrm>
+            <a:off x="108284" y="132347"/>
+            <a:ext cx="1502976" cy="369332"/>
+          </a:xfrm>
+          <a:prstGeom prst="rect">
+            <a:avLst/>
+          </a:prstGeom>
+          <a:noFill/>
+        </p:spPr>
+        <p:txBody>
+          <a:bodyPr wrap="none" rtlCol="0">
+            <a:spAutoFit/>
+          </a:bodyPr>
+          <a:lstStyle/>
+          <a:p>
+            <a:r>
+              <a:rPr lang="en-US" dirty="0" smtClean="0"/>
+              <a:t>Conversations</a:t>
+            </a:r>
+            <a:endParaRPr lang="ru-RU" dirty="0"/>
+          </a:p>
+        </p:txBody>
+      </p:sp>
+      <p:sp>
+        <p:nvSpPr>
+          <p:cNvPr id="5" name="Rectangle 4"/>
+          <p:cNvSpPr/>
+          <p:nvPr/>
+        </p:nvSpPr>
+        <p:spPr>
+          <a:xfrm>
+            <a:off x="121529" y="501679"/>
+            <a:ext cx="2737185" cy="6187879"/>
+          </a:xfrm>
+          <a:prstGeom prst="rect">
+            <a:avLst/>
+          </a:prstGeom>
+        </p:spPr>
+        <p:style>
+          <a:lnRef idx="2">
+            <a:schemeClr val="accent1">
+              <a:shade val="50000"/>
+            </a:schemeClr>
+          </a:lnRef>
+          <a:fillRef idx="1">
+            <a:schemeClr val="accent1"/>
+          </a:fillRef>
+          <a:effectRef idx="0">
+            <a:schemeClr val="accent1"/>
+          </a:effectRef>
+          <a:fontRef idx="minor">
+            <a:schemeClr val="lt1"/>
+          </a:fontRef>
+        </p:style>
+        <p:txBody>
+          <a:bodyPr rtlCol="0" anchor="ctr"/>
+          <a:lstStyle/>
+          <a:p>
+            <a:pPr algn="ctr"/>
+            <a:endParaRPr lang="ru-RU"/>
+          </a:p>
+        </p:txBody>
+      </p:sp>
+      <p:sp>
+        <p:nvSpPr>
+          <p:cNvPr id="6" name="TextBox 5"/>
+          <p:cNvSpPr txBox="1"/>
+          <p:nvPr/>
+        </p:nvSpPr>
+        <p:spPr>
+          <a:xfrm>
+            <a:off x="258679" y="613611"/>
+            <a:ext cx="2273968" cy="1200329"/>
+          </a:xfrm>
+          <a:prstGeom prst="rect">
+            <a:avLst/>
+          </a:prstGeom>
+          <a:noFill/>
+        </p:spPr>
+        <p:txBody>
+          <a:bodyPr wrap="square" rtlCol="0">
+            <a:spAutoFit/>
+          </a:bodyPr>
+          <a:lstStyle/>
+          <a:p>
+            <a:r>
+              <a:rPr lang="en-US" dirty="0" smtClean="0">
+                <a:solidFill>
+                  <a:srgbClr val="FF0000"/>
+                </a:solidFill>
+              </a:rPr>
+              <a:t>Alex</a:t>
+            </a:r>
+            <a:r>
+              <a:rPr lang="en-US" baseline="30000" dirty="0" smtClean="0">
+                <a:solidFill>
+                  <a:srgbClr val="FF0000"/>
+                </a:solidFill>
+              </a:rPr>
+              <a:t>(1)</a:t>
+            </a:r>
+          </a:p>
+          <a:p>
+            <a:r>
+              <a:rPr lang="en-US" dirty="0" smtClean="0">
+                <a:solidFill>
+                  <a:schemeClr val="bg1"/>
+                </a:solidFill>
+              </a:rPr>
+              <a:t>User1</a:t>
+            </a:r>
+          </a:p>
+          <a:p>
+            <a:r>
+              <a:rPr lang="en-US" dirty="0" smtClean="0">
+                <a:solidFill>
+                  <a:schemeClr val="bg1"/>
+                </a:solidFill>
+              </a:rPr>
+              <a:t>User2</a:t>
+            </a:r>
+          </a:p>
+          <a:p>
+            <a:r>
+              <a:rPr lang="en-US" dirty="0" smtClean="0">
+                <a:solidFill>
+                  <a:schemeClr val="bg1"/>
+                </a:solidFill>
+              </a:rPr>
+              <a:t>User3</a:t>
+            </a:r>
+            <a:endParaRPr lang="ru-RU" dirty="0">
+              <a:solidFill>
+                <a:schemeClr val="bg1"/>
+              </a:solidFill>
+            </a:endParaRPr>
+          </a:p>
+        </p:txBody>
+      </p:sp>
+      <p:sp>
+        <p:nvSpPr>
+          <p:cNvPr id="7" name="Rectangle 6"/>
+          <p:cNvSpPr/>
+          <p:nvPr/>
+        </p:nvSpPr>
+        <p:spPr>
+          <a:xfrm>
+            <a:off x="2983832" y="501679"/>
+            <a:ext cx="9005636" cy="6187879"/>
+          </a:xfrm>
+          <a:prstGeom prst="rect">
+            <a:avLst/>
+          </a:prstGeom>
+          <a:noFill/>
+        </p:spPr>
+        <p:style>
+          <a:lnRef idx="2">
+            <a:schemeClr val="accent1">
+              <a:shade val="50000"/>
+            </a:schemeClr>
+          </a:lnRef>
+          <a:fillRef idx="1">
+            <a:schemeClr val="accent1"/>
+          </a:fillRef>
+          <a:effectRef idx="0">
+            <a:schemeClr val="accent1"/>
+          </a:effectRef>
+          <a:fontRef idx="minor">
+            <a:schemeClr val="lt1"/>
+          </a:fontRef>
+        </p:style>
+        <p:txBody>
+          <a:bodyPr rtlCol="0" anchor="ctr"/>
+          <a:lstStyle/>
+          <a:p>
+            <a:pPr algn="ctr"/>
+            <a:endParaRPr lang="ru-RU"/>
+          </a:p>
+        </p:txBody>
+      </p:sp>
+      <p:sp>
+        <p:nvSpPr>
+          <p:cNvPr id="8" name="TextBox 7"/>
+          <p:cNvSpPr txBox="1"/>
+          <p:nvPr/>
+        </p:nvSpPr>
+        <p:spPr>
+          <a:xfrm>
+            <a:off x="3159457" y="613611"/>
+            <a:ext cx="8652680" cy="646331"/>
+          </a:xfrm>
+          <a:prstGeom prst="rect">
+            <a:avLst/>
+          </a:prstGeom>
+          <a:noFill/>
+        </p:spPr>
+        <p:txBody>
+          <a:bodyPr wrap="square" rtlCol="0">
+            <a:spAutoFit/>
+          </a:bodyPr>
+          <a:lstStyle/>
+          <a:p>
+            <a:r>
+              <a:rPr lang="en-US" dirty="0" smtClean="0"/>
+              <a:t>1/16/2021</a:t>
+            </a:r>
+          </a:p>
+          <a:p>
+            <a:r>
+              <a:rPr lang="en-US" dirty="0" smtClean="0"/>
+              <a:t>Message content</a:t>
+            </a:r>
+            <a:endParaRPr lang="ru-RU" dirty="0"/>
+          </a:p>
+        </p:txBody>
+      </p:sp>
+      <p:sp>
+        <p:nvSpPr>
+          <p:cNvPr id="9" name="TextBox 8"/>
+          <p:cNvSpPr txBox="1"/>
+          <p:nvPr/>
+        </p:nvSpPr>
+        <p:spPr>
+          <a:xfrm>
+            <a:off x="3159457" y="1490774"/>
+            <a:ext cx="8652680" cy="646331"/>
+          </a:xfrm>
+          <a:prstGeom prst="rect">
+            <a:avLst/>
+          </a:prstGeom>
+          <a:noFill/>
+        </p:spPr>
+        <p:txBody>
+          <a:bodyPr wrap="square" rtlCol="0">
+            <a:spAutoFit/>
+          </a:bodyPr>
+          <a:lstStyle/>
+          <a:p>
+            <a:r>
+              <a:rPr lang="en-US" dirty="0" smtClean="0"/>
+              <a:t>1/15/2021</a:t>
+            </a:r>
+          </a:p>
+          <a:p>
+            <a:r>
+              <a:rPr lang="en-US" dirty="0" smtClean="0"/>
+              <a:t>Message content</a:t>
+            </a:r>
+            <a:endParaRPr lang="ru-RU" dirty="0"/>
+          </a:p>
+        </p:txBody>
+      </p:sp>
+      <p:sp>
+        <p:nvSpPr>
+          <p:cNvPr id="10" name="TextBox 9"/>
+          <p:cNvSpPr txBox="1"/>
+          <p:nvPr/>
+        </p:nvSpPr>
+        <p:spPr>
+          <a:xfrm>
+            <a:off x="3159457" y="2327268"/>
+            <a:ext cx="8652680" cy="646331"/>
+          </a:xfrm>
+          <a:prstGeom prst="rect">
+            <a:avLst/>
+          </a:prstGeom>
+          <a:noFill/>
+        </p:spPr>
+        <p:txBody>
+          <a:bodyPr wrap="square" rtlCol="0">
+            <a:spAutoFit/>
+          </a:bodyPr>
+          <a:lstStyle/>
+          <a:p>
+            <a:r>
+              <a:rPr lang="en-US" dirty="0" smtClean="0"/>
+              <a:t>1/14/2021</a:t>
+            </a:r>
+          </a:p>
+          <a:p>
+            <a:r>
+              <a:rPr lang="en-US" dirty="0" smtClean="0"/>
+              <a:t>Message content</a:t>
+            </a:r>
+            <a:endParaRPr lang="ru-RU" dirty="0"/>
+          </a:p>
+        </p:txBody>
+      </p:sp>
+      <p:sp>
+        <p:nvSpPr>
+          <p:cNvPr id="11" name="Rectangle 10"/>
+          <p:cNvSpPr/>
+          <p:nvPr/>
+        </p:nvSpPr>
+        <p:spPr>
+          <a:xfrm>
+            <a:off x="3057099" y="4892722"/>
+            <a:ext cx="8850573" cy="1228299"/>
+          </a:xfrm>
+          <a:prstGeom prst="rect">
+            <a:avLst/>
+          </a:prstGeom>
+          <a:noFill/>
+        </p:spPr>
+        <p:style>
+          <a:lnRef idx="2">
+            <a:schemeClr val="accent1">
+              <a:shade val="50000"/>
+            </a:schemeClr>
+          </a:lnRef>
+          <a:fillRef idx="1">
+            <a:schemeClr val="accent1"/>
+          </a:fillRef>
+          <a:effectRef idx="0">
+            <a:schemeClr val="accent1"/>
+          </a:effectRef>
+          <a:fontRef idx="minor">
+            <a:schemeClr val="lt1"/>
+          </a:fontRef>
+        </p:style>
+        <p:txBody>
+          <a:bodyPr rtlCol="0" anchor="ctr"/>
+          <a:lstStyle/>
+          <a:p>
+            <a:pPr algn="ctr"/>
+            <a:endParaRPr lang="ru-RU"/>
+          </a:p>
+        </p:txBody>
+      </p:sp>
+      <p:sp>
+        <p:nvSpPr>
+          <p:cNvPr id="12" name="TextBox 11"/>
+          <p:cNvSpPr txBox="1"/>
+          <p:nvPr/>
+        </p:nvSpPr>
+        <p:spPr>
+          <a:xfrm>
+            <a:off x="3159457" y="4956651"/>
+            <a:ext cx="7096835" cy="369332"/>
+          </a:xfrm>
+          <a:prstGeom prst="rect">
+            <a:avLst/>
+          </a:prstGeom>
+          <a:noFill/>
+        </p:spPr>
+        <p:txBody>
+          <a:bodyPr wrap="square" rtlCol="0">
+            <a:spAutoFit/>
+          </a:bodyPr>
+          <a:lstStyle/>
+          <a:p>
+            <a:r>
+              <a:rPr lang="en-US" dirty="0" smtClean="0"/>
+              <a:t>This is a response from administrator</a:t>
+            </a:r>
+            <a:endParaRPr lang="ru-RU" dirty="0"/>
+          </a:p>
+        </p:txBody>
+      </p:sp>
+      <p:sp>
+        <p:nvSpPr>
+          <p:cNvPr id="13" name="TextBox 12"/>
+          <p:cNvSpPr txBox="1"/>
+          <p:nvPr/>
+        </p:nvSpPr>
+        <p:spPr>
+          <a:xfrm>
+            <a:off x="10406419" y="6220623"/>
+            <a:ext cx="668740" cy="369332"/>
+          </a:xfrm>
+          <a:prstGeom prst="rect">
+            <a:avLst/>
+          </a:prstGeom>
+          <a:noFill/>
+        </p:spPr>
+        <p:txBody>
+          <a:bodyPr wrap="square" rtlCol="0">
+            <a:spAutoFit/>
+          </a:bodyPr>
+          <a:lstStyle/>
+          <a:p>
+            <a:r>
+              <a:rPr lang="en-US" dirty="0" smtClean="0">
+                <a:solidFill>
+                  <a:schemeClr val="bg1"/>
+                </a:solidFill>
+              </a:rPr>
+              <a:t>Send</a:t>
+            </a:r>
+            <a:endParaRPr lang="ru-RU" dirty="0">
+              <a:solidFill>
+                <a:schemeClr val="bg1"/>
+              </a:solidFill>
+            </a:endParaRPr>
+          </a:p>
+        </p:txBody>
+      </p:sp>
+      <p:sp>
+        <p:nvSpPr>
+          <p:cNvPr id="14" name="TextBox 13"/>
+          <p:cNvSpPr txBox="1"/>
+          <p:nvPr/>
+        </p:nvSpPr>
+        <p:spPr>
+          <a:xfrm>
+            <a:off x="11279740" y="6220623"/>
+            <a:ext cx="787933" cy="369332"/>
+          </a:xfrm>
+          <a:prstGeom prst="rect">
+            <a:avLst/>
+          </a:prstGeom>
+          <a:noFill/>
+        </p:spPr>
+        <p:txBody>
+          <a:bodyPr wrap="square" rtlCol="0">
+            <a:spAutoFit/>
+          </a:bodyPr>
+          <a:lstStyle/>
+          <a:p>
+            <a:r>
+              <a:rPr lang="en-US" dirty="0" smtClean="0">
+                <a:solidFill>
+                  <a:schemeClr val="bg1"/>
+                </a:solidFill>
+              </a:rPr>
+              <a:t>Clear</a:t>
+            </a:r>
+            <a:endParaRPr lang="ru-RU" dirty="0">
+              <a:solidFill>
+                <a:schemeClr val="bg1"/>
+              </a:solidFill>
+            </a:endParaRPr>
+          </a:p>
+        </p:txBody>
+      </p:sp>
+      <p:cxnSp>
+        <p:nvCxnSpPr>
+          <p:cNvPr id="18" name="Straight Arrow Connector 17"/>
+          <p:cNvCxnSpPr/>
+          <p:nvPr/>
+        </p:nvCxnSpPr>
+        <p:spPr>
+          <a:xfrm flipH="1">
+            <a:off x="970547" y="132347"/>
+            <a:ext cx="1459832" cy="605590"/>
+          </a:xfrm>
+          <a:prstGeom prst="straightConnector1">
+            <a:avLst/>
+          </a:prstGeom>
+          <a:ln>
+            <a:solidFill>
+              <a:srgbClr val="FF0000"/>
+            </a:solidFill>
+            <a:tailEnd type="triangle"/>
+          </a:ln>
+        </p:spPr>
+        <p:style>
+          <a:lnRef idx="1">
+            <a:schemeClr val="accent1"/>
+          </a:lnRef>
+          <a:fillRef idx="0">
+            <a:schemeClr val="accent1"/>
+          </a:fillRef>
+          <a:effectRef idx="0">
+            <a:schemeClr val="accent1"/>
+          </a:effectRef>
+          <a:fontRef idx="minor">
+            <a:schemeClr val="tx1"/>
+          </a:fontRef>
+        </p:style>
+      </p:cxnSp>
+      <p:sp>
+        <p:nvSpPr>
+          <p:cNvPr id="19" name="TextBox 18"/>
+          <p:cNvSpPr txBox="1"/>
+          <p:nvPr/>
+        </p:nvSpPr>
+        <p:spPr>
+          <a:xfrm>
+            <a:off x="2473523" y="-32867"/>
+            <a:ext cx="6611353" cy="369332"/>
+          </a:xfrm>
+          <a:prstGeom prst="rect">
+            <a:avLst/>
+          </a:prstGeom>
+          <a:noFill/>
+        </p:spPr>
+        <p:txBody>
+          <a:bodyPr wrap="square" rtlCol="0">
+            <a:spAutoFit/>
+          </a:bodyPr>
+          <a:lstStyle/>
+          <a:p>
+            <a:r>
+              <a:rPr lang="en-US" dirty="0" smtClean="0"/>
+              <a:t>The number of unread messages is updated in real-time</a:t>
+            </a:r>
+            <a:endParaRPr lang="ru-RU" dirty="0"/>
+          </a:p>
+        </p:txBody>
+      </p:sp>
+    </p:spTree>
+    <p:extLst>
+      <p:ext uri="{BB962C8B-B14F-4D97-AF65-F5344CB8AC3E}">
+        <p14:creationId xmlns:p14="http://schemas.microsoft.com/office/powerpoint/2010/main" val="107874797"/>
+      </p:ext>
+    </p:extLst>
+  </p:cSld>
+  <p:clrMapOvr>
+    <a:masterClrMapping/>
+  </p:clrMapOvr>
+  <p:timing>
+    <p:tnLst>
+      <p:par>
+        <p:cTn id="1" dur="indefinite" restart="never" nodeType="tmRoot"/>
+      </p:par>
+    </p:tnLst>
+  </p:timing>
+</p:sld>
+</file>
+
+<file path=ppt/slides/slide22.xml><?xml version="1.0" encoding="utf-8"?>
 <p:sld xmlns:a="http://schemas.openxmlformats.org/drawingml/2006/main" xmlns:r="http://schemas.openxmlformats.org/officeDocument/2006/relationships" xmlns:p="http://schemas.openxmlformats.org/presentationml/2006/main">
   <p:cSld>
     <p:spTree>
@@ -11933,6 +13024,447 @@
 </file>
 
 <file path=ppt/slides/slide7.xml><?xml version="1.0" encoding="utf-8"?>
+<p:sld xmlns:a="http://schemas.openxmlformats.org/drawingml/2006/main" xmlns:r="http://schemas.openxmlformats.org/officeDocument/2006/relationships" xmlns:p="http://schemas.openxmlformats.org/presentationml/2006/main">
+  <p:cSld>
+    <p:spTree>
+      <p:nvGrpSpPr>
+        <p:cNvPr id="1" name=""/>
+        <p:cNvGrpSpPr/>
+        <p:nvPr/>
+      </p:nvGrpSpPr>
+      <p:grpSpPr>
+        <a:xfrm>
+          <a:off x="0" y="0"/>
+          <a:ext cx="0" cy="0"/>
+          <a:chOff x="0" y="0"/>
+          <a:chExt cx="0" cy="0"/>
+        </a:xfrm>
+      </p:grpSpPr>
+      <p:sp>
+        <p:nvSpPr>
+          <p:cNvPr id="4" name="Прямоугольник 6"/>
+          <p:cNvSpPr/>
+          <p:nvPr/>
+        </p:nvSpPr>
+        <p:spPr>
+          <a:xfrm>
+            <a:off x="1185679" y="563419"/>
+            <a:ext cx="9157647" cy="1067488"/>
+          </a:xfrm>
+          <a:prstGeom prst="rect">
+            <a:avLst/>
+          </a:prstGeom>
+          <a:solidFill>
+            <a:schemeClr val="bg2"/>
+          </a:solidFill>
+        </p:spPr>
+        <p:style>
+          <a:lnRef idx="2">
+            <a:schemeClr val="accent1">
+              <a:shade val="50000"/>
+            </a:schemeClr>
+          </a:lnRef>
+          <a:fillRef idx="1">
+            <a:schemeClr val="accent1"/>
+          </a:fillRef>
+          <a:effectRef idx="0">
+            <a:schemeClr val="accent1"/>
+          </a:effectRef>
+          <a:fontRef idx="minor">
+            <a:schemeClr val="lt1"/>
+          </a:fontRef>
+        </p:style>
+        <p:txBody>
+          <a:bodyPr rtlCol="0" anchor="ctr"/>
+          <a:lstStyle/>
+          <a:p>
+            <a:pPr algn="ctr"/>
+            <a:endParaRPr lang="ru-RU"/>
+          </a:p>
+        </p:txBody>
+      </p:sp>
+      <p:sp>
+        <p:nvSpPr>
+          <p:cNvPr id="5" name="TextBox 4"/>
+          <p:cNvSpPr txBox="1"/>
+          <p:nvPr/>
+        </p:nvSpPr>
+        <p:spPr>
+          <a:xfrm>
+            <a:off x="1185677" y="563419"/>
+            <a:ext cx="2790969" cy="523220"/>
+          </a:xfrm>
+          <a:prstGeom prst="rect">
+            <a:avLst/>
+          </a:prstGeom>
+          <a:noFill/>
+        </p:spPr>
+        <p:txBody>
+          <a:bodyPr wrap="square" rtlCol="0">
+            <a:spAutoFit/>
+          </a:bodyPr>
+          <a:lstStyle/>
+          <a:p>
+            <a:r>
+              <a:rPr lang="en-US" sz="2800" dirty="0" smtClean="0"/>
+              <a:t>LOGO (</a:t>
+            </a:r>
+            <a:r>
+              <a:rPr lang="en-US" sz="2800" dirty="0" err="1" smtClean="0"/>
+              <a:t>Img</a:t>
+            </a:r>
+            <a:r>
+              <a:rPr lang="en-US" sz="2800" dirty="0" smtClean="0"/>
+              <a:t>)</a:t>
+            </a:r>
+            <a:endParaRPr lang="ru-RU" sz="2800" dirty="0"/>
+          </a:p>
+        </p:txBody>
+      </p:sp>
+      <p:sp>
+        <p:nvSpPr>
+          <p:cNvPr id="6" name="Прямоугольник 8"/>
+          <p:cNvSpPr/>
+          <p:nvPr/>
+        </p:nvSpPr>
+        <p:spPr>
+          <a:xfrm>
+            <a:off x="1199325" y="1317009"/>
+            <a:ext cx="9157649" cy="313898"/>
+          </a:xfrm>
+          <a:prstGeom prst="rect">
+            <a:avLst/>
+          </a:prstGeom>
+        </p:spPr>
+        <p:style>
+          <a:lnRef idx="2">
+            <a:schemeClr val="accent1">
+              <a:shade val="50000"/>
+            </a:schemeClr>
+          </a:lnRef>
+          <a:fillRef idx="1">
+            <a:schemeClr val="accent1"/>
+          </a:fillRef>
+          <a:effectRef idx="0">
+            <a:schemeClr val="accent1"/>
+          </a:effectRef>
+          <a:fontRef idx="minor">
+            <a:schemeClr val="lt1"/>
+          </a:fontRef>
+        </p:style>
+        <p:txBody>
+          <a:bodyPr rtlCol="0" anchor="ctr"/>
+          <a:lstStyle/>
+          <a:p>
+            <a:pPr algn="ctr"/>
+            <a:endParaRPr lang="ru-RU"/>
+          </a:p>
+        </p:txBody>
+      </p:sp>
+      <p:sp>
+        <p:nvSpPr>
+          <p:cNvPr id="7" name="TextBox 6"/>
+          <p:cNvSpPr txBox="1"/>
+          <p:nvPr/>
+        </p:nvSpPr>
+        <p:spPr>
+          <a:xfrm>
+            <a:off x="1170724" y="1276549"/>
+            <a:ext cx="6578224" cy="369332"/>
+          </a:xfrm>
+          <a:prstGeom prst="rect">
+            <a:avLst/>
+          </a:prstGeom>
+          <a:noFill/>
+        </p:spPr>
+        <p:txBody>
+          <a:bodyPr wrap="square" rtlCol="0">
+            <a:spAutoFit/>
+          </a:bodyPr>
+          <a:lstStyle/>
+          <a:p>
+            <a:r>
+              <a:rPr lang="en-US" dirty="0" smtClean="0">
+                <a:solidFill>
+                  <a:schemeClr val="bg1"/>
+                </a:solidFill>
+              </a:rPr>
+              <a:t>Dashboard | My Profile</a:t>
+            </a:r>
+            <a:r>
+              <a:rPr lang="en-US" b="1" baseline="30000" dirty="0" smtClean="0">
+                <a:solidFill>
+                  <a:srgbClr val="FF0000"/>
+                </a:solidFill>
+              </a:rPr>
+              <a:t>(!)</a:t>
+            </a:r>
+            <a:r>
+              <a:rPr lang="en-US" dirty="0" smtClean="0">
+                <a:solidFill>
+                  <a:schemeClr val="bg1"/>
+                </a:solidFill>
+              </a:rPr>
+              <a:t> | Help</a:t>
+            </a:r>
+            <a:endParaRPr lang="ru-RU" dirty="0">
+              <a:solidFill>
+                <a:schemeClr val="bg1"/>
+              </a:solidFill>
+            </a:endParaRPr>
+          </a:p>
+        </p:txBody>
+      </p:sp>
+      <p:sp>
+        <p:nvSpPr>
+          <p:cNvPr id="8" name="TextBox 7"/>
+          <p:cNvSpPr txBox="1"/>
+          <p:nvPr/>
+        </p:nvSpPr>
+        <p:spPr>
+          <a:xfrm>
+            <a:off x="7778856" y="975354"/>
+            <a:ext cx="3719014" cy="307777"/>
+          </a:xfrm>
+          <a:prstGeom prst="rect">
+            <a:avLst/>
+          </a:prstGeom>
+          <a:noFill/>
+        </p:spPr>
+        <p:txBody>
+          <a:bodyPr wrap="square" rtlCol="0">
+            <a:spAutoFit/>
+          </a:bodyPr>
+          <a:lstStyle/>
+          <a:p>
+            <a:r>
+              <a:rPr lang="en-US" sz="1400" dirty="0" smtClean="0">
+                <a:solidFill>
+                  <a:schemeClr val="accent5"/>
+                </a:solidFill>
+              </a:rPr>
+              <a:t>Welcome, </a:t>
+            </a:r>
+            <a:r>
+              <a:rPr lang="en-US" sz="1400" dirty="0" err="1" smtClean="0">
+                <a:solidFill>
+                  <a:schemeClr val="accent5"/>
+                </a:solidFill>
+              </a:rPr>
+              <a:t>alex.svs.fl</a:t>
+            </a:r>
+            <a:r>
+              <a:rPr lang="en-US" sz="1400" dirty="0" smtClean="0">
+                <a:solidFill>
+                  <a:schemeClr val="accent5"/>
+                </a:solidFill>
+              </a:rPr>
+              <a:t>! </a:t>
+            </a:r>
+            <a:r>
+              <a:rPr lang="ru-RU" sz="1400" b="1" baseline="30000" dirty="0" smtClean="0">
+                <a:solidFill>
+                  <a:srgbClr val="FF0000"/>
+                </a:solidFill>
+              </a:rPr>
+              <a:t>(1)</a:t>
+            </a:r>
+            <a:r>
+              <a:rPr lang="en-US" sz="1400" dirty="0" smtClean="0">
+                <a:solidFill>
+                  <a:schemeClr val="accent5"/>
+                </a:solidFill>
+              </a:rPr>
+              <a:t>| Sign out…</a:t>
+            </a:r>
+            <a:endParaRPr lang="ru-RU" sz="1400" dirty="0">
+              <a:solidFill>
+                <a:schemeClr val="accent5"/>
+              </a:solidFill>
+            </a:endParaRPr>
+          </a:p>
+        </p:txBody>
+      </p:sp>
+      <p:sp>
+        <p:nvSpPr>
+          <p:cNvPr id="9" name="TextBox 8"/>
+          <p:cNvSpPr txBox="1"/>
+          <p:nvPr/>
+        </p:nvSpPr>
+        <p:spPr>
+          <a:xfrm>
+            <a:off x="224589" y="88232"/>
+            <a:ext cx="8879306" cy="369332"/>
+          </a:xfrm>
+          <a:prstGeom prst="rect">
+            <a:avLst/>
+          </a:prstGeom>
+          <a:noFill/>
+        </p:spPr>
+        <p:txBody>
+          <a:bodyPr wrap="square" rtlCol="0">
+            <a:spAutoFit/>
+          </a:bodyPr>
+          <a:lstStyle/>
+          <a:p>
+            <a:r>
+              <a:rPr lang="en-US" dirty="0" smtClean="0"/>
+              <a:t>User notifications about new messages from admin</a:t>
+            </a:r>
+            <a:endParaRPr lang="ru-RU" dirty="0"/>
+          </a:p>
+        </p:txBody>
+      </p:sp>
+      <p:cxnSp>
+        <p:nvCxnSpPr>
+          <p:cNvPr id="13" name="Straight Arrow Connector 12"/>
+          <p:cNvCxnSpPr/>
+          <p:nvPr/>
+        </p:nvCxnSpPr>
+        <p:spPr>
+          <a:xfrm flipH="1" flipV="1">
+            <a:off x="9496926" y="1179095"/>
+            <a:ext cx="561474" cy="1203158"/>
+          </a:xfrm>
+          <a:prstGeom prst="straightConnector1">
+            <a:avLst/>
+          </a:prstGeom>
+          <a:ln>
+            <a:solidFill>
+              <a:srgbClr val="FF0000"/>
+            </a:solidFill>
+            <a:tailEnd type="triangle"/>
+          </a:ln>
+        </p:spPr>
+        <p:style>
+          <a:lnRef idx="1">
+            <a:schemeClr val="accent1"/>
+          </a:lnRef>
+          <a:fillRef idx="0">
+            <a:schemeClr val="accent1"/>
+          </a:fillRef>
+          <a:effectRef idx="0">
+            <a:schemeClr val="accent1"/>
+          </a:effectRef>
+          <a:fontRef idx="minor">
+            <a:schemeClr val="tx1"/>
+          </a:fontRef>
+        </p:style>
+      </p:cxnSp>
+      <p:sp>
+        <p:nvSpPr>
+          <p:cNvPr id="14" name="TextBox 13"/>
+          <p:cNvSpPr txBox="1"/>
+          <p:nvPr/>
+        </p:nvSpPr>
+        <p:spPr>
+          <a:xfrm>
+            <a:off x="9074149" y="2434760"/>
+            <a:ext cx="2538354" cy="646331"/>
+          </a:xfrm>
+          <a:prstGeom prst="rect">
+            <a:avLst/>
+          </a:prstGeom>
+          <a:noFill/>
+        </p:spPr>
+        <p:txBody>
+          <a:bodyPr wrap="square" rtlCol="0">
+            <a:spAutoFit/>
+          </a:bodyPr>
+          <a:lstStyle/>
+          <a:p>
+            <a:r>
+              <a:rPr lang="en-US" dirty="0" smtClean="0"/>
+              <a:t>Shows amount of unread messages</a:t>
+            </a:r>
+            <a:endParaRPr lang="ru-RU" dirty="0"/>
+          </a:p>
+        </p:txBody>
+      </p:sp>
+      <p:sp>
+        <p:nvSpPr>
+          <p:cNvPr id="15" name="TextBox 14"/>
+          <p:cNvSpPr txBox="1"/>
+          <p:nvPr/>
+        </p:nvSpPr>
+        <p:spPr>
+          <a:xfrm>
+            <a:off x="3675802" y="2359011"/>
+            <a:ext cx="2538354" cy="1200329"/>
+          </a:xfrm>
+          <a:prstGeom prst="rect">
+            <a:avLst/>
+          </a:prstGeom>
+          <a:noFill/>
+        </p:spPr>
+        <p:txBody>
+          <a:bodyPr wrap="square" rtlCol="0">
+            <a:spAutoFit/>
+          </a:bodyPr>
+          <a:lstStyle/>
+          <a:p>
+            <a:r>
+              <a:rPr lang="en-US" dirty="0" smtClean="0"/>
+              <a:t>Shows notification icon if there is a change in profile (comment </a:t>
+            </a:r>
+            <a:r>
+              <a:rPr lang="en-US" smtClean="0"/>
+              <a:t>from Admin, etc.)</a:t>
+            </a:r>
+            <a:endParaRPr lang="ru-RU" dirty="0"/>
+          </a:p>
+        </p:txBody>
+      </p:sp>
+      <p:cxnSp>
+        <p:nvCxnSpPr>
+          <p:cNvPr id="17" name="Straight Arrow Connector 16"/>
+          <p:cNvCxnSpPr/>
+          <p:nvPr/>
+        </p:nvCxnSpPr>
+        <p:spPr>
+          <a:xfrm flipH="1" flipV="1">
+            <a:off x="3521242" y="1473958"/>
+            <a:ext cx="200526" cy="908295"/>
+          </a:xfrm>
+          <a:prstGeom prst="straightConnector1">
+            <a:avLst/>
+          </a:prstGeom>
+          <a:ln>
+            <a:solidFill>
+              <a:srgbClr val="FF0000"/>
+            </a:solidFill>
+            <a:tailEnd type="triangle"/>
+          </a:ln>
+        </p:spPr>
+        <p:style>
+          <a:lnRef idx="1">
+            <a:schemeClr val="accent1"/>
+          </a:lnRef>
+          <a:fillRef idx="0">
+            <a:schemeClr val="accent1"/>
+          </a:fillRef>
+          <a:effectRef idx="0">
+            <a:schemeClr val="accent1"/>
+          </a:effectRef>
+          <a:fontRef idx="minor">
+            <a:schemeClr val="tx1"/>
+          </a:fontRef>
+        </p:style>
+      </p:cxnSp>
+    </p:spTree>
+    <p:extLst>
+      <p:ext uri="{BB962C8B-B14F-4D97-AF65-F5344CB8AC3E}">
+        <p14:creationId xmlns:p14="http://schemas.microsoft.com/office/powerpoint/2010/main" val="1079726567"/>
+      </p:ext>
+    </p:extLst>
+  </p:cSld>
+  <p:clrMapOvr>
+    <a:masterClrMapping/>
+  </p:clrMapOvr>
+</p:sld>
+</file>
+
+<file path=ppt/slides/slide8.xml><?xml version="1.0" encoding="utf-8"?>
 <p:sld xmlns:a="http://schemas.openxmlformats.org/drawingml/2006/main" xmlns:r="http://schemas.openxmlformats.org/officeDocument/2006/relationships" xmlns:p="http://schemas.openxmlformats.org/presentationml/2006/main">
   <p:cSld>
     <p:spTree>
@@ -12848,7 +14380,7 @@
 </p:sld>
 </file>
 
-<file path=ppt/slides/slide8.xml><?xml version="1.0" encoding="utf-8"?>
+<file path=ppt/slides/slide9.xml><?xml version="1.0" encoding="utf-8"?>
 <p:sld xmlns:a="http://schemas.openxmlformats.org/drawingml/2006/main" xmlns:r="http://schemas.openxmlformats.org/officeDocument/2006/relationships" xmlns:p="http://schemas.openxmlformats.org/presentationml/2006/main">
   <p:cSld>
     <p:spTree>
@@ -13293,547 +14825,6 @@
       </p:par>
     </p:tnLst>
   </p:timing>
-</p:sld>
-</file>
-
-<file path=ppt/slides/slide9.xml><?xml version="1.0" encoding="utf-8"?>
-<p:sld xmlns:a="http://schemas.openxmlformats.org/drawingml/2006/main" xmlns:r="http://schemas.openxmlformats.org/officeDocument/2006/relationships" xmlns:p="http://schemas.openxmlformats.org/presentationml/2006/main">
-  <p:cSld>
-    <p:spTree>
-      <p:nvGrpSpPr>
-        <p:cNvPr id="1" name=""/>
-        <p:cNvGrpSpPr/>
-        <p:nvPr/>
-      </p:nvGrpSpPr>
-      <p:grpSpPr>
-        <a:xfrm>
-          <a:off x="0" y="0"/>
-          <a:ext cx="0" cy="0"/>
-          <a:chOff x="0" y="0"/>
-          <a:chExt cx="0" cy="0"/>
-        </a:xfrm>
-      </p:grpSpPr>
-      <p:sp>
-        <p:nvSpPr>
-          <p:cNvPr id="4" name="TextBox 3"/>
-          <p:cNvSpPr txBox="1"/>
-          <p:nvPr/>
-        </p:nvSpPr>
-        <p:spPr>
-          <a:xfrm>
-            <a:off x="100853" y="80683"/>
-            <a:ext cx="2407024" cy="369332"/>
-          </a:xfrm>
-          <a:prstGeom prst="rect">
-            <a:avLst/>
-          </a:prstGeom>
-          <a:noFill/>
-        </p:spPr>
-        <p:txBody>
-          <a:bodyPr wrap="square" rtlCol="0">
-            <a:spAutoFit/>
-          </a:bodyPr>
-          <a:lstStyle/>
-          <a:p>
-            <a:r>
-              <a:rPr lang="en-US" dirty="0" smtClean="0"/>
-              <a:t>Register screen</a:t>
-            </a:r>
-            <a:endParaRPr lang="ru-RU" dirty="0"/>
-          </a:p>
-        </p:txBody>
-      </p:sp>
-      <p:sp>
-        <p:nvSpPr>
-          <p:cNvPr id="5" name="Прямоугольник 4"/>
-          <p:cNvSpPr/>
-          <p:nvPr/>
-        </p:nvSpPr>
-        <p:spPr>
-          <a:xfrm>
-            <a:off x="221876" y="450015"/>
-            <a:ext cx="11867030" cy="6320579"/>
-          </a:xfrm>
-          <a:prstGeom prst="rect">
-            <a:avLst/>
-          </a:prstGeom>
-          <a:noFill/>
-        </p:spPr>
-        <p:style>
-          <a:lnRef idx="2">
-            <a:schemeClr val="accent1">
-              <a:shade val="50000"/>
-            </a:schemeClr>
-          </a:lnRef>
-          <a:fillRef idx="1">
-            <a:schemeClr val="accent1"/>
-          </a:fillRef>
-          <a:effectRef idx="0">
-            <a:schemeClr val="accent1"/>
-          </a:effectRef>
-          <a:fontRef idx="minor">
-            <a:schemeClr val="lt1"/>
-          </a:fontRef>
-        </p:style>
-        <p:txBody>
-          <a:bodyPr rtlCol="0" anchor="ctr"/>
-          <a:lstStyle/>
-          <a:p>
-            <a:pPr algn="ctr"/>
-            <a:endParaRPr lang="ru-RU"/>
-          </a:p>
-        </p:txBody>
-      </p:sp>
-      <p:sp>
-        <p:nvSpPr>
-          <p:cNvPr id="6" name="TextBox 5"/>
-          <p:cNvSpPr txBox="1"/>
-          <p:nvPr/>
-        </p:nvSpPr>
-        <p:spPr>
-          <a:xfrm>
-            <a:off x="3562760" y="1876220"/>
-            <a:ext cx="4411343" cy="400110"/>
-          </a:xfrm>
-          <a:prstGeom prst="rect">
-            <a:avLst/>
-          </a:prstGeom>
-          <a:noFill/>
-        </p:spPr>
-        <p:txBody>
-          <a:bodyPr wrap="square" rtlCol="0">
-            <a:spAutoFit/>
-          </a:bodyPr>
-          <a:lstStyle/>
-          <a:p>
-            <a:r>
-              <a:rPr lang="en-US" sz="2000" b="1" i="1" dirty="0" smtClean="0"/>
-              <a:t>Register new account</a:t>
-            </a:r>
-            <a:endParaRPr lang="ru-RU" sz="2000" b="1" i="1" dirty="0"/>
-          </a:p>
-        </p:txBody>
-      </p:sp>
-      <p:sp>
-        <p:nvSpPr>
-          <p:cNvPr id="7" name="TextBox 6"/>
-          <p:cNvSpPr txBox="1"/>
-          <p:nvPr/>
-        </p:nvSpPr>
-        <p:spPr>
-          <a:xfrm>
-            <a:off x="3562760" y="2364198"/>
-            <a:ext cx="793376" cy="376625"/>
-          </a:xfrm>
-          <a:prstGeom prst="rect">
-            <a:avLst/>
-          </a:prstGeom>
-          <a:noFill/>
-        </p:spPr>
-        <p:txBody>
-          <a:bodyPr wrap="square" rtlCol="0">
-            <a:spAutoFit/>
-          </a:bodyPr>
-          <a:lstStyle/>
-          <a:p>
-            <a:r>
-              <a:rPr lang="en-US" dirty="0" smtClean="0"/>
-              <a:t>Login:</a:t>
-            </a:r>
-            <a:endParaRPr lang="ru-RU" dirty="0"/>
-          </a:p>
-        </p:txBody>
-      </p:sp>
-      <p:sp>
-        <p:nvSpPr>
-          <p:cNvPr id="8" name="TextBox 7"/>
-          <p:cNvSpPr txBox="1"/>
-          <p:nvPr/>
-        </p:nvSpPr>
-        <p:spPr>
-          <a:xfrm>
-            <a:off x="5526737" y="2350750"/>
-            <a:ext cx="2756647" cy="369332"/>
-          </a:xfrm>
-          <a:prstGeom prst="rect">
-            <a:avLst/>
-          </a:prstGeom>
-          <a:noFill/>
-        </p:spPr>
-        <p:txBody>
-          <a:bodyPr wrap="square" rtlCol="0">
-            <a:spAutoFit/>
-          </a:bodyPr>
-          <a:lstStyle/>
-          <a:p>
-            <a:r>
-              <a:rPr lang="en-US" dirty="0" err="1" smtClean="0"/>
-              <a:t>alex.test.acc</a:t>
-            </a:r>
-            <a:endParaRPr lang="ru-RU" dirty="0"/>
-          </a:p>
-        </p:txBody>
-      </p:sp>
-      <p:sp>
-        <p:nvSpPr>
-          <p:cNvPr id="9" name="Прямоугольник 8"/>
-          <p:cNvSpPr/>
-          <p:nvPr/>
-        </p:nvSpPr>
-        <p:spPr>
-          <a:xfrm>
-            <a:off x="5511874" y="2397064"/>
-            <a:ext cx="3281084" cy="292888"/>
-          </a:xfrm>
-          <a:prstGeom prst="rect">
-            <a:avLst/>
-          </a:prstGeom>
-          <a:noFill/>
-        </p:spPr>
-        <p:style>
-          <a:lnRef idx="2">
-            <a:schemeClr val="accent1">
-              <a:shade val="50000"/>
-            </a:schemeClr>
-          </a:lnRef>
-          <a:fillRef idx="1">
-            <a:schemeClr val="accent1"/>
-          </a:fillRef>
-          <a:effectRef idx="0">
-            <a:schemeClr val="accent1"/>
-          </a:effectRef>
-          <a:fontRef idx="minor">
-            <a:schemeClr val="lt1"/>
-          </a:fontRef>
-        </p:style>
-        <p:txBody>
-          <a:bodyPr rtlCol="0" anchor="ctr"/>
-          <a:lstStyle/>
-          <a:p>
-            <a:pPr algn="ctr"/>
-            <a:endParaRPr lang="ru-RU"/>
-          </a:p>
-        </p:txBody>
-      </p:sp>
-      <p:sp>
-        <p:nvSpPr>
-          <p:cNvPr id="10" name="TextBox 9"/>
-          <p:cNvSpPr txBox="1"/>
-          <p:nvPr/>
-        </p:nvSpPr>
-        <p:spPr>
-          <a:xfrm>
-            <a:off x="3562760" y="2877672"/>
-            <a:ext cx="1190772" cy="369332"/>
-          </a:xfrm>
-          <a:prstGeom prst="rect">
-            <a:avLst/>
-          </a:prstGeom>
-          <a:noFill/>
-        </p:spPr>
-        <p:txBody>
-          <a:bodyPr wrap="square" rtlCol="0">
-            <a:spAutoFit/>
-          </a:bodyPr>
-          <a:lstStyle/>
-          <a:p>
-            <a:r>
-              <a:rPr lang="en-US" dirty="0" smtClean="0"/>
-              <a:t>Password:</a:t>
-            </a:r>
-            <a:endParaRPr lang="ru-RU" dirty="0"/>
-          </a:p>
-        </p:txBody>
-      </p:sp>
-      <p:sp>
-        <p:nvSpPr>
-          <p:cNvPr id="11" name="Прямоугольник 10"/>
-          <p:cNvSpPr/>
-          <p:nvPr/>
-        </p:nvSpPr>
-        <p:spPr>
-          <a:xfrm>
-            <a:off x="5540188" y="2903945"/>
-            <a:ext cx="3281084" cy="292888"/>
-          </a:xfrm>
-          <a:prstGeom prst="rect">
-            <a:avLst/>
-          </a:prstGeom>
-          <a:noFill/>
-        </p:spPr>
-        <p:style>
-          <a:lnRef idx="2">
-            <a:schemeClr val="accent1">
-              <a:shade val="50000"/>
-            </a:schemeClr>
-          </a:lnRef>
-          <a:fillRef idx="1">
-            <a:schemeClr val="accent1"/>
-          </a:fillRef>
-          <a:effectRef idx="0">
-            <a:schemeClr val="accent1"/>
-          </a:effectRef>
-          <a:fontRef idx="minor">
-            <a:schemeClr val="lt1"/>
-          </a:fontRef>
-        </p:style>
-        <p:txBody>
-          <a:bodyPr rtlCol="0" anchor="ctr"/>
-          <a:lstStyle/>
-          <a:p>
-            <a:pPr algn="ctr"/>
-            <a:endParaRPr lang="ru-RU"/>
-          </a:p>
-        </p:txBody>
-      </p:sp>
-      <p:sp>
-        <p:nvSpPr>
-          <p:cNvPr id="13" name="TextBox 12"/>
-          <p:cNvSpPr txBox="1"/>
-          <p:nvPr/>
-        </p:nvSpPr>
-        <p:spPr>
-          <a:xfrm>
-            <a:off x="7530357" y="4059772"/>
-            <a:ext cx="1290915" cy="369332"/>
-          </a:xfrm>
-          <a:prstGeom prst="rect">
-            <a:avLst/>
-          </a:prstGeom>
-          <a:solidFill>
-            <a:schemeClr val="accent1"/>
-          </a:solidFill>
-        </p:spPr>
-        <p:txBody>
-          <a:bodyPr wrap="square" rtlCol="0">
-            <a:spAutoFit/>
-          </a:bodyPr>
-          <a:lstStyle/>
-          <a:p>
-            <a:endParaRPr lang="ru-RU" dirty="0"/>
-          </a:p>
-        </p:txBody>
-      </p:sp>
-      <p:sp>
-        <p:nvSpPr>
-          <p:cNvPr id="14" name="TextBox 13"/>
-          <p:cNvSpPr txBox="1"/>
-          <p:nvPr/>
-        </p:nvSpPr>
-        <p:spPr>
-          <a:xfrm>
-            <a:off x="7651378" y="4059772"/>
-            <a:ext cx="1324536" cy="369332"/>
-          </a:xfrm>
-          <a:prstGeom prst="rect">
-            <a:avLst/>
-          </a:prstGeom>
-          <a:noFill/>
-        </p:spPr>
-        <p:txBody>
-          <a:bodyPr wrap="square" rtlCol="0">
-            <a:spAutoFit/>
-          </a:bodyPr>
-          <a:lstStyle/>
-          <a:p>
-            <a:r>
-              <a:rPr lang="en-US" dirty="0" smtClean="0">
-                <a:solidFill>
-                  <a:schemeClr val="bg1"/>
-                </a:solidFill>
-              </a:rPr>
-              <a:t>Register..</a:t>
-            </a:r>
-            <a:endParaRPr lang="ru-RU" dirty="0">
-              <a:solidFill>
-                <a:schemeClr val="bg1"/>
-              </a:solidFill>
-            </a:endParaRPr>
-          </a:p>
-        </p:txBody>
-      </p:sp>
-      <p:sp>
-        <p:nvSpPr>
-          <p:cNvPr id="16" name="TextBox 15"/>
-          <p:cNvSpPr txBox="1"/>
-          <p:nvPr/>
-        </p:nvSpPr>
-        <p:spPr>
-          <a:xfrm>
-            <a:off x="3569480" y="3346056"/>
-            <a:ext cx="1970708" cy="369332"/>
-          </a:xfrm>
-          <a:prstGeom prst="rect">
-            <a:avLst/>
-          </a:prstGeom>
-          <a:noFill/>
-        </p:spPr>
-        <p:txBody>
-          <a:bodyPr wrap="square" rtlCol="0">
-            <a:spAutoFit/>
-          </a:bodyPr>
-          <a:lstStyle/>
-          <a:p>
-            <a:r>
-              <a:rPr lang="en-US" dirty="0" smtClean="0"/>
-              <a:t>Confirm password:</a:t>
-            </a:r>
-            <a:endParaRPr lang="ru-RU" dirty="0"/>
-          </a:p>
-        </p:txBody>
-      </p:sp>
-      <p:sp>
-        <p:nvSpPr>
-          <p:cNvPr id="17" name="Прямоугольник 16"/>
-          <p:cNvSpPr/>
-          <p:nvPr/>
-        </p:nvSpPr>
-        <p:spPr>
-          <a:xfrm>
-            <a:off x="5540188" y="3397552"/>
-            <a:ext cx="3281084" cy="292888"/>
-          </a:xfrm>
-          <a:prstGeom prst="rect">
-            <a:avLst/>
-          </a:prstGeom>
-          <a:noFill/>
-        </p:spPr>
-        <p:style>
-          <a:lnRef idx="2">
-            <a:schemeClr val="accent1">
-              <a:shade val="50000"/>
-            </a:schemeClr>
-          </a:lnRef>
-          <a:fillRef idx="1">
-            <a:schemeClr val="accent1"/>
-          </a:fillRef>
-          <a:effectRef idx="0">
-            <a:schemeClr val="accent1"/>
-          </a:effectRef>
-          <a:fontRef idx="minor">
-            <a:schemeClr val="lt1"/>
-          </a:fontRef>
-        </p:style>
-        <p:txBody>
-          <a:bodyPr rtlCol="0" anchor="ctr"/>
-          <a:lstStyle/>
-          <a:p>
-            <a:pPr algn="ctr"/>
-            <a:endParaRPr lang="ru-RU"/>
-          </a:p>
-        </p:txBody>
-      </p:sp>
-      <p:cxnSp>
-        <p:nvCxnSpPr>
-          <p:cNvPr id="20" name="Прямая соединительная линия 19"/>
-          <p:cNvCxnSpPr/>
-          <p:nvPr/>
-        </p:nvCxnSpPr>
-        <p:spPr>
-          <a:xfrm flipV="1">
-            <a:off x="3569480" y="3879476"/>
-            <a:ext cx="5223478" cy="5477"/>
-          </a:xfrm>
-          <a:prstGeom prst="line">
-            <a:avLst/>
-          </a:prstGeom>
-        </p:spPr>
-        <p:style>
-          <a:lnRef idx="1">
-            <a:schemeClr val="accent1"/>
-          </a:lnRef>
-          <a:fillRef idx="0">
-            <a:schemeClr val="accent1"/>
-          </a:fillRef>
-          <a:effectRef idx="0">
-            <a:schemeClr val="accent1"/>
-          </a:effectRef>
-          <a:fontRef idx="minor">
-            <a:schemeClr val="tx1"/>
-          </a:fontRef>
-        </p:style>
-      </p:cxnSp>
-      <p:sp>
-        <p:nvSpPr>
-          <p:cNvPr id="22" name="TextBox 21"/>
-          <p:cNvSpPr txBox="1"/>
-          <p:nvPr/>
-        </p:nvSpPr>
-        <p:spPr>
-          <a:xfrm>
-            <a:off x="4026682" y="4028084"/>
-            <a:ext cx="2622891" cy="369332"/>
-          </a:xfrm>
-          <a:prstGeom prst="rect">
-            <a:avLst/>
-          </a:prstGeom>
-          <a:noFill/>
-        </p:spPr>
-        <p:txBody>
-          <a:bodyPr wrap="square" rtlCol="0">
-            <a:spAutoFit/>
-          </a:bodyPr>
-          <a:lstStyle/>
-          <a:p>
-            <a:r>
-              <a:rPr lang="en-US" dirty="0" smtClean="0"/>
-              <a:t>Sign in automatically</a:t>
-            </a:r>
-            <a:endParaRPr lang="ru-RU" dirty="0"/>
-          </a:p>
-        </p:txBody>
-      </p:sp>
-      <p:sp>
-        <p:nvSpPr>
-          <p:cNvPr id="23" name="Прямоугольник 22"/>
-          <p:cNvSpPr/>
-          <p:nvPr/>
-        </p:nvSpPr>
-        <p:spPr>
-          <a:xfrm>
-            <a:off x="3623276" y="4099947"/>
-            <a:ext cx="295835" cy="242145"/>
-          </a:xfrm>
-          <a:prstGeom prst="rect">
-            <a:avLst/>
-          </a:prstGeom>
-          <a:noFill/>
-        </p:spPr>
-        <p:style>
-          <a:lnRef idx="2">
-            <a:schemeClr val="accent1">
-              <a:shade val="50000"/>
-            </a:schemeClr>
-          </a:lnRef>
-          <a:fillRef idx="1">
-            <a:schemeClr val="accent1"/>
-          </a:fillRef>
-          <a:effectRef idx="0">
-            <a:schemeClr val="accent1"/>
-          </a:effectRef>
-          <a:fontRef idx="minor">
-            <a:schemeClr val="lt1"/>
-          </a:fontRef>
-        </p:style>
-        <p:txBody>
-          <a:bodyPr rtlCol="0" anchor="ctr"/>
-          <a:lstStyle/>
-          <a:p>
-            <a:pPr algn="ctr"/>
-            <a:endParaRPr lang="ru-RU"/>
-          </a:p>
-        </p:txBody>
-      </p:sp>
-    </p:spTree>
-    <p:extLst>
-      <p:ext uri="{BB962C8B-B14F-4D97-AF65-F5344CB8AC3E}">
-        <p14:creationId xmlns:p14="http://schemas.microsoft.com/office/powerpoint/2010/main" val="2699378368"/>
-      </p:ext>
-    </p:extLst>
-  </p:cSld>
-  <p:clrMapOvr>
-    <a:masterClrMapping/>
-  </p:clrMapOvr>
 </p:sld>
 </file>
 

--- a/Specs.pptx
+++ b/Specs.pptx
@@ -230,7 +230,7 @@
           <a:p>
             <a:fld id="{5A49B920-2512-410B-B58F-4F9F15F8D3A5}" type="datetimeFigureOut">
               <a:rPr lang="ru-RU" smtClean="0"/>
-              <a:t>25.03.2021</a:t>
+              <a:t>16.04.2021</a:t>
             </a:fld>
             <a:endParaRPr lang="ru-RU"/>
           </a:p>
@@ -629,7 +629,7 @@
           <a:p>
             <a:fld id="{A2EC0EAC-ECEF-44E1-B933-C13F370113F6}" type="datetimeFigureOut">
               <a:rPr lang="ru-RU" smtClean="0"/>
-              <a:t>25.03.2021</a:t>
+              <a:t>16.04.2021</a:t>
             </a:fld>
             <a:endParaRPr lang="ru-RU"/>
           </a:p>
@@ -799,7 +799,7 @@
           <a:p>
             <a:fld id="{A2EC0EAC-ECEF-44E1-B933-C13F370113F6}" type="datetimeFigureOut">
               <a:rPr lang="ru-RU" smtClean="0"/>
-              <a:t>25.03.2021</a:t>
+              <a:t>16.04.2021</a:t>
             </a:fld>
             <a:endParaRPr lang="ru-RU"/>
           </a:p>
@@ -979,7 +979,7 @@
           <a:p>
             <a:fld id="{A2EC0EAC-ECEF-44E1-B933-C13F370113F6}" type="datetimeFigureOut">
               <a:rPr lang="ru-RU" smtClean="0"/>
-              <a:t>25.03.2021</a:t>
+              <a:t>16.04.2021</a:t>
             </a:fld>
             <a:endParaRPr lang="ru-RU"/>
           </a:p>
@@ -1149,7 +1149,7 @@
           <a:p>
             <a:fld id="{A2EC0EAC-ECEF-44E1-B933-C13F370113F6}" type="datetimeFigureOut">
               <a:rPr lang="ru-RU" smtClean="0"/>
-              <a:t>25.03.2021</a:t>
+              <a:t>16.04.2021</a:t>
             </a:fld>
             <a:endParaRPr lang="ru-RU"/>
           </a:p>
@@ -1395,7 +1395,7 @@
           <a:p>
             <a:fld id="{A2EC0EAC-ECEF-44E1-B933-C13F370113F6}" type="datetimeFigureOut">
               <a:rPr lang="ru-RU" smtClean="0"/>
-              <a:t>25.03.2021</a:t>
+              <a:t>16.04.2021</a:t>
             </a:fld>
             <a:endParaRPr lang="ru-RU"/>
           </a:p>
@@ -1627,7 +1627,7 @@
           <a:p>
             <a:fld id="{A2EC0EAC-ECEF-44E1-B933-C13F370113F6}" type="datetimeFigureOut">
               <a:rPr lang="ru-RU" smtClean="0"/>
-              <a:t>25.03.2021</a:t>
+              <a:t>16.04.2021</a:t>
             </a:fld>
             <a:endParaRPr lang="ru-RU"/>
           </a:p>
@@ -1994,7 +1994,7 @@
           <a:p>
             <a:fld id="{A2EC0EAC-ECEF-44E1-B933-C13F370113F6}" type="datetimeFigureOut">
               <a:rPr lang="ru-RU" smtClean="0"/>
-              <a:t>25.03.2021</a:t>
+              <a:t>16.04.2021</a:t>
             </a:fld>
             <a:endParaRPr lang="ru-RU"/>
           </a:p>
@@ -2112,7 +2112,7 @@
           <a:p>
             <a:fld id="{A2EC0EAC-ECEF-44E1-B933-C13F370113F6}" type="datetimeFigureOut">
               <a:rPr lang="ru-RU" smtClean="0"/>
-              <a:t>25.03.2021</a:t>
+              <a:t>16.04.2021</a:t>
             </a:fld>
             <a:endParaRPr lang="ru-RU"/>
           </a:p>
@@ -2207,7 +2207,7 @@
           <a:p>
             <a:fld id="{A2EC0EAC-ECEF-44E1-B933-C13F370113F6}" type="datetimeFigureOut">
               <a:rPr lang="ru-RU" smtClean="0"/>
-              <a:t>25.03.2021</a:t>
+              <a:t>16.04.2021</a:t>
             </a:fld>
             <a:endParaRPr lang="ru-RU"/>
           </a:p>
@@ -2484,7 +2484,7 @@
           <a:p>
             <a:fld id="{A2EC0EAC-ECEF-44E1-B933-C13F370113F6}" type="datetimeFigureOut">
               <a:rPr lang="ru-RU" smtClean="0"/>
-              <a:t>25.03.2021</a:t>
+              <a:t>16.04.2021</a:t>
             </a:fld>
             <a:endParaRPr lang="ru-RU"/>
           </a:p>
@@ -2737,7 +2737,7 @@
           <a:p>
             <a:fld id="{A2EC0EAC-ECEF-44E1-B933-C13F370113F6}" type="datetimeFigureOut">
               <a:rPr lang="ru-RU" smtClean="0"/>
-              <a:t>25.03.2021</a:t>
+              <a:t>16.04.2021</a:t>
             </a:fld>
             <a:endParaRPr lang="ru-RU"/>
           </a:p>
@@ -2950,7 +2950,7 @@
           <a:p>
             <a:fld id="{A2EC0EAC-ECEF-44E1-B933-C13F370113F6}" type="datetimeFigureOut">
               <a:rPr lang="ru-RU" smtClean="0"/>
-              <a:t>25.03.2021</a:t>
+              <a:t>16.04.2021</a:t>
             </a:fld>
             <a:endParaRPr lang="ru-RU"/>
           </a:p>
@@ -10158,11 +10158,7 @@
           <a:p>
             <a:r>
               <a:rPr lang="en-US" dirty="0" smtClean="0"/>
-              <a:t>Shown for all client routes except </a:t>
-            </a:r>
-            <a:r>
-              <a:rPr lang="en-US" dirty="0" smtClean="0"/>
-              <a:t>Conversations</a:t>
+              <a:t>Shown for all client routes except Conversations</a:t>
             </a:r>
           </a:p>
           <a:p>
@@ -13360,7 +13356,7 @@
         <p:spPr>
           <a:xfrm>
             <a:off x="9074149" y="2434760"/>
-            <a:ext cx="2538354" cy="646331"/>
+            <a:ext cx="2538354" cy="1200329"/>
           </a:xfrm>
           <a:prstGeom prst="rect">
             <a:avLst/>
@@ -13375,7 +13371,15 @@
           <a:p>
             <a:r>
               <a:rPr lang="en-US" dirty="0" smtClean="0"/>
-              <a:t>Shows amount of unread messages</a:t>
+              <a:t>Shows amount of unread </a:t>
+            </a:r>
+            <a:r>
+              <a:rPr lang="en-US" dirty="0" smtClean="0"/>
+              <a:t>messages (maybe it is a good idea to show </a:t>
+            </a:r>
+            <a:r>
+              <a:rPr lang="en-US" smtClean="0"/>
+              <a:t>message icon here).</a:t>
             </a:r>
             <a:endParaRPr lang="ru-RU" dirty="0"/>
           </a:p>

--- a/Specs.pptx
+++ b/Specs.pptx
@@ -5,7 +5,7 @@
     <p:sldMasterId id="2147483648" r:id="rId1"/>
   </p:sldMasterIdLst>
   <p:notesMasterIdLst>
-    <p:notesMasterId r:id="rId24"/>
+    <p:notesMasterId r:id="rId26"/>
   </p:notesMasterIdLst>
   <p:sldIdLst>
     <p:sldId id="256" r:id="rId2"/>
@@ -16,20 +16,22 @@
     <p:sldId id="265" r:id="rId7"/>
     <p:sldId id="277" r:id="rId8"/>
     <p:sldId id="260" r:id="rId9"/>
-    <p:sldId id="261" r:id="rId10"/>
-    <p:sldId id="262" r:id="rId11"/>
-    <p:sldId id="263" r:id="rId12"/>
-    <p:sldId id="270" r:id="rId13"/>
-    <p:sldId id="266" r:id="rId14"/>
-    <p:sldId id="267" r:id="rId15"/>
-    <p:sldId id="268" r:id="rId16"/>
-    <p:sldId id="269" r:id="rId17"/>
-    <p:sldId id="273" r:id="rId18"/>
-    <p:sldId id="271" r:id="rId19"/>
-    <p:sldId id="275" r:id="rId20"/>
-    <p:sldId id="276" r:id="rId21"/>
-    <p:sldId id="274" r:id="rId22"/>
-    <p:sldId id="272" r:id="rId23"/>
+    <p:sldId id="278" r:id="rId10"/>
+    <p:sldId id="279" r:id="rId11"/>
+    <p:sldId id="261" r:id="rId12"/>
+    <p:sldId id="262" r:id="rId13"/>
+    <p:sldId id="263" r:id="rId14"/>
+    <p:sldId id="270" r:id="rId15"/>
+    <p:sldId id="266" r:id="rId16"/>
+    <p:sldId id="267" r:id="rId17"/>
+    <p:sldId id="268" r:id="rId18"/>
+    <p:sldId id="269" r:id="rId19"/>
+    <p:sldId id="273" r:id="rId20"/>
+    <p:sldId id="271" r:id="rId21"/>
+    <p:sldId id="275" r:id="rId22"/>
+    <p:sldId id="276" r:id="rId23"/>
+    <p:sldId id="274" r:id="rId24"/>
+    <p:sldId id="272" r:id="rId25"/>
   </p:sldIdLst>
   <p:sldSz cx="12192000" cy="6858000"/>
   <p:notesSz cx="6858000" cy="9144000"/>
@@ -230,7 +232,7 @@
           <a:p>
             <a:fld id="{5A49B920-2512-410B-B58F-4F9F15F8D3A5}" type="datetimeFigureOut">
               <a:rPr lang="ru-RU" smtClean="0"/>
-              <a:t>16.04.2021</a:t>
+              <a:t>22.04.2021</a:t>
             </a:fld>
             <a:endParaRPr lang="ru-RU"/>
           </a:p>
@@ -629,7 +631,7 @@
           <a:p>
             <a:fld id="{A2EC0EAC-ECEF-44E1-B933-C13F370113F6}" type="datetimeFigureOut">
               <a:rPr lang="ru-RU" smtClean="0"/>
-              <a:t>16.04.2021</a:t>
+              <a:t>22.04.2021</a:t>
             </a:fld>
             <a:endParaRPr lang="ru-RU"/>
           </a:p>
@@ -799,7 +801,7 @@
           <a:p>
             <a:fld id="{A2EC0EAC-ECEF-44E1-B933-C13F370113F6}" type="datetimeFigureOut">
               <a:rPr lang="ru-RU" smtClean="0"/>
-              <a:t>16.04.2021</a:t>
+              <a:t>22.04.2021</a:t>
             </a:fld>
             <a:endParaRPr lang="ru-RU"/>
           </a:p>
@@ -979,7 +981,7 @@
           <a:p>
             <a:fld id="{A2EC0EAC-ECEF-44E1-B933-C13F370113F6}" type="datetimeFigureOut">
               <a:rPr lang="ru-RU" smtClean="0"/>
-              <a:t>16.04.2021</a:t>
+              <a:t>22.04.2021</a:t>
             </a:fld>
             <a:endParaRPr lang="ru-RU"/>
           </a:p>
@@ -1149,7 +1151,7 @@
           <a:p>
             <a:fld id="{A2EC0EAC-ECEF-44E1-B933-C13F370113F6}" type="datetimeFigureOut">
               <a:rPr lang="ru-RU" smtClean="0"/>
-              <a:t>16.04.2021</a:t>
+              <a:t>22.04.2021</a:t>
             </a:fld>
             <a:endParaRPr lang="ru-RU"/>
           </a:p>
@@ -1395,7 +1397,7 @@
           <a:p>
             <a:fld id="{A2EC0EAC-ECEF-44E1-B933-C13F370113F6}" type="datetimeFigureOut">
               <a:rPr lang="ru-RU" smtClean="0"/>
-              <a:t>16.04.2021</a:t>
+              <a:t>22.04.2021</a:t>
             </a:fld>
             <a:endParaRPr lang="ru-RU"/>
           </a:p>
@@ -1627,7 +1629,7 @@
           <a:p>
             <a:fld id="{A2EC0EAC-ECEF-44E1-B933-C13F370113F6}" type="datetimeFigureOut">
               <a:rPr lang="ru-RU" smtClean="0"/>
-              <a:t>16.04.2021</a:t>
+              <a:t>22.04.2021</a:t>
             </a:fld>
             <a:endParaRPr lang="ru-RU"/>
           </a:p>
@@ -1994,7 +1996,7 @@
           <a:p>
             <a:fld id="{A2EC0EAC-ECEF-44E1-B933-C13F370113F6}" type="datetimeFigureOut">
               <a:rPr lang="ru-RU" smtClean="0"/>
-              <a:t>16.04.2021</a:t>
+              <a:t>22.04.2021</a:t>
             </a:fld>
             <a:endParaRPr lang="ru-RU"/>
           </a:p>
@@ -2112,7 +2114,7 @@
           <a:p>
             <a:fld id="{A2EC0EAC-ECEF-44E1-B933-C13F370113F6}" type="datetimeFigureOut">
               <a:rPr lang="ru-RU" smtClean="0"/>
-              <a:t>16.04.2021</a:t>
+              <a:t>22.04.2021</a:t>
             </a:fld>
             <a:endParaRPr lang="ru-RU"/>
           </a:p>
@@ -2207,7 +2209,7 @@
           <a:p>
             <a:fld id="{A2EC0EAC-ECEF-44E1-B933-C13F370113F6}" type="datetimeFigureOut">
               <a:rPr lang="ru-RU" smtClean="0"/>
-              <a:t>16.04.2021</a:t>
+              <a:t>22.04.2021</a:t>
             </a:fld>
             <a:endParaRPr lang="ru-RU"/>
           </a:p>
@@ -2484,7 +2486,7 @@
           <a:p>
             <a:fld id="{A2EC0EAC-ECEF-44E1-B933-C13F370113F6}" type="datetimeFigureOut">
               <a:rPr lang="ru-RU" smtClean="0"/>
-              <a:t>16.04.2021</a:t>
+              <a:t>22.04.2021</a:t>
             </a:fld>
             <a:endParaRPr lang="ru-RU"/>
           </a:p>
@@ -2737,7 +2739,7 @@
           <a:p>
             <a:fld id="{A2EC0EAC-ECEF-44E1-B933-C13F370113F6}" type="datetimeFigureOut">
               <a:rPr lang="ru-RU" smtClean="0"/>
-              <a:t>16.04.2021</a:t>
+              <a:t>22.04.2021</a:t>
             </a:fld>
             <a:endParaRPr lang="ru-RU"/>
           </a:p>
@@ -2950,7 +2952,7 @@
           <a:p>
             <a:fld id="{A2EC0EAC-ECEF-44E1-B933-C13F370113F6}" type="datetimeFigureOut">
               <a:rPr lang="ru-RU" smtClean="0"/>
-              <a:t>16.04.2021</a:t>
+              <a:t>22.04.2021</a:t>
             </a:fld>
             <a:endParaRPr lang="ru-RU"/>
           </a:p>
@@ -4850,6 +4852,1650 @@
         </p:nvSpPr>
         <p:spPr>
           <a:xfrm>
+            <a:off x="294774" y="132348"/>
+            <a:ext cx="4632158" cy="369332"/>
+          </a:xfrm>
+          <a:prstGeom prst="rect">
+            <a:avLst/>
+          </a:prstGeom>
+          <a:noFill/>
+        </p:spPr>
+        <p:txBody>
+          <a:bodyPr wrap="square" rtlCol="0">
+            <a:spAutoFit/>
+          </a:bodyPr>
+          <a:lstStyle/>
+          <a:p>
+            <a:r>
+              <a:rPr lang="en-US" dirty="0" smtClean="0"/>
+              <a:t>Event Log page</a:t>
+            </a:r>
+            <a:endParaRPr lang="ru-RU" dirty="0"/>
+          </a:p>
+        </p:txBody>
+      </p:sp>
+      <p:sp>
+        <p:nvSpPr>
+          <p:cNvPr id="6" name="Прямоугольник 4"/>
+          <p:cNvSpPr/>
+          <p:nvPr/>
+        </p:nvSpPr>
+        <p:spPr>
+          <a:xfrm>
+            <a:off x="162427" y="563419"/>
+            <a:ext cx="11947357" cy="6148137"/>
+          </a:xfrm>
+          <a:prstGeom prst="rect">
+            <a:avLst/>
+          </a:prstGeom>
+          <a:noFill/>
+        </p:spPr>
+        <p:style>
+          <a:lnRef idx="2">
+            <a:schemeClr val="accent1">
+              <a:shade val="50000"/>
+            </a:schemeClr>
+          </a:lnRef>
+          <a:fillRef idx="1">
+            <a:schemeClr val="accent1"/>
+          </a:fillRef>
+          <a:effectRef idx="0">
+            <a:schemeClr val="accent1"/>
+          </a:effectRef>
+          <a:fontRef idx="minor">
+            <a:schemeClr val="lt1"/>
+          </a:fontRef>
+        </p:style>
+        <p:txBody>
+          <a:bodyPr rtlCol="0" anchor="ctr"/>
+          <a:lstStyle/>
+          <a:p>
+            <a:pPr algn="ctr"/>
+            <a:endParaRPr lang="ru-RU"/>
+          </a:p>
+        </p:txBody>
+      </p:sp>
+      <p:sp>
+        <p:nvSpPr>
+          <p:cNvPr id="7" name="Прямоугольник 5"/>
+          <p:cNvSpPr/>
+          <p:nvPr/>
+        </p:nvSpPr>
+        <p:spPr>
+          <a:xfrm>
+            <a:off x="1576314" y="563419"/>
+            <a:ext cx="9157647" cy="6148137"/>
+          </a:xfrm>
+          <a:prstGeom prst="rect">
+            <a:avLst/>
+          </a:prstGeom>
+          <a:solidFill>
+            <a:schemeClr val="bg1">
+              <a:lumMod val="95000"/>
+            </a:schemeClr>
+          </a:solidFill>
+        </p:spPr>
+        <p:style>
+          <a:lnRef idx="2">
+            <a:schemeClr val="accent1">
+              <a:shade val="50000"/>
+            </a:schemeClr>
+          </a:lnRef>
+          <a:fillRef idx="1">
+            <a:schemeClr val="accent1"/>
+          </a:fillRef>
+          <a:effectRef idx="0">
+            <a:schemeClr val="accent1"/>
+          </a:effectRef>
+          <a:fontRef idx="minor">
+            <a:schemeClr val="lt1"/>
+          </a:fontRef>
+        </p:style>
+        <p:txBody>
+          <a:bodyPr rtlCol="0" anchor="ctr"/>
+          <a:lstStyle/>
+          <a:p>
+            <a:pPr algn="ctr"/>
+            <a:endParaRPr lang="ru-RU"/>
+          </a:p>
+        </p:txBody>
+      </p:sp>
+      <p:sp>
+        <p:nvSpPr>
+          <p:cNvPr id="8" name="Прямоугольник 6"/>
+          <p:cNvSpPr/>
+          <p:nvPr/>
+        </p:nvSpPr>
+        <p:spPr>
+          <a:xfrm>
+            <a:off x="1562668" y="563419"/>
+            <a:ext cx="9157647" cy="1067488"/>
+          </a:xfrm>
+          <a:prstGeom prst="rect">
+            <a:avLst/>
+          </a:prstGeom>
+          <a:solidFill>
+            <a:schemeClr val="bg2"/>
+          </a:solidFill>
+        </p:spPr>
+        <p:style>
+          <a:lnRef idx="2">
+            <a:schemeClr val="accent1">
+              <a:shade val="50000"/>
+            </a:schemeClr>
+          </a:lnRef>
+          <a:fillRef idx="1">
+            <a:schemeClr val="accent1"/>
+          </a:fillRef>
+          <a:effectRef idx="0">
+            <a:schemeClr val="accent1"/>
+          </a:effectRef>
+          <a:fontRef idx="minor">
+            <a:schemeClr val="lt1"/>
+          </a:fontRef>
+        </p:style>
+        <p:txBody>
+          <a:bodyPr rtlCol="0" anchor="ctr"/>
+          <a:lstStyle/>
+          <a:p>
+            <a:pPr algn="ctr"/>
+            <a:endParaRPr lang="ru-RU"/>
+          </a:p>
+        </p:txBody>
+      </p:sp>
+      <p:sp>
+        <p:nvSpPr>
+          <p:cNvPr id="9" name="TextBox 8"/>
+          <p:cNvSpPr txBox="1"/>
+          <p:nvPr/>
+        </p:nvSpPr>
+        <p:spPr>
+          <a:xfrm>
+            <a:off x="1562666" y="563419"/>
+            <a:ext cx="2790969" cy="523220"/>
+          </a:xfrm>
+          <a:prstGeom prst="rect">
+            <a:avLst/>
+          </a:prstGeom>
+          <a:noFill/>
+        </p:spPr>
+        <p:txBody>
+          <a:bodyPr wrap="square" rtlCol="0">
+            <a:spAutoFit/>
+          </a:bodyPr>
+          <a:lstStyle/>
+          <a:p>
+            <a:r>
+              <a:rPr lang="en-US" sz="2800" dirty="0" smtClean="0"/>
+              <a:t>LOGO (</a:t>
+            </a:r>
+            <a:r>
+              <a:rPr lang="en-US" sz="2800" dirty="0" err="1" smtClean="0"/>
+              <a:t>Img</a:t>
+            </a:r>
+            <a:r>
+              <a:rPr lang="en-US" sz="2800" dirty="0" smtClean="0"/>
+              <a:t>)</a:t>
+            </a:r>
+            <a:endParaRPr lang="ru-RU" sz="2800" dirty="0"/>
+          </a:p>
+        </p:txBody>
+      </p:sp>
+      <p:sp>
+        <p:nvSpPr>
+          <p:cNvPr id="10" name="Прямоугольник 8"/>
+          <p:cNvSpPr/>
+          <p:nvPr/>
+        </p:nvSpPr>
+        <p:spPr>
+          <a:xfrm>
+            <a:off x="1576314" y="1317009"/>
+            <a:ext cx="9157649" cy="313898"/>
+          </a:xfrm>
+          <a:prstGeom prst="rect">
+            <a:avLst/>
+          </a:prstGeom>
+        </p:spPr>
+        <p:style>
+          <a:lnRef idx="2">
+            <a:schemeClr val="accent1">
+              <a:shade val="50000"/>
+            </a:schemeClr>
+          </a:lnRef>
+          <a:fillRef idx="1">
+            <a:schemeClr val="accent1"/>
+          </a:fillRef>
+          <a:effectRef idx="0">
+            <a:schemeClr val="accent1"/>
+          </a:effectRef>
+          <a:fontRef idx="minor">
+            <a:schemeClr val="lt1"/>
+          </a:fontRef>
+        </p:style>
+        <p:txBody>
+          <a:bodyPr rtlCol="0" anchor="ctr"/>
+          <a:lstStyle/>
+          <a:p>
+            <a:pPr algn="ctr"/>
+            <a:endParaRPr lang="ru-RU"/>
+          </a:p>
+        </p:txBody>
+      </p:sp>
+      <p:sp>
+        <p:nvSpPr>
+          <p:cNvPr id="11" name="TextBox 10"/>
+          <p:cNvSpPr txBox="1"/>
+          <p:nvPr/>
+        </p:nvSpPr>
+        <p:spPr>
+          <a:xfrm>
+            <a:off x="1547713" y="1276549"/>
+            <a:ext cx="6578224" cy="369332"/>
+          </a:xfrm>
+          <a:prstGeom prst="rect">
+            <a:avLst/>
+          </a:prstGeom>
+          <a:noFill/>
+        </p:spPr>
+        <p:txBody>
+          <a:bodyPr wrap="square" rtlCol="0">
+            <a:spAutoFit/>
+          </a:bodyPr>
+          <a:lstStyle/>
+          <a:p>
+            <a:r>
+              <a:rPr lang="en-US" dirty="0" smtClean="0">
+                <a:solidFill>
+                  <a:schemeClr val="bg1"/>
+                </a:solidFill>
+              </a:rPr>
+              <a:t>Dashboard | My Profile | Event Log | Help</a:t>
+            </a:r>
+            <a:endParaRPr lang="ru-RU" dirty="0">
+              <a:solidFill>
+                <a:schemeClr val="bg1"/>
+              </a:solidFill>
+            </a:endParaRPr>
+          </a:p>
+        </p:txBody>
+      </p:sp>
+      <p:sp>
+        <p:nvSpPr>
+          <p:cNvPr id="12" name="TextBox 11"/>
+          <p:cNvSpPr txBox="1"/>
+          <p:nvPr/>
+        </p:nvSpPr>
+        <p:spPr>
+          <a:xfrm>
+            <a:off x="8155845" y="975354"/>
+            <a:ext cx="3719014" cy="307777"/>
+          </a:xfrm>
+          <a:prstGeom prst="rect">
+            <a:avLst/>
+          </a:prstGeom>
+          <a:noFill/>
+        </p:spPr>
+        <p:txBody>
+          <a:bodyPr wrap="square" rtlCol="0">
+            <a:spAutoFit/>
+          </a:bodyPr>
+          <a:lstStyle/>
+          <a:p>
+            <a:r>
+              <a:rPr lang="en-US" sz="1400" dirty="0" smtClean="0">
+                <a:solidFill>
+                  <a:schemeClr val="accent5"/>
+                </a:solidFill>
+              </a:rPr>
+              <a:t>Welcome, </a:t>
+            </a:r>
+            <a:r>
+              <a:rPr lang="en-US" sz="1400" dirty="0" err="1" smtClean="0">
+                <a:solidFill>
+                  <a:schemeClr val="accent5"/>
+                </a:solidFill>
+              </a:rPr>
+              <a:t>alex.svs.fl</a:t>
+            </a:r>
+            <a:r>
+              <a:rPr lang="en-US" sz="1400" dirty="0" smtClean="0">
+                <a:solidFill>
+                  <a:schemeClr val="accent5"/>
+                </a:solidFill>
+              </a:rPr>
+              <a:t>! | Sign out…</a:t>
+            </a:r>
+            <a:endParaRPr lang="ru-RU" sz="1400" dirty="0">
+              <a:solidFill>
+                <a:schemeClr val="accent5"/>
+              </a:solidFill>
+            </a:endParaRPr>
+          </a:p>
+        </p:txBody>
+      </p:sp>
+      <p:graphicFrame>
+        <p:nvGraphicFramePr>
+          <p:cNvPr id="14" name="Table 13"/>
+          <p:cNvGraphicFramePr>
+            <a:graphicFrameLocks noGrp="1"/>
+          </p:cNvGraphicFramePr>
+          <p:nvPr>
+            <p:extLst>
+              <p:ext uri="{D42A27DB-BD31-4B8C-83A1-F6EECF244321}">
+                <p14:modId xmlns:p14="http://schemas.microsoft.com/office/powerpoint/2010/main" val="1773352472"/>
+              </p:ext>
+            </p:extLst>
+          </p:nvPr>
+        </p:nvGraphicFramePr>
+        <p:xfrm>
+          <a:off x="1783347" y="2695358"/>
+          <a:ext cx="8617952" cy="1483360"/>
+        </p:xfrm>
+        <a:graphic>
+          <a:graphicData uri="http://schemas.openxmlformats.org/drawingml/2006/table">
+            <a:tbl>
+              <a:tblPr firstRow="1" bandRow="1">
+                <a:tableStyleId>{5C22544A-7EE6-4342-B048-85BDC9FD1C3A}</a:tableStyleId>
+              </a:tblPr>
+              <a:tblGrid>
+                <a:gridCol w="2154488">
+                  <a:extLst>
+                    <a:ext uri="{9D8B030D-6E8A-4147-A177-3AD203B41FA5}">
+                      <a16:colId xmlns:a16="http://schemas.microsoft.com/office/drawing/2014/main" val="594066983"/>
+                    </a:ext>
+                  </a:extLst>
+                </a:gridCol>
+                <a:gridCol w="2154488">
+                  <a:extLst>
+                    <a:ext uri="{9D8B030D-6E8A-4147-A177-3AD203B41FA5}">
+                      <a16:colId xmlns:a16="http://schemas.microsoft.com/office/drawing/2014/main" val="1328614768"/>
+                    </a:ext>
+                  </a:extLst>
+                </a:gridCol>
+                <a:gridCol w="2154488">
+                  <a:extLst>
+                    <a:ext uri="{9D8B030D-6E8A-4147-A177-3AD203B41FA5}">
+                      <a16:colId xmlns:a16="http://schemas.microsoft.com/office/drawing/2014/main" val="2173006834"/>
+                    </a:ext>
+                  </a:extLst>
+                </a:gridCol>
+                <a:gridCol w="2154488">
+                  <a:extLst>
+                    <a:ext uri="{9D8B030D-6E8A-4147-A177-3AD203B41FA5}">
+                      <a16:colId xmlns:a16="http://schemas.microsoft.com/office/drawing/2014/main" val="2190128190"/>
+                    </a:ext>
+                  </a:extLst>
+                </a:gridCol>
+              </a:tblGrid>
+              <a:tr h="370840">
+                <a:tc>
+                  <a:txBody>
+                    <a:bodyPr/>
+                    <a:lstStyle/>
+                    <a:p>
+                      <a:pPr marL="0" marR="0" indent="0" algn="l" defTabSz="914400" rtl="0" eaLnBrk="1" fontAlgn="auto" latinLnBrk="0" hangingPunct="1">
+                        <a:lnSpc>
+                          <a:spcPct val="100000"/>
+                        </a:lnSpc>
+                        <a:spcBef>
+                          <a:spcPts val="0"/>
+                        </a:spcBef>
+                        <a:spcAft>
+                          <a:spcPts val="0"/>
+                        </a:spcAft>
+                        <a:buClrTx/>
+                        <a:buSzTx/>
+                        <a:buFontTx/>
+                        <a:buNone/>
+                        <a:tabLst/>
+                        <a:defRPr/>
+                      </a:pPr>
+                      <a:r>
+                        <a:rPr lang="en-US" dirty="0" smtClean="0">
+                          <a:solidFill>
+                            <a:schemeClr val="bg1"/>
+                          </a:solidFill>
+                        </a:rPr>
+                        <a:t>Site Name</a:t>
+                      </a:r>
+                      <a:endParaRPr lang="ru-RU" dirty="0" smtClean="0">
+                        <a:solidFill>
+                          <a:schemeClr val="bg1"/>
+                        </a:solidFill>
+                      </a:endParaRPr>
+                    </a:p>
+                  </a:txBody>
+                  <a:tcPr/>
+                </a:tc>
+                <a:tc>
+                  <a:txBody>
+                    <a:bodyPr/>
+                    <a:lstStyle/>
+                    <a:p>
+                      <a:r>
+                        <a:rPr lang="en-US" dirty="0" smtClean="0"/>
+                        <a:t>Timestamp</a:t>
+                      </a:r>
+                      <a:endParaRPr lang="ru-RU" dirty="0"/>
+                    </a:p>
+                  </a:txBody>
+                  <a:tcPr/>
+                </a:tc>
+                <a:tc>
+                  <a:txBody>
+                    <a:bodyPr/>
+                    <a:lstStyle/>
+                    <a:p>
+                      <a:r>
+                        <a:rPr lang="en-US" dirty="0" smtClean="0"/>
+                        <a:t>Event</a:t>
+                      </a:r>
+                      <a:r>
+                        <a:rPr lang="en-US" baseline="0" dirty="0" smtClean="0"/>
+                        <a:t> Type</a:t>
+                      </a:r>
+                      <a:endParaRPr lang="ru-RU" dirty="0"/>
+                    </a:p>
+                  </a:txBody>
+                  <a:tcPr/>
+                </a:tc>
+                <a:tc>
+                  <a:txBody>
+                    <a:bodyPr/>
+                    <a:lstStyle/>
+                    <a:p>
+                      <a:endParaRPr lang="ru-RU" dirty="0"/>
+                    </a:p>
+                  </a:txBody>
+                  <a:tcPr/>
+                </a:tc>
+                <a:extLst>
+                  <a:ext uri="{0D108BD9-81ED-4DB2-BD59-A6C34878D82A}">
+                    <a16:rowId xmlns:a16="http://schemas.microsoft.com/office/drawing/2014/main" val="151715180"/>
+                  </a:ext>
+                </a:extLst>
+              </a:tr>
+              <a:tr h="370840">
+                <a:tc>
+                  <a:txBody>
+                    <a:bodyPr/>
+                    <a:lstStyle/>
+                    <a:p>
+                      <a:r>
+                        <a:rPr lang="en-US" dirty="0" smtClean="0"/>
+                        <a:t>AVS Site #1</a:t>
+                      </a:r>
+                      <a:endParaRPr lang="ru-RU" dirty="0"/>
+                    </a:p>
+                  </a:txBody>
+                  <a:tcPr/>
+                </a:tc>
+                <a:tc>
+                  <a:txBody>
+                    <a:bodyPr/>
+                    <a:lstStyle/>
+                    <a:p>
+                      <a:r>
+                        <a:rPr lang="en-US" dirty="0" smtClean="0"/>
+                        <a:t>4/21/2021 4:31PM</a:t>
+                      </a:r>
+                      <a:endParaRPr lang="ru-RU" dirty="0"/>
+                    </a:p>
+                  </a:txBody>
+                  <a:tcPr/>
+                </a:tc>
+                <a:tc>
+                  <a:txBody>
+                    <a:bodyPr/>
+                    <a:lstStyle/>
+                    <a:p>
+                      <a:r>
+                        <a:rPr lang="en-US" dirty="0" smtClean="0"/>
+                        <a:t>Error</a:t>
+                      </a:r>
+                      <a:endParaRPr lang="ru-RU" dirty="0"/>
+                    </a:p>
+                  </a:txBody>
+                  <a:tcPr/>
+                </a:tc>
+                <a:tc>
+                  <a:txBody>
+                    <a:bodyPr/>
+                    <a:lstStyle/>
+                    <a:p>
+                      <a:r>
+                        <a:rPr lang="en-US" dirty="0" smtClean="0"/>
+                        <a:t>View details</a:t>
+                      </a:r>
+                      <a:endParaRPr lang="ru-RU" dirty="0"/>
+                    </a:p>
+                  </a:txBody>
+                  <a:tcPr/>
+                </a:tc>
+                <a:extLst>
+                  <a:ext uri="{0D108BD9-81ED-4DB2-BD59-A6C34878D82A}">
+                    <a16:rowId xmlns:a16="http://schemas.microsoft.com/office/drawing/2014/main" val="506079162"/>
+                  </a:ext>
+                </a:extLst>
+              </a:tr>
+              <a:tr h="370840">
+                <a:tc>
+                  <a:txBody>
+                    <a:bodyPr/>
+                    <a:lstStyle/>
+                    <a:p>
+                      <a:r>
+                        <a:rPr lang="en-US" dirty="0" smtClean="0"/>
+                        <a:t>AVS Site #1</a:t>
+                      </a:r>
+                      <a:endParaRPr lang="ru-RU" dirty="0"/>
+                    </a:p>
+                  </a:txBody>
+                  <a:tcPr/>
+                </a:tc>
+                <a:tc>
+                  <a:txBody>
+                    <a:bodyPr/>
+                    <a:lstStyle/>
+                    <a:p>
+                      <a:r>
+                        <a:rPr lang="en-US" dirty="0" smtClean="0"/>
+                        <a:t>4/18/2021</a:t>
+                      </a:r>
+                      <a:r>
+                        <a:rPr lang="en-US" baseline="0" dirty="0" smtClean="0"/>
+                        <a:t> 10:01AM</a:t>
+                      </a:r>
+                      <a:endParaRPr lang="ru-RU" dirty="0"/>
+                    </a:p>
+                  </a:txBody>
+                  <a:tcPr/>
+                </a:tc>
+                <a:tc>
+                  <a:txBody>
+                    <a:bodyPr/>
+                    <a:lstStyle/>
+                    <a:p>
+                      <a:r>
+                        <a:rPr lang="en-US" dirty="0" smtClean="0"/>
+                        <a:t>Information</a:t>
+                      </a:r>
+                      <a:endParaRPr lang="ru-RU" dirty="0"/>
+                    </a:p>
+                  </a:txBody>
+                  <a:tcPr/>
+                </a:tc>
+                <a:tc>
+                  <a:txBody>
+                    <a:bodyPr/>
+                    <a:lstStyle/>
+                    <a:p>
+                      <a:pPr marL="0" marR="0" indent="0" algn="l" defTabSz="914400" rtl="0" eaLnBrk="1" fontAlgn="auto" latinLnBrk="0" hangingPunct="1">
+                        <a:lnSpc>
+                          <a:spcPct val="100000"/>
+                        </a:lnSpc>
+                        <a:spcBef>
+                          <a:spcPts val="0"/>
+                        </a:spcBef>
+                        <a:spcAft>
+                          <a:spcPts val="0"/>
+                        </a:spcAft>
+                        <a:buClrTx/>
+                        <a:buSzTx/>
+                        <a:buFontTx/>
+                        <a:buNone/>
+                        <a:tabLst/>
+                        <a:defRPr/>
+                      </a:pPr>
+                      <a:r>
+                        <a:rPr lang="en-US" dirty="0" smtClean="0"/>
+                        <a:t>View details</a:t>
+                      </a:r>
+                      <a:endParaRPr lang="ru-RU" dirty="0" smtClean="0"/>
+                    </a:p>
+                  </a:txBody>
+                  <a:tcPr/>
+                </a:tc>
+                <a:extLst>
+                  <a:ext uri="{0D108BD9-81ED-4DB2-BD59-A6C34878D82A}">
+                    <a16:rowId xmlns:a16="http://schemas.microsoft.com/office/drawing/2014/main" val="776379968"/>
+                  </a:ext>
+                </a:extLst>
+              </a:tr>
+              <a:tr h="370840">
+                <a:tc>
+                  <a:txBody>
+                    <a:bodyPr/>
+                    <a:lstStyle/>
+                    <a:p>
+                      <a:r>
+                        <a:rPr lang="en-US" dirty="0" smtClean="0"/>
+                        <a:t>AVS Site #1</a:t>
+                      </a:r>
+                      <a:endParaRPr lang="ru-RU" dirty="0"/>
+                    </a:p>
+                  </a:txBody>
+                  <a:tcPr/>
+                </a:tc>
+                <a:tc>
+                  <a:txBody>
+                    <a:bodyPr/>
+                    <a:lstStyle/>
+                    <a:p>
+                      <a:r>
+                        <a:rPr lang="en-US" dirty="0" smtClean="0"/>
+                        <a:t>4/11/2021</a:t>
+                      </a:r>
+                      <a:r>
+                        <a:rPr lang="en-US" baseline="0" dirty="0" smtClean="0"/>
+                        <a:t> 12:07AM</a:t>
+                      </a:r>
+                      <a:endParaRPr lang="ru-RU" dirty="0"/>
+                    </a:p>
+                  </a:txBody>
+                  <a:tcPr/>
+                </a:tc>
+                <a:tc>
+                  <a:txBody>
+                    <a:bodyPr/>
+                    <a:lstStyle/>
+                    <a:p>
+                      <a:r>
+                        <a:rPr lang="en-US" dirty="0" smtClean="0"/>
+                        <a:t>Information</a:t>
+                      </a:r>
+                      <a:endParaRPr lang="ru-RU" dirty="0"/>
+                    </a:p>
+                  </a:txBody>
+                  <a:tcPr/>
+                </a:tc>
+                <a:tc>
+                  <a:txBody>
+                    <a:bodyPr/>
+                    <a:lstStyle/>
+                    <a:p>
+                      <a:pPr marL="0" marR="0" indent="0" algn="l" defTabSz="914400" rtl="0" eaLnBrk="1" fontAlgn="auto" latinLnBrk="0" hangingPunct="1">
+                        <a:lnSpc>
+                          <a:spcPct val="100000"/>
+                        </a:lnSpc>
+                        <a:spcBef>
+                          <a:spcPts val="0"/>
+                        </a:spcBef>
+                        <a:spcAft>
+                          <a:spcPts val="0"/>
+                        </a:spcAft>
+                        <a:buClrTx/>
+                        <a:buSzTx/>
+                        <a:buFontTx/>
+                        <a:buNone/>
+                        <a:tabLst/>
+                        <a:defRPr/>
+                      </a:pPr>
+                      <a:r>
+                        <a:rPr lang="en-US" dirty="0" smtClean="0"/>
+                        <a:t>View details</a:t>
+                      </a:r>
+                      <a:endParaRPr lang="ru-RU" dirty="0" smtClean="0"/>
+                    </a:p>
+                  </a:txBody>
+                  <a:tcPr/>
+                </a:tc>
+                <a:extLst>
+                  <a:ext uri="{0D108BD9-81ED-4DB2-BD59-A6C34878D82A}">
+                    <a16:rowId xmlns:a16="http://schemas.microsoft.com/office/drawing/2014/main" val="2595715188"/>
+                  </a:ext>
+                </a:extLst>
+              </a:tr>
+            </a:tbl>
+          </a:graphicData>
+        </a:graphic>
+      </p:graphicFrame>
+      <p:sp>
+        <p:nvSpPr>
+          <p:cNvPr id="16" name="TextBox 15"/>
+          <p:cNvSpPr txBox="1"/>
+          <p:nvPr/>
+        </p:nvSpPr>
+        <p:spPr>
+          <a:xfrm>
+            <a:off x="7676146" y="4442261"/>
+            <a:ext cx="1696469" cy="369332"/>
+          </a:xfrm>
+          <a:prstGeom prst="rect">
+            <a:avLst/>
+          </a:prstGeom>
+          <a:noFill/>
+        </p:spPr>
+        <p:txBody>
+          <a:bodyPr wrap="square" rtlCol="0">
+            <a:spAutoFit/>
+          </a:bodyPr>
+          <a:lstStyle/>
+          <a:p>
+            <a:r>
+              <a:rPr lang="en-US" dirty="0" smtClean="0"/>
+              <a:t>&lt;&lt;1 2 3...121 &gt;&gt;</a:t>
+            </a:r>
+            <a:endParaRPr lang="ru-RU" dirty="0"/>
+          </a:p>
+        </p:txBody>
+      </p:sp>
+      <p:sp>
+        <p:nvSpPr>
+          <p:cNvPr id="17" name="Прямоугольник 25"/>
+          <p:cNvSpPr/>
+          <p:nvPr/>
+        </p:nvSpPr>
+        <p:spPr>
+          <a:xfrm>
+            <a:off x="9372616" y="4480348"/>
+            <a:ext cx="1028683" cy="331245"/>
+          </a:xfrm>
+          <a:prstGeom prst="rect">
+            <a:avLst/>
+          </a:prstGeom>
+          <a:noFill/>
+        </p:spPr>
+        <p:style>
+          <a:lnRef idx="2">
+            <a:schemeClr val="accent1">
+              <a:shade val="50000"/>
+            </a:schemeClr>
+          </a:lnRef>
+          <a:fillRef idx="1">
+            <a:schemeClr val="accent1"/>
+          </a:fillRef>
+          <a:effectRef idx="0">
+            <a:schemeClr val="accent1"/>
+          </a:effectRef>
+          <a:fontRef idx="minor">
+            <a:schemeClr val="lt1"/>
+          </a:fontRef>
+        </p:style>
+        <p:txBody>
+          <a:bodyPr rtlCol="0" anchor="ctr"/>
+          <a:lstStyle/>
+          <a:p>
+            <a:pPr algn="ctr"/>
+            <a:endParaRPr lang="ru-RU"/>
+          </a:p>
+        </p:txBody>
+      </p:sp>
+      <p:sp>
+        <p:nvSpPr>
+          <p:cNvPr id="18" name="Прямоугольник 26"/>
+          <p:cNvSpPr/>
+          <p:nvPr/>
+        </p:nvSpPr>
+        <p:spPr>
+          <a:xfrm>
+            <a:off x="10145806" y="4480348"/>
+            <a:ext cx="255493" cy="331245"/>
+          </a:xfrm>
+          <a:prstGeom prst="rect">
+            <a:avLst/>
+          </a:prstGeom>
+          <a:noFill/>
+        </p:spPr>
+        <p:style>
+          <a:lnRef idx="2">
+            <a:schemeClr val="accent1">
+              <a:shade val="50000"/>
+            </a:schemeClr>
+          </a:lnRef>
+          <a:fillRef idx="1">
+            <a:schemeClr val="accent1"/>
+          </a:fillRef>
+          <a:effectRef idx="0">
+            <a:schemeClr val="accent1"/>
+          </a:effectRef>
+          <a:fontRef idx="minor">
+            <a:schemeClr val="lt1"/>
+          </a:fontRef>
+        </p:style>
+        <p:txBody>
+          <a:bodyPr rtlCol="0" anchor="ctr"/>
+          <a:lstStyle/>
+          <a:p>
+            <a:pPr algn="ctr"/>
+            <a:endParaRPr lang="ru-RU"/>
+          </a:p>
+        </p:txBody>
+      </p:sp>
+      <p:sp>
+        <p:nvSpPr>
+          <p:cNvPr id="19" name="Блок-схема: объединение 27"/>
+          <p:cNvSpPr/>
+          <p:nvPr/>
+        </p:nvSpPr>
+        <p:spPr>
+          <a:xfrm>
+            <a:off x="10199591" y="4547583"/>
+            <a:ext cx="156913" cy="209875"/>
+          </a:xfrm>
+          <a:prstGeom prst="flowChartMerge">
+            <a:avLst/>
+          </a:prstGeom>
+        </p:spPr>
+        <p:style>
+          <a:lnRef idx="2">
+            <a:schemeClr val="accent1">
+              <a:shade val="50000"/>
+            </a:schemeClr>
+          </a:lnRef>
+          <a:fillRef idx="1">
+            <a:schemeClr val="accent1"/>
+          </a:fillRef>
+          <a:effectRef idx="0">
+            <a:schemeClr val="accent1"/>
+          </a:effectRef>
+          <a:fontRef idx="minor">
+            <a:schemeClr val="lt1"/>
+          </a:fontRef>
+        </p:style>
+        <p:txBody>
+          <a:bodyPr rtlCol="0" anchor="ctr"/>
+          <a:lstStyle/>
+          <a:p>
+            <a:pPr algn="ctr"/>
+            <a:endParaRPr lang="ru-RU"/>
+          </a:p>
+        </p:txBody>
+      </p:sp>
+      <p:sp>
+        <p:nvSpPr>
+          <p:cNvPr id="20" name="TextBox 19"/>
+          <p:cNvSpPr txBox="1"/>
+          <p:nvPr/>
+        </p:nvSpPr>
+        <p:spPr>
+          <a:xfrm>
+            <a:off x="9355791" y="4442261"/>
+            <a:ext cx="490818" cy="369332"/>
+          </a:xfrm>
+          <a:prstGeom prst="rect">
+            <a:avLst/>
+          </a:prstGeom>
+          <a:noFill/>
+        </p:spPr>
+        <p:txBody>
+          <a:bodyPr wrap="square" rtlCol="0">
+            <a:spAutoFit/>
+          </a:bodyPr>
+          <a:lstStyle/>
+          <a:p>
+            <a:r>
+              <a:rPr lang="en-US" dirty="0" smtClean="0"/>
+              <a:t>10</a:t>
+            </a:r>
+            <a:endParaRPr lang="ru-RU" dirty="0"/>
+          </a:p>
+        </p:txBody>
+      </p:sp>
+      <p:sp>
+        <p:nvSpPr>
+          <p:cNvPr id="22" name="TextBox 21"/>
+          <p:cNvSpPr txBox="1"/>
+          <p:nvPr/>
+        </p:nvSpPr>
+        <p:spPr>
+          <a:xfrm>
+            <a:off x="1786690" y="1835791"/>
+            <a:ext cx="1648326" cy="369332"/>
+          </a:xfrm>
+          <a:prstGeom prst="rect">
+            <a:avLst/>
+          </a:prstGeom>
+          <a:noFill/>
+        </p:spPr>
+        <p:txBody>
+          <a:bodyPr wrap="square" rtlCol="0">
+            <a:spAutoFit/>
+          </a:bodyPr>
+          <a:lstStyle/>
+          <a:p>
+            <a:r>
+              <a:rPr lang="en-US" dirty="0" smtClean="0"/>
+              <a:t>Date from</a:t>
+            </a:r>
+            <a:endParaRPr lang="ru-RU" dirty="0"/>
+          </a:p>
+        </p:txBody>
+      </p:sp>
+      <p:sp>
+        <p:nvSpPr>
+          <p:cNvPr id="23" name="Rectangle 22"/>
+          <p:cNvSpPr/>
+          <p:nvPr/>
+        </p:nvSpPr>
+        <p:spPr>
+          <a:xfrm>
+            <a:off x="3007895" y="1895083"/>
+            <a:ext cx="1642311" cy="256007"/>
+          </a:xfrm>
+          <a:prstGeom prst="rect">
+            <a:avLst/>
+          </a:prstGeom>
+          <a:noFill/>
+        </p:spPr>
+        <p:style>
+          <a:lnRef idx="2">
+            <a:schemeClr val="accent1">
+              <a:shade val="50000"/>
+            </a:schemeClr>
+          </a:lnRef>
+          <a:fillRef idx="1">
+            <a:schemeClr val="accent1"/>
+          </a:fillRef>
+          <a:effectRef idx="0">
+            <a:schemeClr val="accent1"/>
+          </a:effectRef>
+          <a:fontRef idx="minor">
+            <a:schemeClr val="lt1"/>
+          </a:fontRef>
+        </p:style>
+        <p:txBody>
+          <a:bodyPr rtlCol="0" anchor="ctr"/>
+          <a:lstStyle/>
+          <a:p>
+            <a:pPr algn="ctr"/>
+            <a:endParaRPr lang="ru-RU"/>
+          </a:p>
+        </p:txBody>
+      </p:sp>
+      <p:sp>
+        <p:nvSpPr>
+          <p:cNvPr id="24" name="TextBox 23"/>
+          <p:cNvSpPr txBox="1"/>
+          <p:nvPr/>
+        </p:nvSpPr>
+        <p:spPr>
+          <a:xfrm>
+            <a:off x="5047248" y="1820817"/>
+            <a:ext cx="1648326" cy="369332"/>
+          </a:xfrm>
+          <a:prstGeom prst="rect">
+            <a:avLst/>
+          </a:prstGeom>
+          <a:noFill/>
+        </p:spPr>
+        <p:txBody>
+          <a:bodyPr wrap="square" rtlCol="0">
+            <a:spAutoFit/>
+          </a:bodyPr>
+          <a:lstStyle/>
+          <a:p>
+            <a:r>
+              <a:rPr lang="en-US" dirty="0" smtClean="0"/>
+              <a:t>Date to</a:t>
+            </a:r>
+            <a:endParaRPr lang="ru-RU" dirty="0"/>
+          </a:p>
+        </p:txBody>
+      </p:sp>
+      <p:sp>
+        <p:nvSpPr>
+          <p:cNvPr id="25" name="Rectangle 24"/>
+          <p:cNvSpPr/>
+          <p:nvPr/>
+        </p:nvSpPr>
+        <p:spPr>
+          <a:xfrm>
+            <a:off x="5912487" y="1895083"/>
+            <a:ext cx="1642311" cy="256007"/>
+          </a:xfrm>
+          <a:prstGeom prst="rect">
+            <a:avLst/>
+          </a:prstGeom>
+          <a:noFill/>
+        </p:spPr>
+        <p:style>
+          <a:lnRef idx="2">
+            <a:schemeClr val="accent1">
+              <a:shade val="50000"/>
+            </a:schemeClr>
+          </a:lnRef>
+          <a:fillRef idx="1">
+            <a:schemeClr val="accent1"/>
+          </a:fillRef>
+          <a:effectRef idx="0">
+            <a:schemeClr val="accent1"/>
+          </a:effectRef>
+          <a:fontRef idx="minor">
+            <a:schemeClr val="lt1"/>
+          </a:fontRef>
+        </p:style>
+        <p:txBody>
+          <a:bodyPr rtlCol="0" anchor="ctr"/>
+          <a:lstStyle/>
+          <a:p>
+            <a:pPr algn="ctr"/>
+            <a:endParaRPr lang="ru-RU"/>
+          </a:p>
+        </p:txBody>
+      </p:sp>
+      <p:sp>
+        <p:nvSpPr>
+          <p:cNvPr id="26" name="TextBox 25"/>
+          <p:cNvSpPr txBox="1"/>
+          <p:nvPr/>
+        </p:nvSpPr>
+        <p:spPr>
+          <a:xfrm>
+            <a:off x="3007895" y="1812977"/>
+            <a:ext cx="758304" cy="369332"/>
+          </a:xfrm>
+          <a:prstGeom prst="rect">
+            <a:avLst/>
+          </a:prstGeom>
+          <a:noFill/>
+        </p:spPr>
+        <p:txBody>
+          <a:bodyPr wrap="square" rtlCol="0">
+            <a:spAutoFit/>
+          </a:bodyPr>
+          <a:lstStyle/>
+          <a:p>
+            <a:r>
+              <a:rPr lang="en-US" dirty="0" smtClean="0"/>
+              <a:t>--</a:t>
+            </a:r>
+            <a:endParaRPr lang="ru-RU" dirty="0"/>
+          </a:p>
+        </p:txBody>
+      </p:sp>
+      <p:sp>
+        <p:nvSpPr>
+          <p:cNvPr id="27" name="TextBox 26"/>
+          <p:cNvSpPr txBox="1"/>
+          <p:nvPr/>
+        </p:nvSpPr>
+        <p:spPr>
+          <a:xfrm>
+            <a:off x="5911749" y="1808774"/>
+            <a:ext cx="758304" cy="369332"/>
+          </a:xfrm>
+          <a:prstGeom prst="rect">
+            <a:avLst/>
+          </a:prstGeom>
+          <a:noFill/>
+        </p:spPr>
+        <p:txBody>
+          <a:bodyPr wrap="square" rtlCol="0">
+            <a:spAutoFit/>
+          </a:bodyPr>
+          <a:lstStyle/>
+          <a:p>
+            <a:r>
+              <a:rPr lang="en-US" dirty="0" smtClean="0"/>
+              <a:t>--</a:t>
+            </a:r>
+            <a:endParaRPr lang="ru-RU" dirty="0"/>
+          </a:p>
+        </p:txBody>
+      </p:sp>
+      <p:sp>
+        <p:nvSpPr>
+          <p:cNvPr id="28" name="TextBox 27"/>
+          <p:cNvSpPr txBox="1"/>
+          <p:nvPr/>
+        </p:nvSpPr>
+        <p:spPr>
+          <a:xfrm>
+            <a:off x="8047610" y="1728484"/>
+            <a:ext cx="2538233" cy="954107"/>
+          </a:xfrm>
+          <a:prstGeom prst="rect">
+            <a:avLst/>
+          </a:prstGeom>
+          <a:noFill/>
+        </p:spPr>
+        <p:txBody>
+          <a:bodyPr wrap="square" rtlCol="0">
+            <a:spAutoFit/>
+          </a:bodyPr>
+          <a:lstStyle/>
+          <a:p>
+            <a:r>
+              <a:rPr lang="en-US" sz="1400" dirty="0" smtClean="0"/>
+              <a:t>“Date to” is optional and is shown only when “Date from” </a:t>
+            </a:r>
+            <a:r>
+              <a:rPr lang="en-US" sz="1400" dirty="0" smtClean="0"/>
+              <a:t>set</a:t>
+            </a:r>
+            <a:r>
+              <a:rPr lang="en-US" sz="1400" dirty="0" smtClean="0"/>
+              <a:t>. If “Date from” is “—” “Date to” is hidden.</a:t>
+            </a:r>
+            <a:endParaRPr lang="ru-RU" sz="1400" dirty="0"/>
+          </a:p>
+        </p:txBody>
+      </p:sp>
+      <p:sp>
+        <p:nvSpPr>
+          <p:cNvPr id="29" name="TextBox 28"/>
+          <p:cNvSpPr txBox="1"/>
+          <p:nvPr/>
+        </p:nvSpPr>
+        <p:spPr>
+          <a:xfrm>
+            <a:off x="1842448" y="2313296"/>
+            <a:ext cx="4913194" cy="307777"/>
+          </a:xfrm>
+          <a:prstGeom prst="rect">
+            <a:avLst/>
+          </a:prstGeom>
+          <a:noFill/>
+        </p:spPr>
+        <p:txBody>
+          <a:bodyPr wrap="square" rtlCol="0">
+            <a:spAutoFit/>
+          </a:bodyPr>
+          <a:lstStyle/>
+          <a:p>
+            <a:r>
+              <a:rPr lang="en-US" sz="1400" dirty="0" smtClean="0"/>
+              <a:t>When a user click input, a </a:t>
+            </a:r>
+            <a:r>
+              <a:rPr lang="en-US" sz="1400" dirty="0" err="1" smtClean="0"/>
+              <a:t>datepicker</a:t>
+            </a:r>
+            <a:r>
+              <a:rPr lang="en-US" sz="1400" dirty="0" smtClean="0"/>
+              <a:t> opens</a:t>
+            </a:r>
+            <a:endParaRPr lang="ru-RU" sz="1400" dirty="0"/>
+          </a:p>
+        </p:txBody>
+      </p:sp>
+    </p:spTree>
+    <p:extLst>
+      <p:ext uri="{BB962C8B-B14F-4D97-AF65-F5344CB8AC3E}">
+        <p14:creationId xmlns:p14="http://schemas.microsoft.com/office/powerpoint/2010/main" val="2284340726"/>
+      </p:ext>
+    </p:extLst>
+  </p:cSld>
+  <p:clrMapOvr>
+    <a:masterClrMapping/>
+  </p:clrMapOvr>
+</p:sld>
+</file>
+
+<file path=ppt/slides/slide11.xml><?xml version="1.0" encoding="utf-8"?>
+<p:sld xmlns:a="http://schemas.openxmlformats.org/drawingml/2006/main" xmlns:r="http://schemas.openxmlformats.org/officeDocument/2006/relationships" xmlns:p="http://schemas.openxmlformats.org/presentationml/2006/main">
+  <p:cSld>
+    <p:spTree>
+      <p:nvGrpSpPr>
+        <p:cNvPr id="1" name=""/>
+        <p:cNvGrpSpPr/>
+        <p:nvPr/>
+      </p:nvGrpSpPr>
+      <p:grpSpPr>
+        <a:xfrm>
+          <a:off x="0" y="0"/>
+          <a:ext cx="0" cy="0"/>
+          <a:chOff x="0" y="0"/>
+          <a:chExt cx="0" cy="0"/>
+        </a:xfrm>
+      </p:grpSpPr>
+      <p:sp>
+        <p:nvSpPr>
+          <p:cNvPr id="4" name="TextBox 3"/>
+          <p:cNvSpPr txBox="1"/>
+          <p:nvPr/>
+        </p:nvSpPr>
+        <p:spPr>
+          <a:xfrm>
+            <a:off x="120316" y="108284"/>
+            <a:ext cx="4812631" cy="369332"/>
+          </a:xfrm>
+          <a:prstGeom prst="rect">
+            <a:avLst/>
+          </a:prstGeom>
+          <a:noFill/>
+        </p:spPr>
+        <p:txBody>
+          <a:bodyPr wrap="square" rtlCol="0">
+            <a:spAutoFit/>
+          </a:bodyPr>
+          <a:lstStyle/>
+          <a:p>
+            <a:r>
+              <a:rPr lang="en-US" dirty="0" smtClean="0"/>
+              <a:t>Login Page</a:t>
+            </a:r>
+            <a:endParaRPr lang="ru-RU" dirty="0"/>
+          </a:p>
+        </p:txBody>
+      </p:sp>
+      <p:sp>
+        <p:nvSpPr>
+          <p:cNvPr id="5" name="TextBox 4"/>
+          <p:cNvSpPr txBox="1"/>
+          <p:nvPr/>
+        </p:nvSpPr>
+        <p:spPr>
+          <a:xfrm>
+            <a:off x="4315796" y="2057756"/>
+            <a:ext cx="1630279" cy="400110"/>
+          </a:xfrm>
+          <a:prstGeom prst="rect">
+            <a:avLst/>
+          </a:prstGeom>
+          <a:noFill/>
+        </p:spPr>
+        <p:txBody>
+          <a:bodyPr wrap="square" rtlCol="0">
+            <a:spAutoFit/>
+          </a:bodyPr>
+          <a:lstStyle/>
+          <a:p>
+            <a:r>
+              <a:rPr lang="en-US" sz="2000" b="1" i="1" dirty="0" smtClean="0"/>
+              <a:t>Please sign in</a:t>
+            </a:r>
+            <a:endParaRPr lang="ru-RU" sz="2000" b="1" i="1" dirty="0"/>
+          </a:p>
+        </p:txBody>
+      </p:sp>
+      <p:sp>
+        <p:nvSpPr>
+          <p:cNvPr id="6" name="Прямоугольник 5"/>
+          <p:cNvSpPr/>
+          <p:nvPr/>
+        </p:nvSpPr>
+        <p:spPr>
+          <a:xfrm>
+            <a:off x="120316" y="565484"/>
+            <a:ext cx="11947358" cy="6184232"/>
+          </a:xfrm>
+          <a:prstGeom prst="rect">
+            <a:avLst/>
+          </a:prstGeom>
+          <a:noFill/>
+        </p:spPr>
+        <p:style>
+          <a:lnRef idx="2">
+            <a:schemeClr val="accent1">
+              <a:shade val="50000"/>
+            </a:schemeClr>
+          </a:lnRef>
+          <a:fillRef idx="1">
+            <a:schemeClr val="accent1"/>
+          </a:fillRef>
+          <a:effectRef idx="0">
+            <a:schemeClr val="accent1"/>
+          </a:effectRef>
+          <a:fontRef idx="minor">
+            <a:schemeClr val="lt1"/>
+          </a:fontRef>
+        </p:style>
+        <p:txBody>
+          <a:bodyPr rtlCol="0" anchor="ctr"/>
+          <a:lstStyle/>
+          <a:p>
+            <a:pPr algn="ctr"/>
+            <a:endParaRPr lang="ru-RU"/>
+          </a:p>
+        </p:txBody>
+      </p:sp>
+      <p:sp>
+        <p:nvSpPr>
+          <p:cNvPr id="7" name="TextBox 6"/>
+          <p:cNvSpPr txBox="1"/>
+          <p:nvPr/>
+        </p:nvSpPr>
+        <p:spPr>
+          <a:xfrm>
+            <a:off x="4315796" y="2545734"/>
+            <a:ext cx="793376" cy="376625"/>
+          </a:xfrm>
+          <a:prstGeom prst="rect">
+            <a:avLst/>
+          </a:prstGeom>
+          <a:noFill/>
+        </p:spPr>
+        <p:txBody>
+          <a:bodyPr wrap="square" rtlCol="0">
+            <a:spAutoFit/>
+          </a:bodyPr>
+          <a:lstStyle/>
+          <a:p>
+            <a:r>
+              <a:rPr lang="en-US" dirty="0" smtClean="0"/>
+              <a:t>Login:</a:t>
+            </a:r>
+            <a:endParaRPr lang="ru-RU" dirty="0"/>
+          </a:p>
+        </p:txBody>
+      </p:sp>
+      <p:sp>
+        <p:nvSpPr>
+          <p:cNvPr id="8" name="TextBox 7"/>
+          <p:cNvSpPr txBox="1"/>
+          <p:nvPr/>
+        </p:nvSpPr>
+        <p:spPr>
+          <a:xfrm>
+            <a:off x="5425884" y="2545734"/>
+            <a:ext cx="2756647" cy="369332"/>
+          </a:xfrm>
+          <a:prstGeom prst="rect">
+            <a:avLst/>
+          </a:prstGeom>
+          <a:noFill/>
+        </p:spPr>
+        <p:txBody>
+          <a:bodyPr wrap="square" rtlCol="0">
+            <a:spAutoFit/>
+          </a:bodyPr>
+          <a:lstStyle/>
+          <a:p>
+            <a:r>
+              <a:rPr lang="en-US" dirty="0" err="1" smtClean="0"/>
+              <a:t>alex.test.acc</a:t>
+            </a:r>
+            <a:endParaRPr lang="ru-RU" dirty="0"/>
+          </a:p>
+        </p:txBody>
+      </p:sp>
+      <p:sp>
+        <p:nvSpPr>
+          <p:cNvPr id="9" name="Прямоугольник 8"/>
+          <p:cNvSpPr/>
+          <p:nvPr/>
+        </p:nvSpPr>
+        <p:spPr>
+          <a:xfrm>
+            <a:off x="5446055" y="2602006"/>
+            <a:ext cx="3281084" cy="292888"/>
+          </a:xfrm>
+          <a:prstGeom prst="rect">
+            <a:avLst/>
+          </a:prstGeom>
+          <a:noFill/>
+        </p:spPr>
+        <p:style>
+          <a:lnRef idx="2">
+            <a:schemeClr val="accent1">
+              <a:shade val="50000"/>
+            </a:schemeClr>
+          </a:lnRef>
+          <a:fillRef idx="1">
+            <a:schemeClr val="accent1"/>
+          </a:fillRef>
+          <a:effectRef idx="0">
+            <a:schemeClr val="accent1"/>
+          </a:effectRef>
+          <a:fontRef idx="minor">
+            <a:schemeClr val="lt1"/>
+          </a:fontRef>
+        </p:style>
+        <p:txBody>
+          <a:bodyPr rtlCol="0" anchor="ctr"/>
+          <a:lstStyle/>
+          <a:p>
+            <a:pPr algn="ctr"/>
+            <a:endParaRPr lang="ru-RU"/>
+          </a:p>
+        </p:txBody>
+      </p:sp>
+      <p:sp>
+        <p:nvSpPr>
+          <p:cNvPr id="10" name="TextBox 9"/>
+          <p:cNvSpPr txBox="1"/>
+          <p:nvPr/>
+        </p:nvSpPr>
+        <p:spPr>
+          <a:xfrm>
+            <a:off x="4315796" y="3059208"/>
+            <a:ext cx="1190772" cy="369332"/>
+          </a:xfrm>
+          <a:prstGeom prst="rect">
+            <a:avLst/>
+          </a:prstGeom>
+          <a:noFill/>
+        </p:spPr>
+        <p:txBody>
+          <a:bodyPr wrap="square" rtlCol="0">
+            <a:spAutoFit/>
+          </a:bodyPr>
+          <a:lstStyle/>
+          <a:p>
+            <a:r>
+              <a:rPr lang="en-US" dirty="0" smtClean="0"/>
+              <a:t>Password:</a:t>
+            </a:r>
+            <a:endParaRPr lang="ru-RU" dirty="0"/>
+          </a:p>
+        </p:txBody>
+      </p:sp>
+      <p:sp>
+        <p:nvSpPr>
+          <p:cNvPr id="11" name="Прямоугольник 10"/>
+          <p:cNvSpPr/>
+          <p:nvPr/>
+        </p:nvSpPr>
+        <p:spPr>
+          <a:xfrm>
+            <a:off x="5446055" y="3097430"/>
+            <a:ext cx="3281084" cy="292888"/>
+          </a:xfrm>
+          <a:prstGeom prst="rect">
+            <a:avLst/>
+          </a:prstGeom>
+          <a:noFill/>
+        </p:spPr>
+        <p:style>
+          <a:lnRef idx="2">
+            <a:schemeClr val="accent1">
+              <a:shade val="50000"/>
+            </a:schemeClr>
+          </a:lnRef>
+          <a:fillRef idx="1">
+            <a:schemeClr val="accent1"/>
+          </a:fillRef>
+          <a:effectRef idx="0">
+            <a:schemeClr val="accent1"/>
+          </a:effectRef>
+          <a:fontRef idx="minor">
+            <a:schemeClr val="lt1"/>
+          </a:fontRef>
+        </p:style>
+        <p:txBody>
+          <a:bodyPr rtlCol="0" anchor="ctr"/>
+          <a:lstStyle/>
+          <a:p>
+            <a:pPr algn="ctr"/>
+            <a:endParaRPr lang="ru-RU"/>
+          </a:p>
+        </p:txBody>
+      </p:sp>
+      <p:cxnSp>
+        <p:nvCxnSpPr>
+          <p:cNvPr id="13" name="Прямая соединительная линия 12"/>
+          <p:cNvCxnSpPr/>
+          <p:nvPr/>
+        </p:nvCxnSpPr>
+        <p:spPr>
+          <a:xfrm>
+            <a:off x="4315796" y="3610535"/>
+            <a:ext cx="4411343" cy="0"/>
+          </a:xfrm>
+          <a:prstGeom prst="line">
+            <a:avLst/>
+          </a:prstGeom>
+        </p:spPr>
+        <p:style>
+          <a:lnRef idx="1">
+            <a:schemeClr val="accent1"/>
+          </a:lnRef>
+          <a:fillRef idx="0">
+            <a:schemeClr val="accent1"/>
+          </a:fillRef>
+          <a:effectRef idx="0">
+            <a:schemeClr val="accent1"/>
+          </a:effectRef>
+          <a:fontRef idx="minor">
+            <a:schemeClr val="tx1"/>
+          </a:fontRef>
+        </p:style>
+      </p:cxnSp>
+      <p:sp>
+        <p:nvSpPr>
+          <p:cNvPr id="14" name="TextBox 13"/>
+          <p:cNvSpPr txBox="1"/>
+          <p:nvPr/>
+        </p:nvSpPr>
+        <p:spPr>
+          <a:xfrm>
+            <a:off x="7456391" y="3725759"/>
+            <a:ext cx="1290915" cy="369332"/>
+          </a:xfrm>
+          <a:prstGeom prst="rect">
+            <a:avLst/>
+          </a:prstGeom>
+          <a:solidFill>
+            <a:schemeClr val="accent1"/>
+          </a:solidFill>
+        </p:spPr>
+        <p:txBody>
+          <a:bodyPr wrap="square" rtlCol="0">
+            <a:spAutoFit/>
+          </a:bodyPr>
+          <a:lstStyle/>
+          <a:p>
+            <a:endParaRPr lang="ru-RU" dirty="0"/>
+          </a:p>
+        </p:txBody>
+      </p:sp>
+      <p:sp>
+        <p:nvSpPr>
+          <p:cNvPr id="15" name="TextBox 14"/>
+          <p:cNvSpPr txBox="1"/>
+          <p:nvPr/>
+        </p:nvSpPr>
+        <p:spPr>
+          <a:xfrm>
+            <a:off x="7711884" y="3725759"/>
+            <a:ext cx="974912" cy="369332"/>
+          </a:xfrm>
+          <a:prstGeom prst="rect">
+            <a:avLst/>
+          </a:prstGeom>
+          <a:noFill/>
+        </p:spPr>
+        <p:txBody>
+          <a:bodyPr wrap="square" rtlCol="0">
+            <a:spAutoFit/>
+          </a:bodyPr>
+          <a:lstStyle/>
+          <a:p>
+            <a:r>
+              <a:rPr lang="en-US" dirty="0" smtClean="0">
+                <a:solidFill>
+                  <a:schemeClr val="bg1"/>
+                </a:solidFill>
+              </a:rPr>
+              <a:t>Log in</a:t>
+            </a:r>
+            <a:endParaRPr lang="ru-RU" dirty="0">
+              <a:solidFill>
+                <a:schemeClr val="bg1"/>
+              </a:solidFill>
+            </a:endParaRPr>
+          </a:p>
+        </p:txBody>
+      </p:sp>
+      <p:sp>
+        <p:nvSpPr>
+          <p:cNvPr id="16" name="TextBox 15"/>
+          <p:cNvSpPr txBox="1"/>
+          <p:nvPr/>
+        </p:nvSpPr>
+        <p:spPr>
+          <a:xfrm>
+            <a:off x="4278455" y="3756537"/>
+            <a:ext cx="2999404" cy="338554"/>
+          </a:xfrm>
+          <a:prstGeom prst="rect">
+            <a:avLst/>
+          </a:prstGeom>
+          <a:noFill/>
+        </p:spPr>
+        <p:txBody>
+          <a:bodyPr wrap="square" rtlCol="0">
+            <a:spAutoFit/>
+          </a:bodyPr>
+          <a:lstStyle/>
+          <a:p>
+            <a:r>
+              <a:rPr lang="en-US" sz="1600" dirty="0" smtClean="0"/>
+              <a:t>Don’t have account?  </a:t>
+            </a:r>
+            <a:r>
+              <a:rPr lang="en-US" sz="1600" u="sng" dirty="0" smtClean="0">
+                <a:solidFill>
+                  <a:schemeClr val="accent1"/>
+                </a:solidFill>
+              </a:rPr>
+              <a:t>Register</a:t>
+            </a:r>
+            <a:endParaRPr lang="ru-RU" sz="1600" u="sng" dirty="0">
+              <a:solidFill>
+                <a:schemeClr val="accent1"/>
+              </a:solidFill>
+            </a:endParaRPr>
+          </a:p>
+        </p:txBody>
+      </p:sp>
+    </p:spTree>
+    <p:extLst>
+      <p:ext uri="{BB962C8B-B14F-4D97-AF65-F5344CB8AC3E}">
+        <p14:creationId xmlns:p14="http://schemas.microsoft.com/office/powerpoint/2010/main" val="920586272"/>
+      </p:ext>
+    </p:extLst>
+  </p:cSld>
+  <p:clrMapOvr>
+    <a:masterClrMapping/>
+  </p:clrMapOvr>
+  <p:timing>
+    <p:tnLst>
+      <p:par>
+        <p:cTn id="1" dur="indefinite" restart="never" nodeType="tmRoot"/>
+      </p:par>
+    </p:tnLst>
+  </p:timing>
+</p:sld>
+</file>
+
+<file path=ppt/slides/slide12.xml><?xml version="1.0" encoding="utf-8"?>
+<p:sld xmlns:a="http://schemas.openxmlformats.org/drawingml/2006/main" xmlns:r="http://schemas.openxmlformats.org/officeDocument/2006/relationships" xmlns:p="http://schemas.openxmlformats.org/presentationml/2006/main">
+  <p:cSld>
+    <p:spTree>
+      <p:nvGrpSpPr>
+        <p:cNvPr id="1" name=""/>
+        <p:cNvGrpSpPr/>
+        <p:nvPr/>
+      </p:nvGrpSpPr>
+      <p:grpSpPr>
+        <a:xfrm>
+          <a:off x="0" y="0"/>
+          <a:ext cx="0" cy="0"/>
+          <a:chOff x="0" y="0"/>
+          <a:chExt cx="0" cy="0"/>
+        </a:xfrm>
+      </p:grpSpPr>
+      <p:sp>
+        <p:nvSpPr>
+          <p:cNvPr id="4" name="TextBox 3"/>
+          <p:cNvSpPr txBox="1"/>
+          <p:nvPr/>
+        </p:nvSpPr>
+        <p:spPr>
+          <a:xfrm>
             <a:off x="100853" y="80683"/>
             <a:ext cx="2407024" cy="369332"/>
           </a:xfrm>
@@ -5366,7 +7012,7 @@
 </p:sld>
 </file>
 
-<file path=ppt/slides/slide11.xml><?xml version="1.0" encoding="utf-8"?>
+<file path=ppt/slides/slide13.xml><?xml version="1.0" encoding="utf-8"?>
 <p:sld xmlns:a="http://schemas.openxmlformats.org/drawingml/2006/main" xmlns:r="http://schemas.openxmlformats.org/officeDocument/2006/relationships" xmlns:p="http://schemas.openxmlformats.org/presentationml/2006/main">
   <p:cSld>
     <p:spTree>
@@ -6840,852 +8486,6 @@
 </p:sld>
 </file>
 
-<file path=ppt/slides/slide12.xml><?xml version="1.0" encoding="utf-8"?>
-<p:sld xmlns:a="http://schemas.openxmlformats.org/drawingml/2006/main" xmlns:r="http://schemas.openxmlformats.org/officeDocument/2006/relationships" xmlns:p="http://schemas.openxmlformats.org/presentationml/2006/main">
-  <p:cSld>
-    <p:spTree>
-      <p:nvGrpSpPr>
-        <p:cNvPr id="1" name=""/>
-        <p:cNvGrpSpPr/>
-        <p:nvPr/>
-      </p:nvGrpSpPr>
-      <p:grpSpPr>
-        <a:xfrm>
-          <a:off x="0" y="0"/>
-          <a:ext cx="0" cy="0"/>
-          <a:chOff x="0" y="0"/>
-          <a:chExt cx="0" cy="0"/>
-        </a:xfrm>
-      </p:grpSpPr>
-      <p:sp>
-        <p:nvSpPr>
-          <p:cNvPr id="4" name="TextBox 3"/>
-          <p:cNvSpPr txBox="1"/>
-          <p:nvPr/>
-        </p:nvSpPr>
-        <p:spPr>
-          <a:xfrm>
-            <a:off x="222584" y="174458"/>
-            <a:ext cx="6647447" cy="523220"/>
-          </a:xfrm>
-          <a:prstGeom prst="rect">
-            <a:avLst/>
-          </a:prstGeom>
-          <a:noFill/>
-        </p:spPr>
-        <p:txBody>
-          <a:bodyPr wrap="square" rtlCol="0">
-            <a:spAutoFit/>
-          </a:bodyPr>
-          <a:lstStyle/>
-          <a:p>
-            <a:r>
-              <a:rPr lang="en-US" sz="2800" dirty="0" smtClean="0"/>
-              <a:t>Help Subsystem</a:t>
-            </a:r>
-            <a:endParaRPr lang="ru-RU" sz="2800" dirty="0"/>
-          </a:p>
-        </p:txBody>
-      </p:sp>
-      <p:sp>
-        <p:nvSpPr>
-          <p:cNvPr id="5" name="Rectangle 4"/>
-          <p:cNvSpPr/>
-          <p:nvPr/>
-        </p:nvSpPr>
-        <p:spPr>
-          <a:xfrm>
-            <a:off x="385010" y="866274"/>
-            <a:ext cx="2160297" cy="1501613"/>
-          </a:xfrm>
-          <a:prstGeom prst="rect">
-            <a:avLst/>
-          </a:prstGeom>
-          <a:noFill/>
-        </p:spPr>
-        <p:style>
-          <a:lnRef idx="2">
-            <a:schemeClr val="accent1">
-              <a:shade val="50000"/>
-            </a:schemeClr>
-          </a:lnRef>
-          <a:fillRef idx="1">
-            <a:schemeClr val="accent1"/>
-          </a:fillRef>
-          <a:effectRef idx="0">
-            <a:schemeClr val="accent1"/>
-          </a:effectRef>
-          <a:fontRef idx="minor">
-            <a:schemeClr val="lt1"/>
-          </a:fontRef>
-        </p:style>
-        <p:txBody>
-          <a:bodyPr rtlCol="0" anchor="ctr"/>
-          <a:lstStyle/>
-          <a:p>
-            <a:pPr algn="ctr"/>
-            <a:endParaRPr lang="ru-RU"/>
-          </a:p>
-        </p:txBody>
-      </p:sp>
-      <p:sp>
-        <p:nvSpPr>
-          <p:cNvPr id="6" name="TextBox 5"/>
-          <p:cNvSpPr txBox="1"/>
-          <p:nvPr/>
-        </p:nvSpPr>
-        <p:spPr>
-          <a:xfrm>
-            <a:off x="385010" y="866274"/>
-            <a:ext cx="1944806" cy="369332"/>
-          </a:xfrm>
-          <a:prstGeom prst="rect">
-            <a:avLst/>
-          </a:prstGeom>
-          <a:noFill/>
-        </p:spPr>
-        <p:txBody>
-          <a:bodyPr wrap="square" rtlCol="0">
-            <a:spAutoFit/>
-          </a:bodyPr>
-          <a:lstStyle/>
-          <a:p>
-            <a:r>
-              <a:rPr lang="en-US" dirty="0" smtClean="0"/>
-              <a:t>Help Section</a:t>
-            </a:r>
-            <a:endParaRPr lang="ru-RU" dirty="0"/>
-          </a:p>
-        </p:txBody>
-      </p:sp>
-      <p:sp>
-        <p:nvSpPr>
-          <p:cNvPr id="7" name="TextBox 6"/>
-          <p:cNvSpPr txBox="1"/>
-          <p:nvPr/>
-        </p:nvSpPr>
-        <p:spPr>
-          <a:xfrm>
-            <a:off x="566382" y="1344304"/>
-            <a:ext cx="2129051" cy="923330"/>
-          </a:xfrm>
-          <a:prstGeom prst="rect">
-            <a:avLst/>
-          </a:prstGeom>
-          <a:noFill/>
-        </p:spPr>
-        <p:txBody>
-          <a:bodyPr wrap="square" rtlCol="0">
-            <a:spAutoFit/>
-          </a:bodyPr>
-          <a:lstStyle/>
-          <a:p>
-            <a:pPr marL="285750" indent="-285750">
-              <a:buFont typeface="Arial" panose="020B0604020202020204" pitchFamily="34" charset="0"/>
-              <a:buChar char="•"/>
-            </a:pPr>
-            <a:r>
-              <a:rPr lang="en-US" dirty="0" smtClean="0"/>
-              <a:t>Id</a:t>
-            </a:r>
-          </a:p>
-          <a:p>
-            <a:pPr marL="285750" indent="-285750">
-              <a:buFont typeface="Arial" panose="020B0604020202020204" pitchFamily="34" charset="0"/>
-              <a:buChar char="•"/>
-            </a:pPr>
-            <a:r>
-              <a:rPr lang="en-US" dirty="0" smtClean="0"/>
-              <a:t>Name</a:t>
-            </a:r>
-          </a:p>
-          <a:p>
-            <a:pPr marL="285750" indent="-285750">
-              <a:buFont typeface="Arial" panose="020B0604020202020204" pitchFamily="34" charset="0"/>
-              <a:buChar char="•"/>
-            </a:pPr>
-            <a:r>
-              <a:rPr lang="en-US" dirty="0" smtClean="0"/>
-              <a:t>Parent Section</a:t>
-            </a:r>
-            <a:endParaRPr lang="ru-RU" dirty="0"/>
-          </a:p>
-        </p:txBody>
-      </p:sp>
-      <p:sp>
-        <p:nvSpPr>
-          <p:cNvPr id="8" name="Rectangle 7"/>
-          <p:cNvSpPr/>
-          <p:nvPr/>
-        </p:nvSpPr>
-        <p:spPr>
-          <a:xfrm>
-            <a:off x="3227696" y="866274"/>
-            <a:ext cx="1705970" cy="1788216"/>
-          </a:xfrm>
-          <a:prstGeom prst="rect">
-            <a:avLst/>
-          </a:prstGeom>
-          <a:noFill/>
-        </p:spPr>
-        <p:style>
-          <a:lnRef idx="2">
-            <a:schemeClr val="accent1">
-              <a:shade val="50000"/>
-            </a:schemeClr>
-          </a:lnRef>
-          <a:fillRef idx="1">
-            <a:schemeClr val="accent1"/>
-          </a:fillRef>
-          <a:effectRef idx="0">
-            <a:schemeClr val="accent1"/>
-          </a:effectRef>
-          <a:fontRef idx="minor">
-            <a:schemeClr val="lt1"/>
-          </a:fontRef>
-        </p:style>
-        <p:txBody>
-          <a:bodyPr rtlCol="0" anchor="ctr"/>
-          <a:lstStyle/>
-          <a:p>
-            <a:pPr algn="ctr"/>
-            <a:endParaRPr lang="ru-RU"/>
-          </a:p>
-        </p:txBody>
-      </p:sp>
-      <p:sp>
-        <p:nvSpPr>
-          <p:cNvPr id="9" name="TextBox 8"/>
-          <p:cNvSpPr txBox="1"/>
-          <p:nvPr/>
-        </p:nvSpPr>
-        <p:spPr>
-          <a:xfrm>
-            <a:off x="3295935" y="866274"/>
-            <a:ext cx="2470244" cy="369332"/>
-          </a:xfrm>
-          <a:prstGeom prst="rect">
-            <a:avLst/>
-          </a:prstGeom>
-          <a:noFill/>
-        </p:spPr>
-        <p:txBody>
-          <a:bodyPr wrap="square" rtlCol="0">
-            <a:spAutoFit/>
-          </a:bodyPr>
-          <a:lstStyle/>
-          <a:p>
-            <a:r>
-              <a:rPr lang="en-US" dirty="0" smtClean="0"/>
-              <a:t>Help Topic</a:t>
-            </a:r>
-            <a:endParaRPr lang="ru-RU" dirty="0"/>
-          </a:p>
-        </p:txBody>
-      </p:sp>
-      <p:sp>
-        <p:nvSpPr>
-          <p:cNvPr id="10" name="TextBox 9"/>
-          <p:cNvSpPr txBox="1"/>
-          <p:nvPr/>
-        </p:nvSpPr>
-        <p:spPr>
-          <a:xfrm>
-            <a:off x="3377822" y="1344304"/>
-            <a:ext cx="1453485" cy="1200329"/>
-          </a:xfrm>
-          <a:prstGeom prst="rect">
-            <a:avLst/>
-          </a:prstGeom>
-          <a:noFill/>
-        </p:spPr>
-        <p:txBody>
-          <a:bodyPr wrap="square" rtlCol="0">
-            <a:spAutoFit/>
-          </a:bodyPr>
-          <a:lstStyle/>
-          <a:p>
-            <a:pPr marL="285750" indent="-285750">
-              <a:buFont typeface="Arial" panose="020B0604020202020204" pitchFamily="34" charset="0"/>
-              <a:buChar char="•"/>
-            </a:pPr>
-            <a:r>
-              <a:rPr lang="en-US" dirty="0" smtClean="0"/>
-              <a:t>Id</a:t>
-            </a:r>
-          </a:p>
-          <a:p>
-            <a:pPr marL="285750" indent="-285750">
-              <a:buFont typeface="Arial" panose="020B0604020202020204" pitchFamily="34" charset="0"/>
-              <a:buChar char="•"/>
-            </a:pPr>
-            <a:r>
-              <a:rPr lang="en-US" dirty="0" smtClean="0"/>
-              <a:t>Name</a:t>
-            </a:r>
-          </a:p>
-          <a:p>
-            <a:pPr marL="285750" indent="-285750">
-              <a:buFont typeface="Arial" panose="020B0604020202020204" pitchFamily="34" charset="0"/>
-              <a:buChar char="•"/>
-            </a:pPr>
-            <a:r>
-              <a:rPr lang="en-US" dirty="0" smtClean="0"/>
-              <a:t>Section</a:t>
-            </a:r>
-          </a:p>
-          <a:p>
-            <a:pPr marL="285750" indent="-285750">
-              <a:buFont typeface="Arial" panose="020B0604020202020204" pitchFamily="34" charset="0"/>
-              <a:buChar char="•"/>
-            </a:pPr>
-            <a:r>
-              <a:rPr lang="en-US" dirty="0" err="1" smtClean="0"/>
-              <a:t>OrdinalNo</a:t>
-            </a:r>
-            <a:endParaRPr lang="en-US" dirty="0" smtClean="0"/>
-          </a:p>
-        </p:txBody>
-      </p:sp>
-      <p:cxnSp>
-        <p:nvCxnSpPr>
-          <p:cNvPr id="14" name="Elbow Connector 13"/>
-          <p:cNvCxnSpPr/>
-          <p:nvPr/>
-        </p:nvCxnSpPr>
-        <p:spPr>
-          <a:xfrm rot="10800000">
-            <a:off x="2545308" y="1542197"/>
-            <a:ext cx="682389" cy="516256"/>
-          </a:xfrm>
-          <a:prstGeom prst="bentConnector3">
-            <a:avLst>
-              <a:gd name="adj1" fmla="val 50000"/>
-            </a:avLst>
-          </a:prstGeom>
-          <a:ln>
-            <a:tailEnd type="triangle"/>
-          </a:ln>
-        </p:spPr>
-        <p:style>
-          <a:lnRef idx="1">
-            <a:schemeClr val="accent1"/>
-          </a:lnRef>
-          <a:fillRef idx="0">
-            <a:schemeClr val="accent1"/>
-          </a:fillRef>
-          <a:effectRef idx="0">
-            <a:schemeClr val="accent1"/>
-          </a:effectRef>
-          <a:fontRef idx="minor">
-            <a:schemeClr val="tx1"/>
-          </a:fontRef>
-        </p:style>
-      </p:cxnSp>
-      <p:sp>
-        <p:nvSpPr>
-          <p:cNvPr id="2" name="Rectangle 1"/>
-          <p:cNvSpPr/>
-          <p:nvPr/>
-        </p:nvSpPr>
-        <p:spPr>
-          <a:xfrm>
-            <a:off x="5616055" y="866274"/>
-            <a:ext cx="2117558" cy="1788216"/>
-          </a:xfrm>
-          <a:prstGeom prst="rect">
-            <a:avLst/>
-          </a:prstGeom>
-          <a:noFill/>
-        </p:spPr>
-        <p:style>
-          <a:lnRef idx="2">
-            <a:schemeClr val="accent1">
-              <a:shade val="50000"/>
-            </a:schemeClr>
-          </a:lnRef>
-          <a:fillRef idx="1">
-            <a:schemeClr val="accent1"/>
-          </a:fillRef>
-          <a:effectRef idx="0">
-            <a:schemeClr val="accent1"/>
-          </a:effectRef>
-          <a:fontRef idx="minor">
-            <a:schemeClr val="lt1"/>
-          </a:fontRef>
-        </p:style>
-        <p:txBody>
-          <a:bodyPr rtlCol="0" anchor="ctr"/>
-          <a:lstStyle/>
-          <a:p>
-            <a:pPr algn="ctr"/>
-            <a:endParaRPr lang="ru-RU"/>
-          </a:p>
-        </p:txBody>
-      </p:sp>
-      <p:sp>
-        <p:nvSpPr>
-          <p:cNvPr id="3" name="TextBox 2"/>
-          <p:cNvSpPr txBox="1"/>
-          <p:nvPr/>
-        </p:nvSpPr>
-        <p:spPr>
-          <a:xfrm>
-            <a:off x="5780905" y="939335"/>
-            <a:ext cx="1787857" cy="369332"/>
-          </a:xfrm>
-          <a:prstGeom prst="rect">
-            <a:avLst/>
-          </a:prstGeom>
-          <a:noFill/>
-        </p:spPr>
-        <p:txBody>
-          <a:bodyPr wrap="square" rtlCol="0">
-            <a:spAutoFit/>
-          </a:bodyPr>
-          <a:lstStyle/>
-          <a:p>
-            <a:r>
-              <a:rPr lang="en-US" dirty="0" smtClean="0"/>
-              <a:t>Topic Paragraph</a:t>
-            </a:r>
-            <a:endParaRPr lang="ru-RU" dirty="0"/>
-          </a:p>
-        </p:txBody>
-      </p:sp>
-      <p:sp>
-        <p:nvSpPr>
-          <p:cNvPr id="12" name="TextBox 11"/>
-          <p:cNvSpPr txBox="1"/>
-          <p:nvPr/>
-        </p:nvSpPr>
-        <p:spPr>
-          <a:xfrm>
-            <a:off x="5875362" y="1323752"/>
-            <a:ext cx="1248769" cy="1200329"/>
-          </a:xfrm>
-          <a:prstGeom prst="rect">
-            <a:avLst/>
-          </a:prstGeom>
-          <a:noFill/>
-        </p:spPr>
-        <p:txBody>
-          <a:bodyPr wrap="square" rtlCol="0">
-            <a:spAutoFit/>
-          </a:bodyPr>
-          <a:lstStyle/>
-          <a:p>
-            <a:pPr marL="285750" indent="-285750">
-              <a:buFont typeface="Arial" panose="020B0604020202020204" pitchFamily="34" charset="0"/>
-              <a:buChar char="•"/>
-            </a:pPr>
-            <a:r>
-              <a:rPr lang="en-US" dirty="0" smtClean="0"/>
-              <a:t>Id</a:t>
-            </a:r>
-          </a:p>
-          <a:p>
-            <a:pPr marL="285750" indent="-285750">
-              <a:buFont typeface="Arial" panose="020B0604020202020204" pitchFamily="34" charset="0"/>
-              <a:buChar char="•"/>
-            </a:pPr>
-            <a:r>
-              <a:rPr lang="en-US" dirty="0" smtClean="0"/>
-              <a:t>Name</a:t>
-            </a:r>
-          </a:p>
-          <a:p>
-            <a:pPr marL="285750" indent="-285750">
-              <a:buFont typeface="Arial" panose="020B0604020202020204" pitchFamily="34" charset="0"/>
-              <a:buChar char="•"/>
-            </a:pPr>
-            <a:r>
-              <a:rPr lang="en-US" dirty="0" smtClean="0"/>
-              <a:t>Topic</a:t>
-            </a:r>
-          </a:p>
-          <a:p>
-            <a:pPr marL="285750" indent="-285750">
-              <a:buFont typeface="Arial" panose="020B0604020202020204" pitchFamily="34" charset="0"/>
-              <a:buChar char="•"/>
-            </a:pPr>
-            <a:r>
-              <a:rPr lang="en-US" dirty="0" smtClean="0"/>
-              <a:t>Content</a:t>
-            </a:r>
-          </a:p>
-        </p:txBody>
-      </p:sp>
-      <p:cxnSp>
-        <p:nvCxnSpPr>
-          <p:cNvPr id="13" name="Elbow Connector 12"/>
-          <p:cNvCxnSpPr/>
-          <p:nvPr/>
-        </p:nvCxnSpPr>
-        <p:spPr>
-          <a:xfrm rot="10800000">
-            <a:off x="4935945" y="1530821"/>
-            <a:ext cx="682389" cy="516256"/>
-          </a:xfrm>
-          <a:prstGeom prst="bentConnector3">
-            <a:avLst>
-              <a:gd name="adj1" fmla="val 50000"/>
-            </a:avLst>
-          </a:prstGeom>
-          <a:ln>
-            <a:tailEnd type="triangle"/>
-          </a:ln>
-        </p:spPr>
-        <p:style>
-          <a:lnRef idx="1">
-            <a:schemeClr val="accent1"/>
-          </a:lnRef>
-          <a:fillRef idx="0">
-            <a:schemeClr val="accent1"/>
-          </a:fillRef>
-          <a:effectRef idx="0">
-            <a:schemeClr val="accent1"/>
-          </a:effectRef>
-          <a:fontRef idx="minor">
-            <a:schemeClr val="tx1"/>
-          </a:fontRef>
-        </p:style>
-      </p:cxnSp>
-    </p:spTree>
-    <p:extLst>
-      <p:ext uri="{BB962C8B-B14F-4D97-AF65-F5344CB8AC3E}">
-        <p14:creationId xmlns:p14="http://schemas.microsoft.com/office/powerpoint/2010/main" val="1228147777"/>
-      </p:ext>
-    </p:extLst>
-  </p:cSld>
-  <p:clrMapOvr>
-    <a:masterClrMapping/>
-  </p:clrMapOvr>
-</p:sld>
-</file>
-
-<file path=ppt/slides/slide13.xml><?xml version="1.0" encoding="utf-8"?>
-<p:sld xmlns:a="http://schemas.openxmlformats.org/drawingml/2006/main" xmlns:r="http://schemas.openxmlformats.org/officeDocument/2006/relationships" xmlns:p="http://schemas.openxmlformats.org/presentationml/2006/main">
-  <p:cSld>
-    <p:spTree>
-      <p:nvGrpSpPr>
-        <p:cNvPr id="1" name=""/>
-        <p:cNvGrpSpPr/>
-        <p:nvPr/>
-      </p:nvGrpSpPr>
-      <p:grpSpPr>
-        <a:xfrm>
-          <a:off x="0" y="0"/>
-          <a:ext cx="0" cy="0"/>
-          <a:chOff x="0" y="0"/>
-          <a:chExt cx="0" cy="0"/>
-        </a:xfrm>
-      </p:grpSpPr>
-      <p:sp>
-        <p:nvSpPr>
-          <p:cNvPr id="2" name="Title 1"/>
-          <p:cNvSpPr>
-            <a:spLocks noGrp="1"/>
-          </p:cNvSpPr>
-          <p:nvPr>
-            <p:ph type="title"/>
-          </p:nvPr>
-        </p:nvSpPr>
-        <p:spPr>
-          <a:xfrm>
-            <a:off x="374984" y="0"/>
-            <a:ext cx="10515600" cy="1325563"/>
-          </a:xfrm>
-        </p:spPr>
-        <p:txBody>
-          <a:bodyPr/>
-          <a:lstStyle/>
-          <a:p>
-            <a:r>
-              <a:rPr lang="en-US" dirty="0" smtClean="0"/>
-              <a:t>Help – Getting Started</a:t>
-            </a:r>
-            <a:endParaRPr lang="ru-RU" dirty="0"/>
-          </a:p>
-        </p:txBody>
-      </p:sp>
-      <p:sp>
-        <p:nvSpPr>
-          <p:cNvPr id="4" name="Rectangle 3"/>
-          <p:cNvSpPr/>
-          <p:nvPr/>
-        </p:nvSpPr>
-        <p:spPr>
-          <a:xfrm>
-            <a:off x="306805" y="1052763"/>
-            <a:ext cx="2497810" cy="5654842"/>
-          </a:xfrm>
-          <a:prstGeom prst="rect">
-            <a:avLst/>
-          </a:prstGeom>
-          <a:noFill/>
-        </p:spPr>
-        <p:style>
-          <a:lnRef idx="2">
-            <a:schemeClr val="accent1">
-              <a:shade val="50000"/>
-            </a:schemeClr>
-          </a:lnRef>
-          <a:fillRef idx="1">
-            <a:schemeClr val="accent1"/>
-          </a:fillRef>
-          <a:effectRef idx="0">
-            <a:schemeClr val="accent1"/>
-          </a:effectRef>
-          <a:fontRef idx="minor">
-            <a:schemeClr val="lt1"/>
-          </a:fontRef>
-        </p:style>
-        <p:txBody>
-          <a:bodyPr rtlCol="0" anchor="ctr"/>
-          <a:lstStyle/>
-          <a:p>
-            <a:pPr algn="ctr"/>
-            <a:endParaRPr lang="ru-RU"/>
-          </a:p>
-        </p:txBody>
-      </p:sp>
-      <p:sp>
-        <p:nvSpPr>
-          <p:cNvPr id="5" name="TextBox 4"/>
-          <p:cNvSpPr txBox="1"/>
-          <p:nvPr/>
-        </p:nvSpPr>
-        <p:spPr>
-          <a:xfrm>
-            <a:off x="374984" y="1189085"/>
-            <a:ext cx="2313296" cy="369332"/>
-          </a:xfrm>
-          <a:prstGeom prst="rect">
-            <a:avLst/>
-          </a:prstGeom>
-          <a:noFill/>
-        </p:spPr>
-        <p:txBody>
-          <a:bodyPr wrap="square" rtlCol="0">
-            <a:spAutoFit/>
-          </a:bodyPr>
-          <a:lstStyle/>
-          <a:p>
-            <a:r>
-              <a:rPr lang="en-US" dirty="0" smtClean="0"/>
-              <a:t>General</a:t>
-            </a:r>
-            <a:endParaRPr lang="ru-RU" dirty="0"/>
-          </a:p>
-        </p:txBody>
-      </p:sp>
-      <p:sp>
-        <p:nvSpPr>
-          <p:cNvPr id="6" name="TextBox 5"/>
-          <p:cNvSpPr txBox="1"/>
-          <p:nvPr/>
-        </p:nvSpPr>
-        <p:spPr>
-          <a:xfrm>
-            <a:off x="729766" y="1554010"/>
-            <a:ext cx="2026693" cy="1200329"/>
-          </a:xfrm>
-          <a:prstGeom prst="rect">
-            <a:avLst/>
-          </a:prstGeom>
-          <a:noFill/>
-        </p:spPr>
-        <p:txBody>
-          <a:bodyPr wrap="square" rtlCol="0">
-            <a:spAutoFit/>
-          </a:bodyPr>
-          <a:lstStyle/>
-          <a:p>
-            <a:r>
-              <a:rPr lang="en-US" b="1" dirty="0" smtClean="0"/>
-              <a:t>Getting started</a:t>
-            </a:r>
-          </a:p>
-          <a:p>
-            <a:r>
-              <a:rPr lang="en-US" dirty="0" smtClean="0"/>
-              <a:t>Dashboard</a:t>
-            </a:r>
-          </a:p>
-          <a:p>
-            <a:r>
-              <a:rPr lang="en-US" dirty="0" smtClean="0"/>
-              <a:t>Create site</a:t>
-            </a:r>
-          </a:p>
-          <a:p>
-            <a:r>
-              <a:rPr lang="en-US" dirty="0" smtClean="0"/>
-              <a:t>Site management</a:t>
-            </a:r>
-            <a:endParaRPr lang="ru-RU" dirty="0"/>
-          </a:p>
-        </p:txBody>
-      </p:sp>
-      <p:sp>
-        <p:nvSpPr>
-          <p:cNvPr id="7" name="Rectangle 6"/>
-          <p:cNvSpPr/>
-          <p:nvPr/>
-        </p:nvSpPr>
-        <p:spPr>
-          <a:xfrm>
-            <a:off x="2954740" y="1052763"/>
-            <a:ext cx="9096233" cy="5654842"/>
-          </a:xfrm>
-          <a:prstGeom prst="rect">
-            <a:avLst/>
-          </a:prstGeom>
-          <a:noFill/>
-        </p:spPr>
-        <p:style>
-          <a:lnRef idx="2">
-            <a:schemeClr val="accent1">
-              <a:shade val="50000"/>
-            </a:schemeClr>
-          </a:lnRef>
-          <a:fillRef idx="1">
-            <a:schemeClr val="accent1"/>
-          </a:fillRef>
-          <a:effectRef idx="0">
-            <a:schemeClr val="accent1"/>
-          </a:effectRef>
-          <a:fontRef idx="minor">
-            <a:schemeClr val="lt1"/>
-          </a:fontRef>
-        </p:style>
-        <p:txBody>
-          <a:bodyPr rtlCol="0" anchor="ctr"/>
-          <a:lstStyle/>
-          <a:p>
-            <a:pPr algn="ctr"/>
-            <a:endParaRPr lang="ru-RU"/>
-          </a:p>
-        </p:txBody>
-      </p:sp>
-      <p:sp>
-        <p:nvSpPr>
-          <p:cNvPr id="8" name="TextBox 7"/>
-          <p:cNvSpPr txBox="1"/>
-          <p:nvPr/>
-        </p:nvSpPr>
-        <p:spPr>
-          <a:xfrm>
-            <a:off x="3043062" y="1189085"/>
-            <a:ext cx="8598090" cy="3693319"/>
-          </a:xfrm>
-          <a:prstGeom prst="rect">
-            <a:avLst/>
-          </a:prstGeom>
-          <a:noFill/>
-        </p:spPr>
-        <p:txBody>
-          <a:bodyPr wrap="square" rtlCol="0">
-            <a:spAutoFit/>
-          </a:bodyPr>
-          <a:lstStyle/>
-          <a:p>
-            <a:r>
-              <a:rPr lang="en-US" b="1" dirty="0" smtClean="0"/>
-              <a:t>AVS </a:t>
-            </a:r>
-            <a:r>
-              <a:rPr lang="en-US" b="1" dirty="0" err="1" smtClean="0"/>
-              <a:t>StaticSite</a:t>
-            </a:r>
-            <a:r>
-              <a:rPr lang="en-US" b="1" dirty="0" smtClean="0"/>
-              <a:t> Hosting</a:t>
-            </a:r>
-            <a:r>
-              <a:rPr lang="en-US" dirty="0" smtClean="0"/>
-              <a:t> allows a user to host simple static site and manage it. The user can turn site on or off, upload different types of content, remove some content, or delete site at all. </a:t>
-            </a:r>
-            <a:endParaRPr lang="ru-RU" dirty="0" smtClean="0"/>
-          </a:p>
-          <a:p>
-            <a:endParaRPr lang="en-US" dirty="0" smtClean="0"/>
-          </a:p>
-          <a:p>
-            <a:r>
-              <a:rPr lang="en-US" dirty="0" smtClean="0"/>
-              <a:t>Currently the project consists of 2 different modules – specific static site middleware and dashboard UI with REST API.</a:t>
-            </a:r>
-          </a:p>
-          <a:p>
-            <a:endParaRPr lang="en-US" dirty="0" smtClean="0"/>
-          </a:p>
-          <a:p>
-            <a:r>
-              <a:rPr lang="en-US" dirty="0" smtClean="0"/>
-              <a:t>All you need is to choose your site name &amp; upload site content (*.html, *.</a:t>
-            </a:r>
-            <a:r>
-              <a:rPr lang="en-US" dirty="0" err="1" smtClean="0"/>
-              <a:t>js</a:t>
-            </a:r>
-            <a:r>
-              <a:rPr lang="en-US" dirty="0" smtClean="0"/>
-              <a:t>. *.</a:t>
-            </a:r>
-            <a:r>
-              <a:rPr lang="en-US" dirty="0" err="1" smtClean="0"/>
-              <a:t>css</a:t>
-            </a:r>
-            <a:r>
-              <a:rPr lang="en-US" dirty="0" smtClean="0"/>
-              <a:t>).  You also may choose the landing page for your site. After it your site will be able on the route</a:t>
-            </a:r>
-          </a:p>
-          <a:p>
-            <a:r>
-              <a:rPr lang="en-US" b="1" dirty="0" smtClean="0"/>
-              <a:t>http://{Your site name}/{landing page}</a:t>
-            </a:r>
-            <a:r>
-              <a:rPr lang="en-US" dirty="0" smtClean="0"/>
-              <a:t>.</a:t>
-            </a:r>
-          </a:p>
-          <a:p>
-            <a:endParaRPr lang="en-US" dirty="0" smtClean="0"/>
-          </a:p>
-          <a:p>
-            <a:r>
-              <a:rPr lang="en-US" dirty="0" smtClean="0"/>
-              <a:t>To host your sites, the account registration is required. After registration you have a possibility to view your sites and manage them using our </a:t>
-            </a:r>
-            <a:r>
-              <a:rPr lang="en-US" b="1" dirty="0" smtClean="0"/>
-              <a:t>Dashboard</a:t>
-            </a:r>
-            <a:r>
-              <a:rPr lang="en-US" dirty="0" smtClean="0"/>
-              <a:t>. </a:t>
-            </a:r>
-            <a:endParaRPr lang="ru-RU" dirty="0"/>
-          </a:p>
-        </p:txBody>
-      </p:sp>
-    </p:spTree>
-    <p:extLst>
-      <p:ext uri="{BB962C8B-B14F-4D97-AF65-F5344CB8AC3E}">
-        <p14:creationId xmlns:p14="http://schemas.microsoft.com/office/powerpoint/2010/main" val="1927936537"/>
-      </p:ext>
-    </p:extLst>
-  </p:cSld>
-  <p:clrMapOvr>
-    <a:masterClrMapping/>
-  </p:clrMapOvr>
-</p:sld>
-</file>
-
 <file path=ppt/slides/slide14.xml><?xml version="1.0" encoding="utf-8"?>
 <p:sld xmlns:a="http://schemas.openxmlformats.org/drawingml/2006/main" xmlns:r="http://schemas.openxmlformats.org/officeDocument/2006/relationships" xmlns:p="http://schemas.openxmlformats.org/presentationml/2006/main">
   <p:cSld>
@@ -7705,42 +8505,44 @@
       </p:grpSpPr>
       <p:sp>
         <p:nvSpPr>
-          <p:cNvPr id="2" name="Title 1"/>
-          <p:cNvSpPr>
-            <a:spLocks noGrp="1"/>
-          </p:cNvSpPr>
-          <p:nvPr>
-            <p:ph type="title"/>
-          </p:nvPr>
-        </p:nvSpPr>
-        <p:spPr>
-          <a:xfrm>
-            <a:off x="374984" y="0"/>
-            <a:ext cx="10515600" cy="1325563"/>
-          </a:xfrm>
-        </p:spPr>
-        <p:txBody>
-          <a:bodyPr/>
-          <a:lstStyle/>
-          <a:p>
-            <a:r>
-              <a:rPr lang="en-US" dirty="0" smtClean="0"/>
-              <a:t>Help – Dashboard</a:t>
-            </a:r>
-            <a:endParaRPr lang="ru-RU" dirty="0"/>
-          </a:p>
-        </p:txBody>
-      </p:sp>
-      <p:sp>
-        <p:nvSpPr>
-          <p:cNvPr id="4" name="Rectangle 3"/>
+          <p:cNvPr id="4" name="TextBox 3"/>
+          <p:cNvSpPr txBox="1"/>
+          <p:nvPr/>
+        </p:nvSpPr>
+        <p:spPr>
+          <a:xfrm>
+            <a:off x="222584" y="174458"/>
+            <a:ext cx="6647447" cy="523220"/>
+          </a:xfrm>
+          <a:prstGeom prst="rect">
+            <a:avLst/>
+          </a:prstGeom>
+          <a:noFill/>
+        </p:spPr>
+        <p:txBody>
+          <a:bodyPr wrap="square" rtlCol="0">
+            <a:spAutoFit/>
+          </a:bodyPr>
+          <a:lstStyle/>
+          <a:p>
+            <a:r>
+              <a:rPr lang="en-US" sz="2800" dirty="0" smtClean="0"/>
+              <a:t>Help Subsystem</a:t>
+            </a:r>
+            <a:endParaRPr lang="ru-RU" sz="2800" dirty="0"/>
+          </a:p>
+        </p:txBody>
+      </p:sp>
+      <p:sp>
+        <p:nvSpPr>
+          <p:cNvPr id="5" name="Rectangle 4"/>
           <p:cNvSpPr/>
           <p:nvPr/>
         </p:nvSpPr>
         <p:spPr>
           <a:xfrm>
-            <a:off x="306805" y="1052763"/>
-            <a:ext cx="2497810" cy="5654842"/>
+            <a:off x="385010" y="866274"/>
+            <a:ext cx="2160297" cy="1501613"/>
           </a:xfrm>
           <a:prstGeom prst="rect">
             <a:avLst/>
@@ -7774,14 +8576,14 @@
       </p:sp>
       <p:sp>
         <p:nvSpPr>
-          <p:cNvPr id="5" name="TextBox 4"/>
+          <p:cNvPr id="6" name="TextBox 5"/>
           <p:cNvSpPr txBox="1"/>
           <p:nvPr/>
         </p:nvSpPr>
         <p:spPr>
           <a:xfrm>
-            <a:off x="374984" y="1189085"/>
-            <a:ext cx="2313296" cy="369332"/>
+            <a:off x="385010" y="866274"/>
+            <a:ext cx="1944806" cy="369332"/>
           </a:xfrm>
           <a:prstGeom prst="rect">
             <a:avLst/>
@@ -7796,7 +8598,7 @@
           <a:p>
             <a:r>
               <a:rPr lang="en-US" dirty="0" smtClean="0"/>
-              <a:t>General</a:t>
+              <a:t>Help Section</a:t>
             </a:r>
             <a:endParaRPr lang="ru-RU" dirty="0"/>
           </a:p>
@@ -7804,14 +8606,14 @@
       </p:sp>
       <p:sp>
         <p:nvSpPr>
-          <p:cNvPr id="6" name="TextBox 5"/>
+          <p:cNvPr id="7" name="TextBox 6"/>
           <p:cNvSpPr txBox="1"/>
           <p:nvPr/>
         </p:nvSpPr>
         <p:spPr>
           <a:xfrm>
-            <a:off x="729766" y="1554010"/>
-            <a:ext cx="2026693" cy="1200329"/>
+            <a:off x="566382" y="1344304"/>
+            <a:ext cx="2129051" cy="923330"/>
           </a:xfrm>
           <a:prstGeom prst="rect">
             <a:avLst/>
@@ -7824,27 +8626,33 @@
           </a:bodyPr>
           <a:lstStyle/>
           <a:p>
-            <a:r>
-              <a:rPr lang="en-US" dirty="0" smtClean="0"/>
-              <a:t>Getting started</a:t>
-            </a:r>
-          </a:p>
-          <a:p>
-            <a:r>
-              <a:rPr lang="en-US" b="1" dirty="0" smtClean="0"/>
-              <a:t>Dashboard</a:t>
-            </a:r>
-          </a:p>
-          <a:p>
-            <a:r>
-              <a:rPr lang="en-US" dirty="0" smtClean="0"/>
-              <a:t>Create site</a:t>
-            </a:r>
-          </a:p>
-          <a:p>
-            <a:r>
-              <a:rPr lang="en-US" dirty="0" smtClean="0"/>
-              <a:t>Site management</a:t>
+            <a:pPr marL="285750" indent="-285750">
+              <a:buFont typeface="Arial" panose="020B0604020202020204" pitchFamily="34" charset="0"/>
+              <a:buChar char="•"/>
+            </a:pPr>
+            <a:r>
+              <a:rPr lang="en-US" dirty="0" smtClean="0"/>
+              <a:t>Id</a:t>
+            </a:r>
+          </a:p>
+          <a:p>
+            <a:pPr marL="285750" indent="-285750">
+              <a:buFont typeface="Arial" panose="020B0604020202020204" pitchFamily="34" charset="0"/>
+              <a:buChar char="•"/>
+            </a:pPr>
+            <a:r>
+              <a:rPr lang="en-US" dirty="0" smtClean="0"/>
+              <a:t>Name</a:t>
+            </a:r>
+          </a:p>
+          <a:p>
+            <a:pPr marL="285750" indent="-285750">
+              <a:buFont typeface="Arial" panose="020B0604020202020204" pitchFamily="34" charset="0"/>
+              <a:buChar char="•"/>
+            </a:pPr>
+            <a:r>
+              <a:rPr lang="en-US" dirty="0" smtClean="0"/>
+              <a:t>Parent Section</a:t>
             </a:r>
             <a:endParaRPr lang="ru-RU" dirty="0"/>
           </a:p>
@@ -7852,14 +8660,14 @@
       </p:sp>
       <p:sp>
         <p:nvSpPr>
-          <p:cNvPr id="7" name="Rectangle 6"/>
+          <p:cNvPr id="8" name="Rectangle 7"/>
           <p:cNvSpPr/>
           <p:nvPr/>
         </p:nvSpPr>
         <p:spPr>
           <a:xfrm>
-            <a:off x="2954740" y="1052763"/>
-            <a:ext cx="9096233" cy="5654842"/>
+            <a:off x="3227696" y="866274"/>
+            <a:ext cx="1705970" cy="1788216"/>
           </a:xfrm>
           <a:prstGeom prst="rect">
             <a:avLst/>
@@ -7893,14 +8701,14 @@
       </p:sp>
       <p:sp>
         <p:nvSpPr>
-          <p:cNvPr id="8" name="TextBox 7"/>
+          <p:cNvPr id="9" name="TextBox 8"/>
           <p:cNvSpPr txBox="1"/>
           <p:nvPr/>
         </p:nvSpPr>
         <p:spPr>
           <a:xfrm>
-            <a:off x="3043062" y="1189085"/>
-            <a:ext cx="8598090" cy="3970318"/>
+            <a:off x="3295935" y="866274"/>
+            <a:ext cx="2470244" cy="369332"/>
           </a:xfrm>
           <a:prstGeom prst="rect">
             <a:avLst/>
@@ -7914,171 +8722,285 @@
           <a:lstStyle/>
           <a:p>
             <a:r>
-              <a:rPr lang="en-US" b="1" dirty="0" smtClean="0"/>
-              <a:t>Dashboard</a:t>
-            </a:r>
-            <a:r>
-              <a:rPr lang="en-US" dirty="0" smtClean="0"/>
-              <a:t> page shows all your sites and allows to manage them. Each site must have a name required for site routing, but you can also provide a site description which can be displayed in the dashboard grid. The dashboard also provide additional information about sites including site creation date.  </a:t>
-            </a:r>
-          </a:p>
-          <a:p>
-            <a:endParaRPr lang="en-US" dirty="0"/>
-          </a:p>
-          <a:p>
+              <a:rPr lang="en-US" dirty="0" smtClean="0"/>
+              <a:t>Help Topic</a:t>
+            </a:r>
+            <a:endParaRPr lang="ru-RU" dirty="0"/>
+          </a:p>
+        </p:txBody>
+      </p:sp>
+      <p:sp>
+        <p:nvSpPr>
+          <p:cNvPr id="10" name="TextBox 9"/>
+          <p:cNvSpPr txBox="1"/>
+          <p:nvPr/>
+        </p:nvSpPr>
+        <p:spPr>
+          <a:xfrm>
+            <a:off x="3377822" y="1344304"/>
+            <a:ext cx="1453485" cy="1200329"/>
+          </a:xfrm>
+          <a:prstGeom prst="rect">
+            <a:avLst/>
+          </a:prstGeom>
+          <a:noFill/>
+        </p:spPr>
+        <p:txBody>
+          <a:bodyPr wrap="square" rtlCol="0">
+            <a:spAutoFit/>
+          </a:bodyPr>
+          <a:lstStyle/>
+          <a:p>
+            <a:pPr marL="285750" indent="-285750">
+              <a:buFont typeface="Arial" panose="020B0604020202020204" pitchFamily="34" charset="0"/>
+              <a:buChar char="•"/>
+            </a:pPr>
+            <a:r>
+              <a:rPr lang="en-US" dirty="0" smtClean="0"/>
+              <a:t>Id</a:t>
+            </a:r>
+          </a:p>
+          <a:p>
+            <a:pPr marL="285750" indent="-285750">
+              <a:buFont typeface="Arial" panose="020B0604020202020204" pitchFamily="34" charset="0"/>
+              <a:buChar char="•"/>
+            </a:pPr>
+            <a:r>
+              <a:rPr lang="en-US" dirty="0" smtClean="0"/>
+              <a:t>Name</a:t>
+            </a:r>
+          </a:p>
+          <a:p>
+            <a:pPr marL="285750" indent="-285750">
+              <a:buFont typeface="Arial" panose="020B0604020202020204" pitchFamily="34" charset="0"/>
+              <a:buChar char="•"/>
+            </a:pPr>
+            <a:r>
+              <a:rPr lang="en-US" dirty="0" smtClean="0"/>
+              <a:t>Section</a:t>
+            </a:r>
+          </a:p>
+          <a:p>
+            <a:pPr marL="285750" indent="-285750">
+              <a:buFont typeface="Arial" panose="020B0604020202020204" pitchFamily="34" charset="0"/>
+              <a:buChar char="•"/>
+            </a:pPr>
+            <a:r>
+              <a:rPr lang="en-US" dirty="0" err="1" smtClean="0"/>
+              <a:t>OrdinalNo</a:t>
+            </a:r>
             <a:endParaRPr lang="en-US" dirty="0" smtClean="0"/>
           </a:p>
-          <a:p>
-            <a:endParaRPr lang="en-US" dirty="0" smtClean="0"/>
-          </a:p>
-          <a:p>
-            <a:r>
-              <a:rPr lang="en-US" dirty="0" smtClean="0"/>
-              <a:t>Use </a:t>
-            </a:r>
-            <a:r>
-              <a:rPr lang="en-US" b="1" dirty="0" smtClean="0"/>
-              <a:t>action column</a:t>
-            </a:r>
-            <a:r>
-              <a:rPr lang="en-US" dirty="0" smtClean="0"/>
-              <a:t> buttons to manage the site selected. You can </a:t>
-            </a:r>
-            <a:r>
-              <a:rPr lang="en-US" b="1" dirty="0" smtClean="0"/>
-              <a:t>turn</a:t>
-            </a:r>
-            <a:r>
-              <a:rPr lang="en-US" dirty="0" smtClean="0"/>
-              <a:t> it </a:t>
-            </a:r>
-            <a:r>
-              <a:rPr lang="en-US" b="1" dirty="0" smtClean="0"/>
-              <a:t>on/off</a:t>
-            </a:r>
-            <a:r>
-              <a:rPr lang="en-US" dirty="0" smtClean="0"/>
-              <a:t>, edit (</a:t>
-            </a:r>
-            <a:r>
-              <a:rPr lang="en-US" b="1" dirty="0" smtClean="0"/>
-              <a:t>update</a:t>
-            </a:r>
-            <a:r>
-              <a:rPr lang="en-US" dirty="0" smtClean="0"/>
-              <a:t>), </a:t>
-            </a:r>
-            <a:r>
-              <a:rPr lang="en-US" b="1" dirty="0" smtClean="0"/>
-              <a:t>delete</a:t>
-            </a:r>
-            <a:r>
-              <a:rPr lang="en-US" dirty="0" smtClean="0"/>
-              <a:t> site, or </a:t>
-            </a:r>
-            <a:r>
-              <a:rPr lang="en-US" b="1" dirty="0" smtClean="0"/>
-              <a:t>browse</a:t>
-            </a:r>
-            <a:r>
-              <a:rPr lang="en-US" dirty="0" smtClean="0"/>
-              <a:t> it. If you select </a:t>
-            </a:r>
-            <a:r>
-              <a:rPr lang="en-US" b="1" dirty="0" smtClean="0"/>
-              <a:t>Update</a:t>
-            </a:r>
-            <a:r>
-              <a:rPr lang="en-US" dirty="0" smtClean="0"/>
-              <a:t>, the </a:t>
-            </a:r>
-            <a:r>
-              <a:rPr lang="en-US" b="1" dirty="0" smtClean="0"/>
-              <a:t>Edit Site </a:t>
-            </a:r>
-            <a:r>
-              <a:rPr lang="en-US" dirty="0" smtClean="0"/>
-              <a:t>page will open.</a:t>
-            </a:r>
-          </a:p>
-          <a:p>
-            <a:r>
-              <a:rPr lang="en-US" dirty="0" smtClean="0"/>
-              <a:t>Please note that selecting </a:t>
-            </a:r>
-            <a:r>
-              <a:rPr lang="en-US" b="1" dirty="0" smtClean="0"/>
-              <a:t>Delete</a:t>
-            </a:r>
-            <a:r>
-              <a:rPr lang="en-US" dirty="0" smtClean="0"/>
-              <a:t> and confirming your operation will remove all site data with the site content. Use this option very carefully.</a:t>
-            </a:r>
-          </a:p>
-          <a:p>
-            <a:endParaRPr lang="en-US" dirty="0"/>
-          </a:p>
-          <a:p>
-            <a:r>
-              <a:rPr lang="en-US" dirty="0" smtClean="0"/>
-              <a:t>The link </a:t>
-            </a:r>
-            <a:r>
-              <a:rPr lang="en-US" b="1" dirty="0" smtClean="0"/>
-              <a:t>Browse</a:t>
-            </a:r>
-            <a:r>
-              <a:rPr lang="en-US" dirty="0" smtClean="0"/>
-              <a:t> appears </a:t>
-            </a:r>
-            <a:r>
-              <a:rPr lang="en-US" b="1" dirty="0" smtClean="0"/>
-              <a:t>only</a:t>
-            </a:r>
-            <a:r>
-              <a:rPr lang="en-US" dirty="0" smtClean="0"/>
-              <a:t> if you have provided the landing page for site. You can do it using the </a:t>
-            </a:r>
-            <a:r>
-              <a:rPr lang="en-US" b="1" dirty="0" smtClean="0"/>
-              <a:t>Edit Site</a:t>
-            </a:r>
-            <a:r>
-              <a:rPr lang="en-US" dirty="0" smtClean="0"/>
-              <a:t> page.</a:t>
+        </p:txBody>
+      </p:sp>
+      <p:cxnSp>
+        <p:nvCxnSpPr>
+          <p:cNvPr id="14" name="Elbow Connector 13"/>
+          <p:cNvCxnSpPr/>
+          <p:nvPr/>
+        </p:nvCxnSpPr>
+        <p:spPr>
+          <a:xfrm rot="10800000">
+            <a:off x="2545308" y="1542197"/>
+            <a:ext cx="682389" cy="516256"/>
+          </a:xfrm>
+          <a:prstGeom prst="bentConnector3">
+            <a:avLst>
+              <a:gd name="adj1" fmla="val 50000"/>
+            </a:avLst>
+          </a:prstGeom>
+          <a:ln>
+            <a:tailEnd type="triangle"/>
+          </a:ln>
+        </p:spPr>
+        <p:style>
+          <a:lnRef idx="1">
+            <a:schemeClr val="accent1"/>
+          </a:lnRef>
+          <a:fillRef idx="0">
+            <a:schemeClr val="accent1"/>
+          </a:fillRef>
+          <a:effectRef idx="0">
+            <a:schemeClr val="accent1"/>
+          </a:effectRef>
+          <a:fontRef idx="minor">
+            <a:schemeClr val="tx1"/>
+          </a:fontRef>
+        </p:style>
+      </p:cxnSp>
+      <p:sp>
+        <p:nvSpPr>
+          <p:cNvPr id="2" name="Rectangle 1"/>
+          <p:cNvSpPr/>
+          <p:nvPr/>
+        </p:nvSpPr>
+        <p:spPr>
+          <a:xfrm>
+            <a:off x="5616055" y="866274"/>
+            <a:ext cx="2117558" cy="1788216"/>
+          </a:xfrm>
+          <a:prstGeom prst="rect">
+            <a:avLst/>
+          </a:prstGeom>
+          <a:noFill/>
+        </p:spPr>
+        <p:style>
+          <a:lnRef idx="2">
+            <a:schemeClr val="accent1">
+              <a:shade val="50000"/>
+            </a:schemeClr>
+          </a:lnRef>
+          <a:fillRef idx="1">
+            <a:schemeClr val="accent1"/>
+          </a:fillRef>
+          <a:effectRef idx="0">
+            <a:schemeClr val="accent1"/>
+          </a:effectRef>
+          <a:fontRef idx="minor">
+            <a:schemeClr val="lt1"/>
+          </a:fontRef>
+        </p:style>
+        <p:txBody>
+          <a:bodyPr rtlCol="0" anchor="ctr"/>
+          <a:lstStyle/>
+          <a:p>
+            <a:pPr algn="ctr"/>
+            <a:endParaRPr lang="ru-RU"/>
+          </a:p>
+        </p:txBody>
+      </p:sp>
+      <p:sp>
+        <p:nvSpPr>
+          <p:cNvPr id="3" name="TextBox 2"/>
+          <p:cNvSpPr txBox="1"/>
+          <p:nvPr/>
+        </p:nvSpPr>
+        <p:spPr>
+          <a:xfrm>
+            <a:off x="5780905" y="939335"/>
+            <a:ext cx="1787857" cy="369332"/>
+          </a:xfrm>
+          <a:prstGeom prst="rect">
+            <a:avLst/>
+          </a:prstGeom>
+          <a:noFill/>
+        </p:spPr>
+        <p:txBody>
+          <a:bodyPr wrap="square" rtlCol="0">
+            <a:spAutoFit/>
+          </a:bodyPr>
+          <a:lstStyle/>
+          <a:p>
+            <a:r>
+              <a:rPr lang="en-US" dirty="0" smtClean="0"/>
+              <a:t>Topic Paragraph</a:t>
             </a:r>
             <a:endParaRPr lang="ru-RU" dirty="0"/>
           </a:p>
         </p:txBody>
       </p:sp>
-      <p:pic>
-        <p:nvPicPr>
-          <p:cNvPr id="3" name="Picture 2"/>
-          <p:cNvPicPr>
-            <a:picLocks noChangeAspect="1"/>
-          </p:cNvPicPr>
-          <p:nvPr/>
-        </p:nvPicPr>
-        <p:blipFill>
-          <a:blip r:embed="rId2"/>
-          <a:stretch>
-            <a:fillRect/>
-          </a:stretch>
-        </p:blipFill>
-        <p:spPr>
-          <a:xfrm>
-            <a:off x="3144835" y="2407104"/>
-            <a:ext cx="8701227" cy="665264"/>
-          </a:xfrm>
-          <a:prstGeom prst="rect">
-            <a:avLst/>
-          </a:prstGeom>
-        </p:spPr>
-      </p:pic>
+      <p:sp>
+        <p:nvSpPr>
+          <p:cNvPr id="12" name="TextBox 11"/>
+          <p:cNvSpPr txBox="1"/>
+          <p:nvPr/>
+        </p:nvSpPr>
+        <p:spPr>
+          <a:xfrm>
+            <a:off x="5875362" y="1323752"/>
+            <a:ext cx="1248769" cy="1200329"/>
+          </a:xfrm>
+          <a:prstGeom prst="rect">
+            <a:avLst/>
+          </a:prstGeom>
+          <a:noFill/>
+        </p:spPr>
+        <p:txBody>
+          <a:bodyPr wrap="square" rtlCol="0">
+            <a:spAutoFit/>
+          </a:bodyPr>
+          <a:lstStyle/>
+          <a:p>
+            <a:pPr marL="285750" indent="-285750">
+              <a:buFont typeface="Arial" panose="020B0604020202020204" pitchFamily="34" charset="0"/>
+              <a:buChar char="•"/>
+            </a:pPr>
+            <a:r>
+              <a:rPr lang="en-US" dirty="0" smtClean="0"/>
+              <a:t>Id</a:t>
+            </a:r>
+          </a:p>
+          <a:p>
+            <a:pPr marL="285750" indent="-285750">
+              <a:buFont typeface="Arial" panose="020B0604020202020204" pitchFamily="34" charset="0"/>
+              <a:buChar char="•"/>
+            </a:pPr>
+            <a:r>
+              <a:rPr lang="en-US" dirty="0" smtClean="0"/>
+              <a:t>Name</a:t>
+            </a:r>
+          </a:p>
+          <a:p>
+            <a:pPr marL="285750" indent="-285750">
+              <a:buFont typeface="Arial" panose="020B0604020202020204" pitchFamily="34" charset="0"/>
+              <a:buChar char="•"/>
+            </a:pPr>
+            <a:r>
+              <a:rPr lang="en-US" dirty="0" smtClean="0"/>
+              <a:t>Topic</a:t>
+            </a:r>
+          </a:p>
+          <a:p>
+            <a:pPr marL="285750" indent="-285750">
+              <a:buFont typeface="Arial" panose="020B0604020202020204" pitchFamily="34" charset="0"/>
+              <a:buChar char="•"/>
+            </a:pPr>
+            <a:r>
+              <a:rPr lang="en-US" dirty="0" smtClean="0"/>
+              <a:t>Content</a:t>
+            </a:r>
+          </a:p>
+        </p:txBody>
+      </p:sp>
+      <p:cxnSp>
+        <p:nvCxnSpPr>
+          <p:cNvPr id="13" name="Elbow Connector 12"/>
+          <p:cNvCxnSpPr/>
+          <p:nvPr/>
+        </p:nvCxnSpPr>
+        <p:spPr>
+          <a:xfrm rot="10800000">
+            <a:off x="4935945" y="1530821"/>
+            <a:ext cx="682389" cy="516256"/>
+          </a:xfrm>
+          <a:prstGeom prst="bentConnector3">
+            <a:avLst>
+              <a:gd name="adj1" fmla="val 50000"/>
+            </a:avLst>
+          </a:prstGeom>
+          <a:ln>
+            <a:tailEnd type="triangle"/>
+          </a:ln>
+        </p:spPr>
+        <p:style>
+          <a:lnRef idx="1">
+            <a:schemeClr val="accent1"/>
+          </a:lnRef>
+          <a:fillRef idx="0">
+            <a:schemeClr val="accent1"/>
+          </a:fillRef>
+          <a:effectRef idx="0">
+            <a:schemeClr val="accent1"/>
+          </a:effectRef>
+          <a:fontRef idx="minor">
+            <a:schemeClr val="tx1"/>
+          </a:fontRef>
+        </p:style>
+      </p:cxnSp>
     </p:spTree>
     <p:extLst>
       <p:ext uri="{BB962C8B-B14F-4D97-AF65-F5344CB8AC3E}">
-        <p14:creationId xmlns:p14="http://schemas.microsoft.com/office/powerpoint/2010/main" val="214815498"/>
+        <p14:creationId xmlns:p14="http://schemas.microsoft.com/office/powerpoint/2010/main" val="1228147777"/>
       </p:ext>
     </p:extLst>
   </p:cSld>
@@ -8127,7 +9049,7 @@
           <a:p>
             <a:r>
               <a:rPr lang="en-US" dirty="0" smtClean="0"/>
-              <a:t>Help – Create Site</a:t>
+              <a:t>Help – Getting Started</a:t>
             </a:r>
             <a:endParaRPr lang="ru-RU" dirty="0"/>
           </a:p>
@@ -8227,7 +9149,7 @@
           <a:lstStyle/>
           <a:p>
             <a:r>
-              <a:rPr lang="en-US" dirty="0" smtClean="0"/>
+              <a:rPr lang="en-US" b="1" dirty="0" smtClean="0"/>
               <a:t>Getting started</a:t>
             </a:r>
           </a:p>
@@ -8239,7 +9161,7 @@
           </a:p>
           <a:p>
             <a:r>
-              <a:rPr lang="en-US" b="1" dirty="0" smtClean="0"/>
+              <a:rPr lang="en-US" dirty="0" smtClean="0"/>
               <a:t>Create site</a:t>
             </a:r>
           </a:p>
@@ -8295,14 +9217,14 @@
       </p:sp>
       <p:sp>
         <p:nvSpPr>
-          <p:cNvPr id="9" name="TextBox 8"/>
+          <p:cNvPr id="8" name="TextBox 7"/>
           <p:cNvSpPr txBox="1"/>
           <p:nvPr/>
         </p:nvSpPr>
         <p:spPr>
           <a:xfrm>
-            <a:off x="3104147" y="1245268"/>
-            <a:ext cx="8692816" cy="646331"/>
+            <a:off x="3043062" y="1189085"/>
+            <a:ext cx="8598090" cy="3693319"/>
           </a:xfrm>
           <a:prstGeom prst="rect">
             <a:avLst/>
@@ -8316,160 +9238,39 @@
           <a:lstStyle/>
           <a:p>
             <a:r>
-              <a:rPr lang="en-US" dirty="0" smtClean="0"/>
-              <a:t>To create new site installation, click the link </a:t>
-            </a:r>
-            <a:r>
               <a:rPr lang="en-US" b="1" dirty="0" smtClean="0"/>
-              <a:t>“Add new site…” </a:t>
-            </a:r>
-            <a:r>
-              <a:rPr lang="en-US" dirty="0" smtClean="0"/>
-              <a:t>in the Dashboard page. The Create Site page will open:</a:t>
-            </a:r>
-            <a:endParaRPr lang="ru-RU" dirty="0"/>
-          </a:p>
-        </p:txBody>
-      </p:sp>
-      <p:pic>
-        <p:nvPicPr>
-          <p:cNvPr id="10" name="Picture 9"/>
-          <p:cNvPicPr>
-            <a:picLocks noChangeAspect="1"/>
-          </p:cNvPicPr>
-          <p:nvPr/>
-        </p:nvPicPr>
-        <p:blipFill>
-          <a:blip r:embed="rId2"/>
-          <a:stretch>
-            <a:fillRect/>
-          </a:stretch>
-        </p:blipFill>
-        <p:spPr>
-          <a:xfrm>
-            <a:off x="3227576" y="1891599"/>
-            <a:ext cx="5501335" cy="2457488"/>
-          </a:xfrm>
-          <a:prstGeom prst="rect">
-            <a:avLst/>
-          </a:prstGeom>
-        </p:spPr>
-      </p:pic>
-      <p:sp>
-        <p:nvSpPr>
-          <p:cNvPr id="11" name="TextBox 10"/>
-          <p:cNvSpPr txBox="1"/>
-          <p:nvPr/>
-        </p:nvSpPr>
-        <p:spPr>
-          <a:xfrm>
-            <a:off x="8728911" y="1800592"/>
-            <a:ext cx="2989847" cy="2031325"/>
-          </a:xfrm>
-          <a:prstGeom prst="rect">
-            <a:avLst/>
-          </a:prstGeom>
-          <a:noFill/>
-        </p:spPr>
-        <p:txBody>
-          <a:bodyPr wrap="square" rtlCol="0">
-            <a:spAutoFit/>
-          </a:bodyPr>
-          <a:lstStyle/>
-          <a:p>
-            <a:r>
-              <a:rPr lang="en-US" dirty="0" smtClean="0"/>
-              <a:t>Enter a site name (required), description (optional), and landing page (e.g. index.html).</a:t>
-            </a:r>
-          </a:p>
-          <a:p>
-            <a:r>
-              <a:rPr lang="en-US" dirty="0" smtClean="0"/>
-              <a:t>Check </a:t>
+              <a:t>AVS </a:t>
+            </a:r>
+            <a:r>
+              <a:rPr lang="en-US" b="1" dirty="0" err="1" smtClean="0"/>
+              <a:t>StaticSite</a:t>
             </a:r>
             <a:r>
               <a:rPr lang="en-US" b="1" dirty="0" smtClean="0"/>
-              <a:t>“Is Active”</a:t>
-            </a:r>
-            <a:r>
-              <a:rPr lang="en-US" dirty="0" smtClean="0"/>
-              <a:t> if you want the new site to be accessible for routing.</a:t>
-            </a:r>
-            <a:endParaRPr lang="ru-RU" dirty="0"/>
-          </a:p>
-        </p:txBody>
-      </p:sp>
-      <p:sp>
-        <p:nvSpPr>
-          <p:cNvPr id="12" name="TextBox 11"/>
-          <p:cNvSpPr txBox="1"/>
-          <p:nvPr/>
-        </p:nvSpPr>
-        <p:spPr>
-          <a:xfrm>
-            <a:off x="8750072" y="3792853"/>
-            <a:ext cx="2737184" cy="646331"/>
-          </a:xfrm>
-          <a:prstGeom prst="rect">
-            <a:avLst/>
-          </a:prstGeom>
-          <a:noFill/>
-        </p:spPr>
-        <p:txBody>
-          <a:bodyPr wrap="square" rtlCol="0">
-            <a:spAutoFit/>
-          </a:bodyPr>
-          <a:lstStyle/>
-          <a:p>
-            <a:r>
-              <a:rPr lang="en-US" dirty="0" smtClean="0"/>
-              <a:t>Upload site content using </a:t>
-            </a:r>
-            <a:r>
-              <a:rPr lang="en-US" b="1" dirty="0" smtClean="0"/>
-              <a:t>Upload Files</a:t>
-            </a:r>
-            <a:r>
-              <a:rPr lang="en-US" dirty="0" smtClean="0"/>
-              <a:t> section</a:t>
-            </a:r>
-            <a:endParaRPr lang="ru-RU" dirty="0"/>
-          </a:p>
-        </p:txBody>
-      </p:sp>
-      <p:sp>
-        <p:nvSpPr>
-          <p:cNvPr id="14" name="TextBox 13"/>
-          <p:cNvSpPr txBox="1"/>
-          <p:nvPr/>
-        </p:nvSpPr>
-        <p:spPr>
-          <a:xfrm>
-            <a:off x="3123751" y="4426704"/>
-            <a:ext cx="8653608" cy="923330"/>
-          </a:xfrm>
-          <a:prstGeom prst="rect">
-            <a:avLst/>
-          </a:prstGeom>
-          <a:noFill/>
-        </p:spPr>
-        <p:txBody>
-          <a:bodyPr wrap="square" rtlCol="0">
-            <a:spAutoFit/>
-          </a:bodyPr>
-          <a:lstStyle/>
-          <a:p>
-            <a:r>
-              <a:rPr lang="en-US" dirty="0" smtClean="0"/>
-              <a:t>For upload you can specify </a:t>
-            </a:r>
-            <a:r>
-              <a:rPr lang="en-US" b="1" dirty="0" smtClean="0"/>
-              <a:t>destination path</a:t>
-            </a:r>
-            <a:r>
-              <a:rPr lang="en-US" dirty="0" smtClean="0"/>
-              <a:t>. For example, if you have a reference like </a:t>
+              <a:t> Hosting</a:t>
+            </a:r>
+            <a:r>
+              <a:rPr lang="en-US" dirty="0" smtClean="0"/>
+              <a:t> allows a user to host simple static site and manage it. The user can turn site on or off, upload different types of content, remove some content, or delete site at all. </a:t>
+            </a:r>
+            <a:endParaRPr lang="ru-RU" dirty="0" smtClean="0"/>
+          </a:p>
+          <a:p>
+            <a:endParaRPr lang="en-US" dirty="0" smtClean="0"/>
+          </a:p>
+          <a:p>
+            <a:r>
+              <a:rPr lang="en-US" dirty="0" smtClean="0"/>
+              <a:t>Currently the project consists of 2 different modules – specific static site middleware and dashboard UI with REST API.</a:t>
+            </a:r>
+          </a:p>
+          <a:p>
+            <a:endParaRPr lang="en-US" dirty="0" smtClean="0"/>
+          </a:p>
+          <a:p>
+            <a:r>
+              <a:rPr lang="en-US" dirty="0" smtClean="0"/>
+              <a:t>All you need is to choose your site name &amp; upload site content (*.html, *.</a:t>
             </a:r>
             <a:r>
               <a:rPr lang="en-US" dirty="0" err="1" smtClean="0"/>
@@ -8477,75 +9278,42 @@
             </a:r>
             <a:r>
               <a:rPr lang="en-US" dirty="0" smtClean="0"/>
-              <a:t>/my-site.js in your index.html, you should upload my-site.js and specify destination path as </a:t>
+              <a:t>. *.</a:t>
             </a:r>
             <a:r>
               <a:rPr lang="en-US" dirty="0" err="1" smtClean="0"/>
-              <a:t>js</a:t>
-            </a:r>
-            <a:r>
-              <a:rPr lang="en-US" dirty="0" smtClean="0"/>
-              <a:t>. Files without destination path are placed in the site root directory.</a:t>
-            </a:r>
-            <a:endParaRPr lang="ru-RU" dirty="0"/>
-          </a:p>
-        </p:txBody>
-      </p:sp>
-      <p:sp>
-        <p:nvSpPr>
-          <p:cNvPr id="15" name="TextBox 14"/>
-          <p:cNvSpPr txBox="1"/>
-          <p:nvPr/>
-        </p:nvSpPr>
-        <p:spPr>
-          <a:xfrm>
-            <a:off x="3123751" y="5327011"/>
-            <a:ext cx="8404058" cy="923330"/>
-          </a:xfrm>
-          <a:prstGeom prst="rect">
-            <a:avLst/>
-          </a:prstGeom>
-          <a:noFill/>
-        </p:spPr>
-        <p:txBody>
-          <a:bodyPr wrap="square" rtlCol="0">
-            <a:spAutoFit/>
-          </a:bodyPr>
-          <a:lstStyle/>
-          <a:p>
-            <a:r>
-              <a:rPr lang="en-US" dirty="0" smtClean="0"/>
-              <a:t>You can provide resource mappings for the content files uploaded. For example, if there is a file like about.html and you have provided the resource mapping for it as “about”, the file will be available through the route http://{your site}/about.</a:t>
-            </a:r>
-            <a:endParaRPr lang="ru-RU" dirty="0"/>
-          </a:p>
-        </p:txBody>
-      </p:sp>
-      <p:sp>
-        <p:nvSpPr>
-          <p:cNvPr id="16" name="TextBox 15"/>
-          <p:cNvSpPr txBox="1"/>
-          <p:nvPr/>
-        </p:nvSpPr>
-        <p:spPr>
-          <a:xfrm>
-            <a:off x="3123751" y="6294307"/>
-            <a:ext cx="8208440" cy="369332"/>
-          </a:xfrm>
-          <a:prstGeom prst="rect">
-            <a:avLst/>
-          </a:prstGeom>
-          <a:noFill/>
-        </p:spPr>
-        <p:txBody>
-          <a:bodyPr wrap="square" rtlCol="0">
-            <a:spAutoFit/>
-          </a:bodyPr>
-          <a:lstStyle/>
-          <a:p>
-            <a:r>
-              <a:rPr lang="en-US" dirty="0" smtClean="0"/>
-              <a:t>To create a site, you have to upload some content and set the site name.</a:t>
+              <a:t>css</a:t>
+            </a:r>
+            <a:r>
+              <a:rPr lang="en-US" dirty="0" smtClean="0"/>
+              <a:t>).  You also may choose the landing page for your site. After it your site will be able on the route</a:t>
+            </a:r>
+          </a:p>
+          <a:p>
+            <a:r>
+              <a:rPr lang="en-US" b="1" dirty="0" smtClean="0"/>
+              <a:t>http://{Your site name}/{landing page}</a:t>
+            </a:r>
+            <a:r>
+              <a:rPr lang="en-US" dirty="0" smtClean="0"/>
+              <a:t>.</a:t>
+            </a:r>
+          </a:p>
+          <a:p>
+            <a:endParaRPr lang="en-US" dirty="0" smtClean="0"/>
+          </a:p>
+          <a:p>
+            <a:r>
+              <a:rPr lang="en-US" dirty="0" smtClean="0"/>
+              <a:t>To host your sites, the account registration is required. After registration you have a possibility to view your sites and manage them using our </a:t>
+            </a:r>
+            <a:r>
+              <a:rPr lang="en-US" b="1" dirty="0" smtClean="0"/>
+              <a:t>Dashboard</a:t>
+            </a:r>
+            <a:r>
+              <a:rPr lang="en-US" dirty="0" smtClean="0"/>
+              <a:t>. </a:t>
             </a:r>
             <a:endParaRPr lang="ru-RU" dirty="0"/>
           </a:p>
@@ -8554,7 +9322,7 @@
     </p:spTree>
     <p:extLst>
       <p:ext uri="{BB962C8B-B14F-4D97-AF65-F5344CB8AC3E}">
-        <p14:creationId xmlns:p14="http://schemas.microsoft.com/office/powerpoint/2010/main" val="757399734"/>
+        <p14:creationId xmlns:p14="http://schemas.microsoft.com/office/powerpoint/2010/main" val="1927936537"/>
       </p:ext>
     </p:extLst>
   </p:cSld>
@@ -8603,7 +9371,7 @@
           <a:p>
             <a:r>
               <a:rPr lang="en-US" dirty="0" smtClean="0"/>
-              <a:t>Help – Site Management</a:t>
+              <a:t>Help – Dashboard</a:t>
             </a:r>
             <a:endParaRPr lang="ru-RU" dirty="0"/>
           </a:p>
@@ -8709,7 +9477,7 @@
           </a:p>
           <a:p>
             <a:r>
-              <a:rPr lang="en-US" dirty="0" smtClean="0"/>
+              <a:rPr lang="en-US" b="1" dirty="0" smtClean="0"/>
               <a:t>Dashboard</a:t>
             </a:r>
           </a:p>
@@ -8721,10 +9489,10 @@
           </a:p>
           <a:p>
             <a:r>
-              <a:rPr lang="en-US" b="1" dirty="0" smtClean="0"/>
+              <a:rPr lang="en-US" dirty="0" smtClean="0"/>
               <a:t>Site management</a:t>
             </a:r>
-            <a:endParaRPr lang="ru-RU" b="1" dirty="0"/>
+            <a:endParaRPr lang="ru-RU" dirty="0"/>
           </a:p>
         </p:txBody>
       </p:sp>
@@ -8771,14 +9539,14 @@
       </p:sp>
       <p:sp>
         <p:nvSpPr>
-          <p:cNvPr id="3" name="TextBox 2"/>
+          <p:cNvPr id="8" name="TextBox 7"/>
           <p:cNvSpPr txBox="1"/>
           <p:nvPr/>
         </p:nvSpPr>
         <p:spPr>
           <a:xfrm>
-            <a:off x="3043062" y="1119962"/>
-            <a:ext cx="8692816" cy="646331"/>
+            <a:off x="3043062" y="1189085"/>
+            <a:ext cx="8598090" cy="3970318"/>
           </a:xfrm>
           <a:prstGeom prst="rect">
             <a:avLst/>
@@ -8792,110 +9560,171 @@
           <a:lstStyle/>
           <a:p>
             <a:r>
+              <a:rPr lang="en-US" b="1" dirty="0" smtClean="0"/>
+              <a:t>Dashboard</a:t>
+            </a:r>
+            <a:r>
+              <a:rPr lang="en-US" dirty="0" smtClean="0"/>
+              <a:t> page shows all your sites and allows to manage them. Each site must have a name required for site routing, but you can also provide a site description which can be displayed in the dashboard grid. The dashboard also provide additional information about sites including site creation date.  </a:t>
+            </a:r>
+          </a:p>
+          <a:p>
+            <a:endParaRPr lang="en-US" dirty="0"/>
+          </a:p>
+          <a:p>
+            <a:endParaRPr lang="en-US" dirty="0" smtClean="0"/>
+          </a:p>
+          <a:p>
+            <a:endParaRPr lang="en-US" dirty="0" smtClean="0"/>
+          </a:p>
+          <a:p>
+            <a:r>
               <a:rPr lang="en-US" dirty="0" smtClean="0"/>
               <a:t>Use </a:t>
             </a:r>
             <a:r>
               <a:rPr lang="en-US" b="1" dirty="0" smtClean="0"/>
-              <a:t>Update </a:t>
-            </a:r>
-            <a:r>
-              <a:rPr lang="en-US" dirty="0" smtClean="0"/>
-              <a:t>link in the dashboard page to start editing the site selected. The user interface used for site editing is the same that you saw when creating a new site.</a:t>
+              <a:t>action column</a:t>
+            </a:r>
+            <a:r>
+              <a:rPr lang="en-US" dirty="0" smtClean="0"/>
+              <a:t> buttons to manage the site selected. You can </a:t>
+            </a:r>
+            <a:r>
+              <a:rPr lang="en-US" b="1" dirty="0" smtClean="0"/>
+              <a:t>turn</a:t>
+            </a:r>
+            <a:r>
+              <a:rPr lang="en-US" dirty="0" smtClean="0"/>
+              <a:t> it </a:t>
+            </a:r>
+            <a:r>
+              <a:rPr lang="en-US" b="1" dirty="0" smtClean="0"/>
+              <a:t>on/off</a:t>
+            </a:r>
+            <a:r>
+              <a:rPr lang="en-US" dirty="0" smtClean="0"/>
+              <a:t>, edit (</a:t>
+            </a:r>
+            <a:r>
+              <a:rPr lang="en-US" b="1" dirty="0" smtClean="0"/>
+              <a:t>update</a:t>
+            </a:r>
+            <a:r>
+              <a:rPr lang="en-US" dirty="0" smtClean="0"/>
+              <a:t>), </a:t>
+            </a:r>
+            <a:r>
+              <a:rPr lang="en-US" b="1" dirty="0" smtClean="0"/>
+              <a:t>delete</a:t>
+            </a:r>
+            <a:r>
+              <a:rPr lang="en-US" dirty="0" smtClean="0"/>
+              <a:t> site, or </a:t>
+            </a:r>
+            <a:r>
+              <a:rPr lang="en-US" b="1" dirty="0" smtClean="0"/>
+              <a:t>browse</a:t>
+            </a:r>
+            <a:r>
+              <a:rPr lang="en-US" dirty="0" smtClean="0"/>
+              <a:t> it. If you select </a:t>
+            </a:r>
+            <a:r>
+              <a:rPr lang="en-US" b="1" dirty="0" smtClean="0"/>
+              <a:t>Update</a:t>
+            </a:r>
+            <a:r>
+              <a:rPr lang="en-US" dirty="0" smtClean="0"/>
+              <a:t>, the </a:t>
+            </a:r>
+            <a:r>
+              <a:rPr lang="en-US" b="1" dirty="0" smtClean="0"/>
+              <a:t>Edit Site </a:t>
+            </a:r>
+            <a:r>
+              <a:rPr lang="en-US" dirty="0" smtClean="0"/>
+              <a:t>page will open.</a:t>
+            </a:r>
+          </a:p>
+          <a:p>
+            <a:r>
+              <a:rPr lang="en-US" dirty="0" smtClean="0"/>
+              <a:t>Please note that selecting </a:t>
+            </a:r>
+            <a:r>
+              <a:rPr lang="en-US" b="1" dirty="0" smtClean="0"/>
+              <a:t>Delete</a:t>
+            </a:r>
+            <a:r>
+              <a:rPr lang="en-US" dirty="0" smtClean="0"/>
+              <a:t> and confirming your operation will remove all site data with the site content. Use this option very carefully.</a:t>
+            </a:r>
+          </a:p>
+          <a:p>
+            <a:endParaRPr lang="en-US" dirty="0"/>
+          </a:p>
+          <a:p>
+            <a:r>
+              <a:rPr lang="en-US" dirty="0" smtClean="0"/>
+              <a:t>The link </a:t>
+            </a:r>
+            <a:r>
+              <a:rPr lang="en-US" b="1" dirty="0" smtClean="0"/>
+              <a:t>Browse</a:t>
+            </a:r>
+            <a:r>
+              <a:rPr lang="en-US" dirty="0" smtClean="0"/>
+              <a:t> appears </a:t>
+            </a:r>
+            <a:r>
+              <a:rPr lang="en-US" b="1" dirty="0" smtClean="0"/>
+              <a:t>only</a:t>
+            </a:r>
+            <a:r>
+              <a:rPr lang="en-US" dirty="0" smtClean="0"/>
+              <a:t> if you have provided the landing page for site. You can do it using the </a:t>
+            </a:r>
+            <a:r>
+              <a:rPr lang="en-US" b="1" dirty="0" smtClean="0"/>
+              <a:t>Edit Site</a:t>
+            </a:r>
+            <a:r>
+              <a:rPr lang="en-US" dirty="0" smtClean="0"/>
+              <a:t> page.</a:t>
             </a:r>
             <a:endParaRPr lang="ru-RU" dirty="0"/>
           </a:p>
         </p:txBody>
       </p:sp>
-      <p:sp>
-        <p:nvSpPr>
-          <p:cNvPr id="8" name="TextBox 7"/>
-          <p:cNvSpPr txBox="1"/>
-          <p:nvPr/>
-        </p:nvSpPr>
-        <p:spPr>
-          <a:xfrm>
-            <a:off x="3043062" y="1864371"/>
-            <a:ext cx="8091237" cy="923330"/>
-          </a:xfrm>
-          <a:prstGeom prst="rect">
-            <a:avLst/>
-          </a:prstGeom>
-          <a:noFill/>
-        </p:spPr>
-        <p:txBody>
-          <a:bodyPr wrap="square" rtlCol="0">
-            <a:spAutoFit/>
-          </a:bodyPr>
-          <a:lstStyle/>
-          <a:p>
-            <a:r>
-              <a:rPr lang="en-US" dirty="0" smtClean="0"/>
-              <a:t>During editing, you can change site name, description, landing page and resource mappings. You can also make your site active or inactive. Also there is possibility to upload new files for the site content using </a:t>
-            </a:r>
-            <a:r>
-              <a:rPr lang="en-US" b="1" dirty="0" smtClean="0"/>
-              <a:t>Upload Files</a:t>
-            </a:r>
-            <a:r>
-              <a:rPr lang="en-US" dirty="0" smtClean="0"/>
-              <a:t> section.</a:t>
-            </a:r>
-            <a:endParaRPr lang="ru-RU" dirty="0"/>
-          </a:p>
-        </p:txBody>
-      </p:sp>
-      <p:sp>
-        <p:nvSpPr>
-          <p:cNvPr id="9" name="TextBox 8"/>
-          <p:cNvSpPr txBox="1"/>
-          <p:nvPr/>
-        </p:nvSpPr>
-        <p:spPr>
-          <a:xfrm>
-            <a:off x="3043062" y="2947159"/>
-            <a:ext cx="8625565" cy="2031325"/>
-          </a:xfrm>
-          <a:prstGeom prst="rect">
-            <a:avLst/>
-          </a:prstGeom>
-          <a:noFill/>
-        </p:spPr>
-        <p:txBody>
-          <a:bodyPr wrap="square" rtlCol="0">
-            <a:spAutoFit/>
-          </a:bodyPr>
-          <a:lstStyle/>
-          <a:p>
-            <a:r>
-              <a:rPr lang="en-US" dirty="0" smtClean="0"/>
-              <a:t>Please note that the new site name you have entered is validated against the names of all existing sites. So, if you enter a name that is already in use by other user or site, you will be warned and you will have to change the site name. It </a:t>
-            </a:r>
-            <a:r>
-              <a:rPr lang="en-US" b="1" dirty="0" smtClean="0"/>
-              <a:t>must be unique</a:t>
-            </a:r>
-            <a:r>
-              <a:rPr lang="en-US" dirty="0" smtClean="0"/>
-              <a:t> among all users/sites to provide correct site routing.</a:t>
-            </a:r>
-          </a:p>
-          <a:p>
-            <a:endParaRPr lang="en-US" dirty="0"/>
-          </a:p>
-          <a:p>
-            <a:r>
-              <a:rPr lang="en-US" dirty="0" smtClean="0"/>
-              <a:t>Also if you try to upload a file that has already been uploaded with the site content, it just will be replaced.</a:t>
-            </a:r>
-            <a:endParaRPr lang="ru-RU" dirty="0"/>
-          </a:p>
-        </p:txBody>
-      </p:sp>
+      <p:pic>
+        <p:nvPicPr>
+          <p:cNvPr id="3" name="Picture 2"/>
+          <p:cNvPicPr>
+            <a:picLocks noChangeAspect="1"/>
+          </p:cNvPicPr>
+          <p:nvPr/>
+        </p:nvPicPr>
+        <p:blipFill>
+          <a:blip r:embed="rId2"/>
+          <a:stretch>
+            <a:fillRect/>
+          </a:stretch>
+        </p:blipFill>
+        <p:spPr>
+          <a:xfrm>
+            <a:off x="3144835" y="2407104"/>
+            <a:ext cx="8701227" cy="665264"/>
+          </a:xfrm>
+          <a:prstGeom prst="rect">
+            <a:avLst/>
+          </a:prstGeom>
+        </p:spPr>
+      </p:pic>
     </p:spTree>
     <p:extLst>
       <p:ext uri="{BB962C8B-B14F-4D97-AF65-F5344CB8AC3E}">
-        <p14:creationId xmlns:p14="http://schemas.microsoft.com/office/powerpoint/2010/main" val="3932845466"/>
+        <p14:creationId xmlns:p14="http://schemas.microsoft.com/office/powerpoint/2010/main" val="214815498"/>
       </p:ext>
     </p:extLst>
   </p:cSld>
@@ -8924,14 +9753,83 @@
       </p:grpSpPr>
       <p:sp>
         <p:nvSpPr>
-          <p:cNvPr id="4" name="TextBox 3"/>
+          <p:cNvPr id="2" name="Title 1"/>
+          <p:cNvSpPr>
+            <a:spLocks noGrp="1"/>
+          </p:cNvSpPr>
+          <p:nvPr>
+            <p:ph type="title"/>
+          </p:nvPr>
+        </p:nvSpPr>
+        <p:spPr>
+          <a:xfrm>
+            <a:off x="374984" y="0"/>
+            <a:ext cx="10515600" cy="1325563"/>
+          </a:xfrm>
+        </p:spPr>
+        <p:txBody>
+          <a:bodyPr/>
+          <a:lstStyle/>
+          <a:p>
+            <a:r>
+              <a:rPr lang="en-US" dirty="0" smtClean="0"/>
+              <a:t>Help – Create Site</a:t>
+            </a:r>
+            <a:endParaRPr lang="ru-RU" dirty="0"/>
+          </a:p>
+        </p:txBody>
+      </p:sp>
+      <p:sp>
+        <p:nvSpPr>
+          <p:cNvPr id="4" name="Rectangle 3"/>
+          <p:cNvSpPr/>
+          <p:nvPr/>
+        </p:nvSpPr>
+        <p:spPr>
+          <a:xfrm>
+            <a:off x="306805" y="1052763"/>
+            <a:ext cx="2497810" cy="5654842"/>
+          </a:xfrm>
+          <a:prstGeom prst="rect">
+            <a:avLst/>
+          </a:prstGeom>
+          <a:noFill/>
+        </p:spPr>
+        <p:style>
+          <a:lnRef idx="2">
+            <a:schemeClr val="accent1">
+              <a:shade val="50000"/>
+            </a:schemeClr>
+          </a:lnRef>
+          <a:fillRef idx="1">
+            <a:schemeClr val="accent1"/>
+          </a:fillRef>
+          <a:effectRef idx="0">
+            <a:schemeClr val="accent1"/>
+          </a:effectRef>
+          <a:fontRef idx="minor">
+            <a:schemeClr val="lt1"/>
+          </a:fontRef>
+        </p:style>
+        <p:txBody>
+          <a:bodyPr rtlCol="0" anchor="ctr"/>
+          <a:lstStyle/>
+          <a:p>
+            <a:pPr algn="ctr"/>
+            <a:endParaRPr lang="ru-RU"/>
+          </a:p>
+        </p:txBody>
+      </p:sp>
+      <p:sp>
+        <p:nvSpPr>
+          <p:cNvPr id="5" name="TextBox 4"/>
           <p:cNvSpPr txBox="1"/>
           <p:nvPr/>
         </p:nvSpPr>
         <p:spPr>
           <a:xfrm>
-            <a:off x="427121" y="84221"/>
-            <a:ext cx="10750216" cy="369332"/>
+            <a:off x="374984" y="1189085"/>
+            <a:ext cx="2313296" cy="369332"/>
           </a:xfrm>
           <a:prstGeom prst="rect">
             <a:avLst/>
@@ -8946,7 +9844,134 @@
           <a:p>
             <a:r>
               <a:rPr lang="en-US" dirty="0" smtClean="0"/>
-              <a:t>My Profile page</a:t>
+              <a:t>General</a:t>
+            </a:r>
+            <a:endParaRPr lang="ru-RU" dirty="0"/>
+          </a:p>
+        </p:txBody>
+      </p:sp>
+      <p:sp>
+        <p:nvSpPr>
+          <p:cNvPr id="6" name="TextBox 5"/>
+          <p:cNvSpPr txBox="1"/>
+          <p:nvPr/>
+        </p:nvSpPr>
+        <p:spPr>
+          <a:xfrm>
+            <a:off x="729766" y="1554010"/>
+            <a:ext cx="2026693" cy="1200329"/>
+          </a:xfrm>
+          <a:prstGeom prst="rect">
+            <a:avLst/>
+          </a:prstGeom>
+          <a:noFill/>
+        </p:spPr>
+        <p:txBody>
+          <a:bodyPr wrap="square" rtlCol="0">
+            <a:spAutoFit/>
+          </a:bodyPr>
+          <a:lstStyle/>
+          <a:p>
+            <a:r>
+              <a:rPr lang="en-US" dirty="0" smtClean="0"/>
+              <a:t>Getting started</a:t>
+            </a:r>
+          </a:p>
+          <a:p>
+            <a:r>
+              <a:rPr lang="en-US" dirty="0" smtClean="0"/>
+              <a:t>Dashboard</a:t>
+            </a:r>
+          </a:p>
+          <a:p>
+            <a:r>
+              <a:rPr lang="en-US" b="1" dirty="0" smtClean="0"/>
+              <a:t>Create site</a:t>
+            </a:r>
+          </a:p>
+          <a:p>
+            <a:r>
+              <a:rPr lang="en-US" dirty="0" smtClean="0"/>
+              <a:t>Site management</a:t>
+            </a:r>
+            <a:endParaRPr lang="ru-RU" dirty="0"/>
+          </a:p>
+        </p:txBody>
+      </p:sp>
+      <p:sp>
+        <p:nvSpPr>
+          <p:cNvPr id="7" name="Rectangle 6"/>
+          <p:cNvSpPr/>
+          <p:nvPr/>
+        </p:nvSpPr>
+        <p:spPr>
+          <a:xfrm>
+            <a:off x="2954740" y="1052763"/>
+            <a:ext cx="9096233" cy="5654842"/>
+          </a:xfrm>
+          <a:prstGeom prst="rect">
+            <a:avLst/>
+          </a:prstGeom>
+          <a:noFill/>
+        </p:spPr>
+        <p:style>
+          <a:lnRef idx="2">
+            <a:schemeClr val="accent1">
+              <a:shade val="50000"/>
+            </a:schemeClr>
+          </a:lnRef>
+          <a:fillRef idx="1">
+            <a:schemeClr val="accent1"/>
+          </a:fillRef>
+          <a:effectRef idx="0">
+            <a:schemeClr val="accent1"/>
+          </a:effectRef>
+          <a:fontRef idx="minor">
+            <a:schemeClr val="lt1"/>
+          </a:fontRef>
+        </p:style>
+        <p:txBody>
+          <a:bodyPr rtlCol="0" anchor="ctr"/>
+          <a:lstStyle/>
+          <a:p>
+            <a:pPr algn="ctr"/>
+            <a:endParaRPr lang="ru-RU"/>
+          </a:p>
+        </p:txBody>
+      </p:sp>
+      <p:sp>
+        <p:nvSpPr>
+          <p:cNvPr id="9" name="TextBox 8"/>
+          <p:cNvSpPr txBox="1"/>
+          <p:nvPr/>
+        </p:nvSpPr>
+        <p:spPr>
+          <a:xfrm>
+            <a:off x="3104147" y="1245268"/>
+            <a:ext cx="8692816" cy="646331"/>
+          </a:xfrm>
+          <a:prstGeom prst="rect">
+            <a:avLst/>
+          </a:prstGeom>
+          <a:noFill/>
+        </p:spPr>
+        <p:txBody>
+          <a:bodyPr wrap="square" rtlCol="0">
+            <a:spAutoFit/>
+          </a:bodyPr>
+          <a:lstStyle/>
+          <a:p>
+            <a:r>
+              <a:rPr lang="en-US" dirty="0" smtClean="0"/>
+              <a:t>To create new site installation, click the link </a:t>
+            </a:r>
+            <a:r>
+              <a:rPr lang="en-US" b="1" dirty="0" smtClean="0"/>
+              <a:t>“Add new site…” </a:t>
+            </a:r>
+            <a:r>
+              <a:rPr lang="en-US" dirty="0" smtClean="0"/>
+              <a:t>in the Dashboard page. The Create Site page will open:</a:t>
             </a:r>
             <a:endParaRPr lang="ru-RU" dirty="0"/>
           </a:p>
@@ -8954,7 +9979,7 @@
       </p:sp>
       <p:pic>
         <p:nvPicPr>
-          <p:cNvPr id="5" name="Picture 4"/>
+          <p:cNvPr id="10" name="Picture 9"/>
           <p:cNvPicPr>
             <a:picLocks noChangeAspect="1"/>
           </p:cNvPicPr>
@@ -8968,8 +9993,8 @@
         </p:blipFill>
         <p:spPr>
           <a:xfrm>
-            <a:off x="174458" y="375347"/>
-            <a:ext cx="10961638" cy="6344290"/>
+            <a:off x="3227576" y="1891599"/>
+            <a:ext cx="5501335" cy="2457488"/>
           </a:xfrm>
           <a:prstGeom prst="rect">
             <a:avLst/>
@@ -8978,54 +10003,14 @@
       </p:pic>
       <p:sp>
         <p:nvSpPr>
-          <p:cNvPr id="2" name="Rectangle 1"/>
-          <p:cNvSpPr/>
-          <p:nvPr/>
-        </p:nvSpPr>
-        <p:spPr>
-          <a:xfrm>
-            <a:off x="7271951" y="3398108"/>
-            <a:ext cx="753763" cy="216243"/>
-          </a:xfrm>
-          <a:prstGeom prst="rect">
-            <a:avLst/>
-          </a:prstGeom>
-        </p:spPr>
-        <p:style>
-          <a:lnRef idx="2">
-            <a:schemeClr val="accent1">
-              <a:shade val="50000"/>
-            </a:schemeClr>
-          </a:lnRef>
-          <a:fillRef idx="1">
-            <a:schemeClr val="accent1"/>
-          </a:fillRef>
-          <a:effectRef idx="0">
-            <a:schemeClr val="accent1"/>
-          </a:effectRef>
-          <a:fontRef idx="minor">
-            <a:schemeClr val="lt1"/>
-          </a:fontRef>
-        </p:style>
-        <p:txBody>
-          <a:bodyPr rtlCol="0" anchor="ctr"/>
-          <a:lstStyle/>
-          <a:p>
-            <a:pPr algn="ctr"/>
-            <a:endParaRPr lang="ru-RU"/>
-          </a:p>
-        </p:txBody>
-      </p:sp>
-      <p:sp>
-        <p:nvSpPr>
-          <p:cNvPr id="3" name="TextBox 2"/>
+          <p:cNvPr id="11" name="TextBox 10"/>
           <p:cNvSpPr txBox="1"/>
           <p:nvPr/>
         </p:nvSpPr>
         <p:spPr>
           <a:xfrm>
-            <a:off x="7386251" y="3355887"/>
-            <a:ext cx="525162" cy="276999"/>
+            <a:off x="8728911" y="1800592"/>
+            <a:ext cx="2989847" cy="2031325"/>
           </a:xfrm>
           <a:prstGeom prst="rect">
             <a:avLst/>
@@ -9039,25 +10024,183 @@
           <a:lstStyle/>
           <a:p>
             <a:r>
-              <a:rPr lang="en-US" sz="1200" dirty="0" smtClean="0">
-                <a:solidFill>
-                  <a:schemeClr val="bg1"/>
-                </a:solidFill>
-              </a:rPr>
-              <a:t>Send</a:t>
-            </a:r>
-            <a:endParaRPr lang="ru-RU" sz="1200" dirty="0">
-              <a:solidFill>
-                <a:schemeClr val="bg1"/>
-              </a:solidFill>
-            </a:endParaRPr>
+              <a:rPr lang="en-US" dirty="0" smtClean="0"/>
+              <a:t>Enter a site name (required), description (optional), and landing page (e.g. index.html).</a:t>
+            </a:r>
+          </a:p>
+          <a:p>
+            <a:r>
+              <a:rPr lang="en-US" dirty="0" smtClean="0"/>
+              <a:t>Check </a:t>
+            </a:r>
+            <a:r>
+              <a:rPr lang="en-US" b="1" dirty="0" smtClean="0"/>
+              <a:t>“Is Active”</a:t>
+            </a:r>
+            <a:r>
+              <a:rPr lang="en-US" dirty="0" smtClean="0"/>
+              <a:t> if you want the new site to be accessible for routing.</a:t>
+            </a:r>
+            <a:endParaRPr lang="ru-RU" dirty="0"/>
+          </a:p>
+        </p:txBody>
+      </p:sp>
+      <p:sp>
+        <p:nvSpPr>
+          <p:cNvPr id="12" name="TextBox 11"/>
+          <p:cNvSpPr txBox="1"/>
+          <p:nvPr/>
+        </p:nvSpPr>
+        <p:spPr>
+          <a:xfrm>
+            <a:off x="8750072" y="3792853"/>
+            <a:ext cx="2737184" cy="646331"/>
+          </a:xfrm>
+          <a:prstGeom prst="rect">
+            <a:avLst/>
+          </a:prstGeom>
+          <a:noFill/>
+        </p:spPr>
+        <p:txBody>
+          <a:bodyPr wrap="square" rtlCol="0">
+            <a:spAutoFit/>
+          </a:bodyPr>
+          <a:lstStyle/>
+          <a:p>
+            <a:r>
+              <a:rPr lang="en-US" dirty="0" smtClean="0"/>
+              <a:t>Upload site content using </a:t>
+            </a:r>
+            <a:r>
+              <a:rPr lang="en-US" b="1" dirty="0" smtClean="0"/>
+              <a:t>Upload Files</a:t>
+            </a:r>
+            <a:r>
+              <a:rPr lang="en-US" dirty="0" smtClean="0"/>
+              <a:t> section</a:t>
+            </a:r>
+            <a:endParaRPr lang="ru-RU" dirty="0"/>
+          </a:p>
+        </p:txBody>
+      </p:sp>
+      <p:sp>
+        <p:nvSpPr>
+          <p:cNvPr id="14" name="TextBox 13"/>
+          <p:cNvSpPr txBox="1"/>
+          <p:nvPr/>
+        </p:nvSpPr>
+        <p:spPr>
+          <a:xfrm>
+            <a:off x="3123751" y="4426704"/>
+            <a:ext cx="8653608" cy="923330"/>
+          </a:xfrm>
+          <a:prstGeom prst="rect">
+            <a:avLst/>
+          </a:prstGeom>
+          <a:noFill/>
+        </p:spPr>
+        <p:txBody>
+          <a:bodyPr wrap="square" rtlCol="0">
+            <a:spAutoFit/>
+          </a:bodyPr>
+          <a:lstStyle/>
+          <a:p>
+            <a:r>
+              <a:rPr lang="en-US" dirty="0" smtClean="0"/>
+              <a:t>For upload you can specify </a:t>
+            </a:r>
+            <a:r>
+              <a:rPr lang="en-US" b="1" dirty="0" smtClean="0"/>
+              <a:t>destination path</a:t>
+            </a:r>
+            <a:r>
+              <a:rPr lang="en-US" dirty="0" smtClean="0"/>
+              <a:t>. For example, if you have a reference like </a:t>
+            </a:r>
+            <a:r>
+              <a:rPr lang="en-US" dirty="0" err="1" smtClean="0"/>
+              <a:t>js</a:t>
+            </a:r>
+            <a:r>
+              <a:rPr lang="en-US" dirty="0" smtClean="0"/>
+              <a:t>/my-site.js in your index.html, you should upload my-site.js and specify destination path as </a:t>
+            </a:r>
+            <a:r>
+              <a:rPr lang="en-US" dirty="0" err="1" smtClean="0"/>
+              <a:t>js</a:t>
+            </a:r>
+            <a:r>
+              <a:rPr lang="en-US" dirty="0" smtClean="0"/>
+              <a:t>. Files without destination path are placed in the site root directory.</a:t>
+            </a:r>
+            <a:endParaRPr lang="ru-RU" dirty="0"/>
+          </a:p>
+        </p:txBody>
+      </p:sp>
+      <p:sp>
+        <p:nvSpPr>
+          <p:cNvPr id="15" name="TextBox 14"/>
+          <p:cNvSpPr txBox="1"/>
+          <p:nvPr/>
+        </p:nvSpPr>
+        <p:spPr>
+          <a:xfrm>
+            <a:off x="3123751" y="5327011"/>
+            <a:ext cx="8404058" cy="923330"/>
+          </a:xfrm>
+          <a:prstGeom prst="rect">
+            <a:avLst/>
+          </a:prstGeom>
+          <a:noFill/>
+        </p:spPr>
+        <p:txBody>
+          <a:bodyPr wrap="square" rtlCol="0">
+            <a:spAutoFit/>
+          </a:bodyPr>
+          <a:lstStyle/>
+          <a:p>
+            <a:r>
+              <a:rPr lang="en-US" dirty="0" smtClean="0"/>
+              <a:t>You can provide resource mappings for the content files uploaded. For example, if there is a file like about.html and you have provided the resource mapping for it as “about”, the file will be available through the route http://{your site}/about.</a:t>
+            </a:r>
+            <a:endParaRPr lang="ru-RU" dirty="0"/>
+          </a:p>
+        </p:txBody>
+      </p:sp>
+      <p:sp>
+        <p:nvSpPr>
+          <p:cNvPr id="16" name="TextBox 15"/>
+          <p:cNvSpPr txBox="1"/>
+          <p:nvPr/>
+        </p:nvSpPr>
+        <p:spPr>
+          <a:xfrm>
+            <a:off x="3123751" y="6294307"/>
+            <a:ext cx="8208440" cy="369332"/>
+          </a:xfrm>
+          <a:prstGeom prst="rect">
+            <a:avLst/>
+          </a:prstGeom>
+          <a:noFill/>
+        </p:spPr>
+        <p:txBody>
+          <a:bodyPr wrap="square" rtlCol="0">
+            <a:spAutoFit/>
+          </a:bodyPr>
+          <a:lstStyle/>
+          <a:p>
+            <a:r>
+              <a:rPr lang="en-US" dirty="0" smtClean="0"/>
+              <a:t>To create a site, you have to upload some content and set the site name.</a:t>
+            </a:r>
+            <a:endParaRPr lang="ru-RU" dirty="0"/>
           </a:p>
         </p:txBody>
       </p:sp>
     </p:spTree>
     <p:extLst>
       <p:ext uri="{BB962C8B-B14F-4D97-AF65-F5344CB8AC3E}">
-        <p14:creationId xmlns:p14="http://schemas.microsoft.com/office/powerpoint/2010/main" val="196864395"/>
+        <p14:creationId xmlns:p14="http://schemas.microsoft.com/office/powerpoint/2010/main" val="757399734"/>
       </p:ext>
     </p:extLst>
   </p:cSld>
@@ -9094,14 +10237,302 @@
             <p:ph type="title"/>
           </p:nvPr>
         </p:nvSpPr>
-        <p:spPr/>
+        <p:spPr>
+          <a:xfrm>
+            <a:off x="374984" y="0"/>
+            <a:ext cx="10515600" cy="1325563"/>
+          </a:xfrm>
+        </p:spPr>
         <p:txBody>
           <a:bodyPr/>
           <a:lstStyle/>
           <a:p>
             <a:r>
               <a:rPr lang="en-US" dirty="0" smtClean="0"/>
-              <a:t>Admin Dashboard</a:t>
+              <a:t>Help – Site Management</a:t>
+            </a:r>
+            <a:endParaRPr lang="ru-RU" dirty="0"/>
+          </a:p>
+        </p:txBody>
+      </p:sp>
+      <p:sp>
+        <p:nvSpPr>
+          <p:cNvPr id="4" name="Rectangle 3"/>
+          <p:cNvSpPr/>
+          <p:nvPr/>
+        </p:nvSpPr>
+        <p:spPr>
+          <a:xfrm>
+            <a:off x="306805" y="1052763"/>
+            <a:ext cx="2497810" cy="5654842"/>
+          </a:xfrm>
+          <a:prstGeom prst="rect">
+            <a:avLst/>
+          </a:prstGeom>
+          <a:noFill/>
+        </p:spPr>
+        <p:style>
+          <a:lnRef idx="2">
+            <a:schemeClr val="accent1">
+              <a:shade val="50000"/>
+            </a:schemeClr>
+          </a:lnRef>
+          <a:fillRef idx="1">
+            <a:schemeClr val="accent1"/>
+          </a:fillRef>
+          <a:effectRef idx="0">
+            <a:schemeClr val="accent1"/>
+          </a:effectRef>
+          <a:fontRef idx="minor">
+            <a:schemeClr val="lt1"/>
+          </a:fontRef>
+        </p:style>
+        <p:txBody>
+          <a:bodyPr rtlCol="0" anchor="ctr"/>
+          <a:lstStyle/>
+          <a:p>
+            <a:pPr algn="ctr"/>
+            <a:endParaRPr lang="ru-RU"/>
+          </a:p>
+        </p:txBody>
+      </p:sp>
+      <p:sp>
+        <p:nvSpPr>
+          <p:cNvPr id="5" name="TextBox 4"/>
+          <p:cNvSpPr txBox="1"/>
+          <p:nvPr/>
+        </p:nvSpPr>
+        <p:spPr>
+          <a:xfrm>
+            <a:off x="374984" y="1189085"/>
+            <a:ext cx="2313296" cy="369332"/>
+          </a:xfrm>
+          <a:prstGeom prst="rect">
+            <a:avLst/>
+          </a:prstGeom>
+          <a:noFill/>
+        </p:spPr>
+        <p:txBody>
+          <a:bodyPr wrap="square" rtlCol="0">
+            <a:spAutoFit/>
+          </a:bodyPr>
+          <a:lstStyle/>
+          <a:p>
+            <a:r>
+              <a:rPr lang="en-US" dirty="0" smtClean="0"/>
+              <a:t>General</a:t>
+            </a:r>
+            <a:endParaRPr lang="ru-RU" dirty="0"/>
+          </a:p>
+        </p:txBody>
+      </p:sp>
+      <p:sp>
+        <p:nvSpPr>
+          <p:cNvPr id="6" name="TextBox 5"/>
+          <p:cNvSpPr txBox="1"/>
+          <p:nvPr/>
+        </p:nvSpPr>
+        <p:spPr>
+          <a:xfrm>
+            <a:off x="729766" y="1554010"/>
+            <a:ext cx="2026693" cy="1200329"/>
+          </a:xfrm>
+          <a:prstGeom prst="rect">
+            <a:avLst/>
+          </a:prstGeom>
+          <a:noFill/>
+        </p:spPr>
+        <p:txBody>
+          <a:bodyPr wrap="square" rtlCol="0">
+            <a:spAutoFit/>
+          </a:bodyPr>
+          <a:lstStyle/>
+          <a:p>
+            <a:r>
+              <a:rPr lang="en-US" dirty="0" smtClean="0"/>
+              <a:t>Getting started</a:t>
+            </a:r>
+          </a:p>
+          <a:p>
+            <a:r>
+              <a:rPr lang="en-US" dirty="0" smtClean="0"/>
+              <a:t>Dashboard</a:t>
+            </a:r>
+          </a:p>
+          <a:p>
+            <a:r>
+              <a:rPr lang="en-US" dirty="0" smtClean="0"/>
+              <a:t>Create site</a:t>
+            </a:r>
+          </a:p>
+          <a:p>
+            <a:r>
+              <a:rPr lang="en-US" b="1" dirty="0" smtClean="0"/>
+              <a:t>Site management</a:t>
+            </a:r>
+            <a:endParaRPr lang="ru-RU" b="1" dirty="0"/>
+          </a:p>
+        </p:txBody>
+      </p:sp>
+      <p:sp>
+        <p:nvSpPr>
+          <p:cNvPr id="7" name="Rectangle 6"/>
+          <p:cNvSpPr/>
+          <p:nvPr/>
+        </p:nvSpPr>
+        <p:spPr>
+          <a:xfrm>
+            <a:off x="2954740" y="1052763"/>
+            <a:ext cx="9096233" cy="5654842"/>
+          </a:xfrm>
+          <a:prstGeom prst="rect">
+            <a:avLst/>
+          </a:prstGeom>
+          <a:noFill/>
+        </p:spPr>
+        <p:style>
+          <a:lnRef idx="2">
+            <a:schemeClr val="accent1">
+              <a:shade val="50000"/>
+            </a:schemeClr>
+          </a:lnRef>
+          <a:fillRef idx="1">
+            <a:schemeClr val="accent1"/>
+          </a:fillRef>
+          <a:effectRef idx="0">
+            <a:schemeClr val="accent1"/>
+          </a:effectRef>
+          <a:fontRef idx="minor">
+            <a:schemeClr val="lt1"/>
+          </a:fontRef>
+        </p:style>
+        <p:txBody>
+          <a:bodyPr rtlCol="0" anchor="ctr"/>
+          <a:lstStyle/>
+          <a:p>
+            <a:pPr algn="ctr"/>
+            <a:endParaRPr lang="ru-RU"/>
+          </a:p>
+        </p:txBody>
+      </p:sp>
+      <p:sp>
+        <p:nvSpPr>
+          <p:cNvPr id="3" name="TextBox 2"/>
+          <p:cNvSpPr txBox="1"/>
+          <p:nvPr/>
+        </p:nvSpPr>
+        <p:spPr>
+          <a:xfrm>
+            <a:off x="3043062" y="1119962"/>
+            <a:ext cx="8692816" cy="646331"/>
+          </a:xfrm>
+          <a:prstGeom prst="rect">
+            <a:avLst/>
+          </a:prstGeom>
+          <a:noFill/>
+        </p:spPr>
+        <p:txBody>
+          <a:bodyPr wrap="square" rtlCol="0">
+            <a:spAutoFit/>
+          </a:bodyPr>
+          <a:lstStyle/>
+          <a:p>
+            <a:r>
+              <a:rPr lang="en-US" dirty="0" smtClean="0"/>
+              <a:t>Use </a:t>
+            </a:r>
+            <a:r>
+              <a:rPr lang="en-US" b="1" dirty="0" smtClean="0"/>
+              <a:t>Update </a:t>
+            </a:r>
+            <a:r>
+              <a:rPr lang="en-US" dirty="0" smtClean="0"/>
+              <a:t>link in the dashboard page to start editing the site selected. The user interface used for site editing is the same that you saw when creating a new site.</a:t>
+            </a:r>
+            <a:endParaRPr lang="ru-RU" dirty="0"/>
+          </a:p>
+        </p:txBody>
+      </p:sp>
+      <p:sp>
+        <p:nvSpPr>
+          <p:cNvPr id="8" name="TextBox 7"/>
+          <p:cNvSpPr txBox="1"/>
+          <p:nvPr/>
+        </p:nvSpPr>
+        <p:spPr>
+          <a:xfrm>
+            <a:off x="3043062" y="1864371"/>
+            <a:ext cx="8091237" cy="923330"/>
+          </a:xfrm>
+          <a:prstGeom prst="rect">
+            <a:avLst/>
+          </a:prstGeom>
+          <a:noFill/>
+        </p:spPr>
+        <p:txBody>
+          <a:bodyPr wrap="square" rtlCol="0">
+            <a:spAutoFit/>
+          </a:bodyPr>
+          <a:lstStyle/>
+          <a:p>
+            <a:r>
+              <a:rPr lang="en-US" dirty="0" smtClean="0"/>
+              <a:t>During editing, you can change site name, description, landing page and resource mappings. You can also make your site active or inactive. Also there is possibility to upload new files for the site content using </a:t>
+            </a:r>
+            <a:r>
+              <a:rPr lang="en-US" b="1" dirty="0" smtClean="0"/>
+              <a:t>Upload Files</a:t>
+            </a:r>
+            <a:r>
+              <a:rPr lang="en-US" dirty="0" smtClean="0"/>
+              <a:t> section.</a:t>
+            </a:r>
+            <a:endParaRPr lang="ru-RU" dirty="0"/>
+          </a:p>
+        </p:txBody>
+      </p:sp>
+      <p:sp>
+        <p:nvSpPr>
+          <p:cNvPr id="9" name="TextBox 8"/>
+          <p:cNvSpPr txBox="1"/>
+          <p:nvPr/>
+        </p:nvSpPr>
+        <p:spPr>
+          <a:xfrm>
+            <a:off x="3043062" y="2947159"/>
+            <a:ext cx="8625565" cy="2031325"/>
+          </a:xfrm>
+          <a:prstGeom prst="rect">
+            <a:avLst/>
+          </a:prstGeom>
+          <a:noFill/>
+        </p:spPr>
+        <p:txBody>
+          <a:bodyPr wrap="square" rtlCol="0">
+            <a:spAutoFit/>
+          </a:bodyPr>
+          <a:lstStyle/>
+          <a:p>
+            <a:r>
+              <a:rPr lang="en-US" dirty="0" smtClean="0"/>
+              <a:t>Please note that the new site name you have entered is validated against the names of all existing sites. So, if you enter a name that is already in use by other user or site, you will be warned and you will have to change the site name. It </a:t>
+            </a:r>
+            <a:r>
+              <a:rPr lang="en-US" b="1" dirty="0" smtClean="0"/>
+              <a:t>must be unique</a:t>
+            </a:r>
+            <a:r>
+              <a:rPr lang="en-US" dirty="0" smtClean="0"/>
+              <a:t> among all users/sites to provide correct site routing.</a:t>
+            </a:r>
+          </a:p>
+          <a:p>
+            <a:endParaRPr lang="en-US" dirty="0"/>
+          </a:p>
+          <a:p>
+            <a:r>
+              <a:rPr lang="en-US" dirty="0" smtClean="0"/>
+              <a:t>Also if you try to upload a file that has already been uploaded with the site content, it just will be replaced.</a:t>
             </a:r>
             <a:endParaRPr lang="ru-RU" dirty="0"/>
           </a:p>
@@ -9110,7 +10541,7 @@
     </p:spTree>
     <p:extLst>
       <p:ext uri="{BB962C8B-B14F-4D97-AF65-F5344CB8AC3E}">
-        <p14:creationId xmlns:p14="http://schemas.microsoft.com/office/powerpoint/2010/main" val="1654730702"/>
+        <p14:creationId xmlns:p14="http://schemas.microsoft.com/office/powerpoint/2010/main" val="3932845466"/>
       </p:ext>
     </p:extLst>
   </p:cSld>
@@ -9145,8 +10576,8 @@
         </p:nvSpPr>
         <p:spPr>
           <a:xfrm>
-            <a:off x="427121" y="279380"/>
-            <a:ext cx="4614111" cy="369332"/>
+            <a:off x="427121" y="84221"/>
+            <a:ext cx="10750216" cy="369332"/>
           </a:xfrm>
           <a:prstGeom prst="rect">
             <a:avLst/>
@@ -9161,27 +10592,50 @@
           <a:p>
             <a:r>
               <a:rPr lang="en-US" dirty="0" smtClean="0"/>
-              <a:t>Conversation Message entity</a:t>
+              <a:t>My Profile page</a:t>
             </a:r>
             <a:endParaRPr lang="ru-RU" dirty="0"/>
           </a:p>
         </p:txBody>
       </p:sp>
-      <p:sp>
-        <p:nvSpPr>
-          <p:cNvPr id="5" name="Rounded Rectangle 4"/>
+      <p:pic>
+        <p:nvPicPr>
+          <p:cNvPr id="5" name="Picture 4"/>
+          <p:cNvPicPr>
+            <a:picLocks noChangeAspect="1"/>
+          </p:cNvPicPr>
+          <p:nvPr/>
+        </p:nvPicPr>
+        <p:blipFill>
+          <a:blip r:embed="rId2"/>
+          <a:stretch>
+            <a:fillRect/>
+          </a:stretch>
+        </p:blipFill>
+        <p:spPr>
+          <a:xfrm>
+            <a:off x="174458" y="375347"/>
+            <a:ext cx="10961638" cy="6344290"/>
+          </a:xfrm>
+          <a:prstGeom prst="rect">
+            <a:avLst/>
+          </a:prstGeom>
+        </p:spPr>
+      </p:pic>
+      <p:sp>
+        <p:nvSpPr>
+          <p:cNvPr id="2" name="Rectangle 1"/>
           <p:cNvSpPr/>
           <p:nvPr/>
         </p:nvSpPr>
         <p:spPr>
           <a:xfrm>
-            <a:off x="427121" y="794085"/>
-            <a:ext cx="3653560" cy="2051474"/>
-          </a:xfrm>
-          <a:prstGeom prst="roundRect">
-            <a:avLst/>
-          </a:prstGeom>
-          <a:noFill/>
+            <a:off x="7271951" y="3398108"/>
+            <a:ext cx="753763" cy="216243"/>
+          </a:xfrm>
+          <a:prstGeom prst="rect">
+            <a:avLst/>
+          </a:prstGeom>
         </p:spPr>
         <p:style>
           <a:lnRef idx="2">
@@ -9210,14 +10664,14 @@
       </p:sp>
       <p:sp>
         <p:nvSpPr>
-          <p:cNvPr id="6" name="TextBox 5"/>
+          <p:cNvPr id="3" name="TextBox 2"/>
           <p:cNvSpPr txBox="1"/>
           <p:nvPr/>
         </p:nvSpPr>
         <p:spPr>
           <a:xfrm>
-            <a:off x="716507" y="942659"/>
-            <a:ext cx="2777319" cy="1754326"/>
+            <a:off x="7386251" y="3355887"/>
+            <a:ext cx="525162" cy="276999"/>
           </a:xfrm>
           <a:prstGeom prst="rect">
             <a:avLst/>
@@ -9231,193 +10685,25 @@
           <a:lstStyle/>
           <a:p>
             <a:r>
-              <a:rPr lang="en-US" dirty="0" smtClean="0"/>
-              <a:t>Id (String)</a:t>
-            </a:r>
-          </a:p>
-          <a:p>
-            <a:r>
-              <a:rPr lang="en-US" dirty="0" err="1" smtClean="0"/>
-              <a:t>ConversationID</a:t>
-            </a:r>
-            <a:endParaRPr lang="en-US" dirty="0"/>
-          </a:p>
-          <a:p>
-            <a:r>
-              <a:rPr lang="en-US" dirty="0" err="1" smtClean="0"/>
-              <a:t>UserID</a:t>
-            </a:r>
-            <a:r>
-              <a:rPr lang="en-US" dirty="0" smtClean="0"/>
-              <a:t> (String)</a:t>
-            </a:r>
-          </a:p>
-          <a:p>
-            <a:r>
-              <a:rPr lang="en-US" dirty="0" err="1" smtClean="0"/>
-              <a:t>DateAdded</a:t>
-            </a:r>
-            <a:r>
-              <a:rPr lang="en-US" dirty="0" smtClean="0"/>
-              <a:t> (</a:t>
-            </a:r>
-            <a:r>
-              <a:rPr lang="en-US" dirty="0" err="1" smtClean="0"/>
-              <a:t>DateTime</a:t>
-            </a:r>
-            <a:r>
-              <a:rPr lang="en-US" dirty="0" smtClean="0"/>
-              <a:t>)</a:t>
-            </a:r>
-          </a:p>
-          <a:p>
-            <a:r>
-              <a:rPr lang="en-US" dirty="0" smtClean="0"/>
-              <a:t>Viewed (Boolean)</a:t>
-            </a:r>
-          </a:p>
-          <a:p>
-            <a:r>
-              <a:rPr lang="en-US" dirty="0" smtClean="0"/>
-              <a:t>Content (String)</a:t>
-            </a:r>
-            <a:endParaRPr lang="ru-RU" dirty="0"/>
-          </a:p>
-        </p:txBody>
-      </p:sp>
-      <p:sp>
-        <p:nvSpPr>
-          <p:cNvPr id="7" name="Rounded Rectangle 6"/>
-          <p:cNvSpPr/>
-          <p:nvPr/>
-        </p:nvSpPr>
-        <p:spPr>
-          <a:xfrm>
-            <a:off x="4981433" y="700200"/>
-            <a:ext cx="2437979" cy="1169543"/>
-          </a:xfrm>
-          <a:prstGeom prst="roundRect">
-            <a:avLst/>
-          </a:prstGeom>
-          <a:noFill/>
-        </p:spPr>
-        <p:style>
-          <a:lnRef idx="2">
-            <a:schemeClr val="accent1">
-              <a:shade val="50000"/>
-            </a:schemeClr>
-          </a:lnRef>
-          <a:fillRef idx="1">
-            <a:schemeClr val="accent1"/>
-          </a:fillRef>
-          <a:effectRef idx="0">
-            <a:schemeClr val="accent1"/>
-          </a:effectRef>
-          <a:fontRef idx="minor">
-            <a:schemeClr val="lt1"/>
-          </a:fontRef>
-        </p:style>
-        <p:txBody>
-          <a:bodyPr rtlCol="0" anchor="ctr"/>
-          <a:lstStyle/>
-          <a:p>
-            <a:pPr algn="ctr"/>
-            <a:endParaRPr lang="ru-RU"/>
-          </a:p>
-        </p:txBody>
-      </p:sp>
-      <p:sp>
-        <p:nvSpPr>
-          <p:cNvPr id="8" name="TextBox 7"/>
-          <p:cNvSpPr txBox="1"/>
-          <p:nvPr/>
-        </p:nvSpPr>
-        <p:spPr>
-          <a:xfrm>
-            <a:off x="4902374" y="260039"/>
-            <a:ext cx="4614111" cy="369332"/>
-          </a:xfrm>
-          <a:prstGeom prst="rect">
-            <a:avLst/>
-          </a:prstGeom>
-          <a:noFill/>
-        </p:spPr>
-        <p:txBody>
-          <a:bodyPr wrap="square" rtlCol="0">
-            <a:spAutoFit/>
-          </a:bodyPr>
-          <a:lstStyle/>
-          <a:p>
-            <a:r>
-              <a:rPr lang="en-US" dirty="0" smtClean="0"/>
-              <a:t>Conversation entity</a:t>
-            </a:r>
-            <a:endParaRPr lang="ru-RU" dirty="0"/>
-          </a:p>
-        </p:txBody>
-      </p:sp>
-      <p:sp>
-        <p:nvSpPr>
-          <p:cNvPr id="9" name="Rectangle 8"/>
-          <p:cNvSpPr/>
-          <p:nvPr/>
-        </p:nvSpPr>
-        <p:spPr>
-          <a:xfrm>
-            <a:off x="5181940" y="794085"/>
-            <a:ext cx="2237472" cy="923330"/>
-          </a:xfrm>
-          <a:prstGeom prst="rect">
-            <a:avLst/>
-          </a:prstGeom>
-        </p:spPr>
-        <p:txBody>
-          <a:bodyPr wrap="none">
-            <a:spAutoFit/>
-          </a:bodyPr>
-          <a:lstStyle/>
-          <a:p>
-            <a:r>
-              <a:rPr lang="en-US" dirty="0"/>
-              <a:t>Id (String</a:t>
-            </a:r>
-            <a:r>
-              <a:rPr lang="en-US" dirty="0" smtClean="0"/>
-              <a:t>)	 </a:t>
-            </a:r>
-          </a:p>
-          <a:p>
-            <a:r>
-              <a:rPr lang="en-US" dirty="0" smtClean="0"/>
-              <a:t>Name (String)</a:t>
-            </a:r>
-            <a:endParaRPr lang="en-US" dirty="0"/>
-          </a:p>
-          <a:p>
-            <a:r>
-              <a:rPr lang="en-US" dirty="0" err="1" smtClean="0"/>
-              <a:t>UnreadMessages</a:t>
-            </a:r>
-            <a:r>
-              <a:rPr lang="en-US" dirty="0" smtClean="0"/>
-              <a:t> (</a:t>
-            </a:r>
-            <a:r>
-              <a:rPr lang="en-US" dirty="0" err="1" smtClean="0"/>
-              <a:t>int</a:t>
-            </a:r>
-            <a:r>
-              <a:rPr lang="en-US" dirty="0" smtClean="0"/>
-              <a:t>)</a:t>
-            </a:r>
-            <a:endParaRPr lang="en-US" dirty="0"/>
+              <a:rPr lang="en-US" sz="1200" dirty="0" smtClean="0">
+                <a:solidFill>
+                  <a:schemeClr val="bg1"/>
+                </a:solidFill>
+              </a:rPr>
+              <a:t>Send</a:t>
+            </a:r>
+            <a:endParaRPr lang="ru-RU" sz="1200" dirty="0">
+              <a:solidFill>
+                <a:schemeClr val="bg1"/>
+              </a:solidFill>
+            </a:endParaRPr>
           </a:p>
         </p:txBody>
       </p:sp>
     </p:spTree>
     <p:extLst>
       <p:ext uri="{BB962C8B-B14F-4D97-AF65-F5344CB8AC3E}">
-        <p14:creationId xmlns:p14="http://schemas.microsoft.com/office/powerpoint/2010/main" val="2347573165"/>
+        <p14:creationId xmlns:p14="http://schemas.microsoft.com/office/powerpoint/2010/main" val="196864395"/>
       </p:ext>
     </p:extLst>
   </p:cSld>
@@ -9740,435 +11026,22 @@
       </p:grpSpPr>
       <p:sp>
         <p:nvSpPr>
-          <p:cNvPr id="6" name="TextBox 5"/>
-          <p:cNvSpPr txBox="1"/>
-          <p:nvPr/>
-        </p:nvSpPr>
-        <p:spPr>
-          <a:xfrm>
-            <a:off x="123754" y="116879"/>
-            <a:ext cx="5972725" cy="369332"/>
-          </a:xfrm>
-          <a:prstGeom prst="rect">
-            <a:avLst/>
-          </a:prstGeom>
-          <a:noFill/>
-        </p:spPr>
-        <p:txBody>
-          <a:bodyPr wrap="none" rtlCol="0">
-            <a:spAutoFit/>
-          </a:bodyPr>
-          <a:lstStyle/>
-          <a:p>
-            <a:r>
-              <a:rPr lang="en-US" dirty="0" smtClean="0"/>
-              <a:t>Admin notifications about new message in user conversations</a:t>
-            </a:r>
-            <a:endParaRPr lang="ru-RU" dirty="0"/>
-          </a:p>
-        </p:txBody>
-      </p:sp>
-      <p:sp>
-        <p:nvSpPr>
-          <p:cNvPr id="7" name="Прямоугольник 4"/>
-          <p:cNvSpPr/>
-          <p:nvPr/>
-        </p:nvSpPr>
-        <p:spPr>
-          <a:xfrm>
-            <a:off x="162427" y="563419"/>
-            <a:ext cx="11947357" cy="6148137"/>
-          </a:xfrm>
-          <a:prstGeom prst="rect">
-            <a:avLst/>
-          </a:prstGeom>
-          <a:noFill/>
-        </p:spPr>
-        <p:style>
-          <a:lnRef idx="2">
-            <a:schemeClr val="accent1">
-              <a:shade val="50000"/>
-            </a:schemeClr>
-          </a:lnRef>
-          <a:fillRef idx="1">
-            <a:schemeClr val="accent1"/>
-          </a:fillRef>
-          <a:effectRef idx="0">
-            <a:schemeClr val="accent1"/>
-          </a:effectRef>
-          <a:fontRef idx="minor">
-            <a:schemeClr val="lt1"/>
-          </a:fontRef>
-        </p:style>
-        <p:txBody>
-          <a:bodyPr rtlCol="0" anchor="ctr"/>
-          <a:lstStyle/>
-          <a:p>
-            <a:pPr algn="ctr"/>
-            <a:endParaRPr lang="ru-RU"/>
-          </a:p>
-        </p:txBody>
-      </p:sp>
-      <p:sp>
-        <p:nvSpPr>
-          <p:cNvPr id="8" name="Прямоугольник 5"/>
-          <p:cNvSpPr/>
-          <p:nvPr/>
-        </p:nvSpPr>
-        <p:spPr>
-          <a:xfrm>
-            <a:off x="1602971" y="535677"/>
-            <a:ext cx="9157647" cy="6148137"/>
-          </a:xfrm>
-          <a:prstGeom prst="rect">
-            <a:avLst/>
-          </a:prstGeom>
-          <a:solidFill>
-            <a:schemeClr val="bg1">
-              <a:lumMod val="95000"/>
-            </a:schemeClr>
-          </a:solidFill>
-        </p:spPr>
-        <p:style>
-          <a:lnRef idx="2">
-            <a:schemeClr val="accent1">
-              <a:shade val="50000"/>
-            </a:schemeClr>
-          </a:lnRef>
-          <a:fillRef idx="1">
-            <a:schemeClr val="accent1"/>
-          </a:fillRef>
-          <a:effectRef idx="0">
-            <a:schemeClr val="accent1"/>
-          </a:effectRef>
-          <a:fontRef idx="minor">
-            <a:schemeClr val="lt1"/>
-          </a:fontRef>
-        </p:style>
-        <p:txBody>
-          <a:bodyPr rtlCol="0" anchor="ctr"/>
-          <a:lstStyle/>
-          <a:p>
-            <a:pPr algn="ctr"/>
-            <a:endParaRPr lang="ru-RU"/>
-          </a:p>
-        </p:txBody>
-      </p:sp>
-      <p:sp>
-        <p:nvSpPr>
-          <p:cNvPr id="9" name="Прямоугольник 6"/>
-          <p:cNvSpPr/>
-          <p:nvPr/>
-        </p:nvSpPr>
-        <p:spPr>
-          <a:xfrm>
-            <a:off x="1594752" y="563419"/>
-            <a:ext cx="9157647" cy="1067488"/>
-          </a:xfrm>
-          <a:prstGeom prst="rect">
-            <a:avLst/>
-          </a:prstGeom>
-          <a:solidFill>
-            <a:schemeClr val="bg2"/>
-          </a:solidFill>
-        </p:spPr>
-        <p:style>
-          <a:lnRef idx="2">
-            <a:schemeClr val="accent1">
-              <a:shade val="50000"/>
-            </a:schemeClr>
-          </a:lnRef>
-          <a:fillRef idx="1">
-            <a:schemeClr val="accent1"/>
-          </a:fillRef>
-          <a:effectRef idx="0">
-            <a:schemeClr val="accent1"/>
-          </a:effectRef>
-          <a:fontRef idx="minor">
-            <a:schemeClr val="lt1"/>
-          </a:fontRef>
-        </p:style>
-        <p:txBody>
-          <a:bodyPr rtlCol="0" anchor="ctr"/>
-          <a:lstStyle/>
-          <a:p>
-            <a:pPr algn="ctr"/>
-            <a:endParaRPr lang="ru-RU"/>
-          </a:p>
-        </p:txBody>
-      </p:sp>
-      <p:sp>
-        <p:nvSpPr>
-          <p:cNvPr id="10" name="TextBox 9"/>
-          <p:cNvSpPr txBox="1"/>
-          <p:nvPr/>
-        </p:nvSpPr>
-        <p:spPr>
-          <a:xfrm>
-            <a:off x="1562666" y="563419"/>
-            <a:ext cx="2790969" cy="523220"/>
-          </a:xfrm>
-          <a:prstGeom prst="rect">
-            <a:avLst/>
-          </a:prstGeom>
-          <a:noFill/>
-        </p:spPr>
-        <p:txBody>
-          <a:bodyPr wrap="square" rtlCol="0">
-            <a:spAutoFit/>
-          </a:bodyPr>
-          <a:lstStyle/>
-          <a:p>
-            <a:r>
-              <a:rPr lang="en-US" sz="2800" dirty="0" smtClean="0"/>
-              <a:t>LOGO (</a:t>
-            </a:r>
-            <a:r>
-              <a:rPr lang="en-US" sz="2800" dirty="0" err="1" smtClean="0"/>
-              <a:t>Img</a:t>
-            </a:r>
-            <a:r>
-              <a:rPr lang="en-US" sz="2800" dirty="0" smtClean="0"/>
-              <a:t>)</a:t>
-            </a:r>
-            <a:endParaRPr lang="ru-RU" sz="2800" dirty="0"/>
-          </a:p>
-        </p:txBody>
-      </p:sp>
-      <p:sp>
-        <p:nvSpPr>
-          <p:cNvPr id="11" name="Прямоугольник 8"/>
-          <p:cNvSpPr/>
-          <p:nvPr/>
-        </p:nvSpPr>
-        <p:spPr>
-          <a:xfrm>
-            <a:off x="1600377" y="1317009"/>
-            <a:ext cx="9157649" cy="313898"/>
-          </a:xfrm>
-          <a:prstGeom prst="rect">
-            <a:avLst/>
-          </a:prstGeom>
-        </p:spPr>
-        <p:style>
-          <a:lnRef idx="2">
-            <a:schemeClr val="accent1">
-              <a:shade val="50000"/>
-            </a:schemeClr>
-          </a:lnRef>
-          <a:fillRef idx="1">
-            <a:schemeClr val="accent1"/>
-          </a:fillRef>
-          <a:effectRef idx="0">
-            <a:schemeClr val="accent1"/>
-          </a:effectRef>
-          <a:fontRef idx="minor">
-            <a:schemeClr val="lt1"/>
-          </a:fontRef>
-        </p:style>
-        <p:txBody>
-          <a:bodyPr rtlCol="0" anchor="ctr"/>
-          <a:lstStyle/>
-          <a:p>
-            <a:pPr algn="ctr"/>
-            <a:endParaRPr lang="ru-RU"/>
-          </a:p>
-        </p:txBody>
-      </p:sp>
-      <p:sp>
-        <p:nvSpPr>
-          <p:cNvPr id="12" name="TextBox 11"/>
-          <p:cNvSpPr txBox="1"/>
-          <p:nvPr/>
-        </p:nvSpPr>
-        <p:spPr>
-          <a:xfrm>
-            <a:off x="1563755" y="1276549"/>
-            <a:ext cx="6578224" cy="369332"/>
-          </a:xfrm>
-          <a:prstGeom prst="rect">
-            <a:avLst/>
-          </a:prstGeom>
-          <a:noFill/>
-        </p:spPr>
-        <p:txBody>
-          <a:bodyPr wrap="square" rtlCol="0">
-            <a:spAutoFit/>
-          </a:bodyPr>
-          <a:lstStyle/>
-          <a:p>
-            <a:r>
-              <a:rPr lang="en-US" dirty="0" smtClean="0">
-                <a:solidFill>
-                  <a:schemeClr val="bg1"/>
-                </a:solidFill>
-              </a:rPr>
-              <a:t>Dashboard | My Profile | Conversations </a:t>
-            </a:r>
-            <a:r>
-              <a:rPr lang="en-US" baseline="30000" dirty="0" smtClean="0">
-                <a:solidFill>
-                  <a:srgbClr val="FF0000"/>
-                </a:solidFill>
-              </a:rPr>
-              <a:t>(New)</a:t>
-            </a:r>
-            <a:r>
-              <a:rPr lang="en-US" dirty="0" smtClean="0">
-                <a:solidFill>
-                  <a:schemeClr val="bg1"/>
-                </a:solidFill>
-              </a:rPr>
-              <a:t> | Help</a:t>
-            </a:r>
-            <a:endParaRPr lang="ru-RU" dirty="0">
-              <a:solidFill>
-                <a:schemeClr val="bg1"/>
-              </a:solidFill>
-            </a:endParaRPr>
-          </a:p>
-        </p:txBody>
-      </p:sp>
-      <p:sp>
-        <p:nvSpPr>
-          <p:cNvPr id="13" name="TextBox 12"/>
-          <p:cNvSpPr txBox="1"/>
-          <p:nvPr/>
-        </p:nvSpPr>
-        <p:spPr>
-          <a:xfrm>
-            <a:off x="8423978" y="975354"/>
-            <a:ext cx="2376943" cy="307777"/>
-          </a:xfrm>
-          <a:prstGeom prst="rect">
-            <a:avLst/>
-          </a:prstGeom>
-          <a:noFill/>
-        </p:spPr>
-        <p:txBody>
-          <a:bodyPr wrap="square" rtlCol="0">
-            <a:spAutoFit/>
-          </a:bodyPr>
-          <a:lstStyle/>
-          <a:p>
-            <a:r>
-              <a:rPr lang="en-US" sz="1400" dirty="0" smtClean="0">
-                <a:solidFill>
-                  <a:schemeClr val="accent5"/>
-                </a:solidFill>
-              </a:rPr>
-              <a:t>Welcome, Admin | Sign out…</a:t>
-            </a:r>
-            <a:endParaRPr lang="ru-RU" sz="1400" dirty="0">
-              <a:solidFill>
-                <a:schemeClr val="accent5"/>
-              </a:solidFill>
-            </a:endParaRPr>
-          </a:p>
-        </p:txBody>
-      </p:sp>
-      <p:sp>
-        <p:nvSpPr>
-          <p:cNvPr id="14" name="TextBox 13"/>
-          <p:cNvSpPr txBox="1"/>
-          <p:nvPr/>
-        </p:nvSpPr>
-        <p:spPr>
-          <a:xfrm>
-            <a:off x="1547713" y="3609746"/>
-            <a:ext cx="9157649" cy="369332"/>
-          </a:xfrm>
-          <a:prstGeom prst="rect">
-            <a:avLst/>
-          </a:prstGeom>
-          <a:noFill/>
-        </p:spPr>
-        <p:txBody>
-          <a:bodyPr wrap="square" rtlCol="0">
-            <a:spAutoFit/>
-          </a:bodyPr>
-          <a:lstStyle/>
-          <a:p>
-            <a:pPr algn="ctr"/>
-            <a:r>
-              <a:rPr lang="en-US" dirty="0" smtClean="0"/>
-              <a:t>CONTENT HERE</a:t>
-            </a:r>
-            <a:endParaRPr lang="ru-RU" dirty="0"/>
-          </a:p>
-        </p:txBody>
-      </p:sp>
-      <p:cxnSp>
-        <p:nvCxnSpPr>
-          <p:cNvPr id="16" name="Straight Arrow Connector 15"/>
-          <p:cNvCxnSpPr/>
-          <p:nvPr/>
-        </p:nvCxnSpPr>
-        <p:spPr>
-          <a:xfrm flipH="1" flipV="1">
-            <a:off x="5637654" y="1519417"/>
-            <a:ext cx="577516" cy="928150"/>
-          </a:xfrm>
-          <a:prstGeom prst="straightConnector1">
-            <a:avLst/>
-          </a:prstGeom>
-          <a:ln>
-            <a:solidFill>
-              <a:srgbClr val="FF0000"/>
-            </a:solidFill>
-            <a:tailEnd type="triangle"/>
-          </a:ln>
-        </p:spPr>
-        <p:style>
-          <a:lnRef idx="1">
-            <a:schemeClr val="accent1"/>
-          </a:lnRef>
-          <a:fillRef idx="0">
-            <a:schemeClr val="accent1"/>
-          </a:fillRef>
-          <a:effectRef idx="0">
-            <a:schemeClr val="accent1"/>
-          </a:effectRef>
-          <a:fontRef idx="minor">
-            <a:schemeClr val="tx1"/>
-          </a:fontRef>
-        </p:style>
-      </p:cxnSp>
-      <p:sp>
-        <p:nvSpPr>
-          <p:cNvPr id="17" name="TextBox 16"/>
-          <p:cNvSpPr txBox="1"/>
-          <p:nvPr/>
-        </p:nvSpPr>
-        <p:spPr>
-          <a:xfrm>
-            <a:off x="6023811" y="2447567"/>
-            <a:ext cx="3922294" cy="923330"/>
-          </a:xfrm>
-          <a:prstGeom prst="rect">
-            <a:avLst/>
-          </a:prstGeom>
-          <a:noFill/>
-        </p:spPr>
-        <p:txBody>
-          <a:bodyPr wrap="square" rtlCol="0">
-            <a:spAutoFit/>
-          </a:bodyPr>
-          <a:lstStyle/>
-          <a:p>
-            <a:r>
-              <a:rPr lang="en-US" dirty="0" smtClean="0"/>
-              <a:t>Shown for all client routes except Conversations</a:t>
-            </a:r>
-          </a:p>
-          <a:p>
-            <a:r>
-              <a:rPr lang="en-US" dirty="0" smtClean="0"/>
-              <a:t>This is </a:t>
-            </a:r>
-            <a:r>
-              <a:rPr lang="en-US" dirty="0" err="1" smtClean="0"/>
-              <a:t>realtime</a:t>
+          <p:cNvPr id="2" name="Title 1"/>
+          <p:cNvSpPr>
+            <a:spLocks noGrp="1"/>
+          </p:cNvSpPr>
+          <p:nvPr>
+            <p:ph type="title"/>
+          </p:nvPr>
+        </p:nvSpPr>
+        <p:spPr/>
+        <p:txBody>
+          <a:bodyPr/>
+          <a:lstStyle/>
+          <a:p>
+            <a:r>
+              <a:rPr lang="en-US" dirty="0" smtClean="0"/>
+              <a:t>Admin Dashboard</a:t>
             </a:r>
             <a:endParaRPr lang="ru-RU" dirty="0"/>
           </a:p>
@@ -10177,7 +11050,7 @@
     </p:spTree>
     <p:extLst>
       <p:ext uri="{BB962C8B-B14F-4D97-AF65-F5344CB8AC3E}">
-        <p14:creationId xmlns:p14="http://schemas.microsoft.com/office/powerpoint/2010/main" val="973098012"/>
+        <p14:creationId xmlns:p14="http://schemas.microsoft.com/office/powerpoint/2010/main" val="1654730702"/>
       </p:ext>
     </p:extLst>
   </p:cSld>
@@ -10206,6 +11079,779 @@
       </p:grpSpPr>
       <p:sp>
         <p:nvSpPr>
+          <p:cNvPr id="4" name="TextBox 3"/>
+          <p:cNvSpPr txBox="1"/>
+          <p:nvPr/>
+        </p:nvSpPr>
+        <p:spPr>
+          <a:xfrm>
+            <a:off x="427121" y="279380"/>
+            <a:ext cx="4614111" cy="369332"/>
+          </a:xfrm>
+          <a:prstGeom prst="rect">
+            <a:avLst/>
+          </a:prstGeom>
+          <a:noFill/>
+        </p:spPr>
+        <p:txBody>
+          <a:bodyPr wrap="square" rtlCol="0">
+            <a:spAutoFit/>
+          </a:bodyPr>
+          <a:lstStyle/>
+          <a:p>
+            <a:r>
+              <a:rPr lang="en-US" dirty="0" smtClean="0"/>
+              <a:t>Conversation Message entity</a:t>
+            </a:r>
+            <a:endParaRPr lang="ru-RU" dirty="0"/>
+          </a:p>
+        </p:txBody>
+      </p:sp>
+      <p:sp>
+        <p:nvSpPr>
+          <p:cNvPr id="5" name="Rounded Rectangle 4"/>
+          <p:cNvSpPr/>
+          <p:nvPr/>
+        </p:nvSpPr>
+        <p:spPr>
+          <a:xfrm>
+            <a:off x="427121" y="794085"/>
+            <a:ext cx="3653560" cy="2051474"/>
+          </a:xfrm>
+          <a:prstGeom prst="roundRect">
+            <a:avLst/>
+          </a:prstGeom>
+          <a:noFill/>
+        </p:spPr>
+        <p:style>
+          <a:lnRef idx="2">
+            <a:schemeClr val="accent1">
+              <a:shade val="50000"/>
+            </a:schemeClr>
+          </a:lnRef>
+          <a:fillRef idx="1">
+            <a:schemeClr val="accent1"/>
+          </a:fillRef>
+          <a:effectRef idx="0">
+            <a:schemeClr val="accent1"/>
+          </a:effectRef>
+          <a:fontRef idx="minor">
+            <a:schemeClr val="lt1"/>
+          </a:fontRef>
+        </p:style>
+        <p:txBody>
+          <a:bodyPr rtlCol="0" anchor="ctr"/>
+          <a:lstStyle/>
+          <a:p>
+            <a:pPr algn="ctr"/>
+            <a:endParaRPr lang="ru-RU"/>
+          </a:p>
+        </p:txBody>
+      </p:sp>
+      <p:sp>
+        <p:nvSpPr>
+          <p:cNvPr id="6" name="TextBox 5"/>
+          <p:cNvSpPr txBox="1"/>
+          <p:nvPr/>
+        </p:nvSpPr>
+        <p:spPr>
+          <a:xfrm>
+            <a:off x="716507" y="942659"/>
+            <a:ext cx="2777319" cy="1754326"/>
+          </a:xfrm>
+          <a:prstGeom prst="rect">
+            <a:avLst/>
+          </a:prstGeom>
+          <a:noFill/>
+        </p:spPr>
+        <p:txBody>
+          <a:bodyPr wrap="square" rtlCol="0">
+            <a:spAutoFit/>
+          </a:bodyPr>
+          <a:lstStyle/>
+          <a:p>
+            <a:r>
+              <a:rPr lang="en-US" dirty="0" smtClean="0"/>
+              <a:t>Id (String)</a:t>
+            </a:r>
+          </a:p>
+          <a:p>
+            <a:r>
+              <a:rPr lang="en-US" dirty="0" err="1" smtClean="0"/>
+              <a:t>ConversationID</a:t>
+            </a:r>
+            <a:endParaRPr lang="en-US" dirty="0"/>
+          </a:p>
+          <a:p>
+            <a:r>
+              <a:rPr lang="en-US" dirty="0" err="1" smtClean="0"/>
+              <a:t>UserID</a:t>
+            </a:r>
+            <a:r>
+              <a:rPr lang="en-US" dirty="0" smtClean="0"/>
+              <a:t> (String)</a:t>
+            </a:r>
+          </a:p>
+          <a:p>
+            <a:r>
+              <a:rPr lang="en-US" dirty="0" err="1" smtClean="0"/>
+              <a:t>DateAdded</a:t>
+            </a:r>
+            <a:r>
+              <a:rPr lang="en-US" dirty="0" smtClean="0"/>
+              <a:t> (</a:t>
+            </a:r>
+            <a:r>
+              <a:rPr lang="en-US" dirty="0" err="1" smtClean="0"/>
+              <a:t>DateTime</a:t>
+            </a:r>
+            <a:r>
+              <a:rPr lang="en-US" dirty="0" smtClean="0"/>
+              <a:t>)</a:t>
+            </a:r>
+          </a:p>
+          <a:p>
+            <a:r>
+              <a:rPr lang="en-US" dirty="0" smtClean="0"/>
+              <a:t>Viewed (Boolean)</a:t>
+            </a:r>
+          </a:p>
+          <a:p>
+            <a:r>
+              <a:rPr lang="en-US" dirty="0" smtClean="0"/>
+              <a:t>Content (String)</a:t>
+            </a:r>
+            <a:endParaRPr lang="ru-RU" dirty="0"/>
+          </a:p>
+        </p:txBody>
+      </p:sp>
+      <p:sp>
+        <p:nvSpPr>
+          <p:cNvPr id="7" name="Rounded Rectangle 6"/>
+          <p:cNvSpPr/>
+          <p:nvPr/>
+        </p:nvSpPr>
+        <p:spPr>
+          <a:xfrm>
+            <a:off x="4981433" y="700200"/>
+            <a:ext cx="2437979" cy="1169543"/>
+          </a:xfrm>
+          <a:prstGeom prst="roundRect">
+            <a:avLst/>
+          </a:prstGeom>
+          <a:noFill/>
+        </p:spPr>
+        <p:style>
+          <a:lnRef idx="2">
+            <a:schemeClr val="accent1">
+              <a:shade val="50000"/>
+            </a:schemeClr>
+          </a:lnRef>
+          <a:fillRef idx="1">
+            <a:schemeClr val="accent1"/>
+          </a:fillRef>
+          <a:effectRef idx="0">
+            <a:schemeClr val="accent1"/>
+          </a:effectRef>
+          <a:fontRef idx="minor">
+            <a:schemeClr val="lt1"/>
+          </a:fontRef>
+        </p:style>
+        <p:txBody>
+          <a:bodyPr rtlCol="0" anchor="ctr"/>
+          <a:lstStyle/>
+          <a:p>
+            <a:pPr algn="ctr"/>
+            <a:endParaRPr lang="ru-RU"/>
+          </a:p>
+        </p:txBody>
+      </p:sp>
+      <p:sp>
+        <p:nvSpPr>
+          <p:cNvPr id="8" name="TextBox 7"/>
+          <p:cNvSpPr txBox="1"/>
+          <p:nvPr/>
+        </p:nvSpPr>
+        <p:spPr>
+          <a:xfrm>
+            <a:off x="4902374" y="260039"/>
+            <a:ext cx="4614111" cy="369332"/>
+          </a:xfrm>
+          <a:prstGeom prst="rect">
+            <a:avLst/>
+          </a:prstGeom>
+          <a:noFill/>
+        </p:spPr>
+        <p:txBody>
+          <a:bodyPr wrap="square" rtlCol="0">
+            <a:spAutoFit/>
+          </a:bodyPr>
+          <a:lstStyle/>
+          <a:p>
+            <a:r>
+              <a:rPr lang="en-US" dirty="0" smtClean="0"/>
+              <a:t>Conversation entity</a:t>
+            </a:r>
+            <a:endParaRPr lang="ru-RU" dirty="0"/>
+          </a:p>
+        </p:txBody>
+      </p:sp>
+      <p:sp>
+        <p:nvSpPr>
+          <p:cNvPr id="9" name="Rectangle 8"/>
+          <p:cNvSpPr/>
+          <p:nvPr/>
+        </p:nvSpPr>
+        <p:spPr>
+          <a:xfrm>
+            <a:off x="5181940" y="794085"/>
+            <a:ext cx="2237472" cy="923330"/>
+          </a:xfrm>
+          <a:prstGeom prst="rect">
+            <a:avLst/>
+          </a:prstGeom>
+        </p:spPr>
+        <p:txBody>
+          <a:bodyPr wrap="none">
+            <a:spAutoFit/>
+          </a:bodyPr>
+          <a:lstStyle/>
+          <a:p>
+            <a:r>
+              <a:rPr lang="en-US" dirty="0"/>
+              <a:t>Id (String</a:t>
+            </a:r>
+            <a:r>
+              <a:rPr lang="en-US" dirty="0" smtClean="0"/>
+              <a:t>)	 </a:t>
+            </a:r>
+          </a:p>
+          <a:p>
+            <a:r>
+              <a:rPr lang="en-US" dirty="0" smtClean="0"/>
+              <a:t>Name (String)</a:t>
+            </a:r>
+            <a:endParaRPr lang="en-US" dirty="0"/>
+          </a:p>
+          <a:p>
+            <a:r>
+              <a:rPr lang="en-US" dirty="0" err="1" smtClean="0"/>
+              <a:t>UnreadMessages</a:t>
+            </a:r>
+            <a:r>
+              <a:rPr lang="en-US" dirty="0" smtClean="0"/>
+              <a:t> (</a:t>
+            </a:r>
+            <a:r>
+              <a:rPr lang="en-US" dirty="0" err="1" smtClean="0"/>
+              <a:t>int</a:t>
+            </a:r>
+            <a:r>
+              <a:rPr lang="en-US" dirty="0" smtClean="0"/>
+              <a:t>)</a:t>
+            </a:r>
+            <a:endParaRPr lang="en-US" dirty="0"/>
+          </a:p>
+        </p:txBody>
+      </p:sp>
+    </p:spTree>
+    <p:extLst>
+      <p:ext uri="{BB962C8B-B14F-4D97-AF65-F5344CB8AC3E}">
+        <p14:creationId xmlns:p14="http://schemas.microsoft.com/office/powerpoint/2010/main" val="2347573165"/>
+      </p:ext>
+    </p:extLst>
+  </p:cSld>
+  <p:clrMapOvr>
+    <a:masterClrMapping/>
+  </p:clrMapOvr>
+</p:sld>
+</file>
+
+<file path=ppt/slides/slide22.xml><?xml version="1.0" encoding="utf-8"?>
+<p:sld xmlns:a="http://schemas.openxmlformats.org/drawingml/2006/main" xmlns:r="http://schemas.openxmlformats.org/officeDocument/2006/relationships" xmlns:p="http://schemas.openxmlformats.org/presentationml/2006/main">
+  <p:cSld>
+    <p:spTree>
+      <p:nvGrpSpPr>
+        <p:cNvPr id="1" name=""/>
+        <p:cNvGrpSpPr/>
+        <p:nvPr/>
+      </p:nvGrpSpPr>
+      <p:grpSpPr>
+        <a:xfrm>
+          <a:off x="0" y="0"/>
+          <a:ext cx="0" cy="0"/>
+          <a:chOff x="0" y="0"/>
+          <a:chExt cx="0" cy="0"/>
+        </a:xfrm>
+      </p:grpSpPr>
+      <p:sp>
+        <p:nvSpPr>
+          <p:cNvPr id="6" name="TextBox 5"/>
+          <p:cNvSpPr txBox="1"/>
+          <p:nvPr/>
+        </p:nvSpPr>
+        <p:spPr>
+          <a:xfrm>
+            <a:off x="123754" y="116879"/>
+            <a:ext cx="5972725" cy="369332"/>
+          </a:xfrm>
+          <a:prstGeom prst="rect">
+            <a:avLst/>
+          </a:prstGeom>
+          <a:noFill/>
+        </p:spPr>
+        <p:txBody>
+          <a:bodyPr wrap="none" rtlCol="0">
+            <a:spAutoFit/>
+          </a:bodyPr>
+          <a:lstStyle/>
+          <a:p>
+            <a:r>
+              <a:rPr lang="en-US" dirty="0" smtClean="0"/>
+              <a:t>Admin notifications about new message in user conversations</a:t>
+            </a:r>
+            <a:endParaRPr lang="ru-RU" dirty="0"/>
+          </a:p>
+        </p:txBody>
+      </p:sp>
+      <p:sp>
+        <p:nvSpPr>
+          <p:cNvPr id="7" name="Прямоугольник 4"/>
+          <p:cNvSpPr/>
+          <p:nvPr/>
+        </p:nvSpPr>
+        <p:spPr>
+          <a:xfrm>
+            <a:off x="162427" y="563419"/>
+            <a:ext cx="11947357" cy="6148137"/>
+          </a:xfrm>
+          <a:prstGeom prst="rect">
+            <a:avLst/>
+          </a:prstGeom>
+          <a:noFill/>
+        </p:spPr>
+        <p:style>
+          <a:lnRef idx="2">
+            <a:schemeClr val="accent1">
+              <a:shade val="50000"/>
+            </a:schemeClr>
+          </a:lnRef>
+          <a:fillRef idx="1">
+            <a:schemeClr val="accent1"/>
+          </a:fillRef>
+          <a:effectRef idx="0">
+            <a:schemeClr val="accent1"/>
+          </a:effectRef>
+          <a:fontRef idx="minor">
+            <a:schemeClr val="lt1"/>
+          </a:fontRef>
+        </p:style>
+        <p:txBody>
+          <a:bodyPr rtlCol="0" anchor="ctr"/>
+          <a:lstStyle/>
+          <a:p>
+            <a:pPr algn="ctr"/>
+            <a:endParaRPr lang="ru-RU"/>
+          </a:p>
+        </p:txBody>
+      </p:sp>
+      <p:sp>
+        <p:nvSpPr>
+          <p:cNvPr id="8" name="Прямоугольник 5"/>
+          <p:cNvSpPr/>
+          <p:nvPr/>
+        </p:nvSpPr>
+        <p:spPr>
+          <a:xfrm>
+            <a:off x="1602971" y="535677"/>
+            <a:ext cx="9157647" cy="6148137"/>
+          </a:xfrm>
+          <a:prstGeom prst="rect">
+            <a:avLst/>
+          </a:prstGeom>
+          <a:solidFill>
+            <a:schemeClr val="bg1">
+              <a:lumMod val="95000"/>
+            </a:schemeClr>
+          </a:solidFill>
+        </p:spPr>
+        <p:style>
+          <a:lnRef idx="2">
+            <a:schemeClr val="accent1">
+              <a:shade val="50000"/>
+            </a:schemeClr>
+          </a:lnRef>
+          <a:fillRef idx="1">
+            <a:schemeClr val="accent1"/>
+          </a:fillRef>
+          <a:effectRef idx="0">
+            <a:schemeClr val="accent1"/>
+          </a:effectRef>
+          <a:fontRef idx="minor">
+            <a:schemeClr val="lt1"/>
+          </a:fontRef>
+        </p:style>
+        <p:txBody>
+          <a:bodyPr rtlCol="0" anchor="ctr"/>
+          <a:lstStyle/>
+          <a:p>
+            <a:pPr algn="ctr"/>
+            <a:endParaRPr lang="ru-RU"/>
+          </a:p>
+        </p:txBody>
+      </p:sp>
+      <p:sp>
+        <p:nvSpPr>
+          <p:cNvPr id="9" name="Прямоугольник 6"/>
+          <p:cNvSpPr/>
+          <p:nvPr/>
+        </p:nvSpPr>
+        <p:spPr>
+          <a:xfrm>
+            <a:off x="1594752" y="563419"/>
+            <a:ext cx="9157647" cy="1067488"/>
+          </a:xfrm>
+          <a:prstGeom prst="rect">
+            <a:avLst/>
+          </a:prstGeom>
+          <a:solidFill>
+            <a:schemeClr val="bg2"/>
+          </a:solidFill>
+        </p:spPr>
+        <p:style>
+          <a:lnRef idx="2">
+            <a:schemeClr val="accent1">
+              <a:shade val="50000"/>
+            </a:schemeClr>
+          </a:lnRef>
+          <a:fillRef idx="1">
+            <a:schemeClr val="accent1"/>
+          </a:fillRef>
+          <a:effectRef idx="0">
+            <a:schemeClr val="accent1"/>
+          </a:effectRef>
+          <a:fontRef idx="minor">
+            <a:schemeClr val="lt1"/>
+          </a:fontRef>
+        </p:style>
+        <p:txBody>
+          <a:bodyPr rtlCol="0" anchor="ctr"/>
+          <a:lstStyle/>
+          <a:p>
+            <a:pPr algn="ctr"/>
+            <a:endParaRPr lang="ru-RU"/>
+          </a:p>
+        </p:txBody>
+      </p:sp>
+      <p:sp>
+        <p:nvSpPr>
+          <p:cNvPr id="10" name="TextBox 9"/>
+          <p:cNvSpPr txBox="1"/>
+          <p:nvPr/>
+        </p:nvSpPr>
+        <p:spPr>
+          <a:xfrm>
+            <a:off x="1562666" y="563419"/>
+            <a:ext cx="2790969" cy="523220"/>
+          </a:xfrm>
+          <a:prstGeom prst="rect">
+            <a:avLst/>
+          </a:prstGeom>
+          <a:noFill/>
+        </p:spPr>
+        <p:txBody>
+          <a:bodyPr wrap="square" rtlCol="0">
+            <a:spAutoFit/>
+          </a:bodyPr>
+          <a:lstStyle/>
+          <a:p>
+            <a:r>
+              <a:rPr lang="en-US" sz="2800" dirty="0" smtClean="0"/>
+              <a:t>LOGO (</a:t>
+            </a:r>
+            <a:r>
+              <a:rPr lang="en-US" sz="2800" dirty="0" err="1" smtClean="0"/>
+              <a:t>Img</a:t>
+            </a:r>
+            <a:r>
+              <a:rPr lang="en-US" sz="2800" dirty="0" smtClean="0"/>
+              <a:t>)</a:t>
+            </a:r>
+            <a:endParaRPr lang="ru-RU" sz="2800" dirty="0"/>
+          </a:p>
+        </p:txBody>
+      </p:sp>
+      <p:sp>
+        <p:nvSpPr>
+          <p:cNvPr id="11" name="Прямоугольник 8"/>
+          <p:cNvSpPr/>
+          <p:nvPr/>
+        </p:nvSpPr>
+        <p:spPr>
+          <a:xfrm>
+            <a:off x="1600377" y="1317009"/>
+            <a:ext cx="9157649" cy="313898"/>
+          </a:xfrm>
+          <a:prstGeom prst="rect">
+            <a:avLst/>
+          </a:prstGeom>
+        </p:spPr>
+        <p:style>
+          <a:lnRef idx="2">
+            <a:schemeClr val="accent1">
+              <a:shade val="50000"/>
+            </a:schemeClr>
+          </a:lnRef>
+          <a:fillRef idx="1">
+            <a:schemeClr val="accent1"/>
+          </a:fillRef>
+          <a:effectRef idx="0">
+            <a:schemeClr val="accent1"/>
+          </a:effectRef>
+          <a:fontRef idx="minor">
+            <a:schemeClr val="lt1"/>
+          </a:fontRef>
+        </p:style>
+        <p:txBody>
+          <a:bodyPr rtlCol="0" anchor="ctr"/>
+          <a:lstStyle/>
+          <a:p>
+            <a:pPr algn="ctr"/>
+            <a:endParaRPr lang="ru-RU"/>
+          </a:p>
+        </p:txBody>
+      </p:sp>
+      <p:sp>
+        <p:nvSpPr>
+          <p:cNvPr id="12" name="TextBox 11"/>
+          <p:cNvSpPr txBox="1"/>
+          <p:nvPr/>
+        </p:nvSpPr>
+        <p:spPr>
+          <a:xfrm>
+            <a:off x="1563755" y="1276549"/>
+            <a:ext cx="6578224" cy="369332"/>
+          </a:xfrm>
+          <a:prstGeom prst="rect">
+            <a:avLst/>
+          </a:prstGeom>
+          <a:noFill/>
+        </p:spPr>
+        <p:txBody>
+          <a:bodyPr wrap="square" rtlCol="0">
+            <a:spAutoFit/>
+          </a:bodyPr>
+          <a:lstStyle/>
+          <a:p>
+            <a:r>
+              <a:rPr lang="en-US" dirty="0" smtClean="0">
+                <a:solidFill>
+                  <a:schemeClr val="bg1"/>
+                </a:solidFill>
+              </a:rPr>
+              <a:t>Dashboard | My Profile | Conversations </a:t>
+            </a:r>
+            <a:r>
+              <a:rPr lang="en-US" baseline="30000" dirty="0" smtClean="0">
+                <a:solidFill>
+                  <a:srgbClr val="FF0000"/>
+                </a:solidFill>
+              </a:rPr>
+              <a:t>(New)</a:t>
+            </a:r>
+            <a:r>
+              <a:rPr lang="en-US" dirty="0" smtClean="0">
+                <a:solidFill>
+                  <a:schemeClr val="bg1"/>
+                </a:solidFill>
+              </a:rPr>
+              <a:t> | Help</a:t>
+            </a:r>
+            <a:endParaRPr lang="ru-RU" dirty="0">
+              <a:solidFill>
+                <a:schemeClr val="bg1"/>
+              </a:solidFill>
+            </a:endParaRPr>
+          </a:p>
+        </p:txBody>
+      </p:sp>
+      <p:sp>
+        <p:nvSpPr>
+          <p:cNvPr id="13" name="TextBox 12"/>
+          <p:cNvSpPr txBox="1"/>
+          <p:nvPr/>
+        </p:nvSpPr>
+        <p:spPr>
+          <a:xfrm>
+            <a:off x="8423978" y="975354"/>
+            <a:ext cx="2376943" cy="307777"/>
+          </a:xfrm>
+          <a:prstGeom prst="rect">
+            <a:avLst/>
+          </a:prstGeom>
+          <a:noFill/>
+        </p:spPr>
+        <p:txBody>
+          <a:bodyPr wrap="square" rtlCol="0">
+            <a:spAutoFit/>
+          </a:bodyPr>
+          <a:lstStyle/>
+          <a:p>
+            <a:r>
+              <a:rPr lang="en-US" sz="1400" dirty="0" smtClean="0">
+                <a:solidFill>
+                  <a:schemeClr val="accent5"/>
+                </a:solidFill>
+              </a:rPr>
+              <a:t>Welcome, Admin | Sign out…</a:t>
+            </a:r>
+            <a:endParaRPr lang="ru-RU" sz="1400" dirty="0">
+              <a:solidFill>
+                <a:schemeClr val="accent5"/>
+              </a:solidFill>
+            </a:endParaRPr>
+          </a:p>
+        </p:txBody>
+      </p:sp>
+      <p:sp>
+        <p:nvSpPr>
+          <p:cNvPr id="14" name="TextBox 13"/>
+          <p:cNvSpPr txBox="1"/>
+          <p:nvPr/>
+        </p:nvSpPr>
+        <p:spPr>
+          <a:xfrm>
+            <a:off x="1547713" y="3609746"/>
+            <a:ext cx="9157649" cy="369332"/>
+          </a:xfrm>
+          <a:prstGeom prst="rect">
+            <a:avLst/>
+          </a:prstGeom>
+          <a:noFill/>
+        </p:spPr>
+        <p:txBody>
+          <a:bodyPr wrap="square" rtlCol="0">
+            <a:spAutoFit/>
+          </a:bodyPr>
+          <a:lstStyle/>
+          <a:p>
+            <a:pPr algn="ctr"/>
+            <a:r>
+              <a:rPr lang="en-US" dirty="0" smtClean="0"/>
+              <a:t>CONTENT HERE</a:t>
+            </a:r>
+            <a:endParaRPr lang="ru-RU" dirty="0"/>
+          </a:p>
+        </p:txBody>
+      </p:sp>
+      <p:cxnSp>
+        <p:nvCxnSpPr>
+          <p:cNvPr id="16" name="Straight Arrow Connector 15"/>
+          <p:cNvCxnSpPr/>
+          <p:nvPr/>
+        </p:nvCxnSpPr>
+        <p:spPr>
+          <a:xfrm flipH="1" flipV="1">
+            <a:off x="5637654" y="1519417"/>
+            <a:ext cx="577516" cy="928150"/>
+          </a:xfrm>
+          <a:prstGeom prst="straightConnector1">
+            <a:avLst/>
+          </a:prstGeom>
+          <a:ln>
+            <a:solidFill>
+              <a:srgbClr val="FF0000"/>
+            </a:solidFill>
+            <a:tailEnd type="triangle"/>
+          </a:ln>
+        </p:spPr>
+        <p:style>
+          <a:lnRef idx="1">
+            <a:schemeClr val="accent1"/>
+          </a:lnRef>
+          <a:fillRef idx="0">
+            <a:schemeClr val="accent1"/>
+          </a:fillRef>
+          <a:effectRef idx="0">
+            <a:schemeClr val="accent1"/>
+          </a:effectRef>
+          <a:fontRef idx="minor">
+            <a:schemeClr val="tx1"/>
+          </a:fontRef>
+        </p:style>
+      </p:cxnSp>
+      <p:sp>
+        <p:nvSpPr>
+          <p:cNvPr id="17" name="TextBox 16"/>
+          <p:cNvSpPr txBox="1"/>
+          <p:nvPr/>
+        </p:nvSpPr>
+        <p:spPr>
+          <a:xfrm>
+            <a:off x="6023811" y="2447567"/>
+            <a:ext cx="3922294" cy="923330"/>
+          </a:xfrm>
+          <a:prstGeom prst="rect">
+            <a:avLst/>
+          </a:prstGeom>
+          <a:noFill/>
+        </p:spPr>
+        <p:txBody>
+          <a:bodyPr wrap="square" rtlCol="0">
+            <a:spAutoFit/>
+          </a:bodyPr>
+          <a:lstStyle/>
+          <a:p>
+            <a:r>
+              <a:rPr lang="en-US" dirty="0" smtClean="0"/>
+              <a:t>Shown for all client routes except Conversations</a:t>
+            </a:r>
+          </a:p>
+          <a:p>
+            <a:r>
+              <a:rPr lang="en-US" dirty="0" smtClean="0"/>
+              <a:t>This is </a:t>
+            </a:r>
+            <a:r>
+              <a:rPr lang="en-US" dirty="0" err="1" smtClean="0"/>
+              <a:t>realtime</a:t>
+            </a:r>
+            <a:endParaRPr lang="ru-RU" dirty="0"/>
+          </a:p>
+        </p:txBody>
+      </p:sp>
+    </p:spTree>
+    <p:extLst>
+      <p:ext uri="{BB962C8B-B14F-4D97-AF65-F5344CB8AC3E}">
+        <p14:creationId xmlns:p14="http://schemas.microsoft.com/office/powerpoint/2010/main" val="973098012"/>
+      </p:ext>
+    </p:extLst>
+  </p:cSld>
+  <p:clrMapOvr>
+    <a:masterClrMapping/>
+  </p:clrMapOvr>
+</p:sld>
+</file>
+
+<file path=ppt/slides/slide23.xml><?xml version="1.0" encoding="utf-8"?>
+<p:sld xmlns:a="http://schemas.openxmlformats.org/drawingml/2006/main" xmlns:r="http://schemas.openxmlformats.org/officeDocument/2006/relationships" xmlns:p="http://schemas.openxmlformats.org/presentationml/2006/main">
+  <p:cSld>
+    <p:spTree>
+      <p:nvGrpSpPr>
+        <p:cNvPr id="1" name=""/>
+        <p:cNvGrpSpPr/>
+        <p:nvPr/>
+      </p:nvGrpSpPr>
+      <p:grpSpPr>
+        <a:xfrm>
+          <a:off x="0" y="0"/>
+          <a:ext cx="0" cy="0"/>
+          <a:chOff x="0" y="0"/>
+          <a:chExt cx="0" cy="0"/>
+        </a:xfrm>
+      </p:grpSpPr>
+      <p:sp>
+        <p:nvSpPr>
           <p:cNvPr id="16" name="Rectangle 15"/>
           <p:cNvSpPr/>
           <p:nvPr/>
@@ -10812,7 +12458,7 @@
 </p:sld>
 </file>
 
-<file path=ppt/slides/slide22.xml><?xml version="1.0" encoding="utf-8"?>
+<file path=ppt/slides/slide24.xml><?xml version="1.0" encoding="utf-8"?>
 <p:sld xmlns:a="http://schemas.openxmlformats.org/drawingml/2006/main" xmlns:r="http://schemas.openxmlformats.org/officeDocument/2006/relationships" xmlns:p="http://schemas.openxmlformats.org/presentationml/2006/main">
   <p:cSld>
     <p:spTree>
@@ -12654,7 +14300,7 @@
         </p:nvSpPr>
         <p:spPr>
           <a:xfrm>
-            <a:off x="162427" y="126331"/>
+            <a:off x="162427" y="114300"/>
             <a:ext cx="5233736" cy="369332"/>
           </a:xfrm>
           <a:prstGeom prst="rect">
@@ -13371,11 +15017,7 @@
           <a:p>
             <a:r>
               <a:rPr lang="en-US" dirty="0" smtClean="0"/>
-              <a:t>Shows amount of unread </a:t>
-            </a:r>
-            <a:r>
-              <a:rPr lang="en-US" dirty="0" smtClean="0"/>
-              <a:t>messages (maybe it is a good idea to show </a:t>
+              <a:t>Shows amount of unread messages (maybe it is a good idea to show </a:t>
             </a:r>
             <a:r>
               <a:rPr lang="en-US" smtClean="0"/>
@@ -14409,8 +16051,8 @@
         </p:nvSpPr>
         <p:spPr>
           <a:xfrm>
-            <a:off x="120316" y="108284"/>
-            <a:ext cx="4812631" cy="369332"/>
+            <a:off x="487279" y="174458"/>
+            <a:ext cx="4271210" cy="369332"/>
           </a:xfrm>
           <a:prstGeom prst="rect">
             <a:avLst/>
@@ -14425,7 +16067,7 @@
           <a:p>
             <a:r>
               <a:rPr lang="en-US" dirty="0" smtClean="0"/>
-              <a:t>Login Page</a:t>
+              <a:t>Site Events</a:t>
             </a:r>
             <a:endParaRPr lang="ru-RU" dirty="0"/>
           </a:p>
@@ -14439,8 +16081,8 @@
         </p:nvSpPr>
         <p:spPr>
           <a:xfrm>
-            <a:off x="4315796" y="2057756"/>
-            <a:ext cx="1630279" cy="400110"/>
+            <a:off x="487279" y="625642"/>
+            <a:ext cx="7850605" cy="1477328"/>
           </a:xfrm>
           <a:prstGeom prst="rect">
             <a:avLst/>
@@ -14453,65 +16095,68 @@
           </a:bodyPr>
           <a:lstStyle/>
           <a:p>
-            <a:r>
-              <a:rPr lang="en-US" sz="2000" b="1" i="1" dirty="0" smtClean="0"/>
-              <a:t>Please sign in</a:t>
-            </a:r>
-            <a:endParaRPr lang="ru-RU" sz="2000" b="1" i="1" dirty="0"/>
-          </a:p>
-        </p:txBody>
-      </p:sp>
-      <p:sp>
-        <p:nvSpPr>
-          <p:cNvPr id="6" name="Прямоугольник 5"/>
-          <p:cNvSpPr/>
-          <p:nvPr/>
-        </p:nvSpPr>
-        <p:spPr>
-          <a:xfrm>
-            <a:off x="120316" y="565484"/>
-            <a:ext cx="11947358" cy="6184232"/>
-          </a:xfrm>
-          <a:prstGeom prst="rect">
-            <a:avLst/>
-          </a:prstGeom>
-          <a:noFill/>
-        </p:spPr>
-        <p:style>
-          <a:lnRef idx="2">
-            <a:schemeClr val="accent1">
-              <a:shade val="50000"/>
-            </a:schemeClr>
-          </a:lnRef>
-          <a:fillRef idx="1">
-            <a:schemeClr val="accent1"/>
-          </a:fillRef>
-          <a:effectRef idx="0">
-            <a:schemeClr val="accent1"/>
-          </a:effectRef>
-          <a:fontRef idx="minor">
-            <a:schemeClr val="lt1"/>
-          </a:fontRef>
-        </p:style>
-        <p:txBody>
-          <a:bodyPr rtlCol="0" anchor="ctr"/>
-          <a:lstStyle/>
-          <a:p>
-            <a:pPr algn="ctr"/>
-            <a:endParaRPr lang="ru-RU"/>
-          </a:p>
-        </p:txBody>
-      </p:sp>
-      <p:sp>
-        <p:nvSpPr>
-          <p:cNvPr id="7" name="TextBox 6"/>
+            <a:pPr marL="285750" indent="-285750">
+              <a:buFont typeface="Arial" panose="020B0604020202020204" pitchFamily="34" charset="0"/>
+              <a:buChar char="•"/>
+            </a:pPr>
+            <a:r>
+              <a:rPr lang="en-US" dirty="0" smtClean="0"/>
+              <a:t>Site created (Information)</a:t>
+            </a:r>
+          </a:p>
+          <a:p>
+            <a:pPr marL="285750" indent="-285750">
+              <a:buFont typeface="Arial" panose="020B0604020202020204" pitchFamily="34" charset="0"/>
+              <a:buChar char="•"/>
+            </a:pPr>
+            <a:r>
+              <a:rPr lang="en-US" dirty="0" smtClean="0"/>
+              <a:t>Site started (Information)</a:t>
+            </a:r>
+          </a:p>
+          <a:p>
+            <a:pPr marL="285750" indent="-285750">
+              <a:buFont typeface="Arial" panose="020B0604020202020204" pitchFamily="34" charset="0"/>
+              <a:buChar char="•"/>
+            </a:pPr>
+            <a:r>
+              <a:rPr lang="en-US" dirty="0" smtClean="0"/>
+              <a:t>Site stopped (Information)</a:t>
+            </a:r>
+          </a:p>
+          <a:p>
+            <a:pPr marL="285750" indent="-285750">
+              <a:buFont typeface="Arial" panose="020B0604020202020204" pitchFamily="34" charset="0"/>
+              <a:buChar char="•"/>
+            </a:pPr>
+            <a:r>
+              <a:rPr lang="en-US" dirty="0" smtClean="0"/>
+              <a:t>Content changed (Information)</a:t>
+            </a:r>
+          </a:p>
+          <a:p>
+            <a:pPr marL="285750" indent="-285750">
+              <a:buFont typeface="Arial" panose="020B0604020202020204" pitchFamily="34" charset="0"/>
+              <a:buChar char="•"/>
+            </a:pPr>
+            <a:r>
+              <a:rPr lang="en-US" dirty="0" smtClean="0"/>
+              <a:t>Content delivery error (Error, some content not found).</a:t>
+            </a:r>
+            <a:endParaRPr lang="ru-RU" dirty="0"/>
+          </a:p>
+        </p:txBody>
+      </p:sp>
+      <p:sp>
+        <p:nvSpPr>
+          <p:cNvPr id="6" name="TextBox 5"/>
           <p:cNvSpPr txBox="1"/>
           <p:nvPr/>
         </p:nvSpPr>
         <p:spPr>
           <a:xfrm>
-            <a:off x="4315796" y="2545734"/>
-            <a:ext cx="793376" cy="376625"/>
+            <a:off x="487279" y="2335216"/>
+            <a:ext cx="6208295" cy="2031325"/>
           </a:xfrm>
           <a:prstGeom prst="rect">
             <a:avLst/>
@@ -14525,310 +16170,120 @@
           <a:lstStyle/>
           <a:p>
             <a:r>
-              <a:rPr lang="en-US" dirty="0" smtClean="0"/>
-              <a:t>Login:</a:t>
+              <a:rPr lang="en-US" dirty="0" err="1" smtClean="0"/>
+              <a:t>SiteEvent</a:t>
+            </a:r>
+            <a:r>
+              <a:rPr lang="en-US" dirty="0" smtClean="0"/>
+              <a:t> Entity</a:t>
+            </a:r>
+          </a:p>
+          <a:p>
+            <a:pPr marL="285750" indent="-285750">
+              <a:buFont typeface="Arial" panose="020B0604020202020204" pitchFamily="34" charset="0"/>
+              <a:buChar char="•"/>
+            </a:pPr>
+            <a:r>
+              <a:rPr lang="en-US" dirty="0" smtClean="0"/>
+              <a:t>Id</a:t>
+            </a:r>
+          </a:p>
+          <a:p>
+            <a:pPr marL="285750" indent="-285750">
+              <a:buFont typeface="Arial" panose="020B0604020202020204" pitchFamily="34" charset="0"/>
+              <a:buChar char="•"/>
+            </a:pPr>
+            <a:r>
+              <a:rPr lang="en-US" dirty="0" err="1" smtClean="0"/>
+              <a:t>SiteId</a:t>
+            </a:r>
+            <a:endParaRPr lang="en-US" dirty="0" smtClean="0"/>
+          </a:p>
+          <a:p>
+            <a:pPr marL="285750" indent="-285750">
+              <a:buFont typeface="Arial" panose="020B0604020202020204" pitchFamily="34" charset="0"/>
+              <a:buChar char="•"/>
+            </a:pPr>
+            <a:r>
+              <a:rPr lang="en-US" dirty="0" smtClean="0"/>
+              <a:t>Type (</a:t>
+            </a:r>
+            <a:r>
+              <a:rPr lang="en-US" dirty="0" err="1" smtClean="0"/>
+              <a:t>enum</a:t>
+            </a:r>
+            <a:r>
+              <a:rPr lang="en-US" dirty="0" smtClean="0"/>
+              <a:t>)</a:t>
+            </a:r>
+          </a:p>
+          <a:p>
+            <a:pPr marL="285750" indent="-285750">
+              <a:buFont typeface="Arial" panose="020B0604020202020204" pitchFamily="34" charset="0"/>
+              <a:buChar char="•"/>
+            </a:pPr>
+            <a:r>
+              <a:rPr lang="en-US" dirty="0" smtClean="0"/>
+              <a:t>Name (string)</a:t>
+            </a:r>
+          </a:p>
+          <a:p>
+            <a:pPr marL="285750" indent="-285750">
+              <a:buFont typeface="Arial" panose="020B0604020202020204" pitchFamily="34" charset="0"/>
+              <a:buChar char="•"/>
+            </a:pPr>
+            <a:r>
+              <a:rPr lang="en-US" dirty="0" smtClean="0"/>
+              <a:t>Timestamp</a:t>
+            </a:r>
+          </a:p>
+          <a:p>
+            <a:pPr marL="285750" indent="-285750">
+              <a:buFont typeface="Arial" panose="020B0604020202020204" pitchFamily="34" charset="0"/>
+              <a:buChar char="•"/>
+            </a:pPr>
+            <a:r>
+              <a:rPr lang="en-US" dirty="0" smtClean="0"/>
+              <a:t>Details (string)</a:t>
             </a:r>
             <a:endParaRPr lang="ru-RU" dirty="0"/>
           </a:p>
         </p:txBody>
       </p:sp>
-      <p:sp>
-        <p:nvSpPr>
-          <p:cNvPr id="8" name="TextBox 7"/>
-          <p:cNvSpPr txBox="1"/>
-          <p:nvPr/>
-        </p:nvSpPr>
-        <p:spPr>
-          <a:xfrm>
-            <a:off x="5425884" y="2545734"/>
-            <a:ext cx="2756647" cy="369332"/>
-          </a:xfrm>
-          <a:prstGeom prst="rect">
-            <a:avLst/>
-          </a:prstGeom>
-          <a:noFill/>
-        </p:spPr>
-        <p:txBody>
-          <a:bodyPr wrap="square" rtlCol="0">
-            <a:spAutoFit/>
-          </a:bodyPr>
-          <a:lstStyle/>
-          <a:p>
-            <a:r>
-              <a:rPr lang="en-US" dirty="0" err="1" smtClean="0"/>
-              <a:t>alex.test.acc</a:t>
-            </a:r>
-            <a:endParaRPr lang="ru-RU" dirty="0"/>
-          </a:p>
-        </p:txBody>
-      </p:sp>
-      <p:sp>
-        <p:nvSpPr>
-          <p:cNvPr id="9" name="Прямоугольник 8"/>
-          <p:cNvSpPr/>
-          <p:nvPr/>
-        </p:nvSpPr>
-        <p:spPr>
-          <a:xfrm>
-            <a:off x="5446055" y="2602006"/>
-            <a:ext cx="3281084" cy="292888"/>
-          </a:xfrm>
-          <a:prstGeom prst="rect">
-            <a:avLst/>
-          </a:prstGeom>
-          <a:noFill/>
-        </p:spPr>
-        <p:style>
-          <a:lnRef idx="2">
-            <a:schemeClr val="accent1">
-              <a:shade val="50000"/>
-            </a:schemeClr>
-          </a:lnRef>
-          <a:fillRef idx="1">
-            <a:schemeClr val="accent1"/>
-          </a:fillRef>
-          <a:effectRef idx="0">
-            <a:schemeClr val="accent1"/>
-          </a:effectRef>
-          <a:fontRef idx="minor">
-            <a:schemeClr val="lt1"/>
-          </a:fontRef>
-        </p:style>
-        <p:txBody>
-          <a:bodyPr rtlCol="0" anchor="ctr"/>
-          <a:lstStyle/>
-          <a:p>
-            <a:pPr algn="ctr"/>
-            <a:endParaRPr lang="ru-RU"/>
-          </a:p>
-        </p:txBody>
-      </p:sp>
-      <p:sp>
-        <p:nvSpPr>
-          <p:cNvPr id="10" name="TextBox 9"/>
-          <p:cNvSpPr txBox="1"/>
-          <p:nvPr/>
-        </p:nvSpPr>
-        <p:spPr>
-          <a:xfrm>
-            <a:off x="4315796" y="3059208"/>
-            <a:ext cx="1190772" cy="369332"/>
-          </a:xfrm>
-          <a:prstGeom prst="rect">
-            <a:avLst/>
-          </a:prstGeom>
-          <a:noFill/>
-        </p:spPr>
-        <p:txBody>
-          <a:bodyPr wrap="square" rtlCol="0">
-            <a:spAutoFit/>
-          </a:bodyPr>
-          <a:lstStyle/>
-          <a:p>
-            <a:r>
-              <a:rPr lang="en-US" dirty="0" smtClean="0"/>
-              <a:t>Password:</a:t>
-            </a:r>
-            <a:endParaRPr lang="ru-RU" dirty="0"/>
-          </a:p>
-        </p:txBody>
-      </p:sp>
-      <p:sp>
-        <p:nvSpPr>
-          <p:cNvPr id="11" name="Прямоугольник 10"/>
-          <p:cNvSpPr/>
-          <p:nvPr/>
-        </p:nvSpPr>
-        <p:spPr>
-          <a:xfrm>
-            <a:off x="5446055" y="3097430"/>
-            <a:ext cx="3281084" cy="292888"/>
-          </a:xfrm>
-          <a:prstGeom prst="rect">
-            <a:avLst/>
-          </a:prstGeom>
-          <a:noFill/>
-        </p:spPr>
-        <p:style>
-          <a:lnRef idx="2">
-            <a:schemeClr val="accent1">
-              <a:shade val="50000"/>
-            </a:schemeClr>
-          </a:lnRef>
-          <a:fillRef idx="1">
-            <a:schemeClr val="accent1"/>
-          </a:fillRef>
-          <a:effectRef idx="0">
-            <a:schemeClr val="accent1"/>
-          </a:effectRef>
-          <a:fontRef idx="minor">
-            <a:schemeClr val="lt1"/>
-          </a:fontRef>
-        </p:style>
-        <p:txBody>
-          <a:bodyPr rtlCol="0" anchor="ctr"/>
-          <a:lstStyle/>
-          <a:p>
-            <a:pPr algn="ctr"/>
-            <a:endParaRPr lang="ru-RU"/>
-          </a:p>
-        </p:txBody>
-      </p:sp>
-      <p:cxnSp>
-        <p:nvCxnSpPr>
-          <p:cNvPr id="13" name="Прямая соединительная линия 12"/>
-          <p:cNvCxnSpPr/>
-          <p:nvPr/>
-        </p:nvCxnSpPr>
-        <p:spPr>
-          <a:xfrm>
-            <a:off x="4315796" y="3610535"/>
-            <a:ext cx="4411343" cy="0"/>
-          </a:xfrm>
-          <a:prstGeom prst="line">
-            <a:avLst/>
-          </a:prstGeom>
-        </p:spPr>
-        <p:style>
-          <a:lnRef idx="1">
-            <a:schemeClr val="accent1"/>
-          </a:lnRef>
-          <a:fillRef idx="0">
-            <a:schemeClr val="accent1"/>
-          </a:fillRef>
-          <a:effectRef idx="0">
-            <a:schemeClr val="accent1"/>
-          </a:effectRef>
-          <a:fontRef idx="minor">
-            <a:schemeClr val="tx1"/>
-          </a:fontRef>
-        </p:style>
-      </p:cxnSp>
-      <p:sp>
-        <p:nvSpPr>
-          <p:cNvPr id="14" name="TextBox 13"/>
-          <p:cNvSpPr txBox="1"/>
-          <p:nvPr/>
-        </p:nvSpPr>
-        <p:spPr>
-          <a:xfrm>
-            <a:off x="7456391" y="3725759"/>
-            <a:ext cx="1290915" cy="369332"/>
-          </a:xfrm>
-          <a:prstGeom prst="rect">
-            <a:avLst/>
-          </a:prstGeom>
-          <a:solidFill>
-            <a:schemeClr val="accent1"/>
-          </a:solidFill>
-        </p:spPr>
-        <p:txBody>
-          <a:bodyPr wrap="square" rtlCol="0">
-            <a:spAutoFit/>
-          </a:bodyPr>
-          <a:lstStyle/>
-          <a:p>
-            <a:endParaRPr lang="ru-RU" dirty="0"/>
-          </a:p>
-        </p:txBody>
-      </p:sp>
-      <p:sp>
-        <p:nvSpPr>
-          <p:cNvPr id="15" name="TextBox 14"/>
-          <p:cNvSpPr txBox="1"/>
-          <p:nvPr/>
-        </p:nvSpPr>
-        <p:spPr>
-          <a:xfrm>
-            <a:off x="7711884" y="3725759"/>
-            <a:ext cx="974912" cy="369332"/>
-          </a:xfrm>
-          <a:prstGeom prst="rect">
-            <a:avLst/>
-          </a:prstGeom>
-          <a:noFill/>
-        </p:spPr>
-        <p:txBody>
-          <a:bodyPr wrap="square" rtlCol="0">
-            <a:spAutoFit/>
-          </a:bodyPr>
-          <a:lstStyle/>
-          <a:p>
-            <a:r>
-              <a:rPr lang="en-US" dirty="0" smtClean="0">
-                <a:solidFill>
-                  <a:schemeClr val="bg1"/>
-                </a:solidFill>
-              </a:rPr>
-              <a:t>Log in</a:t>
-            </a:r>
-            <a:endParaRPr lang="ru-RU" dirty="0">
-              <a:solidFill>
-                <a:schemeClr val="bg1"/>
-              </a:solidFill>
-            </a:endParaRPr>
-          </a:p>
-        </p:txBody>
-      </p:sp>
-      <p:sp>
-        <p:nvSpPr>
-          <p:cNvPr id="16" name="TextBox 15"/>
-          <p:cNvSpPr txBox="1"/>
-          <p:nvPr/>
-        </p:nvSpPr>
-        <p:spPr>
-          <a:xfrm>
-            <a:off x="4278455" y="3756537"/>
-            <a:ext cx="2999404" cy="338554"/>
-          </a:xfrm>
-          <a:prstGeom prst="rect">
-            <a:avLst/>
-          </a:prstGeom>
-          <a:noFill/>
-        </p:spPr>
-        <p:txBody>
-          <a:bodyPr wrap="square" rtlCol="0">
-            <a:spAutoFit/>
-          </a:bodyPr>
-          <a:lstStyle/>
-          <a:p>
-            <a:r>
-              <a:rPr lang="en-US" sz="1600" dirty="0" smtClean="0"/>
-              <a:t>Don’t have account?  </a:t>
-            </a:r>
-            <a:r>
-              <a:rPr lang="en-US" sz="1600" u="sng" dirty="0" smtClean="0">
-                <a:solidFill>
-                  <a:schemeClr val="accent1"/>
-                </a:solidFill>
-              </a:rPr>
-              <a:t>Register</a:t>
-            </a:r>
-            <a:endParaRPr lang="ru-RU" sz="1600" u="sng" dirty="0">
-              <a:solidFill>
-                <a:schemeClr val="accent1"/>
-              </a:solidFill>
-            </a:endParaRPr>
-          </a:p>
-        </p:txBody>
-      </p:sp>
+      <p:pic>
+        <p:nvPicPr>
+          <p:cNvPr id="8" name="Picture 7"/>
+          <p:cNvPicPr>
+            <a:picLocks noChangeAspect="1"/>
+          </p:cNvPicPr>
+          <p:nvPr/>
+        </p:nvPicPr>
+        <p:blipFill>
+          <a:blip r:embed="rId2"/>
+          <a:stretch>
+            <a:fillRect/>
+          </a:stretch>
+        </p:blipFill>
+        <p:spPr>
+          <a:xfrm>
+            <a:off x="8241682" y="2460362"/>
+            <a:ext cx="2867425" cy="1371791"/>
+          </a:xfrm>
+          <a:prstGeom prst="rect">
+            <a:avLst/>
+          </a:prstGeom>
+        </p:spPr>
+      </p:pic>
     </p:spTree>
     <p:extLst>
       <p:ext uri="{BB962C8B-B14F-4D97-AF65-F5344CB8AC3E}">
-        <p14:creationId xmlns:p14="http://schemas.microsoft.com/office/powerpoint/2010/main" val="920586272"/>
+        <p14:creationId xmlns:p14="http://schemas.microsoft.com/office/powerpoint/2010/main" val="1373804876"/>
       </p:ext>
     </p:extLst>
   </p:cSld>
   <p:clrMapOvr>
     <a:masterClrMapping/>
   </p:clrMapOvr>
-  <p:timing>
-    <p:tnLst>
-      <p:par>
-        <p:cTn id="1" dur="indefinite" restart="never" nodeType="tmRoot"/>
-      </p:par>
-    </p:tnLst>
-  </p:timing>
 </p:sld>
 </file>
 

--- a/Specs.pptx
+++ b/Specs.pptx
@@ -5,7 +5,7 @@
     <p:sldMasterId id="2147483648" r:id="rId1"/>
   </p:sldMasterIdLst>
   <p:notesMasterIdLst>
-    <p:notesMasterId r:id="rId26"/>
+    <p:notesMasterId r:id="rId27"/>
   </p:notesMasterIdLst>
   <p:sldIdLst>
     <p:sldId id="256" r:id="rId2"/>
@@ -15,23 +15,24 @@
     <p:sldId id="264" r:id="rId6"/>
     <p:sldId id="265" r:id="rId7"/>
     <p:sldId id="277" r:id="rId8"/>
-    <p:sldId id="260" r:id="rId9"/>
-    <p:sldId id="278" r:id="rId10"/>
-    <p:sldId id="279" r:id="rId11"/>
-    <p:sldId id="261" r:id="rId12"/>
-    <p:sldId id="262" r:id="rId13"/>
-    <p:sldId id="263" r:id="rId14"/>
-    <p:sldId id="270" r:id="rId15"/>
-    <p:sldId id="266" r:id="rId16"/>
-    <p:sldId id="267" r:id="rId17"/>
-    <p:sldId id="268" r:id="rId18"/>
-    <p:sldId id="269" r:id="rId19"/>
-    <p:sldId id="273" r:id="rId20"/>
-    <p:sldId id="271" r:id="rId21"/>
-    <p:sldId id="275" r:id="rId22"/>
-    <p:sldId id="276" r:id="rId23"/>
-    <p:sldId id="274" r:id="rId24"/>
-    <p:sldId id="272" r:id="rId25"/>
+    <p:sldId id="280" r:id="rId9"/>
+    <p:sldId id="260" r:id="rId10"/>
+    <p:sldId id="278" r:id="rId11"/>
+    <p:sldId id="279" r:id="rId12"/>
+    <p:sldId id="261" r:id="rId13"/>
+    <p:sldId id="262" r:id="rId14"/>
+    <p:sldId id="263" r:id="rId15"/>
+    <p:sldId id="270" r:id="rId16"/>
+    <p:sldId id="266" r:id="rId17"/>
+    <p:sldId id="267" r:id="rId18"/>
+    <p:sldId id="268" r:id="rId19"/>
+    <p:sldId id="269" r:id="rId20"/>
+    <p:sldId id="273" r:id="rId21"/>
+    <p:sldId id="271" r:id="rId22"/>
+    <p:sldId id="275" r:id="rId23"/>
+    <p:sldId id="276" r:id="rId24"/>
+    <p:sldId id="274" r:id="rId25"/>
+    <p:sldId id="272" r:id="rId26"/>
   </p:sldIdLst>
   <p:sldSz cx="12192000" cy="6858000"/>
   <p:notesSz cx="6858000" cy="9144000"/>
@@ -232,7 +233,7 @@
           <a:p>
             <a:fld id="{5A49B920-2512-410B-B58F-4F9F15F8D3A5}" type="datetimeFigureOut">
               <a:rPr lang="ru-RU" smtClean="0"/>
-              <a:t>22.04.2021</a:t>
+              <a:t>06.05.2021</a:t>
             </a:fld>
             <a:endParaRPr lang="ru-RU"/>
           </a:p>
@@ -631,7 +632,7 @@
           <a:p>
             <a:fld id="{A2EC0EAC-ECEF-44E1-B933-C13F370113F6}" type="datetimeFigureOut">
               <a:rPr lang="ru-RU" smtClean="0"/>
-              <a:t>22.04.2021</a:t>
+              <a:t>06.05.2021</a:t>
             </a:fld>
             <a:endParaRPr lang="ru-RU"/>
           </a:p>
@@ -801,7 +802,7 @@
           <a:p>
             <a:fld id="{A2EC0EAC-ECEF-44E1-B933-C13F370113F6}" type="datetimeFigureOut">
               <a:rPr lang="ru-RU" smtClean="0"/>
-              <a:t>22.04.2021</a:t>
+              <a:t>06.05.2021</a:t>
             </a:fld>
             <a:endParaRPr lang="ru-RU"/>
           </a:p>
@@ -981,7 +982,7 @@
           <a:p>
             <a:fld id="{A2EC0EAC-ECEF-44E1-B933-C13F370113F6}" type="datetimeFigureOut">
               <a:rPr lang="ru-RU" smtClean="0"/>
-              <a:t>22.04.2021</a:t>
+              <a:t>06.05.2021</a:t>
             </a:fld>
             <a:endParaRPr lang="ru-RU"/>
           </a:p>
@@ -1151,7 +1152,7 @@
           <a:p>
             <a:fld id="{A2EC0EAC-ECEF-44E1-B933-C13F370113F6}" type="datetimeFigureOut">
               <a:rPr lang="ru-RU" smtClean="0"/>
-              <a:t>22.04.2021</a:t>
+              <a:t>06.05.2021</a:t>
             </a:fld>
             <a:endParaRPr lang="ru-RU"/>
           </a:p>
@@ -1397,7 +1398,7 @@
           <a:p>
             <a:fld id="{A2EC0EAC-ECEF-44E1-B933-C13F370113F6}" type="datetimeFigureOut">
               <a:rPr lang="ru-RU" smtClean="0"/>
-              <a:t>22.04.2021</a:t>
+              <a:t>06.05.2021</a:t>
             </a:fld>
             <a:endParaRPr lang="ru-RU"/>
           </a:p>
@@ -1629,7 +1630,7 @@
           <a:p>
             <a:fld id="{A2EC0EAC-ECEF-44E1-B933-C13F370113F6}" type="datetimeFigureOut">
               <a:rPr lang="ru-RU" smtClean="0"/>
-              <a:t>22.04.2021</a:t>
+              <a:t>06.05.2021</a:t>
             </a:fld>
             <a:endParaRPr lang="ru-RU"/>
           </a:p>
@@ -1996,7 +1997,7 @@
           <a:p>
             <a:fld id="{A2EC0EAC-ECEF-44E1-B933-C13F370113F6}" type="datetimeFigureOut">
               <a:rPr lang="ru-RU" smtClean="0"/>
-              <a:t>22.04.2021</a:t>
+              <a:t>06.05.2021</a:t>
             </a:fld>
             <a:endParaRPr lang="ru-RU"/>
           </a:p>
@@ -2114,7 +2115,7 @@
           <a:p>
             <a:fld id="{A2EC0EAC-ECEF-44E1-B933-C13F370113F6}" type="datetimeFigureOut">
               <a:rPr lang="ru-RU" smtClean="0"/>
-              <a:t>22.04.2021</a:t>
+              <a:t>06.05.2021</a:t>
             </a:fld>
             <a:endParaRPr lang="ru-RU"/>
           </a:p>
@@ -2209,7 +2210,7 @@
           <a:p>
             <a:fld id="{A2EC0EAC-ECEF-44E1-B933-C13F370113F6}" type="datetimeFigureOut">
               <a:rPr lang="ru-RU" smtClean="0"/>
-              <a:t>22.04.2021</a:t>
+              <a:t>06.05.2021</a:t>
             </a:fld>
             <a:endParaRPr lang="ru-RU"/>
           </a:p>
@@ -2486,7 +2487,7 @@
           <a:p>
             <a:fld id="{A2EC0EAC-ECEF-44E1-B933-C13F370113F6}" type="datetimeFigureOut">
               <a:rPr lang="ru-RU" smtClean="0"/>
-              <a:t>22.04.2021</a:t>
+              <a:t>06.05.2021</a:t>
             </a:fld>
             <a:endParaRPr lang="ru-RU"/>
           </a:p>
@@ -2739,7 +2740,7 @@
           <a:p>
             <a:fld id="{A2EC0EAC-ECEF-44E1-B933-C13F370113F6}" type="datetimeFigureOut">
               <a:rPr lang="ru-RU" smtClean="0"/>
-              <a:t>22.04.2021</a:t>
+              <a:t>06.05.2021</a:t>
             </a:fld>
             <a:endParaRPr lang="ru-RU"/>
           </a:p>
@@ -2952,7 +2953,7 @@
           <a:p>
             <a:fld id="{A2EC0EAC-ECEF-44E1-B933-C13F370113F6}" type="datetimeFigureOut">
               <a:rPr lang="ru-RU" smtClean="0"/>
-              <a:t>22.04.2021</a:t>
+              <a:t>06.05.2021</a:t>
             </a:fld>
             <a:endParaRPr lang="ru-RU"/>
           </a:p>
@@ -4828,6 +4829,267 @@
 </file>
 
 <file path=ppt/slides/slide10.xml><?xml version="1.0" encoding="utf-8"?>
+<p:sld xmlns:a="http://schemas.openxmlformats.org/drawingml/2006/main" xmlns:r="http://schemas.openxmlformats.org/officeDocument/2006/relationships" xmlns:p="http://schemas.openxmlformats.org/presentationml/2006/main">
+  <p:cSld>
+    <p:spTree>
+      <p:nvGrpSpPr>
+        <p:cNvPr id="1" name=""/>
+        <p:cNvGrpSpPr/>
+        <p:nvPr/>
+      </p:nvGrpSpPr>
+      <p:grpSpPr>
+        <a:xfrm>
+          <a:off x="0" y="0"/>
+          <a:ext cx="0" cy="0"/>
+          <a:chOff x="0" y="0"/>
+          <a:chExt cx="0" cy="0"/>
+        </a:xfrm>
+      </p:grpSpPr>
+      <p:sp>
+        <p:nvSpPr>
+          <p:cNvPr id="4" name="TextBox 3"/>
+          <p:cNvSpPr txBox="1"/>
+          <p:nvPr/>
+        </p:nvSpPr>
+        <p:spPr>
+          <a:xfrm>
+            <a:off x="487279" y="174458"/>
+            <a:ext cx="4271210" cy="369332"/>
+          </a:xfrm>
+          <a:prstGeom prst="rect">
+            <a:avLst/>
+          </a:prstGeom>
+          <a:noFill/>
+        </p:spPr>
+        <p:txBody>
+          <a:bodyPr wrap="square" rtlCol="0">
+            <a:spAutoFit/>
+          </a:bodyPr>
+          <a:lstStyle/>
+          <a:p>
+            <a:r>
+              <a:rPr lang="en-US" dirty="0" smtClean="0"/>
+              <a:t>Site Events</a:t>
+            </a:r>
+            <a:endParaRPr lang="ru-RU" dirty="0"/>
+          </a:p>
+        </p:txBody>
+      </p:sp>
+      <p:sp>
+        <p:nvSpPr>
+          <p:cNvPr id="5" name="TextBox 4"/>
+          <p:cNvSpPr txBox="1"/>
+          <p:nvPr/>
+        </p:nvSpPr>
+        <p:spPr>
+          <a:xfrm>
+            <a:off x="487279" y="625642"/>
+            <a:ext cx="7850605" cy="1477328"/>
+          </a:xfrm>
+          <a:prstGeom prst="rect">
+            <a:avLst/>
+          </a:prstGeom>
+          <a:noFill/>
+        </p:spPr>
+        <p:txBody>
+          <a:bodyPr wrap="square" rtlCol="0">
+            <a:spAutoFit/>
+          </a:bodyPr>
+          <a:lstStyle/>
+          <a:p>
+            <a:pPr marL="285750" indent="-285750">
+              <a:buFont typeface="Arial" panose="020B0604020202020204" pitchFamily="34" charset="0"/>
+              <a:buChar char="•"/>
+            </a:pPr>
+            <a:r>
+              <a:rPr lang="en-US" dirty="0" smtClean="0"/>
+              <a:t>Site created (Information)</a:t>
+            </a:r>
+          </a:p>
+          <a:p>
+            <a:pPr marL="285750" indent="-285750">
+              <a:buFont typeface="Arial" panose="020B0604020202020204" pitchFamily="34" charset="0"/>
+              <a:buChar char="•"/>
+            </a:pPr>
+            <a:r>
+              <a:rPr lang="en-US" dirty="0" smtClean="0"/>
+              <a:t>Site started (Information)</a:t>
+            </a:r>
+          </a:p>
+          <a:p>
+            <a:pPr marL="285750" indent="-285750">
+              <a:buFont typeface="Arial" panose="020B0604020202020204" pitchFamily="34" charset="0"/>
+              <a:buChar char="•"/>
+            </a:pPr>
+            <a:r>
+              <a:rPr lang="en-US" dirty="0" smtClean="0"/>
+              <a:t>Site stopped (Information)</a:t>
+            </a:r>
+          </a:p>
+          <a:p>
+            <a:pPr marL="285750" indent="-285750">
+              <a:buFont typeface="Arial" panose="020B0604020202020204" pitchFamily="34" charset="0"/>
+              <a:buChar char="•"/>
+            </a:pPr>
+            <a:r>
+              <a:rPr lang="en-US" dirty="0" smtClean="0"/>
+              <a:t>Content changed (Information)</a:t>
+            </a:r>
+          </a:p>
+          <a:p>
+            <a:pPr marL="285750" indent="-285750">
+              <a:buFont typeface="Arial" panose="020B0604020202020204" pitchFamily="34" charset="0"/>
+              <a:buChar char="•"/>
+            </a:pPr>
+            <a:r>
+              <a:rPr lang="en-US" dirty="0" smtClean="0"/>
+              <a:t>Content delivery error (Error, some content not found).</a:t>
+            </a:r>
+            <a:endParaRPr lang="ru-RU" dirty="0"/>
+          </a:p>
+        </p:txBody>
+      </p:sp>
+      <p:sp>
+        <p:nvSpPr>
+          <p:cNvPr id="6" name="TextBox 5"/>
+          <p:cNvSpPr txBox="1"/>
+          <p:nvPr/>
+        </p:nvSpPr>
+        <p:spPr>
+          <a:xfrm>
+            <a:off x="487279" y="2335216"/>
+            <a:ext cx="6208295" cy="2031325"/>
+          </a:xfrm>
+          <a:prstGeom prst="rect">
+            <a:avLst/>
+          </a:prstGeom>
+          <a:noFill/>
+        </p:spPr>
+        <p:txBody>
+          <a:bodyPr wrap="square" rtlCol="0">
+            <a:spAutoFit/>
+          </a:bodyPr>
+          <a:lstStyle/>
+          <a:p>
+            <a:r>
+              <a:rPr lang="en-US" dirty="0" err="1" smtClean="0"/>
+              <a:t>SiteEvent</a:t>
+            </a:r>
+            <a:r>
+              <a:rPr lang="en-US" dirty="0" smtClean="0"/>
+              <a:t> Entity</a:t>
+            </a:r>
+          </a:p>
+          <a:p>
+            <a:pPr marL="285750" indent="-285750">
+              <a:buFont typeface="Arial" panose="020B0604020202020204" pitchFamily="34" charset="0"/>
+              <a:buChar char="•"/>
+            </a:pPr>
+            <a:r>
+              <a:rPr lang="en-US" dirty="0" smtClean="0"/>
+              <a:t>Id</a:t>
+            </a:r>
+          </a:p>
+          <a:p>
+            <a:pPr marL="285750" indent="-285750">
+              <a:buFont typeface="Arial" panose="020B0604020202020204" pitchFamily="34" charset="0"/>
+              <a:buChar char="•"/>
+            </a:pPr>
+            <a:r>
+              <a:rPr lang="en-US" dirty="0" err="1" smtClean="0"/>
+              <a:t>SiteId</a:t>
+            </a:r>
+            <a:endParaRPr lang="en-US" dirty="0" smtClean="0"/>
+          </a:p>
+          <a:p>
+            <a:pPr marL="285750" indent="-285750">
+              <a:buFont typeface="Arial" panose="020B0604020202020204" pitchFamily="34" charset="0"/>
+              <a:buChar char="•"/>
+            </a:pPr>
+            <a:r>
+              <a:rPr lang="en-US" dirty="0" smtClean="0"/>
+              <a:t>Type (</a:t>
+            </a:r>
+            <a:r>
+              <a:rPr lang="en-US" dirty="0" err="1" smtClean="0"/>
+              <a:t>enum</a:t>
+            </a:r>
+            <a:r>
+              <a:rPr lang="en-US" dirty="0" smtClean="0"/>
+              <a:t>)</a:t>
+            </a:r>
+          </a:p>
+          <a:p>
+            <a:pPr marL="285750" indent="-285750">
+              <a:buFont typeface="Arial" panose="020B0604020202020204" pitchFamily="34" charset="0"/>
+              <a:buChar char="•"/>
+            </a:pPr>
+            <a:r>
+              <a:rPr lang="en-US" dirty="0" smtClean="0"/>
+              <a:t>Name (string)</a:t>
+            </a:r>
+          </a:p>
+          <a:p>
+            <a:pPr marL="285750" indent="-285750">
+              <a:buFont typeface="Arial" panose="020B0604020202020204" pitchFamily="34" charset="0"/>
+              <a:buChar char="•"/>
+            </a:pPr>
+            <a:r>
+              <a:rPr lang="en-US" dirty="0" smtClean="0"/>
+              <a:t>Timestamp</a:t>
+            </a:r>
+          </a:p>
+          <a:p>
+            <a:pPr marL="285750" indent="-285750">
+              <a:buFont typeface="Arial" panose="020B0604020202020204" pitchFamily="34" charset="0"/>
+              <a:buChar char="•"/>
+            </a:pPr>
+            <a:r>
+              <a:rPr lang="en-US" dirty="0" smtClean="0"/>
+              <a:t>Details (string)</a:t>
+            </a:r>
+            <a:endParaRPr lang="ru-RU" dirty="0"/>
+          </a:p>
+        </p:txBody>
+      </p:sp>
+      <p:pic>
+        <p:nvPicPr>
+          <p:cNvPr id="8" name="Picture 7"/>
+          <p:cNvPicPr>
+            <a:picLocks noChangeAspect="1"/>
+          </p:cNvPicPr>
+          <p:nvPr/>
+        </p:nvPicPr>
+        <p:blipFill>
+          <a:blip r:embed="rId2"/>
+          <a:stretch>
+            <a:fillRect/>
+          </a:stretch>
+        </p:blipFill>
+        <p:spPr>
+          <a:xfrm>
+            <a:off x="8241682" y="2460362"/>
+            <a:ext cx="2867425" cy="1371791"/>
+          </a:xfrm>
+          <a:prstGeom prst="rect">
+            <a:avLst/>
+          </a:prstGeom>
+        </p:spPr>
+      </p:pic>
+    </p:spTree>
+    <p:extLst>
+      <p:ext uri="{BB962C8B-B14F-4D97-AF65-F5344CB8AC3E}">
+        <p14:creationId xmlns:p14="http://schemas.microsoft.com/office/powerpoint/2010/main" val="1373804876"/>
+      </p:ext>
+    </p:extLst>
+  </p:cSld>
+  <p:clrMapOvr>
+    <a:masterClrMapping/>
+  </p:clrMapOvr>
+</p:sld>
+</file>
+
+<file path=ppt/slides/slide11.xml><?xml version="1.0" encoding="utf-8"?>
 <p:sld xmlns:a="http://schemas.openxmlformats.org/drawingml/2006/main" xmlns:r="http://schemas.openxmlformats.org/officeDocument/2006/relationships" xmlns:p="http://schemas.openxmlformats.org/presentationml/2006/main">
   <p:cSld>
     <p:spTree>
@@ -5958,15 +6220,7 @@
           <a:p>
             <a:r>
               <a:rPr lang="en-US" sz="1400" dirty="0" smtClean="0"/>
-              <a:t>“Date to” is optional and is shown only when “Date from” </a:t>
-            </a:r>
-            <a:r>
-              <a:rPr lang="en-US" sz="1400" dirty="0" smtClean="0"/>
-              <a:t>set</a:t>
-            </a:r>
-            <a:r>
-              <a:rPr lang="en-US" sz="1400" dirty="0" smtClean="0"/>
-              <a:t>. If “Date from” is “—” “Date to” is hidden.</a:t>
+              <a:t>“Date to” is optional and is shown only when “Date from” set. If “Date from” is “—” “Date to” is hidden.</a:t>
             </a:r>
             <a:endParaRPr lang="ru-RU" sz="1400" dirty="0"/>
           </a:p>
@@ -6023,7 +6277,7 @@
 </p:sld>
 </file>
 
-<file path=ppt/slides/slide11.xml><?xml version="1.0" encoding="utf-8"?>
+<file path=ppt/slides/slide12.xml><?xml version="1.0" encoding="utf-8"?>
 <p:sld xmlns:a="http://schemas.openxmlformats.org/drawingml/2006/main" xmlns:r="http://schemas.openxmlformats.org/officeDocument/2006/relationships" xmlns:p="http://schemas.openxmlformats.org/presentationml/2006/main">
   <p:cSld>
     <p:spTree>
@@ -6471,7 +6725,7 @@
 </p:sld>
 </file>
 
-<file path=ppt/slides/slide12.xml><?xml version="1.0" encoding="utf-8"?>
+<file path=ppt/slides/slide13.xml><?xml version="1.0" encoding="utf-8"?>
 <p:sld xmlns:a="http://schemas.openxmlformats.org/drawingml/2006/main" xmlns:r="http://schemas.openxmlformats.org/officeDocument/2006/relationships" xmlns:p="http://schemas.openxmlformats.org/presentationml/2006/main">
   <p:cSld>
     <p:spTree>
@@ -7012,7 +7266,7 @@
 </p:sld>
 </file>
 
-<file path=ppt/slides/slide13.xml><?xml version="1.0" encoding="utf-8"?>
+<file path=ppt/slides/slide14.xml><?xml version="1.0" encoding="utf-8"?>
 <p:sld xmlns:a="http://schemas.openxmlformats.org/drawingml/2006/main" xmlns:r="http://schemas.openxmlformats.org/officeDocument/2006/relationships" xmlns:p="http://schemas.openxmlformats.org/presentationml/2006/main">
   <p:cSld>
     <p:spTree>
@@ -8486,530 +8740,6 @@
 </p:sld>
 </file>
 
-<file path=ppt/slides/slide14.xml><?xml version="1.0" encoding="utf-8"?>
-<p:sld xmlns:a="http://schemas.openxmlformats.org/drawingml/2006/main" xmlns:r="http://schemas.openxmlformats.org/officeDocument/2006/relationships" xmlns:p="http://schemas.openxmlformats.org/presentationml/2006/main">
-  <p:cSld>
-    <p:spTree>
-      <p:nvGrpSpPr>
-        <p:cNvPr id="1" name=""/>
-        <p:cNvGrpSpPr/>
-        <p:nvPr/>
-      </p:nvGrpSpPr>
-      <p:grpSpPr>
-        <a:xfrm>
-          <a:off x="0" y="0"/>
-          <a:ext cx="0" cy="0"/>
-          <a:chOff x="0" y="0"/>
-          <a:chExt cx="0" cy="0"/>
-        </a:xfrm>
-      </p:grpSpPr>
-      <p:sp>
-        <p:nvSpPr>
-          <p:cNvPr id="4" name="TextBox 3"/>
-          <p:cNvSpPr txBox="1"/>
-          <p:nvPr/>
-        </p:nvSpPr>
-        <p:spPr>
-          <a:xfrm>
-            <a:off x="222584" y="174458"/>
-            <a:ext cx="6647447" cy="523220"/>
-          </a:xfrm>
-          <a:prstGeom prst="rect">
-            <a:avLst/>
-          </a:prstGeom>
-          <a:noFill/>
-        </p:spPr>
-        <p:txBody>
-          <a:bodyPr wrap="square" rtlCol="0">
-            <a:spAutoFit/>
-          </a:bodyPr>
-          <a:lstStyle/>
-          <a:p>
-            <a:r>
-              <a:rPr lang="en-US" sz="2800" dirty="0" smtClean="0"/>
-              <a:t>Help Subsystem</a:t>
-            </a:r>
-            <a:endParaRPr lang="ru-RU" sz="2800" dirty="0"/>
-          </a:p>
-        </p:txBody>
-      </p:sp>
-      <p:sp>
-        <p:nvSpPr>
-          <p:cNvPr id="5" name="Rectangle 4"/>
-          <p:cNvSpPr/>
-          <p:nvPr/>
-        </p:nvSpPr>
-        <p:spPr>
-          <a:xfrm>
-            <a:off x="385010" y="866274"/>
-            <a:ext cx="2160297" cy="1501613"/>
-          </a:xfrm>
-          <a:prstGeom prst="rect">
-            <a:avLst/>
-          </a:prstGeom>
-          <a:noFill/>
-        </p:spPr>
-        <p:style>
-          <a:lnRef idx="2">
-            <a:schemeClr val="accent1">
-              <a:shade val="50000"/>
-            </a:schemeClr>
-          </a:lnRef>
-          <a:fillRef idx="1">
-            <a:schemeClr val="accent1"/>
-          </a:fillRef>
-          <a:effectRef idx="0">
-            <a:schemeClr val="accent1"/>
-          </a:effectRef>
-          <a:fontRef idx="minor">
-            <a:schemeClr val="lt1"/>
-          </a:fontRef>
-        </p:style>
-        <p:txBody>
-          <a:bodyPr rtlCol="0" anchor="ctr"/>
-          <a:lstStyle/>
-          <a:p>
-            <a:pPr algn="ctr"/>
-            <a:endParaRPr lang="ru-RU"/>
-          </a:p>
-        </p:txBody>
-      </p:sp>
-      <p:sp>
-        <p:nvSpPr>
-          <p:cNvPr id="6" name="TextBox 5"/>
-          <p:cNvSpPr txBox="1"/>
-          <p:nvPr/>
-        </p:nvSpPr>
-        <p:spPr>
-          <a:xfrm>
-            <a:off x="385010" y="866274"/>
-            <a:ext cx="1944806" cy="369332"/>
-          </a:xfrm>
-          <a:prstGeom prst="rect">
-            <a:avLst/>
-          </a:prstGeom>
-          <a:noFill/>
-        </p:spPr>
-        <p:txBody>
-          <a:bodyPr wrap="square" rtlCol="0">
-            <a:spAutoFit/>
-          </a:bodyPr>
-          <a:lstStyle/>
-          <a:p>
-            <a:r>
-              <a:rPr lang="en-US" dirty="0" smtClean="0"/>
-              <a:t>Help Section</a:t>
-            </a:r>
-            <a:endParaRPr lang="ru-RU" dirty="0"/>
-          </a:p>
-        </p:txBody>
-      </p:sp>
-      <p:sp>
-        <p:nvSpPr>
-          <p:cNvPr id="7" name="TextBox 6"/>
-          <p:cNvSpPr txBox="1"/>
-          <p:nvPr/>
-        </p:nvSpPr>
-        <p:spPr>
-          <a:xfrm>
-            <a:off x="566382" y="1344304"/>
-            <a:ext cx="2129051" cy="923330"/>
-          </a:xfrm>
-          <a:prstGeom prst="rect">
-            <a:avLst/>
-          </a:prstGeom>
-          <a:noFill/>
-        </p:spPr>
-        <p:txBody>
-          <a:bodyPr wrap="square" rtlCol="0">
-            <a:spAutoFit/>
-          </a:bodyPr>
-          <a:lstStyle/>
-          <a:p>
-            <a:pPr marL="285750" indent="-285750">
-              <a:buFont typeface="Arial" panose="020B0604020202020204" pitchFamily="34" charset="0"/>
-              <a:buChar char="•"/>
-            </a:pPr>
-            <a:r>
-              <a:rPr lang="en-US" dirty="0" smtClean="0"/>
-              <a:t>Id</a:t>
-            </a:r>
-          </a:p>
-          <a:p>
-            <a:pPr marL="285750" indent="-285750">
-              <a:buFont typeface="Arial" panose="020B0604020202020204" pitchFamily="34" charset="0"/>
-              <a:buChar char="•"/>
-            </a:pPr>
-            <a:r>
-              <a:rPr lang="en-US" dirty="0" smtClean="0"/>
-              <a:t>Name</a:t>
-            </a:r>
-          </a:p>
-          <a:p>
-            <a:pPr marL="285750" indent="-285750">
-              <a:buFont typeface="Arial" panose="020B0604020202020204" pitchFamily="34" charset="0"/>
-              <a:buChar char="•"/>
-            </a:pPr>
-            <a:r>
-              <a:rPr lang="en-US" dirty="0" smtClean="0"/>
-              <a:t>Parent Section</a:t>
-            </a:r>
-            <a:endParaRPr lang="ru-RU" dirty="0"/>
-          </a:p>
-        </p:txBody>
-      </p:sp>
-      <p:sp>
-        <p:nvSpPr>
-          <p:cNvPr id="8" name="Rectangle 7"/>
-          <p:cNvSpPr/>
-          <p:nvPr/>
-        </p:nvSpPr>
-        <p:spPr>
-          <a:xfrm>
-            <a:off x="3227696" y="866274"/>
-            <a:ext cx="1705970" cy="1788216"/>
-          </a:xfrm>
-          <a:prstGeom prst="rect">
-            <a:avLst/>
-          </a:prstGeom>
-          <a:noFill/>
-        </p:spPr>
-        <p:style>
-          <a:lnRef idx="2">
-            <a:schemeClr val="accent1">
-              <a:shade val="50000"/>
-            </a:schemeClr>
-          </a:lnRef>
-          <a:fillRef idx="1">
-            <a:schemeClr val="accent1"/>
-          </a:fillRef>
-          <a:effectRef idx="0">
-            <a:schemeClr val="accent1"/>
-          </a:effectRef>
-          <a:fontRef idx="minor">
-            <a:schemeClr val="lt1"/>
-          </a:fontRef>
-        </p:style>
-        <p:txBody>
-          <a:bodyPr rtlCol="0" anchor="ctr"/>
-          <a:lstStyle/>
-          <a:p>
-            <a:pPr algn="ctr"/>
-            <a:endParaRPr lang="ru-RU"/>
-          </a:p>
-        </p:txBody>
-      </p:sp>
-      <p:sp>
-        <p:nvSpPr>
-          <p:cNvPr id="9" name="TextBox 8"/>
-          <p:cNvSpPr txBox="1"/>
-          <p:nvPr/>
-        </p:nvSpPr>
-        <p:spPr>
-          <a:xfrm>
-            <a:off x="3295935" y="866274"/>
-            <a:ext cx="2470244" cy="369332"/>
-          </a:xfrm>
-          <a:prstGeom prst="rect">
-            <a:avLst/>
-          </a:prstGeom>
-          <a:noFill/>
-        </p:spPr>
-        <p:txBody>
-          <a:bodyPr wrap="square" rtlCol="0">
-            <a:spAutoFit/>
-          </a:bodyPr>
-          <a:lstStyle/>
-          <a:p>
-            <a:r>
-              <a:rPr lang="en-US" dirty="0" smtClean="0"/>
-              <a:t>Help Topic</a:t>
-            </a:r>
-            <a:endParaRPr lang="ru-RU" dirty="0"/>
-          </a:p>
-        </p:txBody>
-      </p:sp>
-      <p:sp>
-        <p:nvSpPr>
-          <p:cNvPr id="10" name="TextBox 9"/>
-          <p:cNvSpPr txBox="1"/>
-          <p:nvPr/>
-        </p:nvSpPr>
-        <p:spPr>
-          <a:xfrm>
-            <a:off x="3377822" y="1344304"/>
-            <a:ext cx="1453485" cy="1200329"/>
-          </a:xfrm>
-          <a:prstGeom prst="rect">
-            <a:avLst/>
-          </a:prstGeom>
-          <a:noFill/>
-        </p:spPr>
-        <p:txBody>
-          <a:bodyPr wrap="square" rtlCol="0">
-            <a:spAutoFit/>
-          </a:bodyPr>
-          <a:lstStyle/>
-          <a:p>
-            <a:pPr marL="285750" indent="-285750">
-              <a:buFont typeface="Arial" panose="020B0604020202020204" pitchFamily="34" charset="0"/>
-              <a:buChar char="•"/>
-            </a:pPr>
-            <a:r>
-              <a:rPr lang="en-US" dirty="0" smtClean="0"/>
-              <a:t>Id</a:t>
-            </a:r>
-          </a:p>
-          <a:p>
-            <a:pPr marL="285750" indent="-285750">
-              <a:buFont typeface="Arial" panose="020B0604020202020204" pitchFamily="34" charset="0"/>
-              <a:buChar char="•"/>
-            </a:pPr>
-            <a:r>
-              <a:rPr lang="en-US" dirty="0" smtClean="0"/>
-              <a:t>Name</a:t>
-            </a:r>
-          </a:p>
-          <a:p>
-            <a:pPr marL="285750" indent="-285750">
-              <a:buFont typeface="Arial" panose="020B0604020202020204" pitchFamily="34" charset="0"/>
-              <a:buChar char="•"/>
-            </a:pPr>
-            <a:r>
-              <a:rPr lang="en-US" dirty="0" smtClean="0"/>
-              <a:t>Section</a:t>
-            </a:r>
-          </a:p>
-          <a:p>
-            <a:pPr marL="285750" indent="-285750">
-              <a:buFont typeface="Arial" panose="020B0604020202020204" pitchFamily="34" charset="0"/>
-              <a:buChar char="•"/>
-            </a:pPr>
-            <a:r>
-              <a:rPr lang="en-US" dirty="0" err="1" smtClean="0"/>
-              <a:t>OrdinalNo</a:t>
-            </a:r>
-            <a:endParaRPr lang="en-US" dirty="0" smtClean="0"/>
-          </a:p>
-        </p:txBody>
-      </p:sp>
-      <p:cxnSp>
-        <p:nvCxnSpPr>
-          <p:cNvPr id="14" name="Elbow Connector 13"/>
-          <p:cNvCxnSpPr/>
-          <p:nvPr/>
-        </p:nvCxnSpPr>
-        <p:spPr>
-          <a:xfrm rot="10800000">
-            <a:off x="2545308" y="1542197"/>
-            <a:ext cx="682389" cy="516256"/>
-          </a:xfrm>
-          <a:prstGeom prst="bentConnector3">
-            <a:avLst>
-              <a:gd name="adj1" fmla="val 50000"/>
-            </a:avLst>
-          </a:prstGeom>
-          <a:ln>
-            <a:tailEnd type="triangle"/>
-          </a:ln>
-        </p:spPr>
-        <p:style>
-          <a:lnRef idx="1">
-            <a:schemeClr val="accent1"/>
-          </a:lnRef>
-          <a:fillRef idx="0">
-            <a:schemeClr val="accent1"/>
-          </a:fillRef>
-          <a:effectRef idx="0">
-            <a:schemeClr val="accent1"/>
-          </a:effectRef>
-          <a:fontRef idx="minor">
-            <a:schemeClr val="tx1"/>
-          </a:fontRef>
-        </p:style>
-      </p:cxnSp>
-      <p:sp>
-        <p:nvSpPr>
-          <p:cNvPr id="2" name="Rectangle 1"/>
-          <p:cNvSpPr/>
-          <p:nvPr/>
-        </p:nvSpPr>
-        <p:spPr>
-          <a:xfrm>
-            <a:off x="5616055" y="866274"/>
-            <a:ext cx="2117558" cy="1788216"/>
-          </a:xfrm>
-          <a:prstGeom prst="rect">
-            <a:avLst/>
-          </a:prstGeom>
-          <a:noFill/>
-        </p:spPr>
-        <p:style>
-          <a:lnRef idx="2">
-            <a:schemeClr val="accent1">
-              <a:shade val="50000"/>
-            </a:schemeClr>
-          </a:lnRef>
-          <a:fillRef idx="1">
-            <a:schemeClr val="accent1"/>
-          </a:fillRef>
-          <a:effectRef idx="0">
-            <a:schemeClr val="accent1"/>
-          </a:effectRef>
-          <a:fontRef idx="minor">
-            <a:schemeClr val="lt1"/>
-          </a:fontRef>
-        </p:style>
-        <p:txBody>
-          <a:bodyPr rtlCol="0" anchor="ctr"/>
-          <a:lstStyle/>
-          <a:p>
-            <a:pPr algn="ctr"/>
-            <a:endParaRPr lang="ru-RU"/>
-          </a:p>
-        </p:txBody>
-      </p:sp>
-      <p:sp>
-        <p:nvSpPr>
-          <p:cNvPr id="3" name="TextBox 2"/>
-          <p:cNvSpPr txBox="1"/>
-          <p:nvPr/>
-        </p:nvSpPr>
-        <p:spPr>
-          <a:xfrm>
-            <a:off x="5780905" y="939335"/>
-            <a:ext cx="1787857" cy="369332"/>
-          </a:xfrm>
-          <a:prstGeom prst="rect">
-            <a:avLst/>
-          </a:prstGeom>
-          <a:noFill/>
-        </p:spPr>
-        <p:txBody>
-          <a:bodyPr wrap="square" rtlCol="0">
-            <a:spAutoFit/>
-          </a:bodyPr>
-          <a:lstStyle/>
-          <a:p>
-            <a:r>
-              <a:rPr lang="en-US" dirty="0" smtClean="0"/>
-              <a:t>Topic Paragraph</a:t>
-            </a:r>
-            <a:endParaRPr lang="ru-RU" dirty="0"/>
-          </a:p>
-        </p:txBody>
-      </p:sp>
-      <p:sp>
-        <p:nvSpPr>
-          <p:cNvPr id="12" name="TextBox 11"/>
-          <p:cNvSpPr txBox="1"/>
-          <p:nvPr/>
-        </p:nvSpPr>
-        <p:spPr>
-          <a:xfrm>
-            <a:off x="5875362" y="1323752"/>
-            <a:ext cx="1248769" cy="1200329"/>
-          </a:xfrm>
-          <a:prstGeom prst="rect">
-            <a:avLst/>
-          </a:prstGeom>
-          <a:noFill/>
-        </p:spPr>
-        <p:txBody>
-          <a:bodyPr wrap="square" rtlCol="0">
-            <a:spAutoFit/>
-          </a:bodyPr>
-          <a:lstStyle/>
-          <a:p>
-            <a:pPr marL="285750" indent="-285750">
-              <a:buFont typeface="Arial" panose="020B0604020202020204" pitchFamily="34" charset="0"/>
-              <a:buChar char="•"/>
-            </a:pPr>
-            <a:r>
-              <a:rPr lang="en-US" dirty="0" smtClean="0"/>
-              <a:t>Id</a:t>
-            </a:r>
-          </a:p>
-          <a:p>
-            <a:pPr marL="285750" indent="-285750">
-              <a:buFont typeface="Arial" panose="020B0604020202020204" pitchFamily="34" charset="0"/>
-              <a:buChar char="•"/>
-            </a:pPr>
-            <a:r>
-              <a:rPr lang="en-US" dirty="0" smtClean="0"/>
-              <a:t>Name</a:t>
-            </a:r>
-          </a:p>
-          <a:p>
-            <a:pPr marL="285750" indent="-285750">
-              <a:buFont typeface="Arial" panose="020B0604020202020204" pitchFamily="34" charset="0"/>
-              <a:buChar char="•"/>
-            </a:pPr>
-            <a:r>
-              <a:rPr lang="en-US" dirty="0" smtClean="0"/>
-              <a:t>Topic</a:t>
-            </a:r>
-          </a:p>
-          <a:p>
-            <a:pPr marL="285750" indent="-285750">
-              <a:buFont typeface="Arial" panose="020B0604020202020204" pitchFamily="34" charset="0"/>
-              <a:buChar char="•"/>
-            </a:pPr>
-            <a:r>
-              <a:rPr lang="en-US" dirty="0" smtClean="0"/>
-              <a:t>Content</a:t>
-            </a:r>
-          </a:p>
-        </p:txBody>
-      </p:sp>
-      <p:cxnSp>
-        <p:nvCxnSpPr>
-          <p:cNvPr id="13" name="Elbow Connector 12"/>
-          <p:cNvCxnSpPr/>
-          <p:nvPr/>
-        </p:nvCxnSpPr>
-        <p:spPr>
-          <a:xfrm rot="10800000">
-            <a:off x="4935945" y="1530821"/>
-            <a:ext cx="682389" cy="516256"/>
-          </a:xfrm>
-          <a:prstGeom prst="bentConnector3">
-            <a:avLst>
-              <a:gd name="adj1" fmla="val 50000"/>
-            </a:avLst>
-          </a:prstGeom>
-          <a:ln>
-            <a:tailEnd type="triangle"/>
-          </a:ln>
-        </p:spPr>
-        <p:style>
-          <a:lnRef idx="1">
-            <a:schemeClr val="accent1"/>
-          </a:lnRef>
-          <a:fillRef idx="0">
-            <a:schemeClr val="accent1"/>
-          </a:fillRef>
-          <a:effectRef idx="0">
-            <a:schemeClr val="accent1"/>
-          </a:effectRef>
-          <a:fontRef idx="minor">
-            <a:schemeClr val="tx1"/>
-          </a:fontRef>
-        </p:style>
-      </p:cxnSp>
-    </p:spTree>
-    <p:extLst>
-      <p:ext uri="{BB962C8B-B14F-4D97-AF65-F5344CB8AC3E}">
-        <p14:creationId xmlns:p14="http://schemas.microsoft.com/office/powerpoint/2010/main" val="1228147777"/>
-      </p:ext>
-    </p:extLst>
-  </p:cSld>
-  <p:clrMapOvr>
-    <a:masterClrMapping/>
-  </p:clrMapOvr>
-</p:sld>
-</file>
-
 <file path=ppt/slides/slide15.xml><?xml version="1.0" encoding="utf-8"?>
 <p:sld xmlns:a="http://schemas.openxmlformats.org/drawingml/2006/main" xmlns:r="http://schemas.openxmlformats.org/officeDocument/2006/relationships" xmlns:p="http://schemas.openxmlformats.org/presentationml/2006/main">
   <p:cSld>
@@ -9029,42 +8759,44 @@
       </p:grpSpPr>
       <p:sp>
         <p:nvSpPr>
-          <p:cNvPr id="2" name="Title 1"/>
-          <p:cNvSpPr>
-            <a:spLocks noGrp="1"/>
-          </p:cNvSpPr>
-          <p:nvPr>
-            <p:ph type="title"/>
-          </p:nvPr>
-        </p:nvSpPr>
-        <p:spPr>
-          <a:xfrm>
-            <a:off x="374984" y="0"/>
-            <a:ext cx="10515600" cy="1325563"/>
-          </a:xfrm>
-        </p:spPr>
-        <p:txBody>
-          <a:bodyPr/>
-          <a:lstStyle/>
-          <a:p>
-            <a:r>
-              <a:rPr lang="en-US" dirty="0" smtClean="0"/>
-              <a:t>Help – Getting Started</a:t>
-            </a:r>
-            <a:endParaRPr lang="ru-RU" dirty="0"/>
-          </a:p>
-        </p:txBody>
-      </p:sp>
-      <p:sp>
-        <p:nvSpPr>
-          <p:cNvPr id="4" name="Rectangle 3"/>
+          <p:cNvPr id="4" name="TextBox 3"/>
+          <p:cNvSpPr txBox="1"/>
+          <p:nvPr/>
+        </p:nvSpPr>
+        <p:spPr>
+          <a:xfrm>
+            <a:off x="222584" y="174458"/>
+            <a:ext cx="6647447" cy="523220"/>
+          </a:xfrm>
+          <a:prstGeom prst="rect">
+            <a:avLst/>
+          </a:prstGeom>
+          <a:noFill/>
+        </p:spPr>
+        <p:txBody>
+          <a:bodyPr wrap="square" rtlCol="0">
+            <a:spAutoFit/>
+          </a:bodyPr>
+          <a:lstStyle/>
+          <a:p>
+            <a:r>
+              <a:rPr lang="en-US" sz="2800" dirty="0" smtClean="0"/>
+              <a:t>Help Subsystem</a:t>
+            </a:r>
+            <a:endParaRPr lang="ru-RU" sz="2800" dirty="0"/>
+          </a:p>
+        </p:txBody>
+      </p:sp>
+      <p:sp>
+        <p:nvSpPr>
+          <p:cNvPr id="5" name="Rectangle 4"/>
           <p:cNvSpPr/>
           <p:nvPr/>
         </p:nvSpPr>
         <p:spPr>
           <a:xfrm>
-            <a:off x="306805" y="1052763"/>
-            <a:ext cx="2497810" cy="5654842"/>
+            <a:off x="385010" y="866274"/>
+            <a:ext cx="2160297" cy="1501613"/>
           </a:xfrm>
           <a:prstGeom prst="rect">
             <a:avLst/>
@@ -9098,14 +8830,14 @@
       </p:sp>
       <p:sp>
         <p:nvSpPr>
-          <p:cNvPr id="5" name="TextBox 4"/>
+          <p:cNvPr id="6" name="TextBox 5"/>
           <p:cNvSpPr txBox="1"/>
           <p:nvPr/>
         </p:nvSpPr>
         <p:spPr>
           <a:xfrm>
-            <a:off x="374984" y="1189085"/>
-            <a:ext cx="2313296" cy="369332"/>
+            <a:off x="385010" y="866274"/>
+            <a:ext cx="1944806" cy="369332"/>
           </a:xfrm>
           <a:prstGeom prst="rect">
             <a:avLst/>
@@ -9120,7 +8852,7 @@
           <a:p>
             <a:r>
               <a:rPr lang="en-US" dirty="0" smtClean="0"/>
-              <a:t>General</a:t>
+              <a:t>Help Section</a:t>
             </a:r>
             <a:endParaRPr lang="ru-RU" dirty="0"/>
           </a:p>
@@ -9128,14 +8860,14 @@
       </p:sp>
       <p:sp>
         <p:nvSpPr>
-          <p:cNvPr id="6" name="TextBox 5"/>
+          <p:cNvPr id="7" name="TextBox 6"/>
           <p:cNvSpPr txBox="1"/>
           <p:nvPr/>
         </p:nvSpPr>
         <p:spPr>
           <a:xfrm>
-            <a:off x="729766" y="1554010"/>
-            <a:ext cx="2026693" cy="1200329"/>
+            <a:off x="566382" y="1344304"/>
+            <a:ext cx="2129051" cy="923330"/>
           </a:xfrm>
           <a:prstGeom prst="rect">
             <a:avLst/>
@@ -9148,27 +8880,33 @@
           </a:bodyPr>
           <a:lstStyle/>
           <a:p>
-            <a:r>
-              <a:rPr lang="en-US" b="1" dirty="0" smtClean="0"/>
-              <a:t>Getting started</a:t>
-            </a:r>
-          </a:p>
-          <a:p>
-            <a:r>
-              <a:rPr lang="en-US" dirty="0" smtClean="0"/>
-              <a:t>Dashboard</a:t>
-            </a:r>
-          </a:p>
-          <a:p>
-            <a:r>
-              <a:rPr lang="en-US" dirty="0" smtClean="0"/>
-              <a:t>Create site</a:t>
-            </a:r>
-          </a:p>
-          <a:p>
-            <a:r>
-              <a:rPr lang="en-US" dirty="0" smtClean="0"/>
-              <a:t>Site management</a:t>
+            <a:pPr marL="285750" indent="-285750">
+              <a:buFont typeface="Arial" panose="020B0604020202020204" pitchFamily="34" charset="0"/>
+              <a:buChar char="•"/>
+            </a:pPr>
+            <a:r>
+              <a:rPr lang="en-US" dirty="0" smtClean="0"/>
+              <a:t>Id</a:t>
+            </a:r>
+          </a:p>
+          <a:p>
+            <a:pPr marL="285750" indent="-285750">
+              <a:buFont typeface="Arial" panose="020B0604020202020204" pitchFamily="34" charset="0"/>
+              <a:buChar char="•"/>
+            </a:pPr>
+            <a:r>
+              <a:rPr lang="en-US" dirty="0" smtClean="0"/>
+              <a:t>Name</a:t>
+            </a:r>
+          </a:p>
+          <a:p>
+            <a:pPr marL="285750" indent="-285750">
+              <a:buFont typeface="Arial" panose="020B0604020202020204" pitchFamily="34" charset="0"/>
+              <a:buChar char="•"/>
+            </a:pPr>
+            <a:r>
+              <a:rPr lang="en-US" dirty="0" smtClean="0"/>
+              <a:t>Parent Section</a:t>
             </a:r>
             <a:endParaRPr lang="ru-RU" dirty="0"/>
           </a:p>
@@ -9176,14 +8914,14 @@
       </p:sp>
       <p:sp>
         <p:nvSpPr>
-          <p:cNvPr id="7" name="Rectangle 6"/>
+          <p:cNvPr id="8" name="Rectangle 7"/>
           <p:cNvSpPr/>
           <p:nvPr/>
         </p:nvSpPr>
         <p:spPr>
           <a:xfrm>
-            <a:off x="2954740" y="1052763"/>
-            <a:ext cx="9096233" cy="5654842"/>
+            <a:off x="3227696" y="866274"/>
+            <a:ext cx="1705970" cy="1788216"/>
           </a:xfrm>
           <a:prstGeom prst="rect">
             <a:avLst/>
@@ -9217,14 +8955,14 @@
       </p:sp>
       <p:sp>
         <p:nvSpPr>
-          <p:cNvPr id="8" name="TextBox 7"/>
+          <p:cNvPr id="9" name="TextBox 8"/>
           <p:cNvSpPr txBox="1"/>
           <p:nvPr/>
         </p:nvSpPr>
         <p:spPr>
           <a:xfrm>
-            <a:off x="3043062" y="1189085"/>
-            <a:ext cx="8598090" cy="3693319"/>
+            <a:off x="3295935" y="866274"/>
+            <a:ext cx="2470244" cy="369332"/>
           </a:xfrm>
           <a:prstGeom prst="rect">
             <a:avLst/>
@@ -9238,91 +8976,285 @@
           <a:lstStyle/>
           <a:p>
             <a:r>
-              <a:rPr lang="en-US" b="1" dirty="0" smtClean="0"/>
-              <a:t>AVS </a:t>
-            </a:r>
-            <a:r>
-              <a:rPr lang="en-US" b="1" dirty="0" err="1" smtClean="0"/>
-              <a:t>StaticSite</a:t>
-            </a:r>
-            <a:r>
-              <a:rPr lang="en-US" b="1" dirty="0" smtClean="0"/>
-              <a:t> Hosting</a:t>
-            </a:r>
-            <a:r>
-              <a:rPr lang="en-US" dirty="0" smtClean="0"/>
-              <a:t> allows a user to host simple static site and manage it. The user can turn site on or off, upload different types of content, remove some content, or delete site at all. </a:t>
-            </a:r>
-            <a:endParaRPr lang="ru-RU" dirty="0" smtClean="0"/>
-          </a:p>
-          <a:p>
+              <a:rPr lang="en-US" dirty="0" smtClean="0"/>
+              <a:t>Help Topic</a:t>
+            </a:r>
+            <a:endParaRPr lang="ru-RU" dirty="0"/>
+          </a:p>
+        </p:txBody>
+      </p:sp>
+      <p:sp>
+        <p:nvSpPr>
+          <p:cNvPr id="10" name="TextBox 9"/>
+          <p:cNvSpPr txBox="1"/>
+          <p:nvPr/>
+        </p:nvSpPr>
+        <p:spPr>
+          <a:xfrm>
+            <a:off x="3377822" y="1344304"/>
+            <a:ext cx="1453485" cy="1200329"/>
+          </a:xfrm>
+          <a:prstGeom prst="rect">
+            <a:avLst/>
+          </a:prstGeom>
+          <a:noFill/>
+        </p:spPr>
+        <p:txBody>
+          <a:bodyPr wrap="square" rtlCol="0">
+            <a:spAutoFit/>
+          </a:bodyPr>
+          <a:lstStyle/>
+          <a:p>
+            <a:pPr marL="285750" indent="-285750">
+              <a:buFont typeface="Arial" panose="020B0604020202020204" pitchFamily="34" charset="0"/>
+              <a:buChar char="•"/>
+            </a:pPr>
+            <a:r>
+              <a:rPr lang="en-US" dirty="0" smtClean="0"/>
+              <a:t>Id</a:t>
+            </a:r>
+          </a:p>
+          <a:p>
+            <a:pPr marL="285750" indent="-285750">
+              <a:buFont typeface="Arial" panose="020B0604020202020204" pitchFamily="34" charset="0"/>
+              <a:buChar char="•"/>
+            </a:pPr>
+            <a:r>
+              <a:rPr lang="en-US" dirty="0" smtClean="0"/>
+              <a:t>Name</a:t>
+            </a:r>
+          </a:p>
+          <a:p>
+            <a:pPr marL="285750" indent="-285750">
+              <a:buFont typeface="Arial" panose="020B0604020202020204" pitchFamily="34" charset="0"/>
+              <a:buChar char="•"/>
+            </a:pPr>
+            <a:r>
+              <a:rPr lang="en-US" dirty="0" smtClean="0"/>
+              <a:t>Section</a:t>
+            </a:r>
+          </a:p>
+          <a:p>
+            <a:pPr marL="285750" indent="-285750">
+              <a:buFont typeface="Arial" panose="020B0604020202020204" pitchFamily="34" charset="0"/>
+              <a:buChar char="•"/>
+            </a:pPr>
+            <a:r>
+              <a:rPr lang="en-US" dirty="0" err="1" smtClean="0"/>
+              <a:t>OrdinalNo</a:t>
+            </a:r>
             <a:endParaRPr lang="en-US" dirty="0" smtClean="0"/>
           </a:p>
-          <a:p>
-            <a:r>
-              <a:rPr lang="en-US" dirty="0" smtClean="0"/>
-              <a:t>Currently the project consists of 2 different modules – specific static site middleware and dashboard UI with REST API.</a:t>
-            </a:r>
-          </a:p>
-          <a:p>
-            <a:endParaRPr lang="en-US" dirty="0" smtClean="0"/>
-          </a:p>
-          <a:p>
-            <a:r>
-              <a:rPr lang="en-US" dirty="0" smtClean="0"/>
-              <a:t>All you need is to choose your site name &amp; upload site content (*.html, *.</a:t>
-            </a:r>
-            <a:r>
-              <a:rPr lang="en-US" dirty="0" err="1" smtClean="0"/>
-              <a:t>js</a:t>
-            </a:r>
-            <a:r>
-              <a:rPr lang="en-US" dirty="0" smtClean="0"/>
-              <a:t>. *.</a:t>
-            </a:r>
-            <a:r>
-              <a:rPr lang="en-US" dirty="0" err="1" smtClean="0"/>
-              <a:t>css</a:t>
-            </a:r>
-            <a:r>
-              <a:rPr lang="en-US" dirty="0" smtClean="0"/>
-              <a:t>).  You also may choose the landing page for your site. After it your site will be able on the route</a:t>
-            </a:r>
-          </a:p>
-          <a:p>
-            <a:r>
-              <a:rPr lang="en-US" b="1" dirty="0" smtClean="0"/>
-              <a:t>http://{Your site name}/{landing page}</a:t>
-            </a:r>
-            <a:r>
-              <a:rPr lang="en-US" dirty="0" smtClean="0"/>
-              <a:t>.</a:t>
-            </a:r>
-          </a:p>
-          <a:p>
-            <a:endParaRPr lang="en-US" dirty="0" smtClean="0"/>
-          </a:p>
-          <a:p>
-            <a:r>
-              <a:rPr lang="en-US" dirty="0" smtClean="0"/>
-              <a:t>To host your sites, the account registration is required. After registration you have a possibility to view your sites and manage them using our </a:t>
-            </a:r>
-            <a:r>
-              <a:rPr lang="en-US" b="1" dirty="0" smtClean="0"/>
-              <a:t>Dashboard</a:t>
-            </a:r>
-            <a:r>
-              <a:rPr lang="en-US" dirty="0" smtClean="0"/>
-              <a:t>. </a:t>
+        </p:txBody>
+      </p:sp>
+      <p:cxnSp>
+        <p:nvCxnSpPr>
+          <p:cNvPr id="14" name="Elbow Connector 13"/>
+          <p:cNvCxnSpPr/>
+          <p:nvPr/>
+        </p:nvCxnSpPr>
+        <p:spPr>
+          <a:xfrm rot="10800000">
+            <a:off x="2545308" y="1542197"/>
+            <a:ext cx="682389" cy="516256"/>
+          </a:xfrm>
+          <a:prstGeom prst="bentConnector3">
+            <a:avLst>
+              <a:gd name="adj1" fmla="val 50000"/>
+            </a:avLst>
+          </a:prstGeom>
+          <a:ln>
+            <a:tailEnd type="triangle"/>
+          </a:ln>
+        </p:spPr>
+        <p:style>
+          <a:lnRef idx="1">
+            <a:schemeClr val="accent1"/>
+          </a:lnRef>
+          <a:fillRef idx="0">
+            <a:schemeClr val="accent1"/>
+          </a:fillRef>
+          <a:effectRef idx="0">
+            <a:schemeClr val="accent1"/>
+          </a:effectRef>
+          <a:fontRef idx="minor">
+            <a:schemeClr val="tx1"/>
+          </a:fontRef>
+        </p:style>
+      </p:cxnSp>
+      <p:sp>
+        <p:nvSpPr>
+          <p:cNvPr id="2" name="Rectangle 1"/>
+          <p:cNvSpPr/>
+          <p:nvPr/>
+        </p:nvSpPr>
+        <p:spPr>
+          <a:xfrm>
+            <a:off x="5616055" y="866274"/>
+            <a:ext cx="2117558" cy="1788216"/>
+          </a:xfrm>
+          <a:prstGeom prst="rect">
+            <a:avLst/>
+          </a:prstGeom>
+          <a:noFill/>
+        </p:spPr>
+        <p:style>
+          <a:lnRef idx="2">
+            <a:schemeClr val="accent1">
+              <a:shade val="50000"/>
+            </a:schemeClr>
+          </a:lnRef>
+          <a:fillRef idx="1">
+            <a:schemeClr val="accent1"/>
+          </a:fillRef>
+          <a:effectRef idx="0">
+            <a:schemeClr val="accent1"/>
+          </a:effectRef>
+          <a:fontRef idx="minor">
+            <a:schemeClr val="lt1"/>
+          </a:fontRef>
+        </p:style>
+        <p:txBody>
+          <a:bodyPr rtlCol="0" anchor="ctr"/>
+          <a:lstStyle/>
+          <a:p>
+            <a:pPr algn="ctr"/>
+            <a:endParaRPr lang="ru-RU"/>
+          </a:p>
+        </p:txBody>
+      </p:sp>
+      <p:sp>
+        <p:nvSpPr>
+          <p:cNvPr id="3" name="TextBox 2"/>
+          <p:cNvSpPr txBox="1"/>
+          <p:nvPr/>
+        </p:nvSpPr>
+        <p:spPr>
+          <a:xfrm>
+            <a:off x="5780905" y="939335"/>
+            <a:ext cx="1787857" cy="369332"/>
+          </a:xfrm>
+          <a:prstGeom prst="rect">
+            <a:avLst/>
+          </a:prstGeom>
+          <a:noFill/>
+        </p:spPr>
+        <p:txBody>
+          <a:bodyPr wrap="square" rtlCol="0">
+            <a:spAutoFit/>
+          </a:bodyPr>
+          <a:lstStyle/>
+          <a:p>
+            <a:r>
+              <a:rPr lang="en-US" dirty="0" smtClean="0"/>
+              <a:t>Topic Paragraph</a:t>
             </a:r>
             <a:endParaRPr lang="ru-RU" dirty="0"/>
           </a:p>
         </p:txBody>
       </p:sp>
+      <p:sp>
+        <p:nvSpPr>
+          <p:cNvPr id="12" name="TextBox 11"/>
+          <p:cNvSpPr txBox="1"/>
+          <p:nvPr/>
+        </p:nvSpPr>
+        <p:spPr>
+          <a:xfrm>
+            <a:off x="5875362" y="1323752"/>
+            <a:ext cx="1248769" cy="1200329"/>
+          </a:xfrm>
+          <a:prstGeom prst="rect">
+            <a:avLst/>
+          </a:prstGeom>
+          <a:noFill/>
+        </p:spPr>
+        <p:txBody>
+          <a:bodyPr wrap="square" rtlCol="0">
+            <a:spAutoFit/>
+          </a:bodyPr>
+          <a:lstStyle/>
+          <a:p>
+            <a:pPr marL="285750" indent="-285750">
+              <a:buFont typeface="Arial" panose="020B0604020202020204" pitchFamily="34" charset="0"/>
+              <a:buChar char="•"/>
+            </a:pPr>
+            <a:r>
+              <a:rPr lang="en-US" dirty="0" smtClean="0"/>
+              <a:t>Id</a:t>
+            </a:r>
+          </a:p>
+          <a:p>
+            <a:pPr marL="285750" indent="-285750">
+              <a:buFont typeface="Arial" panose="020B0604020202020204" pitchFamily="34" charset="0"/>
+              <a:buChar char="•"/>
+            </a:pPr>
+            <a:r>
+              <a:rPr lang="en-US" dirty="0" smtClean="0"/>
+              <a:t>Name</a:t>
+            </a:r>
+          </a:p>
+          <a:p>
+            <a:pPr marL="285750" indent="-285750">
+              <a:buFont typeface="Arial" panose="020B0604020202020204" pitchFamily="34" charset="0"/>
+              <a:buChar char="•"/>
+            </a:pPr>
+            <a:r>
+              <a:rPr lang="en-US" dirty="0" smtClean="0"/>
+              <a:t>Topic</a:t>
+            </a:r>
+          </a:p>
+          <a:p>
+            <a:pPr marL="285750" indent="-285750">
+              <a:buFont typeface="Arial" panose="020B0604020202020204" pitchFamily="34" charset="0"/>
+              <a:buChar char="•"/>
+            </a:pPr>
+            <a:r>
+              <a:rPr lang="en-US" dirty="0" smtClean="0"/>
+              <a:t>Content</a:t>
+            </a:r>
+          </a:p>
+        </p:txBody>
+      </p:sp>
+      <p:cxnSp>
+        <p:nvCxnSpPr>
+          <p:cNvPr id="13" name="Elbow Connector 12"/>
+          <p:cNvCxnSpPr/>
+          <p:nvPr/>
+        </p:nvCxnSpPr>
+        <p:spPr>
+          <a:xfrm rot="10800000">
+            <a:off x="4935945" y="1530821"/>
+            <a:ext cx="682389" cy="516256"/>
+          </a:xfrm>
+          <a:prstGeom prst="bentConnector3">
+            <a:avLst>
+              <a:gd name="adj1" fmla="val 50000"/>
+            </a:avLst>
+          </a:prstGeom>
+          <a:ln>
+            <a:tailEnd type="triangle"/>
+          </a:ln>
+        </p:spPr>
+        <p:style>
+          <a:lnRef idx="1">
+            <a:schemeClr val="accent1"/>
+          </a:lnRef>
+          <a:fillRef idx="0">
+            <a:schemeClr val="accent1"/>
+          </a:fillRef>
+          <a:effectRef idx="0">
+            <a:schemeClr val="accent1"/>
+          </a:effectRef>
+          <a:fontRef idx="minor">
+            <a:schemeClr val="tx1"/>
+          </a:fontRef>
+        </p:style>
+      </p:cxnSp>
     </p:spTree>
     <p:extLst>
       <p:ext uri="{BB962C8B-B14F-4D97-AF65-F5344CB8AC3E}">
-        <p14:creationId xmlns:p14="http://schemas.microsoft.com/office/powerpoint/2010/main" val="1927936537"/>
+        <p14:creationId xmlns:p14="http://schemas.microsoft.com/office/powerpoint/2010/main" val="1228147777"/>
       </p:ext>
     </p:extLst>
   </p:cSld>
@@ -9371,7 +9303,7 @@
           <a:p>
             <a:r>
               <a:rPr lang="en-US" dirty="0" smtClean="0"/>
-              <a:t>Help – Dashboard</a:t>
+              <a:t>Help – Getting Started</a:t>
             </a:r>
             <a:endParaRPr lang="ru-RU" dirty="0"/>
           </a:p>
@@ -9471,13 +9403,13 @@
           <a:lstStyle/>
           <a:p>
             <a:r>
-              <a:rPr lang="en-US" dirty="0" smtClean="0"/>
+              <a:rPr lang="en-US" b="1" dirty="0" smtClean="0"/>
               <a:t>Getting started</a:t>
             </a:r>
           </a:p>
           <a:p>
             <a:r>
-              <a:rPr lang="en-US" b="1" dirty="0" smtClean="0"/>
+              <a:rPr lang="en-US" dirty="0" smtClean="0"/>
               <a:t>Dashboard</a:t>
             </a:r>
           </a:p>
@@ -9546,7 +9478,7 @@
         <p:spPr>
           <a:xfrm>
             <a:off x="3043062" y="1189085"/>
-            <a:ext cx="8598090" cy="3970318"/>
+            <a:ext cx="8598090" cy="3693319"/>
           </a:xfrm>
           <a:prstGeom prst="rect">
             <a:avLst/>
@@ -9561,170 +9493,90 @@
           <a:p>
             <a:r>
               <a:rPr lang="en-US" b="1" dirty="0" smtClean="0"/>
+              <a:t>AVS </a:t>
+            </a:r>
+            <a:r>
+              <a:rPr lang="en-US" b="1" dirty="0" err="1" smtClean="0"/>
+              <a:t>StaticSite</a:t>
+            </a:r>
+            <a:r>
+              <a:rPr lang="en-US" b="1" dirty="0" smtClean="0"/>
+              <a:t> Hosting</a:t>
+            </a:r>
+            <a:r>
+              <a:rPr lang="en-US" dirty="0" smtClean="0"/>
+              <a:t> allows a user to host simple static site and manage it. The user can turn site on or off, upload different types of content, remove some content, or delete site at all. </a:t>
+            </a:r>
+            <a:endParaRPr lang="ru-RU" dirty="0" smtClean="0"/>
+          </a:p>
+          <a:p>
+            <a:endParaRPr lang="en-US" dirty="0" smtClean="0"/>
+          </a:p>
+          <a:p>
+            <a:r>
+              <a:rPr lang="en-US" dirty="0" smtClean="0"/>
+              <a:t>Currently the project consists of 2 different modules – specific static site middleware and dashboard UI with REST API.</a:t>
+            </a:r>
+          </a:p>
+          <a:p>
+            <a:endParaRPr lang="en-US" dirty="0" smtClean="0"/>
+          </a:p>
+          <a:p>
+            <a:r>
+              <a:rPr lang="en-US" dirty="0" smtClean="0"/>
+              <a:t>All you need is to choose your site name &amp; upload site content (*.html, *.</a:t>
+            </a:r>
+            <a:r>
+              <a:rPr lang="en-US" dirty="0" err="1" smtClean="0"/>
+              <a:t>js</a:t>
+            </a:r>
+            <a:r>
+              <a:rPr lang="en-US" dirty="0" smtClean="0"/>
+              <a:t>. *.</a:t>
+            </a:r>
+            <a:r>
+              <a:rPr lang="en-US" dirty="0" err="1" smtClean="0"/>
+              <a:t>css</a:t>
+            </a:r>
+            <a:r>
+              <a:rPr lang="en-US" dirty="0" smtClean="0"/>
+              <a:t>).  You also may choose the landing page for your site. After it your site will be able on the route</a:t>
+            </a:r>
+          </a:p>
+          <a:p>
+            <a:r>
+              <a:rPr lang="en-US" b="1" dirty="0" smtClean="0"/>
+              <a:t>http://{Your site name}/{landing page}</a:t>
+            </a:r>
+            <a:r>
+              <a:rPr lang="en-US" dirty="0" smtClean="0"/>
+              <a:t>.</a:t>
+            </a:r>
+          </a:p>
+          <a:p>
+            <a:endParaRPr lang="en-US" dirty="0" smtClean="0"/>
+          </a:p>
+          <a:p>
+            <a:r>
+              <a:rPr lang="en-US" dirty="0" smtClean="0"/>
+              <a:t>To host your sites, the account registration is required. After registration you have a possibility to view your sites and manage them using our </a:t>
+            </a:r>
+            <a:r>
+              <a:rPr lang="en-US" b="1" dirty="0" smtClean="0"/>
               <a:t>Dashboard</a:t>
             </a:r>
             <a:r>
               <a:rPr lang="en-US" dirty="0" smtClean="0"/>
-              <a:t> page shows all your sites and allows to manage them. Each site must have a name required for site routing, but you can also provide a site description which can be displayed in the dashboard grid. The dashboard also provide additional information about sites including site creation date.  </a:t>
-            </a:r>
-          </a:p>
-          <a:p>
-            <a:endParaRPr lang="en-US" dirty="0"/>
-          </a:p>
-          <a:p>
-            <a:endParaRPr lang="en-US" dirty="0" smtClean="0"/>
-          </a:p>
-          <a:p>
-            <a:endParaRPr lang="en-US" dirty="0" smtClean="0"/>
-          </a:p>
-          <a:p>
-            <a:r>
-              <a:rPr lang="en-US" dirty="0" smtClean="0"/>
-              <a:t>Use </a:t>
-            </a:r>
-            <a:r>
-              <a:rPr lang="en-US" b="1" dirty="0" smtClean="0"/>
-              <a:t>action column</a:t>
-            </a:r>
-            <a:r>
-              <a:rPr lang="en-US" dirty="0" smtClean="0"/>
-              <a:t> buttons to manage the site selected. You can </a:t>
-            </a:r>
-            <a:r>
-              <a:rPr lang="en-US" b="1" dirty="0" smtClean="0"/>
-              <a:t>turn</a:t>
-            </a:r>
-            <a:r>
-              <a:rPr lang="en-US" dirty="0" smtClean="0"/>
-              <a:t> it </a:t>
-            </a:r>
-            <a:r>
-              <a:rPr lang="en-US" b="1" dirty="0" smtClean="0"/>
-              <a:t>on/off</a:t>
-            </a:r>
-            <a:r>
-              <a:rPr lang="en-US" dirty="0" smtClean="0"/>
-              <a:t>, edit (</a:t>
-            </a:r>
-            <a:r>
-              <a:rPr lang="en-US" b="1" dirty="0" smtClean="0"/>
-              <a:t>update</a:t>
-            </a:r>
-            <a:r>
-              <a:rPr lang="en-US" dirty="0" smtClean="0"/>
-              <a:t>), </a:t>
-            </a:r>
-            <a:r>
-              <a:rPr lang="en-US" b="1" dirty="0" smtClean="0"/>
-              <a:t>delete</a:t>
-            </a:r>
-            <a:r>
-              <a:rPr lang="en-US" dirty="0" smtClean="0"/>
-              <a:t> site, or </a:t>
-            </a:r>
-            <a:r>
-              <a:rPr lang="en-US" b="1" dirty="0" smtClean="0"/>
-              <a:t>browse</a:t>
-            </a:r>
-            <a:r>
-              <a:rPr lang="en-US" dirty="0" smtClean="0"/>
-              <a:t> it. If you select </a:t>
-            </a:r>
-            <a:r>
-              <a:rPr lang="en-US" b="1" dirty="0" smtClean="0"/>
-              <a:t>Update</a:t>
-            </a:r>
-            <a:r>
-              <a:rPr lang="en-US" dirty="0" smtClean="0"/>
-              <a:t>, the </a:t>
-            </a:r>
-            <a:r>
-              <a:rPr lang="en-US" b="1" dirty="0" smtClean="0"/>
-              <a:t>Edit Site </a:t>
-            </a:r>
-            <a:r>
-              <a:rPr lang="en-US" dirty="0" smtClean="0"/>
-              <a:t>page will open.</a:t>
-            </a:r>
-          </a:p>
-          <a:p>
-            <a:r>
-              <a:rPr lang="en-US" dirty="0" smtClean="0"/>
-              <a:t>Please note that selecting </a:t>
-            </a:r>
-            <a:r>
-              <a:rPr lang="en-US" b="1" dirty="0" smtClean="0"/>
-              <a:t>Delete</a:t>
-            </a:r>
-            <a:r>
-              <a:rPr lang="en-US" dirty="0" smtClean="0"/>
-              <a:t> and confirming your operation will remove all site data with the site content. Use this option very carefully.</a:t>
-            </a:r>
-          </a:p>
-          <a:p>
-            <a:endParaRPr lang="en-US" dirty="0"/>
-          </a:p>
-          <a:p>
-            <a:r>
-              <a:rPr lang="en-US" dirty="0" smtClean="0"/>
-              <a:t>The link </a:t>
-            </a:r>
-            <a:r>
-              <a:rPr lang="en-US" b="1" dirty="0" smtClean="0"/>
-              <a:t>Browse</a:t>
-            </a:r>
-            <a:r>
-              <a:rPr lang="en-US" dirty="0" smtClean="0"/>
-              <a:t> appears </a:t>
-            </a:r>
-            <a:r>
-              <a:rPr lang="en-US" b="1" dirty="0" smtClean="0"/>
-              <a:t>only</a:t>
-            </a:r>
-            <a:r>
-              <a:rPr lang="en-US" dirty="0" smtClean="0"/>
-              <a:t> if you have provided the landing page for site. You can do it using the </a:t>
-            </a:r>
-            <a:r>
-              <a:rPr lang="en-US" b="1" dirty="0" smtClean="0"/>
-              <a:t>Edit Site</a:t>
-            </a:r>
-            <a:r>
-              <a:rPr lang="en-US" dirty="0" smtClean="0"/>
-              <a:t> page.</a:t>
+              <a:t>. </a:t>
             </a:r>
             <a:endParaRPr lang="ru-RU" dirty="0"/>
           </a:p>
         </p:txBody>
       </p:sp>
-      <p:pic>
-        <p:nvPicPr>
-          <p:cNvPr id="3" name="Picture 2"/>
-          <p:cNvPicPr>
-            <a:picLocks noChangeAspect="1"/>
-          </p:cNvPicPr>
-          <p:nvPr/>
-        </p:nvPicPr>
-        <p:blipFill>
-          <a:blip r:embed="rId2"/>
-          <a:stretch>
-            <a:fillRect/>
-          </a:stretch>
-        </p:blipFill>
-        <p:spPr>
-          <a:xfrm>
-            <a:off x="3144835" y="2407104"/>
-            <a:ext cx="8701227" cy="665264"/>
-          </a:xfrm>
-          <a:prstGeom prst="rect">
-            <a:avLst/>
-          </a:prstGeom>
-        </p:spPr>
-      </p:pic>
     </p:spTree>
     <p:extLst>
       <p:ext uri="{BB962C8B-B14F-4D97-AF65-F5344CB8AC3E}">
-        <p14:creationId xmlns:p14="http://schemas.microsoft.com/office/powerpoint/2010/main" val="214815498"/>
+        <p14:creationId xmlns:p14="http://schemas.microsoft.com/office/powerpoint/2010/main" val="1927936537"/>
       </p:ext>
     </p:extLst>
   </p:cSld>
@@ -9773,7 +9625,7 @@
           <a:p>
             <a:r>
               <a:rPr lang="en-US" dirty="0" smtClean="0"/>
-              <a:t>Help – Create Site</a:t>
+              <a:t>Help – Dashboard</a:t>
             </a:r>
             <a:endParaRPr lang="ru-RU" dirty="0"/>
           </a:p>
@@ -9879,13 +9731,13 @@
           </a:p>
           <a:p>
             <a:r>
-              <a:rPr lang="en-US" dirty="0" smtClean="0"/>
+              <a:rPr lang="en-US" b="1" dirty="0" smtClean="0"/>
               <a:t>Dashboard</a:t>
             </a:r>
           </a:p>
           <a:p>
             <a:r>
-              <a:rPr lang="en-US" b="1" dirty="0" smtClean="0"/>
+              <a:rPr lang="en-US" dirty="0" smtClean="0"/>
               <a:t>Create site</a:t>
             </a:r>
           </a:p>
@@ -9941,14 +9793,14 @@
       </p:sp>
       <p:sp>
         <p:nvSpPr>
-          <p:cNvPr id="9" name="TextBox 8"/>
+          <p:cNvPr id="8" name="TextBox 7"/>
           <p:cNvSpPr txBox="1"/>
           <p:nvPr/>
         </p:nvSpPr>
         <p:spPr>
           <a:xfrm>
-            <a:off x="3104147" y="1245268"/>
-            <a:ext cx="8692816" cy="646331"/>
+            <a:off x="3043062" y="1189085"/>
+            <a:ext cx="8598090" cy="3970318"/>
           </a:xfrm>
           <a:prstGeom prst="rect">
             <a:avLst/>
@@ -9962,16 +9814,138 @@
           <a:lstStyle/>
           <a:p>
             <a:r>
-              <a:rPr lang="en-US" dirty="0" smtClean="0"/>
-              <a:t>To create new site installation, click the link </a:t>
-            </a:r>
-            <a:r>
               <a:rPr lang="en-US" b="1" dirty="0" smtClean="0"/>
-              <a:t>“Add new site…” </a:t>
-            </a:r>
-            <a:r>
-              <a:rPr lang="en-US" dirty="0" smtClean="0"/>
-              <a:t>in the Dashboard page. The Create Site page will open:</a:t>
+              <a:t>Dashboard</a:t>
+            </a:r>
+            <a:r>
+              <a:rPr lang="en-US" dirty="0" smtClean="0"/>
+              <a:t> page shows all your sites and allows to manage them. Each site must have a name required for site routing, but you can also provide a site description which can be displayed in the dashboard grid. The dashboard also provide additional information about sites including site creation date.  </a:t>
+            </a:r>
+          </a:p>
+          <a:p>
+            <a:endParaRPr lang="en-US" dirty="0"/>
+          </a:p>
+          <a:p>
+            <a:endParaRPr lang="en-US" dirty="0" smtClean="0"/>
+          </a:p>
+          <a:p>
+            <a:endParaRPr lang="en-US" dirty="0" smtClean="0"/>
+          </a:p>
+          <a:p>
+            <a:r>
+              <a:rPr lang="en-US" dirty="0" smtClean="0"/>
+              <a:t>Use </a:t>
+            </a:r>
+            <a:r>
+              <a:rPr lang="en-US" b="1" dirty="0" smtClean="0"/>
+              <a:t>action column</a:t>
+            </a:r>
+            <a:r>
+              <a:rPr lang="en-US" dirty="0" smtClean="0"/>
+              <a:t> buttons to manage the site selected. You can </a:t>
+            </a:r>
+            <a:r>
+              <a:rPr lang="en-US" b="1" dirty="0" smtClean="0"/>
+              <a:t>turn</a:t>
+            </a:r>
+            <a:r>
+              <a:rPr lang="en-US" dirty="0" smtClean="0"/>
+              <a:t> it </a:t>
+            </a:r>
+            <a:r>
+              <a:rPr lang="en-US" b="1" dirty="0" smtClean="0"/>
+              <a:t>on/off</a:t>
+            </a:r>
+            <a:r>
+              <a:rPr lang="en-US" dirty="0" smtClean="0"/>
+              <a:t>, edit (</a:t>
+            </a:r>
+            <a:r>
+              <a:rPr lang="en-US" b="1" dirty="0" smtClean="0"/>
+              <a:t>update</a:t>
+            </a:r>
+            <a:r>
+              <a:rPr lang="en-US" dirty="0" smtClean="0"/>
+              <a:t>), </a:t>
+            </a:r>
+            <a:r>
+              <a:rPr lang="en-US" b="1" dirty="0" smtClean="0"/>
+              <a:t>delete</a:t>
+            </a:r>
+            <a:r>
+              <a:rPr lang="en-US" dirty="0" smtClean="0"/>
+              <a:t> site, or </a:t>
+            </a:r>
+            <a:r>
+              <a:rPr lang="en-US" b="1" dirty="0" smtClean="0"/>
+              <a:t>browse</a:t>
+            </a:r>
+            <a:r>
+              <a:rPr lang="en-US" dirty="0" smtClean="0"/>
+              <a:t> it. If you select </a:t>
+            </a:r>
+            <a:r>
+              <a:rPr lang="en-US" b="1" dirty="0" smtClean="0"/>
+              <a:t>Update</a:t>
+            </a:r>
+            <a:r>
+              <a:rPr lang="en-US" dirty="0" smtClean="0"/>
+              <a:t>, the </a:t>
+            </a:r>
+            <a:r>
+              <a:rPr lang="en-US" b="1" dirty="0" smtClean="0"/>
+              <a:t>Edit Site </a:t>
+            </a:r>
+            <a:r>
+              <a:rPr lang="en-US" dirty="0" smtClean="0"/>
+              <a:t>page will open.</a:t>
+            </a:r>
+          </a:p>
+          <a:p>
+            <a:r>
+              <a:rPr lang="en-US" dirty="0" smtClean="0"/>
+              <a:t>Please note that selecting </a:t>
+            </a:r>
+            <a:r>
+              <a:rPr lang="en-US" b="1" dirty="0" smtClean="0"/>
+              <a:t>Delete</a:t>
+            </a:r>
+            <a:r>
+              <a:rPr lang="en-US" dirty="0" smtClean="0"/>
+              <a:t> and confirming your operation will remove all site data with the site content. Use this option very carefully.</a:t>
+            </a:r>
+          </a:p>
+          <a:p>
+            <a:endParaRPr lang="en-US" dirty="0"/>
+          </a:p>
+          <a:p>
+            <a:r>
+              <a:rPr lang="en-US" dirty="0" smtClean="0"/>
+              <a:t>The link </a:t>
+            </a:r>
+            <a:r>
+              <a:rPr lang="en-US" b="1" dirty="0" smtClean="0"/>
+              <a:t>Browse</a:t>
+            </a:r>
+            <a:r>
+              <a:rPr lang="en-US" dirty="0" smtClean="0"/>
+              <a:t> appears </a:t>
+            </a:r>
+            <a:r>
+              <a:rPr lang="en-US" b="1" dirty="0" smtClean="0"/>
+              <a:t>only</a:t>
+            </a:r>
+            <a:r>
+              <a:rPr lang="en-US" dirty="0" smtClean="0"/>
+              <a:t> if you have provided the landing page for site. You can do it using the </a:t>
+            </a:r>
+            <a:r>
+              <a:rPr lang="en-US" b="1" dirty="0" smtClean="0"/>
+              <a:t>Edit Site</a:t>
+            </a:r>
+            <a:r>
+              <a:rPr lang="en-US" dirty="0" smtClean="0"/>
+              <a:t> page.</a:t>
             </a:r>
             <a:endParaRPr lang="ru-RU" dirty="0"/>
           </a:p>
@@ -9979,7 +9953,7 @@
       </p:sp>
       <p:pic>
         <p:nvPicPr>
-          <p:cNvPr id="10" name="Picture 9"/>
+          <p:cNvPr id="3" name="Picture 2"/>
           <p:cNvPicPr>
             <a:picLocks noChangeAspect="1"/>
           </p:cNvPicPr>
@@ -9993,214 +9967,18 @@
         </p:blipFill>
         <p:spPr>
           <a:xfrm>
-            <a:off x="3227576" y="1891599"/>
-            <a:ext cx="5501335" cy="2457488"/>
+            <a:off x="3144835" y="2407104"/>
+            <a:ext cx="8701227" cy="665264"/>
           </a:xfrm>
           <a:prstGeom prst="rect">
             <a:avLst/>
           </a:prstGeom>
         </p:spPr>
       </p:pic>
-      <p:sp>
-        <p:nvSpPr>
-          <p:cNvPr id="11" name="TextBox 10"/>
-          <p:cNvSpPr txBox="1"/>
-          <p:nvPr/>
-        </p:nvSpPr>
-        <p:spPr>
-          <a:xfrm>
-            <a:off x="8728911" y="1800592"/>
-            <a:ext cx="2989847" cy="2031325"/>
-          </a:xfrm>
-          <a:prstGeom prst="rect">
-            <a:avLst/>
-          </a:prstGeom>
-          <a:noFill/>
-        </p:spPr>
-        <p:txBody>
-          <a:bodyPr wrap="square" rtlCol="0">
-            <a:spAutoFit/>
-          </a:bodyPr>
-          <a:lstStyle/>
-          <a:p>
-            <a:r>
-              <a:rPr lang="en-US" dirty="0" smtClean="0"/>
-              <a:t>Enter a site name (required), description (optional), and landing page (e.g. index.html).</a:t>
-            </a:r>
-          </a:p>
-          <a:p>
-            <a:r>
-              <a:rPr lang="en-US" dirty="0" smtClean="0"/>
-              <a:t>Check </a:t>
-            </a:r>
-            <a:r>
-              <a:rPr lang="en-US" b="1" dirty="0" smtClean="0"/>
-              <a:t>“Is Active”</a:t>
-            </a:r>
-            <a:r>
-              <a:rPr lang="en-US" dirty="0" smtClean="0"/>
-              <a:t> if you want the new site to be accessible for routing.</a:t>
-            </a:r>
-            <a:endParaRPr lang="ru-RU" dirty="0"/>
-          </a:p>
-        </p:txBody>
-      </p:sp>
-      <p:sp>
-        <p:nvSpPr>
-          <p:cNvPr id="12" name="TextBox 11"/>
-          <p:cNvSpPr txBox="1"/>
-          <p:nvPr/>
-        </p:nvSpPr>
-        <p:spPr>
-          <a:xfrm>
-            <a:off x="8750072" y="3792853"/>
-            <a:ext cx="2737184" cy="646331"/>
-          </a:xfrm>
-          <a:prstGeom prst="rect">
-            <a:avLst/>
-          </a:prstGeom>
-          <a:noFill/>
-        </p:spPr>
-        <p:txBody>
-          <a:bodyPr wrap="square" rtlCol="0">
-            <a:spAutoFit/>
-          </a:bodyPr>
-          <a:lstStyle/>
-          <a:p>
-            <a:r>
-              <a:rPr lang="en-US" dirty="0" smtClean="0"/>
-              <a:t>Upload site content using </a:t>
-            </a:r>
-            <a:r>
-              <a:rPr lang="en-US" b="1" dirty="0" smtClean="0"/>
-              <a:t>Upload Files</a:t>
-            </a:r>
-            <a:r>
-              <a:rPr lang="en-US" dirty="0" smtClean="0"/>
-              <a:t> section</a:t>
-            </a:r>
-            <a:endParaRPr lang="ru-RU" dirty="0"/>
-          </a:p>
-        </p:txBody>
-      </p:sp>
-      <p:sp>
-        <p:nvSpPr>
-          <p:cNvPr id="14" name="TextBox 13"/>
-          <p:cNvSpPr txBox="1"/>
-          <p:nvPr/>
-        </p:nvSpPr>
-        <p:spPr>
-          <a:xfrm>
-            <a:off x="3123751" y="4426704"/>
-            <a:ext cx="8653608" cy="923330"/>
-          </a:xfrm>
-          <a:prstGeom prst="rect">
-            <a:avLst/>
-          </a:prstGeom>
-          <a:noFill/>
-        </p:spPr>
-        <p:txBody>
-          <a:bodyPr wrap="square" rtlCol="0">
-            <a:spAutoFit/>
-          </a:bodyPr>
-          <a:lstStyle/>
-          <a:p>
-            <a:r>
-              <a:rPr lang="en-US" dirty="0" smtClean="0"/>
-              <a:t>For upload you can specify </a:t>
-            </a:r>
-            <a:r>
-              <a:rPr lang="en-US" b="1" dirty="0" smtClean="0"/>
-              <a:t>destination path</a:t>
-            </a:r>
-            <a:r>
-              <a:rPr lang="en-US" dirty="0" smtClean="0"/>
-              <a:t>. For example, if you have a reference like </a:t>
-            </a:r>
-            <a:r>
-              <a:rPr lang="en-US" dirty="0" err="1" smtClean="0"/>
-              <a:t>js</a:t>
-            </a:r>
-            <a:r>
-              <a:rPr lang="en-US" dirty="0" smtClean="0"/>
-              <a:t>/my-site.js in your index.html, you should upload my-site.js and specify destination path as </a:t>
-            </a:r>
-            <a:r>
-              <a:rPr lang="en-US" dirty="0" err="1" smtClean="0"/>
-              <a:t>js</a:t>
-            </a:r>
-            <a:r>
-              <a:rPr lang="en-US" dirty="0" smtClean="0"/>
-              <a:t>. Files without destination path are placed in the site root directory.</a:t>
-            </a:r>
-            <a:endParaRPr lang="ru-RU" dirty="0"/>
-          </a:p>
-        </p:txBody>
-      </p:sp>
-      <p:sp>
-        <p:nvSpPr>
-          <p:cNvPr id="15" name="TextBox 14"/>
-          <p:cNvSpPr txBox="1"/>
-          <p:nvPr/>
-        </p:nvSpPr>
-        <p:spPr>
-          <a:xfrm>
-            <a:off x="3123751" y="5327011"/>
-            <a:ext cx="8404058" cy="923330"/>
-          </a:xfrm>
-          <a:prstGeom prst="rect">
-            <a:avLst/>
-          </a:prstGeom>
-          <a:noFill/>
-        </p:spPr>
-        <p:txBody>
-          <a:bodyPr wrap="square" rtlCol="0">
-            <a:spAutoFit/>
-          </a:bodyPr>
-          <a:lstStyle/>
-          <a:p>
-            <a:r>
-              <a:rPr lang="en-US" dirty="0" smtClean="0"/>
-              <a:t>You can provide resource mappings for the content files uploaded. For example, if there is a file like about.html and you have provided the resource mapping for it as “about”, the file will be available through the route http://{your site}/about.</a:t>
-            </a:r>
-            <a:endParaRPr lang="ru-RU" dirty="0"/>
-          </a:p>
-        </p:txBody>
-      </p:sp>
-      <p:sp>
-        <p:nvSpPr>
-          <p:cNvPr id="16" name="TextBox 15"/>
-          <p:cNvSpPr txBox="1"/>
-          <p:nvPr/>
-        </p:nvSpPr>
-        <p:spPr>
-          <a:xfrm>
-            <a:off x="3123751" y="6294307"/>
-            <a:ext cx="8208440" cy="369332"/>
-          </a:xfrm>
-          <a:prstGeom prst="rect">
-            <a:avLst/>
-          </a:prstGeom>
-          <a:noFill/>
-        </p:spPr>
-        <p:txBody>
-          <a:bodyPr wrap="square" rtlCol="0">
-            <a:spAutoFit/>
-          </a:bodyPr>
-          <a:lstStyle/>
-          <a:p>
-            <a:r>
-              <a:rPr lang="en-US" dirty="0" smtClean="0"/>
-              <a:t>To create a site, you have to upload some content and set the site name.</a:t>
-            </a:r>
-            <a:endParaRPr lang="ru-RU" dirty="0"/>
-          </a:p>
-        </p:txBody>
-      </p:sp>
     </p:spTree>
     <p:extLst>
       <p:ext uri="{BB962C8B-B14F-4D97-AF65-F5344CB8AC3E}">
-        <p14:creationId xmlns:p14="http://schemas.microsoft.com/office/powerpoint/2010/main" val="757399734"/>
+        <p14:creationId xmlns:p14="http://schemas.microsoft.com/office/powerpoint/2010/main" val="214815498"/>
       </p:ext>
     </p:extLst>
   </p:cSld>
@@ -10249,7 +10027,7 @@
           <a:p>
             <a:r>
               <a:rPr lang="en-US" dirty="0" smtClean="0"/>
-              <a:t>Help – Site Management</a:t>
+              <a:t>Help – Create Site</a:t>
             </a:r>
             <a:endParaRPr lang="ru-RU" dirty="0"/>
           </a:p>
@@ -10361,16 +10139,16 @@
           </a:p>
           <a:p>
             <a:r>
-              <a:rPr lang="en-US" dirty="0" smtClean="0"/>
+              <a:rPr lang="en-US" b="1" dirty="0" smtClean="0"/>
               <a:t>Create site</a:t>
             </a:r>
           </a:p>
           <a:p>
             <a:r>
-              <a:rPr lang="en-US" b="1" dirty="0" smtClean="0"/>
+              <a:rPr lang="en-US" dirty="0" smtClean="0"/>
               <a:t>Site management</a:t>
             </a:r>
-            <a:endParaRPr lang="ru-RU" b="1" dirty="0"/>
+            <a:endParaRPr lang="ru-RU" dirty="0"/>
           </a:p>
         </p:txBody>
       </p:sp>
@@ -10417,13 +10195,13 @@
       </p:sp>
       <p:sp>
         <p:nvSpPr>
-          <p:cNvPr id="3" name="TextBox 2"/>
+          <p:cNvPr id="9" name="TextBox 8"/>
           <p:cNvSpPr txBox="1"/>
           <p:nvPr/>
         </p:nvSpPr>
         <p:spPr>
           <a:xfrm>
-            <a:off x="3043062" y="1119962"/>
+            <a:off x="3104147" y="1245268"/>
             <a:ext cx="8692816" cy="646331"/>
           </a:xfrm>
           <a:prstGeom prst="rect">
@@ -10439,30 +10217,54 @@
           <a:p>
             <a:r>
               <a:rPr lang="en-US" dirty="0" smtClean="0"/>
-              <a:t>Use </a:t>
+              <a:t>To create new site installation, click the link </a:t>
             </a:r>
             <a:r>
               <a:rPr lang="en-US" b="1" dirty="0" smtClean="0"/>
-              <a:t>Update </a:t>
-            </a:r>
-            <a:r>
-              <a:rPr lang="en-US" dirty="0" smtClean="0"/>
-              <a:t>link in the dashboard page to start editing the site selected. The user interface used for site editing is the same that you saw when creating a new site.</a:t>
+              <a:t>“Add new site…” </a:t>
+            </a:r>
+            <a:r>
+              <a:rPr lang="en-US" dirty="0" smtClean="0"/>
+              <a:t>in the Dashboard page. The Create Site page will open:</a:t>
             </a:r>
             <a:endParaRPr lang="ru-RU" dirty="0"/>
           </a:p>
         </p:txBody>
       </p:sp>
-      <p:sp>
-        <p:nvSpPr>
-          <p:cNvPr id="8" name="TextBox 7"/>
+      <p:pic>
+        <p:nvPicPr>
+          <p:cNvPr id="10" name="Picture 9"/>
+          <p:cNvPicPr>
+            <a:picLocks noChangeAspect="1"/>
+          </p:cNvPicPr>
+          <p:nvPr/>
+        </p:nvPicPr>
+        <p:blipFill>
+          <a:blip r:embed="rId2"/>
+          <a:stretch>
+            <a:fillRect/>
+          </a:stretch>
+        </p:blipFill>
+        <p:spPr>
+          <a:xfrm>
+            <a:off x="3227576" y="1891599"/>
+            <a:ext cx="5501335" cy="2457488"/>
+          </a:xfrm>
+          <a:prstGeom prst="rect">
+            <a:avLst/>
+          </a:prstGeom>
+        </p:spPr>
+      </p:pic>
+      <p:sp>
+        <p:nvSpPr>
+          <p:cNvPr id="11" name="TextBox 10"/>
           <p:cNvSpPr txBox="1"/>
           <p:nvPr/>
         </p:nvSpPr>
         <p:spPr>
           <a:xfrm>
-            <a:off x="3043062" y="1864371"/>
-            <a:ext cx="8091237" cy="923330"/>
+            <a:off x="8728911" y="1800592"/>
+            <a:ext cx="2989847" cy="2031325"/>
           </a:xfrm>
           <a:prstGeom prst="rect">
             <a:avLst/>
@@ -10477,7 +10279,51 @@
           <a:p>
             <a:r>
               <a:rPr lang="en-US" dirty="0" smtClean="0"/>
-              <a:t>During editing, you can change site name, description, landing page and resource mappings. You can also make your site active or inactive. Also there is possibility to upload new files for the site content using </a:t>
+              <a:t>Enter a site name (required), description (optional), and landing page (e.g. index.html).</a:t>
+            </a:r>
+          </a:p>
+          <a:p>
+            <a:r>
+              <a:rPr lang="en-US" dirty="0" smtClean="0"/>
+              <a:t>Check </a:t>
+            </a:r>
+            <a:r>
+              <a:rPr lang="en-US" b="1" dirty="0" smtClean="0"/>
+              <a:t>“Is Active”</a:t>
+            </a:r>
+            <a:r>
+              <a:rPr lang="en-US" dirty="0" smtClean="0"/>
+              <a:t> if you want the new site to be accessible for routing.</a:t>
+            </a:r>
+            <a:endParaRPr lang="ru-RU" dirty="0"/>
+          </a:p>
+        </p:txBody>
+      </p:sp>
+      <p:sp>
+        <p:nvSpPr>
+          <p:cNvPr id="12" name="TextBox 11"/>
+          <p:cNvSpPr txBox="1"/>
+          <p:nvPr/>
+        </p:nvSpPr>
+        <p:spPr>
+          <a:xfrm>
+            <a:off x="8750072" y="3792853"/>
+            <a:ext cx="2737184" cy="646331"/>
+          </a:xfrm>
+          <a:prstGeom prst="rect">
+            <a:avLst/>
+          </a:prstGeom>
+          <a:noFill/>
+        </p:spPr>
+        <p:txBody>
+          <a:bodyPr wrap="square" rtlCol="0">
+            <a:spAutoFit/>
+          </a:bodyPr>
+          <a:lstStyle/>
+          <a:p>
+            <a:r>
+              <a:rPr lang="en-US" dirty="0" smtClean="0"/>
+              <a:t>Upload site content using </a:t>
             </a:r>
             <a:r>
               <a:rPr lang="en-US" b="1" dirty="0" smtClean="0"/>
@@ -10485,7 +10331,7 @@
             </a:r>
             <a:r>
               <a:rPr lang="en-US" dirty="0" smtClean="0"/>
-              <a:t> section.</a:t>
+              <a:t> section</a:t>
             </a:r>
             <a:endParaRPr lang="ru-RU" dirty="0"/>
           </a:p>
@@ -10493,14 +10339,14 @@
       </p:sp>
       <p:sp>
         <p:nvSpPr>
-          <p:cNvPr id="9" name="TextBox 8"/>
+          <p:cNvPr id="14" name="TextBox 13"/>
           <p:cNvSpPr txBox="1"/>
           <p:nvPr/>
         </p:nvSpPr>
         <p:spPr>
           <a:xfrm>
-            <a:off x="3043062" y="2947159"/>
-            <a:ext cx="8625565" cy="2031325"/>
+            <a:off x="3123751" y="4426704"/>
+            <a:ext cx="8653608" cy="923330"/>
           </a:xfrm>
           <a:prstGeom prst="rect">
             <a:avLst/>
@@ -10515,24 +10361,91 @@
           <a:p>
             <a:r>
               <a:rPr lang="en-US" dirty="0" smtClean="0"/>
-              <a:t>Please note that the new site name you have entered is validated against the names of all existing sites. So, if you enter a name that is already in use by other user or site, you will be warned and you will have to change the site name. It </a:t>
+              <a:t>For upload you can specify </a:t>
             </a:r>
             <a:r>
               <a:rPr lang="en-US" b="1" dirty="0" smtClean="0"/>
-              <a:t>must be unique</a:t>
-            </a:r>
-            <a:r>
-              <a:rPr lang="en-US" dirty="0" smtClean="0"/>
-              <a:t> among all users/sites to provide correct site routing.</a:t>
-            </a:r>
-          </a:p>
-          <a:p>
-            <a:endParaRPr lang="en-US" dirty="0"/>
-          </a:p>
-          <a:p>
-            <a:r>
-              <a:rPr lang="en-US" dirty="0" smtClean="0"/>
-              <a:t>Also if you try to upload a file that has already been uploaded with the site content, it just will be replaced.</a:t>
+              <a:t>destination path</a:t>
+            </a:r>
+            <a:r>
+              <a:rPr lang="en-US" dirty="0" smtClean="0"/>
+              <a:t>. For example, if you have a reference like </a:t>
+            </a:r>
+            <a:r>
+              <a:rPr lang="en-US" dirty="0" err="1" smtClean="0"/>
+              <a:t>js</a:t>
+            </a:r>
+            <a:r>
+              <a:rPr lang="en-US" dirty="0" smtClean="0"/>
+              <a:t>/my-site.js in your index.html, you should upload my-site.js and specify destination path as </a:t>
+            </a:r>
+            <a:r>
+              <a:rPr lang="en-US" dirty="0" err="1" smtClean="0"/>
+              <a:t>js</a:t>
+            </a:r>
+            <a:r>
+              <a:rPr lang="en-US" dirty="0" smtClean="0"/>
+              <a:t>. Files without destination path are placed in the site root directory.</a:t>
+            </a:r>
+            <a:endParaRPr lang="ru-RU" dirty="0"/>
+          </a:p>
+        </p:txBody>
+      </p:sp>
+      <p:sp>
+        <p:nvSpPr>
+          <p:cNvPr id="15" name="TextBox 14"/>
+          <p:cNvSpPr txBox="1"/>
+          <p:nvPr/>
+        </p:nvSpPr>
+        <p:spPr>
+          <a:xfrm>
+            <a:off x="3123751" y="5327011"/>
+            <a:ext cx="8404058" cy="923330"/>
+          </a:xfrm>
+          <a:prstGeom prst="rect">
+            <a:avLst/>
+          </a:prstGeom>
+          <a:noFill/>
+        </p:spPr>
+        <p:txBody>
+          <a:bodyPr wrap="square" rtlCol="0">
+            <a:spAutoFit/>
+          </a:bodyPr>
+          <a:lstStyle/>
+          <a:p>
+            <a:r>
+              <a:rPr lang="en-US" dirty="0" smtClean="0"/>
+              <a:t>You can provide resource mappings for the content files uploaded. For example, if there is a file like about.html and you have provided the resource mapping for it as “about”, the file will be available through the route http://{your site}/about.</a:t>
+            </a:r>
+            <a:endParaRPr lang="ru-RU" dirty="0"/>
+          </a:p>
+        </p:txBody>
+      </p:sp>
+      <p:sp>
+        <p:nvSpPr>
+          <p:cNvPr id="16" name="TextBox 15"/>
+          <p:cNvSpPr txBox="1"/>
+          <p:nvPr/>
+        </p:nvSpPr>
+        <p:spPr>
+          <a:xfrm>
+            <a:off x="3123751" y="6294307"/>
+            <a:ext cx="8208440" cy="369332"/>
+          </a:xfrm>
+          <a:prstGeom prst="rect">
+            <a:avLst/>
+          </a:prstGeom>
+          <a:noFill/>
+        </p:spPr>
+        <p:txBody>
+          <a:bodyPr wrap="square" rtlCol="0">
+            <a:spAutoFit/>
+          </a:bodyPr>
+          <a:lstStyle/>
+          <a:p>
+            <a:r>
+              <a:rPr lang="en-US" dirty="0" smtClean="0"/>
+              <a:t>To create a site, you have to upload some content and set the site name.</a:t>
             </a:r>
             <a:endParaRPr lang="ru-RU" dirty="0"/>
           </a:p>
@@ -10541,7 +10454,7 @@
     </p:spTree>
     <p:extLst>
       <p:ext uri="{BB962C8B-B14F-4D97-AF65-F5344CB8AC3E}">
-        <p14:creationId xmlns:p14="http://schemas.microsoft.com/office/powerpoint/2010/main" val="3932845466"/>
+        <p14:creationId xmlns:p14="http://schemas.microsoft.com/office/powerpoint/2010/main" val="757399734"/>
       </p:ext>
     </p:extLst>
   </p:cSld>
@@ -10570,72 +10483,47 @@
       </p:grpSpPr>
       <p:sp>
         <p:nvSpPr>
-          <p:cNvPr id="4" name="TextBox 3"/>
-          <p:cNvSpPr txBox="1"/>
-          <p:nvPr/>
-        </p:nvSpPr>
-        <p:spPr>
-          <a:xfrm>
-            <a:off x="427121" y="84221"/>
-            <a:ext cx="10750216" cy="369332"/>
-          </a:xfrm>
-          <a:prstGeom prst="rect">
-            <a:avLst/>
-          </a:prstGeom>
-          <a:noFill/>
-        </p:spPr>
-        <p:txBody>
-          <a:bodyPr wrap="square" rtlCol="0">
-            <a:spAutoFit/>
-          </a:bodyPr>
-          <a:lstStyle/>
-          <a:p>
-            <a:r>
-              <a:rPr lang="en-US" dirty="0" smtClean="0"/>
-              <a:t>My Profile page</a:t>
+          <p:cNvPr id="2" name="Title 1"/>
+          <p:cNvSpPr>
+            <a:spLocks noGrp="1"/>
+          </p:cNvSpPr>
+          <p:nvPr>
+            <p:ph type="title"/>
+          </p:nvPr>
+        </p:nvSpPr>
+        <p:spPr>
+          <a:xfrm>
+            <a:off x="374984" y="0"/>
+            <a:ext cx="10515600" cy="1325563"/>
+          </a:xfrm>
+        </p:spPr>
+        <p:txBody>
+          <a:bodyPr/>
+          <a:lstStyle/>
+          <a:p>
+            <a:r>
+              <a:rPr lang="en-US" dirty="0" smtClean="0"/>
+              <a:t>Help – Site Management</a:t>
             </a:r>
             <a:endParaRPr lang="ru-RU" dirty="0"/>
           </a:p>
         </p:txBody>
       </p:sp>
-      <p:pic>
-        <p:nvPicPr>
-          <p:cNvPr id="5" name="Picture 4"/>
-          <p:cNvPicPr>
-            <a:picLocks noChangeAspect="1"/>
-          </p:cNvPicPr>
-          <p:nvPr/>
-        </p:nvPicPr>
-        <p:blipFill>
-          <a:blip r:embed="rId2"/>
-          <a:stretch>
-            <a:fillRect/>
-          </a:stretch>
-        </p:blipFill>
-        <p:spPr>
-          <a:xfrm>
-            <a:off x="174458" y="375347"/>
-            <a:ext cx="10961638" cy="6344290"/>
-          </a:xfrm>
-          <a:prstGeom prst="rect">
-            <a:avLst/>
-          </a:prstGeom>
-        </p:spPr>
-      </p:pic>
-      <p:sp>
-        <p:nvSpPr>
-          <p:cNvPr id="2" name="Rectangle 1"/>
+      <p:sp>
+        <p:nvSpPr>
+          <p:cNvPr id="4" name="Rectangle 3"/>
           <p:cNvSpPr/>
           <p:nvPr/>
         </p:nvSpPr>
         <p:spPr>
           <a:xfrm>
-            <a:off x="7271951" y="3398108"/>
-            <a:ext cx="753763" cy="216243"/>
-          </a:xfrm>
-          <a:prstGeom prst="rect">
-            <a:avLst/>
-          </a:prstGeom>
+            <a:off x="306805" y="1052763"/>
+            <a:ext cx="2497810" cy="5654842"/>
+          </a:xfrm>
+          <a:prstGeom prst="rect">
+            <a:avLst/>
+          </a:prstGeom>
+          <a:noFill/>
         </p:spPr>
         <p:style>
           <a:lnRef idx="2">
@@ -10664,14 +10552,133 @@
       </p:sp>
       <p:sp>
         <p:nvSpPr>
+          <p:cNvPr id="5" name="TextBox 4"/>
+          <p:cNvSpPr txBox="1"/>
+          <p:nvPr/>
+        </p:nvSpPr>
+        <p:spPr>
+          <a:xfrm>
+            <a:off x="374984" y="1189085"/>
+            <a:ext cx="2313296" cy="369332"/>
+          </a:xfrm>
+          <a:prstGeom prst="rect">
+            <a:avLst/>
+          </a:prstGeom>
+          <a:noFill/>
+        </p:spPr>
+        <p:txBody>
+          <a:bodyPr wrap="square" rtlCol="0">
+            <a:spAutoFit/>
+          </a:bodyPr>
+          <a:lstStyle/>
+          <a:p>
+            <a:r>
+              <a:rPr lang="en-US" dirty="0" smtClean="0"/>
+              <a:t>General</a:t>
+            </a:r>
+            <a:endParaRPr lang="ru-RU" dirty="0"/>
+          </a:p>
+        </p:txBody>
+      </p:sp>
+      <p:sp>
+        <p:nvSpPr>
+          <p:cNvPr id="6" name="TextBox 5"/>
+          <p:cNvSpPr txBox="1"/>
+          <p:nvPr/>
+        </p:nvSpPr>
+        <p:spPr>
+          <a:xfrm>
+            <a:off x="729766" y="1554010"/>
+            <a:ext cx="2026693" cy="1200329"/>
+          </a:xfrm>
+          <a:prstGeom prst="rect">
+            <a:avLst/>
+          </a:prstGeom>
+          <a:noFill/>
+        </p:spPr>
+        <p:txBody>
+          <a:bodyPr wrap="square" rtlCol="0">
+            <a:spAutoFit/>
+          </a:bodyPr>
+          <a:lstStyle/>
+          <a:p>
+            <a:r>
+              <a:rPr lang="en-US" dirty="0" smtClean="0"/>
+              <a:t>Getting started</a:t>
+            </a:r>
+          </a:p>
+          <a:p>
+            <a:r>
+              <a:rPr lang="en-US" dirty="0" smtClean="0"/>
+              <a:t>Dashboard</a:t>
+            </a:r>
+          </a:p>
+          <a:p>
+            <a:r>
+              <a:rPr lang="en-US" dirty="0" smtClean="0"/>
+              <a:t>Create site</a:t>
+            </a:r>
+          </a:p>
+          <a:p>
+            <a:r>
+              <a:rPr lang="en-US" b="1" dirty="0" smtClean="0"/>
+              <a:t>Site management</a:t>
+            </a:r>
+            <a:endParaRPr lang="ru-RU" b="1" dirty="0"/>
+          </a:p>
+        </p:txBody>
+      </p:sp>
+      <p:sp>
+        <p:nvSpPr>
+          <p:cNvPr id="7" name="Rectangle 6"/>
+          <p:cNvSpPr/>
+          <p:nvPr/>
+        </p:nvSpPr>
+        <p:spPr>
+          <a:xfrm>
+            <a:off x="2954740" y="1052763"/>
+            <a:ext cx="9096233" cy="5654842"/>
+          </a:xfrm>
+          <a:prstGeom prst="rect">
+            <a:avLst/>
+          </a:prstGeom>
+          <a:noFill/>
+        </p:spPr>
+        <p:style>
+          <a:lnRef idx="2">
+            <a:schemeClr val="accent1">
+              <a:shade val="50000"/>
+            </a:schemeClr>
+          </a:lnRef>
+          <a:fillRef idx="1">
+            <a:schemeClr val="accent1"/>
+          </a:fillRef>
+          <a:effectRef idx="0">
+            <a:schemeClr val="accent1"/>
+          </a:effectRef>
+          <a:fontRef idx="minor">
+            <a:schemeClr val="lt1"/>
+          </a:fontRef>
+        </p:style>
+        <p:txBody>
+          <a:bodyPr rtlCol="0" anchor="ctr"/>
+          <a:lstStyle/>
+          <a:p>
+            <a:pPr algn="ctr"/>
+            <a:endParaRPr lang="ru-RU"/>
+          </a:p>
+        </p:txBody>
+      </p:sp>
+      <p:sp>
+        <p:nvSpPr>
           <p:cNvPr id="3" name="TextBox 2"/>
           <p:cNvSpPr txBox="1"/>
           <p:nvPr/>
         </p:nvSpPr>
         <p:spPr>
           <a:xfrm>
-            <a:off x="7386251" y="3355887"/>
-            <a:ext cx="525162" cy="276999"/>
+            <a:off x="3043062" y="1119962"/>
+            <a:ext cx="8692816" cy="646331"/>
           </a:xfrm>
           <a:prstGeom prst="rect">
             <a:avLst/>
@@ -10685,25 +10692,110 @@
           <a:lstStyle/>
           <a:p>
             <a:r>
-              <a:rPr lang="en-US" sz="1200" dirty="0" smtClean="0">
-                <a:solidFill>
-                  <a:schemeClr val="bg1"/>
-                </a:solidFill>
-              </a:rPr>
-              <a:t>Send</a:t>
-            </a:r>
-            <a:endParaRPr lang="ru-RU" sz="1200" dirty="0">
-              <a:solidFill>
-                <a:schemeClr val="bg1"/>
-              </a:solidFill>
-            </a:endParaRPr>
+              <a:rPr lang="en-US" dirty="0" smtClean="0"/>
+              <a:t>Use </a:t>
+            </a:r>
+            <a:r>
+              <a:rPr lang="en-US" b="1" dirty="0" smtClean="0"/>
+              <a:t>Update </a:t>
+            </a:r>
+            <a:r>
+              <a:rPr lang="en-US" dirty="0" smtClean="0"/>
+              <a:t>link in the dashboard page to start editing the site selected. The user interface used for site editing is the same that you saw when creating a new site.</a:t>
+            </a:r>
+            <a:endParaRPr lang="ru-RU" dirty="0"/>
+          </a:p>
+        </p:txBody>
+      </p:sp>
+      <p:sp>
+        <p:nvSpPr>
+          <p:cNvPr id="8" name="TextBox 7"/>
+          <p:cNvSpPr txBox="1"/>
+          <p:nvPr/>
+        </p:nvSpPr>
+        <p:spPr>
+          <a:xfrm>
+            <a:off x="3043062" y="1864371"/>
+            <a:ext cx="8091237" cy="923330"/>
+          </a:xfrm>
+          <a:prstGeom prst="rect">
+            <a:avLst/>
+          </a:prstGeom>
+          <a:noFill/>
+        </p:spPr>
+        <p:txBody>
+          <a:bodyPr wrap="square" rtlCol="0">
+            <a:spAutoFit/>
+          </a:bodyPr>
+          <a:lstStyle/>
+          <a:p>
+            <a:r>
+              <a:rPr lang="en-US" dirty="0" smtClean="0"/>
+              <a:t>During editing, you can change site name, description, landing page and resource mappings. You can also make your site active or inactive. Also there is possibility to upload new files for the site content using </a:t>
+            </a:r>
+            <a:r>
+              <a:rPr lang="en-US" b="1" dirty="0" smtClean="0"/>
+              <a:t>Upload Files</a:t>
+            </a:r>
+            <a:r>
+              <a:rPr lang="en-US" dirty="0" smtClean="0"/>
+              <a:t> section.</a:t>
+            </a:r>
+            <a:endParaRPr lang="ru-RU" dirty="0"/>
+          </a:p>
+        </p:txBody>
+      </p:sp>
+      <p:sp>
+        <p:nvSpPr>
+          <p:cNvPr id="9" name="TextBox 8"/>
+          <p:cNvSpPr txBox="1"/>
+          <p:nvPr/>
+        </p:nvSpPr>
+        <p:spPr>
+          <a:xfrm>
+            <a:off x="3043062" y="2947159"/>
+            <a:ext cx="8625565" cy="2031325"/>
+          </a:xfrm>
+          <a:prstGeom prst="rect">
+            <a:avLst/>
+          </a:prstGeom>
+          <a:noFill/>
+        </p:spPr>
+        <p:txBody>
+          <a:bodyPr wrap="square" rtlCol="0">
+            <a:spAutoFit/>
+          </a:bodyPr>
+          <a:lstStyle/>
+          <a:p>
+            <a:r>
+              <a:rPr lang="en-US" dirty="0" smtClean="0"/>
+              <a:t>Please note that the new site name you have entered is validated against the names of all existing sites. So, if you enter a name that is already in use by other user or site, you will be warned and you will have to change the site name. It </a:t>
+            </a:r>
+            <a:r>
+              <a:rPr lang="en-US" b="1" dirty="0" smtClean="0"/>
+              <a:t>must be unique</a:t>
+            </a:r>
+            <a:r>
+              <a:rPr lang="en-US" dirty="0" smtClean="0"/>
+              <a:t> among all users/sites to provide correct site routing.</a:t>
+            </a:r>
+          </a:p>
+          <a:p>
+            <a:endParaRPr lang="en-US" dirty="0"/>
+          </a:p>
+          <a:p>
+            <a:r>
+              <a:rPr lang="en-US" dirty="0" smtClean="0"/>
+              <a:t>Also if you try to upload a file that has already been uploaded with the site content, it just will be replaced.</a:t>
+            </a:r>
+            <a:endParaRPr lang="ru-RU" dirty="0"/>
           </a:p>
         </p:txBody>
       </p:sp>
     </p:spTree>
     <p:extLst>
       <p:ext uri="{BB962C8B-B14F-4D97-AF65-F5344CB8AC3E}">
-        <p14:creationId xmlns:p14="http://schemas.microsoft.com/office/powerpoint/2010/main" val="196864395"/>
+        <p14:creationId xmlns:p14="http://schemas.microsoft.com/office/powerpoint/2010/main" val="3932845466"/>
       </p:ext>
     </p:extLst>
   </p:cSld>
@@ -11026,31 +11118,140 @@
       </p:grpSpPr>
       <p:sp>
         <p:nvSpPr>
-          <p:cNvPr id="2" name="Title 1"/>
-          <p:cNvSpPr>
-            <a:spLocks noGrp="1"/>
-          </p:cNvSpPr>
-          <p:nvPr>
-            <p:ph type="title"/>
-          </p:nvPr>
-        </p:nvSpPr>
-        <p:spPr/>
-        <p:txBody>
-          <a:bodyPr/>
-          <a:lstStyle/>
-          <a:p>
-            <a:r>
-              <a:rPr lang="en-US" dirty="0" smtClean="0"/>
-              <a:t>Admin Dashboard</a:t>
+          <p:cNvPr id="4" name="TextBox 3"/>
+          <p:cNvSpPr txBox="1"/>
+          <p:nvPr/>
+        </p:nvSpPr>
+        <p:spPr>
+          <a:xfrm>
+            <a:off x="427121" y="84221"/>
+            <a:ext cx="10750216" cy="369332"/>
+          </a:xfrm>
+          <a:prstGeom prst="rect">
+            <a:avLst/>
+          </a:prstGeom>
+          <a:noFill/>
+        </p:spPr>
+        <p:txBody>
+          <a:bodyPr wrap="square" rtlCol="0">
+            <a:spAutoFit/>
+          </a:bodyPr>
+          <a:lstStyle/>
+          <a:p>
+            <a:r>
+              <a:rPr lang="en-US" dirty="0" smtClean="0"/>
+              <a:t>My Profile page</a:t>
             </a:r>
             <a:endParaRPr lang="ru-RU" dirty="0"/>
+          </a:p>
+        </p:txBody>
+      </p:sp>
+      <p:pic>
+        <p:nvPicPr>
+          <p:cNvPr id="5" name="Picture 4"/>
+          <p:cNvPicPr>
+            <a:picLocks noChangeAspect="1"/>
+          </p:cNvPicPr>
+          <p:nvPr/>
+        </p:nvPicPr>
+        <p:blipFill>
+          <a:blip r:embed="rId2"/>
+          <a:stretch>
+            <a:fillRect/>
+          </a:stretch>
+        </p:blipFill>
+        <p:spPr>
+          <a:xfrm>
+            <a:off x="174458" y="375347"/>
+            <a:ext cx="10961638" cy="6344290"/>
+          </a:xfrm>
+          <a:prstGeom prst="rect">
+            <a:avLst/>
+          </a:prstGeom>
+        </p:spPr>
+      </p:pic>
+      <p:sp>
+        <p:nvSpPr>
+          <p:cNvPr id="2" name="Rectangle 1"/>
+          <p:cNvSpPr/>
+          <p:nvPr/>
+        </p:nvSpPr>
+        <p:spPr>
+          <a:xfrm>
+            <a:off x="7271951" y="3398108"/>
+            <a:ext cx="753763" cy="216243"/>
+          </a:xfrm>
+          <a:prstGeom prst="rect">
+            <a:avLst/>
+          </a:prstGeom>
+        </p:spPr>
+        <p:style>
+          <a:lnRef idx="2">
+            <a:schemeClr val="accent1">
+              <a:shade val="50000"/>
+            </a:schemeClr>
+          </a:lnRef>
+          <a:fillRef idx="1">
+            <a:schemeClr val="accent1"/>
+          </a:fillRef>
+          <a:effectRef idx="0">
+            <a:schemeClr val="accent1"/>
+          </a:effectRef>
+          <a:fontRef idx="minor">
+            <a:schemeClr val="lt1"/>
+          </a:fontRef>
+        </p:style>
+        <p:txBody>
+          <a:bodyPr rtlCol="0" anchor="ctr"/>
+          <a:lstStyle/>
+          <a:p>
+            <a:pPr algn="ctr"/>
+            <a:endParaRPr lang="ru-RU"/>
+          </a:p>
+        </p:txBody>
+      </p:sp>
+      <p:sp>
+        <p:nvSpPr>
+          <p:cNvPr id="3" name="TextBox 2"/>
+          <p:cNvSpPr txBox="1"/>
+          <p:nvPr/>
+        </p:nvSpPr>
+        <p:spPr>
+          <a:xfrm>
+            <a:off x="7386251" y="3355887"/>
+            <a:ext cx="525162" cy="276999"/>
+          </a:xfrm>
+          <a:prstGeom prst="rect">
+            <a:avLst/>
+          </a:prstGeom>
+          <a:noFill/>
+        </p:spPr>
+        <p:txBody>
+          <a:bodyPr wrap="square" rtlCol="0">
+            <a:spAutoFit/>
+          </a:bodyPr>
+          <a:lstStyle/>
+          <a:p>
+            <a:r>
+              <a:rPr lang="en-US" sz="1200" dirty="0" smtClean="0">
+                <a:solidFill>
+                  <a:schemeClr val="bg1"/>
+                </a:solidFill>
+              </a:rPr>
+              <a:t>Send</a:t>
+            </a:r>
+            <a:endParaRPr lang="ru-RU" sz="1200" dirty="0">
+              <a:solidFill>
+                <a:schemeClr val="bg1"/>
+              </a:solidFill>
+            </a:endParaRPr>
           </a:p>
         </p:txBody>
       </p:sp>
     </p:spTree>
     <p:extLst>
       <p:ext uri="{BB962C8B-B14F-4D97-AF65-F5344CB8AC3E}">
-        <p14:creationId xmlns:p14="http://schemas.microsoft.com/office/powerpoint/2010/main" val="1654730702"/>
+        <p14:creationId xmlns:p14="http://schemas.microsoft.com/office/powerpoint/2010/main" val="196864395"/>
       </p:ext>
     </p:extLst>
   </p:cSld>
@@ -11079,285 +11280,31 @@
       </p:grpSpPr>
       <p:sp>
         <p:nvSpPr>
-          <p:cNvPr id="4" name="TextBox 3"/>
-          <p:cNvSpPr txBox="1"/>
-          <p:nvPr/>
-        </p:nvSpPr>
-        <p:spPr>
-          <a:xfrm>
-            <a:off x="427121" y="279380"/>
-            <a:ext cx="4614111" cy="369332"/>
-          </a:xfrm>
-          <a:prstGeom prst="rect">
-            <a:avLst/>
-          </a:prstGeom>
-          <a:noFill/>
-        </p:spPr>
-        <p:txBody>
-          <a:bodyPr wrap="square" rtlCol="0">
-            <a:spAutoFit/>
-          </a:bodyPr>
-          <a:lstStyle/>
-          <a:p>
-            <a:r>
-              <a:rPr lang="en-US" dirty="0" smtClean="0"/>
-              <a:t>Conversation Message entity</a:t>
+          <p:cNvPr id="2" name="Title 1"/>
+          <p:cNvSpPr>
+            <a:spLocks noGrp="1"/>
+          </p:cNvSpPr>
+          <p:nvPr>
+            <p:ph type="title"/>
+          </p:nvPr>
+        </p:nvSpPr>
+        <p:spPr/>
+        <p:txBody>
+          <a:bodyPr/>
+          <a:lstStyle/>
+          <a:p>
+            <a:r>
+              <a:rPr lang="en-US" dirty="0" smtClean="0"/>
+              <a:t>Admin Dashboard</a:t>
             </a:r>
             <a:endParaRPr lang="ru-RU" dirty="0"/>
-          </a:p>
-        </p:txBody>
-      </p:sp>
-      <p:sp>
-        <p:nvSpPr>
-          <p:cNvPr id="5" name="Rounded Rectangle 4"/>
-          <p:cNvSpPr/>
-          <p:nvPr/>
-        </p:nvSpPr>
-        <p:spPr>
-          <a:xfrm>
-            <a:off x="427121" y="794085"/>
-            <a:ext cx="3653560" cy="2051474"/>
-          </a:xfrm>
-          <a:prstGeom prst="roundRect">
-            <a:avLst/>
-          </a:prstGeom>
-          <a:noFill/>
-        </p:spPr>
-        <p:style>
-          <a:lnRef idx="2">
-            <a:schemeClr val="accent1">
-              <a:shade val="50000"/>
-            </a:schemeClr>
-          </a:lnRef>
-          <a:fillRef idx="1">
-            <a:schemeClr val="accent1"/>
-          </a:fillRef>
-          <a:effectRef idx="0">
-            <a:schemeClr val="accent1"/>
-          </a:effectRef>
-          <a:fontRef idx="minor">
-            <a:schemeClr val="lt1"/>
-          </a:fontRef>
-        </p:style>
-        <p:txBody>
-          <a:bodyPr rtlCol="0" anchor="ctr"/>
-          <a:lstStyle/>
-          <a:p>
-            <a:pPr algn="ctr"/>
-            <a:endParaRPr lang="ru-RU"/>
-          </a:p>
-        </p:txBody>
-      </p:sp>
-      <p:sp>
-        <p:nvSpPr>
-          <p:cNvPr id="6" name="TextBox 5"/>
-          <p:cNvSpPr txBox="1"/>
-          <p:nvPr/>
-        </p:nvSpPr>
-        <p:spPr>
-          <a:xfrm>
-            <a:off x="716507" y="942659"/>
-            <a:ext cx="2777319" cy="1754326"/>
-          </a:xfrm>
-          <a:prstGeom prst="rect">
-            <a:avLst/>
-          </a:prstGeom>
-          <a:noFill/>
-        </p:spPr>
-        <p:txBody>
-          <a:bodyPr wrap="square" rtlCol="0">
-            <a:spAutoFit/>
-          </a:bodyPr>
-          <a:lstStyle/>
-          <a:p>
-            <a:r>
-              <a:rPr lang="en-US" dirty="0" smtClean="0"/>
-              <a:t>Id (String)</a:t>
-            </a:r>
-          </a:p>
-          <a:p>
-            <a:r>
-              <a:rPr lang="en-US" dirty="0" err="1" smtClean="0"/>
-              <a:t>ConversationID</a:t>
-            </a:r>
-            <a:endParaRPr lang="en-US" dirty="0"/>
-          </a:p>
-          <a:p>
-            <a:r>
-              <a:rPr lang="en-US" dirty="0" err="1" smtClean="0"/>
-              <a:t>UserID</a:t>
-            </a:r>
-            <a:r>
-              <a:rPr lang="en-US" dirty="0" smtClean="0"/>
-              <a:t> (String)</a:t>
-            </a:r>
-          </a:p>
-          <a:p>
-            <a:r>
-              <a:rPr lang="en-US" dirty="0" err="1" smtClean="0"/>
-              <a:t>DateAdded</a:t>
-            </a:r>
-            <a:r>
-              <a:rPr lang="en-US" dirty="0" smtClean="0"/>
-              <a:t> (</a:t>
-            </a:r>
-            <a:r>
-              <a:rPr lang="en-US" dirty="0" err="1" smtClean="0"/>
-              <a:t>DateTime</a:t>
-            </a:r>
-            <a:r>
-              <a:rPr lang="en-US" dirty="0" smtClean="0"/>
-              <a:t>)</a:t>
-            </a:r>
-          </a:p>
-          <a:p>
-            <a:r>
-              <a:rPr lang="en-US" dirty="0" smtClean="0"/>
-              <a:t>Viewed (Boolean)</a:t>
-            </a:r>
-          </a:p>
-          <a:p>
-            <a:r>
-              <a:rPr lang="en-US" dirty="0" smtClean="0"/>
-              <a:t>Content (String)</a:t>
-            </a:r>
-            <a:endParaRPr lang="ru-RU" dirty="0"/>
-          </a:p>
-        </p:txBody>
-      </p:sp>
-      <p:sp>
-        <p:nvSpPr>
-          <p:cNvPr id="7" name="Rounded Rectangle 6"/>
-          <p:cNvSpPr/>
-          <p:nvPr/>
-        </p:nvSpPr>
-        <p:spPr>
-          <a:xfrm>
-            <a:off x="4981433" y="700200"/>
-            <a:ext cx="2437979" cy="1169543"/>
-          </a:xfrm>
-          <a:prstGeom prst="roundRect">
-            <a:avLst/>
-          </a:prstGeom>
-          <a:noFill/>
-        </p:spPr>
-        <p:style>
-          <a:lnRef idx="2">
-            <a:schemeClr val="accent1">
-              <a:shade val="50000"/>
-            </a:schemeClr>
-          </a:lnRef>
-          <a:fillRef idx="1">
-            <a:schemeClr val="accent1"/>
-          </a:fillRef>
-          <a:effectRef idx="0">
-            <a:schemeClr val="accent1"/>
-          </a:effectRef>
-          <a:fontRef idx="minor">
-            <a:schemeClr val="lt1"/>
-          </a:fontRef>
-        </p:style>
-        <p:txBody>
-          <a:bodyPr rtlCol="0" anchor="ctr"/>
-          <a:lstStyle/>
-          <a:p>
-            <a:pPr algn="ctr"/>
-            <a:endParaRPr lang="ru-RU"/>
-          </a:p>
-        </p:txBody>
-      </p:sp>
-      <p:sp>
-        <p:nvSpPr>
-          <p:cNvPr id="8" name="TextBox 7"/>
-          <p:cNvSpPr txBox="1"/>
-          <p:nvPr/>
-        </p:nvSpPr>
-        <p:spPr>
-          <a:xfrm>
-            <a:off x="4902374" y="260039"/>
-            <a:ext cx="4614111" cy="369332"/>
-          </a:xfrm>
-          <a:prstGeom prst="rect">
-            <a:avLst/>
-          </a:prstGeom>
-          <a:noFill/>
-        </p:spPr>
-        <p:txBody>
-          <a:bodyPr wrap="square" rtlCol="0">
-            <a:spAutoFit/>
-          </a:bodyPr>
-          <a:lstStyle/>
-          <a:p>
-            <a:r>
-              <a:rPr lang="en-US" dirty="0" smtClean="0"/>
-              <a:t>Conversation entity</a:t>
-            </a:r>
-            <a:endParaRPr lang="ru-RU" dirty="0"/>
-          </a:p>
-        </p:txBody>
-      </p:sp>
-      <p:sp>
-        <p:nvSpPr>
-          <p:cNvPr id="9" name="Rectangle 8"/>
-          <p:cNvSpPr/>
-          <p:nvPr/>
-        </p:nvSpPr>
-        <p:spPr>
-          <a:xfrm>
-            <a:off x="5181940" y="794085"/>
-            <a:ext cx="2237472" cy="923330"/>
-          </a:xfrm>
-          <a:prstGeom prst="rect">
-            <a:avLst/>
-          </a:prstGeom>
-        </p:spPr>
-        <p:txBody>
-          <a:bodyPr wrap="none">
-            <a:spAutoFit/>
-          </a:bodyPr>
-          <a:lstStyle/>
-          <a:p>
-            <a:r>
-              <a:rPr lang="en-US" dirty="0"/>
-              <a:t>Id (String</a:t>
-            </a:r>
-            <a:r>
-              <a:rPr lang="en-US" dirty="0" smtClean="0"/>
-              <a:t>)	 </a:t>
-            </a:r>
-          </a:p>
-          <a:p>
-            <a:r>
-              <a:rPr lang="en-US" dirty="0" smtClean="0"/>
-              <a:t>Name (String)</a:t>
-            </a:r>
-            <a:endParaRPr lang="en-US" dirty="0"/>
-          </a:p>
-          <a:p>
-            <a:r>
-              <a:rPr lang="en-US" dirty="0" err="1" smtClean="0"/>
-              <a:t>UnreadMessages</a:t>
-            </a:r>
-            <a:r>
-              <a:rPr lang="en-US" dirty="0" smtClean="0"/>
-              <a:t> (</a:t>
-            </a:r>
-            <a:r>
-              <a:rPr lang="en-US" dirty="0" err="1" smtClean="0"/>
-              <a:t>int</a:t>
-            </a:r>
-            <a:r>
-              <a:rPr lang="en-US" dirty="0" smtClean="0"/>
-              <a:t>)</a:t>
-            </a:r>
-            <a:endParaRPr lang="en-US" dirty="0"/>
           </a:p>
         </p:txBody>
       </p:sp>
     </p:spTree>
     <p:extLst>
       <p:ext uri="{BB962C8B-B14F-4D97-AF65-F5344CB8AC3E}">
-        <p14:creationId xmlns:p14="http://schemas.microsoft.com/office/powerpoint/2010/main" val="2347573165"/>
+        <p14:creationId xmlns:p14="http://schemas.microsoft.com/office/powerpoint/2010/main" val="1654730702"/>
       </p:ext>
     </p:extLst>
   </p:cSld>
@@ -11386,29 +11333,29 @@
       </p:grpSpPr>
       <p:sp>
         <p:nvSpPr>
-          <p:cNvPr id="6" name="TextBox 5"/>
+          <p:cNvPr id="4" name="TextBox 3"/>
           <p:cNvSpPr txBox="1"/>
           <p:nvPr/>
         </p:nvSpPr>
         <p:spPr>
           <a:xfrm>
-            <a:off x="123754" y="116879"/>
-            <a:ext cx="5972725" cy="369332"/>
-          </a:xfrm>
-          <a:prstGeom prst="rect">
-            <a:avLst/>
-          </a:prstGeom>
-          <a:noFill/>
-        </p:spPr>
-        <p:txBody>
-          <a:bodyPr wrap="none" rtlCol="0">
+            <a:off x="427121" y="279380"/>
+            <a:ext cx="4614111" cy="369332"/>
+          </a:xfrm>
+          <a:prstGeom prst="rect">
+            <a:avLst/>
+          </a:prstGeom>
+          <a:noFill/>
+        </p:spPr>
+        <p:txBody>
+          <a:bodyPr wrap="square" rtlCol="0">
             <a:spAutoFit/>
           </a:bodyPr>
           <a:lstStyle/>
           <a:p>
             <a:r>
               <a:rPr lang="en-US" dirty="0" smtClean="0"/>
-              <a:t>Admin notifications about new message in user conversations</a:t>
+              <a:t>Conversation Message entity</a:t>
             </a:r>
             <a:endParaRPr lang="ru-RU" dirty="0"/>
           </a:p>
@@ -11416,16 +11363,16 @@
       </p:sp>
       <p:sp>
         <p:nvSpPr>
-          <p:cNvPr id="7" name="Прямоугольник 4"/>
+          <p:cNvPr id="5" name="Rounded Rectangle 4"/>
           <p:cNvSpPr/>
           <p:nvPr/>
         </p:nvSpPr>
         <p:spPr>
           <a:xfrm>
-            <a:off x="162427" y="563419"/>
-            <a:ext cx="11947357" cy="6148137"/>
-          </a:xfrm>
-          <a:prstGeom prst="rect">
+            <a:off x="427121" y="794085"/>
+            <a:ext cx="3653560" cy="2051474"/>
+          </a:xfrm>
+          <a:prstGeom prst="roundRect">
             <a:avLst/>
           </a:prstGeom>
           <a:noFill/>
@@ -11457,23 +11404,96 @@
       </p:sp>
       <p:sp>
         <p:nvSpPr>
-          <p:cNvPr id="8" name="Прямоугольник 5"/>
+          <p:cNvPr id="6" name="TextBox 5"/>
+          <p:cNvSpPr txBox="1"/>
+          <p:nvPr/>
+        </p:nvSpPr>
+        <p:spPr>
+          <a:xfrm>
+            <a:off x="716507" y="942659"/>
+            <a:ext cx="2777319" cy="1754326"/>
+          </a:xfrm>
+          <a:prstGeom prst="rect">
+            <a:avLst/>
+          </a:prstGeom>
+          <a:noFill/>
+        </p:spPr>
+        <p:txBody>
+          <a:bodyPr wrap="square" rtlCol="0">
+            <a:spAutoFit/>
+          </a:bodyPr>
+          <a:lstStyle/>
+          <a:p>
+            <a:r>
+              <a:rPr lang="en-US" dirty="0" smtClean="0"/>
+              <a:t>Id (String)</a:t>
+            </a:r>
+          </a:p>
+          <a:p>
+            <a:r>
+              <a:rPr lang="en-US" dirty="0" err="1" smtClean="0"/>
+              <a:t>ConversationID</a:t>
+            </a:r>
+            <a:endParaRPr lang="en-US" dirty="0"/>
+          </a:p>
+          <a:p>
+            <a:r>
+              <a:rPr lang="en-US" dirty="0" err="1" smtClean="0"/>
+              <a:t>UserID</a:t>
+            </a:r>
+            <a:r>
+              <a:rPr lang="en-US" dirty="0" smtClean="0"/>
+              <a:t> (String)</a:t>
+            </a:r>
+          </a:p>
+          <a:p>
+            <a:r>
+              <a:rPr lang="en-US" dirty="0" err="1" smtClean="0"/>
+              <a:t>DateAdded</a:t>
+            </a:r>
+            <a:r>
+              <a:rPr lang="en-US" dirty="0" smtClean="0"/>
+              <a:t> (</a:t>
+            </a:r>
+            <a:r>
+              <a:rPr lang="en-US" dirty="0" err="1" smtClean="0"/>
+              <a:t>DateTime</a:t>
+            </a:r>
+            <a:r>
+              <a:rPr lang="en-US" dirty="0" smtClean="0"/>
+              <a:t>)</a:t>
+            </a:r>
+          </a:p>
+          <a:p>
+            <a:r>
+              <a:rPr lang="en-US" dirty="0" smtClean="0"/>
+              <a:t>Viewed (Boolean)</a:t>
+            </a:r>
+          </a:p>
+          <a:p>
+            <a:r>
+              <a:rPr lang="en-US" dirty="0" smtClean="0"/>
+              <a:t>Content (String)</a:t>
+            </a:r>
+            <a:endParaRPr lang="ru-RU" dirty="0"/>
+          </a:p>
+        </p:txBody>
+      </p:sp>
+      <p:sp>
+        <p:nvSpPr>
+          <p:cNvPr id="7" name="Rounded Rectangle 6"/>
           <p:cNvSpPr/>
           <p:nvPr/>
         </p:nvSpPr>
         <p:spPr>
           <a:xfrm>
-            <a:off x="1602971" y="535677"/>
-            <a:ext cx="9157647" cy="6148137"/>
-          </a:xfrm>
-          <a:prstGeom prst="rect">
-            <a:avLst/>
-          </a:prstGeom>
-          <a:solidFill>
-            <a:schemeClr val="bg1">
-              <a:lumMod val="95000"/>
-            </a:schemeClr>
-          </a:solidFill>
+            <a:off x="4981433" y="700200"/>
+            <a:ext cx="2437979" cy="1169543"/>
+          </a:xfrm>
+          <a:prstGeom prst="roundRect">
+            <a:avLst/>
+          </a:prstGeom>
+          <a:noFill/>
         </p:spPr>
         <p:style>
           <a:lnRef idx="2">
@@ -11502,57 +11522,14 @@
       </p:sp>
       <p:sp>
         <p:nvSpPr>
-          <p:cNvPr id="9" name="Прямоугольник 6"/>
-          <p:cNvSpPr/>
-          <p:nvPr/>
-        </p:nvSpPr>
-        <p:spPr>
-          <a:xfrm>
-            <a:off x="1594752" y="563419"/>
-            <a:ext cx="9157647" cy="1067488"/>
-          </a:xfrm>
-          <a:prstGeom prst="rect">
-            <a:avLst/>
-          </a:prstGeom>
-          <a:solidFill>
-            <a:schemeClr val="bg2"/>
-          </a:solidFill>
-        </p:spPr>
-        <p:style>
-          <a:lnRef idx="2">
-            <a:schemeClr val="accent1">
-              <a:shade val="50000"/>
-            </a:schemeClr>
-          </a:lnRef>
-          <a:fillRef idx="1">
-            <a:schemeClr val="accent1"/>
-          </a:fillRef>
-          <a:effectRef idx="0">
-            <a:schemeClr val="accent1"/>
-          </a:effectRef>
-          <a:fontRef idx="minor">
-            <a:schemeClr val="lt1"/>
-          </a:fontRef>
-        </p:style>
-        <p:txBody>
-          <a:bodyPr rtlCol="0" anchor="ctr"/>
-          <a:lstStyle/>
-          <a:p>
-            <a:pPr algn="ctr"/>
-            <a:endParaRPr lang="ru-RU"/>
-          </a:p>
-        </p:txBody>
-      </p:sp>
-      <p:sp>
-        <p:nvSpPr>
-          <p:cNvPr id="10" name="TextBox 9"/>
+          <p:cNvPr id="8" name="TextBox 7"/>
           <p:cNvSpPr txBox="1"/>
           <p:nvPr/>
         </p:nvSpPr>
         <p:spPr>
           <a:xfrm>
-            <a:off x="1562666" y="563419"/>
-            <a:ext cx="2790969" cy="523220"/>
+            <a:off x="4902374" y="260039"/>
+            <a:ext cx="4614111" cy="369332"/>
           </a:xfrm>
           <a:prstGeom prst="rect">
             <a:avLst/>
@@ -11566,264 +11543,75 @@
           <a:lstStyle/>
           <a:p>
             <a:r>
-              <a:rPr lang="en-US" sz="2800" dirty="0" smtClean="0"/>
-              <a:t>LOGO (</a:t>
-            </a:r>
-            <a:r>
-              <a:rPr lang="en-US" sz="2800" dirty="0" err="1" smtClean="0"/>
-              <a:t>Img</a:t>
-            </a:r>
-            <a:r>
-              <a:rPr lang="en-US" sz="2800" dirty="0" smtClean="0"/>
+              <a:rPr lang="en-US" dirty="0" smtClean="0"/>
+              <a:t>Conversation entity</a:t>
+            </a:r>
+            <a:endParaRPr lang="ru-RU" dirty="0"/>
+          </a:p>
+        </p:txBody>
+      </p:sp>
+      <p:sp>
+        <p:nvSpPr>
+          <p:cNvPr id="9" name="Rectangle 8"/>
+          <p:cNvSpPr/>
+          <p:nvPr/>
+        </p:nvSpPr>
+        <p:spPr>
+          <a:xfrm>
+            <a:off x="5181940" y="794085"/>
+            <a:ext cx="2237472" cy="923330"/>
+          </a:xfrm>
+          <a:prstGeom prst="rect">
+            <a:avLst/>
+          </a:prstGeom>
+        </p:spPr>
+        <p:txBody>
+          <a:bodyPr wrap="none">
+            <a:spAutoFit/>
+          </a:bodyPr>
+          <a:lstStyle/>
+          <a:p>
+            <a:r>
+              <a:rPr lang="en-US" dirty="0"/>
+              <a:t>Id (String</a:t>
+            </a:r>
+            <a:r>
+              <a:rPr lang="en-US" dirty="0" smtClean="0"/>
+              <a:t>)	 </a:t>
+            </a:r>
+          </a:p>
+          <a:p>
+            <a:r>
+              <a:rPr lang="en-US" dirty="0" smtClean="0"/>
+              <a:t>Name (String)</a:t>
+            </a:r>
+            <a:endParaRPr lang="en-US" dirty="0"/>
+          </a:p>
+          <a:p>
+            <a:r>
+              <a:rPr lang="en-US" dirty="0" err="1" smtClean="0"/>
+              <a:t>UnreadMessages</a:t>
+            </a:r>
+            <a:r>
+              <a:rPr lang="en-US" dirty="0" smtClean="0"/>
+              <a:t> (</a:t>
+            </a:r>
+            <a:r>
+              <a:rPr lang="en-US" dirty="0" err="1" smtClean="0"/>
+              <a:t>int</a:t>
+            </a:r>
+            <a:r>
+              <a:rPr lang="en-US" dirty="0" smtClean="0"/>
               <a:t>)</a:t>
             </a:r>
-            <a:endParaRPr lang="ru-RU" sz="2800" dirty="0"/>
-          </a:p>
-        </p:txBody>
-      </p:sp>
-      <p:sp>
-        <p:nvSpPr>
-          <p:cNvPr id="11" name="Прямоугольник 8"/>
-          <p:cNvSpPr/>
-          <p:nvPr/>
-        </p:nvSpPr>
-        <p:spPr>
-          <a:xfrm>
-            <a:off x="1600377" y="1317009"/>
-            <a:ext cx="9157649" cy="313898"/>
-          </a:xfrm>
-          <a:prstGeom prst="rect">
-            <a:avLst/>
-          </a:prstGeom>
-        </p:spPr>
-        <p:style>
-          <a:lnRef idx="2">
-            <a:schemeClr val="accent1">
-              <a:shade val="50000"/>
-            </a:schemeClr>
-          </a:lnRef>
-          <a:fillRef idx="1">
-            <a:schemeClr val="accent1"/>
-          </a:fillRef>
-          <a:effectRef idx="0">
-            <a:schemeClr val="accent1"/>
-          </a:effectRef>
-          <a:fontRef idx="minor">
-            <a:schemeClr val="lt1"/>
-          </a:fontRef>
-        </p:style>
-        <p:txBody>
-          <a:bodyPr rtlCol="0" anchor="ctr"/>
-          <a:lstStyle/>
-          <a:p>
-            <a:pPr algn="ctr"/>
-            <a:endParaRPr lang="ru-RU"/>
-          </a:p>
-        </p:txBody>
-      </p:sp>
-      <p:sp>
-        <p:nvSpPr>
-          <p:cNvPr id="12" name="TextBox 11"/>
-          <p:cNvSpPr txBox="1"/>
-          <p:nvPr/>
-        </p:nvSpPr>
-        <p:spPr>
-          <a:xfrm>
-            <a:off x="1563755" y="1276549"/>
-            <a:ext cx="6578224" cy="369332"/>
-          </a:xfrm>
-          <a:prstGeom prst="rect">
-            <a:avLst/>
-          </a:prstGeom>
-          <a:noFill/>
-        </p:spPr>
-        <p:txBody>
-          <a:bodyPr wrap="square" rtlCol="0">
-            <a:spAutoFit/>
-          </a:bodyPr>
-          <a:lstStyle/>
-          <a:p>
-            <a:r>
-              <a:rPr lang="en-US" dirty="0" smtClean="0">
-                <a:solidFill>
-                  <a:schemeClr val="bg1"/>
-                </a:solidFill>
-              </a:rPr>
-              <a:t>Dashboard | My Profile | Conversations </a:t>
-            </a:r>
-            <a:r>
-              <a:rPr lang="en-US" baseline="30000" dirty="0" smtClean="0">
-                <a:solidFill>
-                  <a:srgbClr val="FF0000"/>
-                </a:solidFill>
-              </a:rPr>
-              <a:t>(New)</a:t>
-            </a:r>
-            <a:r>
-              <a:rPr lang="en-US" dirty="0" smtClean="0">
-                <a:solidFill>
-                  <a:schemeClr val="bg1"/>
-                </a:solidFill>
-              </a:rPr>
-              <a:t> | Help</a:t>
-            </a:r>
-            <a:endParaRPr lang="ru-RU" dirty="0">
-              <a:solidFill>
-                <a:schemeClr val="bg1"/>
-              </a:solidFill>
-            </a:endParaRPr>
-          </a:p>
-        </p:txBody>
-      </p:sp>
-      <p:sp>
-        <p:nvSpPr>
-          <p:cNvPr id="13" name="TextBox 12"/>
-          <p:cNvSpPr txBox="1"/>
-          <p:nvPr/>
-        </p:nvSpPr>
-        <p:spPr>
-          <a:xfrm>
-            <a:off x="8423978" y="975354"/>
-            <a:ext cx="2376943" cy="307777"/>
-          </a:xfrm>
-          <a:prstGeom prst="rect">
-            <a:avLst/>
-          </a:prstGeom>
-          <a:noFill/>
-        </p:spPr>
-        <p:txBody>
-          <a:bodyPr wrap="square" rtlCol="0">
-            <a:spAutoFit/>
-          </a:bodyPr>
-          <a:lstStyle/>
-          <a:p>
-            <a:r>
-              <a:rPr lang="en-US" sz="1400" dirty="0" smtClean="0">
-                <a:solidFill>
-                  <a:schemeClr val="accent5"/>
-                </a:solidFill>
-              </a:rPr>
-              <a:t>Welcome, Admin | Sign out…</a:t>
-            </a:r>
-            <a:endParaRPr lang="ru-RU" sz="1400" dirty="0">
-              <a:solidFill>
-                <a:schemeClr val="accent5"/>
-              </a:solidFill>
-            </a:endParaRPr>
-          </a:p>
-        </p:txBody>
-      </p:sp>
-      <p:sp>
-        <p:nvSpPr>
-          <p:cNvPr id="14" name="TextBox 13"/>
-          <p:cNvSpPr txBox="1"/>
-          <p:nvPr/>
-        </p:nvSpPr>
-        <p:spPr>
-          <a:xfrm>
-            <a:off x="1547713" y="3609746"/>
-            <a:ext cx="9157649" cy="369332"/>
-          </a:xfrm>
-          <a:prstGeom prst="rect">
-            <a:avLst/>
-          </a:prstGeom>
-          <a:noFill/>
-        </p:spPr>
-        <p:txBody>
-          <a:bodyPr wrap="square" rtlCol="0">
-            <a:spAutoFit/>
-          </a:bodyPr>
-          <a:lstStyle/>
-          <a:p>
-            <a:pPr algn="ctr"/>
-            <a:r>
-              <a:rPr lang="en-US" dirty="0" smtClean="0"/>
-              <a:t>CONTENT HERE</a:t>
-            </a:r>
-            <a:endParaRPr lang="ru-RU" dirty="0"/>
-          </a:p>
-        </p:txBody>
-      </p:sp>
-      <p:cxnSp>
-        <p:nvCxnSpPr>
-          <p:cNvPr id="16" name="Straight Arrow Connector 15"/>
-          <p:cNvCxnSpPr/>
-          <p:nvPr/>
-        </p:nvCxnSpPr>
-        <p:spPr>
-          <a:xfrm flipH="1" flipV="1">
-            <a:off x="5637654" y="1519417"/>
-            <a:ext cx="577516" cy="928150"/>
-          </a:xfrm>
-          <a:prstGeom prst="straightConnector1">
-            <a:avLst/>
-          </a:prstGeom>
-          <a:ln>
-            <a:solidFill>
-              <a:srgbClr val="FF0000"/>
-            </a:solidFill>
-            <a:tailEnd type="triangle"/>
-          </a:ln>
-        </p:spPr>
-        <p:style>
-          <a:lnRef idx="1">
-            <a:schemeClr val="accent1"/>
-          </a:lnRef>
-          <a:fillRef idx="0">
-            <a:schemeClr val="accent1"/>
-          </a:fillRef>
-          <a:effectRef idx="0">
-            <a:schemeClr val="accent1"/>
-          </a:effectRef>
-          <a:fontRef idx="minor">
-            <a:schemeClr val="tx1"/>
-          </a:fontRef>
-        </p:style>
-      </p:cxnSp>
-      <p:sp>
-        <p:nvSpPr>
-          <p:cNvPr id="17" name="TextBox 16"/>
-          <p:cNvSpPr txBox="1"/>
-          <p:nvPr/>
-        </p:nvSpPr>
-        <p:spPr>
-          <a:xfrm>
-            <a:off x="6023811" y="2447567"/>
-            <a:ext cx="3922294" cy="923330"/>
-          </a:xfrm>
-          <a:prstGeom prst="rect">
-            <a:avLst/>
-          </a:prstGeom>
-          <a:noFill/>
-        </p:spPr>
-        <p:txBody>
-          <a:bodyPr wrap="square" rtlCol="0">
-            <a:spAutoFit/>
-          </a:bodyPr>
-          <a:lstStyle/>
-          <a:p>
-            <a:r>
-              <a:rPr lang="en-US" dirty="0" smtClean="0"/>
-              <a:t>Shown for all client routes except Conversations</a:t>
-            </a:r>
-          </a:p>
-          <a:p>
-            <a:r>
-              <a:rPr lang="en-US" dirty="0" smtClean="0"/>
-              <a:t>This is </a:t>
-            </a:r>
-            <a:r>
-              <a:rPr lang="en-US" dirty="0" err="1" smtClean="0"/>
-              <a:t>realtime</a:t>
-            </a:r>
-            <a:endParaRPr lang="ru-RU" dirty="0"/>
+            <a:endParaRPr lang="en-US" dirty="0"/>
           </a:p>
         </p:txBody>
       </p:sp>
     </p:spTree>
     <p:extLst>
       <p:ext uri="{BB962C8B-B14F-4D97-AF65-F5344CB8AC3E}">
-        <p14:creationId xmlns:p14="http://schemas.microsoft.com/office/powerpoint/2010/main" val="973098012"/>
+        <p14:creationId xmlns:p14="http://schemas.microsoft.com/office/powerpoint/2010/main" val="2347573165"/>
       </p:ext>
     </p:extLst>
   </p:cSld>
@@ -11852,6 +11640,472 @@
       </p:grpSpPr>
       <p:sp>
         <p:nvSpPr>
+          <p:cNvPr id="6" name="TextBox 5"/>
+          <p:cNvSpPr txBox="1"/>
+          <p:nvPr/>
+        </p:nvSpPr>
+        <p:spPr>
+          <a:xfrm>
+            <a:off x="123754" y="116879"/>
+            <a:ext cx="5972725" cy="369332"/>
+          </a:xfrm>
+          <a:prstGeom prst="rect">
+            <a:avLst/>
+          </a:prstGeom>
+          <a:noFill/>
+        </p:spPr>
+        <p:txBody>
+          <a:bodyPr wrap="none" rtlCol="0">
+            <a:spAutoFit/>
+          </a:bodyPr>
+          <a:lstStyle/>
+          <a:p>
+            <a:r>
+              <a:rPr lang="en-US" dirty="0" smtClean="0"/>
+              <a:t>Admin notifications about new message in user conversations</a:t>
+            </a:r>
+            <a:endParaRPr lang="ru-RU" dirty="0"/>
+          </a:p>
+        </p:txBody>
+      </p:sp>
+      <p:sp>
+        <p:nvSpPr>
+          <p:cNvPr id="7" name="Прямоугольник 4"/>
+          <p:cNvSpPr/>
+          <p:nvPr/>
+        </p:nvSpPr>
+        <p:spPr>
+          <a:xfrm>
+            <a:off x="162427" y="563419"/>
+            <a:ext cx="11947357" cy="6148137"/>
+          </a:xfrm>
+          <a:prstGeom prst="rect">
+            <a:avLst/>
+          </a:prstGeom>
+          <a:noFill/>
+        </p:spPr>
+        <p:style>
+          <a:lnRef idx="2">
+            <a:schemeClr val="accent1">
+              <a:shade val="50000"/>
+            </a:schemeClr>
+          </a:lnRef>
+          <a:fillRef idx="1">
+            <a:schemeClr val="accent1"/>
+          </a:fillRef>
+          <a:effectRef idx="0">
+            <a:schemeClr val="accent1"/>
+          </a:effectRef>
+          <a:fontRef idx="minor">
+            <a:schemeClr val="lt1"/>
+          </a:fontRef>
+        </p:style>
+        <p:txBody>
+          <a:bodyPr rtlCol="0" anchor="ctr"/>
+          <a:lstStyle/>
+          <a:p>
+            <a:pPr algn="ctr"/>
+            <a:endParaRPr lang="ru-RU"/>
+          </a:p>
+        </p:txBody>
+      </p:sp>
+      <p:sp>
+        <p:nvSpPr>
+          <p:cNvPr id="8" name="Прямоугольник 5"/>
+          <p:cNvSpPr/>
+          <p:nvPr/>
+        </p:nvSpPr>
+        <p:spPr>
+          <a:xfrm>
+            <a:off x="1602971" y="535677"/>
+            <a:ext cx="9157647" cy="6148137"/>
+          </a:xfrm>
+          <a:prstGeom prst="rect">
+            <a:avLst/>
+          </a:prstGeom>
+          <a:solidFill>
+            <a:schemeClr val="bg1">
+              <a:lumMod val="95000"/>
+            </a:schemeClr>
+          </a:solidFill>
+        </p:spPr>
+        <p:style>
+          <a:lnRef idx="2">
+            <a:schemeClr val="accent1">
+              <a:shade val="50000"/>
+            </a:schemeClr>
+          </a:lnRef>
+          <a:fillRef idx="1">
+            <a:schemeClr val="accent1"/>
+          </a:fillRef>
+          <a:effectRef idx="0">
+            <a:schemeClr val="accent1"/>
+          </a:effectRef>
+          <a:fontRef idx="minor">
+            <a:schemeClr val="lt1"/>
+          </a:fontRef>
+        </p:style>
+        <p:txBody>
+          <a:bodyPr rtlCol="0" anchor="ctr"/>
+          <a:lstStyle/>
+          <a:p>
+            <a:pPr algn="ctr"/>
+            <a:endParaRPr lang="ru-RU"/>
+          </a:p>
+        </p:txBody>
+      </p:sp>
+      <p:sp>
+        <p:nvSpPr>
+          <p:cNvPr id="9" name="Прямоугольник 6"/>
+          <p:cNvSpPr/>
+          <p:nvPr/>
+        </p:nvSpPr>
+        <p:spPr>
+          <a:xfrm>
+            <a:off x="1594752" y="563419"/>
+            <a:ext cx="9157647" cy="1067488"/>
+          </a:xfrm>
+          <a:prstGeom prst="rect">
+            <a:avLst/>
+          </a:prstGeom>
+          <a:solidFill>
+            <a:schemeClr val="bg2"/>
+          </a:solidFill>
+        </p:spPr>
+        <p:style>
+          <a:lnRef idx="2">
+            <a:schemeClr val="accent1">
+              <a:shade val="50000"/>
+            </a:schemeClr>
+          </a:lnRef>
+          <a:fillRef idx="1">
+            <a:schemeClr val="accent1"/>
+          </a:fillRef>
+          <a:effectRef idx="0">
+            <a:schemeClr val="accent1"/>
+          </a:effectRef>
+          <a:fontRef idx="minor">
+            <a:schemeClr val="lt1"/>
+          </a:fontRef>
+        </p:style>
+        <p:txBody>
+          <a:bodyPr rtlCol="0" anchor="ctr"/>
+          <a:lstStyle/>
+          <a:p>
+            <a:pPr algn="ctr"/>
+            <a:endParaRPr lang="ru-RU"/>
+          </a:p>
+        </p:txBody>
+      </p:sp>
+      <p:sp>
+        <p:nvSpPr>
+          <p:cNvPr id="10" name="TextBox 9"/>
+          <p:cNvSpPr txBox="1"/>
+          <p:nvPr/>
+        </p:nvSpPr>
+        <p:spPr>
+          <a:xfrm>
+            <a:off x="1562666" y="563419"/>
+            <a:ext cx="2790969" cy="523220"/>
+          </a:xfrm>
+          <a:prstGeom prst="rect">
+            <a:avLst/>
+          </a:prstGeom>
+          <a:noFill/>
+        </p:spPr>
+        <p:txBody>
+          <a:bodyPr wrap="square" rtlCol="0">
+            <a:spAutoFit/>
+          </a:bodyPr>
+          <a:lstStyle/>
+          <a:p>
+            <a:r>
+              <a:rPr lang="en-US" sz="2800" dirty="0" smtClean="0"/>
+              <a:t>LOGO (</a:t>
+            </a:r>
+            <a:r>
+              <a:rPr lang="en-US" sz="2800" dirty="0" err="1" smtClean="0"/>
+              <a:t>Img</a:t>
+            </a:r>
+            <a:r>
+              <a:rPr lang="en-US" sz="2800" dirty="0" smtClean="0"/>
+              <a:t>)</a:t>
+            </a:r>
+            <a:endParaRPr lang="ru-RU" sz="2800" dirty="0"/>
+          </a:p>
+        </p:txBody>
+      </p:sp>
+      <p:sp>
+        <p:nvSpPr>
+          <p:cNvPr id="11" name="Прямоугольник 8"/>
+          <p:cNvSpPr/>
+          <p:nvPr/>
+        </p:nvSpPr>
+        <p:spPr>
+          <a:xfrm>
+            <a:off x="1600377" y="1317009"/>
+            <a:ext cx="9157649" cy="313898"/>
+          </a:xfrm>
+          <a:prstGeom prst="rect">
+            <a:avLst/>
+          </a:prstGeom>
+        </p:spPr>
+        <p:style>
+          <a:lnRef idx="2">
+            <a:schemeClr val="accent1">
+              <a:shade val="50000"/>
+            </a:schemeClr>
+          </a:lnRef>
+          <a:fillRef idx="1">
+            <a:schemeClr val="accent1"/>
+          </a:fillRef>
+          <a:effectRef idx="0">
+            <a:schemeClr val="accent1"/>
+          </a:effectRef>
+          <a:fontRef idx="minor">
+            <a:schemeClr val="lt1"/>
+          </a:fontRef>
+        </p:style>
+        <p:txBody>
+          <a:bodyPr rtlCol="0" anchor="ctr"/>
+          <a:lstStyle/>
+          <a:p>
+            <a:pPr algn="ctr"/>
+            <a:endParaRPr lang="ru-RU"/>
+          </a:p>
+        </p:txBody>
+      </p:sp>
+      <p:sp>
+        <p:nvSpPr>
+          <p:cNvPr id="12" name="TextBox 11"/>
+          <p:cNvSpPr txBox="1"/>
+          <p:nvPr/>
+        </p:nvSpPr>
+        <p:spPr>
+          <a:xfrm>
+            <a:off x="1563755" y="1276549"/>
+            <a:ext cx="6578224" cy="369332"/>
+          </a:xfrm>
+          <a:prstGeom prst="rect">
+            <a:avLst/>
+          </a:prstGeom>
+          <a:noFill/>
+        </p:spPr>
+        <p:txBody>
+          <a:bodyPr wrap="square" rtlCol="0">
+            <a:spAutoFit/>
+          </a:bodyPr>
+          <a:lstStyle/>
+          <a:p>
+            <a:r>
+              <a:rPr lang="en-US" dirty="0" smtClean="0">
+                <a:solidFill>
+                  <a:schemeClr val="bg1"/>
+                </a:solidFill>
+              </a:rPr>
+              <a:t>Dashboard | My Profile | Conversations </a:t>
+            </a:r>
+            <a:r>
+              <a:rPr lang="en-US" baseline="30000" dirty="0" smtClean="0">
+                <a:solidFill>
+                  <a:srgbClr val="FF0000"/>
+                </a:solidFill>
+              </a:rPr>
+              <a:t>(New)</a:t>
+            </a:r>
+            <a:r>
+              <a:rPr lang="en-US" dirty="0" smtClean="0">
+                <a:solidFill>
+                  <a:schemeClr val="bg1"/>
+                </a:solidFill>
+              </a:rPr>
+              <a:t> | Help</a:t>
+            </a:r>
+            <a:endParaRPr lang="ru-RU" dirty="0">
+              <a:solidFill>
+                <a:schemeClr val="bg1"/>
+              </a:solidFill>
+            </a:endParaRPr>
+          </a:p>
+        </p:txBody>
+      </p:sp>
+      <p:sp>
+        <p:nvSpPr>
+          <p:cNvPr id="13" name="TextBox 12"/>
+          <p:cNvSpPr txBox="1"/>
+          <p:nvPr/>
+        </p:nvSpPr>
+        <p:spPr>
+          <a:xfrm>
+            <a:off x="8423978" y="975354"/>
+            <a:ext cx="2376943" cy="307777"/>
+          </a:xfrm>
+          <a:prstGeom prst="rect">
+            <a:avLst/>
+          </a:prstGeom>
+          <a:noFill/>
+        </p:spPr>
+        <p:txBody>
+          <a:bodyPr wrap="square" rtlCol="0">
+            <a:spAutoFit/>
+          </a:bodyPr>
+          <a:lstStyle/>
+          <a:p>
+            <a:r>
+              <a:rPr lang="en-US" sz="1400" dirty="0" smtClean="0">
+                <a:solidFill>
+                  <a:schemeClr val="accent5"/>
+                </a:solidFill>
+              </a:rPr>
+              <a:t>Welcome, Admin | Sign out…</a:t>
+            </a:r>
+            <a:endParaRPr lang="ru-RU" sz="1400" dirty="0">
+              <a:solidFill>
+                <a:schemeClr val="accent5"/>
+              </a:solidFill>
+            </a:endParaRPr>
+          </a:p>
+        </p:txBody>
+      </p:sp>
+      <p:sp>
+        <p:nvSpPr>
+          <p:cNvPr id="14" name="TextBox 13"/>
+          <p:cNvSpPr txBox="1"/>
+          <p:nvPr/>
+        </p:nvSpPr>
+        <p:spPr>
+          <a:xfrm>
+            <a:off x="1547713" y="3609746"/>
+            <a:ext cx="9157649" cy="369332"/>
+          </a:xfrm>
+          <a:prstGeom prst="rect">
+            <a:avLst/>
+          </a:prstGeom>
+          <a:noFill/>
+        </p:spPr>
+        <p:txBody>
+          <a:bodyPr wrap="square" rtlCol="0">
+            <a:spAutoFit/>
+          </a:bodyPr>
+          <a:lstStyle/>
+          <a:p>
+            <a:pPr algn="ctr"/>
+            <a:r>
+              <a:rPr lang="en-US" dirty="0" smtClean="0"/>
+              <a:t>CONTENT HERE</a:t>
+            </a:r>
+            <a:endParaRPr lang="ru-RU" dirty="0"/>
+          </a:p>
+        </p:txBody>
+      </p:sp>
+      <p:cxnSp>
+        <p:nvCxnSpPr>
+          <p:cNvPr id="16" name="Straight Arrow Connector 15"/>
+          <p:cNvCxnSpPr/>
+          <p:nvPr/>
+        </p:nvCxnSpPr>
+        <p:spPr>
+          <a:xfrm flipH="1" flipV="1">
+            <a:off x="5637654" y="1519417"/>
+            <a:ext cx="577516" cy="928150"/>
+          </a:xfrm>
+          <a:prstGeom prst="straightConnector1">
+            <a:avLst/>
+          </a:prstGeom>
+          <a:ln>
+            <a:solidFill>
+              <a:srgbClr val="FF0000"/>
+            </a:solidFill>
+            <a:tailEnd type="triangle"/>
+          </a:ln>
+        </p:spPr>
+        <p:style>
+          <a:lnRef idx="1">
+            <a:schemeClr val="accent1"/>
+          </a:lnRef>
+          <a:fillRef idx="0">
+            <a:schemeClr val="accent1"/>
+          </a:fillRef>
+          <a:effectRef idx="0">
+            <a:schemeClr val="accent1"/>
+          </a:effectRef>
+          <a:fontRef idx="minor">
+            <a:schemeClr val="tx1"/>
+          </a:fontRef>
+        </p:style>
+      </p:cxnSp>
+      <p:sp>
+        <p:nvSpPr>
+          <p:cNvPr id="17" name="TextBox 16"/>
+          <p:cNvSpPr txBox="1"/>
+          <p:nvPr/>
+        </p:nvSpPr>
+        <p:spPr>
+          <a:xfrm>
+            <a:off x="6023811" y="2447567"/>
+            <a:ext cx="3922294" cy="923330"/>
+          </a:xfrm>
+          <a:prstGeom prst="rect">
+            <a:avLst/>
+          </a:prstGeom>
+          <a:noFill/>
+        </p:spPr>
+        <p:txBody>
+          <a:bodyPr wrap="square" rtlCol="0">
+            <a:spAutoFit/>
+          </a:bodyPr>
+          <a:lstStyle/>
+          <a:p>
+            <a:r>
+              <a:rPr lang="en-US" dirty="0" smtClean="0"/>
+              <a:t>Shown for all client routes except Conversations</a:t>
+            </a:r>
+          </a:p>
+          <a:p>
+            <a:r>
+              <a:rPr lang="en-US" dirty="0" smtClean="0"/>
+              <a:t>This is </a:t>
+            </a:r>
+            <a:r>
+              <a:rPr lang="en-US" dirty="0" err="1" smtClean="0"/>
+              <a:t>realtime</a:t>
+            </a:r>
+            <a:endParaRPr lang="ru-RU" dirty="0"/>
+          </a:p>
+        </p:txBody>
+      </p:sp>
+    </p:spTree>
+    <p:extLst>
+      <p:ext uri="{BB962C8B-B14F-4D97-AF65-F5344CB8AC3E}">
+        <p14:creationId xmlns:p14="http://schemas.microsoft.com/office/powerpoint/2010/main" val="973098012"/>
+      </p:ext>
+    </p:extLst>
+  </p:cSld>
+  <p:clrMapOvr>
+    <a:masterClrMapping/>
+  </p:clrMapOvr>
+</p:sld>
+</file>
+
+<file path=ppt/slides/slide24.xml><?xml version="1.0" encoding="utf-8"?>
+<p:sld xmlns:a="http://schemas.openxmlformats.org/drawingml/2006/main" xmlns:r="http://schemas.openxmlformats.org/officeDocument/2006/relationships" xmlns:p="http://schemas.openxmlformats.org/presentationml/2006/main">
+  <p:cSld>
+    <p:spTree>
+      <p:nvGrpSpPr>
+        <p:cNvPr id="1" name=""/>
+        <p:cNvGrpSpPr/>
+        <p:nvPr/>
+      </p:nvGrpSpPr>
+      <p:grpSpPr>
+        <a:xfrm>
+          <a:off x="0" y="0"/>
+          <a:ext cx="0" cy="0"/>
+          <a:chOff x="0" y="0"/>
+          <a:chExt cx="0" cy="0"/>
+        </a:xfrm>
+      </p:grpSpPr>
+      <p:sp>
+        <p:nvSpPr>
           <p:cNvPr id="16" name="Rectangle 15"/>
           <p:cNvSpPr/>
           <p:nvPr/>
@@ -12458,7 +12712,7 @@
 </p:sld>
 </file>
 
-<file path=ppt/slides/slide24.xml><?xml version="1.0" encoding="utf-8"?>
+<file path=ppt/slides/slide25.xml><?xml version="1.0" encoding="utf-8"?>
 <p:sld xmlns:a="http://schemas.openxmlformats.org/drawingml/2006/main" xmlns:r="http://schemas.openxmlformats.org/officeDocument/2006/relationships" xmlns:p="http://schemas.openxmlformats.org/presentationml/2006/main">
   <p:cSld>
     <p:spTree>
@@ -15111,6 +15365,96 @@
 </file>
 
 <file path=ppt/slides/slide8.xml><?xml version="1.0" encoding="utf-8"?>
+<p:sld xmlns:a="http://schemas.openxmlformats.org/drawingml/2006/main" xmlns:r="http://schemas.openxmlformats.org/officeDocument/2006/relationships" xmlns:p="http://schemas.openxmlformats.org/presentationml/2006/main">
+  <p:cSld>
+    <p:spTree>
+      <p:nvGrpSpPr>
+        <p:cNvPr id="1" name=""/>
+        <p:cNvGrpSpPr/>
+        <p:nvPr/>
+      </p:nvGrpSpPr>
+      <p:grpSpPr>
+        <a:xfrm>
+          <a:off x="0" y="0"/>
+          <a:ext cx="0" cy="0"/>
+          <a:chOff x="0" y="0"/>
+          <a:chExt cx="0" cy="0"/>
+        </a:xfrm>
+      </p:grpSpPr>
+      <p:sp>
+        <p:nvSpPr>
+          <p:cNvPr id="4" name="TextBox 3"/>
+          <p:cNvSpPr txBox="1"/>
+          <p:nvPr/>
+        </p:nvSpPr>
+        <p:spPr>
+          <a:xfrm>
+            <a:off x="354932" y="252663"/>
+            <a:ext cx="10208794" cy="461665"/>
+          </a:xfrm>
+          <a:prstGeom prst="rect">
+            <a:avLst/>
+          </a:prstGeom>
+          <a:noFill/>
+        </p:spPr>
+        <p:txBody>
+          <a:bodyPr wrap="square" rtlCol="0">
+            <a:spAutoFit/>
+          </a:bodyPr>
+          <a:lstStyle/>
+          <a:p>
+            <a:r>
+              <a:rPr lang="en-US" sz="2400" dirty="0" smtClean="0"/>
+              <a:t>Home page</a:t>
+            </a:r>
+            <a:endParaRPr lang="ru-RU" sz="2400" dirty="0"/>
+          </a:p>
+        </p:txBody>
+      </p:sp>
+      <p:sp>
+        <p:nvSpPr>
+          <p:cNvPr id="5" name="TextBox 4"/>
+          <p:cNvSpPr txBox="1"/>
+          <p:nvPr/>
+        </p:nvSpPr>
+        <p:spPr>
+          <a:xfrm>
+            <a:off x="1997242" y="308901"/>
+            <a:ext cx="5336005" cy="369332"/>
+          </a:xfrm>
+          <a:prstGeom prst="rect">
+            <a:avLst/>
+          </a:prstGeom>
+          <a:noFill/>
+        </p:spPr>
+        <p:txBody>
+          <a:bodyPr wrap="square" rtlCol="0">
+            <a:spAutoFit/>
+          </a:bodyPr>
+          <a:lstStyle/>
+          <a:p>
+            <a:r>
+              <a:rPr lang="en-US" dirty="0" smtClean="0"/>
+              <a:t>(available only for usual users, not admin)</a:t>
+            </a:r>
+            <a:endParaRPr lang="ru-RU" dirty="0"/>
+          </a:p>
+        </p:txBody>
+      </p:sp>
+    </p:spTree>
+    <p:extLst>
+      <p:ext uri="{BB962C8B-B14F-4D97-AF65-F5344CB8AC3E}">
+        <p14:creationId xmlns:p14="http://schemas.microsoft.com/office/powerpoint/2010/main" val="3778543072"/>
+      </p:ext>
+    </p:extLst>
+  </p:cSld>
+  <p:clrMapOvr>
+    <a:masterClrMapping/>
+  </p:clrMapOvr>
+</p:sld>
+</file>
+
+<file path=ppt/slides/slide9.xml><?xml version="1.0" encoding="utf-8"?>
 <p:sld xmlns:a="http://schemas.openxmlformats.org/drawingml/2006/main" xmlns:r="http://schemas.openxmlformats.org/officeDocument/2006/relationships" xmlns:p="http://schemas.openxmlformats.org/presentationml/2006/main">
   <p:cSld>
     <p:spTree>
@@ -16023,267 +16367,6 @@
       </p:par>
     </p:tnLst>
   </p:timing>
-</p:sld>
-</file>
-
-<file path=ppt/slides/slide9.xml><?xml version="1.0" encoding="utf-8"?>
-<p:sld xmlns:a="http://schemas.openxmlformats.org/drawingml/2006/main" xmlns:r="http://schemas.openxmlformats.org/officeDocument/2006/relationships" xmlns:p="http://schemas.openxmlformats.org/presentationml/2006/main">
-  <p:cSld>
-    <p:spTree>
-      <p:nvGrpSpPr>
-        <p:cNvPr id="1" name=""/>
-        <p:cNvGrpSpPr/>
-        <p:nvPr/>
-      </p:nvGrpSpPr>
-      <p:grpSpPr>
-        <a:xfrm>
-          <a:off x="0" y="0"/>
-          <a:ext cx="0" cy="0"/>
-          <a:chOff x="0" y="0"/>
-          <a:chExt cx="0" cy="0"/>
-        </a:xfrm>
-      </p:grpSpPr>
-      <p:sp>
-        <p:nvSpPr>
-          <p:cNvPr id="4" name="TextBox 3"/>
-          <p:cNvSpPr txBox="1"/>
-          <p:nvPr/>
-        </p:nvSpPr>
-        <p:spPr>
-          <a:xfrm>
-            <a:off x="487279" y="174458"/>
-            <a:ext cx="4271210" cy="369332"/>
-          </a:xfrm>
-          <a:prstGeom prst="rect">
-            <a:avLst/>
-          </a:prstGeom>
-          <a:noFill/>
-        </p:spPr>
-        <p:txBody>
-          <a:bodyPr wrap="square" rtlCol="0">
-            <a:spAutoFit/>
-          </a:bodyPr>
-          <a:lstStyle/>
-          <a:p>
-            <a:r>
-              <a:rPr lang="en-US" dirty="0" smtClean="0"/>
-              <a:t>Site Events</a:t>
-            </a:r>
-            <a:endParaRPr lang="ru-RU" dirty="0"/>
-          </a:p>
-        </p:txBody>
-      </p:sp>
-      <p:sp>
-        <p:nvSpPr>
-          <p:cNvPr id="5" name="TextBox 4"/>
-          <p:cNvSpPr txBox="1"/>
-          <p:nvPr/>
-        </p:nvSpPr>
-        <p:spPr>
-          <a:xfrm>
-            <a:off x="487279" y="625642"/>
-            <a:ext cx="7850605" cy="1477328"/>
-          </a:xfrm>
-          <a:prstGeom prst="rect">
-            <a:avLst/>
-          </a:prstGeom>
-          <a:noFill/>
-        </p:spPr>
-        <p:txBody>
-          <a:bodyPr wrap="square" rtlCol="0">
-            <a:spAutoFit/>
-          </a:bodyPr>
-          <a:lstStyle/>
-          <a:p>
-            <a:pPr marL="285750" indent="-285750">
-              <a:buFont typeface="Arial" panose="020B0604020202020204" pitchFamily="34" charset="0"/>
-              <a:buChar char="•"/>
-            </a:pPr>
-            <a:r>
-              <a:rPr lang="en-US" dirty="0" smtClean="0"/>
-              <a:t>Site created (Information)</a:t>
-            </a:r>
-          </a:p>
-          <a:p>
-            <a:pPr marL="285750" indent="-285750">
-              <a:buFont typeface="Arial" panose="020B0604020202020204" pitchFamily="34" charset="0"/>
-              <a:buChar char="•"/>
-            </a:pPr>
-            <a:r>
-              <a:rPr lang="en-US" dirty="0" smtClean="0"/>
-              <a:t>Site started (Information)</a:t>
-            </a:r>
-          </a:p>
-          <a:p>
-            <a:pPr marL="285750" indent="-285750">
-              <a:buFont typeface="Arial" panose="020B0604020202020204" pitchFamily="34" charset="0"/>
-              <a:buChar char="•"/>
-            </a:pPr>
-            <a:r>
-              <a:rPr lang="en-US" dirty="0" smtClean="0"/>
-              <a:t>Site stopped (Information)</a:t>
-            </a:r>
-          </a:p>
-          <a:p>
-            <a:pPr marL="285750" indent="-285750">
-              <a:buFont typeface="Arial" panose="020B0604020202020204" pitchFamily="34" charset="0"/>
-              <a:buChar char="•"/>
-            </a:pPr>
-            <a:r>
-              <a:rPr lang="en-US" dirty="0" smtClean="0"/>
-              <a:t>Content changed (Information)</a:t>
-            </a:r>
-          </a:p>
-          <a:p>
-            <a:pPr marL="285750" indent="-285750">
-              <a:buFont typeface="Arial" panose="020B0604020202020204" pitchFamily="34" charset="0"/>
-              <a:buChar char="•"/>
-            </a:pPr>
-            <a:r>
-              <a:rPr lang="en-US" dirty="0" smtClean="0"/>
-              <a:t>Content delivery error (Error, some content not found).</a:t>
-            </a:r>
-            <a:endParaRPr lang="ru-RU" dirty="0"/>
-          </a:p>
-        </p:txBody>
-      </p:sp>
-      <p:sp>
-        <p:nvSpPr>
-          <p:cNvPr id="6" name="TextBox 5"/>
-          <p:cNvSpPr txBox="1"/>
-          <p:nvPr/>
-        </p:nvSpPr>
-        <p:spPr>
-          <a:xfrm>
-            <a:off x="487279" y="2335216"/>
-            <a:ext cx="6208295" cy="2031325"/>
-          </a:xfrm>
-          <a:prstGeom prst="rect">
-            <a:avLst/>
-          </a:prstGeom>
-          <a:noFill/>
-        </p:spPr>
-        <p:txBody>
-          <a:bodyPr wrap="square" rtlCol="0">
-            <a:spAutoFit/>
-          </a:bodyPr>
-          <a:lstStyle/>
-          <a:p>
-            <a:r>
-              <a:rPr lang="en-US" dirty="0" err="1" smtClean="0"/>
-              <a:t>SiteEvent</a:t>
-            </a:r>
-            <a:r>
-              <a:rPr lang="en-US" dirty="0" smtClean="0"/>
-              <a:t> Entity</a:t>
-            </a:r>
-          </a:p>
-          <a:p>
-            <a:pPr marL="285750" indent="-285750">
-              <a:buFont typeface="Arial" panose="020B0604020202020204" pitchFamily="34" charset="0"/>
-              <a:buChar char="•"/>
-            </a:pPr>
-            <a:r>
-              <a:rPr lang="en-US" dirty="0" smtClean="0"/>
-              <a:t>Id</a:t>
-            </a:r>
-          </a:p>
-          <a:p>
-            <a:pPr marL="285750" indent="-285750">
-              <a:buFont typeface="Arial" panose="020B0604020202020204" pitchFamily="34" charset="0"/>
-              <a:buChar char="•"/>
-            </a:pPr>
-            <a:r>
-              <a:rPr lang="en-US" dirty="0" err="1" smtClean="0"/>
-              <a:t>SiteId</a:t>
-            </a:r>
-            <a:endParaRPr lang="en-US" dirty="0" smtClean="0"/>
-          </a:p>
-          <a:p>
-            <a:pPr marL="285750" indent="-285750">
-              <a:buFont typeface="Arial" panose="020B0604020202020204" pitchFamily="34" charset="0"/>
-              <a:buChar char="•"/>
-            </a:pPr>
-            <a:r>
-              <a:rPr lang="en-US" dirty="0" smtClean="0"/>
-              <a:t>Type (</a:t>
-            </a:r>
-            <a:r>
-              <a:rPr lang="en-US" dirty="0" err="1" smtClean="0"/>
-              <a:t>enum</a:t>
-            </a:r>
-            <a:r>
-              <a:rPr lang="en-US" dirty="0" smtClean="0"/>
-              <a:t>)</a:t>
-            </a:r>
-          </a:p>
-          <a:p>
-            <a:pPr marL="285750" indent="-285750">
-              <a:buFont typeface="Arial" panose="020B0604020202020204" pitchFamily="34" charset="0"/>
-              <a:buChar char="•"/>
-            </a:pPr>
-            <a:r>
-              <a:rPr lang="en-US" dirty="0" smtClean="0"/>
-              <a:t>Name (string)</a:t>
-            </a:r>
-          </a:p>
-          <a:p>
-            <a:pPr marL="285750" indent="-285750">
-              <a:buFont typeface="Arial" panose="020B0604020202020204" pitchFamily="34" charset="0"/>
-              <a:buChar char="•"/>
-            </a:pPr>
-            <a:r>
-              <a:rPr lang="en-US" dirty="0" smtClean="0"/>
-              <a:t>Timestamp</a:t>
-            </a:r>
-          </a:p>
-          <a:p>
-            <a:pPr marL="285750" indent="-285750">
-              <a:buFont typeface="Arial" panose="020B0604020202020204" pitchFamily="34" charset="0"/>
-              <a:buChar char="•"/>
-            </a:pPr>
-            <a:r>
-              <a:rPr lang="en-US" dirty="0" smtClean="0"/>
-              <a:t>Details (string)</a:t>
-            </a:r>
-            <a:endParaRPr lang="ru-RU" dirty="0"/>
-          </a:p>
-        </p:txBody>
-      </p:sp>
-      <p:pic>
-        <p:nvPicPr>
-          <p:cNvPr id="8" name="Picture 7"/>
-          <p:cNvPicPr>
-            <a:picLocks noChangeAspect="1"/>
-          </p:cNvPicPr>
-          <p:nvPr/>
-        </p:nvPicPr>
-        <p:blipFill>
-          <a:blip r:embed="rId2"/>
-          <a:stretch>
-            <a:fillRect/>
-          </a:stretch>
-        </p:blipFill>
-        <p:spPr>
-          <a:xfrm>
-            <a:off x="8241682" y="2460362"/>
-            <a:ext cx="2867425" cy="1371791"/>
-          </a:xfrm>
-          <a:prstGeom prst="rect">
-            <a:avLst/>
-          </a:prstGeom>
-        </p:spPr>
-      </p:pic>
-    </p:spTree>
-    <p:extLst>
-      <p:ext uri="{BB962C8B-B14F-4D97-AF65-F5344CB8AC3E}">
-        <p14:creationId xmlns:p14="http://schemas.microsoft.com/office/powerpoint/2010/main" val="1373804876"/>
-      </p:ext>
-    </p:extLst>
-  </p:cSld>
-  <p:clrMapOvr>
-    <a:masterClrMapping/>
-  </p:clrMapOvr>
 </p:sld>
 </file>
 

--- a/Specs.pptx
+++ b/Specs.pptx
@@ -233,7 +233,7 @@
           <a:p>
             <a:fld id="{5A49B920-2512-410B-B58F-4F9F15F8D3A5}" type="datetimeFigureOut">
               <a:rPr lang="ru-RU" smtClean="0"/>
-              <a:t>06.05.2021</a:t>
+              <a:t>11.05.2021</a:t>
             </a:fld>
             <a:endParaRPr lang="ru-RU"/>
           </a:p>
@@ -632,7 +632,7 @@
           <a:p>
             <a:fld id="{A2EC0EAC-ECEF-44E1-B933-C13F370113F6}" type="datetimeFigureOut">
               <a:rPr lang="ru-RU" smtClean="0"/>
-              <a:t>06.05.2021</a:t>
+              <a:t>11.05.2021</a:t>
             </a:fld>
             <a:endParaRPr lang="ru-RU"/>
           </a:p>
@@ -802,7 +802,7 @@
           <a:p>
             <a:fld id="{A2EC0EAC-ECEF-44E1-B933-C13F370113F6}" type="datetimeFigureOut">
               <a:rPr lang="ru-RU" smtClean="0"/>
-              <a:t>06.05.2021</a:t>
+              <a:t>11.05.2021</a:t>
             </a:fld>
             <a:endParaRPr lang="ru-RU"/>
           </a:p>
@@ -982,7 +982,7 @@
           <a:p>
             <a:fld id="{A2EC0EAC-ECEF-44E1-B933-C13F370113F6}" type="datetimeFigureOut">
               <a:rPr lang="ru-RU" smtClean="0"/>
-              <a:t>06.05.2021</a:t>
+              <a:t>11.05.2021</a:t>
             </a:fld>
             <a:endParaRPr lang="ru-RU"/>
           </a:p>
@@ -1152,7 +1152,7 @@
           <a:p>
             <a:fld id="{A2EC0EAC-ECEF-44E1-B933-C13F370113F6}" type="datetimeFigureOut">
               <a:rPr lang="ru-RU" smtClean="0"/>
-              <a:t>06.05.2021</a:t>
+              <a:t>11.05.2021</a:t>
             </a:fld>
             <a:endParaRPr lang="ru-RU"/>
           </a:p>
@@ -1398,7 +1398,7 @@
           <a:p>
             <a:fld id="{A2EC0EAC-ECEF-44E1-B933-C13F370113F6}" type="datetimeFigureOut">
               <a:rPr lang="ru-RU" smtClean="0"/>
-              <a:t>06.05.2021</a:t>
+              <a:t>11.05.2021</a:t>
             </a:fld>
             <a:endParaRPr lang="ru-RU"/>
           </a:p>
@@ -1630,7 +1630,7 @@
           <a:p>
             <a:fld id="{A2EC0EAC-ECEF-44E1-B933-C13F370113F6}" type="datetimeFigureOut">
               <a:rPr lang="ru-RU" smtClean="0"/>
-              <a:t>06.05.2021</a:t>
+              <a:t>11.05.2021</a:t>
             </a:fld>
             <a:endParaRPr lang="ru-RU"/>
           </a:p>
@@ -1997,7 +1997,7 @@
           <a:p>
             <a:fld id="{A2EC0EAC-ECEF-44E1-B933-C13F370113F6}" type="datetimeFigureOut">
               <a:rPr lang="ru-RU" smtClean="0"/>
-              <a:t>06.05.2021</a:t>
+              <a:t>11.05.2021</a:t>
             </a:fld>
             <a:endParaRPr lang="ru-RU"/>
           </a:p>
@@ -2115,7 +2115,7 @@
           <a:p>
             <a:fld id="{A2EC0EAC-ECEF-44E1-B933-C13F370113F6}" type="datetimeFigureOut">
               <a:rPr lang="ru-RU" smtClean="0"/>
-              <a:t>06.05.2021</a:t>
+              <a:t>11.05.2021</a:t>
             </a:fld>
             <a:endParaRPr lang="ru-RU"/>
           </a:p>
@@ -2210,7 +2210,7 @@
           <a:p>
             <a:fld id="{A2EC0EAC-ECEF-44E1-B933-C13F370113F6}" type="datetimeFigureOut">
               <a:rPr lang="ru-RU" smtClean="0"/>
-              <a:t>06.05.2021</a:t>
+              <a:t>11.05.2021</a:t>
             </a:fld>
             <a:endParaRPr lang="ru-RU"/>
           </a:p>
@@ -2487,7 +2487,7 @@
           <a:p>
             <a:fld id="{A2EC0EAC-ECEF-44E1-B933-C13F370113F6}" type="datetimeFigureOut">
               <a:rPr lang="ru-RU" smtClean="0"/>
-              <a:t>06.05.2021</a:t>
+              <a:t>11.05.2021</a:t>
             </a:fld>
             <a:endParaRPr lang="ru-RU"/>
           </a:p>
@@ -2740,7 +2740,7 @@
           <a:p>
             <a:fld id="{A2EC0EAC-ECEF-44E1-B933-C13F370113F6}" type="datetimeFigureOut">
               <a:rPr lang="ru-RU" smtClean="0"/>
-              <a:t>06.05.2021</a:t>
+              <a:t>11.05.2021</a:t>
             </a:fld>
             <a:endParaRPr lang="ru-RU"/>
           </a:p>
@@ -2953,7 +2953,7 @@
           <a:p>
             <a:fld id="{A2EC0EAC-ECEF-44E1-B933-C13F370113F6}" type="datetimeFigureOut">
               <a:rPr lang="ru-RU" smtClean="0"/>
-              <a:t>06.05.2021</a:t>
+              <a:t>11.05.2021</a:t>
             </a:fld>
             <a:endParaRPr lang="ru-RU"/>
           </a:p>
@@ -15436,6 +15436,658 @@
             <a:r>
               <a:rPr lang="en-US" dirty="0" smtClean="0"/>
               <a:t>(available only for usual users, not admin)</a:t>
+            </a:r>
+            <a:endParaRPr lang="ru-RU" dirty="0"/>
+          </a:p>
+        </p:txBody>
+      </p:sp>
+      <p:graphicFrame>
+        <p:nvGraphicFramePr>
+          <p:cNvPr id="2" name="Table 1"/>
+          <p:cNvGraphicFramePr>
+            <a:graphicFrameLocks noGrp="1"/>
+          </p:cNvGraphicFramePr>
+          <p:nvPr>
+            <p:extLst>
+              <p:ext uri="{D42A27DB-BD31-4B8C-83A1-F6EECF244321}">
+                <p14:modId xmlns:p14="http://schemas.microsoft.com/office/powerpoint/2010/main" val="4047450764"/>
+              </p:ext>
+            </p:extLst>
+          </p:nvPr>
+        </p:nvGraphicFramePr>
+        <p:xfrm>
+          <a:off x="849202" y="678233"/>
+          <a:ext cx="10484690" cy="5994758"/>
+        </p:xfrm>
+        <a:graphic>
+          <a:graphicData uri="http://schemas.openxmlformats.org/drawingml/2006/table">
+            <a:tbl>
+              <a:tblPr firstRow="1" bandRow="1">
+                <a:tableStyleId>{5C22544A-7EE6-4342-B048-85BDC9FD1C3A}</a:tableStyleId>
+              </a:tblPr>
+              <a:tblGrid>
+                <a:gridCol w="5242345">
+                  <a:extLst>
+                    <a:ext uri="{9D8B030D-6E8A-4147-A177-3AD203B41FA5}">
+                      <a16:colId xmlns:a16="http://schemas.microsoft.com/office/drawing/2014/main" val="4205799885"/>
+                    </a:ext>
+                  </a:extLst>
+                </a:gridCol>
+                <a:gridCol w="5242345">
+                  <a:extLst>
+                    <a:ext uri="{9D8B030D-6E8A-4147-A177-3AD203B41FA5}">
+                      <a16:colId xmlns:a16="http://schemas.microsoft.com/office/drawing/2014/main" val="2419000476"/>
+                    </a:ext>
+                  </a:extLst>
+                </a:gridCol>
+              </a:tblGrid>
+              <a:tr h="2997379">
+                <a:tc>
+                  <a:txBody>
+                    <a:bodyPr/>
+                    <a:lstStyle/>
+                    <a:p>
+                      <a:endParaRPr lang="ru-RU" dirty="0"/>
+                    </a:p>
+                  </a:txBody>
+                  <a:tcPr>
+                    <a:noFill/>
+                  </a:tcPr>
+                </a:tc>
+                <a:tc>
+                  <a:txBody>
+                    <a:bodyPr/>
+                    <a:lstStyle/>
+                    <a:p>
+                      <a:endParaRPr lang="ru-RU" dirty="0"/>
+                    </a:p>
+                  </a:txBody>
+                  <a:tcPr>
+                    <a:noFill/>
+                  </a:tcPr>
+                </a:tc>
+                <a:extLst>
+                  <a:ext uri="{0D108BD9-81ED-4DB2-BD59-A6C34878D82A}">
+                    <a16:rowId xmlns:a16="http://schemas.microsoft.com/office/drawing/2014/main" val="428330720"/>
+                  </a:ext>
+                </a:extLst>
+              </a:tr>
+              <a:tr h="2997379">
+                <a:tc>
+                  <a:txBody>
+                    <a:bodyPr/>
+                    <a:lstStyle/>
+                    <a:p>
+                      <a:endParaRPr lang="ru-RU" dirty="0"/>
+                    </a:p>
+                  </a:txBody>
+                  <a:tcPr>
+                    <a:noFill/>
+                  </a:tcPr>
+                </a:tc>
+                <a:tc>
+                  <a:txBody>
+                    <a:bodyPr/>
+                    <a:lstStyle/>
+                    <a:p>
+                      <a:endParaRPr lang="ru-RU" dirty="0"/>
+                    </a:p>
+                  </a:txBody>
+                  <a:tcPr>
+                    <a:noFill/>
+                  </a:tcPr>
+                </a:tc>
+                <a:extLst>
+                  <a:ext uri="{0D108BD9-81ED-4DB2-BD59-A6C34878D82A}">
+                    <a16:rowId xmlns:a16="http://schemas.microsoft.com/office/drawing/2014/main" val="1139207075"/>
+                  </a:ext>
+                </a:extLst>
+              </a:tr>
+            </a:tbl>
+          </a:graphicData>
+        </a:graphic>
+      </p:graphicFrame>
+      <p:sp>
+        <p:nvSpPr>
+          <p:cNvPr id="6" name="Pie 5"/>
+          <p:cNvSpPr/>
+          <p:nvPr/>
+        </p:nvSpPr>
+        <p:spPr>
+          <a:xfrm>
+            <a:off x="2090044" y="1278072"/>
+            <a:ext cx="1594021" cy="1556951"/>
+          </a:xfrm>
+          <a:prstGeom prst="pie">
+            <a:avLst>
+              <a:gd name="adj1" fmla="val 0"/>
+              <a:gd name="adj2" fmla="val 18380846"/>
+            </a:avLst>
+          </a:prstGeom>
+          <a:solidFill>
+            <a:srgbClr val="FF0000"/>
+          </a:solidFill>
+        </p:spPr>
+        <p:style>
+          <a:lnRef idx="2">
+            <a:schemeClr val="accent1">
+              <a:shade val="50000"/>
+            </a:schemeClr>
+          </a:lnRef>
+          <a:fillRef idx="1">
+            <a:schemeClr val="accent1"/>
+          </a:fillRef>
+          <a:effectRef idx="0">
+            <a:schemeClr val="accent1"/>
+          </a:effectRef>
+          <a:fontRef idx="minor">
+            <a:schemeClr val="lt1"/>
+          </a:fontRef>
+        </p:style>
+        <p:txBody>
+          <a:bodyPr rtlCol="0" anchor="ctr"/>
+          <a:lstStyle/>
+          <a:p>
+            <a:pPr algn="ctr"/>
+            <a:endParaRPr lang="ru-RU">
+              <a:solidFill>
+                <a:schemeClr val="tx1"/>
+              </a:solidFill>
+            </a:endParaRPr>
+          </a:p>
+        </p:txBody>
+      </p:sp>
+      <p:sp>
+        <p:nvSpPr>
+          <p:cNvPr id="7" name="Pie 6"/>
+          <p:cNvSpPr/>
+          <p:nvPr/>
+        </p:nvSpPr>
+        <p:spPr>
+          <a:xfrm>
+            <a:off x="2150629" y="1278072"/>
+            <a:ext cx="1533436" cy="1556951"/>
+          </a:xfrm>
+          <a:prstGeom prst="pie">
+            <a:avLst>
+              <a:gd name="adj1" fmla="val 18254712"/>
+              <a:gd name="adj2" fmla="val 31552"/>
+            </a:avLst>
+          </a:prstGeom>
+        </p:spPr>
+        <p:style>
+          <a:lnRef idx="2">
+            <a:schemeClr val="accent1">
+              <a:shade val="50000"/>
+            </a:schemeClr>
+          </a:lnRef>
+          <a:fillRef idx="1">
+            <a:schemeClr val="accent1"/>
+          </a:fillRef>
+          <a:effectRef idx="0">
+            <a:schemeClr val="accent1"/>
+          </a:effectRef>
+          <a:fontRef idx="minor">
+            <a:schemeClr val="lt1"/>
+          </a:fontRef>
+        </p:style>
+        <p:txBody>
+          <a:bodyPr rtlCol="0" anchor="ctr"/>
+          <a:lstStyle/>
+          <a:p>
+            <a:pPr algn="ctr"/>
+            <a:endParaRPr lang="ru-RU">
+              <a:solidFill>
+                <a:schemeClr val="tx1"/>
+              </a:solidFill>
+            </a:endParaRPr>
+          </a:p>
+        </p:txBody>
+      </p:sp>
+      <p:sp>
+        <p:nvSpPr>
+          <p:cNvPr id="8" name="Rectangle 7"/>
+          <p:cNvSpPr/>
+          <p:nvPr/>
+        </p:nvSpPr>
+        <p:spPr>
+          <a:xfrm>
+            <a:off x="1057701" y="3038323"/>
+            <a:ext cx="225189" cy="170597"/>
+          </a:xfrm>
+          <a:prstGeom prst="rect">
+            <a:avLst/>
+          </a:prstGeom>
+          <a:solidFill>
+            <a:srgbClr val="FF0000"/>
+          </a:solidFill>
+        </p:spPr>
+        <p:style>
+          <a:lnRef idx="2">
+            <a:schemeClr val="accent1">
+              <a:shade val="50000"/>
+            </a:schemeClr>
+          </a:lnRef>
+          <a:fillRef idx="1">
+            <a:schemeClr val="accent1"/>
+          </a:fillRef>
+          <a:effectRef idx="0">
+            <a:schemeClr val="accent1"/>
+          </a:effectRef>
+          <a:fontRef idx="minor">
+            <a:schemeClr val="lt1"/>
+          </a:fontRef>
+        </p:style>
+        <p:txBody>
+          <a:bodyPr rtlCol="0" anchor="ctr"/>
+          <a:lstStyle/>
+          <a:p>
+            <a:pPr algn="ctr"/>
+            <a:endParaRPr lang="ru-RU"/>
+          </a:p>
+        </p:txBody>
+      </p:sp>
+      <p:sp>
+        <p:nvSpPr>
+          <p:cNvPr id="9" name="TextBox 8"/>
+          <p:cNvSpPr txBox="1"/>
+          <p:nvPr/>
+        </p:nvSpPr>
+        <p:spPr>
+          <a:xfrm>
+            <a:off x="1380360" y="2938955"/>
+            <a:ext cx="1419367" cy="369332"/>
+          </a:xfrm>
+          <a:prstGeom prst="rect">
+            <a:avLst/>
+          </a:prstGeom>
+          <a:noFill/>
+        </p:spPr>
+        <p:txBody>
+          <a:bodyPr wrap="square" rtlCol="0">
+            <a:spAutoFit/>
+          </a:bodyPr>
+          <a:lstStyle/>
+          <a:p>
+            <a:r>
+              <a:rPr lang="en-US" dirty="0" smtClean="0"/>
+              <a:t>Active sites</a:t>
+            </a:r>
+            <a:endParaRPr lang="ru-RU" dirty="0"/>
+          </a:p>
+        </p:txBody>
+      </p:sp>
+      <p:sp>
+        <p:nvSpPr>
+          <p:cNvPr id="10" name="Rectangle 9"/>
+          <p:cNvSpPr/>
+          <p:nvPr/>
+        </p:nvSpPr>
+        <p:spPr>
+          <a:xfrm>
+            <a:off x="1057700" y="3308287"/>
+            <a:ext cx="225189" cy="170597"/>
+          </a:xfrm>
+          <a:prstGeom prst="rect">
+            <a:avLst/>
+          </a:prstGeom>
+          <a:solidFill>
+            <a:schemeClr val="accent1"/>
+          </a:solidFill>
+        </p:spPr>
+        <p:style>
+          <a:lnRef idx="2">
+            <a:schemeClr val="accent1">
+              <a:shade val="50000"/>
+            </a:schemeClr>
+          </a:lnRef>
+          <a:fillRef idx="1">
+            <a:schemeClr val="accent1"/>
+          </a:fillRef>
+          <a:effectRef idx="0">
+            <a:schemeClr val="accent1"/>
+          </a:effectRef>
+          <a:fontRef idx="minor">
+            <a:schemeClr val="lt1"/>
+          </a:fontRef>
+        </p:style>
+        <p:txBody>
+          <a:bodyPr rtlCol="0" anchor="ctr"/>
+          <a:lstStyle/>
+          <a:p>
+            <a:pPr algn="ctr"/>
+            <a:endParaRPr lang="ru-RU"/>
+          </a:p>
+        </p:txBody>
+      </p:sp>
+      <p:sp>
+        <p:nvSpPr>
+          <p:cNvPr id="11" name="TextBox 10"/>
+          <p:cNvSpPr txBox="1"/>
+          <p:nvPr/>
+        </p:nvSpPr>
+        <p:spPr>
+          <a:xfrm>
+            <a:off x="1380359" y="3196113"/>
+            <a:ext cx="1419367" cy="369332"/>
+          </a:xfrm>
+          <a:prstGeom prst="rect">
+            <a:avLst/>
+          </a:prstGeom>
+          <a:noFill/>
+        </p:spPr>
+        <p:txBody>
+          <a:bodyPr wrap="square" rtlCol="0">
+            <a:spAutoFit/>
+          </a:bodyPr>
+          <a:lstStyle/>
+          <a:p>
+            <a:r>
+              <a:rPr lang="en-US" dirty="0" smtClean="0"/>
+              <a:t>Offline sites</a:t>
+            </a:r>
+            <a:endParaRPr lang="ru-RU" dirty="0"/>
+          </a:p>
+        </p:txBody>
+      </p:sp>
+      <p:sp>
+        <p:nvSpPr>
+          <p:cNvPr id="12" name="Pie 11"/>
+          <p:cNvSpPr/>
+          <p:nvPr/>
+        </p:nvSpPr>
+        <p:spPr>
+          <a:xfrm>
+            <a:off x="8365591" y="1265005"/>
+            <a:ext cx="1594021" cy="1556951"/>
+          </a:xfrm>
+          <a:prstGeom prst="pie">
+            <a:avLst>
+              <a:gd name="adj1" fmla="val 0"/>
+              <a:gd name="adj2" fmla="val 18380846"/>
+            </a:avLst>
+          </a:prstGeom>
+          <a:solidFill>
+            <a:srgbClr val="FF0000"/>
+          </a:solidFill>
+        </p:spPr>
+        <p:style>
+          <a:lnRef idx="2">
+            <a:schemeClr val="accent1">
+              <a:shade val="50000"/>
+            </a:schemeClr>
+          </a:lnRef>
+          <a:fillRef idx="1">
+            <a:schemeClr val="accent1"/>
+          </a:fillRef>
+          <a:effectRef idx="0">
+            <a:schemeClr val="accent1"/>
+          </a:effectRef>
+          <a:fontRef idx="minor">
+            <a:schemeClr val="lt1"/>
+          </a:fontRef>
+        </p:style>
+        <p:txBody>
+          <a:bodyPr rtlCol="0" anchor="ctr"/>
+          <a:lstStyle/>
+          <a:p>
+            <a:pPr algn="ctr"/>
+            <a:endParaRPr lang="ru-RU">
+              <a:solidFill>
+                <a:schemeClr val="tx1"/>
+              </a:solidFill>
+            </a:endParaRPr>
+          </a:p>
+        </p:txBody>
+      </p:sp>
+      <p:sp>
+        <p:nvSpPr>
+          <p:cNvPr id="13" name="Pie 12"/>
+          <p:cNvSpPr/>
+          <p:nvPr/>
+        </p:nvSpPr>
+        <p:spPr>
+          <a:xfrm>
+            <a:off x="8426176" y="1265005"/>
+            <a:ext cx="1533436" cy="1556951"/>
+          </a:xfrm>
+          <a:prstGeom prst="pie">
+            <a:avLst>
+              <a:gd name="adj1" fmla="val 18254712"/>
+              <a:gd name="adj2" fmla="val 31552"/>
+            </a:avLst>
+          </a:prstGeom>
+        </p:spPr>
+        <p:style>
+          <a:lnRef idx="2">
+            <a:schemeClr val="accent1">
+              <a:shade val="50000"/>
+            </a:schemeClr>
+          </a:lnRef>
+          <a:fillRef idx="1">
+            <a:schemeClr val="accent1"/>
+          </a:fillRef>
+          <a:effectRef idx="0">
+            <a:schemeClr val="accent1"/>
+          </a:effectRef>
+          <a:fontRef idx="minor">
+            <a:schemeClr val="lt1"/>
+          </a:fontRef>
+        </p:style>
+        <p:txBody>
+          <a:bodyPr rtlCol="0" anchor="ctr"/>
+          <a:lstStyle/>
+          <a:p>
+            <a:pPr algn="ctr"/>
+            <a:endParaRPr lang="ru-RU">
+              <a:solidFill>
+                <a:schemeClr val="tx1"/>
+              </a:solidFill>
+            </a:endParaRPr>
+          </a:p>
+        </p:txBody>
+      </p:sp>
+      <p:sp>
+        <p:nvSpPr>
+          <p:cNvPr id="14" name="Rectangle 13"/>
+          <p:cNvSpPr/>
+          <p:nvPr/>
+        </p:nvSpPr>
+        <p:spPr>
+          <a:xfrm>
+            <a:off x="7333248" y="3025256"/>
+            <a:ext cx="225189" cy="170597"/>
+          </a:xfrm>
+          <a:prstGeom prst="rect">
+            <a:avLst/>
+          </a:prstGeom>
+          <a:solidFill>
+            <a:srgbClr val="FF0000"/>
+          </a:solidFill>
+        </p:spPr>
+        <p:style>
+          <a:lnRef idx="2">
+            <a:schemeClr val="accent1">
+              <a:shade val="50000"/>
+            </a:schemeClr>
+          </a:lnRef>
+          <a:fillRef idx="1">
+            <a:schemeClr val="accent1"/>
+          </a:fillRef>
+          <a:effectRef idx="0">
+            <a:schemeClr val="accent1"/>
+          </a:effectRef>
+          <a:fontRef idx="minor">
+            <a:schemeClr val="lt1"/>
+          </a:fontRef>
+        </p:style>
+        <p:txBody>
+          <a:bodyPr rtlCol="0" anchor="ctr"/>
+          <a:lstStyle/>
+          <a:p>
+            <a:pPr algn="ctr"/>
+            <a:endParaRPr lang="ru-RU"/>
+          </a:p>
+        </p:txBody>
+      </p:sp>
+      <p:sp>
+        <p:nvSpPr>
+          <p:cNvPr id="15" name="TextBox 14"/>
+          <p:cNvSpPr txBox="1"/>
+          <p:nvPr/>
+        </p:nvSpPr>
+        <p:spPr>
+          <a:xfrm>
+            <a:off x="7655907" y="2925888"/>
+            <a:ext cx="1419367" cy="369332"/>
+          </a:xfrm>
+          <a:prstGeom prst="rect">
+            <a:avLst/>
+          </a:prstGeom>
+          <a:noFill/>
+        </p:spPr>
+        <p:txBody>
+          <a:bodyPr wrap="square" rtlCol="0">
+            <a:spAutoFit/>
+          </a:bodyPr>
+          <a:lstStyle/>
+          <a:p>
+            <a:r>
+              <a:rPr lang="en-US" dirty="0" smtClean="0"/>
+              <a:t>AVS Site</a:t>
+            </a:r>
+            <a:endParaRPr lang="ru-RU" dirty="0"/>
+          </a:p>
+        </p:txBody>
+      </p:sp>
+      <p:sp>
+        <p:nvSpPr>
+          <p:cNvPr id="16" name="Rectangle 15"/>
+          <p:cNvSpPr/>
+          <p:nvPr/>
+        </p:nvSpPr>
+        <p:spPr>
+          <a:xfrm>
+            <a:off x="7333247" y="3295220"/>
+            <a:ext cx="225189" cy="170597"/>
+          </a:xfrm>
+          <a:prstGeom prst="rect">
+            <a:avLst/>
+          </a:prstGeom>
+          <a:solidFill>
+            <a:schemeClr val="accent1"/>
+          </a:solidFill>
+        </p:spPr>
+        <p:style>
+          <a:lnRef idx="2">
+            <a:schemeClr val="accent1">
+              <a:shade val="50000"/>
+            </a:schemeClr>
+          </a:lnRef>
+          <a:fillRef idx="1">
+            <a:schemeClr val="accent1"/>
+          </a:fillRef>
+          <a:effectRef idx="0">
+            <a:schemeClr val="accent1"/>
+          </a:effectRef>
+          <a:fontRef idx="minor">
+            <a:schemeClr val="lt1"/>
+          </a:fontRef>
+        </p:style>
+        <p:txBody>
+          <a:bodyPr rtlCol="0" anchor="ctr"/>
+          <a:lstStyle/>
+          <a:p>
+            <a:pPr algn="ctr"/>
+            <a:endParaRPr lang="ru-RU"/>
+          </a:p>
+        </p:txBody>
+      </p:sp>
+      <p:sp>
+        <p:nvSpPr>
+          <p:cNvPr id="17" name="TextBox 16"/>
+          <p:cNvSpPr txBox="1"/>
+          <p:nvPr/>
+        </p:nvSpPr>
+        <p:spPr>
+          <a:xfrm>
+            <a:off x="7655906" y="3183046"/>
+            <a:ext cx="1419367" cy="369332"/>
+          </a:xfrm>
+          <a:prstGeom prst="rect">
+            <a:avLst/>
+          </a:prstGeom>
+          <a:noFill/>
+        </p:spPr>
+        <p:txBody>
+          <a:bodyPr wrap="square" rtlCol="0">
+            <a:spAutoFit/>
+          </a:bodyPr>
+          <a:lstStyle/>
+          <a:p>
+            <a:r>
+              <a:rPr lang="en-US" dirty="0" smtClean="0"/>
+              <a:t>s1</a:t>
+            </a:r>
+            <a:endParaRPr lang="ru-RU" dirty="0"/>
+          </a:p>
+        </p:txBody>
+      </p:sp>
+      <p:sp>
+        <p:nvSpPr>
+          <p:cNvPr id="18" name="TextBox 17"/>
+          <p:cNvSpPr txBox="1"/>
+          <p:nvPr/>
+        </p:nvSpPr>
+        <p:spPr>
+          <a:xfrm>
+            <a:off x="702860" y="689209"/>
+            <a:ext cx="2096866" cy="369332"/>
+          </a:xfrm>
+          <a:prstGeom prst="rect">
+            <a:avLst/>
+          </a:prstGeom>
+          <a:noFill/>
+        </p:spPr>
+        <p:txBody>
+          <a:bodyPr wrap="square" rtlCol="0">
+            <a:spAutoFit/>
+          </a:bodyPr>
+          <a:lstStyle/>
+          <a:p>
+            <a:r>
+              <a:rPr lang="en-US" dirty="0" smtClean="0"/>
+              <a:t>Your sites</a:t>
+            </a:r>
+            <a:endParaRPr lang="ru-RU" dirty="0"/>
+          </a:p>
+        </p:txBody>
+      </p:sp>
+      <p:sp>
+        <p:nvSpPr>
+          <p:cNvPr id="19" name="TextBox 18"/>
+          <p:cNvSpPr txBox="1"/>
+          <p:nvPr/>
+        </p:nvSpPr>
+        <p:spPr>
+          <a:xfrm>
+            <a:off x="6978407" y="994202"/>
+            <a:ext cx="2096866" cy="369332"/>
+          </a:xfrm>
+          <a:prstGeom prst="rect">
+            <a:avLst/>
+          </a:prstGeom>
+          <a:noFill/>
+        </p:spPr>
+        <p:txBody>
+          <a:bodyPr wrap="square" rtlCol="0">
+            <a:spAutoFit/>
+          </a:bodyPr>
+          <a:lstStyle/>
+          <a:p>
+            <a:r>
+              <a:rPr lang="en-US" dirty="0" smtClean="0"/>
+              <a:t>Storage used</a:t>
             </a:r>
             <a:endParaRPr lang="ru-RU" dirty="0"/>
           </a:p>
